--- a/src/main/resources/presentation/TeamA　品質管理チーム演習.pptx
+++ b/src/main/resources/presentation/TeamA　品質管理チーム演習.pptx
@@ -8,15 +8,16 @@
     <p:sldId id="256" r:id="rId2"/>
     <p:sldId id="266" r:id="rId3"/>
     <p:sldId id="263" r:id="rId4"/>
-    <p:sldId id="258" r:id="rId5"/>
-    <p:sldId id="264" r:id="rId6"/>
-    <p:sldId id="265" r:id="rId7"/>
-    <p:sldId id="257" r:id="rId8"/>
-    <p:sldId id="271" r:id="rId9"/>
-    <p:sldId id="268" r:id="rId10"/>
-    <p:sldId id="270" r:id="rId11"/>
-    <p:sldId id="269" r:id="rId12"/>
-    <p:sldId id="267" r:id="rId13"/>
+    <p:sldId id="272" r:id="rId5"/>
+    <p:sldId id="258" r:id="rId6"/>
+    <p:sldId id="264" r:id="rId7"/>
+    <p:sldId id="265" r:id="rId8"/>
+    <p:sldId id="257" r:id="rId9"/>
+    <p:sldId id="271" r:id="rId10"/>
+    <p:sldId id="268" r:id="rId11"/>
+    <p:sldId id="270" r:id="rId12"/>
+    <p:sldId id="269" r:id="rId13"/>
+    <p:sldId id="267" r:id="rId14"/>
   </p:sldIdLst>
   <p:sldSz cx="12192000" cy="6858000"/>
   <p:notesSz cx="6858000" cy="9144000"/>
@@ -115,6 +116,11 @@
       </a:defRPr>
     </a:lvl9pPr>
   </p:defaultTextStyle>
+  <p:extLst>
+    <p:ext uri="{EFAFB233-063F-42B5-8137-9DF3F51BA10A}">
+      <p15:sldGuideLst xmlns:p15="http://schemas.microsoft.com/office/powerpoint/2012/main"/>
+    </p:ext>
+  </p:extLst>
 </p:presentation>
 </file>
 
@@ -3834,6 +3840,549 @@
         <p:cNvPr id="1" name="">
           <a:extLst>
             <a:ext uri="{FF2B5EF4-FFF2-40B4-BE49-F238E27FC236}">
+              <a16:creationId xmlns:a16="http://schemas.microsoft.com/office/drawing/2014/main" id="{4DB74708-659E-2C7A-7AA5-A977ADB6FA5B}"/>
+            </a:ext>
+          </a:extLst>
+        </p:cNvPr>
+        <p:cNvGrpSpPr/>
+        <p:nvPr/>
+      </p:nvGrpSpPr>
+      <p:grpSpPr>
+        <a:xfrm>
+          <a:off x="0" y="0"/>
+          <a:ext cx="0" cy="0"/>
+          <a:chOff x="0" y="0"/>
+          <a:chExt cx="0" cy="0"/>
+        </a:xfrm>
+      </p:grpSpPr>
+      <p:sp>
+        <p:nvSpPr>
+          <p:cNvPr id="2" name="タイトル 1">
+            <a:extLst>
+              <a:ext uri="{FF2B5EF4-FFF2-40B4-BE49-F238E27FC236}">
+                <a16:creationId xmlns:a16="http://schemas.microsoft.com/office/drawing/2014/main" id="{9573BA57-DF7A-DF4F-34DC-C7A0EB718C75}"/>
+              </a:ext>
+            </a:extLst>
+          </p:cNvPr>
+          <p:cNvSpPr>
+            <a:spLocks noGrp="1"/>
+          </p:cNvSpPr>
+          <p:nvPr>
+            <p:ph type="title"/>
+          </p:nvPr>
+        </p:nvSpPr>
+        <p:spPr>
+          <a:xfrm>
+            <a:off x="838200" y="257199"/>
+            <a:ext cx="10515600" cy="1325563"/>
+          </a:xfrm>
+        </p:spPr>
+        <p:txBody>
+          <a:bodyPr/>
+          <a:lstStyle/>
+          <a:p>
+            <a:r>
+              <a:rPr kumimoji="1" lang="ja-JP" altLang="en-US" b="1" dirty="0">
+                <a:solidFill>
+                  <a:schemeClr val="accent1"/>
+                </a:solidFill>
+              </a:rPr>
+              <a:t>個人発表（社員番号</a:t>
+            </a:r>
+            <a:r>
+              <a:rPr kumimoji="1" lang="en-US" altLang="ja-JP" b="1" dirty="0">
+                <a:solidFill>
+                  <a:schemeClr val="accent1"/>
+                </a:solidFill>
+              </a:rPr>
+              <a:t>_</a:t>
+            </a:r>
+            <a:r>
+              <a:rPr kumimoji="1" lang="ja-JP" altLang="en-US" b="1" dirty="0">
+                <a:solidFill>
+                  <a:schemeClr val="accent1"/>
+                </a:solidFill>
+              </a:rPr>
+              <a:t>かし）</a:t>
+            </a:r>
+          </a:p>
+        </p:txBody>
+      </p:sp>
+      <p:sp>
+        <p:nvSpPr>
+          <p:cNvPr id="4" name="矢印: 山形 3">
+            <a:extLst>
+              <a:ext uri="{FF2B5EF4-FFF2-40B4-BE49-F238E27FC236}">
+                <a16:creationId xmlns:a16="http://schemas.microsoft.com/office/drawing/2014/main" id="{7F830057-F882-F34D-DDC1-C7E845F6DC8F}"/>
+              </a:ext>
+            </a:extLst>
+          </p:cNvPr>
+          <p:cNvSpPr/>
+          <p:nvPr/>
+        </p:nvSpPr>
+        <p:spPr>
+          <a:xfrm>
+            <a:off x="1164779" y="1697493"/>
+            <a:ext cx="2677883" cy="609600"/>
+          </a:xfrm>
+          <a:prstGeom prst="chevron">
+            <a:avLst/>
+          </a:prstGeom>
+        </p:spPr>
+        <p:style>
+          <a:lnRef idx="2">
+            <a:schemeClr val="accent1">
+              <a:shade val="15000"/>
+            </a:schemeClr>
+          </a:lnRef>
+          <a:fillRef idx="1">
+            <a:schemeClr val="accent1"/>
+          </a:fillRef>
+          <a:effectRef idx="0">
+            <a:schemeClr val="accent1"/>
+          </a:effectRef>
+          <a:fontRef idx="minor">
+            <a:schemeClr val="lt1"/>
+          </a:fontRef>
+        </p:style>
+        <p:txBody>
+          <a:bodyPr rtlCol="0" anchor="ctr"/>
+          <a:lstStyle/>
+          <a:p>
+            <a:pPr algn="ctr"/>
+            <a:r>
+              <a:rPr kumimoji="1" lang="ja-JP" altLang="en-US" dirty="0">
+                <a:solidFill>
+                  <a:schemeClr val="bg1"/>
+                </a:solidFill>
+              </a:rPr>
+              <a:t>一日目</a:t>
+            </a:r>
+          </a:p>
+        </p:txBody>
+      </p:sp>
+      <p:sp>
+        <p:nvSpPr>
+          <p:cNvPr id="12" name="矢印: 山形 11">
+            <a:extLst>
+              <a:ext uri="{FF2B5EF4-FFF2-40B4-BE49-F238E27FC236}">
+                <a16:creationId xmlns:a16="http://schemas.microsoft.com/office/drawing/2014/main" id="{5D85BDF6-A42C-60E5-B09B-0562C002299B}"/>
+              </a:ext>
+            </a:extLst>
+          </p:cNvPr>
+          <p:cNvSpPr/>
+          <p:nvPr/>
+        </p:nvSpPr>
+        <p:spPr>
+          <a:xfrm>
+            <a:off x="3788238" y="1712469"/>
+            <a:ext cx="2677883" cy="609600"/>
+          </a:xfrm>
+          <a:prstGeom prst="chevron">
+            <a:avLst/>
+          </a:prstGeom>
+        </p:spPr>
+        <p:style>
+          <a:lnRef idx="2">
+            <a:schemeClr val="accent1">
+              <a:shade val="15000"/>
+            </a:schemeClr>
+          </a:lnRef>
+          <a:fillRef idx="1">
+            <a:schemeClr val="accent1"/>
+          </a:fillRef>
+          <a:effectRef idx="0">
+            <a:schemeClr val="accent1"/>
+          </a:effectRef>
+          <a:fontRef idx="minor">
+            <a:schemeClr val="lt1"/>
+          </a:fontRef>
+        </p:style>
+        <p:txBody>
+          <a:bodyPr rtlCol="0" anchor="ctr"/>
+          <a:lstStyle/>
+          <a:p>
+            <a:pPr algn="ctr"/>
+            <a:r>
+              <a:rPr kumimoji="1" lang="ja-JP" altLang="en-US" dirty="0">
+                <a:solidFill>
+                  <a:schemeClr val="bg1"/>
+                </a:solidFill>
+              </a:rPr>
+              <a:t>二日目</a:t>
+            </a:r>
+          </a:p>
+        </p:txBody>
+      </p:sp>
+      <p:sp>
+        <p:nvSpPr>
+          <p:cNvPr id="13" name="矢印: 山形 12">
+            <a:extLst>
+              <a:ext uri="{FF2B5EF4-FFF2-40B4-BE49-F238E27FC236}">
+                <a16:creationId xmlns:a16="http://schemas.microsoft.com/office/drawing/2014/main" id="{029FE0E4-D37E-9D11-4ED5-33DD1F15AB1F}"/>
+              </a:ext>
+            </a:extLst>
+          </p:cNvPr>
+          <p:cNvSpPr/>
+          <p:nvPr/>
+        </p:nvSpPr>
+        <p:spPr>
+          <a:xfrm>
+            <a:off x="6411696" y="1697493"/>
+            <a:ext cx="2677883" cy="609600"/>
+          </a:xfrm>
+          <a:prstGeom prst="chevron">
+            <a:avLst/>
+          </a:prstGeom>
+        </p:spPr>
+        <p:style>
+          <a:lnRef idx="2">
+            <a:schemeClr val="accent1">
+              <a:shade val="15000"/>
+            </a:schemeClr>
+          </a:lnRef>
+          <a:fillRef idx="1">
+            <a:schemeClr val="accent1"/>
+          </a:fillRef>
+          <a:effectRef idx="0">
+            <a:schemeClr val="accent1"/>
+          </a:effectRef>
+          <a:fontRef idx="minor">
+            <a:schemeClr val="lt1"/>
+          </a:fontRef>
+        </p:style>
+        <p:txBody>
+          <a:bodyPr rtlCol="0" anchor="ctr"/>
+          <a:lstStyle/>
+          <a:p>
+            <a:pPr algn="ctr"/>
+            <a:r>
+              <a:rPr lang="ja-JP" altLang="en-US" dirty="0">
+                <a:solidFill>
+                  <a:schemeClr val="bg1"/>
+                </a:solidFill>
+              </a:rPr>
+              <a:t>三</a:t>
+            </a:r>
+            <a:r>
+              <a:rPr kumimoji="1" lang="ja-JP" altLang="en-US" dirty="0">
+                <a:solidFill>
+                  <a:schemeClr val="bg1"/>
+                </a:solidFill>
+              </a:rPr>
+              <a:t>日目</a:t>
+            </a:r>
+          </a:p>
+        </p:txBody>
+      </p:sp>
+      <p:sp>
+        <p:nvSpPr>
+          <p:cNvPr id="14" name="矢印: 山形 13">
+            <a:extLst>
+              <a:ext uri="{FF2B5EF4-FFF2-40B4-BE49-F238E27FC236}">
+                <a16:creationId xmlns:a16="http://schemas.microsoft.com/office/drawing/2014/main" id="{8531C6DD-F2E5-E29A-820A-11EA65DD2282}"/>
+              </a:ext>
+            </a:extLst>
+          </p:cNvPr>
+          <p:cNvSpPr/>
+          <p:nvPr/>
+        </p:nvSpPr>
+        <p:spPr>
+          <a:xfrm>
+            <a:off x="9089579" y="1690688"/>
+            <a:ext cx="2677883" cy="609600"/>
+          </a:xfrm>
+          <a:prstGeom prst="chevron">
+            <a:avLst/>
+          </a:prstGeom>
+        </p:spPr>
+        <p:style>
+          <a:lnRef idx="2">
+            <a:schemeClr val="accent1">
+              <a:shade val="15000"/>
+            </a:schemeClr>
+          </a:lnRef>
+          <a:fillRef idx="1">
+            <a:schemeClr val="accent1"/>
+          </a:fillRef>
+          <a:effectRef idx="0">
+            <a:schemeClr val="accent1"/>
+          </a:effectRef>
+          <a:fontRef idx="minor">
+            <a:schemeClr val="lt1"/>
+          </a:fontRef>
+        </p:style>
+        <p:txBody>
+          <a:bodyPr rtlCol="0" anchor="ctr"/>
+          <a:lstStyle/>
+          <a:p>
+            <a:pPr algn="ctr"/>
+            <a:r>
+              <a:rPr lang="ja-JP" altLang="en-US" dirty="0">
+                <a:solidFill>
+                  <a:schemeClr val="bg1"/>
+                </a:solidFill>
+              </a:rPr>
+              <a:t>四</a:t>
+            </a:r>
+            <a:r>
+              <a:rPr kumimoji="1" lang="ja-JP" altLang="en-US" dirty="0">
+                <a:solidFill>
+                  <a:schemeClr val="bg1"/>
+                </a:solidFill>
+              </a:rPr>
+              <a:t>日目</a:t>
+            </a:r>
+          </a:p>
+        </p:txBody>
+      </p:sp>
+      <p:sp>
+        <p:nvSpPr>
+          <p:cNvPr id="15" name="正方形/長方形 14">
+            <a:extLst>
+              <a:ext uri="{FF2B5EF4-FFF2-40B4-BE49-F238E27FC236}">
+                <a16:creationId xmlns:a16="http://schemas.microsoft.com/office/drawing/2014/main" id="{DA4D8024-C721-B2FE-705F-D8CA95107B3D}"/>
+              </a:ext>
+            </a:extLst>
+          </p:cNvPr>
+          <p:cNvSpPr/>
+          <p:nvPr/>
+        </p:nvSpPr>
+        <p:spPr>
+          <a:xfrm>
+            <a:off x="97976" y="2325481"/>
+            <a:ext cx="859979" cy="983776"/>
+          </a:xfrm>
+          <a:prstGeom prst="rect">
+            <a:avLst/>
+          </a:prstGeom>
+          <a:solidFill>
+            <a:schemeClr val="bg2">
+              <a:lumMod val="90000"/>
+            </a:schemeClr>
+          </a:solidFill>
+        </p:spPr>
+        <p:style>
+          <a:lnRef idx="2">
+            <a:schemeClr val="accent1">
+              <a:shade val="15000"/>
+            </a:schemeClr>
+          </a:lnRef>
+          <a:fillRef idx="1">
+            <a:schemeClr val="accent1"/>
+          </a:fillRef>
+          <a:effectRef idx="0">
+            <a:schemeClr val="accent1"/>
+          </a:effectRef>
+          <a:fontRef idx="minor">
+            <a:schemeClr val="lt1"/>
+          </a:fontRef>
+        </p:style>
+        <p:txBody>
+          <a:bodyPr rtlCol="0" anchor="ctr"/>
+          <a:lstStyle/>
+          <a:p>
+            <a:pPr algn="ctr"/>
+            <a:r>
+              <a:rPr kumimoji="1" lang="ja-JP" altLang="en-US" dirty="0"/>
+              <a:t>担当機能</a:t>
+            </a:r>
+          </a:p>
+        </p:txBody>
+      </p:sp>
+      <p:sp>
+        <p:nvSpPr>
+          <p:cNvPr id="19" name="正方形/長方形 18">
+            <a:extLst>
+              <a:ext uri="{FF2B5EF4-FFF2-40B4-BE49-F238E27FC236}">
+                <a16:creationId xmlns:a16="http://schemas.microsoft.com/office/drawing/2014/main" id="{A13678EE-CC47-D041-1FBB-9E380F861674}"/>
+              </a:ext>
+            </a:extLst>
+          </p:cNvPr>
+          <p:cNvSpPr/>
+          <p:nvPr/>
+        </p:nvSpPr>
+        <p:spPr>
+          <a:xfrm>
+            <a:off x="97975" y="3392281"/>
+            <a:ext cx="859979" cy="983776"/>
+          </a:xfrm>
+          <a:prstGeom prst="rect">
+            <a:avLst/>
+          </a:prstGeom>
+          <a:solidFill>
+            <a:schemeClr val="bg2">
+              <a:lumMod val="90000"/>
+            </a:schemeClr>
+          </a:solidFill>
+        </p:spPr>
+        <p:style>
+          <a:lnRef idx="2">
+            <a:schemeClr val="accent1">
+              <a:shade val="15000"/>
+            </a:schemeClr>
+          </a:lnRef>
+          <a:fillRef idx="1">
+            <a:schemeClr val="accent1"/>
+          </a:fillRef>
+          <a:effectRef idx="0">
+            <a:schemeClr val="accent1"/>
+          </a:effectRef>
+          <a:fontRef idx="minor">
+            <a:schemeClr val="lt1"/>
+          </a:fontRef>
+        </p:style>
+        <p:txBody>
+          <a:bodyPr rtlCol="0" anchor="ctr"/>
+          <a:lstStyle/>
+          <a:p>
+            <a:pPr algn="ctr"/>
+            <a:r>
+              <a:rPr kumimoji="1" lang="ja-JP" altLang="en-US" sz="1600" dirty="0"/>
+              <a:t>工夫点</a:t>
+            </a:r>
+          </a:p>
+        </p:txBody>
+      </p:sp>
+      <p:sp>
+        <p:nvSpPr>
+          <p:cNvPr id="20" name="正方形/長方形 19">
+            <a:extLst>
+              <a:ext uri="{FF2B5EF4-FFF2-40B4-BE49-F238E27FC236}">
+                <a16:creationId xmlns:a16="http://schemas.microsoft.com/office/drawing/2014/main" id="{C8863B78-D5F6-139B-9CFF-D8A45B4D7B68}"/>
+              </a:ext>
+            </a:extLst>
+          </p:cNvPr>
+          <p:cNvSpPr/>
+          <p:nvPr/>
+        </p:nvSpPr>
+        <p:spPr>
+          <a:xfrm>
+            <a:off x="97976" y="5679583"/>
+            <a:ext cx="859979" cy="983776"/>
+          </a:xfrm>
+          <a:prstGeom prst="rect">
+            <a:avLst/>
+          </a:prstGeom>
+          <a:solidFill>
+            <a:schemeClr val="bg2">
+              <a:lumMod val="90000"/>
+            </a:schemeClr>
+          </a:solidFill>
+        </p:spPr>
+        <p:style>
+          <a:lnRef idx="2">
+            <a:schemeClr val="accent1">
+              <a:shade val="15000"/>
+            </a:schemeClr>
+          </a:lnRef>
+          <a:fillRef idx="1">
+            <a:schemeClr val="accent1"/>
+          </a:fillRef>
+          <a:effectRef idx="0">
+            <a:schemeClr val="accent1"/>
+          </a:effectRef>
+          <a:fontRef idx="minor">
+            <a:schemeClr val="lt1"/>
+          </a:fontRef>
+        </p:style>
+        <p:txBody>
+          <a:bodyPr rtlCol="0" anchor="ctr"/>
+          <a:lstStyle/>
+          <a:p>
+            <a:pPr algn="ctr"/>
+            <a:r>
+              <a:rPr kumimoji="1" lang="ja-JP" altLang="en-US" sz="1600" dirty="0"/>
+              <a:t>今後に向けて</a:t>
+            </a:r>
+          </a:p>
+        </p:txBody>
+      </p:sp>
+      <p:sp>
+        <p:nvSpPr>
+          <p:cNvPr id="21" name="正方形/長方形 20">
+            <a:extLst>
+              <a:ext uri="{FF2B5EF4-FFF2-40B4-BE49-F238E27FC236}">
+                <a16:creationId xmlns:a16="http://schemas.microsoft.com/office/drawing/2014/main" id="{1DB36B7F-D3B9-AEB2-FA6C-996A2C142473}"/>
+              </a:ext>
+            </a:extLst>
+          </p:cNvPr>
+          <p:cNvSpPr/>
+          <p:nvPr/>
+        </p:nvSpPr>
+        <p:spPr>
+          <a:xfrm>
+            <a:off x="103427" y="4535932"/>
+            <a:ext cx="859979" cy="983776"/>
+          </a:xfrm>
+          <a:prstGeom prst="rect">
+            <a:avLst/>
+          </a:prstGeom>
+          <a:solidFill>
+            <a:schemeClr val="bg2">
+              <a:lumMod val="90000"/>
+            </a:schemeClr>
+          </a:solidFill>
+        </p:spPr>
+        <p:style>
+          <a:lnRef idx="2">
+            <a:schemeClr val="accent1">
+              <a:shade val="15000"/>
+            </a:schemeClr>
+          </a:lnRef>
+          <a:fillRef idx="1">
+            <a:schemeClr val="accent1"/>
+          </a:fillRef>
+          <a:effectRef idx="0">
+            <a:schemeClr val="accent1"/>
+          </a:effectRef>
+          <a:fontRef idx="minor">
+            <a:schemeClr val="lt1"/>
+          </a:fontRef>
+        </p:style>
+        <p:txBody>
+          <a:bodyPr rtlCol="0" anchor="ctr"/>
+          <a:lstStyle/>
+          <a:p>
+            <a:pPr algn="ctr"/>
+            <a:r>
+              <a:rPr kumimoji="1" lang="ja-JP" altLang="en-US" sz="1600" dirty="0"/>
+              <a:t>問題点</a:t>
+            </a:r>
+          </a:p>
+        </p:txBody>
+      </p:sp>
+    </p:spTree>
+    <p:extLst>
+      <p:ext uri="{BB962C8B-B14F-4D97-AF65-F5344CB8AC3E}">
+        <p14:creationId xmlns:p14="http://schemas.microsoft.com/office/powerpoint/2010/main" val="2865446405"/>
+      </p:ext>
+    </p:extLst>
+  </p:cSld>
+  <p:clrMapOvr>
+    <a:masterClrMapping/>
+  </p:clrMapOvr>
+</p:sld>
+</file>
+
+<file path=ppt/slides/slide11.xml><?xml version="1.0" encoding="utf-8"?>
+<p:sld xmlns:a="http://schemas.openxmlformats.org/drawingml/2006/main" xmlns:r="http://schemas.openxmlformats.org/officeDocument/2006/relationships" xmlns:p="http://schemas.openxmlformats.org/presentationml/2006/main">
+  <p:cSld>
+    <p:bg>
+      <p:bgPr>
+        <a:solidFill>
+          <a:schemeClr val="bg1">
+            <a:lumMod val="85000"/>
+          </a:schemeClr>
+        </a:solidFill>
+        <a:effectLst/>
+      </p:bgPr>
+    </p:bg>
+    <p:spTree>
+      <p:nvGrpSpPr>
+        <p:cNvPr id="1" name="">
+          <a:extLst>
+            <a:ext uri="{FF2B5EF4-FFF2-40B4-BE49-F238E27FC236}">
               <a16:creationId xmlns:a16="http://schemas.microsoft.com/office/drawing/2014/main" id="{62D53726-3B4A-9662-281B-9F8FBAC75456}"/>
             </a:ext>
           </a:extLst>
@@ -4359,7 +4908,7 @@
 </p:sld>
 </file>
 
-<file path=ppt/slides/slide11.xml><?xml version="1.0" encoding="utf-8"?>
+<file path=ppt/slides/slide12.xml><?xml version="1.0" encoding="utf-8"?>
 <p:sld xmlns:a="http://schemas.openxmlformats.org/drawingml/2006/main" xmlns:r="http://schemas.openxmlformats.org/officeDocument/2006/relationships" xmlns:p="http://schemas.openxmlformats.org/presentationml/2006/main">
   <p:cSld>
     <p:bg>
@@ -4886,7 +5435,7 @@
 </p:sld>
 </file>
 
-<file path=ppt/slides/slide12.xml><?xml version="1.0" encoding="utf-8"?>
+<file path=ppt/slides/slide13.xml><?xml version="1.0" encoding="utf-8"?>
 <p:sld xmlns:a="http://schemas.openxmlformats.org/drawingml/2006/main" xmlns:r="http://schemas.openxmlformats.org/officeDocument/2006/relationships" xmlns:p="http://schemas.openxmlformats.org/presentationml/2006/main">
   <p:cSld>
     <p:bg>
@@ -5365,7 +5914,7 @@
                   <a:schemeClr val="accent1"/>
                 </a:solidFill>
               </a:rPr>
-              <a:t>発表①　目標</a:t>
+              <a:t>発表①　目標と達成度</a:t>
             </a:r>
           </a:p>
         </p:txBody>
@@ -5423,6 +5972,747 @@
     </p:bg>
     <p:spTree>
       <p:nvGrpSpPr>
+        <p:cNvPr id="1" name="">
+          <a:extLst>
+            <a:ext uri="{FF2B5EF4-FFF2-40B4-BE49-F238E27FC236}">
+              <a16:creationId xmlns:a16="http://schemas.microsoft.com/office/drawing/2014/main" id="{D2AB807A-A25A-21A9-42B1-03CF4CC43D11}"/>
+            </a:ext>
+          </a:extLst>
+        </p:cNvPr>
+        <p:cNvGrpSpPr/>
+        <p:nvPr/>
+      </p:nvGrpSpPr>
+      <p:grpSpPr>
+        <a:xfrm>
+          <a:off x="0" y="0"/>
+          <a:ext cx="0" cy="0"/>
+          <a:chOff x="0" y="0"/>
+          <a:chExt cx="0" cy="0"/>
+        </a:xfrm>
+      </p:grpSpPr>
+      <p:sp>
+        <p:nvSpPr>
+          <p:cNvPr id="2" name="タイトル 1">
+            <a:extLst>
+              <a:ext uri="{FF2B5EF4-FFF2-40B4-BE49-F238E27FC236}">
+                <a16:creationId xmlns:a16="http://schemas.microsoft.com/office/drawing/2014/main" id="{6109AECC-BBE2-E047-C555-D4C00DAC4EAD}"/>
+              </a:ext>
+            </a:extLst>
+          </p:cNvPr>
+          <p:cNvSpPr>
+            <a:spLocks noGrp="1"/>
+          </p:cNvSpPr>
+          <p:nvPr>
+            <p:ph type="title"/>
+          </p:nvPr>
+        </p:nvSpPr>
+        <p:spPr>
+          <a:xfrm>
+            <a:off x="751114" y="310696"/>
+            <a:ext cx="10515600" cy="1325563"/>
+          </a:xfrm>
+        </p:spPr>
+        <p:txBody>
+          <a:bodyPr/>
+          <a:lstStyle/>
+          <a:p>
+            <a:r>
+              <a:rPr kumimoji="1" lang="ja-JP" altLang="en-US" b="1" dirty="0">
+                <a:solidFill>
+                  <a:schemeClr val="accent1"/>
+                </a:solidFill>
+              </a:rPr>
+              <a:t>全体発表②　進捗</a:t>
+            </a:r>
+          </a:p>
+        </p:txBody>
+      </p:sp>
+      <p:sp>
+        <p:nvSpPr>
+          <p:cNvPr id="4" name="矢印: 山形 3">
+            <a:extLst>
+              <a:ext uri="{FF2B5EF4-FFF2-40B4-BE49-F238E27FC236}">
+                <a16:creationId xmlns:a16="http://schemas.microsoft.com/office/drawing/2014/main" id="{219A1E8C-ACB5-74A2-9482-8D0AB4A0A3D0}"/>
+              </a:ext>
+            </a:extLst>
+          </p:cNvPr>
+          <p:cNvSpPr/>
+          <p:nvPr/>
+        </p:nvSpPr>
+        <p:spPr>
+          <a:xfrm>
+            <a:off x="925286" y="1345496"/>
+            <a:ext cx="5459472" cy="609600"/>
+          </a:xfrm>
+          <a:prstGeom prst="chevron">
+            <a:avLst/>
+          </a:prstGeom>
+        </p:spPr>
+        <p:style>
+          <a:lnRef idx="2">
+            <a:schemeClr val="accent1">
+              <a:shade val="15000"/>
+            </a:schemeClr>
+          </a:lnRef>
+          <a:fillRef idx="1">
+            <a:schemeClr val="accent1"/>
+          </a:fillRef>
+          <a:effectRef idx="0">
+            <a:schemeClr val="accent1"/>
+          </a:effectRef>
+          <a:fontRef idx="minor">
+            <a:schemeClr val="lt1"/>
+          </a:fontRef>
+        </p:style>
+        <p:txBody>
+          <a:bodyPr rtlCol="0" anchor="ctr"/>
+          <a:lstStyle/>
+          <a:p>
+            <a:pPr algn="ctr"/>
+            <a:r>
+              <a:rPr kumimoji="1" lang="ja-JP" altLang="en-US" dirty="0">
+                <a:solidFill>
+                  <a:schemeClr val="bg1"/>
+                </a:solidFill>
+              </a:rPr>
+              <a:t>一日目</a:t>
+            </a:r>
+          </a:p>
+        </p:txBody>
+      </p:sp>
+      <p:sp>
+        <p:nvSpPr>
+          <p:cNvPr id="12" name="正方形/長方形 11">
+            <a:extLst>
+              <a:ext uri="{FF2B5EF4-FFF2-40B4-BE49-F238E27FC236}">
+                <a16:creationId xmlns:a16="http://schemas.microsoft.com/office/drawing/2014/main" id="{48633F6B-AF85-05A0-F321-0C9E1FC42BA8}"/>
+              </a:ext>
+            </a:extLst>
+          </p:cNvPr>
+          <p:cNvSpPr/>
+          <p:nvPr/>
+        </p:nvSpPr>
+        <p:spPr>
+          <a:xfrm>
+            <a:off x="34657" y="2016149"/>
+            <a:ext cx="859979" cy="2349021"/>
+          </a:xfrm>
+          <a:prstGeom prst="rect">
+            <a:avLst/>
+          </a:prstGeom>
+          <a:solidFill>
+            <a:schemeClr val="bg2">
+              <a:lumMod val="90000"/>
+            </a:schemeClr>
+          </a:solidFill>
+        </p:spPr>
+        <p:style>
+          <a:lnRef idx="2">
+            <a:schemeClr val="accent1">
+              <a:shade val="15000"/>
+            </a:schemeClr>
+          </a:lnRef>
+          <a:fillRef idx="1">
+            <a:schemeClr val="accent1"/>
+          </a:fillRef>
+          <a:effectRef idx="0">
+            <a:schemeClr val="accent1"/>
+          </a:effectRef>
+          <a:fontRef idx="minor">
+            <a:schemeClr val="lt1"/>
+          </a:fontRef>
+        </p:style>
+        <p:txBody>
+          <a:bodyPr rtlCol="0" anchor="ctr"/>
+          <a:lstStyle/>
+          <a:p>
+            <a:pPr algn="ctr"/>
+            <a:r>
+              <a:rPr kumimoji="1" lang="ja-JP" altLang="en-US" dirty="0"/>
+              <a:t>予</a:t>
+            </a:r>
+            <a:endParaRPr kumimoji="1" lang="en-US" altLang="ja-JP" dirty="0"/>
+          </a:p>
+          <a:p>
+            <a:pPr algn="ctr"/>
+            <a:r>
+              <a:rPr kumimoji="1" lang="ja-JP" altLang="en-US" dirty="0"/>
+              <a:t>定</a:t>
+            </a:r>
+          </a:p>
+        </p:txBody>
+      </p:sp>
+      <p:sp>
+        <p:nvSpPr>
+          <p:cNvPr id="14" name="矢印: 山形 13">
+            <a:extLst>
+              <a:ext uri="{FF2B5EF4-FFF2-40B4-BE49-F238E27FC236}">
+                <a16:creationId xmlns:a16="http://schemas.microsoft.com/office/drawing/2014/main" id="{9D23FCA6-AB61-7361-BCF2-BCEE6B857037}"/>
+              </a:ext>
+            </a:extLst>
+          </p:cNvPr>
+          <p:cNvSpPr/>
+          <p:nvPr/>
+        </p:nvSpPr>
+        <p:spPr>
+          <a:xfrm>
+            <a:off x="925286" y="2098173"/>
+            <a:ext cx="1336651" cy="609600"/>
+          </a:xfrm>
+          <a:prstGeom prst="chevron">
+            <a:avLst/>
+          </a:prstGeom>
+          <a:solidFill>
+            <a:srgbClr val="7030A0"/>
+          </a:solidFill>
+        </p:spPr>
+        <p:style>
+          <a:lnRef idx="2">
+            <a:schemeClr val="accent1">
+              <a:shade val="15000"/>
+            </a:schemeClr>
+          </a:lnRef>
+          <a:fillRef idx="1">
+            <a:schemeClr val="accent1"/>
+          </a:fillRef>
+          <a:effectRef idx="0">
+            <a:schemeClr val="accent1"/>
+          </a:effectRef>
+          <a:fontRef idx="minor">
+            <a:schemeClr val="lt1"/>
+          </a:fontRef>
+        </p:style>
+        <p:txBody>
+          <a:bodyPr rtlCol="0" anchor="ctr"/>
+          <a:lstStyle/>
+          <a:p>
+            <a:pPr algn="ctr"/>
+            <a:r>
+              <a:rPr lang="ja-JP" altLang="en-US" dirty="0">
+                <a:solidFill>
+                  <a:schemeClr val="bg1"/>
+                </a:solidFill>
+              </a:rPr>
+              <a:t>要件確認</a:t>
+            </a:r>
+            <a:endParaRPr kumimoji="1" lang="ja-JP" altLang="en-US" dirty="0">
+              <a:solidFill>
+                <a:schemeClr val="bg1"/>
+              </a:solidFill>
+            </a:endParaRPr>
+          </a:p>
+        </p:txBody>
+      </p:sp>
+      <p:sp>
+        <p:nvSpPr>
+          <p:cNvPr id="16" name="矢印: 山形 15">
+            <a:extLst>
+              <a:ext uri="{FF2B5EF4-FFF2-40B4-BE49-F238E27FC236}">
+                <a16:creationId xmlns:a16="http://schemas.microsoft.com/office/drawing/2014/main" id="{0C7E896B-AAF1-387B-2E43-9921DBB17CEF}"/>
+              </a:ext>
+            </a:extLst>
+          </p:cNvPr>
+          <p:cNvSpPr/>
+          <p:nvPr/>
+        </p:nvSpPr>
+        <p:spPr>
+          <a:xfrm>
+            <a:off x="2053390" y="2098173"/>
+            <a:ext cx="1336651" cy="609600"/>
+          </a:xfrm>
+          <a:prstGeom prst="chevron">
+            <a:avLst/>
+          </a:prstGeom>
+          <a:solidFill>
+            <a:srgbClr val="7030A0"/>
+          </a:solidFill>
+        </p:spPr>
+        <p:style>
+          <a:lnRef idx="2">
+            <a:schemeClr val="accent1">
+              <a:shade val="15000"/>
+            </a:schemeClr>
+          </a:lnRef>
+          <a:fillRef idx="1">
+            <a:schemeClr val="accent1"/>
+          </a:fillRef>
+          <a:effectRef idx="0">
+            <a:schemeClr val="accent1"/>
+          </a:effectRef>
+          <a:fontRef idx="minor">
+            <a:schemeClr val="lt1"/>
+          </a:fontRef>
+        </p:style>
+        <p:txBody>
+          <a:bodyPr rtlCol="0" anchor="ctr"/>
+          <a:lstStyle/>
+          <a:p>
+            <a:pPr algn="ctr"/>
+            <a:r>
+              <a:rPr kumimoji="1" lang="ja-JP" altLang="en-US" dirty="0">
+                <a:solidFill>
+                  <a:schemeClr val="bg1"/>
+                </a:solidFill>
+              </a:rPr>
+              <a:t>客先訪問</a:t>
+            </a:r>
+          </a:p>
+        </p:txBody>
+      </p:sp>
+      <p:sp>
+        <p:nvSpPr>
+          <p:cNvPr id="17" name="矢印: 山形 16">
+            <a:extLst>
+              <a:ext uri="{FF2B5EF4-FFF2-40B4-BE49-F238E27FC236}">
+                <a16:creationId xmlns:a16="http://schemas.microsoft.com/office/drawing/2014/main" id="{C172FD92-5E3C-5DB4-5E21-5D585EE2D611}"/>
+              </a:ext>
+            </a:extLst>
+          </p:cNvPr>
+          <p:cNvSpPr/>
+          <p:nvPr/>
+        </p:nvSpPr>
+        <p:spPr>
+          <a:xfrm>
+            <a:off x="2758097" y="2791604"/>
+            <a:ext cx="1845988" cy="630043"/>
+          </a:xfrm>
+          <a:prstGeom prst="chevron">
+            <a:avLst/>
+          </a:prstGeom>
+          <a:solidFill>
+            <a:srgbClr val="002060"/>
+          </a:solidFill>
+        </p:spPr>
+        <p:style>
+          <a:lnRef idx="2">
+            <a:schemeClr val="accent1">
+              <a:shade val="15000"/>
+            </a:schemeClr>
+          </a:lnRef>
+          <a:fillRef idx="1">
+            <a:schemeClr val="accent1"/>
+          </a:fillRef>
+          <a:effectRef idx="0">
+            <a:schemeClr val="accent1"/>
+          </a:effectRef>
+          <a:fontRef idx="minor">
+            <a:schemeClr val="lt1"/>
+          </a:fontRef>
+        </p:style>
+        <p:txBody>
+          <a:bodyPr rtlCol="0" anchor="ctr"/>
+          <a:lstStyle/>
+          <a:p>
+            <a:pPr algn="ctr"/>
+            <a:r>
+              <a:rPr kumimoji="1" lang="ja-JP" altLang="en-US" dirty="0">
+                <a:solidFill>
+                  <a:schemeClr val="bg1"/>
+                </a:solidFill>
+              </a:rPr>
+              <a:t>コード</a:t>
+            </a:r>
+            <a:endParaRPr kumimoji="1" lang="en-US" altLang="ja-JP" dirty="0">
+              <a:solidFill>
+                <a:schemeClr val="bg1"/>
+              </a:solidFill>
+            </a:endParaRPr>
+          </a:p>
+          <a:p>
+            <a:pPr algn="ctr"/>
+            <a:r>
+              <a:rPr kumimoji="1" lang="ja-JP" altLang="en-US" dirty="0">
+                <a:solidFill>
+                  <a:schemeClr val="bg1"/>
+                </a:solidFill>
+              </a:rPr>
+              <a:t>レビュー</a:t>
+            </a:r>
+          </a:p>
+        </p:txBody>
+      </p:sp>
+      <p:sp>
+        <p:nvSpPr>
+          <p:cNvPr id="18" name="矢印: 山形 17">
+            <a:extLst>
+              <a:ext uri="{FF2B5EF4-FFF2-40B4-BE49-F238E27FC236}">
+                <a16:creationId xmlns:a16="http://schemas.microsoft.com/office/drawing/2014/main" id="{8EE9BEFD-7775-3395-DB05-1CEE1080602B}"/>
+              </a:ext>
+            </a:extLst>
+          </p:cNvPr>
+          <p:cNvSpPr/>
+          <p:nvPr/>
+        </p:nvSpPr>
+        <p:spPr>
+          <a:xfrm>
+            <a:off x="4395250" y="2791604"/>
+            <a:ext cx="1432903" cy="609600"/>
+          </a:xfrm>
+          <a:prstGeom prst="chevron">
+            <a:avLst/>
+          </a:prstGeom>
+          <a:solidFill>
+            <a:srgbClr val="002060"/>
+          </a:solidFill>
+        </p:spPr>
+        <p:style>
+          <a:lnRef idx="2">
+            <a:schemeClr val="accent1">
+              <a:shade val="15000"/>
+            </a:schemeClr>
+          </a:lnRef>
+          <a:fillRef idx="1">
+            <a:schemeClr val="accent1"/>
+          </a:fillRef>
+          <a:effectRef idx="0">
+            <a:schemeClr val="accent1"/>
+          </a:effectRef>
+          <a:fontRef idx="minor">
+            <a:schemeClr val="lt1"/>
+          </a:fontRef>
+        </p:style>
+        <p:txBody>
+          <a:bodyPr rtlCol="0" anchor="ctr"/>
+          <a:lstStyle/>
+          <a:p>
+            <a:pPr algn="ctr"/>
+            <a:r>
+              <a:rPr kumimoji="1" lang="ja-JP" altLang="en-US" dirty="0">
+                <a:solidFill>
+                  <a:schemeClr val="bg1"/>
+                </a:solidFill>
+              </a:rPr>
+              <a:t>修正</a:t>
+            </a:r>
+          </a:p>
+        </p:txBody>
+      </p:sp>
+      <p:sp>
+        <p:nvSpPr>
+          <p:cNvPr id="19" name="矢印: 山形 18">
+            <a:extLst>
+              <a:ext uri="{FF2B5EF4-FFF2-40B4-BE49-F238E27FC236}">
+                <a16:creationId xmlns:a16="http://schemas.microsoft.com/office/drawing/2014/main" id="{974411C4-A082-7DE9-4B5D-78ED8021AE4A}"/>
+              </a:ext>
+            </a:extLst>
+          </p:cNvPr>
+          <p:cNvSpPr/>
+          <p:nvPr/>
+        </p:nvSpPr>
+        <p:spPr>
+          <a:xfrm>
+            <a:off x="6208295" y="1352831"/>
+            <a:ext cx="5459472" cy="609600"/>
+          </a:xfrm>
+          <a:prstGeom prst="chevron">
+            <a:avLst/>
+          </a:prstGeom>
+        </p:spPr>
+        <p:style>
+          <a:lnRef idx="2">
+            <a:schemeClr val="accent1">
+              <a:shade val="15000"/>
+            </a:schemeClr>
+          </a:lnRef>
+          <a:fillRef idx="1">
+            <a:schemeClr val="accent1"/>
+          </a:fillRef>
+          <a:effectRef idx="0">
+            <a:schemeClr val="accent1"/>
+          </a:effectRef>
+          <a:fontRef idx="minor">
+            <a:schemeClr val="lt1"/>
+          </a:fontRef>
+        </p:style>
+        <p:txBody>
+          <a:bodyPr rtlCol="0" anchor="ctr"/>
+          <a:lstStyle/>
+          <a:p>
+            <a:pPr algn="ctr"/>
+            <a:r>
+              <a:rPr lang="ja-JP" altLang="en-US" dirty="0">
+                <a:solidFill>
+                  <a:schemeClr val="bg1"/>
+                </a:solidFill>
+              </a:rPr>
+              <a:t>二</a:t>
+            </a:r>
+            <a:r>
+              <a:rPr kumimoji="1" lang="ja-JP" altLang="en-US" dirty="0">
+                <a:solidFill>
+                  <a:schemeClr val="bg1"/>
+                </a:solidFill>
+              </a:rPr>
+              <a:t>日目</a:t>
+            </a:r>
+          </a:p>
+        </p:txBody>
+      </p:sp>
+      <p:sp>
+        <p:nvSpPr>
+          <p:cNvPr id="20" name="矢印: 山形 19">
+            <a:extLst>
+              <a:ext uri="{FF2B5EF4-FFF2-40B4-BE49-F238E27FC236}">
+                <a16:creationId xmlns:a16="http://schemas.microsoft.com/office/drawing/2014/main" id="{FDAA6258-126E-FF61-F90A-B802B5EE09A4}"/>
+              </a:ext>
+            </a:extLst>
+          </p:cNvPr>
+          <p:cNvSpPr/>
+          <p:nvPr/>
+        </p:nvSpPr>
+        <p:spPr>
+          <a:xfrm>
+            <a:off x="6306266" y="3675007"/>
+            <a:ext cx="5459472" cy="298098"/>
+          </a:xfrm>
+          <a:prstGeom prst="chevron">
+            <a:avLst/>
+          </a:prstGeom>
+          <a:solidFill>
+            <a:schemeClr val="accent5">
+              <a:lumMod val="60000"/>
+              <a:lumOff val="40000"/>
+            </a:schemeClr>
+          </a:solidFill>
+        </p:spPr>
+        <p:style>
+          <a:lnRef idx="2">
+            <a:schemeClr val="accent1">
+              <a:shade val="15000"/>
+            </a:schemeClr>
+          </a:lnRef>
+          <a:fillRef idx="1">
+            <a:schemeClr val="accent1"/>
+          </a:fillRef>
+          <a:effectRef idx="0">
+            <a:schemeClr val="accent1"/>
+          </a:effectRef>
+          <a:fontRef idx="minor">
+            <a:schemeClr val="lt1"/>
+          </a:fontRef>
+        </p:style>
+        <p:txBody>
+          <a:bodyPr rtlCol="0" anchor="ctr"/>
+          <a:lstStyle/>
+          <a:p>
+            <a:pPr algn="ctr"/>
+            <a:r>
+              <a:rPr lang="ja-JP" altLang="en-US" dirty="0">
+                <a:solidFill>
+                  <a:schemeClr val="bg1"/>
+                </a:solidFill>
+              </a:rPr>
+              <a:t>単体計画</a:t>
+            </a:r>
+            <a:endParaRPr kumimoji="1" lang="ja-JP" altLang="en-US" dirty="0">
+              <a:solidFill>
+                <a:schemeClr val="bg1"/>
+              </a:solidFill>
+            </a:endParaRPr>
+          </a:p>
+        </p:txBody>
+      </p:sp>
+      <p:sp>
+        <p:nvSpPr>
+          <p:cNvPr id="21" name="矢印: 山形 20">
+            <a:extLst>
+              <a:ext uri="{FF2B5EF4-FFF2-40B4-BE49-F238E27FC236}">
+                <a16:creationId xmlns:a16="http://schemas.microsoft.com/office/drawing/2014/main" id="{BF0EC37A-B211-C0A5-28D0-CB297EEC5E91}"/>
+              </a:ext>
+            </a:extLst>
+          </p:cNvPr>
+          <p:cNvSpPr/>
+          <p:nvPr/>
+        </p:nvSpPr>
+        <p:spPr>
+          <a:xfrm>
+            <a:off x="7080299" y="4150228"/>
+            <a:ext cx="4587468" cy="290666"/>
+          </a:xfrm>
+          <a:prstGeom prst="chevron">
+            <a:avLst/>
+          </a:prstGeom>
+          <a:solidFill>
+            <a:schemeClr val="accent5">
+              <a:lumMod val="60000"/>
+              <a:lumOff val="40000"/>
+            </a:schemeClr>
+          </a:solidFill>
+        </p:spPr>
+        <p:style>
+          <a:lnRef idx="2">
+            <a:schemeClr val="accent1">
+              <a:shade val="15000"/>
+            </a:schemeClr>
+          </a:lnRef>
+          <a:fillRef idx="1">
+            <a:schemeClr val="accent1"/>
+          </a:fillRef>
+          <a:effectRef idx="0">
+            <a:schemeClr val="accent1"/>
+          </a:effectRef>
+          <a:fontRef idx="minor">
+            <a:schemeClr val="lt1"/>
+          </a:fontRef>
+        </p:style>
+        <p:txBody>
+          <a:bodyPr rtlCol="0" anchor="ctr"/>
+          <a:lstStyle/>
+          <a:p>
+            <a:pPr algn="ctr"/>
+            <a:r>
+              <a:rPr lang="ja-JP" altLang="en-US" dirty="0">
+                <a:solidFill>
+                  <a:schemeClr val="bg1"/>
+                </a:solidFill>
+              </a:rPr>
+              <a:t>単体実施</a:t>
+            </a:r>
+            <a:endParaRPr kumimoji="1" lang="ja-JP" altLang="en-US" dirty="0">
+              <a:solidFill>
+                <a:schemeClr val="bg1"/>
+              </a:solidFill>
+            </a:endParaRPr>
+          </a:p>
+        </p:txBody>
+      </p:sp>
+      <p:sp>
+        <p:nvSpPr>
+          <p:cNvPr id="28" name="テキスト ボックス 27">
+            <a:extLst>
+              <a:ext uri="{FF2B5EF4-FFF2-40B4-BE49-F238E27FC236}">
+                <a16:creationId xmlns:a16="http://schemas.microsoft.com/office/drawing/2014/main" id="{5BDB5E18-565F-8FA7-5929-709992593DC9}"/>
+              </a:ext>
+            </a:extLst>
+          </p:cNvPr>
+          <p:cNvSpPr txBox="1"/>
+          <p:nvPr/>
+        </p:nvSpPr>
+        <p:spPr>
+          <a:xfrm>
+            <a:off x="5828153" y="2735847"/>
+            <a:ext cx="400110" cy="810301"/>
+          </a:xfrm>
+          <a:prstGeom prst="rect">
+            <a:avLst/>
+          </a:prstGeom>
+          <a:solidFill>
+            <a:srgbClr val="FFC000"/>
+          </a:solidFill>
+          <a:ln w="19050">
+            <a:solidFill>
+              <a:schemeClr val="accent1"/>
+            </a:solidFill>
+          </a:ln>
+        </p:spPr>
+        <p:txBody>
+          <a:bodyPr vert="eaVert" wrap="square" rtlCol="0">
+            <a:spAutoFit/>
+          </a:bodyPr>
+          <a:lstStyle/>
+          <a:p>
+            <a:r>
+              <a:rPr kumimoji="1" lang="ja-JP" altLang="en-US" sz="1400" dirty="0">
+                <a:solidFill>
+                  <a:schemeClr val="bg1"/>
+                </a:solidFill>
+              </a:rPr>
+              <a:t>レビュー</a:t>
+            </a:r>
+          </a:p>
+        </p:txBody>
+      </p:sp>
+      <p:sp>
+        <p:nvSpPr>
+          <p:cNvPr id="5" name="正方形/長方形 4">
+            <a:extLst>
+              <a:ext uri="{FF2B5EF4-FFF2-40B4-BE49-F238E27FC236}">
+                <a16:creationId xmlns:a16="http://schemas.microsoft.com/office/drawing/2014/main" id="{DACF02EC-01FB-1435-4DBA-68DD5C168B8B}"/>
+              </a:ext>
+            </a:extLst>
+          </p:cNvPr>
+          <p:cNvSpPr/>
+          <p:nvPr/>
+        </p:nvSpPr>
+        <p:spPr>
+          <a:xfrm>
+            <a:off x="34657" y="4440894"/>
+            <a:ext cx="859979" cy="2349021"/>
+          </a:xfrm>
+          <a:prstGeom prst="rect">
+            <a:avLst/>
+          </a:prstGeom>
+          <a:solidFill>
+            <a:schemeClr val="bg2">
+              <a:lumMod val="90000"/>
+            </a:schemeClr>
+          </a:solidFill>
+        </p:spPr>
+        <p:style>
+          <a:lnRef idx="2">
+            <a:schemeClr val="accent1">
+              <a:shade val="15000"/>
+            </a:schemeClr>
+          </a:lnRef>
+          <a:fillRef idx="1">
+            <a:schemeClr val="accent1"/>
+          </a:fillRef>
+          <a:effectRef idx="0">
+            <a:schemeClr val="accent1"/>
+          </a:effectRef>
+          <a:fontRef idx="minor">
+            <a:schemeClr val="lt1"/>
+          </a:fontRef>
+        </p:style>
+        <p:txBody>
+          <a:bodyPr rtlCol="0" anchor="ctr"/>
+          <a:lstStyle/>
+          <a:p>
+            <a:pPr algn="ctr"/>
+            <a:r>
+              <a:rPr kumimoji="1" lang="ja-JP" altLang="en-US" dirty="0"/>
+              <a:t>実</a:t>
+            </a:r>
+            <a:endParaRPr kumimoji="1" lang="en-US" altLang="ja-JP" dirty="0"/>
+          </a:p>
+          <a:p>
+            <a:pPr algn="ctr"/>
+            <a:r>
+              <a:rPr kumimoji="1" lang="ja-JP" altLang="en-US" dirty="0"/>
+              <a:t>際</a:t>
+            </a:r>
+            <a:endParaRPr kumimoji="1" lang="en-US" altLang="ja-JP" dirty="0"/>
+          </a:p>
+        </p:txBody>
+      </p:sp>
+    </p:spTree>
+    <p:extLst>
+      <p:ext uri="{BB962C8B-B14F-4D97-AF65-F5344CB8AC3E}">
+        <p14:creationId xmlns:p14="http://schemas.microsoft.com/office/powerpoint/2010/main" val="1540929449"/>
+      </p:ext>
+    </p:extLst>
+  </p:cSld>
+  <p:clrMapOvr>
+    <a:masterClrMapping/>
+  </p:clrMapOvr>
+</p:sld>
+</file>
+
+<file path=ppt/slides/slide5.xml><?xml version="1.0" encoding="utf-8"?>
+<p:sld xmlns:a="http://schemas.openxmlformats.org/drawingml/2006/main" xmlns:r="http://schemas.openxmlformats.org/officeDocument/2006/relationships" xmlns:p="http://schemas.openxmlformats.org/presentationml/2006/main">
+  <p:cSld>
+    <p:bg>
+      <p:bgPr>
+        <a:solidFill>
+          <a:schemeClr val="bg1">
+            <a:lumMod val="85000"/>
+          </a:schemeClr>
+        </a:solidFill>
+        <a:effectLst/>
+      </p:bgPr>
+    </p:bg>
+    <p:spTree>
+      <p:nvGrpSpPr>
         <p:cNvPr id="1" name=""/>
         <p:cNvGrpSpPr/>
         <p:nvPr/>
@@ -5474,31 +6764,760 @@
       </p:sp>
       <p:sp>
         <p:nvSpPr>
-          <p:cNvPr id="3" name="コンテンツ プレースホルダー 2">
-            <a:extLst>
-              <a:ext uri="{FF2B5EF4-FFF2-40B4-BE49-F238E27FC236}">
-                <a16:creationId xmlns:a16="http://schemas.microsoft.com/office/drawing/2014/main" id="{4B871504-51E0-F319-E9B3-AB9462F1B8AE}"/>
-              </a:ext>
-            </a:extLst>
-          </p:cNvPr>
-          <p:cNvSpPr>
-            <a:spLocks noGrp="1"/>
-          </p:cNvSpPr>
-          <p:nvPr>
-            <p:ph idx="1"/>
-          </p:nvPr>
-        </p:nvSpPr>
-        <p:spPr>
-          <a:xfrm>
-            <a:off x="751114" y="1869168"/>
-            <a:ext cx="10515600" cy="4351338"/>
-          </a:xfrm>
-        </p:spPr>
-        <p:txBody>
-          <a:bodyPr/>
-          <a:lstStyle/>
-          <a:p>
-            <a:endParaRPr kumimoji="1" lang="ja-JP" altLang="en-US" dirty="0"/>
+          <p:cNvPr id="7" name="矢印: 山形 6">
+            <a:extLst>
+              <a:ext uri="{FF2B5EF4-FFF2-40B4-BE49-F238E27FC236}">
+                <a16:creationId xmlns:a16="http://schemas.microsoft.com/office/drawing/2014/main" id="{D277A0F9-9C48-91B5-D43E-2661D333F90B}"/>
+              </a:ext>
+            </a:extLst>
+          </p:cNvPr>
+          <p:cNvSpPr/>
+          <p:nvPr/>
+        </p:nvSpPr>
+        <p:spPr>
+          <a:xfrm>
+            <a:off x="6319451" y="1243507"/>
+            <a:ext cx="5459472" cy="609601"/>
+          </a:xfrm>
+          <a:prstGeom prst="chevron">
+            <a:avLst/>
+          </a:prstGeom>
+        </p:spPr>
+        <p:style>
+          <a:lnRef idx="2">
+            <a:schemeClr val="accent1">
+              <a:shade val="15000"/>
+            </a:schemeClr>
+          </a:lnRef>
+          <a:fillRef idx="1">
+            <a:schemeClr val="accent1"/>
+          </a:fillRef>
+          <a:effectRef idx="0">
+            <a:schemeClr val="accent1"/>
+          </a:effectRef>
+          <a:fontRef idx="minor">
+            <a:schemeClr val="lt1"/>
+          </a:fontRef>
+        </p:style>
+        <p:txBody>
+          <a:bodyPr rtlCol="0" anchor="ctr"/>
+          <a:lstStyle/>
+          <a:p>
+            <a:pPr algn="ctr"/>
+            <a:r>
+              <a:rPr lang="ja-JP" altLang="en-US" dirty="0">
+                <a:solidFill>
+                  <a:schemeClr val="bg1"/>
+                </a:solidFill>
+              </a:rPr>
+              <a:t>四</a:t>
+            </a:r>
+            <a:r>
+              <a:rPr kumimoji="1" lang="ja-JP" altLang="en-US" dirty="0">
+                <a:solidFill>
+                  <a:schemeClr val="bg1"/>
+                </a:solidFill>
+              </a:rPr>
+              <a:t>日目</a:t>
+            </a:r>
+          </a:p>
+        </p:txBody>
+      </p:sp>
+      <p:sp>
+        <p:nvSpPr>
+          <p:cNvPr id="22" name="矢印: 山形 21">
+            <a:extLst>
+              <a:ext uri="{FF2B5EF4-FFF2-40B4-BE49-F238E27FC236}">
+                <a16:creationId xmlns:a16="http://schemas.microsoft.com/office/drawing/2014/main" id="{1C3B6AC4-99A4-CAEA-CB19-1F6CA9200A94}"/>
+              </a:ext>
+            </a:extLst>
+          </p:cNvPr>
+          <p:cNvSpPr/>
+          <p:nvPr/>
+        </p:nvSpPr>
+        <p:spPr>
+          <a:xfrm>
+            <a:off x="1022111" y="1245850"/>
+            <a:ext cx="5459472" cy="609600"/>
+          </a:xfrm>
+          <a:prstGeom prst="chevron">
+            <a:avLst/>
+          </a:prstGeom>
+        </p:spPr>
+        <p:style>
+          <a:lnRef idx="2">
+            <a:schemeClr val="accent1">
+              <a:shade val="15000"/>
+            </a:schemeClr>
+          </a:lnRef>
+          <a:fillRef idx="1">
+            <a:schemeClr val="accent1"/>
+          </a:fillRef>
+          <a:effectRef idx="0">
+            <a:schemeClr val="accent1"/>
+          </a:effectRef>
+          <a:fontRef idx="minor">
+            <a:schemeClr val="lt1"/>
+          </a:fontRef>
+        </p:style>
+        <p:txBody>
+          <a:bodyPr rtlCol="0" anchor="ctr"/>
+          <a:lstStyle/>
+          <a:p>
+            <a:pPr algn="ctr"/>
+            <a:r>
+              <a:rPr lang="ja-JP" altLang="en-US" dirty="0">
+                <a:solidFill>
+                  <a:schemeClr val="bg1"/>
+                </a:solidFill>
+              </a:rPr>
+              <a:t>三</a:t>
+            </a:r>
+            <a:r>
+              <a:rPr kumimoji="1" lang="ja-JP" altLang="en-US" dirty="0">
+                <a:solidFill>
+                  <a:schemeClr val="bg1"/>
+                </a:solidFill>
+              </a:rPr>
+              <a:t>日目</a:t>
+            </a:r>
+          </a:p>
+        </p:txBody>
+      </p:sp>
+      <p:sp>
+        <p:nvSpPr>
+          <p:cNvPr id="25" name="矢印: 山形 24">
+            <a:extLst>
+              <a:ext uri="{FF2B5EF4-FFF2-40B4-BE49-F238E27FC236}">
+                <a16:creationId xmlns:a16="http://schemas.microsoft.com/office/drawing/2014/main" id="{D4B55DDD-94C6-E750-DFDB-74D6C30A0C6B}"/>
+              </a:ext>
+            </a:extLst>
+          </p:cNvPr>
+          <p:cNvSpPr/>
+          <p:nvPr/>
+        </p:nvSpPr>
+        <p:spPr>
+          <a:xfrm>
+            <a:off x="3222172" y="2819400"/>
+            <a:ext cx="1406548" cy="609600"/>
+          </a:xfrm>
+          <a:prstGeom prst="chevron">
+            <a:avLst/>
+          </a:prstGeom>
+          <a:solidFill>
+            <a:srgbClr val="0070C0"/>
+          </a:solidFill>
+        </p:spPr>
+        <p:style>
+          <a:lnRef idx="2">
+            <a:schemeClr val="accent1">
+              <a:shade val="15000"/>
+            </a:schemeClr>
+          </a:lnRef>
+          <a:fillRef idx="1">
+            <a:schemeClr val="accent1"/>
+          </a:fillRef>
+          <a:effectRef idx="0">
+            <a:schemeClr val="accent1"/>
+          </a:effectRef>
+          <a:fontRef idx="minor">
+            <a:schemeClr val="lt1"/>
+          </a:fontRef>
+        </p:style>
+        <p:txBody>
+          <a:bodyPr rtlCol="0" anchor="ctr"/>
+          <a:lstStyle/>
+          <a:p>
+            <a:pPr algn="ctr"/>
+            <a:r>
+              <a:rPr lang="ja-JP" altLang="en-US" dirty="0">
+                <a:solidFill>
+                  <a:schemeClr val="bg1"/>
+                </a:solidFill>
+              </a:rPr>
+              <a:t>結合計画</a:t>
+            </a:r>
+            <a:endParaRPr kumimoji="1" lang="ja-JP" altLang="en-US" dirty="0">
+              <a:solidFill>
+                <a:schemeClr val="bg1"/>
+              </a:solidFill>
+            </a:endParaRPr>
+          </a:p>
+        </p:txBody>
+      </p:sp>
+      <p:sp>
+        <p:nvSpPr>
+          <p:cNvPr id="27" name="矢印: 山形 26">
+            <a:extLst>
+              <a:ext uri="{FF2B5EF4-FFF2-40B4-BE49-F238E27FC236}">
+                <a16:creationId xmlns:a16="http://schemas.microsoft.com/office/drawing/2014/main" id="{01725BA5-56E3-957E-4FA0-37CEB1F8D824}"/>
+              </a:ext>
+            </a:extLst>
+          </p:cNvPr>
+          <p:cNvSpPr/>
+          <p:nvPr/>
+        </p:nvSpPr>
+        <p:spPr>
+          <a:xfrm>
+            <a:off x="4378348" y="2819400"/>
+            <a:ext cx="1406548" cy="609600"/>
+          </a:xfrm>
+          <a:prstGeom prst="chevron">
+            <a:avLst/>
+          </a:prstGeom>
+          <a:solidFill>
+            <a:srgbClr val="0070C0"/>
+          </a:solidFill>
+        </p:spPr>
+        <p:style>
+          <a:lnRef idx="2">
+            <a:schemeClr val="accent1">
+              <a:shade val="15000"/>
+            </a:schemeClr>
+          </a:lnRef>
+          <a:fillRef idx="1">
+            <a:schemeClr val="accent1"/>
+          </a:fillRef>
+          <a:effectRef idx="0">
+            <a:schemeClr val="accent1"/>
+          </a:effectRef>
+          <a:fontRef idx="minor">
+            <a:schemeClr val="lt1"/>
+          </a:fontRef>
+        </p:style>
+        <p:txBody>
+          <a:bodyPr rtlCol="0" anchor="ctr"/>
+          <a:lstStyle/>
+          <a:p>
+            <a:pPr algn="ctr"/>
+            <a:r>
+              <a:rPr lang="ja-JP" altLang="en-US" dirty="0">
+                <a:solidFill>
+                  <a:schemeClr val="bg1"/>
+                </a:solidFill>
+              </a:rPr>
+              <a:t>結合実施</a:t>
+            </a:r>
+            <a:endParaRPr kumimoji="1" lang="ja-JP" altLang="en-US" dirty="0">
+              <a:solidFill>
+                <a:schemeClr val="bg1"/>
+              </a:solidFill>
+            </a:endParaRPr>
+          </a:p>
+        </p:txBody>
+      </p:sp>
+      <p:sp>
+        <p:nvSpPr>
+          <p:cNvPr id="32" name="正方形/長方形 31">
+            <a:extLst>
+              <a:ext uri="{FF2B5EF4-FFF2-40B4-BE49-F238E27FC236}">
+                <a16:creationId xmlns:a16="http://schemas.microsoft.com/office/drawing/2014/main" id="{14BACBC8-6CBA-17EC-557C-34C5EB4EAFB6}"/>
+              </a:ext>
+            </a:extLst>
+          </p:cNvPr>
+          <p:cNvSpPr/>
+          <p:nvPr/>
+        </p:nvSpPr>
+        <p:spPr>
+          <a:xfrm>
+            <a:off x="7162" y="1853108"/>
+            <a:ext cx="859979" cy="2349021"/>
+          </a:xfrm>
+          <a:prstGeom prst="rect">
+            <a:avLst/>
+          </a:prstGeom>
+          <a:solidFill>
+            <a:schemeClr val="bg2">
+              <a:lumMod val="90000"/>
+            </a:schemeClr>
+          </a:solidFill>
+        </p:spPr>
+        <p:style>
+          <a:lnRef idx="2">
+            <a:schemeClr val="accent1">
+              <a:shade val="15000"/>
+            </a:schemeClr>
+          </a:lnRef>
+          <a:fillRef idx="1">
+            <a:schemeClr val="accent1"/>
+          </a:fillRef>
+          <a:effectRef idx="0">
+            <a:schemeClr val="accent1"/>
+          </a:effectRef>
+          <a:fontRef idx="minor">
+            <a:schemeClr val="lt1"/>
+          </a:fontRef>
+        </p:style>
+        <p:txBody>
+          <a:bodyPr rtlCol="0" anchor="ctr"/>
+          <a:lstStyle/>
+          <a:p>
+            <a:pPr algn="ctr"/>
+            <a:r>
+              <a:rPr kumimoji="1" lang="ja-JP" altLang="en-US" dirty="0"/>
+              <a:t>予</a:t>
+            </a:r>
+            <a:endParaRPr kumimoji="1" lang="en-US" altLang="ja-JP" dirty="0"/>
+          </a:p>
+          <a:p>
+            <a:pPr algn="ctr"/>
+            <a:r>
+              <a:rPr kumimoji="1" lang="ja-JP" altLang="en-US" dirty="0"/>
+              <a:t>定</a:t>
+            </a:r>
+          </a:p>
+        </p:txBody>
+      </p:sp>
+      <p:sp>
+        <p:nvSpPr>
+          <p:cNvPr id="33" name="正方形/長方形 32">
+            <a:extLst>
+              <a:ext uri="{FF2B5EF4-FFF2-40B4-BE49-F238E27FC236}">
+                <a16:creationId xmlns:a16="http://schemas.microsoft.com/office/drawing/2014/main" id="{C0C1B470-5549-CB4A-A2A6-E2E9DAEDDDF2}"/>
+              </a:ext>
+            </a:extLst>
+          </p:cNvPr>
+          <p:cNvSpPr/>
+          <p:nvPr/>
+        </p:nvSpPr>
+        <p:spPr>
+          <a:xfrm>
+            <a:off x="7162" y="4266628"/>
+            <a:ext cx="859979" cy="2349021"/>
+          </a:xfrm>
+          <a:prstGeom prst="rect">
+            <a:avLst/>
+          </a:prstGeom>
+          <a:solidFill>
+            <a:schemeClr val="bg2">
+              <a:lumMod val="90000"/>
+            </a:schemeClr>
+          </a:solidFill>
+        </p:spPr>
+        <p:style>
+          <a:lnRef idx="2">
+            <a:schemeClr val="accent1">
+              <a:shade val="15000"/>
+            </a:schemeClr>
+          </a:lnRef>
+          <a:fillRef idx="1">
+            <a:schemeClr val="accent1"/>
+          </a:fillRef>
+          <a:effectRef idx="0">
+            <a:schemeClr val="accent1"/>
+          </a:effectRef>
+          <a:fontRef idx="minor">
+            <a:schemeClr val="lt1"/>
+          </a:fontRef>
+        </p:style>
+        <p:txBody>
+          <a:bodyPr rtlCol="0" anchor="ctr"/>
+          <a:lstStyle/>
+          <a:p>
+            <a:pPr algn="ctr"/>
+            <a:r>
+              <a:rPr kumimoji="1" lang="ja-JP" altLang="en-US" dirty="0"/>
+              <a:t>実</a:t>
+            </a:r>
+            <a:endParaRPr kumimoji="1" lang="en-US" altLang="ja-JP" dirty="0"/>
+          </a:p>
+          <a:p>
+            <a:pPr algn="ctr"/>
+            <a:r>
+              <a:rPr kumimoji="1" lang="ja-JP" altLang="en-US" dirty="0"/>
+              <a:t>際</a:t>
+            </a:r>
+            <a:endParaRPr kumimoji="1" lang="en-US" altLang="ja-JP" dirty="0"/>
+          </a:p>
+        </p:txBody>
+      </p:sp>
+      <p:sp>
+        <p:nvSpPr>
+          <p:cNvPr id="34" name="矢印: 山形 33">
+            <a:extLst>
+              <a:ext uri="{FF2B5EF4-FFF2-40B4-BE49-F238E27FC236}">
+                <a16:creationId xmlns:a16="http://schemas.microsoft.com/office/drawing/2014/main" id="{FBFAD711-165B-10F0-EB8A-FC798D567A46}"/>
+              </a:ext>
+            </a:extLst>
+          </p:cNvPr>
+          <p:cNvSpPr/>
+          <p:nvPr/>
+        </p:nvSpPr>
+        <p:spPr>
+          <a:xfrm>
+            <a:off x="1022111" y="2017612"/>
+            <a:ext cx="1361860" cy="229448"/>
+          </a:xfrm>
+          <a:prstGeom prst="chevron">
+            <a:avLst/>
+          </a:prstGeom>
+          <a:solidFill>
+            <a:schemeClr val="accent5">
+              <a:lumMod val="60000"/>
+              <a:lumOff val="40000"/>
+            </a:schemeClr>
+          </a:solidFill>
+        </p:spPr>
+        <p:style>
+          <a:lnRef idx="2">
+            <a:schemeClr val="accent1">
+              <a:shade val="15000"/>
+            </a:schemeClr>
+          </a:lnRef>
+          <a:fillRef idx="1">
+            <a:schemeClr val="accent1"/>
+          </a:fillRef>
+          <a:effectRef idx="0">
+            <a:schemeClr val="accent1"/>
+          </a:effectRef>
+          <a:fontRef idx="minor">
+            <a:schemeClr val="lt1"/>
+          </a:fontRef>
+        </p:style>
+        <p:txBody>
+          <a:bodyPr rtlCol="0" anchor="ctr"/>
+          <a:lstStyle/>
+          <a:p>
+            <a:pPr algn="ctr"/>
+            <a:r>
+              <a:rPr lang="ja-JP" altLang="en-US" dirty="0">
+                <a:solidFill>
+                  <a:schemeClr val="bg1"/>
+                </a:solidFill>
+              </a:rPr>
+              <a:t>単体計画</a:t>
+            </a:r>
+            <a:endParaRPr kumimoji="1" lang="ja-JP" altLang="en-US" dirty="0">
+              <a:solidFill>
+                <a:schemeClr val="bg1"/>
+              </a:solidFill>
+            </a:endParaRPr>
+          </a:p>
+        </p:txBody>
+      </p:sp>
+      <p:sp>
+        <p:nvSpPr>
+          <p:cNvPr id="35" name="矢印: 山形 34">
+            <a:extLst>
+              <a:ext uri="{FF2B5EF4-FFF2-40B4-BE49-F238E27FC236}">
+                <a16:creationId xmlns:a16="http://schemas.microsoft.com/office/drawing/2014/main" id="{5A66EFE2-D31A-B209-893D-3FC98F747FF8}"/>
+              </a:ext>
+            </a:extLst>
+          </p:cNvPr>
+          <p:cNvSpPr/>
+          <p:nvPr/>
+        </p:nvSpPr>
+        <p:spPr>
+          <a:xfrm>
+            <a:off x="1022111" y="2361924"/>
+            <a:ext cx="1612232" cy="229448"/>
+          </a:xfrm>
+          <a:prstGeom prst="chevron">
+            <a:avLst/>
+          </a:prstGeom>
+          <a:solidFill>
+            <a:schemeClr val="accent5">
+              <a:lumMod val="60000"/>
+              <a:lumOff val="40000"/>
+            </a:schemeClr>
+          </a:solidFill>
+        </p:spPr>
+        <p:style>
+          <a:lnRef idx="2">
+            <a:schemeClr val="accent1">
+              <a:shade val="15000"/>
+            </a:schemeClr>
+          </a:lnRef>
+          <a:fillRef idx="1">
+            <a:schemeClr val="accent1"/>
+          </a:fillRef>
+          <a:effectRef idx="0">
+            <a:schemeClr val="accent1"/>
+          </a:effectRef>
+          <a:fontRef idx="minor">
+            <a:schemeClr val="lt1"/>
+          </a:fontRef>
+        </p:style>
+        <p:txBody>
+          <a:bodyPr rtlCol="0" anchor="ctr"/>
+          <a:lstStyle/>
+          <a:p>
+            <a:pPr algn="ctr"/>
+            <a:r>
+              <a:rPr lang="ja-JP" altLang="en-US" dirty="0">
+                <a:solidFill>
+                  <a:schemeClr val="bg1"/>
+                </a:solidFill>
+              </a:rPr>
+              <a:t>単体実施</a:t>
+            </a:r>
+            <a:endParaRPr kumimoji="1" lang="ja-JP" altLang="en-US" dirty="0">
+              <a:solidFill>
+                <a:schemeClr val="bg1"/>
+              </a:solidFill>
+            </a:endParaRPr>
+          </a:p>
+        </p:txBody>
+      </p:sp>
+      <p:sp>
+        <p:nvSpPr>
+          <p:cNvPr id="37" name="テキスト ボックス 36">
+            <a:extLst>
+              <a:ext uri="{FF2B5EF4-FFF2-40B4-BE49-F238E27FC236}">
+                <a16:creationId xmlns:a16="http://schemas.microsoft.com/office/drawing/2014/main" id="{F4197A3B-EA8C-AE1C-DCC6-29980D08B5E1}"/>
+              </a:ext>
+            </a:extLst>
+          </p:cNvPr>
+          <p:cNvSpPr txBox="1"/>
+          <p:nvPr/>
+        </p:nvSpPr>
+        <p:spPr>
+          <a:xfrm>
+            <a:off x="2705285" y="1932274"/>
+            <a:ext cx="400110" cy="810301"/>
+          </a:xfrm>
+          <a:prstGeom prst="rect">
+            <a:avLst/>
+          </a:prstGeom>
+          <a:solidFill>
+            <a:srgbClr val="FFC000"/>
+          </a:solidFill>
+          <a:ln w="19050">
+            <a:solidFill>
+              <a:schemeClr val="accent1"/>
+            </a:solidFill>
+          </a:ln>
+        </p:spPr>
+        <p:txBody>
+          <a:bodyPr vert="eaVert" wrap="square" rtlCol="0">
+            <a:spAutoFit/>
+          </a:bodyPr>
+          <a:lstStyle/>
+          <a:p>
+            <a:r>
+              <a:rPr kumimoji="1" lang="ja-JP" altLang="en-US" sz="1400" dirty="0">
+                <a:solidFill>
+                  <a:schemeClr val="bg1"/>
+                </a:solidFill>
+              </a:rPr>
+              <a:t>レビュー</a:t>
+            </a:r>
+          </a:p>
+        </p:txBody>
+      </p:sp>
+      <p:sp>
+        <p:nvSpPr>
+          <p:cNvPr id="38" name="テキスト ボックス 37">
+            <a:extLst>
+              <a:ext uri="{FF2B5EF4-FFF2-40B4-BE49-F238E27FC236}">
+                <a16:creationId xmlns:a16="http://schemas.microsoft.com/office/drawing/2014/main" id="{1CC814F3-86B9-519A-10CF-53456A9B6244}"/>
+              </a:ext>
+            </a:extLst>
+          </p:cNvPr>
+          <p:cNvSpPr txBox="1"/>
+          <p:nvPr/>
+        </p:nvSpPr>
+        <p:spPr>
+          <a:xfrm>
+            <a:off x="5784896" y="2719049"/>
+            <a:ext cx="400110" cy="810301"/>
+          </a:xfrm>
+          <a:prstGeom prst="rect">
+            <a:avLst/>
+          </a:prstGeom>
+          <a:solidFill>
+            <a:srgbClr val="FFC000"/>
+          </a:solidFill>
+          <a:ln w="19050">
+            <a:solidFill>
+              <a:schemeClr val="accent1"/>
+            </a:solidFill>
+          </a:ln>
+        </p:spPr>
+        <p:txBody>
+          <a:bodyPr vert="eaVert" wrap="square" rtlCol="0">
+            <a:spAutoFit/>
+          </a:bodyPr>
+          <a:lstStyle/>
+          <a:p>
+            <a:r>
+              <a:rPr kumimoji="1" lang="ja-JP" altLang="en-US" sz="1400" dirty="0">
+                <a:solidFill>
+                  <a:schemeClr val="bg1"/>
+                </a:solidFill>
+              </a:rPr>
+              <a:t>レビュー</a:t>
+            </a:r>
+          </a:p>
+        </p:txBody>
+      </p:sp>
+      <p:sp>
+        <p:nvSpPr>
+          <p:cNvPr id="42" name="矢印: 山形 41">
+            <a:extLst>
+              <a:ext uri="{FF2B5EF4-FFF2-40B4-BE49-F238E27FC236}">
+                <a16:creationId xmlns:a16="http://schemas.microsoft.com/office/drawing/2014/main" id="{0FE277AF-7E06-85CB-3DC4-5EC766E4A7AE}"/>
+              </a:ext>
+            </a:extLst>
+          </p:cNvPr>
+          <p:cNvSpPr/>
+          <p:nvPr/>
+        </p:nvSpPr>
+        <p:spPr>
+          <a:xfrm>
+            <a:off x="6390198" y="3428999"/>
+            <a:ext cx="1403973" cy="609601"/>
+          </a:xfrm>
+          <a:prstGeom prst="chevron">
+            <a:avLst/>
+          </a:prstGeom>
+          <a:solidFill>
+            <a:srgbClr val="00B0F0"/>
+          </a:solidFill>
+        </p:spPr>
+        <p:style>
+          <a:lnRef idx="2">
+            <a:schemeClr val="accent1">
+              <a:shade val="15000"/>
+            </a:schemeClr>
+          </a:lnRef>
+          <a:fillRef idx="1">
+            <a:schemeClr val="accent1"/>
+          </a:fillRef>
+          <a:effectRef idx="0">
+            <a:schemeClr val="accent1"/>
+          </a:effectRef>
+          <a:fontRef idx="minor">
+            <a:schemeClr val="lt1"/>
+          </a:fontRef>
+        </p:style>
+        <p:txBody>
+          <a:bodyPr rtlCol="0" anchor="ctr"/>
+          <a:lstStyle/>
+          <a:p>
+            <a:pPr algn="ctr"/>
+            <a:r>
+              <a:rPr kumimoji="1" lang="en-US" altLang="ja-JP" dirty="0" err="1">
+                <a:solidFill>
+                  <a:schemeClr val="bg1"/>
+                </a:solidFill>
+              </a:rPr>
+              <a:t>Issu</a:t>
+            </a:r>
+            <a:r>
+              <a:rPr lang="en-US" altLang="ja-JP" dirty="0" err="1">
+                <a:solidFill>
+                  <a:schemeClr val="bg1"/>
+                </a:solidFill>
+              </a:rPr>
+              <a:t>e</a:t>
+            </a:r>
+            <a:r>
+              <a:rPr kumimoji="1" lang="en-US" altLang="ja-JP" dirty="0" err="1">
+                <a:solidFill>
+                  <a:schemeClr val="bg1"/>
+                </a:solidFill>
+              </a:rPr>
+              <a:t>close</a:t>
+            </a:r>
+            <a:endParaRPr kumimoji="1" lang="ja-JP" altLang="en-US" dirty="0">
+              <a:solidFill>
+                <a:schemeClr val="bg1"/>
+              </a:solidFill>
+            </a:endParaRPr>
+          </a:p>
+        </p:txBody>
+      </p:sp>
+      <p:sp>
+        <p:nvSpPr>
+          <p:cNvPr id="43" name="テキスト ボックス 42">
+            <a:extLst>
+              <a:ext uri="{FF2B5EF4-FFF2-40B4-BE49-F238E27FC236}">
+                <a16:creationId xmlns:a16="http://schemas.microsoft.com/office/drawing/2014/main" id="{F26F36D3-D66B-5FE9-86E5-B130F96CE702}"/>
+              </a:ext>
+            </a:extLst>
+          </p:cNvPr>
+          <p:cNvSpPr txBox="1"/>
+          <p:nvPr/>
+        </p:nvSpPr>
+        <p:spPr>
+          <a:xfrm>
+            <a:off x="7799308" y="3328648"/>
+            <a:ext cx="400110" cy="810301"/>
+          </a:xfrm>
+          <a:prstGeom prst="rect">
+            <a:avLst/>
+          </a:prstGeom>
+          <a:solidFill>
+            <a:srgbClr val="FFC000"/>
+          </a:solidFill>
+          <a:ln w="19050">
+            <a:solidFill>
+              <a:schemeClr val="accent1"/>
+            </a:solidFill>
+          </a:ln>
+        </p:spPr>
+        <p:txBody>
+          <a:bodyPr vert="eaVert" wrap="square" rtlCol="0">
+            <a:spAutoFit/>
+          </a:bodyPr>
+          <a:lstStyle/>
+          <a:p>
+            <a:r>
+              <a:rPr kumimoji="1" lang="ja-JP" altLang="en-US" sz="1400" dirty="0">
+                <a:solidFill>
+                  <a:schemeClr val="bg1"/>
+                </a:solidFill>
+              </a:rPr>
+              <a:t>レビュー</a:t>
+            </a:r>
+          </a:p>
+        </p:txBody>
+      </p:sp>
+      <p:sp>
+        <p:nvSpPr>
+          <p:cNvPr id="44" name="テキスト ボックス 43">
+            <a:extLst>
+              <a:ext uri="{FF2B5EF4-FFF2-40B4-BE49-F238E27FC236}">
+                <a16:creationId xmlns:a16="http://schemas.microsoft.com/office/drawing/2014/main" id="{7ADA4E84-E0F9-48CC-8CCC-9071F8C52637}"/>
+              </a:ext>
+            </a:extLst>
+          </p:cNvPr>
+          <p:cNvSpPr txBox="1"/>
+          <p:nvPr/>
+        </p:nvSpPr>
+        <p:spPr>
+          <a:xfrm>
+            <a:off x="8310382" y="1903563"/>
+            <a:ext cx="400110" cy="2235385"/>
+          </a:xfrm>
+          <a:prstGeom prst="rect">
+            <a:avLst/>
+          </a:prstGeom>
+          <a:solidFill>
+            <a:srgbClr val="FF0000"/>
+          </a:solidFill>
+          <a:ln w="19050">
+            <a:solidFill>
+              <a:schemeClr val="accent1"/>
+            </a:solidFill>
+          </a:ln>
+        </p:spPr>
+        <p:txBody>
+          <a:bodyPr vert="eaVert" wrap="square" rtlCol="0">
+            <a:spAutoFit/>
+          </a:bodyPr>
+          <a:lstStyle/>
+          <a:p>
+            <a:pPr algn="ctr"/>
+            <a:r>
+              <a:rPr kumimoji="1" lang="ja-JP" altLang="en-US" sz="1400" dirty="0">
+                <a:solidFill>
+                  <a:schemeClr val="bg1"/>
+                </a:solidFill>
+              </a:rPr>
+              <a:t>リリース</a:t>
+            </a:r>
           </a:p>
         </p:txBody>
       </p:sp>
@@ -5515,7 +7534,7 @@
 </p:sld>
 </file>
 
-<file path=ppt/slides/slide5.xml><?xml version="1.0" encoding="utf-8"?>
+<file path=ppt/slides/slide6.xml><?xml version="1.0" encoding="utf-8"?>
 <p:sld xmlns:a="http://schemas.openxmlformats.org/drawingml/2006/main" xmlns:r="http://schemas.openxmlformats.org/officeDocument/2006/relationships" xmlns:p="http://schemas.openxmlformats.org/presentationml/2006/main">
   <p:cSld>
     <p:bg>
@@ -5628,7 +7647,7 @@
 </p:sld>
 </file>
 
-<file path=ppt/slides/slide6.xml><?xml version="1.0" encoding="utf-8"?>
+<file path=ppt/slides/slide7.xml><?xml version="1.0" encoding="utf-8"?>
 <p:sld xmlns:a="http://schemas.openxmlformats.org/drawingml/2006/main" xmlns:r="http://schemas.openxmlformats.org/officeDocument/2006/relationships" xmlns:p="http://schemas.openxmlformats.org/presentationml/2006/main">
   <p:cSld>
     <p:bg>
@@ -5711,7 +7730,7 @@
 </p:sld>
 </file>
 
-<file path=ppt/slides/slide7.xml><?xml version="1.0" encoding="utf-8"?>
+<file path=ppt/slides/slide8.xml><?xml version="1.0" encoding="utf-8"?>
 <p:sld xmlns:a="http://schemas.openxmlformats.org/drawingml/2006/main" xmlns:r="http://schemas.openxmlformats.org/officeDocument/2006/relationships" xmlns:p="http://schemas.openxmlformats.org/presentationml/2006/main">
   <p:cSld>
     <p:bg>
@@ -6243,6 +8262,45 @@
           </a:p>
         </p:txBody>
       </p:sp>
+      <p:sp>
+        <p:nvSpPr>
+          <p:cNvPr id="3" name="テキスト ボックス 2">
+            <a:extLst>
+              <a:ext uri="{FF2B5EF4-FFF2-40B4-BE49-F238E27FC236}">
+                <a16:creationId xmlns:a16="http://schemas.microsoft.com/office/drawing/2014/main" id="{E403434A-6FE5-5429-D2A9-6DA2B6BD8696}"/>
+              </a:ext>
+            </a:extLst>
+          </p:cNvPr>
+          <p:cNvSpPr txBox="1"/>
+          <p:nvPr/>
+        </p:nvSpPr>
+        <p:spPr>
+          <a:xfrm>
+            <a:off x="1164779" y="2335014"/>
+            <a:ext cx="2623460" cy="1008969"/>
+          </a:xfrm>
+          <a:prstGeom prst="rect">
+            <a:avLst/>
+          </a:prstGeom>
+          <a:solidFill>
+            <a:schemeClr val="bg1"/>
+          </a:solidFill>
+          <a:ln w="19050">
+            <a:solidFill>
+              <a:schemeClr val="tx1"/>
+            </a:solidFill>
+          </a:ln>
+        </p:spPr>
+        <p:txBody>
+          <a:bodyPr wrap="square" rtlCol="0">
+            <a:spAutoFit/>
+          </a:bodyPr>
+          <a:lstStyle/>
+          <a:p>
+            <a:endParaRPr kumimoji="1" lang="ja-JP" altLang="en-US" dirty="0"/>
+          </a:p>
+        </p:txBody>
+      </p:sp>
     </p:spTree>
     <p:extLst>
       <p:ext uri="{BB962C8B-B14F-4D97-AF65-F5344CB8AC3E}">
@@ -6256,7 +8314,7 @@
 </p:sld>
 </file>
 
-<file path=ppt/slides/slide8.xml><?xml version="1.0" encoding="utf-8"?>
+<file path=ppt/slides/slide9.xml><?xml version="1.0" encoding="utf-8"?>
 <p:sld xmlns:a="http://schemas.openxmlformats.org/drawingml/2006/main" xmlns:r="http://schemas.openxmlformats.org/officeDocument/2006/relationships" xmlns:p="http://schemas.openxmlformats.org/presentationml/2006/main">
   <p:cSld>
     <p:bg>
@@ -6790,549 +8848,6 @@
     <p:extLst>
       <p:ext uri="{BB962C8B-B14F-4D97-AF65-F5344CB8AC3E}">
         <p14:creationId xmlns:p14="http://schemas.microsoft.com/office/powerpoint/2010/main" val="3629942653"/>
-      </p:ext>
-    </p:extLst>
-  </p:cSld>
-  <p:clrMapOvr>
-    <a:masterClrMapping/>
-  </p:clrMapOvr>
-</p:sld>
-</file>
-
-<file path=ppt/slides/slide9.xml><?xml version="1.0" encoding="utf-8"?>
-<p:sld xmlns:a="http://schemas.openxmlformats.org/drawingml/2006/main" xmlns:r="http://schemas.openxmlformats.org/officeDocument/2006/relationships" xmlns:p="http://schemas.openxmlformats.org/presentationml/2006/main">
-  <p:cSld>
-    <p:bg>
-      <p:bgPr>
-        <a:solidFill>
-          <a:schemeClr val="bg1">
-            <a:lumMod val="85000"/>
-          </a:schemeClr>
-        </a:solidFill>
-        <a:effectLst/>
-      </p:bgPr>
-    </p:bg>
-    <p:spTree>
-      <p:nvGrpSpPr>
-        <p:cNvPr id="1" name="">
-          <a:extLst>
-            <a:ext uri="{FF2B5EF4-FFF2-40B4-BE49-F238E27FC236}">
-              <a16:creationId xmlns:a16="http://schemas.microsoft.com/office/drawing/2014/main" id="{4DB74708-659E-2C7A-7AA5-A977ADB6FA5B}"/>
-            </a:ext>
-          </a:extLst>
-        </p:cNvPr>
-        <p:cNvGrpSpPr/>
-        <p:nvPr/>
-      </p:nvGrpSpPr>
-      <p:grpSpPr>
-        <a:xfrm>
-          <a:off x="0" y="0"/>
-          <a:ext cx="0" cy="0"/>
-          <a:chOff x="0" y="0"/>
-          <a:chExt cx="0" cy="0"/>
-        </a:xfrm>
-      </p:grpSpPr>
-      <p:sp>
-        <p:nvSpPr>
-          <p:cNvPr id="2" name="タイトル 1">
-            <a:extLst>
-              <a:ext uri="{FF2B5EF4-FFF2-40B4-BE49-F238E27FC236}">
-                <a16:creationId xmlns:a16="http://schemas.microsoft.com/office/drawing/2014/main" id="{9573BA57-DF7A-DF4F-34DC-C7A0EB718C75}"/>
-              </a:ext>
-            </a:extLst>
-          </p:cNvPr>
-          <p:cNvSpPr>
-            <a:spLocks noGrp="1"/>
-          </p:cNvSpPr>
-          <p:nvPr>
-            <p:ph type="title"/>
-          </p:nvPr>
-        </p:nvSpPr>
-        <p:spPr>
-          <a:xfrm>
-            <a:off x="838200" y="257199"/>
-            <a:ext cx="10515600" cy="1325563"/>
-          </a:xfrm>
-        </p:spPr>
-        <p:txBody>
-          <a:bodyPr/>
-          <a:lstStyle/>
-          <a:p>
-            <a:r>
-              <a:rPr kumimoji="1" lang="ja-JP" altLang="en-US" b="1" dirty="0">
-                <a:solidFill>
-                  <a:schemeClr val="accent1"/>
-                </a:solidFill>
-              </a:rPr>
-              <a:t>個人発表（社員番号</a:t>
-            </a:r>
-            <a:r>
-              <a:rPr kumimoji="1" lang="en-US" altLang="ja-JP" b="1" dirty="0">
-                <a:solidFill>
-                  <a:schemeClr val="accent1"/>
-                </a:solidFill>
-              </a:rPr>
-              <a:t>_</a:t>
-            </a:r>
-            <a:r>
-              <a:rPr kumimoji="1" lang="ja-JP" altLang="en-US" b="1" dirty="0">
-                <a:solidFill>
-                  <a:schemeClr val="accent1"/>
-                </a:solidFill>
-              </a:rPr>
-              <a:t>かし）</a:t>
-            </a:r>
-          </a:p>
-        </p:txBody>
-      </p:sp>
-      <p:sp>
-        <p:nvSpPr>
-          <p:cNvPr id="4" name="矢印: 山形 3">
-            <a:extLst>
-              <a:ext uri="{FF2B5EF4-FFF2-40B4-BE49-F238E27FC236}">
-                <a16:creationId xmlns:a16="http://schemas.microsoft.com/office/drawing/2014/main" id="{7F830057-F882-F34D-DDC1-C7E845F6DC8F}"/>
-              </a:ext>
-            </a:extLst>
-          </p:cNvPr>
-          <p:cNvSpPr/>
-          <p:nvPr/>
-        </p:nvSpPr>
-        <p:spPr>
-          <a:xfrm>
-            <a:off x="1164779" y="1697493"/>
-            <a:ext cx="2677883" cy="609600"/>
-          </a:xfrm>
-          <a:prstGeom prst="chevron">
-            <a:avLst/>
-          </a:prstGeom>
-        </p:spPr>
-        <p:style>
-          <a:lnRef idx="2">
-            <a:schemeClr val="accent1">
-              <a:shade val="15000"/>
-            </a:schemeClr>
-          </a:lnRef>
-          <a:fillRef idx="1">
-            <a:schemeClr val="accent1"/>
-          </a:fillRef>
-          <a:effectRef idx="0">
-            <a:schemeClr val="accent1"/>
-          </a:effectRef>
-          <a:fontRef idx="minor">
-            <a:schemeClr val="lt1"/>
-          </a:fontRef>
-        </p:style>
-        <p:txBody>
-          <a:bodyPr rtlCol="0" anchor="ctr"/>
-          <a:lstStyle/>
-          <a:p>
-            <a:pPr algn="ctr"/>
-            <a:r>
-              <a:rPr kumimoji="1" lang="ja-JP" altLang="en-US" dirty="0">
-                <a:solidFill>
-                  <a:schemeClr val="bg1"/>
-                </a:solidFill>
-              </a:rPr>
-              <a:t>一日目</a:t>
-            </a:r>
-          </a:p>
-        </p:txBody>
-      </p:sp>
-      <p:sp>
-        <p:nvSpPr>
-          <p:cNvPr id="12" name="矢印: 山形 11">
-            <a:extLst>
-              <a:ext uri="{FF2B5EF4-FFF2-40B4-BE49-F238E27FC236}">
-                <a16:creationId xmlns:a16="http://schemas.microsoft.com/office/drawing/2014/main" id="{5D85BDF6-A42C-60E5-B09B-0562C002299B}"/>
-              </a:ext>
-            </a:extLst>
-          </p:cNvPr>
-          <p:cNvSpPr/>
-          <p:nvPr/>
-        </p:nvSpPr>
-        <p:spPr>
-          <a:xfrm>
-            <a:off x="3788238" y="1712469"/>
-            <a:ext cx="2677883" cy="609600"/>
-          </a:xfrm>
-          <a:prstGeom prst="chevron">
-            <a:avLst/>
-          </a:prstGeom>
-        </p:spPr>
-        <p:style>
-          <a:lnRef idx="2">
-            <a:schemeClr val="accent1">
-              <a:shade val="15000"/>
-            </a:schemeClr>
-          </a:lnRef>
-          <a:fillRef idx="1">
-            <a:schemeClr val="accent1"/>
-          </a:fillRef>
-          <a:effectRef idx="0">
-            <a:schemeClr val="accent1"/>
-          </a:effectRef>
-          <a:fontRef idx="minor">
-            <a:schemeClr val="lt1"/>
-          </a:fontRef>
-        </p:style>
-        <p:txBody>
-          <a:bodyPr rtlCol="0" anchor="ctr"/>
-          <a:lstStyle/>
-          <a:p>
-            <a:pPr algn="ctr"/>
-            <a:r>
-              <a:rPr kumimoji="1" lang="ja-JP" altLang="en-US" dirty="0">
-                <a:solidFill>
-                  <a:schemeClr val="bg1"/>
-                </a:solidFill>
-              </a:rPr>
-              <a:t>二日目</a:t>
-            </a:r>
-          </a:p>
-        </p:txBody>
-      </p:sp>
-      <p:sp>
-        <p:nvSpPr>
-          <p:cNvPr id="13" name="矢印: 山形 12">
-            <a:extLst>
-              <a:ext uri="{FF2B5EF4-FFF2-40B4-BE49-F238E27FC236}">
-                <a16:creationId xmlns:a16="http://schemas.microsoft.com/office/drawing/2014/main" id="{029FE0E4-D37E-9D11-4ED5-33DD1F15AB1F}"/>
-              </a:ext>
-            </a:extLst>
-          </p:cNvPr>
-          <p:cNvSpPr/>
-          <p:nvPr/>
-        </p:nvSpPr>
-        <p:spPr>
-          <a:xfrm>
-            <a:off x="6411696" y="1697493"/>
-            <a:ext cx="2677883" cy="609600"/>
-          </a:xfrm>
-          <a:prstGeom prst="chevron">
-            <a:avLst/>
-          </a:prstGeom>
-        </p:spPr>
-        <p:style>
-          <a:lnRef idx="2">
-            <a:schemeClr val="accent1">
-              <a:shade val="15000"/>
-            </a:schemeClr>
-          </a:lnRef>
-          <a:fillRef idx="1">
-            <a:schemeClr val="accent1"/>
-          </a:fillRef>
-          <a:effectRef idx="0">
-            <a:schemeClr val="accent1"/>
-          </a:effectRef>
-          <a:fontRef idx="minor">
-            <a:schemeClr val="lt1"/>
-          </a:fontRef>
-        </p:style>
-        <p:txBody>
-          <a:bodyPr rtlCol="0" anchor="ctr"/>
-          <a:lstStyle/>
-          <a:p>
-            <a:pPr algn="ctr"/>
-            <a:r>
-              <a:rPr lang="ja-JP" altLang="en-US" dirty="0">
-                <a:solidFill>
-                  <a:schemeClr val="bg1"/>
-                </a:solidFill>
-              </a:rPr>
-              <a:t>三</a:t>
-            </a:r>
-            <a:r>
-              <a:rPr kumimoji="1" lang="ja-JP" altLang="en-US" dirty="0">
-                <a:solidFill>
-                  <a:schemeClr val="bg1"/>
-                </a:solidFill>
-              </a:rPr>
-              <a:t>日目</a:t>
-            </a:r>
-          </a:p>
-        </p:txBody>
-      </p:sp>
-      <p:sp>
-        <p:nvSpPr>
-          <p:cNvPr id="14" name="矢印: 山形 13">
-            <a:extLst>
-              <a:ext uri="{FF2B5EF4-FFF2-40B4-BE49-F238E27FC236}">
-                <a16:creationId xmlns:a16="http://schemas.microsoft.com/office/drawing/2014/main" id="{8531C6DD-F2E5-E29A-820A-11EA65DD2282}"/>
-              </a:ext>
-            </a:extLst>
-          </p:cNvPr>
-          <p:cNvSpPr/>
-          <p:nvPr/>
-        </p:nvSpPr>
-        <p:spPr>
-          <a:xfrm>
-            <a:off x="9089579" y="1690688"/>
-            <a:ext cx="2677883" cy="609600"/>
-          </a:xfrm>
-          <a:prstGeom prst="chevron">
-            <a:avLst/>
-          </a:prstGeom>
-        </p:spPr>
-        <p:style>
-          <a:lnRef idx="2">
-            <a:schemeClr val="accent1">
-              <a:shade val="15000"/>
-            </a:schemeClr>
-          </a:lnRef>
-          <a:fillRef idx="1">
-            <a:schemeClr val="accent1"/>
-          </a:fillRef>
-          <a:effectRef idx="0">
-            <a:schemeClr val="accent1"/>
-          </a:effectRef>
-          <a:fontRef idx="minor">
-            <a:schemeClr val="lt1"/>
-          </a:fontRef>
-        </p:style>
-        <p:txBody>
-          <a:bodyPr rtlCol="0" anchor="ctr"/>
-          <a:lstStyle/>
-          <a:p>
-            <a:pPr algn="ctr"/>
-            <a:r>
-              <a:rPr lang="ja-JP" altLang="en-US" dirty="0">
-                <a:solidFill>
-                  <a:schemeClr val="bg1"/>
-                </a:solidFill>
-              </a:rPr>
-              <a:t>四</a:t>
-            </a:r>
-            <a:r>
-              <a:rPr kumimoji="1" lang="ja-JP" altLang="en-US" dirty="0">
-                <a:solidFill>
-                  <a:schemeClr val="bg1"/>
-                </a:solidFill>
-              </a:rPr>
-              <a:t>日目</a:t>
-            </a:r>
-          </a:p>
-        </p:txBody>
-      </p:sp>
-      <p:sp>
-        <p:nvSpPr>
-          <p:cNvPr id="15" name="正方形/長方形 14">
-            <a:extLst>
-              <a:ext uri="{FF2B5EF4-FFF2-40B4-BE49-F238E27FC236}">
-                <a16:creationId xmlns:a16="http://schemas.microsoft.com/office/drawing/2014/main" id="{DA4D8024-C721-B2FE-705F-D8CA95107B3D}"/>
-              </a:ext>
-            </a:extLst>
-          </p:cNvPr>
-          <p:cNvSpPr/>
-          <p:nvPr/>
-        </p:nvSpPr>
-        <p:spPr>
-          <a:xfrm>
-            <a:off x="97976" y="2325481"/>
-            <a:ext cx="859979" cy="983776"/>
-          </a:xfrm>
-          <a:prstGeom prst="rect">
-            <a:avLst/>
-          </a:prstGeom>
-          <a:solidFill>
-            <a:schemeClr val="bg2">
-              <a:lumMod val="90000"/>
-            </a:schemeClr>
-          </a:solidFill>
-        </p:spPr>
-        <p:style>
-          <a:lnRef idx="2">
-            <a:schemeClr val="accent1">
-              <a:shade val="15000"/>
-            </a:schemeClr>
-          </a:lnRef>
-          <a:fillRef idx="1">
-            <a:schemeClr val="accent1"/>
-          </a:fillRef>
-          <a:effectRef idx="0">
-            <a:schemeClr val="accent1"/>
-          </a:effectRef>
-          <a:fontRef idx="minor">
-            <a:schemeClr val="lt1"/>
-          </a:fontRef>
-        </p:style>
-        <p:txBody>
-          <a:bodyPr rtlCol="0" anchor="ctr"/>
-          <a:lstStyle/>
-          <a:p>
-            <a:pPr algn="ctr"/>
-            <a:r>
-              <a:rPr kumimoji="1" lang="ja-JP" altLang="en-US" dirty="0"/>
-              <a:t>担当機能</a:t>
-            </a:r>
-          </a:p>
-        </p:txBody>
-      </p:sp>
-      <p:sp>
-        <p:nvSpPr>
-          <p:cNvPr id="19" name="正方形/長方形 18">
-            <a:extLst>
-              <a:ext uri="{FF2B5EF4-FFF2-40B4-BE49-F238E27FC236}">
-                <a16:creationId xmlns:a16="http://schemas.microsoft.com/office/drawing/2014/main" id="{A13678EE-CC47-D041-1FBB-9E380F861674}"/>
-              </a:ext>
-            </a:extLst>
-          </p:cNvPr>
-          <p:cNvSpPr/>
-          <p:nvPr/>
-        </p:nvSpPr>
-        <p:spPr>
-          <a:xfrm>
-            <a:off x="97975" y="3392281"/>
-            <a:ext cx="859979" cy="983776"/>
-          </a:xfrm>
-          <a:prstGeom prst="rect">
-            <a:avLst/>
-          </a:prstGeom>
-          <a:solidFill>
-            <a:schemeClr val="bg2">
-              <a:lumMod val="90000"/>
-            </a:schemeClr>
-          </a:solidFill>
-        </p:spPr>
-        <p:style>
-          <a:lnRef idx="2">
-            <a:schemeClr val="accent1">
-              <a:shade val="15000"/>
-            </a:schemeClr>
-          </a:lnRef>
-          <a:fillRef idx="1">
-            <a:schemeClr val="accent1"/>
-          </a:fillRef>
-          <a:effectRef idx="0">
-            <a:schemeClr val="accent1"/>
-          </a:effectRef>
-          <a:fontRef idx="minor">
-            <a:schemeClr val="lt1"/>
-          </a:fontRef>
-        </p:style>
-        <p:txBody>
-          <a:bodyPr rtlCol="0" anchor="ctr"/>
-          <a:lstStyle/>
-          <a:p>
-            <a:pPr algn="ctr"/>
-            <a:r>
-              <a:rPr kumimoji="1" lang="ja-JP" altLang="en-US" sz="1600" dirty="0"/>
-              <a:t>工夫点</a:t>
-            </a:r>
-          </a:p>
-        </p:txBody>
-      </p:sp>
-      <p:sp>
-        <p:nvSpPr>
-          <p:cNvPr id="20" name="正方形/長方形 19">
-            <a:extLst>
-              <a:ext uri="{FF2B5EF4-FFF2-40B4-BE49-F238E27FC236}">
-                <a16:creationId xmlns:a16="http://schemas.microsoft.com/office/drawing/2014/main" id="{C8863B78-D5F6-139B-9CFF-D8A45B4D7B68}"/>
-              </a:ext>
-            </a:extLst>
-          </p:cNvPr>
-          <p:cNvSpPr/>
-          <p:nvPr/>
-        </p:nvSpPr>
-        <p:spPr>
-          <a:xfrm>
-            <a:off x="97976" y="5679583"/>
-            <a:ext cx="859979" cy="983776"/>
-          </a:xfrm>
-          <a:prstGeom prst="rect">
-            <a:avLst/>
-          </a:prstGeom>
-          <a:solidFill>
-            <a:schemeClr val="bg2">
-              <a:lumMod val="90000"/>
-            </a:schemeClr>
-          </a:solidFill>
-        </p:spPr>
-        <p:style>
-          <a:lnRef idx="2">
-            <a:schemeClr val="accent1">
-              <a:shade val="15000"/>
-            </a:schemeClr>
-          </a:lnRef>
-          <a:fillRef idx="1">
-            <a:schemeClr val="accent1"/>
-          </a:fillRef>
-          <a:effectRef idx="0">
-            <a:schemeClr val="accent1"/>
-          </a:effectRef>
-          <a:fontRef idx="minor">
-            <a:schemeClr val="lt1"/>
-          </a:fontRef>
-        </p:style>
-        <p:txBody>
-          <a:bodyPr rtlCol="0" anchor="ctr"/>
-          <a:lstStyle/>
-          <a:p>
-            <a:pPr algn="ctr"/>
-            <a:r>
-              <a:rPr kumimoji="1" lang="ja-JP" altLang="en-US" sz="1600" dirty="0"/>
-              <a:t>今後に向けて</a:t>
-            </a:r>
-          </a:p>
-        </p:txBody>
-      </p:sp>
-      <p:sp>
-        <p:nvSpPr>
-          <p:cNvPr id="21" name="正方形/長方形 20">
-            <a:extLst>
-              <a:ext uri="{FF2B5EF4-FFF2-40B4-BE49-F238E27FC236}">
-                <a16:creationId xmlns:a16="http://schemas.microsoft.com/office/drawing/2014/main" id="{1DB36B7F-D3B9-AEB2-FA6C-996A2C142473}"/>
-              </a:ext>
-            </a:extLst>
-          </p:cNvPr>
-          <p:cNvSpPr/>
-          <p:nvPr/>
-        </p:nvSpPr>
-        <p:spPr>
-          <a:xfrm>
-            <a:off x="103427" y="4535932"/>
-            <a:ext cx="859979" cy="983776"/>
-          </a:xfrm>
-          <a:prstGeom prst="rect">
-            <a:avLst/>
-          </a:prstGeom>
-          <a:solidFill>
-            <a:schemeClr val="bg2">
-              <a:lumMod val="90000"/>
-            </a:schemeClr>
-          </a:solidFill>
-        </p:spPr>
-        <p:style>
-          <a:lnRef idx="2">
-            <a:schemeClr val="accent1">
-              <a:shade val="15000"/>
-            </a:schemeClr>
-          </a:lnRef>
-          <a:fillRef idx="1">
-            <a:schemeClr val="accent1"/>
-          </a:fillRef>
-          <a:effectRef idx="0">
-            <a:schemeClr val="accent1"/>
-          </a:effectRef>
-          <a:fontRef idx="minor">
-            <a:schemeClr val="lt1"/>
-          </a:fontRef>
-        </p:style>
-        <p:txBody>
-          <a:bodyPr rtlCol="0" anchor="ctr"/>
-          <a:lstStyle/>
-          <a:p>
-            <a:pPr algn="ctr"/>
-            <a:r>
-              <a:rPr kumimoji="1" lang="ja-JP" altLang="en-US" sz="1600" dirty="0"/>
-              <a:t>問題点</a:t>
-            </a:r>
-          </a:p>
-        </p:txBody>
-      </p:sp>
-    </p:spTree>
-    <p:extLst>
-      <p:ext uri="{BB962C8B-B14F-4D97-AF65-F5344CB8AC3E}">
-        <p14:creationId xmlns:p14="http://schemas.microsoft.com/office/powerpoint/2010/main" val="2865446405"/>
       </p:ext>
     </p:extLst>
   </p:cSld>

--- a/src/main/resources/presentation/TeamA　品質管理チーム演習.pptx
+++ b/src/main/resources/presentation/TeamA　品質管理チーム演習.pptx
@@ -13,11 +13,7 @@
     <p:sldId id="264" r:id="rId7"/>
     <p:sldId id="265" r:id="rId8"/>
     <p:sldId id="257" r:id="rId9"/>
-    <p:sldId id="271" r:id="rId10"/>
-    <p:sldId id="268" r:id="rId11"/>
-    <p:sldId id="270" r:id="rId12"/>
-    <p:sldId id="269" r:id="rId13"/>
-    <p:sldId id="267" r:id="rId14"/>
+    <p:sldId id="267" r:id="rId10"/>
   </p:sldIdLst>
   <p:sldSz cx="12192000" cy="6858000"/>
   <p:notesSz cx="6858000" cy="9144000"/>
@@ -3822,1707 +3818,6 @@
 </p:sld>
 </file>
 
-<file path=ppt/slides/slide10.xml><?xml version="1.0" encoding="utf-8"?>
-<p:sld xmlns:a="http://schemas.openxmlformats.org/drawingml/2006/main" xmlns:r="http://schemas.openxmlformats.org/officeDocument/2006/relationships" xmlns:p="http://schemas.openxmlformats.org/presentationml/2006/main">
-  <p:cSld>
-    <p:bg>
-      <p:bgPr>
-        <a:solidFill>
-          <a:schemeClr val="bg1">
-            <a:lumMod val="85000"/>
-          </a:schemeClr>
-        </a:solidFill>
-        <a:effectLst/>
-      </p:bgPr>
-    </p:bg>
-    <p:spTree>
-      <p:nvGrpSpPr>
-        <p:cNvPr id="1" name="">
-          <a:extLst>
-            <a:ext uri="{FF2B5EF4-FFF2-40B4-BE49-F238E27FC236}">
-              <a16:creationId xmlns:a16="http://schemas.microsoft.com/office/drawing/2014/main" id="{4DB74708-659E-2C7A-7AA5-A977ADB6FA5B}"/>
-            </a:ext>
-          </a:extLst>
-        </p:cNvPr>
-        <p:cNvGrpSpPr/>
-        <p:nvPr/>
-      </p:nvGrpSpPr>
-      <p:grpSpPr>
-        <a:xfrm>
-          <a:off x="0" y="0"/>
-          <a:ext cx="0" cy="0"/>
-          <a:chOff x="0" y="0"/>
-          <a:chExt cx="0" cy="0"/>
-        </a:xfrm>
-      </p:grpSpPr>
-      <p:sp>
-        <p:nvSpPr>
-          <p:cNvPr id="2" name="タイトル 1">
-            <a:extLst>
-              <a:ext uri="{FF2B5EF4-FFF2-40B4-BE49-F238E27FC236}">
-                <a16:creationId xmlns:a16="http://schemas.microsoft.com/office/drawing/2014/main" id="{9573BA57-DF7A-DF4F-34DC-C7A0EB718C75}"/>
-              </a:ext>
-            </a:extLst>
-          </p:cNvPr>
-          <p:cNvSpPr>
-            <a:spLocks noGrp="1"/>
-          </p:cNvSpPr>
-          <p:nvPr>
-            <p:ph type="title"/>
-          </p:nvPr>
-        </p:nvSpPr>
-        <p:spPr>
-          <a:xfrm>
-            <a:off x="838200" y="257199"/>
-            <a:ext cx="10515600" cy="1325563"/>
-          </a:xfrm>
-        </p:spPr>
-        <p:txBody>
-          <a:bodyPr/>
-          <a:lstStyle/>
-          <a:p>
-            <a:r>
-              <a:rPr kumimoji="1" lang="ja-JP" altLang="en-US" b="1" dirty="0">
-                <a:solidFill>
-                  <a:schemeClr val="accent1"/>
-                </a:solidFill>
-              </a:rPr>
-              <a:t>個人発表（社員番号</a:t>
-            </a:r>
-            <a:r>
-              <a:rPr kumimoji="1" lang="en-US" altLang="ja-JP" b="1" dirty="0">
-                <a:solidFill>
-                  <a:schemeClr val="accent1"/>
-                </a:solidFill>
-              </a:rPr>
-              <a:t>_</a:t>
-            </a:r>
-            <a:r>
-              <a:rPr kumimoji="1" lang="ja-JP" altLang="en-US" b="1" dirty="0">
-                <a:solidFill>
-                  <a:schemeClr val="accent1"/>
-                </a:solidFill>
-              </a:rPr>
-              <a:t>かし）</a:t>
-            </a:r>
-          </a:p>
-        </p:txBody>
-      </p:sp>
-      <p:sp>
-        <p:nvSpPr>
-          <p:cNvPr id="4" name="矢印: 山形 3">
-            <a:extLst>
-              <a:ext uri="{FF2B5EF4-FFF2-40B4-BE49-F238E27FC236}">
-                <a16:creationId xmlns:a16="http://schemas.microsoft.com/office/drawing/2014/main" id="{7F830057-F882-F34D-DDC1-C7E845F6DC8F}"/>
-              </a:ext>
-            </a:extLst>
-          </p:cNvPr>
-          <p:cNvSpPr/>
-          <p:nvPr/>
-        </p:nvSpPr>
-        <p:spPr>
-          <a:xfrm>
-            <a:off x="1164779" y="1697493"/>
-            <a:ext cx="2677883" cy="609600"/>
-          </a:xfrm>
-          <a:prstGeom prst="chevron">
-            <a:avLst/>
-          </a:prstGeom>
-        </p:spPr>
-        <p:style>
-          <a:lnRef idx="2">
-            <a:schemeClr val="accent1">
-              <a:shade val="15000"/>
-            </a:schemeClr>
-          </a:lnRef>
-          <a:fillRef idx="1">
-            <a:schemeClr val="accent1"/>
-          </a:fillRef>
-          <a:effectRef idx="0">
-            <a:schemeClr val="accent1"/>
-          </a:effectRef>
-          <a:fontRef idx="minor">
-            <a:schemeClr val="lt1"/>
-          </a:fontRef>
-        </p:style>
-        <p:txBody>
-          <a:bodyPr rtlCol="0" anchor="ctr"/>
-          <a:lstStyle/>
-          <a:p>
-            <a:pPr algn="ctr"/>
-            <a:r>
-              <a:rPr kumimoji="1" lang="ja-JP" altLang="en-US" dirty="0">
-                <a:solidFill>
-                  <a:schemeClr val="bg1"/>
-                </a:solidFill>
-              </a:rPr>
-              <a:t>一日目</a:t>
-            </a:r>
-          </a:p>
-        </p:txBody>
-      </p:sp>
-      <p:sp>
-        <p:nvSpPr>
-          <p:cNvPr id="12" name="矢印: 山形 11">
-            <a:extLst>
-              <a:ext uri="{FF2B5EF4-FFF2-40B4-BE49-F238E27FC236}">
-                <a16:creationId xmlns:a16="http://schemas.microsoft.com/office/drawing/2014/main" id="{5D85BDF6-A42C-60E5-B09B-0562C002299B}"/>
-              </a:ext>
-            </a:extLst>
-          </p:cNvPr>
-          <p:cNvSpPr/>
-          <p:nvPr/>
-        </p:nvSpPr>
-        <p:spPr>
-          <a:xfrm>
-            <a:off x="3788238" y="1712469"/>
-            <a:ext cx="2677883" cy="609600"/>
-          </a:xfrm>
-          <a:prstGeom prst="chevron">
-            <a:avLst/>
-          </a:prstGeom>
-        </p:spPr>
-        <p:style>
-          <a:lnRef idx="2">
-            <a:schemeClr val="accent1">
-              <a:shade val="15000"/>
-            </a:schemeClr>
-          </a:lnRef>
-          <a:fillRef idx="1">
-            <a:schemeClr val="accent1"/>
-          </a:fillRef>
-          <a:effectRef idx="0">
-            <a:schemeClr val="accent1"/>
-          </a:effectRef>
-          <a:fontRef idx="minor">
-            <a:schemeClr val="lt1"/>
-          </a:fontRef>
-        </p:style>
-        <p:txBody>
-          <a:bodyPr rtlCol="0" anchor="ctr"/>
-          <a:lstStyle/>
-          <a:p>
-            <a:pPr algn="ctr"/>
-            <a:r>
-              <a:rPr kumimoji="1" lang="ja-JP" altLang="en-US" dirty="0">
-                <a:solidFill>
-                  <a:schemeClr val="bg1"/>
-                </a:solidFill>
-              </a:rPr>
-              <a:t>二日目</a:t>
-            </a:r>
-          </a:p>
-        </p:txBody>
-      </p:sp>
-      <p:sp>
-        <p:nvSpPr>
-          <p:cNvPr id="13" name="矢印: 山形 12">
-            <a:extLst>
-              <a:ext uri="{FF2B5EF4-FFF2-40B4-BE49-F238E27FC236}">
-                <a16:creationId xmlns:a16="http://schemas.microsoft.com/office/drawing/2014/main" id="{029FE0E4-D37E-9D11-4ED5-33DD1F15AB1F}"/>
-              </a:ext>
-            </a:extLst>
-          </p:cNvPr>
-          <p:cNvSpPr/>
-          <p:nvPr/>
-        </p:nvSpPr>
-        <p:spPr>
-          <a:xfrm>
-            <a:off x="6411696" y="1697493"/>
-            <a:ext cx="2677883" cy="609600"/>
-          </a:xfrm>
-          <a:prstGeom prst="chevron">
-            <a:avLst/>
-          </a:prstGeom>
-        </p:spPr>
-        <p:style>
-          <a:lnRef idx="2">
-            <a:schemeClr val="accent1">
-              <a:shade val="15000"/>
-            </a:schemeClr>
-          </a:lnRef>
-          <a:fillRef idx="1">
-            <a:schemeClr val="accent1"/>
-          </a:fillRef>
-          <a:effectRef idx="0">
-            <a:schemeClr val="accent1"/>
-          </a:effectRef>
-          <a:fontRef idx="minor">
-            <a:schemeClr val="lt1"/>
-          </a:fontRef>
-        </p:style>
-        <p:txBody>
-          <a:bodyPr rtlCol="0" anchor="ctr"/>
-          <a:lstStyle/>
-          <a:p>
-            <a:pPr algn="ctr"/>
-            <a:r>
-              <a:rPr lang="ja-JP" altLang="en-US" dirty="0">
-                <a:solidFill>
-                  <a:schemeClr val="bg1"/>
-                </a:solidFill>
-              </a:rPr>
-              <a:t>三</a:t>
-            </a:r>
-            <a:r>
-              <a:rPr kumimoji="1" lang="ja-JP" altLang="en-US" dirty="0">
-                <a:solidFill>
-                  <a:schemeClr val="bg1"/>
-                </a:solidFill>
-              </a:rPr>
-              <a:t>日目</a:t>
-            </a:r>
-          </a:p>
-        </p:txBody>
-      </p:sp>
-      <p:sp>
-        <p:nvSpPr>
-          <p:cNvPr id="14" name="矢印: 山形 13">
-            <a:extLst>
-              <a:ext uri="{FF2B5EF4-FFF2-40B4-BE49-F238E27FC236}">
-                <a16:creationId xmlns:a16="http://schemas.microsoft.com/office/drawing/2014/main" id="{8531C6DD-F2E5-E29A-820A-11EA65DD2282}"/>
-              </a:ext>
-            </a:extLst>
-          </p:cNvPr>
-          <p:cNvSpPr/>
-          <p:nvPr/>
-        </p:nvSpPr>
-        <p:spPr>
-          <a:xfrm>
-            <a:off x="9089579" y="1690688"/>
-            <a:ext cx="2677883" cy="609600"/>
-          </a:xfrm>
-          <a:prstGeom prst="chevron">
-            <a:avLst/>
-          </a:prstGeom>
-        </p:spPr>
-        <p:style>
-          <a:lnRef idx="2">
-            <a:schemeClr val="accent1">
-              <a:shade val="15000"/>
-            </a:schemeClr>
-          </a:lnRef>
-          <a:fillRef idx="1">
-            <a:schemeClr val="accent1"/>
-          </a:fillRef>
-          <a:effectRef idx="0">
-            <a:schemeClr val="accent1"/>
-          </a:effectRef>
-          <a:fontRef idx="minor">
-            <a:schemeClr val="lt1"/>
-          </a:fontRef>
-        </p:style>
-        <p:txBody>
-          <a:bodyPr rtlCol="0" anchor="ctr"/>
-          <a:lstStyle/>
-          <a:p>
-            <a:pPr algn="ctr"/>
-            <a:r>
-              <a:rPr lang="ja-JP" altLang="en-US" dirty="0">
-                <a:solidFill>
-                  <a:schemeClr val="bg1"/>
-                </a:solidFill>
-              </a:rPr>
-              <a:t>四</a:t>
-            </a:r>
-            <a:r>
-              <a:rPr kumimoji="1" lang="ja-JP" altLang="en-US" dirty="0">
-                <a:solidFill>
-                  <a:schemeClr val="bg1"/>
-                </a:solidFill>
-              </a:rPr>
-              <a:t>日目</a:t>
-            </a:r>
-          </a:p>
-        </p:txBody>
-      </p:sp>
-      <p:sp>
-        <p:nvSpPr>
-          <p:cNvPr id="15" name="正方形/長方形 14">
-            <a:extLst>
-              <a:ext uri="{FF2B5EF4-FFF2-40B4-BE49-F238E27FC236}">
-                <a16:creationId xmlns:a16="http://schemas.microsoft.com/office/drawing/2014/main" id="{DA4D8024-C721-B2FE-705F-D8CA95107B3D}"/>
-              </a:ext>
-            </a:extLst>
-          </p:cNvPr>
-          <p:cNvSpPr/>
-          <p:nvPr/>
-        </p:nvSpPr>
-        <p:spPr>
-          <a:xfrm>
-            <a:off x="97976" y="2325481"/>
-            <a:ext cx="859979" cy="983776"/>
-          </a:xfrm>
-          <a:prstGeom prst="rect">
-            <a:avLst/>
-          </a:prstGeom>
-          <a:solidFill>
-            <a:schemeClr val="bg2">
-              <a:lumMod val="90000"/>
-            </a:schemeClr>
-          </a:solidFill>
-        </p:spPr>
-        <p:style>
-          <a:lnRef idx="2">
-            <a:schemeClr val="accent1">
-              <a:shade val="15000"/>
-            </a:schemeClr>
-          </a:lnRef>
-          <a:fillRef idx="1">
-            <a:schemeClr val="accent1"/>
-          </a:fillRef>
-          <a:effectRef idx="0">
-            <a:schemeClr val="accent1"/>
-          </a:effectRef>
-          <a:fontRef idx="minor">
-            <a:schemeClr val="lt1"/>
-          </a:fontRef>
-        </p:style>
-        <p:txBody>
-          <a:bodyPr rtlCol="0" anchor="ctr"/>
-          <a:lstStyle/>
-          <a:p>
-            <a:pPr algn="ctr"/>
-            <a:r>
-              <a:rPr kumimoji="1" lang="ja-JP" altLang="en-US" dirty="0"/>
-              <a:t>担当機能</a:t>
-            </a:r>
-          </a:p>
-        </p:txBody>
-      </p:sp>
-      <p:sp>
-        <p:nvSpPr>
-          <p:cNvPr id="19" name="正方形/長方形 18">
-            <a:extLst>
-              <a:ext uri="{FF2B5EF4-FFF2-40B4-BE49-F238E27FC236}">
-                <a16:creationId xmlns:a16="http://schemas.microsoft.com/office/drawing/2014/main" id="{A13678EE-CC47-D041-1FBB-9E380F861674}"/>
-              </a:ext>
-            </a:extLst>
-          </p:cNvPr>
-          <p:cNvSpPr/>
-          <p:nvPr/>
-        </p:nvSpPr>
-        <p:spPr>
-          <a:xfrm>
-            <a:off x="97975" y="3392281"/>
-            <a:ext cx="859979" cy="983776"/>
-          </a:xfrm>
-          <a:prstGeom prst="rect">
-            <a:avLst/>
-          </a:prstGeom>
-          <a:solidFill>
-            <a:schemeClr val="bg2">
-              <a:lumMod val="90000"/>
-            </a:schemeClr>
-          </a:solidFill>
-        </p:spPr>
-        <p:style>
-          <a:lnRef idx="2">
-            <a:schemeClr val="accent1">
-              <a:shade val="15000"/>
-            </a:schemeClr>
-          </a:lnRef>
-          <a:fillRef idx="1">
-            <a:schemeClr val="accent1"/>
-          </a:fillRef>
-          <a:effectRef idx="0">
-            <a:schemeClr val="accent1"/>
-          </a:effectRef>
-          <a:fontRef idx="minor">
-            <a:schemeClr val="lt1"/>
-          </a:fontRef>
-        </p:style>
-        <p:txBody>
-          <a:bodyPr rtlCol="0" anchor="ctr"/>
-          <a:lstStyle/>
-          <a:p>
-            <a:pPr algn="ctr"/>
-            <a:r>
-              <a:rPr kumimoji="1" lang="ja-JP" altLang="en-US" sz="1600" dirty="0"/>
-              <a:t>工夫点</a:t>
-            </a:r>
-          </a:p>
-        </p:txBody>
-      </p:sp>
-      <p:sp>
-        <p:nvSpPr>
-          <p:cNvPr id="20" name="正方形/長方形 19">
-            <a:extLst>
-              <a:ext uri="{FF2B5EF4-FFF2-40B4-BE49-F238E27FC236}">
-                <a16:creationId xmlns:a16="http://schemas.microsoft.com/office/drawing/2014/main" id="{C8863B78-D5F6-139B-9CFF-D8A45B4D7B68}"/>
-              </a:ext>
-            </a:extLst>
-          </p:cNvPr>
-          <p:cNvSpPr/>
-          <p:nvPr/>
-        </p:nvSpPr>
-        <p:spPr>
-          <a:xfrm>
-            <a:off x="97976" y="5679583"/>
-            <a:ext cx="859979" cy="983776"/>
-          </a:xfrm>
-          <a:prstGeom prst="rect">
-            <a:avLst/>
-          </a:prstGeom>
-          <a:solidFill>
-            <a:schemeClr val="bg2">
-              <a:lumMod val="90000"/>
-            </a:schemeClr>
-          </a:solidFill>
-        </p:spPr>
-        <p:style>
-          <a:lnRef idx="2">
-            <a:schemeClr val="accent1">
-              <a:shade val="15000"/>
-            </a:schemeClr>
-          </a:lnRef>
-          <a:fillRef idx="1">
-            <a:schemeClr val="accent1"/>
-          </a:fillRef>
-          <a:effectRef idx="0">
-            <a:schemeClr val="accent1"/>
-          </a:effectRef>
-          <a:fontRef idx="minor">
-            <a:schemeClr val="lt1"/>
-          </a:fontRef>
-        </p:style>
-        <p:txBody>
-          <a:bodyPr rtlCol="0" anchor="ctr"/>
-          <a:lstStyle/>
-          <a:p>
-            <a:pPr algn="ctr"/>
-            <a:r>
-              <a:rPr kumimoji="1" lang="ja-JP" altLang="en-US" sz="1600" dirty="0"/>
-              <a:t>今後に向けて</a:t>
-            </a:r>
-          </a:p>
-        </p:txBody>
-      </p:sp>
-      <p:sp>
-        <p:nvSpPr>
-          <p:cNvPr id="21" name="正方形/長方形 20">
-            <a:extLst>
-              <a:ext uri="{FF2B5EF4-FFF2-40B4-BE49-F238E27FC236}">
-                <a16:creationId xmlns:a16="http://schemas.microsoft.com/office/drawing/2014/main" id="{1DB36B7F-D3B9-AEB2-FA6C-996A2C142473}"/>
-              </a:ext>
-            </a:extLst>
-          </p:cNvPr>
-          <p:cNvSpPr/>
-          <p:nvPr/>
-        </p:nvSpPr>
-        <p:spPr>
-          <a:xfrm>
-            <a:off x="103427" y="4535932"/>
-            <a:ext cx="859979" cy="983776"/>
-          </a:xfrm>
-          <a:prstGeom prst="rect">
-            <a:avLst/>
-          </a:prstGeom>
-          <a:solidFill>
-            <a:schemeClr val="bg2">
-              <a:lumMod val="90000"/>
-            </a:schemeClr>
-          </a:solidFill>
-        </p:spPr>
-        <p:style>
-          <a:lnRef idx="2">
-            <a:schemeClr val="accent1">
-              <a:shade val="15000"/>
-            </a:schemeClr>
-          </a:lnRef>
-          <a:fillRef idx="1">
-            <a:schemeClr val="accent1"/>
-          </a:fillRef>
-          <a:effectRef idx="0">
-            <a:schemeClr val="accent1"/>
-          </a:effectRef>
-          <a:fontRef idx="minor">
-            <a:schemeClr val="lt1"/>
-          </a:fontRef>
-        </p:style>
-        <p:txBody>
-          <a:bodyPr rtlCol="0" anchor="ctr"/>
-          <a:lstStyle/>
-          <a:p>
-            <a:pPr algn="ctr"/>
-            <a:r>
-              <a:rPr kumimoji="1" lang="ja-JP" altLang="en-US" sz="1600" dirty="0"/>
-              <a:t>問題点</a:t>
-            </a:r>
-          </a:p>
-        </p:txBody>
-      </p:sp>
-    </p:spTree>
-    <p:extLst>
-      <p:ext uri="{BB962C8B-B14F-4D97-AF65-F5344CB8AC3E}">
-        <p14:creationId xmlns:p14="http://schemas.microsoft.com/office/powerpoint/2010/main" val="2865446405"/>
-      </p:ext>
-    </p:extLst>
-  </p:cSld>
-  <p:clrMapOvr>
-    <a:masterClrMapping/>
-  </p:clrMapOvr>
-</p:sld>
-</file>
-
-<file path=ppt/slides/slide11.xml><?xml version="1.0" encoding="utf-8"?>
-<p:sld xmlns:a="http://schemas.openxmlformats.org/drawingml/2006/main" xmlns:r="http://schemas.openxmlformats.org/officeDocument/2006/relationships" xmlns:p="http://schemas.openxmlformats.org/presentationml/2006/main">
-  <p:cSld>
-    <p:bg>
-      <p:bgPr>
-        <a:solidFill>
-          <a:schemeClr val="bg1">
-            <a:lumMod val="85000"/>
-          </a:schemeClr>
-        </a:solidFill>
-        <a:effectLst/>
-      </p:bgPr>
-    </p:bg>
-    <p:spTree>
-      <p:nvGrpSpPr>
-        <p:cNvPr id="1" name="">
-          <a:extLst>
-            <a:ext uri="{FF2B5EF4-FFF2-40B4-BE49-F238E27FC236}">
-              <a16:creationId xmlns:a16="http://schemas.microsoft.com/office/drawing/2014/main" id="{62D53726-3B4A-9662-281B-9F8FBAC75456}"/>
-            </a:ext>
-          </a:extLst>
-        </p:cNvPr>
-        <p:cNvGrpSpPr/>
-        <p:nvPr/>
-      </p:nvGrpSpPr>
-      <p:grpSpPr>
-        <a:xfrm>
-          <a:off x="0" y="0"/>
-          <a:ext cx="0" cy="0"/>
-          <a:chOff x="0" y="0"/>
-          <a:chExt cx="0" cy="0"/>
-        </a:xfrm>
-      </p:grpSpPr>
-      <p:sp>
-        <p:nvSpPr>
-          <p:cNvPr id="2" name="タイトル 1">
-            <a:extLst>
-              <a:ext uri="{FF2B5EF4-FFF2-40B4-BE49-F238E27FC236}">
-                <a16:creationId xmlns:a16="http://schemas.microsoft.com/office/drawing/2014/main" id="{C71F3030-2EEB-199D-93DA-545EF4BB9C3F}"/>
-              </a:ext>
-            </a:extLst>
-          </p:cNvPr>
-          <p:cNvSpPr>
-            <a:spLocks noGrp="1"/>
-          </p:cNvSpPr>
-          <p:nvPr>
-            <p:ph type="title"/>
-          </p:nvPr>
-        </p:nvSpPr>
-        <p:spPr>
-          <a:xfrm>
-            <a:off x="838200" y="257199"/>
-            <a:ext cx="10515600" cy="1325563"/>
-          </a:xfrm>
-        </p:spPr>
-        <p:txBody>
-          <a:bodyPr/>
-          <a:lstStyle/>
-          <a:p>
-            <a:r>
-              <a:rPr kumimoji="1" lang="ja-JP" altLang="en-US" b="1" dirty="0">
-                <a:solidFill>
-                  <a:schemeClr val="accent1"/>
-                </a:solidFill>
-              </a:rPr>
-              <a:t>個人発表（社員番号</a:t>
-            </a:r>
-            <a:r>
-              <a:rPr kumimoji="1" lang="en-US" altLang="ja-JP" b="1" dirty="0">
-                <a:solidFill>
-                  <a:schemeClr val="accent1"/>
-                </a:solidFill>
-              </a:rPr>
-              <a:t>_</a:t>
-            </a:r>
-            <a:r>
-              <a:rPr kumimoji="1" lang="ja-JP" altLang="en-US" b="1" dirty="0">
-                <a:solidFill>
-                  <a:schemeClr val="accent1"/>
-                </a:solidFill>
-              </a:rPr>
-              <a:t>むな）</a:t>
-            </a:r>
-          </a:p>
-        </p:txBody>
-      </p:sp>
-      <p:sp>
-        <p:nvSpPr>
-          <p:cNvPr id="4" name="矢印: 山形 3">
-            <a:extLst>
-              <a:ext uri="{FF2B5EF4-FFF2-40B4-BE49-F238E27FC236}">
-                <a16:creationId xmlns:a16="http://schemas.microsoft.com/office/drawing/2014/main" id="{9C7DDDA7-A67F-39F7-07F4-CCD0AD42258E}"/>
-              </a:ext>
-            </a:extLst>
-          </p:cNvPr>
-          <p:cNvSpPr/>
-          <p:nvPr/>
-        </p:nvSpPr>
-        <p:spPr>
-          <a:xfrm>
-            <a:off x="1164779" y="1697493"/>
-            <a:ext cx="2677883" cy="609600"/>
-          </a:xfrm>
-          <a:prstGeom prst="chevron">
-            <a:avLst/>
-          </a:prstGeom>
-        </p:spPr>
-        <p:style>
-          <a:lnRef idx="2">
-            <a:schemeClr val="accent1">
-              <a:shade val="15000"/>
-            </a:schemeClr>
-          </a:lnRef>
-          <a:fillRef idx="1">
-            <a:schemeClr val="accent1"/>
-          </a:fillRef>
-          <a:effectRef idx="0">
-            <a:schemeClr val="accent1"/>
-          </a:effectRef>
-          <a:fontRef idx="minor">
-            <a:schemeClr val="lt1"/>
-          </a:fontRef>
-        </p:style>
-        <p:txBody>
-          <a:bodyPr rtlCol="0" anchor="ctr"/>
-          <a:lstStyle/>
-          <a:p>
-            <a:pPr algn="ctr"/>
-            <a:r>
-              <a:rPr kumimoji="1" lang="ja-JP" altLang="en-US" dirty="0">
-                <a:solidFill>
-                  <a:schemeClr val="bg1"/>
-                </a:solidFill>
-              </a:rPr>
-              <a:t>一日目</a:t>
-            </a:r>
-          </a:p>
-        </p:txBody>
-      </p:sp>
-      <p:sp>
-        <p:nvSpPr>
-          <p:cNvPr id="12" name="矢印: 山形 11">
-            <a:extLst>
-              <a:ext uri="{FF2B5EF4-FFF2-40B4-BE49-F238E27FC236}">
-                <a16:creationId xmlns:a16="http://schemas.microsoft.com/office/drawing/2014/main" id="{DC71EDCF-1893-341E-0477-656E48CF81EB}"/>
-              </a:ext>
-            </a:extLst>
-          </p:cNvPr>
-          <p:cNvSpPr/>
-          <p:nvPr/>
-        </p:nvSpPr>
-        <p:spPr>
-          <a:xfrm>
-            <a:off x="3788238" y="1712469"/>
-            <a:ext cx="2677883" cy="609600"/>
-          </a:xfrm>
-          <a:prstGeom prst="chevron">
-            <a:avLst/>
-          </a:prstGeom>
-        </p:spPr>
-        <p:style>
-          <a:lnRef idx="2">
-            <a:schemeClr val="accent1">
-              <a:shade val="15000"/>
-            </a:schemeClr>
-          </a:lnRef>
-          <a:fillRef idx="1">
-            <a:schemeClr val="accent1"/>
-          </a:fillRef>
-          <a:effectRef idx="0">
-            <a:schemeClr val="accent1"/>
-          </a:effectRef>
-          <a:fontRef idx="minor">
-            <a:schemeClr val="lt1"/>
-          </a:fontRef>
-        </p:style>
-        <p:txBody>
-          <a:bodyPr rtlCol="0" anchor="ctr"/>
-          <a:lstStyle/>
-          <a:p>
-            <a:pPr algn="ctr"/>
-            <a:r>
-              <a:rPr kumimoji="1" lang="ja-JP" altLang="en-US" dirty="0">
-                <a:solidFill>
-                  <a:schemeClr val="bg1"/>
-                </a:solidFill>
-              </a:rPr>
-              <a:t>二日目</a:t>
-            </a:r>
-          </a:p>
-        </p:txBody>
-      </p:sp>
-      <p:sp>
-        <p:nvSpPr>
-          <p:cNvPr id="13" name="矢印: 山形 12">
-            <a:extLst>
-              <a:ext uri="{FF2B5EF4-FFF2-40B4-BE49-F238E27FC236}">
-                <a16:creationId xmlns:a16="http://schemas.microsoft.com/office/drawing/2014/main" id="{B6222BD0-DDB6-C6DD-A9E7-2C714BDF605D}"/>
-              </a:ext>
-            </a:extLst>
-          </p:cNvPr>
-          <p:cNvSpPr/>
-          <p:nvPr/>
-        </p:nvSpPr>
-        <p:spPr>
-          <a:xfrm>
-            <a:off x="6411696" y="1697493"/>
-            <a:ext cx="2677883" cy="609600"/>
-          </a:xfrm>
-          <a:prstGeom prst="chevron">
-            <a:avLst/>
-          </a:prstGeom>
-        </p:spPr>
-        <p:style>
-          <a:lnRef idx="2">
-            <a:schemeClr val="accent1">
-              <a:shade val="15000"/>
-            </a:schemeClr>
-          </a:lnRef>
-          <a:fillRef idx="1">
-            <a:schemeClr val="accent1"/>
-          </a:fillRef>
-          <a:effectRef idx="0">
-            <a:schemeClr val="accent1"/>
-          </a:effectRef>
-          <a:fontRef idx="minor">
-            <a:schemeClr val="lt1"/>
-          </a:fontRef>
-        </p:style>
-        <p:txBody>
-          <a:bodyPr rtlCol="0" anchor="ctr"/>
-          <a:lstStyle/>
-          <a:p>
-            <a:pPr algn="ctr"/>
-            <a:r>
-              <a:rPr lang="ja-JP" altLang="en-US" dirty="0">
-                <a:solidFill>
-                  <a:schemeClr val="bg1"/>
-                </a:solidFill>
-              </a:rPr>
-              <a:t>三</a:t>
-            </a:r>
-            <a:r>
-              <a:rPr kumimoji="1" lang="ja-JP" altLang="en-US" dirty="0">
-                <a:solidFill>
-                  <a:schemeClr val="bg1"/>
-                </a:solidFill>
-              </a:rPr>
-              <a:t>日目</a:t>
-            </a:r>
-          </a:p>
-        </p:txBody>
-      </p:sp>
-      <p:sp>
-        <p:nvSpPr>
-          <p:cNvPr id="14" name="矢印: 山形 13">
-            <a:extLst>
-              <a:ext uri="{FF2B5EF4-FFF2-40B4-BE49-F238E27FC236}">
-                <a16:creationId xmlns:a16="http://schemas.microsoft.com/office/drawing/2014/main" id="{1C6EADE4-71A7-E4CD-E088-F8887F39C5D4}"/>
-              </a:ext>
-            </a:extLst>
-          </p:cNvPr>
-          <p:cNvSpPr/>
-          <p:nvPr/>
-        </p:nvSpPr>
-        <p:spPr>
-          <a:xfrm>
-            <a:off x="9089579" y="1690688"/>
-            <a:ext cx="2677883" cy="609600"/>
-          </a:xfrm>
-          <a:prstGeom prst="chevron">
-            <a:avLst/>
-          </a:prstGeom>
-        </p:spPr>
-        <p:style>
-          <a:lnRef idx="2">
-            <a:schemeClr val="accent1">
-              <a:shade val="15000"/>
-            </a:schemeClr>
-          </a:lnRef>
-          <a:fillRef idx="1">
-            <a:schemeClr val="accent1"/>
-          </a:fillRef>
-          <a:effectRef idx="0">
-            <a:schemeClr val="accent1"/>
-          </a:effectRef>
-          <a:fontRef idx="minor">
-            <a:schemeClr val="lt1"/>
-          </a:fontRef>
-        </p:style>
-        <p:txBody>
-          <a:bodyPr rtlCol="0" anchor="ctr"/>
-          <a:lstStyle/>
-          <a:p>
-            <a:pPr algn="ctr"/>
-            <a:r>
-              <a:rPr lang="ja-JP" altLang="en-US" dirty="0">
-                <a:solidFill>
-                  <a:schemeClr val="bg1"/>
-                </a:solidFill>
-              </a:rPr>
-              <a:t>四</a:t>
-            </a:r>
-            <a:r>
-              <a:rPr kumimoji="1" lang="ja-JP" altLang="en-US" dirty="0">
-                <a:solidFill>
-                  <a:schemeClr val="bg1"/>
-                </a:solidFill>
-              </a:rPr>
-              <a:t>日目</a:t>
-            </a:r>
-          </a:p>
-        </p:txBody>
-      </p:sp>
-      <p:sp>
-        <p:nvSpPr>
-          <p:cNvPr id="15" name="正方形/長方形 14">
-            <a:extLst>
-              <a:ext uri="{FF2B5EF4-FFF2-40B4-BE49-F238E27FC236}">
-                <a16:creationId xmlns:a16="http://schemas.microsoft.com/office/drawing/2014/main" id="{FF0D73FE-FE20-699A-846F-AFDF56F874A8}"/>
-              </a:ext>
-            </a:extLst>
-          </p:cNvPr>
-          <p:cNvSpPr/>
-          <p:nvPr/>
-        </p:nvSpPr>
-        <p:spPr>
-          <a:xfrm>
-            <a:off x="97976" y="2325481"/>
-            <a:ext cx="859979" cy="983776"/>
-          </a:xfrm>
-          <a:prstGeom prst="rect">
-            <a:avLst/>
-          </a:prstGeom>
-          <a:solidFill>
-            <a:schemeClr val="bg2">
-              <a:lumMod val="90000"/>
-            </a:schemeClr>
-          </a:solidFill>
-        </p:spPr>
-        <p:style>
-          <a:lnRef idx="2">
-            <a:schemeClr val="accent1">
-              <a:shade val="15000"/>
-            </a:schemeClr>
-          </a:lnRef>
-          <a:fillRef idx="1">
-            <a:schemeClr val="accent1"/>
-          </a:fillRef>
-          <a:effectRef idx="0">
-            <a:schemeClr val="accent1"/>
-          </a:effectRef>
-          <a:fontRef idx="minor">
-            <a:schemeClr val="lt1"/>
-          </a:fontRef>
-        </p:style>
-        <p:txBody>
-          <a:bodyPr rtlCol="0" anchor="ctr"/>
-          <a:lstStyle/>
-          <a:p>
-            <a:pPr algn="ctr"/>
-            <a:r>
-              <a:rPr kumimoji="1" lang="ja-JP" altLang="en-US" dirty="0"/>
-              <a:t>担当機能</a:t>
-            </a:r>
-          </a:p>
-        </p:txBody>
-      </p:sp>
-      <p:sp>
-        <p:nvSpPr>
-          <p:cNvPr id="19" name="正方形/長方形 18">
-            <a:extLst>
-              <a:ext uri="{FF2B5EF4-FFF2-40B4-BE49-F238E27FC236}">
-                <a16:creationId xmlns:a16="http://schemas.microsoft.com/office/drawing/2014/main" id="{BC4D4FAA-4EB0-C959-F8AD-228D888B4D6A}"/>
-              </a:ext>
-            </a:extLst>
-          </p:cNvPr>
-          <p:cNvSpPr/>
-          <p:nvPr/>
-        </p:nvSpPr>
-        <p:spPr>
-          <a:xfrm>
-            <a:off x="97975" y="3392281"/>
-            <a:ext cx="859979" cy="983776"/>
-          </a:xfrm>
-          <a:prstGeom prst="rect">
-            <a:avLst/>
-          </a:prstGeom>
-          <a:solidFill>
-            <a:schemeClr val="bg2">
-              <a:lumMod val="90000"/>
-            </a:schemeClr>
-          </a:solidFill>
-        </p:spPr>
-        <p:style>
-          <a:lnRef idx="2">
-            <a:schemeClr val="accent1">
-              <a:shade val="15000"/>
-            </a:schemeClr>
-          </a:lnRef>
-          <a:fillRef idx="1">
-            <a:schemeClr val="accent1"/>
-          </a:fillRef>
-          <a:effectRef idx="0">
-            <a:schemeClr val="accent1"/>
-          </a:effectRef>
-          <a:fontRef idx="minor">
-            <a:schemeClr val="lt1"/>
-          </a:fontRef>
-        </p:style>
-        <p:txBody>
-          <a:bodyPr rtlCol="0" anchor="ctr"/>
-          <a:lstStyle/>
-          <a:p>
-            <a:pPr algn="ctr"/>
-            <a:r>
-              <a:rPr kumimoji="1" lang="ja-JP" altLang="en-US" sz="1600" dirty="0"/>
-              <a:t>工夫点</a:t>
-            </a:r>
-          </a:p>
-        </p:txBody>
-      </p:sp>
-      <p:sp>
-        <p:nvSpPr>
-          <p:cNvPr id="20" name="正方形/長方形 19">
-            <a:extLst>
-              <a:ext uri="{FF2B5EF4-FFF2-40B4-BE49-F238E27FC236}">
-                <a16:creationId xmlns:a16="http://schemas.microsoft.com/office/drawing/2014/main" id="{A4D1162A-30FE-724D-DF4F-3A1F64B7AA4A}"/>
-              </a:ext>
-            </a:extLst>
-          </p:cNvPr>
-          <p:cNvSpPr/>
-          <p:nvPr/>
-        </p:nvSpPr>
-        <p:spPr>
-          <a:xfrm>
-            <a:off x="97976" y="5679583"/>
-            <a:ext cx="859979" cy="983776"/>
-          </a:xfrm>
-          <a:prstGeom prst="rect">
-            <a:avLst/>
-          </a:prstGeom>
-          <a:solidFill>
-            <a:schemeClr val="bg2">
-              <a:lumMod val="90000"/>
-            </a:schemeClr>
-          </a:solidFill>
-        </p:spPr>
-        <p:style>
-          <a:lnRef idx="2">
-            <a:schemeClr val="accent1">
-              <a:shade val="15000"/>
-            </a:schemeClr>
-          </a:lnRef>
-          <a:fillRef idx="1">
-            <a:schemeClr val="accent1"/>
-          </a:fillRef>
-          <a:effectRef idx="0">
-            <a:schemeClr val="accent1"/>
-          </a:effectRef>
-          <a:fontRef idx="minor">
-            <a:schemeClr val="lt1"/>
-          </a:fontRef>
-        </p:style>
-        <p:txBody>
-          <a:bodyPr rtlCol="0" anchor="ctr"/>
-          <a:lstStyle/>
-          <a:p>
-            <a:pPr algn="ctr"/>
-            <a:r>
-              <a:rPr kumimoji="1" lang="ja-JP" altLang="en-US" sz="1600" dirty="0"/>
-              <a:t>今後に向けて</a:t>
-            </a:r>
-          </a:p>
-        </p:txBody>
-      </p:sp>
-      <p:sp>
-        <p:nvSpPr>
-          <p:cNvPr id="21" name="正方形/長方形 20">
-            <a:extLst>
-              <a:ext uri="{FF2B5EF4-FFF2-40B4-BE49-F238E27FC236}">
-                <a16:creationId xmlns:a16="http://schemas.microsoft.com/office/drawing/2014/main" id="{7C830A01-94F6-91E4-0222-55C8FEB8A3F1}"/>
-              </a:ext>
-            </a:extLst>
-          </p:cNvPr>
-          <p:cNvSpPr/>
-          <p:nvPr/>
-        </p:nvSpPr>
-        <p:spPr>
-          <a:xfrm>
-            <a:off x="103427" y="4535932"/>
-            <a:ext cx="859979" cy="983776"/>
-          </a:xfrm>
-          <a:prstGeom prst="rect">
-            <a:avLst/>
-          </a:prstGeom>
-          <a:solidFill>
-            <a:schemeClr val="bg2">
-              <a:lumMod val="90000"/>
-            </a:schemeClr>
-          </a:solidFill>
-        </p:spPr>
-        <p:style>
-          <a:lnRef idx="2">
-            <a:schemeClr val="accent1">
-              <a:shade val="15000"/>
-            </a:schemeClr>
-          </a:lnRef>
-          <a:fillRef idx="1">
-            <a:schemeClr val="accent1"/>
-          </a:fillRef>
-          <a:effectRef idx="0">
-            <a:schemeClr val="accent1"/>
-          </a:effectRef>
-          <a:fontRef idx="minor">
-            <a:schemeClr val="lt1"/>
-          </a:fontRef>
-        </p:style>
-        <p:txBody>
-          <a:bodyPr rtlCol="0" anchor="ctr"/>
-          <a:lstStyle/>
-          <a:p>
-            <a:pPr algn="ctr"/>
-            <a:r>
-              <a:rPr kumimoji="1" lang="ja-JP" altLang="en-US" sz="1600" dirty="0"/>
-              <a:t>問題点</a:t>
-            </a:r>
-          </a:p>
-        </p:txBody>
-      </p:sp>
-    </p:spTree>
-    <p:extLst>
-      <p:ext uri="{BB962C8B-B14F-4D97-AF65-F5344CB8AC3E}">
-        <p14:creationId xmlns:p14="http://schemas.microsoft.com/office/powerpoint/2010/main" val="3186142372"/>
-      </p:ext>
-    </p:extLst>
-  </p:cSld>
-  <p:clrMapOvr>
-    <a:masterClrMapping/>
-  </p:clrMapOvr>
-</p:sld>
-</file>
-
-<file path=ppt/slides/slide12.xml><?xml version="1.0" encoding="utf-8"?>
-<p:sld xmlns:a="http://schemas.openxmlformats.org/drawingml/2006/main" xmlns:r="http://schemas.openxmlformats.org/officeDocument/2006/relationships" xmlns:p="http://schemas.openxmlformats.org/presentationml/2006/main">
-  <p:cSld>
-    <p:bg>
-      <p:bgPr>
-        <a:solidFill>
-          <a:schemeClr val="bg1">
-            <a:lumMod val="85000"/>
-          </a:schemeClr>
-        </a:solidFill>
-        <a:effectLst/>
-      </p:bgPr>
-    </p:bg>
-    <p:spTree>
-      <p:nvGrpSpPr>
-        <p:cNvPr id="1" name="">
-          <a:extLst>
-            <a:ext uri="{FF2B5EF4-FFF2-40B4-BE49-F238E27FC236}">
-              <a16:creationId xmlns:a16="http://schemas.microsoft.com/office/drawing/2014/main" id="{4B365F0C-0580-AD70-E136-F4FCB1272F43}"/>
-            </a:ext>
-          </a:extLst>
-        </p:cNvPr>
-        <p:cNvGrpSpPr/>
-        <p:nvPr/>
-      </p:nvGrpSpPr>
-      <p:grpSpPr>
-        <a:xfrm>
-          <a:off x="0" y="0"/>
-          <a:ext cx="0" cy="0"/>
-          <a:chOff x="0" y="0"/>
-          <a:chExt cx="0" cy="0"/>
-        </a:xfrm>
-      </p:grpSpPr>
-      <p:sp>
-        <p:nvSpPr>
-          <p:cNvPr id="2" name="タイトル 1">
-            <a:extLst>
-              <a:ext uri="{FF2B5EF4-FFF2-40B4-BE49-F238E27FC236}">
-                <a16:creationId xmlns:a16="http://schemas.microsoft.com/office/drawing/2014/main" id="{2BF50C3C-03CE-8B7E-6193-AC42BC9224BD}"/>
-              </a:ext>
-            </a:extLst>
-          </p:cNvPr>
-          <p:cNvSpPr>
-            <a:spLocks noGrp="1"/>
-          </p:cNvSpPr>
-          <p:nvPr>
-            <p:ph type="title"/>
-          </p:nvPr>
-        </p:nvSpPr>
-        <p:spPr>
-          <a:xfrm>
-            <a:off x="838200" y="257199"/>
-            <a:ext cx="10515600" cy="1325563"/>
-          </a:xfrm>
-        </p:spPr>
-        <p:txBody>
-          <a:bodyPr/>
-          <a:lstStyle/>
-          <a:p>
-            <a:r>
-              <a:rPr kumimoji="1" lang="ja-JP" altLang="en-US" b="1" dirty="0">
-                <a:solidFill>
-                  <a:schemeClr val="accent1"/>
-                </a:solidFill>
-              </a:rPr>
-              <a:t>個人発表（いの）</a:t>
-            </a:r>
-          </a:p>
-        </p:txBody>
-      </p:sp>
-      <p:sp>
-        <p:nvSpPr>
-          <p:cNvPr id="4" name="矢印: 山形 3">
-            <a:extLst>
-              <a:ext uri="{FF2B5EF4-FFF2-40B4-BE49-F238E27FC236}">
-                <a16:creationId xmlns:a16="http://schemas.microsoft.com/office/drawing/2014/main" id="{8509CE7E-425D-6995-1CB4-BDCEBA73E38C}"/>
-              </a:ext>
-            </a:extLst>
-          </p:cNvPr>
-          <p:cNvSpPr/>
-          <p:nvPr/>
-        </p:nvSpPr>
-        <p:spPr>
-          <a:xfrm>
-            <a:off x="1164779" y="1697493"/>
-            <a:ext cx="2677883" cy="609600"/>
-          </a:xfrm>
-          <a:prstGeom prst="chevron">
-            <a:avLst/>
-          </a:prstGeom>
-        </p:spPr>
-        <p:style>
-          <a:lnRef idx="2">
-            <a:schemeClr val="accent1">
-              <a:shade val="15000"/>
-            </a:schemeClr>
-          </a:lnRef>
-          <a:fillRef idx="1">
-            <a:schemeClr val="accent1"/>
-          </a:fillRef>
-          <a:effectRef idx="0">
-            <a:schemeClr val="accent1"/>
-          </a:effectRef>
-          <a:fontRef idx="minor">
-            <a:schemeClr val="lt1"/>
-          </a:fontRef>
-        </p:style>
-        <p:txBody>
-          <a:bodyPr rtlCol="0" anchor="ctr"/>
-          <a:lstStyle/>
-          <a:p>
-            <a:pPr algn="ctr"/>
-            <a:r>
-              <a:rPr kumimoji="1" lang="ja-JP" altLang="en-US" dirty="0">
-                <a:solidFill>
-                  <a:schemeClr val="bg1"/>
-                </a:solidFill>
-              </a:rPr>
-              <a:t>一日目</a:t>
-            </a:r>
-          </a:p>
-        </p:txBody>
-      </p:sp>
-      <p:sp>
-        <p:nvSpPr>
-          <p:cNvPr id="12" name="矢印: 山形 11">
-            <a:extLst>
-              <a:ext uri="{FF2B5EF4-FFF2-40B4-BE49-F238E27FC236}">
-                <a16:creationId xmlns:a16="http://schemas.microsoft.com/office/drawing/2014/main" id="{ABA849E6-2098-D6C8-3B71-FB7D9C080585}"/>
-              </a:ext>
-            </a:extLst>
-          </p:cNvPr>
-          <p:cNvSpPr/>
-          <p:nvPr/>
-        </p:nvSpPr>
-        <p:spPr>
-          <a:xfrm>
-            <a:off x="3788238" y="1712469"/>
-            <a:ext cx="2677883" cy="609600"/>
-          </a:xfrm>
-          <a:prstGeom prst="chevron">
-            <a:avLst/>
-          </a:prstGeom>
-        </p:spPr>
-        <p:style>
-          <a:lnRef idx="2">
-            <a:schemeClr val="accent1">
-              <a:shade val="15000"/>
-            </a:schemeClr>
-          </a:lnRef>
-          <a:fillRef idx="1">
-            <a:schemeClr val="accent1"/>
-          </a:fillRef>
-          <a:effectRef idx="0">
-            <a:schemeClr val="accent1"/>
-          </a:effectRef>
-          <a:fontRef idx="minor">
-            <a:schemeClr val="lt1"/>
-          </a:fontRef>
-        </p:style>
-        <p:txBody>
-          <a:bodyPr rtlCol="0" anchor="ctr"/>
-          <a:lstStyle/>
-          <a:p>
-            <a:pPr algn="ctr"/>
-            <a:r>
-              <a:rPr kumimoji="1" lang="ja-JP" altLang="en-US" dirty="0">
-                <a:solidFill>
-                  <a:schemeClr val="bg1"/>
-                </a:solidFill>
-              </a:rPr>
-              <a:t>二日目</a:t>
-            </a:r>
-          </a:p>
-        </p:txBody>
-      </p:sp>
-      <p:sp>
-        <p:nvSpPr>
-          <p:cNvPr id="13" name="矢印: 山形 12">
-            <a:extLst>
-              <a:ext uri="{FF2B5EF4-FFF2-40B4-BE49-F238E27FC236}">
-                <a16:creationId xmlns:a16="http://schemas.microsoft.com/office/drawing/2014/main" id="{64F29C73-D288-4ED1-BFCB-20AA4B35AE31}"/>
-              </a:ext>
-            </a:extLst>
-          </p:cNvPr>
-          <p:cNvSpPr/>
-          <p:nvPr/>
-        </p:nvSpPr>
-        <p:spPr>
-          <a:xfrm>
-            <a:off x="6411696" y="1697493"/>
-            <a:ext cx="2677883" cy="609600"/>
-          </a:xfrm>
-          <a:prstGeom prst="chevron">
-            <a:avLst/>
-          </a:prstGeom>
-        </p:spPr>
-        <p:style>
-          <a:lnRef idx="2">
-            <a:schemeClr val="accent1">
-              <a:shade val="15000"/>
-            </a:schemeClr>
-          </a:lnRef>
-          <a:fillRef idx="1">
-            <a:schemeClr val="accent1"/>
-          </a:fillRef>
-          <a:effectRef idx="0">
-            <a:schemeClr val="accent1"/>
-          </a:effectRef>
-          <a:fontRef idx="minor">
-            <a:schemeClr val="lt1"/>
-          </a:fontRef>
-        </p:style>
-        <p:txBody>
-          <a:bodyPr rtlCol="0" anchor="ctr"/>
-          <a:lstStyle/>
-          <a:p>
-            <a:pPr algn="ctr"/>
-            <a:r>
-              <a:rPr lang="ja-JP" altLang="en-US" dirty="0">
-                <a:solidFill>
-                  <a:schemeClr val="bg1"/>
-                </a:solidFill>
-              </a:rPr>
-              <a:t>三</a:t>
-            </a:r>
-            <a:r>
-              <a:rPr kumimoji="1" lang="ja-JP" altLang="en-US" dirty="0">
-                <a:solidFill>
-                  <a:schemeClr val="bg1"/>
-                </a:solidFill>
-              </a:rPr>
-              <a:t>日目</a:t>
-            </a:r>
-          </a:p>
-        </p:txBody>
-      </p:sp>
-      <p:sp>
-        <p:nvSpPr>
-          <p:cNvPr id="14" name="矢印: 山形 13">
-            <a:extLst>
-              <a:ext uri="{FF2B5EF4-FFF2-40B4-BE49-F238E27FC236}">
-                <a16:creationId xmlns:a16="http://schemas.microsoft.com/office/drawing/2014/main" id="{235DF8BF-D155-8148-162E-CEE3181DC562}"/>
-              </a:ext>
-            </a:extLst>
-          </p:cNvPr>
-          <p:cNvSpPr/>
-          <p:nvPr/>
-        </p:nvSpPr>
-        <p:spPr>
-          <a:xfrm>
-            <a:off x="9089579" y="1690688"/>
-            <a:ext cx="2677883" cy="609600"/>
-          </a:xfrm>
-          <a:prstGeom prst="chevron">
-            <a:avLst/>
-          </a:prstGeom>
-        </p:spPr>
-        <p:style>
-          <a:lnRef idx="2">
-            <a:schemeClr val="accent1">
-              <a:shade val="15000"/>
-            </a:schemeClr>
-          </a:lnRef>
-          <a:fillRef idx="1">
-            <a:schemeClr val="accent1"/>
-          </a:fillRef>
-          <a:effectRef idx="0">
-            <a:schemeClr val="accent1"/>
-          </a:effectRef>
-          <a:fontRef idx="minor">
-            <a:schemeClr val="lt1"/>
-          </a:fontRef>
-        </p:style>
-        <p:txBody>
-          <a:bodyPr rtlCol="0" anchor="ctr"/>
-          <a:lstStyle/>
-          <a:p>
-            <a:pPr algn="ctr"/>
-            <a:r>
-              <a:rPr lang="ja-JP" altLang="en-US" dirty="0">
-                <a:solidFill>
-                  <a:schemeClr val="bg1"/>
-                </a:solidFill>
-              </a:rPr>
-              <a:t>四</a:t>
-            </a:r>
-            <a:r>
-              <a:rPr kumimoji="1" lang="ja-JP" altLang="en-US" dirty="0">
-                <a:solidFill>
-                  <a:schemeClr val="bg1"/>
-                </a:solidFill>
-              </a:rPr>
-              <a:t>日目</a:t>
-            </a:r>
-          </a:p>
-        </p:txBody>
-      </p:sp>
-      <p:sp>
-        <p:nvSpPr>
-          <p:cNvPr id="15" name="正方形/長方形 14">
-            <a:extLst>
-              <a:ext uri="{FF2B5EF4-FFF2-40B4-BE49-F238E27FC236}">
-                <a16:creationId xmlns:a16="http://schemas.microsoft.com/office/drawing/2014/main" id="{1727EC15-4783-CA4E-D3CD-CB45168232C1}"/>
-              </a:ext>
-            </a:extLst>
-          </p:cNvPr>
-          <p:cNvSpPr/>
-          <p:nvPr/>
-        </p:nvSpPr>
-        <p:spPr>
-          <a:xfrm>
-            <a:off x="97976" y="2325481"/>
-            <a:ext cx="859979" cy="983776"/>
-          </a:xfrm>
-          <a:prstGeom prst="rect">
-            <a:avLst/>
-          </a:prstGeom>
-          <a:solidFill>
-            <a:schemeClr val="bg2">
-              <a:lumMod val="90000"/>
-            </a:schemeClr>
-          </a:solidFill>
-        </p:spPr>
-        <p:style>
-          <a:lnRef idx="2">
-            <a:schemeClr val="accent1">
-              <a:shade val="15000"/>
-            </a:schemeClr>
-          </a:lnRef>
-          <a:fillRef idx="1">
-            <a:schemeClr val="accent1"/>
-          </a:fillRef>
-          <a:effectRef idx="0">
-            <a:schemeClr val="accent1"/>
-          </a:effectRef>
-          <a:fontRef idx="minor">
-            <a:schemeClr val="lt1"/>
-          </a:fontRef>
-        </p:style>
-        <p:txBody>
-          <a:bodyPr rtlCol="0" anchor="ctr"/>
-          <a:lstStyle/>
-          <a:p>
-            <a:pPr algn="ctr"/>
-            <a:r>
-              <a:rPr kumimoji="1" lang="ja-JP" altLang="en-US" dirty="0"/>
-              <a:t>担当機能</a:t>
-            </a:r>
-          </a:p>
-        </p:txBody>
-      </p:sp>
-      <p:sp>
-        <p:nvSpPr>
-          <p:cNvPr id="19" name="正方形/長方形 18">
-            <a:extLst>
-              <a:ext uri="{FF2B5EF4-FFF2-40B4-BE49-F238E27FC236}">
-                <a16:creationId xmlns:a16="http://schemas.microsoft.com/office/drawing/2014/main" id="{D9E65C14-F6E0-CDE3-7ACB-9F5D781082DD}"/>
-              </a:ext>
-            </a:extLst>
-          </p:cNvPr>
-          <p:cNvSpPr/>
-          <p:nvPr/>
-        </p:nvSpPr>
-        <p:spPr>
-          <a:xfrm>
-            <a:off x="97975" y="3392281"/>
-            <a:ext cx="859979" cy="983776"/>
-          </a:xfrm>
-          <a:prstGeom prst="rect">
-            <a:avLst/>
-          </a:prstGeom>
-          <a:solidFill>
-            <a:schemeClr val="bg2">
-              <a:lumMod val="90000"/>
-            </a:schemeClr>
-          </a:solidFill>
-        </p:spPr>
-        <p:style>
-          <a:lnRef idx="2">
-            <a:schemeClr val="accent1">
-              <a:shade val="15000"/>
-            </a:schemeClr>
-          </a:lnRef>
-          <a:fillRef idx="1">
-            <a:schemeClr val="accent1"/>
-          </a:fillRef>
-          <a:effectRef idx="0">
-            <a:schemeClr val="accent1"/>
-          </a:effectRef>
-          <a:fontRef idx="minor">
-            <a:schemeClr val="lt1"/>
-          </a:fontRef>
-        </p:style>
-        <p:txBody>
-          <a:bodyPr rtlCol="0" anchor="ctr"/>
-          <a:lstStyle/>
-          <a:p>
-            <a:pPr algn="ctr"/>
-            <a:r>
-              <a:rPr kumimoji="1" lang="ja-JP" altLang="en-US" sz="1600" dirty="0"/>
-              <a:t>工夫点</a:t>
-            </a:r>
-          </a:p>
-        </p:txBody>
-      </p:sp>
-      <p:sp>
-        <p:nvSpPr>
-          <p:cNvPr id="20" name="正方形/長方形 19">
-            <a:extLst>
-              <a:ext uri="{FF2B5EF4-FFF2-40B4-BE49-F238E27FC236}">
-                <a16:creationId xmlns:a16="http://schemas.microsoft.com/office/drawing/2014/main" id="{86777095-C870-C086-B2AE-1E015DFB187F}"/>
-              </a:ext>
-            </a:extLst>
-          </p:cNvPr>
-          <p:cNvSpPr/>
-          <p:nvPr/>
-        </p:nvSpPr>
-        <p:spPr>
-          <a:xfrm>
-            <a:off x="97976" y="5679583"/>
-            <a:ext cx="859979" cy="983776"/>
-          </a:xfrm>
-          <a:prstGeom prst="rect">
-            <a:avLst/>
-          </a:prstGeom>
-          <a:solidFill>
-            <a:schemeClr val="bg2">
-              <a:lumMod val="90000"/>
-            </a:schemeClr>
-          </a:solidFill>
-        </p:spPr>
-        <p:style>
-          <a:lnRef idx="2">
-            <a:schemeClr val="accent1">
-              <a:shade val="15000"/>
-            </a:schemeClr>
-          </a:lnRef>
-          <a:fillRef idx="1">
-            <a:schemeClr val="accent1"/>
-          </a:fillRef>
-          <a:effectRef idx="0">
-            <a:schemeClr val="accent1"/>
-          </a:effectRef>
-          <a:fontRef idx="minor">
-            <a:schemeClr val="lt1"/>
-          </a:fontRef>
-        </p:style>
-        <p:txBody>
-          <a:bodyPr rtlCol="0" anchor="ctr"/>
-          <a:lstStyle/>
-          <a:p>
-            <a:pPr algn="ctr"/>
-            <a:r>
-              <a:rPr kumimoji="1" lang="ja-JP" altLang="en-US" sz="1600" dirty="0"/>
-              <a:t>今後に向けて</a:t>
-            </a:r>
-          </a:p>
-        </p:txBody>
-      </p:sp>
-      <p:sp>
-        <p:nvSpPr>
-          <p:cNvPr id="21" name="正方形/長方形 20">
-            <a:extLst>
-              <a:ext uri="{FF2B5EF4-FFF2-40B4-BE49-F238E27FC236}">
-                <a16:creationId xmlns:a16="http://schemas.microsoft.com/office/drawing/2014/main" id="{4BE06620-631E-4170-7F03-2AEE891D6AD2}"/>
-              </a:ext>
-            </a:extLst>
-          </p:cNvPr>
-          <p:cNvSpPr/>
-          <p:nvPr/>
-        </p:nvSpPr>
-        <p:spPr>
-          <a:xfrm>
-            <a:off x="103427" y="4535932"/>
-            <a:ext cx="859979" cy="983776"/>
-          </a:xfrm>
-          <a:prstGeom prst="rect">
-            <a:avLst/>
-          </a:prstGeom>
-          <a:solidFill>
-            <a:schemeClr val="bg2">
-              <a:lumMod val="90000"/>
-            </a:schemeClr>
-          </a:solidFill>
-        </p:spPr>
-        <p:style>
-          <a:lnRef idx="2">
-            <a:schemeClr val="accent1">
-              <a:shade val="15000"/>
-            </a:schemeClr>
-          </a:lnRef>
-          <a:fillRef idx="1">
-            <a:schemeClr val="accent1"/>
-          </a:fillRef>
-          <a:effectRef idx="0">
-            <a:schemeClr val="accent1"/>
-          </a:effectRef>
-          <a:fontRef idx="minor">
-            <a:schemeClr val="lt1"/>
-          </a:fontRef>
-        </p:style>
-        <p:txBody>
-          <a:bodyPr rtlCol="0" anchor="ctr"/>
-          <a:lstStyle/>
-          <a:p>
-            <a:pPr algn="ctr"/>
-            <a:r>
-              <a:rPr kumimoji="1" lang="ja-JP" altLang="en-US" sz="1600" dirty="0"/>
-              <a:t>問題点</a:t>
-            </a:r>
-          </a:p>
-        </p:txBody>
-      </p:sp>
-    </p:spTree>
-    <p:extLst>
-      <p:ext uri="{BB962C8B-B14F-4D97-AF65-F5344CB8AC3E}">
-        <p14:creationId xmlns:p14="http://schemas.microsoft.com/office/powerpoint/2010/main" val="3467986990"/>
-      </p:ext>
-    </p:extLst>
-  </p:cSld>
-  <p:clrMapOvr>
-    <a:masterClrMapping/>
-  </p:clrMapOvr>
-</p:sld>
-</file>
-
-<file path=ppt/slides/slide13.xml><?xml version="1.0" encoding="utf-8"?>
-<p:sld xmlns:a="http://schemas.openxmlformats.org/drawingml/2006/main" xmlns:r="http://schemas.openxmlformats.org/officeDocument/2006/relationships" xmlns:p="http://schemas.openxmlformats.org/presentationml/2006/main">
-  <p:cSld>
-    <p:bg>
-      <p:bgPr>
-        <a:solidFill>
-          <a:schemeClr val="bg1">
-            <a:lumMod val="85000"/>
-          </a:schemeClr>
-        </a:solidFill>
-        <a:effectLst/>
-      </p:bgPr>
-    </p:bg>
-    <p:spTree>
-      <p:nvGrpSpPr>
-        <p:cNvPr id="1" name="">
-          <a:extLst>
-            <a:ext uri="{FF2B5EF4-FFF2-40B4-BE49-F238E27FC236}">
-              <a16:creationId xmlns:a16="http://schemas.microsoft.com/office/drawing/2014/main" id="{03502EC9-0A0E-E3E2-CC50-F6589EC73180}"/>
-            </a:ext>
-          </a:extLst>
-        </p:cNvPr>
-        <p:cNvGrpSpPr/>
-        <p:nvPr/>
-      </p:nvGrpSpPr>
-      <p:grpSpPr>
-        <a:xfrm>
-          <a:off x="0" y="0"/>
-          <a:ext cx="0" cy="0"/>
-          <a:chOff x="0" y="0"/>
-          <a:chExt cx="0" cy="0"/>
-        </a:xfrm>
-      </p:grpSpPr>
-      <p:sp>
-        <p:nvSpPr>
-          <p:cNvPr id="3" name="コンテンツ プレースホルダー 2">
-            <a:extLst>
-              <a:ext uri="{FF2B5EF4-FFF2-40B4-BE49-F238E27FC236}">
-                <a16:creationId xmlns:a16="http://schemas.microsoft.com/office/drawing/2014/main" id="{E0FEC55C-5F7C-A2C7-A498-B46F421D0A72}"/>
-              </a:ext>
-            </a:extLst>
-          </p:cNvPr>
-          <p:cNvSpPr>
-            <a:spLocks noGrp="1"/>
-          </p:cNvSpPr>
-          <p:nvPr>
-            <p:ph idx="1"/>
-          </p:nvPr>
-        </p:nvSpPr>
-        <p:spPr>
-          <a:xfrm>
-            <a:off x="838200" y="2743200"/>
-            <a:ext cx="10515600" cy="1153887"/>
-          </a:xfrm>
-        </p:spPr>
-        <p:txBody>
-          <a:bodyPr>
-            <a:normAutofit/>
-          </a:bodyPr>
-          <a:lstStyle/>
-          <a:p>
-            <a:pPr marL="0" indent="0" algn="ctr">
-              <a:buNone/>
-            </a:pPr>
-            <a:r>
-              <a:rPr kumimoji="1" lang="ja-JP" altLang="en-US" sz="5400" dirty="0">
-                <a:solidFill>
-                  <a:schemeClr val="accent1"/>
-                </a:solidFill>
-              </a:rPr>
-              <a:t>ご清聴ありがとうございました</a:t>
-            </a:r>
-          </a:p>
-        </p:txBody>
-      </p:sp>
-    </p:spTree>
-    <p:extLst>
-      <p:ext uri="{BB962C8B-B14F-4D97-AF65-F5344CB8AC3E}">
-        <p14:creationId xmlns:p14="http://schemas.microsoft.com/office/powerpoint/2010/main" val="1909377920"/>
-      </p:ext>
-    </p:extLst>
-  </p:cSld>
-  <p:clrMapOvr>
-    <a:masterClrMapping/>
-  </p:clrMapOvr>
-</p:sld>
-</file>
-
 <file path=ppt/slides/slide2.xml><?xml version="1.0" encoding="utf-8"?>
 <p:sld xmlns:a="http://schemas.openxmlformats.org/drawingml/2006/main" xmlns:r="http://schemas.openxmlformats.org/officeDocument/2006/relationships" xmlns:p="http://schemas.openxmlformats.org/presentationml/2006/main">
   <p:cSld>
@@ -5613,7 +3908,7 @@
         <p:spPr>
           <a:xfrm>
             <a:off x="838200" y="1825625"/>
-            <a:ext cx="10515600" cy="2376261"/>
+            <a:ext cx="10515600" cy="3660775"/>
           </a:xfrm>
         </p:spPr>
         <p:txBody>
@@ -5703,14 +3998,25 @@
               <a:buChar char="u"/>
             </a:pPr>
             <a:r>
-              <a:rPr kumimoji="1" lang="ja-JP" altLang="en-US" sz="3600" dirty="0">
+              <a:rPr kumimoji="1" lang="ja-JP" altLang="en-US" sz="3200" dirty="0">
                 <a:solidFill>
                   <a:schemeClr val="accent1"/>
                 </a:solidFill>
               </a:rPr>
               <a:t>デモンストレーション</a:t>
             </a:r>
-            <a:endParaRPr kumimoji="1" lang="en-US" altLang="ja-JP" sz="3600" dirty="0">
+            <a:endParaRPr kumimoji="1" lang="en-US" altLang="ja-JP" sz="3200" dirty="0">
+              <a:solidFill>
+                <a:schemeClr val="accent1"/>
+              </a:solidFill>
+            </a:endParaRPr>
+          </a:p>
+          <a:p>
+            <a:pPr lvl="1">
+              <a:buFont typeface="Wingdings" panose="05000000000000000000" pitchFamily="2" charset="2"/>
+              <a:buChar char="u"/>
+            </a:pPr>
+            <a:endParaRPr kumimoji="1" lang="en-US" altLang="ja-JP" sz="3200" dirty="0">
               <a:solidFill>
                 <a:schemeClr val="accent1"/>
               </a:solidFill>
@@ -5935,11 +4241,146 @@
             <p:ph idx="1"/>
           </p:nvPr>
         </p:nvSpPr>
-        <p:spPr/>
+        <p:spPr>
+          <a:xfrm>
+            <a:off x="838200" y="1825625"/>
+            <a:ext cx="5083629" cy="4351338"/>
+          </a:xfrm>
+        </p:spPr>
         <p:txBody>
           <a:bodyPr/>
           <a:lstStyle/>
           <a:p>
+            <a:pPr marL="0" indent="0">
+              <a:buNone/>
+            </a:pPr>
+            <a:r>
+              <a:rPr kumimoji="1" lang="ja-JP" altLang="en-US" dirty="0"/>
+              <a:t>目標</a:t>
+            </a:r>
+            <a:endParaRPr kumimoji="1" lang="en-US" altLang="ja-JP" dirty="0"/>
+          </a:p>
+          <a:p>
+            <a:pPr marL="0" indent="0">
+              <a:buNone/>
+            </a:pPr>
+            <a:r>
+              <a:rPr lang="ja-JP" altLang="en-US" dirty="0"/>
+              <a:t>成長を重視</a:t>
+            </a:r>
+            <a:endParaRPr lang="en-US" altLang="ja-JP" dirty="0"/>
+          </a:p>
+          <a:p>
+            <a:pPr marL="0" indent="0">
+              <a:buNone/>
+            </a:pPr>
+            <a:r>
+              <a:rPr kumimoji="1" lang="ja-JP" altLang="en-US" dirty="0"/>
+              <a:t>演習</a:t>
+            </a:r>
+            <a:r>
+              <a:rPr kumimoji="1" lang="en-US" altLang="ja-JP" dirty="0"/>
+              <a:t>8</a:t>
+            </a:r>
+            <a:r>
+              <a:rPr kumimoji="1" lang="ja-JP" altLang="en-US" dirty="0"/>
+              <a:t>まで完了</a:t>
+            </a:r>
+            <a:endParaRPr kumimoji="1" lang="en-US" altLang="ja-JP" dirty="0"/>
+          </a:p>
+          <a:p>
+            <a:pPr marL="0" indent="0">
+              <a:buNone/>
+            </a:pPr>
+            <a:r>
+              <a:rPr lang="ja-JP" altLang="en-US" dirty="0"/>
+              <a:t>テストカバレッジ</a:t>
+            </a:r>
+            <a:r>
+              <a:rPr lang="en-US" altLang="ja-JP" dirty="0"/>
+              <a:t>100</a:t>
+            </a:r>
+            <a:r>
+              <a:rPr lang="ja-JP" altLang="en-US" dirty="0"/>
+              <a:t>％</a:t>
+            </a:r>
+            <a:endParaRPr kumimoji="1" lang="en-US" altLang="ja-JP" dirty="0"/>
+          </a:p>
+        </p:txBody>
+      </p:sp>
+      <p:sp>
+        <p:nvSpPr>
+          <p:cNvPr id="4" name="テキスト ボックス 3">
+            <a:extLst>
+              <a:ext uri="{FF2B5EF4-FFF2-40B4-BE49-F238E27FC236}">
+                <a16:creationId xmlns:a16="http://schemas.microsoft.com/office/drawing/2014/main" id="{6B4D01D0-5354-7D17-8299-32834B52A1D0}"/>
+              </a:ext>
+            </a:extLst>
+          </p:cNvPr>
+          <p:cNvSpPr txBox="1"/>
+          <p:nvPr/>
+        </p:nvSpPr>
+        <p:spPr>
+          <a:xfrm>
+            <a:off x="5921829" y="1957137"/>
+            <a:ext cx="5275560" cy="1477328"/>
+          </a:xfrm>
+          <a:prstGeom prst="rect">
+            <a:avLst/>
+          </a:prstGeom>
+          <a:noFill/>
+        </p:spPr>
+        <p:txBody>
+          <a:bodyPr wrap="square" rtlCol="0">
+            <a:spAutoFit/>
+          </a:bodyPr>
+          <a:lstStyle/>
+          <a:p>
+            <a:endParaRPr kumimoji="1" lang="en-US" altLang="ja-JP" dirty="0"/>
+          </a:p>
+          <a:p>
+            <a:r>
+              <a:rPr kumimoji="1" lang="ja-JP" altLang="en-US" dirty="0"/>
+              <a:t>失敗を演習で数多く踏めた</a:t>
+            </a:r>
+            <a:endParaRPr kumimoji="1" lang="en-US" altLang="ja-JP" dirty="0"/>
+          </a:p>
+          <a:p>
+            <a:r>
+              <a:rPr kumimoji="1" lang="ja-JP" altLang="en-US" dirty="0"/>
+              <a:t>演習</a:t>
+            </a:r>
+            <a:r>
+              <a:rPr kumimoji="1" lang="en-US" altLang="ja-JP" dirty="0"/>
+              <a:t>8</a:t>
+            </a:r>
+            <a:r>
+              <a:rPr kumimoji="1" lang="ja-JP" altLang="en-US" dirty="0"/>
+              <a:t>まで到達＊</a:t>
+            </a:r>
+            <a:r>
+              <a:rPr kumimoji="1" lang="en-US" altLang="ja-JP" dirty="0"/>
+              <a:t>UC</a:t>
+            </a:r>
+            <a:r>
+              <a:rPr kumimoji="1" lang="ja-JP" altLang="en-US" dirty="0"/>
+              <a:t>を二つに、テストの実行は途中</a:t>
+            </a:r>
+            <a:endParaRPr kumimoji="1" lang="en-US" altLang="ja-JP" dirty="0"/>
+          </a:p>
+          <a:p>
+            <a:r>
+              <a:rPr lang="ja-JP" altLang="en-US" dirty="0"/>
+              <a:t>テストカバレッジ</a:t>
+            </a:r>
+            <a:r>
+              <a:rPr lang="en-US" altLang="ja-JP" dirty="0"/>
+              <a:t>25.5</a:t>
+            </a:r>
+            <a:r>
+              <a:rPr lang="ja-JP" altLang="en-US" dirty="0"/>
+              <a:t>％</a:t>
+            </a:r>
             <a:endParaRPr kumimoji="1" lang="ja-JP" altLang="en-US" dirty="0"/>
           </a:p>
         </p:txBody>
@@ -7800,30 +6241,27 @@
               <a:t>_</a:t>
             </a:r>
             <a:r>
-              <a:rPr lang="ja-JP" altLang="en-US" b="1" dirty="0">
+              <a:rPr kumimoji="1" lang="ja-JP" altLang="en-US" b="1">
                 <a:solidFill>
                   <a:schemeClr val="accent1"/>
                 </a:solidFill>
               </a:rPr>
-              <a:t>さい</a:t>
-            </a:r>
-            <a:r>
-              <a:rPr kumimoji="1" lang="ja-JP" altLang="en-US" b="1" dirty="0">
-                <a:solidFill>
-                  <a:schemeClr val="accent1"/>
-                </a:solidFill>
-              </a:rPr>
-              <a:t>）</a:t>
-            </a:r>
-          </a:p>
-        </p:txBody>
-      </p:sp>
-      <p:sp>
-        <p:nvSpPr>
-          <p:cNvPr id="4" name="矢印: 山形 3">
-            <a:extLst>
-              <a:ext uri="{FF2B5EF4-FFF2-40B4-BE49-F238E27FC236}">
-                <a16:creationId xmlns:a16="http://schemas.microsoft.com/office/drawing/2014/main" id="{42C0C68E-E9D2-285E-D087-EDE7DD1E23DA}"/>
+              <a:t>テンプレ）</a:t>
+            </a:r>
+            <a:endParaRPr kumimoji="1" lang="ja-JP" altLang="en-US" b="1" dirty="0">
+              <a:solidFill>
+                <a:schemeClr val="accent1"/>
+              </a:solidFill>
+            </a:endParaRPr>
+          </a:p>
+        </p:txBody>
+      </p:sp>
+      <p:sp>
+        <p:nvSpPr>
+          <p:cNvPr id="15" name="正方形/長方形 14">
+            <a:extLst>
+              <a:ext uri="{FF2B5EF4-FFF2-40B4-BE49-F238E27FC236}">
+                <a16:creationId xmlns:a16="http://schemas.microsoft.com/office/drawing/2014/main" id="{63B6BA4B-29E3-417F-A1ED-A5C249A82539}"/>
               </a:ext>
             </a:extLst>
           </p:cNvPr>
@@ -7832,235 +6270,7 @@
         </p:nvSpPr>
         <p:spPr>
           <a:xfrm>
-            <a:off x="1164779" y="1697493"/>
-            <a:ext cx="2677883" cy="609600"/>
-          </a:xfrm>
-          <a:prstGeom prst="chevron">
-            <a:avLst/>
-          </a:prstGeom>
-        </p:spPr>
-        <p:style>
-          <a:lnRef idx="2">
-            <a:schemeClr val="accent1">
-              <a:shade val="15000"/>
-            </a:schemeClr>
-          </a:lnRef>
-          <a:fillRef idx="1">
-            <a:schemeClr val="accent1"/>
-          </a:fillRef>
-          <a:effectRef idx="0">
-            <a:schemeClr val="accent1"/>
-          </a:effectRef>
-          <a:fontRef idx="minor">
-            <a:schemeClr val="lt1"/>
-          </a:fontRef>
-        </p:style>
-        <p:txBody>
-          <a:bodyPr rtlCol="0" anchor="ctr"/>
-          <a:lstStyle/>
-          <a:p>
-            <a:pPr algn="ctr"/>
-            <a:r>
-              <a:rPr kumimoji="1" lang="ja-JP" altLang="en-US" dirty="0">
-                <a:solidFill>
-                  <a:schemeClr val="bg1"/>
-                </a:solidFill>
-              </a:rPr>
-              <a:t>一日目</a:t>
-            </a:r>
-          </a:p>
-        </p:txBody>
-      </p:sp>
-      <p:sp>
-        <p:nvSpPr>
-          <p:cNvPr id="12" name="矢印: 山形 11">
-            <a:extLst>
-              <a:ext uri="{FF2B5EF4-FFF2-40B4-BE49-F238E27FC236}">
-                <a16:creationId xmlns:a16="http://schemas.microsoft.com/office/drawing/2014/main" id="{DF112E82-3157-2079-DDC1-51CE9DCA5433}"/>
-              </a:ext>
-            </a:extLst>
-          </p:cNvPr>
-          <p:cNvSpPr/>
-          <p:nvPr/>
-        </p:nvSpPr>
-        <p:spPr>
-          <a:xfrm>
-            <a:off x="3788238" y="1712469"/>
-            <a:ext cx="2677883" cy="609600"/>
-          </a:xfrm>
-          <a:prstGeom prst="chevron">
-            <a:avLst/>
-          </a:prstGeom>
-        </p:spPr>
-        <p:style>
-          <a:lnRef idx="2">
-            <a:schemeClr val="accent1">
-              <a:shade val="15000"/>
-            </a:schemeClr>
-          </a:lnRef>
-          <a:fillRef idx="1">
-            <a:schemeClr val="accent1"/>
-          </a:fillRef>
-          <a:effectRef idx="0">
-            <a:schemeClr val="accent1"/>
-          </a:effectRef>
-          <a:fontRef idx="minor">
-            <a:schemeClr val="lt1"/>
-          </a:fontRef>
-        </p:style>
-        <p:txBody>
-          <a:bodyPr rtlCol="0" anchor="ctr"/>
-          <a:lstStyle/>
-          <a:p>
-            <a:pPr algn="ctr"/>
-            <a:r>
-              <a:rPr kumimoji="1" lang="ja-JP" altLang="en-US" dirty="0">
-                <a:solidFill>
-                  <a:schemeClr val="bg1"/>
-                </a:solidFill>
-              </a:rPr>
-              <a:t>二日目</a:t>
-            </a:r>
-          </a:p>
-        </p:txBody>
-      </p:sp>
-      <p:sp>
-        <p:nvSpPr>
-          <p:cNvPr id="13" name="矢印: 山形 12">
-            <a:extLst>
-              <a:ext uri="{FF2B5EF4-FFF2-40B4-BE49-F238E27FC236}">
-                <a16:creationId xmlns:a16="http://schemas.microsoft.com/office/drawing/2014/main" id="{A695871B-A460-B0B4-660A-045A4FFF33AC}"/>
-              </a:ext>
-            </a:extLst>
-          </p:cNvPr>
-          <p:cNvSpPr/>
-          <p:nvPr/>
-        </p:nvSpPr>
-        <p:spPr>
-          <a:xfrm>
-            <a:off x="6411696" y="1697493"/>
-            <a:ext cx="2677883" cy="609600"/>
-          </a:xfrm>
-          <a:prstGeom prst="chevron">
-            <a:avLst/>
-          </a:prstGeom>
-        </p:spPr>
-        <p:style>
-          <a:lnRef idx="2">
-            <a:schemeClr val="accent1">
-              <a:shade val="15000"/>
-            </a:schemeClr>
-          </a:lnRef>
-          <a:fillRef idx="1">
-            <a:schemeClr val="accent1"/>
-          </a:fillRef>
-          <a:effectRef idx="0">
-            <a:schemeClr val="accent1"/>
-          </a:effectRef>
-          <a:fontRef idx="minor">
-            <a:schemeClr val="lt1"/>
-          </a:fontRef>
-        </p:style>
-        <p:txBody>
-          <a:bodyPr rtlCol="0" anchor="ctr"/>
-          <a:lstStyle/>
-          <a:p>
-            <a:pPr algn="ctr"/>
-            <a:r>
-              <a:rPr lang="ja-JP" altLang="en-US" dirty="0">
-                <a:solidFill>
-                  <a:schemeClr val="bg1"/>
-                </a:solidFill>
-              </a:rPr>
-              <a:t>三</a:t>
-            </a:r>
-            <a:r>
-              <a:rPr kumimoji="1" lang="ja-JP" altLang="en-US" dirty="0">
-                <a:solidFill>
-                  <a:schemeClr val="bg1"/>
-                </a:solidFill>
-              </a:rPr>
-              <a:t>日目</a:t>
-            </a:r>
-          </a:p>
-        </p:txBody>
-      </p:sp>
-      <p:sp>
-        <p:nvSpPr>
-          <p:cNvPr id="14" name="矢印: 山形 13">
-            <a:extLst>
-              <a:ext uri="{FF2B5EF4-FFF2-40B4-BE49-F238E27FC236}">
-                <a16:creationId xmlns:a16="http://schemas.microsoft.com/office/drawing/2014/main" id="{24DFCB17-C01C-C779-07B3-05DFBC276F19}"/>
-              </a:ext>
-            </a:extLst>
-          </p:cNvPr>
-          <p:cNvSpPr/>
-          <p:nvPr/>
-        </p:nvSpPr>
-        <p:spPr>
-          <a:xfrm>
-            <a:off x="9089579" y="1690688"/>
-            <a:ext cx="2677883" cy="609600"/>
-          </a:xfrm>
-          <a:prstGeom prst="chevron">
-            <a:avLst/>
-          </a:prstGeom>
-        </p:spPr>
-        <p:style>
-          <a:lnRef idx="2">
-            <a:schemeClr val="accent1">
-              <a:shade val="15000"/>
-            </a:schemeClr>
-          </a:lnRef>
-          <a:fillRef idx="1">
-            <a:schemeClr val="accent1"/>
-          </a:fillRef>
-          <a:effectRef idx="0">
-            <a:schemeClr val="accent1"/>
-          </a:effectRef>
-          <a:fontRef idx="minor">
-            <a:schemeClr val="lt1"/>
-          </a:fontRef>
-        </p:style>
-        <p:txBody>
-          <a:bodyPr rtlCol="0" anchor="ctr"/>
-          <a:lstStyle/>
-          <a:p>
-            <a:pPr algn="ctr"/>
-            <a:r>
-              <a:rPr lang="ja-JP" altLang="en-US" dirty="0">
-                <a:solidFill>
-                  <a:schemeClr val="bg1"/>
-                </a:solidFill>
-              </a:rPr>
-              <a:t>四</a:t>
-            </a:r>
-            <a:r>
-              <a:rPr kumimoji="1" lang="ja-JP" altLang="en-US" dirty="0">
-                <a:solidFill>
-                  <a:schemeClr val="bg1"/>
-                </a:solidFill>
-              </a:rPr>
-              <a:t>日目</a:t>
-            </a:r>
-          </a:p>
-        </p:txBody>
-      </p:sp>
-      <p:sp>
-        <p:nvSpPr>
-          <p:cNvPr id="15" name="正方形/長方形 14">
-            <a:extLst>
-              <a:ext uri="{FF2B5EF4-FFF2-40B4-BE49-F238E27FC236}">
-                <a16:creationId xmlns:a16="http://schemas.microsoft.com/office/drawing/2014/main" id="{63B6BA4B-29E3-417F-A1ED-A5C249A82539}"/>
-              </a:ext>
-            </a:extLst>
-          </p:cNvPr>
-          <p:cNvSpPr/>
-          <p:nvPr/>
-        </p:nvSpPr>
-        <p:spPr>
-          <a:xfrm>
-            <a:off x="97976" y="2325481"/>
+            <a:off x="97975" y="1891021"/>
             <a:ext cx="859979" cy="983776"/>
           </a:xfrm>
           <a:prstGeom prst="rect">
@@ -8114,7 +6324,7 @@
         </p:nvSpPr>
         <p:spPr>
           <a:xfrm>
-            <a:off x="97975" y="3392281"/>
+            <a:off x="97975" y="3183056"/>
             <a:ext cx="859979" cy="983776"/>
           </a:xfrm>
           <a:prstGeom prst="rect">
@@ -8222,7 +6432,7 @@
         </p:nvSpPr>
         <p:spPr>
           <a:xfrm>
-            <a:off x="103427" y="4535932"/>
+            <a:off x="97975" y="4431319"/>
             <a:ext cx="859979" cy="983776"/>
           </a:xfrm>
           <a:prstGeom prst="rect">
@@ -8276,8 +6486,125 @@
         </p:nvSpPr>
         <p:spPr>
           <a:xfrm>
-            <a:off x="1164779" y="2335014"/>
-            <a:ext cx="2623460" cy="1008969"/>
+            <a:off x="1175665" y="1891021"/>
+            <a:ext cx="10613564" cy="1008969"/>
+          </a:xfrm>
+          <a:prstGeom prst="rect">
+            <a:avLst/>
+          </a:prstGeom>
+          <a:solidFill>
+            <a:schemeClr val="bg1"/>
+          </a:solidFill>
+          <a:ln w="19050">
+            <a:solidFill>
+              <a:schemeClr val="tx1"/>
+            </a:solidFill>
+          </a:ln>
+        </p:spPr>
+        <p:txBody>
+          <a:bodyPr wrap="square" rtlCol="0">
+            <a:spAutoFit/>
+          </a:bodyPr>
+          <a:lstStyle/>
+          <a:p>
+            <a:endParaRPr kumimoji="1" lang="ja-JP" altLang="en-US" dirty="0"/>
+          </a:p>
+        </p:txBody>
+      </p:sp>
+      <p:sp>
+        <p:nvSpPr>
+          <p:cNvPr id="5" name="テキスト ボックス 4">
+            <a:extLst>
+              <a:ext uri="{FF2B5EF4-FFF2-40B4-BE49-F238E27FC236}">
+                <a16:creationId xmlns:a16="http://schemas.microsoft.com/office/drawing/2014/main" id="{64E2A502-3C56-159B-5AEE-AF3966FA04F7}"/>
+              </a:ext>
+            </a:extLst>
+          </p:cNvPr>
+          <p:cNvSpPr txBox="1"/>
+          <p:nvPr/>
+        </p:nvSpPr>
+        <p:spPr>
+          <a:xfrm>
+            <a:off x="1175665" y="3170459"/>
+            <a:ext cx="10613564" cy="1008969"/>
+          </a:xfrm>
+          <a:prstGeom prst="rect">
+            <a:avLst/>
+          </a:prstGeom>
+          <a:solidFill>
+            <a:schemeClr val="bg1"/>
+          </a:solidFill>
+          <a:ln w="19050">
+            <a:solidFill>
+              <a:schemeClr val="tx1"/>
+            </a:solidFill>
+          </a:ln>
+        </p:spPr>
+        <p:txBody>
+          <a:bodyPr wrap="square" rtlCol="0">
+            <a:spAutoFit/>
+          </a:bodyPr>
+          <a:lstStyle/>
+          <a:p>
+            <a:endParaRPr kumimoji="1" lang="ja-JP" altLang="en-US" dirty="0"/>
+          </a:p>
+        </p:txBody>
+      </p:sp>
+      <p:sp>
+        <p:nvSpPr>
+          <p:cNvPr id="6" name="テキスト ボックス 5">
+            <a:extLst>
+              <a:ext uri="{FF2B5EF4-FFF2-40B4-BE49-F238E27FC236}">
+                <a16:creationId xmlns:a16="http://schemas.microsoft.com/office/drawing/2014/main" id="{B181314D-00BB-A8F3-114D-4E266855E44D}"/>
+              </a:ext>
+            </a:extLst>
+          </p:cNvPr>
+          <p:cNvSpPr txBox="1"/>
+          <p:nvPr/>
+        </p:nvSpPr>
+        <p:spPr>
+          <a:xfrm>
+            <a:off x="1175665" y="5654390"/>
+            <a:ext cx="10613564" cy="1008969"/>
+          </a:xfrm>
+          <a:prstGeom prst="rect">
+            <a:avLst/>
+          </a:prstGeom>
+          <a:solidFill>
+            <a:schemeClr val="bg1"/>
+          </a:solidFill>
+          <a:ln w="19050">
+            <a:solidFill>
+              <a:schemeClr val="tx1"/>
+            </a:solidFill>
+          </a:ln>
+        </p:spPr>
+        <p:txBody>
+          <a:bodyPr wrap="square" rtlCol="0">
+            <a:spAutoFit/>
+          </a:bodyPr>
+          <a:lstStyle/>
+          <a:p>
+            <a:endParaRPr kumimoji="1" lang="ja-JP" altLang="en-US" dirty="0"/>
+          </a:p>
+        </p:txBody>
+      </p:sp>
+      <p:sp>
+        <p:nvSpPr>
+          <p:cNvPr id="7" name="テキスト ボックス 6">
+            <a:extLst>
+              <a:ext uri="{FF2B5EF4-FFF2-40B4-BE49-F238E27FC236}">
+                <a16:creationId xmlns:a16="http://schemas.microsoft.com/office/drawing/2014/main" id="{80123BF2-3196-C913-A0B7-E893115CBE4C}"/>
+              </a:ext>
+            </a:extLst>
+          </p:cNvPr>
+          <p:cNvSpPr txBox="1"/>
+          <p:nvPr/>
+        </p:nvSpPr>
+        <p:spPr>
+          <a:xfrm>
+            <a:off x="1175665" y="4406126"/>
+            <a:ext cx="10613564" cy="1008969"/>
           </a:xfrm>
           <a:prstGeom prst="rect">
             <a:avLst/>
@@ -8332,7 +6659,7 @@
         <p:cNvPr id="1" name="">
           <a:extLst>
             <a:ext uri="{FF2B5EF4-FFF2-40B4-BE49-F238E27FC236}">
-              <a16:creationId xmlns:a16="http://schemas.microsoft.com/office/drawing/2014/main" id="{662E4F37-434C-F71B-FB79-60E6CDB6C3DB}"/>
+              <a16:creationId xmlns:a16="http://schemas.microsoft.com/office/drawing/2014/main" id="{03502EC9-0A0E-E3E2-CC50-F6589EC73180}"/>
             </a:ext>
           </a:extLst>
         </p:cNvPr>
@@ -8349,497 +6676,42 @@
       </p:grpSpPr>
       <p:sp>
         <p:nvSpPr>
-          <p:cNvPr id="2" name="タイトル 1">
-            <a:extLst>
-              <a:ext uri="{FF2B5EF4-FFF2-40B4-BE49-F238E27FC236}">
-                <a16:creationId xmlns:a16="http://schemas.microsoft.com/office/drawing/2014/main" id="{5E9F32E7-FCCF-003E-6987-BC557B715D8B}"/>
-              </a:ext>
-            </a:extLst>
-          </p:cNvPr>
-          <p:cNvSpPr>
-            <a:spLocks noGrp="1"/>
-          </p:cNvSpPr>
-          <p:nvPr>
-            <p:ph type="title"/>
+          <p:cNvPr id="3" name="コンテンツ プレースホルダー 2">
+            <a:extLst>
+              <a:ext uri="{FF2B5EF4-FFF2-40B4-BE49-F238E27FC236}">
+                <a16:creationId xmlns:a16="http://schemas.microsoft.com/office/drawing/2014/main" id="{E0FEC55C-5F7C-A2C7-A498-B46F421D0A72}"/>
+              </a:ext>
+            </a:extLst>
+          </p:cNvPr>
+          <p:cNvSpPr>
+            <a:spLocks noGrp="1"/>
+          </p:cNvSpPr>
+          <p:nvPr>
+            <p:ph idx="1"/>
           </p:nvPr>
         </p:nvSpPr>
         <p:spPr>
           <a:xfrm>
-            <a:off x="838200" y="257199"/>
-            <a:ext cx="10515600" cy="1325563"/>
+            <a:off x="838200" y="2743200"/>
+            <a:ext cx="10515600" cy="1153887"/>
           </a:xfrm>
         </p:spPr>
         <p:txBody>
-          <a:bodyPr/>
-          <a:lstStyle/>
-          <a:p>
-            <a:r>
-              <a:rPr kumimoji="1" lang="ja-JP" altLang="en-US" b="1" dirty="0">
+          <a:bodyPr>
+            <a:normAutofit/>
+          </a:bodyPr>
+          <a:lstStyle/>
+          <a:p>
+            <a:pPr marL="0" indent="0" algn="ctr">
+              <a:buNone/>
+            </a:pPr>
+            <a:r>
+              <a:rPr kumimoji="1" lang="ja-JP" altLang="en-US" sz="5400" dirty="0">
                 <a:solidFill>
                   <a:schemeClr val="accent1"/>
                 </a:solidFill>
               </a:rPr>
-              <a:t>個人発表（社員番号</a:t>
-            </a:r>
-            <a:r>
-              <a:rPr kumimoji="1" lang="en-US" altLang="ja-JP" b="1" dirty="0">
-                <a:solidFill>
-                  <a:schemeClr val="accent1"/>
-                </a:solidFill>
-              </a:rPr>
-              <a:t>_</a:t>
-            </a:r>
-            <a:r>
-              <a:rPr kumimoji="1" lang="ja-JP" altLang="en-US" b="1" dirty="0">
-                <a:solidFill>
-                  <a:schemeClr val="accent1"/>
-                </a:solidFill>
-              </a:rPr>
-              <a:t>はら）</a:t>
-            </a:r>
-          </a:p>
-        </p:txBody>
-      </p:sp>
-      <p:sp>
-        <p:nvSpPr>
-          <p:cNvPr id="4" name="矢印: 山形 3">
-            <a:extLst>
-              <a:ext uri="{FF2B5EF4-FFF2-40B4-BE49-F238E27FC236}">
-                <a16:creationId xmlns:a16="http://schemas.microsoft.com/office/drawing/2014/main" id="{527795C6-1B00-D416-4FFC-307DD61EE462}"/>
-              </a:ext>
-            </a:extLst>
-          </p:cNvPr>
-          <p:cNvSpPr/>
-          <p:nvPr/>
-        </p:nvSpPr>
-        <p:spPr>
-          <a:xfrm>
-            <a:off x="1164779" y="1697493"/>
-            <a:ext cx="2677883" cy="609600"/>
-          </a:xfrm>
-          <a:prstGeom prst="chevron">
-            <a:avLst/>
-          </a:prstGeom>
-        </p:spPr>
-        <p:style>
-          <a:lnRef idx="2">
-            <a:schemeClr val="accent1">
-              <a:shade val="15000"/>
-            </a:schemeClr>
-          </a:lnRef>
-          <a:fillRef idx="1">
-            <a:schemeClr val="accent1"/>
-          </a:fillRef>
-          <a:effectRef idx="0">
-            <a:schemeClr val="accent1"/>
-          </a:effectRef>
-          <a:fontRef idx="minor">
-            <a:schemeClr val="lt1"/>
-          </a:fontRef>
-        </p:style>
-        <p:txBody>
-          <a:bodyPr rtlCol="0" anchor="ctr"/>
-          <a:lstStyle/>
-          <a:p>
-            <a:pPr algn="ctr"/>
-            <a:r>
-              <a:rPr kumimoji="1" lang="ja-JP" altLang="en-US" dirty="0">
-                <a:solidFill>
-                  <a:schemeClr val="bg1"/>
-                </a:solidFill>
-              </a:rPr>
-              <a:t>一日目</a:t>
-            </a:r>
-          </a:p>
-        </p:txBody>
-      </p:sp>
-      <p:sp>
-        <p:nvSpPr>
-          <p:cNvPr id="12" name="矢印: 山形 11">
-            <a:extLst>
-              <a:ext uri="{FF2B5EF4-FFF2-40B4-BE49-F238E27FC236}">
-                <a16:creationId xmlns:a16="http://schemas.microsoft.com/office/drawing/2014/main" id="{276BB7E7-9FD2-5476-3C4D-13E8784F7CEC}"/>
-              </a:ext>
-            </a:extLst>
-          </p:cNvPr>
-          <p:cNvSpPr/>
-          <p:nvPr/>
-        </p:nvSpPr>
-        <p:spPr>
-          <a:xfrm>
-            <a:off x="3788238" y="1712469"/>
-            <a:ext cx="2677883" cy="609600"/>
-          </a:xfrm>
-          <a:prstGeom prst="chevron">
-            <a:avLst/>
-          </a:prstGeom>
-        </p:spPr>
-        <p:style>
-          <a:lnRef idx="2">
-            <a:schemeClr val="accent1">
-              <a:shade val="15000"/>
-            </a:schemeClr>
-          </a:lnRef>
-          <a:fillRef idx="1">
-            <a:schemeClr val="accent1"/>
-          </a:fillRef>
-          <a:effectRef idx="0">
-            <a:schemeClr val="accent1"/>
-          </a:effectRef>
-          <a:fontRef idx="minor">
-            <a:schemeClr val="lt1"/>
-          </a:fontRef>
-        </p:style>
-        <p:txBody>
-          <a:bodyPr rtlCol="0" anchor="ctr"/>
-          <a:lstStyle/>
-          <a:p>
-            <a:pPr algn="ctr"/>
-            <a:r>
-              <a:rPr kumimoji="1" lang="ja-JP" altLang="en-US" dirty="0">
-                <a:solidFill>
-                  <a:schemeClr val="bg1"/>
-                </a:solidFill>
-              </a:rPr>
-              <a:t>二日目</a:t>
-            </a:r>
-          </a:p>
-        </p:txBody>
-      </p:sp>
-      <p:sp>
-        <p:nvSpPr>
-          <p:cNvPr id="13" name="矢印: 山形 12">
-            <a:extLst>
-              <a:ext uri="{FF2B5EF4-FFF2-40B4-BE49-F238E27FC236}">
-                <a16:creationId xmlns:a16="http://schemas.microsoft.com/office/drawing/2014/main" id="{6DF15DB3-45B1-AB2C-C5F1-87688E138032}"/>
-              </a:ext>
-            </a:extLst>
-          </p:cNvPr>
-          <p:cNvSpPr/>
-          <p:nvPr/>
-        </p:nvSpPr>
-        <p:spPr>
-          <a:xfrm>
-            <a:off x="6411696" y="1697493"/>
-            <a:ext cx="2677883" cy="609600"/>
-          </a:xfrm>
-          <a:prstGeom prst="chevron">
-            <a:avLst/>
-          </a:prstGeom>
-        </p:spPr>
-        <p:style>
-          <a:lnRef idx="2">
-            <a:schemeClr val="accent1">
-              <a:shade val="15000"/>
-            </a:schemeClr>
-          </a:lnRef>
-          <a:fillRef idx="1">
-            <a:schemeClr val="accent1"/>
-          </a:fillRef>
-          <a:effectRef idx="0">
-            <a:schemeClr val="accent1"/>
-          </a:effectRef>
-          <a:fontRef idx="minor">
-            <a:schemeClr val="lt1"/>
-          </a:fontRef>
-        </p:style>
-        <p:txBody>
-          <a:bodyPr rtlCol="0" anchor="ctr"/>
-          <a:lstStyle/>
-          <a:p>
-            <a:pPr algn="ctr"/>
-            <a:r>
-              <a:rPr lang="ja-JP" altLang="en-US" dirty="0">
-                <a:solidFill>
-                  <a:schemeClr val="bg1"/>
-                </a:solidFill>
-              </a:rPr>
-              <a:t>三</a:t>
-            </a:r>
-            <a:r>
-              <a:rPr kumimoji="1" lang="ja-JP" altLang="en-US" dirty="0">
-                <a:solidFill>
-                  <a:schemeClr val="bg1"/>
-                </a:solidFill>
-              </a:rPr>
-              <a:t>日目</a:t>
-            </a:r>
-          </a:p>
-        </p:txBody>
-      </p:sp>
-      <p:sp>
-        <p:nvSpPr>
-          <p:cNvPr id="14" name="矢印: 山形 13">
-            <a:extLst>
-              <a:ext uri="{FF2B5EF4-FFF2-40B4-BE49-F238E27FC236}">
-                <a16:creationId xmlns:a16="http://schemas.microsoft.com/office/drawing/2014/main" id="{5B9D1F6D-623A-61AE-26FE-F4F5837164D4}"/>
-              </a:ext>
-            </a:extLst>
-          </p:cNvPr>
-          <p:cNvSpPr/>
-          <p:nvPr/>
-        </p:nvSpPr>
-        <p:spPr>
-          <a:xfrm>
-            <a:off x="9089579" y="1690688"/>
-            <a:ext cx="2677883" cy="609600"/>
-          </a:xfrm>
-          <a:prstGeom prst="chevron">
-            <a:avLst/>
-          </a:prstGeom>
-        </p:spPr>
-        <p:style>
-          <a:lnRef idx="2">
-            <a:schemeClr val="accent1">
-              <a:shade val="15000"/>
-            </a:schemeClr>
-          </a:lnRef>
-          <a:fillRef idx="1">
-            <a:schemeClr val="accent1"/>
-          </a:fillRef>
-          <a:effectRef idx="0">
-            <a:schemeClr val="accent1"/>
-          </a:effectRef>
-          <a:fontRef idx="minor">
-            <a:schemeClr val="lt1"/>
-          </a:fontRef>
-        </p:style>
-        <p:txBody>
-          <a:bodyPr rtlCol="0" anchor="ctr"/>
-          <a:lstStyle/>
-          <a:p>
-            <a:pPr algn="ctr"/>
-            <a:r>
-              <a:rPr lang="ja-JP" altLang="en-US" dirty="0">
-                <a:solidFill>
-                  <a:schemeClr val="bg1"/>
-                </a:solidFill>
-              </a:rPr>
-              <a:t>四</a:t>
-            </a:r>
-            <a:r>
-              <a:rPr kumimoji="1" lang="ja-JP" altLang="en-US" dirty="0">
-                <a:solidFill>
-                  <a:schemeClr val="bg1"/>
-                </a:solidFill>
-              </a:rPr>
-              <a:t>日目</a:t>
-            </a:r>
-          </a:p>
-        </p:txBody>
-      </p:sp>
-      <p:sp>
-        <p:nvSpPr>
-          <p:cNvPr id="15" name="正方形/長方形 14">
-            <a:extLst>
-              <a:ext uri="{FF2B5EF4-FFF2-40B4-BE49-F238E27FC236}">
-                <a16:creationId xmlns:a16="http://schemas.microsoft.com/office/drawing/2014/main" id="{B80DEC14-0E22-FE6A-C9E7-E8275DA93250}"/>
-              </a:ext>
-            </a:extLst>
-          </p:cNvPr>
-          <p:cNvSpPr/>
-          <p:nvPr/>
-        </p:nvSpPr>
-        <p:spPr>
-          <a:xfrm>
-            <a:off x="97976" y="2325481"/>
-            <a:ext cx="859979" cy="983776"/>
-          </a:xfrm>
-          <a:prstGeom prst="rect">
-            <a:avLst/>
-          </a:prstGeom>
-          <a:solidFill>
-            <a:schemeClr val="bg2">
-              <a:lumMod val="90000"/>
-            </a:schemeClr>
-          </a:solidFill>
-        </p:spPr>
-        <p:style>
-          <a:lnRef idx="2">
-            <a:schemeClr val="accent1">
-              <a:shade val="15000"/>
-            </a:schemeClr>
-          </a:lnRef>
-          <a:fillRef idx="1">
-            <a:schemeClr val="accent1"/>
-          </a:fillRef>
-          <a:effectRef idx="0">
-            <a:schemeClr val="accent1"/>
-          </a:effectRef>
-          <a:fontRef idx="minor">
-            <a:schemeClr val="lt1"/>
-          </a:fontRef>
-        </p:style>
-        <p:txBody>
-          <a:bodyPr rtlCol="0" anchor="ctr"/>
-          <a:lstStyle/>
-          <a:p>
-            <a:pPr algn="ctr"/>
-            <a:r>
-              <a:rPr kumimoji="1" lang="ja-JP" altLang="en-US" dirty="0"/>
-              <a:t>担当機能</a:t>
-            </a:r>
-          </a:p>
-        </p:txBody>
-      </p:sp>
-      <p:sp>
-        <p:nvSpPr>
-          <p:cNvPr id="19" name="正方形/長方形 18">
-            <a:extLst>
-              <a:ext uri="{FF2B5EF4-FFF2-40B4-BE49-F238E27FC236}">
-                <a16:creationId xmlns:a16="http://schemas.microsoft.com/office/drawing/2014/main" id="{710A553E-4336-129C-388F-E70F2D5118BD}"/>
-              </a:ext>
-            </a:extLst>
-          </p:cNvPr>
-          <p:cNvSpPr/>
-          <p:nvPr/>
-        </p:nvSpPr>
-        <p:spPr>
-          <a:xfrm>
-            <a:off x="97975" y="3392281"/>
-            <a:ext cx="859979" cy="983776"/>
-          </a:xfrm>
-          <a:prstGeom prst="rect">
-            <a:avLst/>
-          </a:prstGeom>
-          <a:solidFill>
-            <a:schemeClr val="bg2">
-              <a:lumMod val="90000"/>
-            </a:schemeClr>
-          </a:solidFill>
-        </p:spPr>
-        <p:style>
-          <a:lnRef idx="2">
-            <a:schemeClr val="accent1">
-              <a:shade val="15000"/>
-            </a:schemeClr>
-          </a:lnRef>
-          <a:fillRef idx="1">
-            <a:schemeClr val="accent1"/>
-          </a:fillRef>
-          <a:effectRef idx="0">
-            <a:schemeClr val="accent1"/>
-          </a:effectRef>
-          <a:fontRef idx="minor">
-            <a:schemeClr val="lt1"/>
-          </a:fontRef>
-        </p:style>
-        <p:txBody>
-          <a:bodyPr rtlCol="0" anchor="ctr"/>
-          <a:lstStyle/>
-          <a:p>
-            <a:pPr algn="ctr"/>
-            <a:r>
-              <a:rPr kumimoji="1" lang="ja-JP" altLang="en-US" sz="1600" dirty="0"/>
-              <a:t>工夫点</a:t>
-            </a:r>
-          </a:p>
-        </p:txBody>
-      </p:sp>
-      <p:sp>
-        <p:nvSpPr>
-          <p:cNvPr id="20" name="正方形/長方形 19">
-            <a:extLst>
-              <a:ext uri="{FF2B5EF4-FFF2-40B4-BE49-F238E27FC236}">
-                <a16:creationId xmlns:a16="http://schemas.microsoft.com/office/drawing/2014/main" id="{A50560CB-9EDA-6615-9975-04252B20B013}"/>
-              </a:ext>
-            </a:extLst>
-          </p:cNvPr>
-          <p:cNvSpPr/>
-          <p:nvPr/>
-        </p:nvSpPr>
-        <p:spPr>
-          <a:xfrm>
-            <a:off x="97976" y="5679583"/>
-            <a:ext cx="859979" cy="983776"/>
-          </a:xfrm>
-          <a:prstGeom prst="rect">
-            <a:avLst/>
-          </a:prstGeom>
-          <a:solidFill>
-            <a:schemeClr val="bg2">
-              <a:lumMod val="90000"/>
-            </a:schemeClr>
-          </a:solidFill>
-        </p:spPr>
-        <p:style>
-          <a:lnRef idx="2">
-            <a:schemeClr val="accent1">
-              <a:shade val="15000"/>
-            </a:schemeClr>
-          </a:lnRef>
-          <a:fillRef idx="1">
-            <a:schemeClr val="accent1"/>
-          </a:fillRef>
-          <a:effectRef idx="0">
-            <a:schemeClr val="accent1"/>
-          </a:effectRef>
-          <a:fontRef idx="minor">
-            <a:schemeClr val="lt1"/>
-          </a:fontRef>
-        </p:style>
-        <p:txBody>
-          <a:bodyPr rtlCol="0" anchor="ctr"/>
-          <a:lstStyle/>
-          <a:p>
-            <a:pPr algn="ctr"/>
-            <a:r>
-              <a:rPr kumimoji="1" lang="ja-JP" altLang="en-US" sz="1600" dirty="0"/>
-              <a:t>今後に向けて</a:t>
-            </a:r>
-          </a:p>
-        </p:txBody>
-      </p:sp>
-      <p:sp>
-        <p:nvSpPr>
-          <p:cNvPr id="21" name="正方形/長方形 20">
-            <a:extLst>
-              <a:ext uri="{FF2B5EF4-FFF2-40B4-BE49-F238E27FC236}">
-                <a16:creationId xmlns:a16="http://schemas.microsoft.com/office/drawing/2014/main" id="{C021B25D-360F-E95A-B809-9AA8A4C23B14}"/>
-              </a:ext>
-            </a:extLst>
-          </p:cNvPr>
-          <p:cNvSpPr/>
-          <p:nvPr/>
-        </p:nvSpPr>
-        <p:spPr>
-          <a:xfrm>
-            <a:off x="103427" y="4535932"/>
-            <a:ext cx="859979" cy="983776"/>
-          </a:xfrm>
-          <a:prstGeom prst="rect">
-            <a:avLst/>
-          </a:prstGeom>
-          <a:solidFill>
-            <a:schemeClr val="bg2">
-              <a:lumMod val="90000"/>
-            </a:schemeClr>
-          </a:solidFill>
-        </p:spPr>
-        <p:style>
-          <a:lnRef idx="2">
-            <a:schemeClr val="accent1">
-              <a:shade val="15000"/>
-            </a:schemeClr>
-          </a:lnRef>
-          <a:fillRef idx="1">
-            <a:schemeClr val="accent1"/>
-          </a:fillRef>
-          <a:effectRef idx="0">
-            <a:schemeClr val="accent1"/>
-          </a:effectRef>
-          <a:fontRef idx="minor">
-            <a:schemeClr val="lt1"/>
-          </a:fontRef>
-        </p:style>
-        <p:txBody>
-          <a:bodyPr rtlCol="0" anchor="ctr"/>
-          <a:lstStyle/>
-          <a:p>
-            <a:pPr algn="ctr"/>
-            <a:r>
-              <a:rPr kumimoji="1" lang="ja-JP" altLang="en-US" sz="1600" dirty="0"/>
-              <a:t>問題点</a:t>
+              <a:t>ご清聴ありがとうございました</a:t>
             </a:r>
           </a:p>
         </p:txBody>
@@ -8847,7 +6719,7 @@
     </p:spTree>
     <p:extLst>
       <p:ext uri="{BB962C8B-B14F-4D97-AF65-F5344CB8AC3E}">
-        <p14:creationId xmlns:p14="http://schemas.microsoft.com/office/powerpoint/2010/main" val="3629942653"/>
+        <p14:creationId xmlns:p14="http://schemas.microsoft.com/office/powerpoint/2010/main" val="1909377920"/>
       </p:ext>
     </p:extLst>
   </p:cSld>

--- a/src/main/resources/presentation/TeamA　品質管理チーム演習.pptx
+++ b/src/main/resources/presentation/TeamA　品質管理チーム演習.pptx
@@ -4,6 +4,9 @@
   <p:sldMasterIdLst>
     <p:sldMasterId id="2147483648" r:id="rId1"/>
   </p:sldMasterIdLst>
+  <p:notesMasterIdLst>
+    <p:notesMasterId r:id="rId13"/>
+  </p:notesMasterIdLst>
   <p:sldIdLst>
     <p:sldId id="256" r:id="rId2"/>
     <p:sldId id="266" r:id="rId3"/>
@@ -12,8 +15,10 @@
     <p:sldId id="258" r:id="rId6"/>
     <p:sldId id="264" r:id="rId7"/>
     <p:sldId id="265" r:id="rId8"/>
-    <p:sldId id="257" r:id="rId9"/>
-    <p:sldId id="267" r:id="rId10"/>
+    <p:sldId id="273" r:id="rId9"/>
+    <p:sldId id="257" r:id="rId10"/>
+    <p:sldId id="274" r:id="rId11"/>
+    <p:sldId id="267" r:id="rId12"/>
   </p:sldIdLst>
   <p:sldSz cx="12192000" cy="6858000"/>
   <p:notesSz cx="6858000" cy="9144000"/>
@@ -118,6 +123,471 @@
     </p:ext>
   </p:extLst>
 </p:presentation>
+</file>
+
+<file path=ppt/notesMasters/notesMaster1.xml><?xml version="1.0" encoding="utf-8"?>
+<p:notesMaster xmlns:a="http://schemas.openxmlformats.org/drawingml/2006/main" xmlns:r="http://schemas.openxmlformats.org/officeDocument/2006/relationships" xmlns:p="http://schemas.openxmlformats.org/presentationml/2006/main">
+  <p:cSld>
+    <p:bg>
+      <p:bgRef idx="1001">
+        <a:schemeClr val="bg1"/>
+      </p:bgRef>
+    </p:bg>
+    <p:spTree>
+      <p:nvGrpSpPr>
+        <p:cNvPr id="1" name=""/>
+        <p:cNvGrpSpPr/>
+        <p:nvPr/>
+      </p:nvGrpSpPr>
+      <p:grpSpPr>
+        <a:xfrm>
+          <a:off x="0" y="0"/>
+          <a:ext cx="0" cy="0"/>
+          <a:chOff x="0" y="0"/>
+          <a:chExt cx="0" cy="0"/>
+        </a:xfrm>
+      </p:grpSpPr>
+      <p:sp>
+        <p:nvSpPr>
+          <p:cNvPr id="2" name="ヘッダー プレースホルダー 1"/>
+          <p:cNvSpPr>
+            <a:spLocks noGrp="1"/>
+          </p:cNvSpPr>
+          <p:nvPr>
+            <p:ph type="hdr" sz="quarter"/>
+          </p:nvPr>
+        </p:nvSpPr>
+        <p:spPr>
+          <a:xfrm>
+            <a:off x="0" y="0"/>
+            <a:ext cx="2971800" cy="458788"/>
+          </a:xfrm>
+          <a:prstGeom prst="rect">
+            <a:avLst/>
+          </a:prstGeom>
+        </p:spPr>
+        <p:txBody>
+          <a:bodyPr vert="horz" lIns="91440" tIns="45720" rIns="91440" bIns="45720" rtlCol="0"/>
+          <a:lstStyle>
+            <a:lvl1pPr algn="l">
+              <a:defRPr sz="1200"/>
+            </a:lvl1pPr>
+          </a:lstStyle>
+          <a:p>
+            <a:endParaRPr kumimoji="1" lang="ja-JP" altLang="en-US"/>
+          </a:p>
+        </p:txBody>
+      </p:sp>
+      <p:sp>
+        <p:nvSpPr>
+          <p:cNvPr id="3" name="日付プレースホルダー 2"/>
+          <p:cNvSpPr>
+            <a:spLocks noGrp="1"/>
+          </p:cNvSpPr>
+          <p:nvPr>
+            <p:ph type="dt" idx="1"/>
+          </p:nvPr>
+        </p:nvSpPr>
+        <p:spPr>
+          <a:xfrm>
+            <a:off x="3884613" y="0"/>
+            <a:ext cx="2971800" cy="458788"/>
+          </a:xfrm>
+          <a:prstGeom prst="rect">
+            <a:avLst/>
+          </a:prstGeom>
+        </p:spPr>
+        <p:txBody>
+          <a:bodyPr vert="horz" lIns="91440" tIns="45720" rIns="91440" bIns="45720" rtlCol="0"/>
+          <a:lstStyle>
+            <a:lvl1pPr algn="r">
+              <a:defRPr sz="1200"/>
+            </a:lvl1pPr>
+          </a:lstStyle>
+          <a:p>
+            <a:fld id="{D728AF38-0FC3-4B46-8B2D-50AE7EFA22C1}" type="datetimeFigureOut">
+              <a:rPr kumimoji="1" lang="ja-JP" altLang="en-US" smtClean="0"/>
+              <a:t>2025/7/18</a:t>
+            </a:fld>
+            <a:endParaRPr kumimoji="1" lang="ja-JP" altLang="en-US"/>
+          </a:p>
+        </p:txBody>
+      </p:sp>
+      <p:sp>
+        <p:nvSpPr>
+          <p:cNvPr id="4" name="スライド イメージ プレースホルダー 3"/>
+          <p:cNvSpPr>
+            <a:spLocks noGrp="1" noRot="1" noChangeAspect="1"/>
+          </p:cNvSpPr>
+          <p:nvPr>
+            <p:ph type="sldImg" idx="2"/>
+          </p:nvPr>
+        </p:nvSpPr>
+        <p:spPr>
+          <a:xfrm>
+            <a:off x="685800" y="1143000"/>
+            <a:ext cx="5486400" cy="3086100"/>
+          </a:xfrm>
+          <a:prstGeom prst="rect">
+            <a:avLst/>
+          </a:prstGeom>
+          <a:noFill/>
+          <a:ln w="12700">
+            <a:solidFill>
+              <a:prstClr val="black"/>
+            </a:solidFill>
+          </a:ln>
+        </p:spPr>
+        <p:txBody>
+          <a:bodyPr vert="horz" lIns="91440" tIns="45720" rIns="91440" bIns="45720" rtlCol="0" anchor="ctr"/>
+          <a:lstStyle/>
+          <a:p>
+            <a:endParaRPr lang="ja-JP" altLang="en-US"/>
+          </a:p>
+        </p:txBody>
+      </p:sp>
+      <p:sp>
+        <p:nvSpPr>
+          <p:cNvPr id="5" name="ノート プレースホルダー 4"/>
+          <p:cNvSpPr>
+            <a:spLocks noGrp="1"/>
+          </p:cNvSpPr>
+          <p:nvPr>
+            <p:ph type="body" sz="quarter" idx="3"/>
+          </p:nvPr>
+        </p:nvSpPr>
+        <p:spPr>
+          <a:xfrm>
+            <a:off x="685800" y="4400550"/>
+            <a:ext cx="5486400" cy="3600450"/>
+          </a:xfrm>
+          <a:prstGeom prst="rect">
+            <a:avLst/>
+          </a:prstGeom>
+        </p:spPr>
+        <p:txBody>
+          <a:bodyPr vert="horz" lIns="91440" tIns="45720" rIns="91440" bIns="45720" rtlCol="0"/>
+          <a:lstStyle/>
+          <a:p>
+            <a:pPr lvl="0"/>
+            <a:r>
+              <a:rPr kumimoji="1" lang="ja-JP" altLang="en-US"/>
+              <a:t>マスター テキストの書式設定</a:t>
+            </a:r>
+          </a:p>
+          <a:p>
+            <a:pPr lvl="1"/>
+            <a:r>
+              <a:rPr kumimoji="1" lang="ja-JP" altLang="en-US"/>
+              <a:t>第 </a:t>
+            </a:r>
+            <a:r>
+              <a:rPr kumimoji="1" lang="en-US" altLang="ja-JP"/>
+              <a:t>2 </a:t>
+            </a:r>
+            <a:r>
+              <a:rPr kumimoji="1" lang="ja-JP" altLang="en-US"/>
+              <a:t>レベル</a:t>
+            </a:r>
+          </a:p>
+          <a:p>
+            <a:pPr lvl="2"/>
+            <a:r>
+              <a:rPr kumimoji="1" lang="ja-JP" altLang="en-US"/>
+              <a:t>第 </a:t>
+            </a:r>
+            <a:r>
+              <a:rPr kumimoji="1" lang="en-US" altLang="ja-JP"/>
+              <a:t>3 </a:t>
+            </a:r>
+            <a:r>
+              <a:rPr kumimoji="1" lang="ja-JP" altLang="en-US"/>
+              <a:t>レベル</a:t>
+            </a:r>
+          </a:p>
+          <a:p>
+            <a:pPr lvl="3"/>
+            <a:r>
+              <a:rPr kumimoji="1" lang="ja-JP" altLang="en-US"/>
+              <a:t>第 </a:t>
+            </a:r>
+            <a:r>
+              <a:rPr kumimoji="1" lang="en-US" altLang="ja-JP"/>
+              <a:t>4 </a:t>
+            </a:r>
+            <a:r>
+              <a:rPr kumimoji="1" lang="ja-JP" altLang="en-US"/>
+              <a:t>レベル</a:t>
+            </a:r>
+          </a:p>
+          <a:p>
+            <a:pPr lvl="4"/>
+            <a:r>
+              <a:rPr kumimoji="1" lang="ja-JP" altLang="en-US"/>
+              <a:t>第 </a:t>
+            </a:r>
+            <a:r>
+              <a:rPr kumimoji="1" lang="en-US" altLang="ja-JP"/>
+              <a:t>5 </a:t>
+            </a:r>
+            <a:r>
+              <a:rPr kumimoji="1" lang="ja-JP" altLang="en-US"/>
+              <a:t>レベル</a:t>
+            </a:r>
+          </a:p>
+        </p:txBody>
+      </p:sp>
+      <p:sp>
+        <p:nvSpPr>
+          <p:cNvPr id="6" name="フッター プレースホルダー 5"/>
+          <p:cNvSpPr>
+            <a:spLocks noGrp="1"/>
+          </p:cNvSpPr>
+          <p:nvPr>
+            <p:ph type="ftr" sz="quarter" idx="4"/>
+          </p:nvPr>
+        </p:nvSpPr>
+        <p:spPr>
+          <a:xfrm>
+            <a:off x="0" y="8685213"/>
+            <a:ext cx="2971800" cy="458787"/>
+          </a:xfrm>
+          <a:prstGeom prst="rect">
+            <a:avLst/>
+          </a:prstGeom>
+        </p:spPr>
+        <p:txBody>
+          <a:bodyPr vert="horz" lIns="91440" tIns="45720" rIns="91440" bIns="45720" rtlCol="0" anchor="b"/>
+          <a:lstStyle>
+            <a:lvl1pPr algn="l">
+              <a:defRPr sz="1200"/>
+            </a:lvl1pPr>
+          </a:lstStyle>
+          <a:p>
+            <a:endParaRPr kumimoji="1" lang="ja-JP" altLang="en-US"/>
+          </a:p>
+        </p:txBody>
+      </p:sp>
+      <p:sp>
+        <p:nvSpPr>
+          <p:cNvPr id="7" name="スライド番号プレースホルダー 6"/>
+          <p:cNvSpPr>
+            <a:spLocks noGrp="1"/>
+          </p:cNvSpPr>
+          <p:nvPr>
+            <p:ph type="sldNum" sz="quarter" idx="5"/>
+          </p:nvPr>
+        </p:nvSpPr>
+        <p:spPr>
+          <a:xfrm>
+            <a:off x="3884613" y="8685213"/>
+            <a:ext cx="2971800" cy="458787"/>
+          </a:xfrm>
+          <a:prstGeom prst="rect">
+            <a:avLst/>
+          </a:prstGeom>
+        </p:spPr>
+        <p:txBody>
+          <a:bodyPr vert="horz" lIns="91440" tIns="45720" rIns="91440" bIns="45720" rtlCol="0" anchor="b"/>
+          <a:lstStyle>
+            <a:lvl1pPr algn="r">
+              <a:defRPr sz="1200"/>
+            </a:lvl1pPr>
+          </a:lstStyle>
+          <a:p>
+            <a:fld id="{8306C6D8-5D72-4BCF-9E36-5B730EA5D889}" type="slidenum">
+              <a:rPr kumimoji="1" lang="ja-JP" altLang="en-US" smtClean="0"/>
+              <a:t>‹#›</a:t>
+            </a:fld>
+            <a:endParaRPr kumimoji="1" lang="ja-JP" altLang="en-US"/>
+          </a:p>
+        </p:txBody>
+      </p:sp>
+    </p:spTree>
+    <p:extLst>
+      <p:ext uri="{BB962C8B-B14F-4D97-AF65-F5344CB8AC3E}">
+        <p14:creationId xmlns:p14="http://schemas.microsoft.com/office/powerpoint/2010/main" val="3505209753"/>
+      </p:ext>
+    </p:extLst>
+  </p:cSld>
+  <p:clrMap bg1="lt1" tx1="dk1" bg2="lt2" tx2="dk2" accent1="accent1" accent2="accent2" accent3="accent3" accent4="accent4" accent5="accent5" accent6="accent6" hlink="hlink" folHlink="folHlink"/>
+  <p:notesStyle>
+    <a:lvl1pPr marL="0" algn="l" defTabSz="914400" rtl="0" eaLnBrk="1" latinLnBrk="0" hangingPunct="1">
+      <a:defRPr kumimoji="1" sz="1200" kern="1200">
+        <a:solidFill>
+          <a:schemeClr val="tx1"/>
+        </a:solidFill>
+        <a:latin typeface="+mn-lt"/>
+        <a:ea typeface="+mn-ea"/>
+        <a:cs typeface="+mn-cs"/>
+      </a:defRPr>
+    </a:lvl1pPr>
+    <a:lvl2pPr marL="457200" algn="l" defTabSz="914400" rtl="0" eaLnBrk="1" latinLnBrk="0" hangingPunct="1">
+      <a:defRPr kumimoji="1" sz="1200" kern="1200">
+        <a:solidFill>
+          <a:schemeClr val="tx1"/>
+        </a:solidFill>
+        <a:latin typeface="+mn-lt"/>
+        <a:ea typeface="+mn-ea"/>
+        <a:cs typeface="+mn-cs"/>
+      </a:defRPr>
+    </a:lvl2pPr>
+    <a:lvl3pPr marL="914400" algn="l" defTabSz="914400" rtl="0" eaLnBrk="1" latinLnBrk="0" hangingPunct="1">
+      <a:defRPr kumimoji="1" sz="1200" kern="1200">
+        <a:solidFill>
+          <a:schemeClr val="tx1"/>
+        </a:solidFill>
+        <a:latin typeface="+mn-lt"/>
+        <a:ea typeface="+mn-ea"/>
+        <a:cs typeface="+mn-cs"/>
+      </a:defRPr>
+    </a:lvl3pPr>
+    <a:lvl4pPr marL="1371600" algn="l" defTabSz="914400" rtl="0" eaLnBrk="1" latinLnBrk="0" hangingPunct="1">
+      <a:defRPr kumimoji="1" sz="1200" kern="1200">
+        <a:solidFill>
+          <a:schemeClr val="tx1"/>
+        </a:solidFill>
+        <a:latin typeface="+mn-lt"/>
+        <a:ea typeface="+mn-ea"/>
+        <a:cs typeface="+mn-cs"/>
+      </a:defRPr>
+    </a:lvl4pPr>
+    <a:lvl5pPr marL="1828800" algn="l" defTabSz="914400" rtl="0" eaLnBrk="1" latinLnBrk="0" hangingPunct="1">
+      <a:defRPr kumimoji="1" sz="1200" kern="1200">
+        <a:solidFill>
+          <a:schemeClr val="tx1"/>
+        </a:solidFill>
+        <a:latin typeface="+mn-lt"/>
+        <a:ea typeface="+mn-ea"/>
+        <a:cs typeface="+mn-cs"/>
+      </a:defRPr>
+    </a:lvl5pPr>
+    <a:lvl6pPr marL="2286000" algn="l" defTabSz="914400" rtl="0" eaLnBrk="1" latinLnBrk="0" hangingPunct="1">
+      <a:defRPr kumimoji="1" sz="1200" kern="1200">
+        <a:solidFill>
+          <a:schemeClr val="tx1"/>
+        </a:solidFill>
+        <a:latin typeface="+mn-lt"/>
+        <a:ea typeface="+mn-ea"/>
+        <a:cs typeface="+mn-cs"/>
+      </a:defRPr>
+    </a:lvl6pPr>
+    <a:lvl7pPr marL="2743200" algn="l" defTabSz="914400" rtl="0" eaLnBrk="1" latinLnBrk="0" hangingPunct="1">
+      <a:defRPr kumimoji="1" sz="1200" kern="1200">
+        <a:solidFill>
+          <a:schemeClr val="tx1"/>
+        </a:solidFill>
+        <a:latin typeface="+mn-lt"/>
+        <a:ea typeface="+mn-ea"/>
+        <a:cs typeface="+mn-cs"/>
+      </a:defRPr>
+    </a:lvl7pPr>
+    <a:lvl8pPr marL="3200400" algn="l" defTabSz="914400" rtl="0" eaLnBrk="1" latinLnBrk="0" hangingPunct="1">
+      <a:defRPr kumimoji="1" sz="1200" kern="1200">
+        <a:solidFill>
+          <a:schemeClr val="tx1"/>
+        </a:solidFill>
+        <a:latin typeface="+mn-lt"/>
+        <a:ea typeface="+mn-ea"/>
+        <a:cs typeface="+mn-cs"/>
+      </a:defRPr>
+    </a:lvl8pPr>
+    <a:lvl9pPr marL="3657600" algn="l" defTabSz="914400" rtl="0" eaLnBrk="1" latinLnBrk="0" hangingPunct="1">
+      <a:defRPr kumimoji="1" sz="1200" kern="1200">
+        <a:solidFill>
+          <a:schemeClr val="tx1"/>
+        </a:solidFill>
+        <a:latin typeface="+mn-lt"/>
+        <a:ea typeface="+mn-ea"/>
+        <a:cs typeface="+mn-cs"/>
+      </a:defRPr>
+    </a:lvl9pPr>
+  </p:notesStyle>
+</p:notesMaster>
+</file>
+
+<file path=ppt/notesSlides/notesSlide1.xml><?xml version="1.0" encoding="utf-8"?>
+<p:notes xmlns:a="http://schemas.openxmlformats.org/drawingml/2006/main" xmlns:r="http://schemas.openxmlformats.org/officeDocument/2006/relationships" xmlns:p="http://schemas.openxmlformats.org/presentationml/2006/main">
+  <p:cSld>
+    <p:spTree>
+      <p:nvGrpSpPr>
+        <p:cNvPr id="1" name=""/>
+        <p:cNvGrpSpPr/>
+        <p:nvPr/>
+      </p:nvGrpSpPr>
+      <p:grpSpPr>
+        <a:xfrm>
+          <a:off x="0" y="0"/>
+          <a:ext cx="0" cy="0"/>
+          <a:chOff x="0" y="0"/>
+          <a:chExt cx="0" cy="0"/>
+        </a:xfrm>
+      </p:grpSpPr>
+      <p:sp>
+        <p:nvSpPr>
+          <p:cNvPr id="2" name="スライド イメージ プレースホルダー 1"/>
+          <p:cNvSpPr>
+            <a:spLocks noGrp="1" noRot="1" noChangeAspect="1"/>
+          </p:cNvSpPr>
+          <p:nvPr>
+            <p:ph type="sldImg"/>
+          </p:nvPr>
+        </p:nvSpPr>
+        <p:spPr/>
+      </p:sp>
+      <p:sp>
+        <p:nvSpPr>
+          <p:cNvPr id="3" name="ノート プレースホルダー 2"/>
+          <p:cNvSpPr>
+            <a:spLocks noGrp="1"/>
+          </p:cNvSpPr>
+          <p:nvPr>
+            <p:ph type="body" idx="1"/>
+          </p:nvPr>
+        </p:nvSpPr>
+        <p:spPr/>
+        <p:txBody>
+          <a:bodyPr/>
+          <a:lstStyle/>
+          <a:p>
+            <a:endParaRPr kumimoji="1" lang="ja-JP" altLang="en-US" dirty="0"/>
+          </a:p>
+        </p:txBody>
+      </p:sp>
+      <p:sp>
+        <p:nvSpPr>
+          <p:cNvPr id="4" name="スライド番号プレースホルダー 3"/>
+          <p:cNvSpPr>
+            <a:spLocks noGrp="1"/>
+          </p:cNvSpPr>
+          <p:nvPr>
+            <p:ph type="sldNum" sz="quarter" idx="5"/>
+          </p:nvPr>
+        </p:nvSpPr>
+        <p:spPr/>
+        <p:txBody>
+          <a:bodyPr/>
+          <a:lstStyle/>
+          <a:p>
+            <a:fld id="{8306C6D8-5D72-4BCF-9E36-5B730EA5D889}" type="slidenum">
+              <a:rPr kumimoji="1" lang="ja-JP" altLang="en-US" smtClean="0"/>
+              <a:t>9</a:t>
+            </a:fld>
+            <a:endParaRPr kumimoji="1" lang="ja-JP" altLang="en-US"/>
+          </a:p>
+        </p:txBody>
+      </p:sp>
+    </p:spTree>
+    <p:extLst>
+      <p:ext uri="{BB962C8B-B14F-4D97-AF65-F5344CB8AC3E}">
+        <p14:creationId xmlns:p14="http://schemas.microsoft.com/office/powerpoint/2010/main" val="2786324446"/>
+      </p:ext>
+    </p:extLst>
+  </p:cSld>
+  <p:clrMapOvr>
+    <a:masterClrMapping/>
+  </p:clrMapOvr>
+</p:notes>
 </file>
 
 <file path=ppt/slideLayouts/slideLayout1.xml><?xml version="1.0" encoding="utf-8"?>
@@ -3818,6 +4288,660 @@
 </p:sld>
 </file>
 
+<file path=ppt/slides/slide10.xml><?xml version="1.0" encoding="utf-8"?>
+<p:sld xmlns:a="http://schemas.openxmlformats.org/drawingml/2006/main" xmlns:r="http://schemas.openxmlformats.org/officeDocument/2006/relationships" xmlns:p="http://schemas.openxmlformats.org/presentationml/2006/main">
+  <p:cSld>
+    <p:bg>
+      <p:bgPr>
+        <a:solidFill>
+          <a:schemeClr val="bg1">
+            <a:lumMod val="85000"/>
+          </a:schemeClr>
+        </a:solidFill>
+        <a:effectLst/>
+      </p:bgPr>
+    </p:bg>
+    <p:spTree>
+      <p:nvGrpSpPr>
+        <p:cNvPr id="1" name="">
+          <a:extLst>
+            <a:ext uri="{FF2B5EF4-FFF2-40B4-BE49-F238E27FC236}">
+              <a16:creationId xmlns:a16="http://schemas.microsoft.com/office/drawing/2014/main" id="{FB1A8FE7-5E2A-4B92-A97A-BC9C911845FB}"/>
+            </a:ext>
+          </a:extLst>
+        </p:cNvPr>
+        <p:cNvGrpSpPr/>
+        <p:nvPr/>
+      </p:nvGrpSpPr>
+      <p:grpSpPr>
+        <a:xfrm>
+          <a:off x="0" y="0"/>
+          <a:ext cx="0" cy="0"/>
+          <a:chOff x="0" y="0"/>
+          <a:chExt cx="0" cy="0"/>
+        </a:xfrm>
+      </p:grpSpPr>
+      <p:sp>
+        <p:nvSpPr>
+          <p:cNvPr id="2" name="タイトル 1">
+            <a:extLst>
+              <a:ext uri="{FF2B5EF4-FFF2-40B4-BE49-F238E27FC236}">
+                <a16:creationId xmlns:a16="http://schemas.microsoft.com/office/drawing/2014/main" id="{16933018-5F22-0EBA-A971-60EB4AC14181}"/>
+              </a:ext>
+            </a:extLst>
+          </p:cNvPr>
+          <p:cNvSpPr>
+            <a:spLocks noGrp="1"/>
+          </p:cNvSpPr>
+          <p:nvPr>
+            <p:ph type="title"/>
+          </p:nvPr>
+        </p:nvSpPr>
+        <p:spPr>
+          <a:xfrm>
+            <a:off x="838200" y="257199"/>
+            <a:ext cx="10515600" cy="1325563"/>
+          </a:xfrm>
+        </p:spPr>
+        <p:txBody>
+          <a:bodyPr/>
+          <a:lstStyle/>
+          <a:p>
+            <a:r>
+              <a:rPr kumimoji="1" lang="ja-JP" altLang="en-US" b="1" dirty="0">
+                <a:solidFill>
+                  <a:schemeClr val="accent1"/>
+                </a:solidFill>
+              </a:rPr>
+              <a:t>個人発表（社員番号</a:t>
+            </a:r>
+            <a:r>
+              <a:rPr kumimoji="1" lang="en-US" altLang="ja-JP" b="1" dirty="0">
+                <a:solidFill>
+                  <a:schemeClr val="accent1"/>
+                </a:solidFill>
+              </a:rPr>
+              <a:t>_</a:t>
+            </a:r>
+            <a:r>
+              <a:rPr kumimoji="1" lang="ja-JP" altLang="en-US" b="1">
+                <a:solidFill>
+                  <a:schemeClr val="accent1"/>
+                </a:solidFill>
+              </a:rPr>
+              <a:t>テンプレ）</a:t>
+            </a:r>
+            <a:endParaRPr kumimoji="1" lang="ja-JP" altLang="en-US" b="1" dirty="0">
+              <a:solidFill>
+                <a:schemeClr val="accent1"/>
+              </a:solidFill>
+            </a:endParaRPr>
+          </a:p>
+        </p:txBody>
+      </p:sp>
+      <p:sp>
+        <p:nvSpPr>
+          <p:cNvPr id="15" name="正方形/長方形 14">
+            <a:extLst>
+              <a:ext uri="{FF2B5EF4-FFF2-40B4-BE49-F238E27FC236}">
+                <a16:creationId xmlns:a16="http://schemas.microsoft.com/office/drawing/2014/main" id="{87E19B92-D29B-59F5-BB0B-97F5B460B736}"/>
+              </a:ext>
+            </a:extLst>
+          </p:cNvPr>
+          <p:cNvSpPr/>
+          <p:nvPr/>
+        </p:nvSpPr>
+        <p:spPr>
+          <a:xfrm>
+            <a:off x="97975" y="1891021"/>
+            <a:ext cx="859979" cy="983776"/>
+          </a:xfrm>
+          <a:prstGeom prst="rect">
+            <a:avLst/>
+          </a:prstGeom>
+          <a:solidFill>
+            <a:schemeClr val="bg2">
+              <a:lumMod val="90000"/>
+            </a:schemeClr>
+          </a:solidFill>
+        </p:spPr>
+        <p:style>
+          <a:lnRef idx="2">
+            <a:schemeClr val="accent1">
+              <a:shade val="15000"/>
+            </a:schemeClr>
+          </a:lnRef>
+          <a:fillRef idx="1">
+            <a:schemeClr val="accent1"/>
+          </a:fillRef>
+          <a:effectRef idx="0">
+            <a:schemeClr val="accent1"/>
+          </a:effectRef>
+          <a:fontRef idx="minor">
+            <a:schemeClr val="lt1"/>
+          </a:fontRef>
+        </p:style>
+        <p:txBody>
+          <a:bodyPr rtlCol="0" anchor="ctr"/>
+          <a:lstStyle/>
+          <a:p>
+            <a:pPr algn="ctr"/>
+            <a:r>
+              <a:rPr kumimoji="1" lang="ja-JP" altLang="en-US" dirty="0"/>
+              <a:t>担当機能</a:t>
+            </a:r>
+          </a:p>
+        </p:txBody>
+      </p:sp>
+      <p:sp>
+        <p:nvSpPr>
+          <p:cNvPr id="19" name="正方形/長方形 18">
+            <a:extLst>
+              <a:ext uri="{FF2B5EF4-FFF2-40B4-BE49-F238E27FC236}">
+                <a16:creationId xmlns:a16="http://schemas.microsoft.com/office/drawing/2014/main" id="{4C34C2A8-B018-5577-81C1-70456006B240}"/>
+              </a:ext>
+            </a:extLst>
+          </p:cNvPr>
+          <p:cNvSpPr/>
+          <p:nvPr/>
+        </p:nvSpPr>
+        <p:spPr>
+          <a:xfrm>
+            <a:off x="97975" y="3183056"/>
+            <a:ext cx="859979" cy="983776"/>
+          </a:xfrm>
+          <a:prstGeom prst="rect">
+            <a:avLst/>
+          </a:prstGeom>
+          <a:solidFill>
+            <a:schemeClr val="bg2">
+              <a:lumMod val="90000"/>
+            </a:schemeClr>
+          </a:solidFill>
+        </p:spPr>
+        <p:style>
+          <a:lnRef idx="2">
+            <a:schemeClr val="accent1">
+              <a:shade val="15000"/>
+            </a:schemeClr>
+          </a:lnRef>
+          <a:fillRef idx="1">
+            <a:schemeClr val="accent1"/>
+          </a:fillRef>
+          <a:effectRef idx="0">
+            <a:schemeClr val="accent1"/>
+          </a:effectRef>
+          <a:fontRef idx="minor">
+            <a:schemeClr val="lt1"/>
+          </a:fontRef>
+        </p:style>
+        <p:txBody>
+          <a:bodyPr rtlCol="0" anchor="ctr"/>
+          <a:lstStyle/>
+          <a:p>
+            <a:pPr algn="ctr"/>
+            <a:r>
+              <a:rPr kumimoji="1" lang="ja-JP" altLang="en-US" sz="1600" dirty="0"/>
+              <a:t>工夫点</a:t>
+            </a:r>
+          </a:p>
+        </p:txBody>
+      </p:sp>
+      <p:sp>
+        <p:nvSpPr>
+          <p:cNvPr id="20" name="正方形/長方形 19">
+            <a:extLst>
+              <a:ext uri="{FF2B5EF4-FFF2-40B4-BE49-F238E27FC236}">
+                <a16:creationId xmlns:a16="http://schemas.microsoft.com/office/drawing/2014/main" id="{016EBD02-14C1-90EC-EAEB-32CFED6E650D}"/>
+              </a:ext>
+            </a:extLst>
+          </p:cNvPr>
+          <p:cNvSpPr/>
+          <p:nvPr/>
+        </p:nvSpPr>
+        <p:spPr>
+          <a:xfrm>
+            <a:off x="97976" y="5679583"/>
+            <a:ext cx="859979" cy="983776"/>
+          </a:xfrm>
+          <a:prstGeom prst="rect">
+            <a:avLst/>
+          </a:prstGeom>
+          <a:solidFill>
+            <a:schemeClr val="bg2">
+              <a:lumMod val="90000"/>
+            </a:schemeClr>
+          </a:solidFill>
+        </p:spPr>
+        <p:style>
+          <a:lnRef idx="2">
+            <a:schemeClr val="accent1">
+              <a:shade val="15000"/>
+            </a:schemeClr>
+          </a:lnRef>
+          <a:fillRef idx="1">
+            <a:schemeClr val="accent1"/>
+          </a:fillRef>
+          <a:effectRef idx="0">
+            <a:schemeClr val="accent1"/>
+          </a:effectRef>
+          <a:fontRef idx="minor">
+            <a:schemeClr val="lt1"/>
+          </a:fontRef>
+        </p:style>
+        <p:txBody>
+          <a:bodyPr rtlCol="0" anchor="ctr"/>
+          <a:lstStyle/>
+          <a:p>
+            <a:pPr algn="ctr"/>
+            <a:r>
+              <a:rPr kumimoji="1" lang="ja-JP" altLang="en-US" sz="1600" dirty="0"/>
+              <a:t>今後に向けて</a:t>
+            </a:r>
+          </a:p>
+        </p:txBody>
+      </p:sp>
+      <p:sp>
+        <p:nvSpPr>
+          <p:cNvPr id="21" name="正方形/長方形 20">
+            <a:extLst>
+              <a:ext uri="{FF2B5EF4-FFF2-40B4-BE49-F238E27FC236}">
+                <a16:creationId xmlns:a16="http://schemas.microsoft.com/office/drawing/2014/main" id="{C487AC7B-5752-817E-54BC-55B01915A31C}"/>
+              </a:ext>
+            </a:extLst>
+          </p:cNvPr>
+          <p:cNvSpPr/>
+          <p:nvPr/>
+        </p:nvSpPr>
+        <p:spPr>
+          <a:xfrm>
+            <a:off x="97975" y="4431319"/>
+            <a:ext cx="859979" cy="983776"/>
+          </a:xfrm>
+          <a:prstGeom prst="rect">
+            <a:avLst/>
+          </a:prstGeom>
+          <a:solidFill>
+            <a:schemeClr val="bg2">
+              <a:lumMod val="90000"/>
+            </a:schemeClr>
+          </a:solidFill>
+        </p:spPr>
+        <p:style>
+          <a:lnRef idx="2">
+            <a:schemeClr val="accent1">
+              <a:shade val="15000"/>
+            </a:schemeClr>
+          </a:lnRef>
+          <a:fillRef idx="1">
+            <a:schemeClr val="accent1"/>
+          </a:fillRef>
+          <a:effectRef idx="0">
+            <a:schemeClr val="accent1"/>
+          </a:effectRef>
+          <a:fontRef idx="minor">
+            <a:schemeClr val="lt1"/>
+          </a:fontRef>
+        </p:style>
+        <p:txBody>
+          <a:bodyPr rtlCol="0" anchor="ctr"/>
+          <a:lstStyle/>
+          <a:p>
+            <a:pPr algn="ctr"/>
+            <a:r>
+              <a:rPr kumimoji="1" lang="ja-JP" altLang="en-US" sz="1600" dirty="0"/>
+              <a:t>問題点</a:t>
+            </a:r>
+          </a:p>
+        </p:txBody>
+      </p:sp>
+      <p:sp>
+        <p:nvSpPr>
+          <p:cNvPr id="3" name="テキスト ボックス 2">
+            <a:extLst>
+              <a:ext uri="{FF2B5EF4-FFF2-40B4-BE49-F238E27FC236}">
+                <a16:creationId xmlns:a16="http://schemas.microsoft.com/office/drawing/2014/main" id="{2DFD5D5A-A0A0-F3D7-4E8C-371F13DBC9AA}"/>
+              </a:ext>
+            </a:extLst>
+          </p:cNvPr>
+          <p:cNvSpPr txBox="1"/>
+          <p:nvPr/>
+        </p:nvSpPr>
+        <p:spPr>
+          <a:xfrm>
+            <a:off x="1175665" y="1891021"/>
+            <a:ext cx="10613564" cy="1008969"/>
+          </a:xfrm>
+          <a:prstGeom prst="rect">
+            <a:avLst/>
+          </a:prstGeom>
+          <a:solidFill>
+            <a:schemeClr val="bg1"/>
+          </a:solidFill>
+          <a:ln w="19050">
+            <a:solidFill>
+              <a:schemeClr val="tx1"/>
+            </a:solidFill>
+          </a:ln>
+        </p:spPr>
+        <p:txBody>
+          <a:bodyPr wrap="square" rtlCol="0">
+            <a:spAutoFit/>
+          </a:bodyPr>
+          <a:lstStyle/>
+          <a:p>
+            <a:endParaRPr kumimoji="1" lang="ja-JP" altLang="en-US" dirty="0"/>
+          </a:p>
+        </p:txBody>
+      </p:sp>
+      <p:sp>
+        <p:nvSpPr>
+          <p:cNvPr id="5" name="テキスト ボックス 4">
+            <a:extLst>
+              <a:ext uri="{FF2B5EF4-FFF2-40B4-BE49-F238E27FC236}">
+                <a16:creationId xmlns:a16="http://schemas.microsoft.com/office/drawing/2014/main" id="{D57C5638-D1A5-963B-B0F1-9B41652056F5}"/>
+              </a:ext>
+            </a:extLst>
+          </p:cNvPr>
+          <p:cNvSpPr txBox="1"/>
+          <p:nvPr/>
+        </p:nvSpPr>
+        <p:spPr>
+          <a:xfrm>
+            <a:off x="1175665" y="3170459"/>
+            <a:ext cx="10613564" cy="1008969"/>
+          </a:xfrm>
+          <a:prstGeom prst="rect">
+            <a:avLst/>
+          </a:prstGeom>
+          <a:solidFill>
+            <a:schemeClr val="bg1"/>
+          </a:solidFill>
+          <a:ln w="19050">
+            <a:solidFill>
+              <a:schemeClr val="tx1"/>
+            </a:solidFill>
+          </a:ln>
+        </p:spPr>
+        <p:txBody>
+          <a:bodyPr wrap="square" rtlCol="0">
+            <a:spAutoFit/>
+          </a:bodyPr>
+          <a:lstStyle/>
+          <a:p>
+            <a:endParaRPr kumimoji="1" lang="ja-JP" altLang="en-US" dirty="0"/>
+          </a:p>
+        </p:txBody>
+      </p:sp>
+      <p:sp>
+        <p:nvSpPr>
+          <p:cNvPr id="6" name="テキスト ボックス 5">
+            <a:extLst>
+              <a:ext uri="{FF2B5EF4-FFF2-40B4-BE49-F238E27FC236}">
+                <a16:creationId xmlns:a16="http://schemas.microsoft.com/office/drawing/2014/main" id="{BC9B2E62-366C-F928-4A62-05210BB2A07C}"/>
+              </a:ext>
+            </a:extLst>
+          </p:cNvPr>
+          <p:cNvSpPr txBox="1"/>
+          <p:nvPr/>
+        </p:nvSpPr>
+        <p:spPr>
+          <a:xfrm>
+            <a:off x="1175665" y="5654390"/>
+            <a:ext cx="10613564" cy="1008969"/>
+          </a:xfrm>
+          <a:prstGeom prst="rect">
+            <a:avLst/>
+          </a:prstGeom>
+          <a:solidFill>
+            <a:schemeClr val="bg1"/>
+          </a:solidFill>
+          <a:ln w="19050">
+            <a:solidFill>
+              <a:schemeClr val="tx1"/>
+            </a:solidFill>
+          </a:ln>
+        </p:spPr>
+        <p:txBody>
+          <a:bodyPr wrap="square" rtlCol="0">
+            <a:spAutoFit/>
+          </a:bodyPr>
+          <a:lstStyle/>
+          <a:p>
+            <a:endParaRPr kumimoji="1" lang="ja-JP" altLang="en-US" dirty="0"/>
+          </a:p>
+        </p:txBody>
+      </p:sp>
+      <p:sp>
+        <p:nvSpPr>
+          <p:cNvPr id="7" name="テキスト ボックス 6">
+            <a:extLst>
+              <a:ext uri="{FF2B5EF4-FFF2-40B4-BE49-F238E27FC236}">
+                <a16:creationId xmlns:a16="http://schemas.microsoft.com/office/drawing/2014/main" id="{6EAAAA6A-042E-F3E2-5CF6-626107329507}"/>
+              </a:ext>
+            </a:extLst>
+          </p:cNvPr>
+          <p:cNvSpPr txBox="1"/>
+          <p:nvPr/>
+        </p:nvSpPr>
+        <p:spPr>
+          <a:xfrm>
+            <a:off x="1175665" y="4406126"/>
+            <a:ext cx="10613564" cy="1008969"/>
+          </a:xfrm>
+          <a:prstGeom prst="rect">
+            <a:avLst/>
+          </a:prstGeom>
+          <a:solidFill>
+            <a:schemeClr val="bg1"/>
+          </a:solidFill>
+          <a:ln w="19050">
+            <a:solidFill>
+              <a:schemeClr val="tx1"/>
+            </a:solidFill>
+          </a:ln>
+        </p:spPr>
+        <p:txBody>
+          <a:bodyPr wrap="square" rtlCol="0">
+            <a:spAutoFit/>
+          </a:bodyPr>
+          <a:lstStyle/>
+          <a:p>
+            <a:endParaRPr kumimoji="1" lang="ja-JP" altLang="en-US" dirty="0"/>
+          </a:p>
+        </p:txBody>
+      </p:sp>
+      <p:pic>
+        <p:nvPicPr>
+          <p:cNvPr id="8" name="図 7" descr="テキスト が含まれている画像&#10;&#10;AI 生成コンテンツは誤りを含む可能性があります。">
+            <a:extLst>
+              <a:ext uri="{FF2B5EF4-FFF2-40B4-BE49-F238E27FC236}">
+                <a16:creationId xmlns:a16="http://schemas.microsoft.com/office/drawing/2014/main" id="{02E68CAE-5C6B-24A9-5136-5B7314ECD5B6}"/>
+              </a:ext>
+            </a:extLst>
+          </p:cNvPr>
+          <p:cNvPicPr>
+            <a:picLocks noChangeAspect="1"/>
+          </p:cNvPicPr>
+          <p:nvPr/>
+        </p:nvPicPr>
+        <p:blipFill>
+          <a:blip r:embed="rId2">
+            <a:extLst>
+              <a:ext uri="{28A0092B-C50C-407E-A947-70E740481C1C}">
+                <a14:useLocalDpi xmlns:a14="http://schemas.microsoft.com/office/drawing/2010/main" val="0"/>
+              </a:ext>
+            </a:extLst>
+          </a:blip>
+          <a:stretch>
+            <a:fillRect/>
+          </a:stretch>
+        </p:blipFill>
+        <p:spPr>
+          <a:xfrm>
+            <a:off x="0" y="0"/>
+            <a:ext cx="12192000" cy="6858000"/>
+          </a:xfrm>
+          <a:prstGeom prst="rect">
+            <a:avLst/>
+          </a:prstGeom>
+        </p:spPr>
+      </p:pic>
+      <p:sp>
+        <p:nvSpPr>
+          <p:cNvPr id="9" name="正方形/長方形 8">
+            <a:extLst>
+              <a:ext uri="{FF2B5EF4-FFF2-40B4-BE49-F238E27FC236}">
+                <a16:creationId xmlns:a16="http://schemas.microsoft.com/office/drawing/2014/main" id="{3B0EE33C-88EF-9D1E-60DF-DC78D6F5D4A4}"/>
+              </a:ext>
+            </a:extLst>
+          </p:cNvPr>
+          <p:cNvSpPr/>
+          <p:nvPr/>
+        </p:nvSpPr>
+        <p:spPr>
+          <a:xfrm>
+            <a:off x="97975" y="1903617"/>
+            <a:ext cx="859979" cy="983776"/>
+          </a:xfrm>
+          <a:prstGeom prst="rect">
+            <a:avLst/>
+          </a:prstGeom>
+          <a:solidFill>
+            <a:schemeClr val="bg2">
+              <a:lumMod val="90000"/>
+            </a:schemeClr>
+          </a:solidFill>
+        </p:spPr>
+        <p:style>
+          <a:lnRef idx="2">
+            <a:schemeClr val="accent1">
+              <a:shade val="15000"/>
+            </a:schemeClr>
+          </a:lnRef>
+          <a:fillRef idx="1">
+            <a:schemeClr val="accent1"/>
+          </a:fillRef>
+          <a:effectRef idx="0">
+            <a:schemeClr val="accent1"/>
+          </a:effectRef>
+          <a:fontRef idx="minor">
+            <a:schemeClr val="lt1"/>
+          </a:fontRef>
+        </p:style>
+        <p:txBody>
+          <a:bodyPr rtlCol="0" anchor="ctr"/>
+          <a:lstStyle/>
+          <a:p>
+            <a:pPr algn="ctr"/>
+            <a:r>
+              <a:rPr kumimoji="1" lang="ja-JP" altLang="en-US" dirty="0"/>
+              <a:t>担当</a:t>
+            </a:r>
+          </a:p>
+        </p:txBody>
+      </p:sp>
+    </p:spTree>
+    <p:extLst>
+      <p:ext uri="{BB962C8B-B14F-4D97-AF65-F5344CB8AC3E}">
+        <p14:creationId xmlns:p14="http://schemas.microsoft.com/office/powerpoint/2010/main" val="4068652327"/>
+      </p:ext>
+    </p:extLst>
+  </p:cSld>
+  <p:clrMapOvr>
+    <a:masterClrMapping/>
+  </p:clrMapOvr>
+</p:sld>
+</file>
+
+<file path=ppt/slides/slide11.xml><?xml version="1.0" encoding="utf-8"?>
+<p:sld xmlns:a="http://schemas.openxmlformats.org/drawingml/2006/main" xmlns:r="http://schemas.openxmlformats.org/officeDocument/2006/relationships" xmlns:p="http://schemas.openxmlformats.org/presentationml/2006/main">
+  <p:cSld>
+    <p:bg>
+      <p:bgPr>
+        <a:solidFill>
+          <a:schemeClr val="bg1">
+            <a:lumMod val="85000"/>
+          </a:schemeClr>
+        </a:solidFill>
+        <a:effectLst/>
+      </p:bgPr>
+    </p:bg>
+    <p:spTree>
+      <p:nvGrpSpPr>
+        <p:cNvPr id="1" name="">
+          <a:extLst>
+            <a:ext uri="{FF2B5EF4-FFF2-40B4-BE49-F238E27FC236}">
+              <a16:creationId xmlns:a16="http://schemas.microsoft.com/office/drawing/2014/main" id="{03502EC9-0A0E-E3E2-CC50-F6589EC73180}"/>
+            </a:ext>
+          </a:extLst>
+        </p:cNvPr>
+        <p:cNvGrpSpPr/>
+        <p:nvPr/>
+      </p:nvGrpSpPr>
+      <p:grpSpPr>
+        <a:xfrm>
+          <a:off x="0" y="0"/>
+          <a:ext cx="0" cy="0"/>
+          <a:chOff x="0" y="0"/>
+          <a:chExt cx="0" cy="0"/>
+        </a:xfrm>
+      </p:grpSpPr>
+      <p:sp>
+        <p:nvSpPr>
+          <p:cNvPr id="3" name="コンテンツ プレースホルダー 2">
+            <a:extLst>
+              <a:ext uri="{FF2B5EF4-FFF2-40B4-BE49-F238E27FC236}">
+                <a16:creationId xmlns:a16="http://schemas.microsoft.com/office/drawing/2014/main" id="{E0FEC55C-5F7C-A2C7-A498-B46F421D0A72}"/>
+              </a:ext>
+            </a:extLst>
+          </p:cNvPr>
+          <p:cNvSpPr>
+            <a:spLocks noGrp="1"/>
+          </p:cNvSpPr>
+          <p:nvPr>
+            <p:ph idx="1"/>
+          </p:nvPr>
+        </p:nvSpPr>
+        <p:spPr>
+          <a:xfrm>
+            <a:off x="838200" y="2743200"/>
+            <a:ext cx="10515600" cy="1153887"/>
+          </a:xfrm>
+        </p:spPr>
+        <p:txBody>
+          <a:bodyPr>
+            <a:normAutofit/>
+          </a:bodyPr>
+          <a:lstStyle/>
+          <a:p>
+            <a:pPr marL="0" indent="0" algn="ctr">
+              <a:buNone/>
+            </a:pPr>
+            <a:r>
+              <a:rPr kumimoji="1" lang="ja-JP" altLang="en-US" sz="5400" dirty="0">
+                <a:solidFill>
+                  <a:schemeClr val="accent1"/>
+                </a:solidFill>
+              </a:rPr>
+              <a:t>ご清聴ありがとうございました</a:t>
+            </a:r>
+          </a:p>
+        </p:txBody>
+      </p:sp>
+    </p:spTree>
+    <p:extLst>
+      <p:ext uri="{BB962C8B-B14F-4D97-AF65-F5344CB8AC3E}">
+        <p14:creationId xmlns:p14="http://schemas.microsoft.com/office/powerpoint/2010/main" val="1909377920"/>
+      </p:ext>
+    </p:extLst>
+  </p:cSld>
+  <p:clrMapOvr>
+    <a:masterClrMapping/>
+  </p:clrMapOvr>
+</p:sld>
+</file>
+
 <file path=ppt/slides/slide2.xml><?xml version="1.0" encoding="utf-8"?>
 <p:sld xmlns:a="http://schemas.openxmlformats.org/drawingml/2006/main" xmlns:r="http://schemas.openxmlformats.org/officeDocument/2006/relationships" xmlns:p="http://schemas.openxmlformats.org/presentationml/2006/main">
   <p:cSld>
@@ -4196,6 +5320,10 @@
           </p:nvPr>
         </p:nvSpPr>
         <p:spPr>
+          <a:xfrm>
+            <a:off x="820440" y="320020"/>
+            <a:ext cx="10515600" cy="1325563"/>
+          </a:xfrm>
           <a:solidFill>
             <a:schemeClr val="bg1">
               <a:lumMod val="85000"/>
@@ -4227,93 +5355,10 @@
       </p:sp>
       <p:sp>
         <p:nvSpPr>
-          <p:cNvPr id="3" name="コンテンツ プレースホルダー 2">
-            <a:extLst>
-              <a:ext uri="{FF2B5EF4-FFF2-40B4-BE49-F238E27FC236}">
-                <a16:creationId xmlns:a16="http://schemas.microsoft.com/office/drawing/2014/main" id="{B6C900B5-811A-8E30-733D-EE50D645841B}"/>
-              </a:ext>
-            </a:extLst>
-          </p:cNvPr>
-          <p:cNvSpPr>
-            <a:spLocks noGrp="1"/>
-          </p:cNvSpPr>
-          <p:nvPr>
-            <p:ph idx="1"/>
-          </p:nvPr>
-        </p:nvSpPr>
-        <p:spPr>
-          <a:xfrm>
-            <a:off x="838200" y="1825625"/>
-            <a:ext cx="5083629" cy="4351338"/>
-          </a:xfrm>
-        </p:spPr>
-        <p:txBody>
-          <a:bodyPr/>
-          <a:lstStyle/>
-          <a:p>
-            <a:pPr marL="0" indent="0">
-              <a:buNone/>
-            </a:pPr>
-            <a:r>
-              <a:rPr kumimoji="1" lang="ja-JP" altLang="en-US" dirty="0"/>
-              <a:t>目標</a:t>
-            </a:r>
-            <a:endParaRPr kumimoji="1" lang="en-US" altLang="ja-JP" dirty="0"/>
-          </a:p>
-          <a:p>
-            <a:pPr marL="0" indent="0">
-              <a:buNone/>
-            </a:pPr>
-            <a:r>
-              <a:rPr lang="ja-JP" altLang="en-US" dirty="0"/>
-              <a:t>成長を重視</a:t>
-            </a:r>
-            <a:endParaRPr lang="en-US" altLang="ja-JP" dirty="0"/>
-          </a:p>
-          <a:p>
-            <a:pPr marL="0" indent="0">
-              <a:buNone/>
-            </a:pPr>
-            <a:r>
-              <a:rPr kumimoji="1" lang="ja-JP" altLang="en-US" dirty="0"/>
-              <a:t>演習</a:t>
-            </a:r>
-            <a:r>
-              <a:rPr kumimoji="1" lang="en-US" altLang="ja-JP" dirty="0"/>
-              <a:t>8</a:t>
-            </a:r>
-            <a:r>
-              <a:rPr kumimoji="1" lang="ja-JP" altLang="en-US" dirty="0"/>
-              <a:t>まで完了</a:t>
-            </a:r>
-            <a:endParaRPr kumimoji="1" lang="en-US" altLang="ja-JP" dirty="0"/>
-          </a:p>
-          <a:p>
-            <a:pPr marL="0" indent="0">
-              <a:buNone/>
-            </a:pPr>
-            <a:r>
-              <a:rPr lang="ja-JP" altLang="en-US" dirty="0"/>
-              <a:t>テストカバレッジ</a:t>
-            </a:r>
-            <a:r>
-              <a:rPr lang="en-US" altLang="ja-JP" dirty="0"/>
-              <a:t>100</a:t>
-            </a:r>
-            <a:r>
-              <a:rPr lang="ja-JP" altLang="en-US" dirty="0"/>
-              <a:t>％</a:t>
-            </a:r>
-            <a:endParaRPr kumimoji="1" lang="en-US" altLang="ja-JP" dirty="0"/>
-          </a:p>
-        </p:txBody>
-      </p:sp>
-      <p:sp>
-        <p:nvSpPr>
-          <p:cNvPr id="4" name="テキスト ボックス 3">
-            <a:extLst>
-              <a:ext uri="{FF2B5EF4-FFF2-40B4-BE49-F238E27FC236}">
-                <a16:creationId xmlns:a16="http://schemas.microsoft.com/office/drawing/2014/main" id="{6B4D01D0-5354-7D17-8299-32834B52A1D0}"/>
+          <p:cNvPr id="5" name="テキスト ボックス 4">
+            <a:extLst>
+              <a:ext uri="{FF2B5EF4-FFF2-40B4-BE49-F238E27FC236}">
+                <a16:creationId xmlns:a16="http://schemas.microsoft.com/office/drawing/2014/main" id="{ADF7637B-C5B7-23B5-6868-A24A1D000A62}"/>
               </a:ext>
             </a:extLst>
           </p:cNvPr>
@@ -4322,13 +5367,20 @@
         </p:nvSpPr>
         <p:spPr>
           <a:xfrm>
-            <a:off x="5921829" y="1957137"/>
-            <a:ext cx="5275560" cy="1477328"/>
+            <a:off x="820438" y="2531912"/>
+            <a:ext cx="5617030" cy="707886"/>
           </a:xfrm>
           <a:prstGeom prst="rect">
             <a:avLst/>
           </a:prstGeom>
-          <a:noFill/>
+          <a:solidFill>
+            <a:schemeClr val="bg1"/>
+          </a:solidFill>
+          <a:ln w="19050">
+            <a:solidFill>
+              <a:schemeClr val="tx1"/>
+            </a:solidFill>
+          </a:ln>
         </p:spPr>
         <p:txBody>
           <a:bodyPr wrap="square" rtlCol="0">
@@ -4336,52 +5388,358 @@
           </a:bodyPr>
           <a:lstStyle/>
           <a:p>
-            <a:endParaRPr kumimoji="1" lang="en-US" altLang="ja-JP" dirty="0"/>
-          </a:p>
-          <a:p>
-            <a:r>
-              <a:rPr kumimoji="1" lang="ja-JP" altLang="en-US" dirty="0"/>
-              <a:t>失敗を演習で数多く踏めた</a:t>
-            </a:r>
-            <a:endParaRPr kumimoji="1" lang="en-US" altLang="ja-JP" dirty="0"/>
-          </a:p>
-          <a:p>
-            <a:r>
-              <a:rPr kumimoji="1" lang="ja-JP" altLang="en-US" dirty="0"/>
+            <a:r>
+              <a:rPr kumimoji="1" lang="ja-JP" altLang="en-US" sz="4000" dirty="0"/>
+              <a:t>成長を重視する</a:t>
+            </a:r>
+          </a:p>
+        </p:txBody>
+      </p:sp>
+      <p:sp>
+        <p:nvSpPr>
+          <p:cNvPr id="8" name="テキスト ボックス 7">
+            <a:extLst>
+              <a:ext uri="{FF2B5EF4-FFF2-40B4-BE49-F238E27FC236}">
+                <a16:creationId xmlns:a16="http://schemas.microsoft.com/office/drawing/2014/main" id="{C0CB1602-3DE0-063B-5476-9776B14A35BE}"/>
+              </a:ext>
+            </a:extLst>
+          </p:cNvPr>
+          <p:cNvSpPr txBox="1"/>
+          <p:nvPr/>
+        </p:nvSpPr>
+        <p:spPr>
+          <a:xfrm>
+            <a:off x="838200" y="3659241"/>
+            <a:ext cx="5617030" cy="707886"/>
+          </a:xfrm>
+          <a:prstGeom prst="rect">
+            <a:avLst/>
+          </a:prstGeom>
+          <a:solidFill>
+            <a:schemeClr val="bg1"/>
+          </a:solidFill>
+          <a:ln w="19050">
+            <a:solidFill>
+              <a:schemeClr val="tx1"/>
+            </a:solidFill>
+          </a:ln>
+        </p:spPr>
+        <p:txBody>
+          <a:bodyPr wrap="square" rtlCol="0">
+            <a:spAutoFit/>
+          </a:bodyPr>
+          <a:lstStyle/>
+          <a:p>
+            <a:r>
+              <a:rPr lang="ja-JP" altLang="en-US" sz="4000" dirty="0"/>
               <a:t>演習</a:t>
             </a:r>
             <a:r>
-              <a:rPr kumimoji="1" lang="en-US" altLang="ja-JP" dirty="0"/>
+              <a:rPr lang="en-US" altLang="ja-JP" sz="4000" dirty="0"/>
               <a:t>8</a:t>
             </a:r>
             <a:r>
-              <a:rPr kumimoji="1" lang="ja-JP" altLang="en-US" dirty="0"/>
-              <a:t>まで到達＊</a:t>
-            </a:r>
-            <a:r>
-              <a:rPr kumimoji="1" lang="en-US" altLang="ja-JP" dirty="0"/>
+              <a:rPr lang="ja-JP" altLang="en-US" sz="4000" dirty="0"/>
+              <a:t>まで完了</a:t>
+            </a:r>
+            <a:endParaRPr kumimoji="1" lang="ja-JP" altLang="en-US" sz="4000" dirty="0"/>
+          </a:p>
+        </p:txBody>
+      </p:sp>
+      <p:sp>
+        <p:nvSpPr>
+          <p:cNvPr id="9" name="テキスト ボックス 8">
+            <a:extLst>
+              <a:ext uri="{FF2B5EF4-FFF2-40B4-BE49-F238E27FC236}">
+                <a16:creationId xmlns:a16="http://schemas.microsoft.com/office/drawing/2014/main" id="{E883A0AC-F7B5-1776-7B00-911182EA133B}"/>
+              </a:ext>
+            </a:extLst>
+          </p:cNvPr>
+          <p:cNvSpPr txBox="1"/>
+          <p:nvPr/>
+        </p:nvSpPr>
+        <p:spPr>
+          <a:xfrm>
+            <a:off x="820438" y="4899513"/>
+            <a:ext cx="5617030" cy="707886"/>
+          </a:xfrm>
+          <a:prstGeom prst="rect">
+            <a:avLst/>
+          </a:prstGeom>
+          <a:solidFill>
+            <a:schemeClr val="bg1"/>
+          </a:solidFill>
+          <a:ln w="19050">
+            <a:solidFill>
+              <a:schemeClr val="tx1"/>
+            </a:solidFill>
+          </a:ln>
+        </p:spPr>
+        <p:txBody>
+          <a:bodyPr wrap="square" rtlCol="0">
+            <a:spAutoFit/>
+          </a:bodyPr>
+          <a:lstStyle/>
+          <a:p>
+            <a:r>
+              <a:rPr lang="ja-JP" altLang="en-US" sz="4000" dirty="0"/>
+              <a:t>テストガバレッジ</a:t>
+            </a:r>
+            <a:r>
+              <a:rPr lang="en-US" altLang="ja-JP" sz="4000" dirty="0"/>
+              <a:t>100%</a:t>
+            </a:r>
+            <a:endParaRPr kumimoji="1" lang="ja-JP" altLang="en-US" sz="4000" dirty="0"/>
+          </a:p>
+        </p:txBody>
+      </p:sp>
+      <p:sp>
+        <p:nvSpPr>
+          <p:cNvPr id="12" name="テキスト ボックス 11">
+            <a:extLst>
+              <a:ext uri="{FF2B5EF4-FFF2-40B4-BE49-F238E27FC236}">
+                <a16:creationId xmlns:a16="http://schemas.microsoft.com/office/drawing/2014/main" id="{3C8BC2D9-B679-0B40-EC3C-0A0E681683F5}"/>
+              </a:ext>
+            </a:extLst>
+          </p:cNvPr>
+          <p:cNvSpPr txBox="1"/>
+          <p:nvPr/>
+        </p:nvSpPr>
+        <p:spPr>
+          <a:xfrm>
+            <a:off x="820439" y="1404583"/>
+            <a:ext cx="5617029" cy="707886"/>
+          </a:xfrm>
+          <a:prstGeom prst="rect">
+            <a:avLst/>
+          </a:prstGeom>
+          <a:solidFill>
+            <a:schemeClr val="accent1"/>
+          </a:solidFill>
+          <a:ln w="19050">
+            <a:solidFill>
+              <a:schemeClr val="tx1"/>
+            </a:solidFill>
+          </a:ln>
+        </p:spPr>
+        <p:txBody>
+          <a:bodyPr wrap="square" rtlCol="0">
+            <a:spAutoFit/>
+          </a:bodyPr>
+          <a:lstStyle/>
+          <a:p>
+            <a:pPr algn="ctr"/>
+            <a:r>
+              <a:rPr lang="ja-JP" altLang="en-US" sz="4000" dirty="0">
+                <a:solidFill>
+                  <a:schemeClr val="bg1"/>
+                </a:solidFill>
+              </a:rPr>
+              <a:t>目　　　標</a:t>
+            </a:r>
+            <a:endParaRPr kumimoji="1" lang="ja-JP" altLang="en-US" sz="4000" dirty="0">
+              <a:solidFill>
+                <a:schemeClr val="bg1"/>
+              </a:solidFill>
+            </a:endParaRPr>
+          </a:p>
+        </p:txBody>
+      </p:sp>
+      <p:sp>
+        <p:nvSpPr>
+          <p:cNvPr id="13" name="テキスト ボックス 12">
+            <a:extLst>
+              <a:ext uri="{FF2B5EF4-FFF2-40B4-BE49-F238E27FC236}">
+                <a16:creationId xmlns:a16="http://schemas.microsoft.com/office/drawing/2014/main" id="{0E5E1138-71E9-8BB4-698D-4C94515D7893}"/>
+              </a:ext>
+            </a:extLst>
+          </p:cNvPr>
+          <p:cNvSpPr txBox="1"/>
+          <p:nvPr/>
+        </p:nvSpPr>
+        <p:spPr>
+          <a:xfrm>
+            <a:off x="6905554" y="1404583"/>
+            <a:ext cx="4774818" cy="707886"/>
+          </a:xfrm>
+          <a:prstGeom prst="rect">
+            <a:avLst/>
+          </a:prstGeom>
+          <a:solidFill>
+            <a:schemeClr val="bg2"/>
+          </a:solidFill>
+          <a:ln w="19050">
+            <a:solidFill>
+              <a:schemeClr val="tx1"/>
+            </a:solidFill>
+          </a:ln>
+        </p:spPr>
+        <p:txBody>
+          <a:bodyPr wrap="square" rtlCol="0">
+            <a:spAutoFit/>
+          </a:bodyPr>
+          <a:lstStyle/>
+          <a:p>
+            <a:pPr algn="ctr"/>
+            <a:r>
+              <a:rPr kumimoji="1" lang="ja-JP" altLang="en-US" sz="4000" dirty="0">
+                <a:solidFill>
+                  <a:schemeClr val="bg1"/>
+                </a:solidFill>
+              </a:rPr>
+              <a:t>達　成　度</a:t>
+            </a:r>
+          </a:p>
+        </p:txBody>
+      </p:sp>
+      <p:sp>
+        <p:nvSpPr>
+          <p:cNvPr id="14" name="テキスト ボックス 13">
+            <a:extLst>
+              <a:ext uri="{FF2B5EF4-FFF2-40B4-BE49-F238E27FC236}">
+                <a16:creationId xmlns:a16="http://schemas.microsoft.com/office/drawing/2014/main" id="{1B3D1B0E-9ACC-C16C-B550-1671C3B7C065}"/>
+              </a:ext>
+            </a:extLst>
+          </p:cNvPr>
+          <p:cNvSpPr txBox="1"/>
+          <p:nvPr/>
+        </p:nvSpPr>
+        <p:spPr>
+          <a:xfrm>
+            <a:off x="6905554" y="2489146"/>
+            <a:ext cx="4774818" cy="707886"/>
+          </a:xfrm>
+          <a:prstGeom prst="rect">
+            <a:avLst/>
+          </a:prstGeom>
+          <a:solidFill>
+            <a:schemeClr val="bg1"/>
+          </a:solidFill>
+          <a:ln w="19050">
+            <a:solidFill>
+              <a:schemeClr val="tx1"/>
+            </a:solidFill>
+          </a:ln>
+        </p:spPr>
+        <p:txBody>
+          <a:bodyPr wrap="square" rtlCol="0">
+            <a:spAutoFit/>
+          </a:bodyPr>
+          <a:lstStyle/>
+          <a:p>
+            <a:pPr algn="ctr"/>
+            <a:r>
+              <a:rPr lang="ja-JP" altLang="en-US" sz="4000" dirty="0"/>
+              <a:t>失敗を数多く踏めた</a:t>
+            </a:r>
+            <a:endParaRPr kumimoji="1" lang="ja-JP" altLang="en-US" sz="4000" dirty="0"/>
+          </a:p>
+        </p:txBody>
+      </p:sp>
+      <p:sp>
+        <p:nvSpPr>
+          <p:cNvPr id="15" name="テキスト ボックス 14">
+            <a:extLst>
+              <a:ext uri="{FF2B5EF4-FFF2-40B4-BE49-F238E27FC236}">
+                <a16:creationId xmlns:a16="http://schemas.microsoft.com/office/drawing/2014/main" id="{27D36251-6ABD-8D63-E056-D237DF61FF8E}"/>
+              </a:ext>
+            </a:extLst>
+          </p:cNvPr>
+          <p:cNvSpPr txBox="1"/>
+          <p:nvPr/>
+        </p:nvSpPr>
+        <p:spPr>
+          <a:xfrm>
+            <a:off x="6905554" y="3573709"/>
+            <a:ext cx="4774818" cy="707886"/>
+          </a:xfrm>
+          <a:prstGeom prst="rect">
+            <a:avLst/>
+          </a:prstGeom>
+          <a:solidFill>
+            <a:schemeClr val="bg1"/>
+          </a:solidFill>
+          <a:ln w="19050">
+            <a:solidFill>
+              <a:schemeClr val="tx1"/>
+            </a:solidFill>
+          </a:ln>
+        </p:spPr>
+        <p:txBody>
+          <a:bodyPr wrap="square" rtlCol="0">
+            <a:spAutoFit/>
+          </a:bodyPr>
+          <a:lstStyle/>
+          <a:p>
+            <a:pPr algn="ctr"/>
+            <a:r>
+              <a:rPr kumimoji="1" lang="ja-JP" altLang="en-US" sz="2000" dirty="0"/>
+              <a:t>演習まで到達</a:t>
+            </a:r>
+            <a:endParaRPr kumimoji="1" lang="en-US" altLang="ja-JP" sz="2000" dirty="0"/>
+          </a:p>
+          <a:p>
+            <a:pPr algn="ctr"/>
+            <a:r>
+              <a:rPr lang="ja-JP" altLang="en-US" sz="2000" dirty="0"/>
+              <a:t>＊</a:t>
+            </a:r>
+            <a:r>
+              <a:rPr lang="en-US" altLang="ja-JP" sz="2000" dirty="0"/>
               <a:t>UC</a:t>
             </a:r>
             <a:r>
-              <a:rPr kumimoji="1" lang="ja-JP" altLang="en-US" dirty="0"/>
+              <a:rPr lang="ja-JP" altLang="en-US" sz="2000" dirty="0"/>
               <a:t>を二つに、テストの実行は途中</a:t>
             </a:r>
-            <a:endParaRPr kumimoji="1" lang="en-US" altLang="ja-JP" dirty="0"/>
-          </a:p>
-          <a:p>
-            <a:r>
-              <a:rPr lang="ja-JP" altLang="en-US" dirty="0"/>
-              <a:t>テストカバレッジ</a:t>
-            </a:r>
-            <a:r>
-              <a:rPr lang="en-US" altLang="ja-JP" dirty="0"/>
-              <a:t>25.5</a:t>
-            </a:r>
-            <a:r>
-              <a:rPr lang="ja-JP" altLang="en-US" dirty="0"/>
+            <a:endParaRPr kumimoji="1" lang="ja-JP" altLang="en-US" sz="2000" dirty="0"/>
+          </a:p>
+        </p:txBody>
+      </p:sp>
+      <p:sp>
+        <p:nvSpPr>
+          <p:cNvPr id="16" name="テキスト ボックス 15">
+            <a:extLst>
+              <a:ext uri="{FF2B5EF4-FFF2-40B4-BE49-F238E27FC236}">
+                <a16:creationId xmlns:a16="http://schemas.microsoft.com/office/drawing/2014/main" id="{74815C63-91A7-1BED-123F-683849A901AF}"/>
+              </a:ext>
+            </a:extLst>
+          </p:cNvPr>
+          <p:cNvSpPr txBox="1"/>
+          <p:nvPr/>
+        </p:nvSpPr>
+        <p:spPr>
+          <a:xfrm>
+            <a:off x="6829354" y="4899513"/>
+            <a:ext cx="4774818" cy="707886"/>
+          </a:xfrm>
+          <a:prstGeom prst="rect">
+            <a:avLst/>
+          </a:prstGeom>
+          <a:solidFill>
+            <a:schemeClr val="bg1"/>
+          </a:solidFill>
+          <a:ln w="19050">
+            <a:solidFill>
+              <a:schemeClr val="tx1"/>
+            </a:solidFill>
+          </a:ln>
+        </p:spPr>
+        <p:txBody>
+          <a:bodyPr wrap="square" rtlCol="0">
+            <a:spAutoFit/>
+          </a:bodyPr>
+          <a:lstStyle/>
+          <a:p>
+            <a:pPr algn="ctr"/>
+            <a:r>
+              <a:rPr lang="en-US" altLang="ja-JP" sz="4000" dirty="0"/>
+              <a:t>27.6</a:t>
+            </a:r>
+            <a:r>
+              <a:rPr lang="ja-JP" altLang="en-US" sz="4000" dirty="0"/>
               <a:t>％</a:t>
             </a:r>
-            <a:endParaRPr kumimoji="1" lang="ja-JP" altLang="en-US" dirty="0"/>
           </a:p>
         </p:txBody>
       </p:sp>
@@ -4714,8 +6072,8 @@
         </p:nvSpPr>
         <p:spPr>
           <a:xfrm>
-            <a:off x="2758097" y="2791604"/>
-            <a:ext cx="1845988" cy="630043"/>
+            <a:off x="2758097" y="2797629"/>
+            <a:ext cx="2379960" cy="315685"/>
           </a:xfrm>
           <a:prstGeom prst="chevron">
             <a:avLst/>
@@ -4751,23 +6109,7 @@
                   <a:schemeClr val="bg1"/>
                 </a:solidFill>
               </a:rPr>
-              <a:t>コード</a:t>
-            </a:r>
-            <a:endParaRPr kumimoji="1" lang="en-US" altLang="ja-JP" dirty="0">
-              <a:solidFill>
-                <a:schemeClr val="bg1"/>
-              </a:solidFill>
-            </a:endParaRPr>
-          </a:p>
-          <a:p>
-            <a:pPr algn="ctr"/>
-            <a:r>
-              <a:rPr kumimoji="1" lang="ja-JP" altLang="en-US" dirty="0">
-                <a:solidFill>
-                  <a:schemeClr val="bg1"/>
-                </a:solidFill>
-              </a:rPr>
-              <a:t>レビュー</a:t>
+              <a:t>コードレビュー</a:t>
             </a:r>
           </a:p>
         </p:txBody>
@@ -4786,8 +6128,8 @@
         </p:nvSpPr>
         <p:spPr>
           <a:xfrm>
-            <a:off x="4395250" y="2791604"/>
-            <a:ext cx="1432903" cy="609600"/>
+            <a:off x="8771260" y="5196819"/>
+            <a:ext cx="2810801" cy="723386"/>
           </a:xfrm>
           <a:prstGeom prst="chevron">
             <a:avLst/>
@@ -5123,6 +6465,606 @@
               <a:t>際</a:t>
             </a:r>
             <a:endParaRPr kumimoji="1" lang="en-US" altLang="ja-JP" dirty="0"/>
+          </a:p>
+        </p:txBody>
+      </p:sp>
+      <p:sp>
+        <p:nvSpPr>
+          <p:cNvPr id="6" name="矢印: 山形 5">
+            <a:extLst>
+              <a:ext uri="{FF2B5EF4-FFF2-40B4-BE49-F238E27FC236}">
+                <a16:creationId xmlns:a16="http://schemas.microsoft.com/office/drawing/2014/main" id="{93A015E8-4438-3163-0749-8E94727F96C1}"/>
+              </a:ext>
+            </a:extLst>
+          </p:cNvPr>
+          <p:cNvSpPr/>
+          <p:nvPr/>
+        </p:nvSpPr>
+        <p:spPr>
+          <a:xfrm>
+            <a:off x="925286" y="4440894"/>
+            <a:ext cx="1336651" cy="609600"/>
+          </a:xfrm>
+          <a:prstGeom prst="chevron">
+            <a:avLst/>
+          </a:prstGeom>
+          <a:solidFill>
+            <a:srgbClr val="7030A0"/>
+          </a:solidFill>
+        </p:spPr>
+        <p:style>
+          <a:lnRef idx="2">
+            <a:schemeClr val="accent1">
+              <a:shade val="15000"/>
+            </a:schemeClr>
+          </a:lnRef>
+          <a:fillRef idx="1">
+            <a:schemeClr val="accent1"/>
+          </a:fillRef>
+          <a:effectRef idx="0">
+            <a:schemeClr val="accent1"/>
+          </a:effectRef>
+          <a:fontRef idx="minor">
+            <a:schemeClr val="lt1"/>
+          </a:fontRef>
+        </p:style>
+        <p:txBody>
+          <a:bodyPr rtlCol="0" anchor="ctr"/>
+          <a:lstStyle/>
+          <a:p>
+            <a:pPr algn="ctr"/>
+            <a:r>
+              <a:rPr lang="ja-JP" altLang="en-US" dirty="0">
+                <a:solidFill>
+                  <a:schemeClr val="bg1"/>
+                </a:solidFill>
+              </a:rPr>
+              <a:t>要件確認</a:t>
+            </a:r>
+            <a:endParaRPr kumimoji="1" lang="ja-JP" altLang="en-US" dirty="0">
+              <a:solidFill>
+                <a:schemeClr val="bg1"/>
+              </a:solidFill>
+            </a:endParaRPr>
+          </a:p>
+        </p:txBody>
+      </p:sp>
+      <p:sp>
+        <p:nvSpPr>
+          <p:cNvPr id="7" name="矢印: 山形 6">
+            <a:extLst>
+              <a:ext uri="{FF2B5EF4-FFF2-40B4-BE49-F238E27FC236}">
+                <a16:creationId xmlns:a16="http://schemas.microsoft.com/office/drawing/2014/main" id="{00147786-776D-1CAE-0990-A3EEEF1C67AC}"/>
+              </a:ext>
+            </a:extLst>
+          </p:cNvPr>
+          <p:cNvSpPr/>
+          <p:nvPr/>
+        </p:nvSpPr>
+        <p:spPr>
+          <a:xfrm>
+            <a:off x="2053389" y="4440894"/>
+            <a:ext cx="1336651" cy="609600"/>
+          </a:xfrm>
+          <a:prstGeom prst="chevron">
+            <a:avLst/>
+          </a:prstGeom>
+          <a:solidFill>
+            <a:srgbClr val="7030A0"/>
+          </a:solidFill>
+        </p:spPr>
+        <p:style>
+          <a:lnRef idx="2">
+            <a:schemeClr val="accent1">
+              <a:shade val="15000"/>
+            </a:schemeClr>
+          </a:lnRef>
+          <a:fillRef idx="1">
+            <a:schemeClr val="accent1"/>
+          </a:fillRef>
+          <a:effectRef idx="0">
+            <a:schemeClr val="accent1"/>
+          </a:effectRef>
+          <a:fontRef idx="minor">
+            <a:schemeClr val="lt1"/>
+          </a:fontRef>
+        </p:style>
+        <p:txBody>
+          <a:bodyPr rtlCol="0" anchor="ctr"/>
+          <a:lstStyle/>
+          <a:p>
+            <a:pPr algn="ctr"/>
+            <a:r>
+              <a:rPr kumimoji="1" lang="ja-JP" altLang="en-US" dirty="0">
+                <a:solidFill>
+                  <a:schemeClr val="bg1"/>
+                </a:solidFill>
+              </a:rPr>
+              <a:t>客先訪問</a:t>
+            </a:r>
+          </a:p>
+        </p:txBody>
+      </p:sp>
+      <p:sp>
+        <p:nvSpPr>
+          <p:cNvPr id="8" name="矢印: 山形 7">
+            <a:extLst>
+              <a:ext uri="{FF2B5EF4-FFF2-40B4-BE49-F238E27FC236}">
+                <a16:creationId xmlns:a16="http://schemas.microsoft.com/office/drawing/2014/main" id="{1532396F-29AC-02D1-A8BE-D1B1D44DB55D}"/>
+              </a:ext>
+            </a:extLst>
+          </p:cNvPr>
+          <p:cNvSpPr/>
+          <p:nvPr/>
+        </p:nvSpPr>
+        <p:spPr>
+          <a:xfrm>
+            <a:off x="2758097" y="5196819"/>
+            <a:ext cx="2379960" cy="315685"/>
+          </a:xfrm>
+          <a:prstGeom prst="chevron">
+            <a:avLst/>
+          </a:prstGeom>
+          <a:solidFill>
+            <a:srgbClr val="002060"/>
+          </a:solidFill>
+        </p:spPr>
+        <p:style>
+          <a:lnRef idx="2">
+            <a:schemeClr val="accent1">
+              <a:shade val="15000"/>
+            </a:schemeClr>
+          </a:lnRef>
+          <a:fillRef idx="1">
+            <a:schemeClr val="accent1"/>
+          </a:fillRef>
+          <a:effectRef idx="0">
+            <a:schemeClr val="accent1"/>
+          </a:effectRef>
+          <a:fontRef idx="minor">
+            <a:schemeClr val="lt1"/>
+          </a:fontRef>
+        </p:style>
+        <p:txBody>
+          <a:bodyPr rtlCol="0" anchor="ctr"/>
+          <a:lstStyle/>
+          <a:p>
+            <a:pPr algn="ctr"/>
+            <a:r>
+              <a:rPr kumimoji="1" lang="ja-JP" altLang="en-US" dirty="0">
+                <a:solidFill>
+                  <a:schemeClr val="bg1"/>
+                </a:solidFill>
+              </a:rPr>
+              <a:t>コードレビュー</a:t>
+            </a:r>
+          </a:p>
+        </p:txBody>
+      </p:sp>
+      <p:sp>
+        <p:nvSpPr>
+          <p:cNvPr id="9" name="矢印: 山形 8">
+            <a:extLst>
+              <a:ext uri="{FF2B5EF4-FFF2-40B4-BE49-F238E27FC236}">
+                <a16:creationId xmlns:a16="http://schemas.microsoft.com/office/drawing/2014/main" id="{CD109DA7-5656-964E-A10D-59E56E6DA9A2}"/>
+              </a:ext>
+            </a:extLst>
+          </p:cNvPr>
+          <p:cNvSpPr/>
+          <p:nvPr/>
+        </p:nvSpPr>
+        <p:spPr>
+          <a:xfrm>
+            <a:off x="2758097" y="5615404"/>
+            <a:ext cx="2810801" cy="315686"/>
+          </a:xfrm>
+          <a:prstGeom prst="chevron">
+            <a:avLst/>
+          </a:prstGeom>
+          <a:solidFill>
+            <a:srgbClr val="002060"/>
+          </a:solidFill>
+        </p:spPr>
+        <p:style>
+          <a:lnRef idx="2">
+            <a:schemeClr val="accent1">
+              <a:shade val="15000"/>
+            </a:schemeClr>
+          </a:lnRef>
+          <a:fillRef idx="1">
+            <a:schemeClr val="accent1"/>
+          </a:fillRef>
+          <a:effectRef idx="0">
+            <a:schemeClr val="accent1"/>
+          </a:effectRef>
+          <a:fontRef idx="minor">
+            <a:schemeClr val="lt1"/>
+          </a:fontRef>
+        </p:style>
+        <p:txBody>
+          <a:bodyPr rtlCol="0" anchor="ctr"/>
+          <a:lstStyle/>
+          <a:p>
+            <a:pPr algn="ctr"/>
+            <a:r>
+              <a:rPr kumimoji="1" lang="ja-JP" altLang="en-US" dirty="0">
+                <a:solidFill>
+                  <a:schemeClr val="bg1"/>
+                </a:solidFill>
+              </a:rPr>
+              <a:t>修正</a:t>
+            </a:r>
+          </a:p>
+        </p:txBody>
+      </p:sp>
+      <p:sp>
+        <p:nvSpPr>
+          <p:cNvPr id="10" name="テキスト ボックス 9">
+            <a:extLst>
+              <a:ext uri="{FF2B5EF4-FFF2-40B4-BE49-F238E27FC236}">
+                <a16:creationId xmlns:a16="http://schemas.microsoft.com/office/drawing/2014/main" id="{8D6FD219-9148-DE16-472E-827F183D1E12}"/>
+              </a:ext>
+            </a:extLst>
+          </p:cNvPr>
+          <p:cNvSpPr txBox="1"/>
+          <p:nvPr/>
+        </p:nvSpPr>
+        <p:spPr>
+          <a:xfrm>
+            <a:off x="4881913" y="5040734"/>
+            <a:ext cx="1605974" cy="1200329"/>
+          </a:xfrm>
+          <a:prstGeom prst="rect">
+            <a:avLst/>
+          </a:prstGeom>
+          <a:solidFill>
+            <a:srgbClr val="C00000"/>
+          </a:solidFill>
+          <a:ln w="19050">
+            <a:solidFill>
+              <a:schemeClr val="accent1"/>
+            </a:solidFill>
+          </a:ln>
+        </p:spPr>
+        <p:txBody>
+          <a:bodyPr vert="horz" wrap="square" rtlCol="0">
+            <a:spAutoFit/>
+          </a:bodyPr>
+          <a:lstStyle/>
+          <a:p>
+            <a:r>
+              <a:rPr lang="en-US" altLang="ja-JP" sz="2400" dirty="0">
+                <a:solidFill>
+                  <a:schemeClr val="bg1"/>
+                </a:solidFill>
+              </a:rPr>
+              <a:t>Git Hub</a:t>
+            </a:r>
+          </a:p>
+          <a:p>
+            <a:r>
+              <a:rPr lang="en-US" altLang="ja-JP" sz="2400" dirty="0">
+                <a:solidFill>
+                  <a:schemeClr val="bg1"/>
+                </a:solidFill>
+              </a:rPr>
+              <a:t>pull/push</a:t>
+            </a:r>
+            <a:r>
+              <a:rPr lang="ja-JP" altLang="en-US" sz="2400" dirty="0">
+                <a:solidFill>
+                  <a:schemeClr val="bg1"/>
+                </a:solidFill>
+              </a:rPr>
+              <a:t>エラー</a:t>
+            </a:r>
+            <a:endParaRPr kumimoji="1" lang="ja-JP" altLang="en-US" sz="2400" dirty="0">
+              <a:solidFill>
+                <a:schemeClr val="bg1"/>
+              </a:solidFill>
+            </a:endParaRPr>
+          </a:p>
+        </p:txBody>
+      </p:sp>
+      <p:sp>
+        <p:nvSpPr>
+          <p:cNvPr id="11" name="矢印: 山形 10">
+            <a:extLst>
+              <a:ext uri="{FF2B5EF4-FFF2-40B4-BE49-F238E27FC236}">
+                <a16:creationId xmlns:a16="http://schemas.microsoft.com/office/drawing/2014/main" id="{14350072-D790-5E27-93F8-814EF88B6232}"/>
+              </a:ext>
+            </a:extLst>
+          </p:cNvPr>
+          <p:cNvSpPr/>
+          <p:nvPr/>
+        </p:nvSpPr>
+        <p:spPr>
+          <a:xfrm>
+            <a:off x="6523402" y="5207704"/>
+            <a:ext cx="1858598" cy="723386"/>
+          </a:xfrm>
+          <a:prstGeom prst="chevron">
+            <a:avLst/>
+          </a:prstGeom>
+          <a:solidFill>
+            <a:srgbClr val="002060"/>
+          </a:solidFill>
+        </p:spPr>
+        <p:style>
+          <a:lnRef idx="2">
+            <a:schemeClr val="accent1">
+              <a:shade val="15000"/>
+            </a:schemeClr>
+          </a:lnRef>
+          <a:fillRef idx="1">
+            <a:schemeClr val="accent1"/>
+          </a:fillRef>
+          <a:effectRef idx="0">
+            <a:schemeClr val="accent1"/>
+          </a:effectRef>
+          <a:fontRef idx="minor">
+            <a:schemeClr val="lt1"/>
+          </a:fontRef>
+        </p:style>
+        <p:txBody>
+          <a:bodyPr rtlCol="0" anchor="ctr"/>
+          <a:lstStyle/>
+          <a:p>
+            <a:pPr algn="ctr"/>
+            <a:r>
+              <a:rPr kumimoji="1" lang="ja-JP" altLang="en-US" dirty="0">
+                <a:solidFill>
+                  <a:schemeClr val="bg1"/>
+                </a:solidFill>
+              </a:rPr>
+              <a:t>コード</a:t>
+            </a:r>
+            <a:endParaRPr lang="en-US" altLang="ja-JP" dirty="0">
+              <a:solidFill>
+                <a:schemeClr val="bg1"/>
+              </a:solidFill>
+            </a:endParaRPr>
+          </a:p>
+          <a:p>
+            <a:pPr algn="ctr"/>
+            <a:r>
+              <a:rPr kumimoji="1" lang="ja-JP" altLang="en-US" dirty="0">
+                <a:solidFill>
+                  <a:schemeClr val="bg1"/>
+                </a:solidFill>
+              </a:rPr>
+              <a:t>レビュー</a:t>
+            </a:r>
+          </a:p>
+        </p:txBody>
+      </p:sp>
+      <p:sp>
+        <p:nvSpPr>
+          <p:cNvPr id="13" name="矢印: 山形 12">
+            <a:extLst>
+              <a:ext uri="{FF2B5EF4-FFF2-40B4-BE49-F238E27FC236}">
+                <a16:creationId xmlns:a16="http://schemas.microsoft.com/office/drawing/2014/main" id="{D7A195CF-08D5-5334-695F-F5BF74444412}"/>
+              </a:ext>
+            </a:extLst>
+          </p:cNvPr>
+          <p:cNvSpPr/>
+          <p:nvPr/>
+        </p:nvSpPr>
+        <p:spPr>
+          <a:xfrm>
+            <a:off x="3017352" y="3161498"/>
+            <a:ext cx="2810801" cy="315686"/>
+          </a:xfrm>
+          <a:prstGeom prst="chevron">
+            <a:avLst/>
+          </a:prstGeom>
+          <a:solidFill>
+            <a:srgbClr val="002060"/>
+          </a:solidFill>
+        </p:spPr>
+        <p:style>
+          <a:lnRef idx="2">
+            <a:schemeClr val="accent1">
+              <a:shade val="15000"/>
+            </a:schemeClr>
+          </a:lnRef>
+          <a:fillRef idx="1">
+            <a:schemeClr val="accent1"/>
+          </a:fillRef>
+          <a:effectRef idx="0">
+            <a:schemeClr val="accent1"/>
+          </a:effectRef>
+          <a:fontRef idx="minor">
+            <a:schemeClr val="lt1"/>
+          </a:fontRef>
+        </p:style>
+        <p:txBody>
+          <a:bodyPr rtlCol="0" anchor="ctr"/>
+          <a:lstStyle/>
+          <a:p>
+            <a:pPr algn="ctr"/>
+            <a:r>
+              <a:rPr kumimoji="1" lang="ja-JP" altLang="en-US" dirty="0">
+                <a:solidFill>
+                  <a:schemeClr val="bg1"/>
+                </a:solidFill>
+              </a:rPr>
+              <a:t>修正</a:t>
+            </a:r>
+          </a:p>
+        </p:txBody>
+      </p:sp>
+      <p:sp>
+        <p:nvSpPr>
+          <p:cNvPr id="15" name="テキスト ボックス 14">
+            <a:extLst>
+              <a:ext uri="{FF2B5EF4-FFF2-40B4-BE49-F238E27FC236}">
+                <a16:creationId xmlns:a16="http://schemas.microsoft.com/office/drawing/2014/main" id="{6BD6D722-4D45-113C-D474-3846E511A1BC}"/>
+              </a:ext>
+            </a:extLst>
+          </p:cNvPr>
+          <p:cNvSpPr txBox="1"/>
+          <p:nvPr/>
+        </p:nvSpPr>
+        <p:spPr>
+          <a:xfrm>
+            <a:off x="8371150" y="5120789"/>
+            <a:ext cx="400110" cy="810301"/>
+          </a:xfrm>
+          <a:prstGeom prst="rect">
+            <a:avLst/>
+          </a:prstGeom>
+          <a:solidFill>
+            <a:srgbClr val="FFC000"/>
+          </a:solidFill>
+          <a:ln w="19050">
+            <a:solidFill>
+              <a:schemeClr val="accent1"/>
+            </a:solidFill>
+          </a:ln>
+        </p:spPr>
+        <p:txBody>
+          <a:bodyPr vert="eaVert" wrap="square" rtlCol="0">
+            <a:spAutoFit/>
+          </a:bodyPr>
+          <a:lstStyle/>
+          <a:p>
+            <a:r>
+              <a:rPr kumimoji="1" lang="ja-JP" altLang="en-US" sz="1400" dirty="0">
+                <a:solidFill>
+                  <a:schemeClr val="bg1"/>
+                </a:solidFill>
+              </a:rPr>
+              <a:t>レビュー</a:t>
+            </a:r>
+          </a:p>
+        </p:txBody>
+      </p:sp>
+      <p:sp>
+        <p:nvSpPr>
+          <p:cNvPr id="22" name="矢印: 山形 21">
+            <a:extLst>
+              <a:ext uri="{FF2B5EF4-FFF2-40B4-BE49-F238E27FC236}">
+                <a16:creationId xmlns:a16="http://schemas.microsoft.com/office/drawing/2014/main" id="{15D66F0E-AF48-9BC2-E75F-40CC5E7B7733}"/>
+              </a:ext>
+            </a:extLst>
+          </p:cNvPr>
+          <p:cNvSpPr/>
+          <p:nvPr/>
+        </p:nvSpPr>
+        <p:spPr>
+          <a:xfrm>
+            <a:off x="8771259" y="6007120"/>
+            <a:ext cx="2810801" cy="290667"/>
+          </a:xfrm>
+          <a:prstGeom prst="chevron">
+            <a:avLst/>
+          </a:prstGeom>
+          <a:solidFill>
+            <a:schemeClr val="accent5">
+              <a:lumMod val="60000"/>
+              <a:lumOff val="40000"/>
+            </a:schemeClr>
+          </a:solidFill>
+        </p:spPr>
+        <p:style>
+          <a:lnRef idx="2">
+            <a:schemeClr val="accent1">
+              <a:shade val="15000"/>
+            </a:schemeClr>
+          </a:lnRef>
+          <a:fillRef idx="1">
+            <a:schemeClr val="accent1"/>
+          </a:fillRef>
+          <a:effectRef idx="0">
+            <a:schemeClr val="accent1"/>
+          </a:effectRef>
+          <a:fontRef idx="minor">
+            <a:schemeClr val="lt1"/>
+          </a:fontRef>
+        </p:style>
+        <p:txBody>
+          <a:bodyPr rtlCol="0" anchor="ctr"/>
+          <a:lstStyle/>
+          <a:p>
+            <a:pPr algn="ctr"/>
+            <a:r>
+              <a:rPr lang="ja-JP" altLang="en-US" dirty="0">
+                <a:solidFill>
+                  <a:schemeClr val="bg1"/>
+                </a:solidFill>
+              </a:rPr>
+              <a:t>単体計画</a:t>
+            </a:r>
+            <a:endParaRPr kumimoji="1" lang="ja-JP" altLang="en-US" dirty="0">
+              <a:solidFill>
+                <a:schemeClr val="bg1"/>
+              </a:solidFill>
+            </a:endParaRPr>
+          </a:p>
+        </p:txBody>
+      </p:sp>
+      <p:sp>
+        <p:nvSpPr>
+          <p:cNvPr id="24" name="矢印: 山形 23">
+            <a:extLst>
+              <a:ext uri="{FF2B5EF4-FFF2-40B4-BE49-F238E27FC236}">
+                <a16:creationId xmlns:a16="http://schemas.microsoft.com/office/drawing/2014/main" id="{92079DC0-D9D2-B16C-714B-B6228461F0A7}"/>
+              </a:ext>
+            </a:extLst>
+          </p:cNvPr>
+          <p:cNvSpPr/>
+          <p:nvPr/>
+        </p:nvSpPr>
+        <p:spPr>
+          <a:xfrm>
+            <a:off x="8771259" y="6401970"/>
+            <a:ext cx="2810801" cy="290667"/>
+          </a:xfrm>
+          <a:prstGeom prst="chevron">
+            <a:avLst/>
+          </a:prstGeom>
+          <a:solidFill>
+            <a:schemeClr val="accent5">
+              <a:lumMod val="60000"/>
+              <a:lumOff val="40000"/>
+            </a:schemeClr>
+          </a:solidFill>
+        </p:spPr>
+        <p:style>
+          <a:lnRef idx="2">
+            <a:schemeClr val="accent1">
+              <a:shade val="15000"/>
+            </a:schemeClr>
+          </a:lnRef>
+          <a:fillRef idx="1">
+            <a:schemeClr val="accent1"/>
+          </a:fillRef>
+          <a:effectRef idx="0">
+            <a:schemeClr val="accent1"/>
+          </a:effectRef>
+          <a:fontRef idx="minor">
+            <a:schemeClr val="lt1"/>
+          </a:fontRef>
+        </p:style>
+        <p:txBody>
+          <a:bodyPr rtlCol="0" anchor="ctr"/>
+          <a:lstStyle/>
+          <a:p>
+            <a:pPr algn="ctr"/>
+            <a:r>
+              <a:rPr lang="ja-JP" altLang="en-US" dirty="0">
+                <a:solidFill>
+                  <a:schemeClr val="bg1"/>
+                </a:solidFill>
+              </a:rPr>
+              <a:t>単体実施</a:t>
+            </a:r>
+            <a:endParaRPr kumimoji="1" lang="ja-JP" altLang="en-US" dirty="0">
+              <a:solidFill>
+                <a:schemeClr val="bg1"/>
+              </a:solidFill>
+            </a:endParaRPr>
           </a:p>
         </p:txBody>
       </p:sp>
@@ -5958,6 +7900,348 @@
                 </a:solidFill>
               </a:rPr>
               <a:t>リリース</a:t>
+            </a:r>
+          </a:p>
+        </p:txBody>
+      </p:sp>
+      <p:sp>
+        <p:nvSpPr>
+          <p:cNvPr id="3" name="矢印: 山形 2">
+            <a:extLst>
+              <a:ext uri="{FF2B5EF4-FFF2-40B4-BE49-F238E27FC236}">
+                <a16:creationId xmlns:a16="http://schemas.microsoft.com/office/drawing/2014/main" id="{4182D15D-F8D5-F789-A1FA-A77AC3FB7B4F}"/>
+              </a:ext>
+            </a:extLst>
+          </p:cNvPr>
+          <p:cNvSpPr/>
+          <p:nvPr/>
+        </p:nvSpPr>
+        <p:spPr>
+          <a:xfrm>
+            <a:off x="1022111" y="4392949"/>
+            <a:ext cx="3234203" cy="279885"/>
+          </a:xfrm>
+          <a:prstGeom prst="chevron">
+            <a:avLst/>
+          </a:prstGeom>
+          <a:solidFill>
+            <a:schemeClr val="accent5">
+              <a:lumMod val="60000"/>
+              <a:lumOff val="40000"/>
+            </a:schemeClr>
+          </a:solidFill>
+        </p:spPr>
+        <p:style>
+          <a:lnRef idx="2">
+            <a:schemeClr val="accent1">
+              <a:shade val="15000"/>
+            </a:schemeClr>
+          </a:lnRef>
+          <a:fillRef idx="1">
+            <a:schemeClr val="accent1"/>
+          </a:fillRef>
+          <a:effectRef idx="0">
+            <a:schemeClr val="accent1"/>
+          </a:effectRef>
+          <a:fontRef idx="minor">
+            <a:schemeClr val="lt1"/>
+          </a:fontRef>
+        </p:style>
+        <p:txBody>
+          <a:bodyPr rtlCol="0" anchor="ctr"/>
+          <a:lstStyle/>
+          <a:p>
+            <a:pPr algn="ctr"/>
+            <a:r>
+              <a:rPr lang="ja-JP" altLang="en-US" dirty="0">
+                <a:solidFill>
+                  <a:schemeClr val="bg1"/>
+                </a:solidFill>
+              </a:rPr>
+              <a:t>単体計画</a:t>
+            </a:r>
+            <a:endParaRPr kumimoji="1" lang="ja-JP" altLang="en-US" dirty="0">
+              <a:solidFill>
+                <a:schemeClr val="bg1"/>
+              </a:solidFill>
+            </a:endParaRPr>
+          </a:p>
+        </p:txBody>
+      </p:sp>
+      <p:sp>
+        <p:nvSpPr>
+          <p:cNvPr id="4" name="矢印: 山形 3">
+            <a:extLst>
+              <a:ext uri="{FF2B5EF4-FFF2-40B4-BE49-F238E27FC236}">
+                <a16:creationId xmlns:a16="http://schemas.microsoft.com/office/drawing/2014/main" id="{B5B58825-DBBB-9794-60BA-4D40E4ADA58E}"/>
+              </a:ext>
+            </a:extLst>
+          </p:cNvPr>
+          <p:cNvSpPr/>
+          <p:nvPr/>
+        </p:nvSpPr>
+        <p:spPr>
+          <a:xfrm>
+            <a:off x="1022111" y="4784559"/>
+            <a:ext cx="3234203" cy="279885"/>
+          </a:xfrm>
+          <a:prstGeom prst="chevron">
+            <a:avLst/>
+          </a:prstGeom>
+          <a:solidFill>
+            <a:schemeClr val="accent5">
+              <a:lumMod val="60000"/>
+              <a:lumOff val="40000"/>
+            </a:schemeClr>
+          </a:solidFill>
+        </p:spPr>
+        <p:style>
+          <a:lnRef idx="2">
+            <a:schemeClr val="accent1">
+              <a:shade val="15000"/>
+            </a:schemeClr>
+          </a:lnRef>
+          <a:fillRef idx="1">
+            <a:schemeClr val="accent1"/>
+          </a:fillRef>
+          <a:effectRef idx="0">
+            <a:schemeClr val="accent1"/>
+          </a:effectRef>
+          <a:fontRef idx="minor">
+            <a:schemeClr val="lt1"/>
+          </a:fontRef>
+        </p:style>
+        <p:txBody>
+          <a:bodyPr rtlCol="0" anchor="ctr"/>
+          <a:lstStyle/>
+          <a:p>
+            <a:pPr algn="ctr"/>
+            <a:r>
+              <a:rPr lang="ja-JP" altLang="en-US" dirty="0">
+                <a:solidFill>
+                  <a:schemeClr val="bg1"/>
+                </a:solidFill>
+              </a:rPr>
+              <a:t>単体実施</a:t>
+            </a:r>
+            <a:endParaRPr kumimoji="1" lang="ja-JP" altLang="en-US" dirty="0">
+              <a:solidFill>
+                <a:schemeClr val="bg1"/>
+              </a:solidFill>
+            </a:endParaRPr>
+          </a:p>
+        </p:txBody>
+      </p:sp>
+      <p:sp>
+        <p:nvSpPr>
+          <p:cNvPr id="5" name="テキスト ボックス 4">
+            <a:extLst>
+              <a:ext uri="{FF2B5EF4-FFF2-40B4-BE49-F238E27FC236}">
+                <a16:creationId xmlns:a16="http://schemas.microsoft.com/office/drawing/2014/main" id="{9146DF3D-844D-89B1-3F5F-CBE5971C61E5}"/>
+              </a:ext>
+            </a:extLst>
+          </p:cNvPr>
+          <p:cNvSpPr txBox="1"/>
+          <p:nvPr/>
+        </p:nvSpPr>
+        <p:spPr>
+          <a:xfrm>
+            <a:off x="4378348" y="4342275"/>
+            <a:ext cx="400110" cy="810301"/>
+          </a:xfrm>
+          <a:prstGeom prst="rect">
+            <a:avLst/>
+          </a:prstGeom>
+          <a:solidFill>
+            <a:srgbClr val="FFC000"/>
+          </a:solidFill>
+          <a:ln w="19050">
+            <a:solidFill>
+              <a:schemeClr val="accent1"/>
+            </a:solidFill>
+          </a:ln>
+        </p:spPr>
+        <p:txBody>
+          <a:bodyPr vert="eaVert" wrap="square" rtlCol="0">
+            <a:spAutoFit/>
+          </a:bodyPr>
+          <a:lstStyle/>
+          <a:p>
+            <a:r>
+              <a:rPr kumimoji="1" lang="ja-JP" altLang="en-US" sz="1400" dirty="0">
+                <a:solidFill>
+                  <a:schemeClr val="bg1"/>
+                </a:solidFill>
+              </a:rPr>
+              <a:t>レビュー</a:t>
+            </a:r>
+          </a:p>
+        </p:txBody>
+      </p:sp>
+      <p:sp>
+        <p:nvSpPr>
+          <p:cNvPr id="6" name="矢印: 山形 5">
+            <a:extLst>
+              <a:ext uri="{FF2B5EF4-FFF2-40B4-BE49-F238E27FC236}">
+                <a16:creationId xmlns:a16="http://schemas.microsoft.com/office/drawing/2014/main" id="{D2F5A71F-1ADD-75B1-5624-73441D747F76}"/>
+              </a:ext>
+            </a:extLst>
+          </p:cNvPr>
+          <p:cNvSpPr/>
+          <p:nvPr/>
+        </p:nvSpPr>
+        <p:spPr>
+          <a:xfrm>
+            <a:off x="4811594" y="5288738"/>
+            <a:ext cx="3015714" cy="304800"/>
+          </a:xfrm>
+          <a:prstGeom prst="chevron">
+            <a:avLst/>
+          </a:prstGeom>
+          <a:solidFill>
+            <a:srgbClr val="0070C0"/>
+          </a:solidFill>
+        </p:spPr>
+        <p:style>
+          <a:lnRef idx="2">
+            <a:schemeClr val="accent1">
+              <a:shade val="15000"/>
+            </a:schemeClr>
+          </a:lnRef>
+          <a:fillRef idx="1">
+            <a:schemeClr val="accent1"/>
+          </a:fillRef>
+          <a:effectRef idx="0">
+            <a:schemeClr val="accent1"/>
+          </a:effectRef>
+          <a:fontRef idx="minor">
+            <a:schemeClr val="lt1"/>
+          </a:fontRef>
+        </p:style>
+        <p:txBody>
+          <a:bodyPr rtlCol="0" anchor="ctr"/>
+          <a:lstStyle/>
+          <a:p>
+            <a:pPr algn="ctr"/>
+            <a:r>
+              <a:rPr lang="ja-JP" altLang="en-US" dirty="0">
+                <a:solidFill>
+                  <a:schemeClr val="bg1"/>
+                </a:solidFill>
+              </a:rPr>
+              <a:t>結合計画</a:t>
+            </a:r>
+            <a:endParaRPr kumimoji="1" lang="ja-JP" altLang="en-US" dirty="0">
+              <a:solidFill>
+                <a:schemeClr val="bg1"/>
+              </a:solidFill>
+            </a:endParaRPr>
+          </a:p>
+        </p:txBody>
+      </p:sp>
+      <p:sp>
+        <p:nvSpPr>
+          <p:cNvPr id="8" name="矢印: 山形 7">
+            <a:extLst>
+              <a:ext uri="{FF2B5EF4-FFF2-40B4-BE49-F238E27FC236}">
+                <a16:creationId xmlns:a16="http://schemas.microsoft.com/office/drawing/2014/main" id="{0A2DC116-550E-1C4F-BBB2-7F77021C6EDA}"/>
+              </a:ext>
+            </a:extLst>
+          </p:cNvPr>
+          <p:cNvSpPr/>
+          <p:nvPr/>
+        </p:nvSpPr>
+        <p:spPr>
+          <a:xfrm>
+            <a:off x="4811593" y="5761051"/>
+            <a:ext cx="3015713" cy="304800"/>
+          </a:xfrm>
+          <a:prstGeom prst="chevron">
+            <a:avLst/>
+          </a:prstGeom>
+          <a:solidFill>
+            <a:srgbClr val="0070C0"/>
+          </a:solidFill>
+        </p:spPr>
+        <p:style>
+          <a:lnRef idx="2">
+            <a:schemeClr val="accent1">
+              <a:shade val="15000"/>
+            </a:schemeClr>
+          </a:lnRef>
+          <a:fillRef idx="1">
+            <a:schemeClr val="accent1"/>
+          </a:fillRef>
+          <a:effectRef idx="0">
+            <a:schemeClr val="accent1"/>
+          </a:effectRef>
+          <a:fontRef idx="minor">
+            <a:schemeClr val="lt1"/>
+          </a:fontRef>
+        </p:style>
+        <p:txBody>
+          <a:bodyPr rtlCol="0" anchor="ctr"/>
+          <a:lstStyle/>
+          <a:p>
+            <a:pPr algn="ctr"/>
+            <a:r>
+              <a:rPr lang="ja-JP" altLang="en-US" dirty="0">
+                <a:solidFill>
+                  <a:schemeClr val="bg1"/>
+                </a:solidFill>
+              </a:rPr>
+              <a:t>結合実施</a:t>
+            </a:r>
+            <a:endParaRPr kumimoji="1" lang="ja-JP" altLang="en-US" dirty="0">
+              <a:solidFill>
+                <a:schemeClr val="bg1"/>
+              </a:solidFill>
+            </a:endParaRPr>
+          </a:p>
+        </p:txBody>
+      </p:sp>
+      <p:sp>
+        <p:nvSpPr>
+          <p:cNvPr id="9" name="テキスト ボックス 8">
+            <a:extLst>
+              <a:ext uri="{FF2B5EF4-FFF2-40B4-BE49-F238E27FC236}">
+                <a16:creationId xmlns:a16="http://schemas.microsoft.com/office/drawing/2014/main" id="{3829D5F9-20B3-93D6-9BF7-A6755064C87D}"/>
+              </a:ext>
+            </a:extLst>
+          </p:cNvPr>
+          <p:cNvSpPr txBox="1"/>
+          <p:nvPr/>
+        </p:nvSpPr>
+        <p:spPr>
+          <a:xfrm>
+            <a:off x="7910272" y="5255550"/>
+            <a:ext cx="400110" cy="810301"/>
+          </a:xfrm>
+          <a:prstGeom prst="rect">
+            <a:avLst/>
+          </a:prstGeom>
+          <a:solidFill>
+            <a:srgbClr val="FFC000"/>
+          </a:solidFill>
+          <a:ln w="19050">
+            <a:solidFill>
+              <a:schemeClr val="accent1"/>
+            </a:solidFill>
+          </a:ln>
+        </p:spPr>
+        <p:txBody>
+          <a:bodyPr vert="eaVert" wrap="square" rtlCol="0">
+            <a:spAutoFit/>
+          </a:bodyPr>
+          <a:lstStyle/>
+          <a:p>
+            <a:r>
+              <a:rPr kumimoji="1" lang="ja-JP" altLang="en-US" sz="1400" dirty="0">
+                <a:solidFill>
+                  <a:schemeClr val="bg1"/>
+                </a:solidFill>
+              </a:rPr>
+              <a:t>レビュー</a:t>
             </a:r>
           </a:p>
         </p:txBody>
@@ -6230,7 +8514,7 @@
                   <a:schemeClr val="accent1"/>
                 </a:solidFill>
               </a:rPr>
-              <a:t>個人発表（社員番号</a:t>
+              <a:t>個人発表（</a:t>
             </a:r>
             <a:r>
               <a:rPr kumimoji="1" lang="en-US" altLang="ja-JP" b="1" dirty="0">
@@ -6238,21 +8522,24 @@
                   <a:schemeClr val="accent1"/>
                 </a:solidFill>
               </a:rPr>
-              <a:t>_</a:t>
-            </a:r>
-            <a:r>
-              <a:rPr kumimoji="1" lang="ja-JP" altLang="en-US" b="1">
+              <a:t>W7371_</a:t>
+            </a:r>
+            <a:r>
+              <a:rPr lang="ja-JP" altLang="en-US" b="1" dirty="0">
                 <a:solidFill>
                   <a:schemeClr val="accent1"/>
                 </a:solidFill>
               </a:rPr>
-              <a:t>テンプレ）</a:t>
-            </a:r>
-            <a:endParaRPr kumimoji="1" lang="ja-JP" altLang="en-US" b="1" dirty="0">
-              <a:solidFill>
-                <a:schemeClr val="accent1"/>
-              </a:solidFill>
-            </a:endParaRPr>
+              <a:t>原拓弓</a:t>
+            </a:r>
+            <a:r>
+              <a:rPr kumimoji="1" lang="ja-JP" altLang="en-US" b="1" dirty="0">
+                <a:solidFill>
+                  <a:schemeClr val="accent1"/>
+                </a:solidFill>
+              </a:rPr>
+              <a:t>）</a:t>
+            </a:r>
           </a:p>
         </p:txBody>
       </p:sp>
@@ -6302,10 +8589,39 @@
           <a:bodyPr rtlCol="0" anchor="ctr"/>
           <a:lstStyle/>
           <a:p>
-            <a:pPr algn="ctr"/>
-            <a:r>
-              <a:rPr kumimoji="1" lang="ja-JP" altLang="en-US" dirty="0"/>
-              <a:t>担当機能</a:t>
+            <a:pPr marL="0" marR="0" lvl="0" indent="0" algn="ctr" defTabSz="914400" rtl="0" eaLnBrk="1" fontAlgn="auto" latinLnBrk="0" hangingPunct="1">
+              <a:lnSpc>
+                <a:spcPct val="100000"/>
+              </a:lnSpc>
+              <a:spcBef>
+                <a:spcPts val="0"/>
+              </a:spcBef>
+              <a:spcAft>
+                <a:spcPts val="0"/>
+              </a:spcAft>
+              <a:buClrTx/>
+              <a:buSzTx/>
+              <a:buFontTx/>
+              <a:buNone/>
+              <a:tabLst/>
+              <a:defRPr/>
+            </a:pPr>
+            <a:r>
+              <a:rPr kumimoji="1" lang="ja-JP" altLang="en-US" sz="1800" b="0" i="0" u="none" strike="noStrike" kern="1200" cap="none" spc="0" normalizeH="0" baseline="0" noProof="0" dirty="0">
+                <a:ln>
+                  <a:noFill/>
+                </a:ln>
+                <a:solidFill>
+                  <a:prstClr val="white"/>
+                </a:solidFill>
+                <a:effectLst/>
+                <a:uLnTx/>
+                <a:uFillTx/>
+                <a:latin typeface="游ゴシック" panose="02110004020202020204"/>
+                <a:ea typeface="游ゴシック" panose="020B0400000000000000" pitchFamily="50" charset="-128"/>
+                <a:cs typeface="+mn-cs"/>
+              </a:rPr>
+              <a:t>担当</a:t>
             </a:r>
           </a:p>
         </p:txBody>
@@ -6356,9 +8672,38 @@
           <a:bodyPr rtlCol="0" anchor="ctr"/>
           <a:lstStyle/>
           <a:p>
-            <a:pPr algn="ctr"/>
-            <a:r>
-              <a:rPr kumimoji="1" lang="ja-JP" altLang="en-US" sz="1600" dirty="0"/>
+            <a:pPr marL="0" marR="0" lvl="0" indent="0" algn="ctr" defTabSz="914400" rtl="0" eaLnBrk="1" fontAlgn="auto" latinLnBrk="0" hangingPunct="1">
+              <a:lnSpc>
+                <a:spcPct val="100000"/>
+              </a:lnSpc>
+              <a:spcBef>
+                <a:spcPts val="0"/>
+              </a:spcBef>
+              <a:spcAft>
+                <a:spcPts val="0"/>
+              </a:spcAft>
+              <a:buClrTx/>
+              <a:buSzTx/>
+              <a:buFontTx/>
+              <a:buNone/>
+              <a:tabLst/>
+              <a:defRPr/>
+            </a:pPr>
+            <a:r>
+              <a:rPr kumimoji="1" lang="ja-JP" altLang="en-US" sz="1600" b="0" i="0" u="none" strike="noStrike" kern="1200" cap="none" spc="0" normalizeH="0" baseline="0" noProof="0" dirty="0">
+                <a:ln>
+                  <a:noFill/>
+                </a:ln>
+                <a:solidFill>
+                  <a:prstClr val="white"/>
+                </a:solidFill>
+                <a:effectLst/>
+                <a:uLnTx/>
+                <a:uFillTx/>
+                <a:latin typeface="游ゴシック" panose="02110004020202020204"/>
+                <a:ea typeface="游ゴシック" panose="020B0400000000000000" pitchFamily="50" charset="-128"/>
+                <a:cs typeface="+mn-cs"/>
+              </a:rPr>
               <a:t>工夫点</a:t>
             </a:r>
           </a:p>
@@ -6410,9 +8755,38 @@
           <a:bodyPr rtlCol="0" anchor="ctr"/>
           <a:lstStyle/>
           <a:p>
-            <a:pPr algn="ctr"/>
-            <a:r>
-              <a:rPr kumimoji="1" lang="ja-JP" altLang="en-US" sz="1600" dirty="0"/>
+            <a:pPr marL="0" marR="0" lvl="0" indent="0" algn="ctr" defTabSz="914400" rtl="0" eaLnBrk="1" fontAlgn="auto" latinLnBrk="0" hangingPunct="1">
+              <a:lnSpc>
+                <a:spcPct val="100000"/>
+              </a:lnSpc>
+              <a:spcBef>
+                <a:spcPts val="0"/>
+              </a:spcBef>
+              <a:spcAft>
+                <a:spcPts val="0"/>
+              </a:spcAft>
+              <a:buClrTx/>
+              <a:buSzTx/>
+              <a:buFontTx/>
+              <a:buNone/>
+              <a:tabLst/>
+              <a:defRPr/>
+            </a:pPr>
+            <a:r>
+              <a:rPr kumimoji="1" lang="ja-JP" altLang="en-US" sz="1600" b="0" i="0" u="none" strike="noStrike" kern="1200" cap="none" spc="0" normalizeH="0" baseline="0" noProof="0" dirty="0">
+                <a:ln>
+                  <a:noFill/>
+                </a:ln>
+                <a:solidFill>
+                  <a:prstClr val="white"/>
+                </a:solidFill>
+                <a:effectLst/>
+                <a:uLnTx/>
+                <a:uFillTx/>
+                <a:latin typeface="游ゴシック" panose="02110004020202020204"/>
+                <a:ea typeface="游ゴシック" panose="020B0400000000000000" pitchFamily="50" charset="-128"/>
+                <a:cs typeface="+mn-cs"/>
+              </a:rPr>
               <a:t>今後に向けて</a:t>
             </a:r>
           </a:p>
@@ -6464,9 +8838,38 @@
           <a:bodyPr rtlCol="0" anchor="ctr"/>
           <a:lstStyle/>
           <a:p>
-            <a:pPr algn="ctr"/>
-            <a:r>
-              <a:rPr kumimoji="1" lang="ja-JP" altLang="en-US" sz="1600" dirty="0"/>
+            <a:pPr marL="0" marR="0" lvl="0" indent="0" algn="ctr" defTabSz="914400" rtl="0" eaLnBrk="1" fontAlgn="auto" latinLnBrk="0" hangingPunct="1">
+              <a:lnSpc>
+                <a:spcPct val="100000"/>
+              </a:lnSpc>
+              <a:spcBef>
+                <a:spcPts val="0"/>
+              </a:spcBef>
+              <a:spcAft>
+                <a:spcPts val="0"/>
+              </a:spcAft>
+              <a:buClrTx/>
+              <a:buSzTx/>
+              <a:buFontTx/>
+              <a:buNone/>
+              <a:tabLst/>
+              <a:defRPr/>
+            </a:pPr>
+            <a:r>
+              <a:rPr kumimoji="1" lang="ja-JP" altLang="en-US" sz="1600" b="0" i="0" u="none" strike="noStrike" kern="1200" cap="none" spc="0" normalizeH="0" baseline="0" noProof="0" dirty="0">
+                <a:ln>
+                  <a:noFill/>
+                </a:ln>
+                <a:solidFill>
+                  <a:prstClr val="white"/>
+                </a:solidFill>
+                <a:effectLst/>
+                <a:uLnTx/>
+                <a:uFillTx/>
+                <a:latin typeface="游ゴシック" panose="02110004020202020204"/>
+                <a:ea typeface="游ゴシック" panose="020B0400000000000000" pitchFamily="50" charset="-128"/>
+                <a:cs typeface="+mn-cs"/>
+              </a:rPr>
               <a:t>問題点</a:t>
             </a:r>
           </a:p>
@@ -6487,7 +8890,7 @@
         <p:spPr>
           <a:xfrm>
             <a:off x="1175665" y="1891021"/>
-            <a:ext cx="10613564" cy="1008969"/>
+            <a:ext cx="10613564" cy="646331"/>
           </a:xfrm>
           <a:prstGeom prst="rect">
             <a:avLst/>
@@ -6507,7 +8910,229 @@
           </a:bodyPr>
           <a:lstStyle/>
           <a:p>
-            <a:endParaRPr kumimoji="1" lang="ja-JP" altLang="en-US" dirty="0"/>
+            <a:pPr marL="0" marR="0" lvl="0" indent="0" algn="l" defTabSz="914400" rtl="0" eaLnBrk="1" fontAlgn="auto" latinLnBrk="0" hangingPunct="1">
+              <a:lnSpc>
+                <a:spcPct val="100000"/>
+              </a:lnSpc>
+              <a:spcBef>
+                <a:spcPts val="0"/>
+              </a:spcBef>
+              <a:spcAft>
+                <a:spcPts val="0"/>
+              </a:spcAft>
+              <a:buClrTx/>
+              <a:buSzTx/>
+              <a:buFontTx/>
+              <a:buNone/>
+              <a:tabLst/>
+              <a:defRPr/>
+            </a:pPr>
+            <a:r>
+              <a:rPr kumimoji="1" lang="ja-JP" altLang="en-US" sz="1800" b="0" i="0" u="none" strike="noStrike" kern="1200" cap="none" spc="0" normalizeH="0" baseline="0" noProof="0" dirty="0">
+                <a:ln>
+                  <a:noFill/>
+                </a:ln>
+                <a:solidFill>
+                  <a:prstClr val="black"/>
+                </a:solidFill>
+                <a:effectLst/>
+                <a:uLnTx/>
+                <a:uFillTx/>
+                <a:latin typeface="游ゴシック" panose="02110004020202020204"/>
+                <a:ea typeface="游ゴシック" panose="020B0400000000000000" pitchFamily="50" charset="-128"/>
+                <a:cs typeface="+mn-cs"/>
+              </a:rPr>
+              <a:t>１</a:t>
+            </a:r>
+            <a:r>
+              <a:rPr kumimoji="1" lang="en-US" altLang="ja-JP" sz="1800" b="0" i="0" u="none" strike="noStrike" kern="1200" cap="none" spc="0" normalizeH="0" baseline="0" noProof="0" dirty="0">
+                <a:ln>
+                  <a:noFill/>
+                </a:ln>
+                <a:solidFill>
+                  <a:prstClr val="black"/>
+                </a:solidFill>
+                <a:effectLst/>
+                <a:uLnTx/>
+                <a:uFillTx/>
+                <a:latin typeface="游ゴシック" panose="02110004020202020204"/>
+                <a:ea typeface="游ゴシック" panose="020B0400000000000000" pitchFamily="50" charset="-128"/>
+                <a:cs typeface="+mn-cs"/>
+              </a:rPr>
+              <a:t>.</a:t>
+            </a:r>
+            <a:r>
+              <a:rPr kumimoji="1" lang="ja-JP" altLang="en-US" sz="1800" b="0" i="0" u="none" strike="noStrike" kern="1200" cap="none" spc="0" normalizeH="0" baseline="0" noProof="0" dirty="0">
+                <a:ln>
+                  <a:noFill/>
+                </a:ln>
+                <a:solidFill>
+                  <a:prstClr val="black"/>
+                </a:solidFill>
+                <a:effectLst/>
+                <a:uLnTx/>
+                <a:uFillTx/>
+                <a:latin typeface="游ゴシック" panose="02110004020202020204"/>
+                <a:ea typeface="游ゴシック" panose="020B0400000000000000" pitchFamily="50" charset="-128"/>
+                <a:cs typeface="+mn-cs"/>
+              </a:rPr>
+              <a:t>修正作業</a:t>
+            </a:r>
+            <a:r>
+              <a:rPr kumimoji="1" lang="en-US" altLang="ja-JP" sz="1800" b="0" i="0" u="none" strike="noStrike" kern="1200" cap="none" spc="0" normalizeH="0" baseline="0" noProof="0" dirty="0">
+                <a:ln>
+                  <a:noFill/>
+                </a:ln>
+                <a:solidFill>
+                  <a:prstClr val="black"/>
+                </a:solidFill>
+                <a:effectLst/>
+                <a:uLnTx/>
+                <a:uFillTx/>
+                <a:latin typeface="游ゴシック" panose="02110004020202020204"/>
+                <a:ea typeface="游ゴシック" panose="020B0400000000000000" pitchFamily="50" charset="-128"/>
+                <a:cs typeface="+mn-cs"/>
+              </a:rPr>
+              <a:t>(</a:t>
+            </a:r>
+            <a:r>
+              <a:rPr kumimoji="1" lang="ja-JP" altLang="en-US" sz="1800" b="0" i="0" u="none" strike="noStrike" kern="1200" cap="none" spc="0" normalizeH="0" baseline="0" noProof="0" dirty="0">
+                <a:ln>
+                  <a:noFill/>
+                </a:ln>
+                <a:solidFill>
+                  <a:prstClr val="black"/>
+                </a:solidFill>
+                <a:effectLst/>
+                <a:uLnTx/>
+                <a:uFillTx/>
+                <a:latin typeface="游ゴシック" panose="02110004020202020204"/>
+                <a:ea typeface="游ゴシック" panose="020B0400000000000000" pitchFamily="50" charset="-128"/>
+                <a:cs typeface="+mn-cs"/>
+              </a:rPr>
+              <a:t>経費申請画面のコード修正・エラーメッセージの修正</a:t>
+            </a:r>
+            <a:r>
+              <a:rPr kumimoji="1" lang="en-US" altLang="ja-JP" sz="1800" b="0" i="0" u="none" strike="noStrike" kern="1200" cap="none" spc="0" normalizeH="0" baseline="0" noProof="0" dirty="0">
+                <a:ln>
+                  <a:noFill/>
+                </a:ln>
+                <a:solidFill>
+                  <a:prstClr val="black"/>
+                </a:solidFill>
+                <a:effectLst/>
+                <a:uLnTx/>
+                <a:uFillTx/>
+                <a:latin typeface="游ゴシック" panose="02110004020202020204"/>
+                <a:ea typeface="游ゴシック" panose="020B0400000000000000" pitchFamily="50" charset="-128"/>
+                <a:cs typeface="+mn-cs"/>
+              </a:rPr>
+              <a:t>)</a:t>
+            </a:r>
+          </a:p>
+          <a:p>
+            <a:pPr marL="0" marR="0" lvl="0" indent="0" algn="l" defTabSz="914400" rtl="0" eaLnBrk="1" fontAlgn="auto" latinLnBrk="0" hangingPunct="1">
+              <a:lnSpc>
+                <a:spcPct val="100000"/>
+              </a:lnSpc>
+              <a:spcBef>
+                <a:spcPts val="0"/>
+              </a:spcBef>
+              <a:spcAft>
+                <a:spcPts val="0"/>
+              </a:spcAft>
+              <a:buClrTx/>
+              <a:buSzTx/>
+              <a:buFontTx/>
+              <a:buNone/>
+              <a:tabLst/>
+              <a:defRPr/>
+            </a:pPr>
+            <a:r>
+              <a:rPr kumimoji="1" lang="ja-JP" altLang="en-US" sz="1800" b="0" i="0" u="none" strike="noStrike" kern="1200" cap="none" spc="0" normalizeH="0" baseline="0" noProof="0" dirty="0">
+                <a:ln>
+                  <a:noFill/>
+                </a:ln>
+                <a:solidFill>
+                  <a:prstClr val="black"/>
+                </a:solidFill>
+                <a:effectLst/>
+                <a:uLnTx/>
+                <a:uFillTx/>
+                <a:latin typeface="游ゴシック" panose="02110004020202020204"/>
+                <a:ea typeface="游ゴシック" panose="020B0400000000000000" pitchFamily="50" charset="-128"/>
+                <a:cs typeface="+mn-cs"/>
+              </a:rPr>
+              <a:t>２．単体テストコード作成（</a:t>
+            </a:r>
+            <a:r>
+              <a:rPr kumimoji="1" lang="en-US" altLang="ja-JP" sz="1800" b="0" i="0" u="none" strike="noStrike" kern="1200" cap="none" spc="0" normalizeH="0" baseline="0" noProof="0" dirty="0" err="1">
+                <a:ln>
+                  <a:noFill/>
+                </a:ln>
+                <a:solidFill>
+                  <a:prstClr val="black"/>
+                </a:solidFill>
+                <a:effectLst/>
+                <a:uLnTx/>
+                <a:uFillTx/>
+                <a:latin typeface="游ゴシック" panose="02110004020202020204"/>
+                <a:ea typeface="游ゴシック" panose="020B0400000000000000" pitchFamily="50" charset="-128"/>
+                <a:cs typeface="+mn-cs"/>
+              </a:rPr>
+              <a:t>LoginService</a:t>
+            </a:r>
+            <a:r>
+              <a:rPr kumimoji="1" lang="ja-JP" altLang="en-US" sz="1800" b="0" i="0" u="none" strike="noStrike" kern="1200" cap="none" spc="0" normalizeH="0" baseline="0" noProof="0" dirty="0">
+                <a:ln>
+                  <a:noFill/>
+                </a:ln>
+                <a:solidFill>
+                  <a:prstClr val="black"/>
+                </a:solidFill>
+                <a:effectLst/>
+                <a:uLnTx/>
+                <a:uFillTx/>
+                <a:latin typeface="游ゴシック" panose="02110004020202020204"/>
+                <a:ea typeface="游ゴシック" panose="020B0400000000000000" pitchFamily="50" charset="-128"/>
+                <a:cs typeface="+mn-cs"/>
+              </a:rPr>
+              <a:t>と</a:t>
+            </a:r>
+            <a:r>
+              <a:rPr kumimoji="1" lang="en-US" altLang="ja-JP" sz="1800" b="0" i="0" u="none" strike="noStrike" kern="1200" cap="none" spc="0" normalizeH="0" baseline="0" noProof="0" dirty="0" err="1">
+                <a:ln>
+                  <a:noFill/>
+                </a:ln>
+                <a:solidFill>
+                  <a:prstClr val="black"/>
+                </a:solidFill>
+                <a:effectLst/>
+                <a:uLnTx/>
+                <a:uFillTx/>
+                <a:latin typeface="游ゴシック" panose="02110004020202020204"/>
+                <a:ea typeface="游ゴシック" panose="020B0400000000000000" pitchFamily="50" charset="-128"/>
+                <a:cs typeface="+mn-cs"/>
+              </a:rPr>
+              <a:t>ExpenseApplicationService</a:t>
+            </a:r>
+            <a:r>
+              <a:rPr kumimoji="1" lang="ja-JP" altLang="en-US" sz="1800" b="0" i="0" u="none" strike="noStrike" kern="1200" cap="none" spc="0" normalizeH="0" baseline="0" noProof="0" dirty="0">
+                <a:ln>
+                  <a:noFill/>
+                </a:ln>
+                <a:solidFill>
+                  <a:prstClr val="black"/>
+                </a:solidFill>
+                <a:effectLst/>
+                <a:uLnTx/>
+                <a:uFillTx/>
+                <a:latin typeface="游ゴシック" panose="02110004020202020204"/>
+                <a:ea typeface="游ゴシック" panose="020B0400000000000000" pitchFamily="50" charset="-128"/>
+                <a:cs typeface="+mn-cs"/>
+              </a:rPr>
+              <a:t>のテストコード作成）</a:t>
+            </a:r>
           </a:p>
         </p:txBody>
       </p:sp>
@@ -6526,7 +9151,7 @@
         <p:spPr>
           <a:xfrm>
             <a:off x="1175665" y="3170459"/>
-            <a:ext cx="10613564" cy="1008969"/>
+            <a:ext cx="10613564" cy="646331"/>
           </a:xfrm>
           <a:prstGeom prst="rect">
             <a:avLst/>
@@ -6546,7 +9171,121 @@
           </a:bodyPr>
           <a:lstStyle/>
           <a:p>
-            <a:endParaRPr kumimoji="1" lang="ja-JP" altLang="en-US" dirty="0"/>
+            <a:pPr marL="0" marR="0" lvl="0" indent="0" algn="l" defTabSz="914400" rtl="0" eaLnBrk="1" fontAlgn="auto" latinLnBrk="0" hangingPunct="1">
+              <a:lnSpc>
+                <a:spcPct val="100000"/>
+              </a:lnSpc>
+              <a:spcBef>
+                <a:spcPts val="0"/>
+              </a:spcBef>
+              <a:spcAft>
+                <a:spcPts val="0"/>
+              </a:spcAft>
+              <a:buClrTx/>
+              <a:buSzTx/>
+              <a:buFontTx/>
+              <a:buNone/>
+              <a:tabLst/>
+              <a:defRPr/>
+            </a:pPr>
+            <a:r>
+              <a:rPr kumimoji="1" lang="ja-JP" altLang="en-US" sz="1800" b="0" i="0" u="none" strike="noStrike" kern="1200" cap="none" spc="0" normalizeH="0" baseline="0" noProof="0" dirty="0">
+                <a:ln>
+                  <a:noFill/>
+                </a:ln>
+                <a:solidFill>
+                  <a:prstClr val="black"/>
+                </a:solidFill>
+                <a:effectLst/>
+                <a:uLnTx/>
+                <a:uFillTx/>
+                <a:latin typeface="游ゴシック" panose="02110004020202020204"/>
+                <a:ea typeface="游ゴシック" panose="020B0400000000000000" pitchFamily="50" charset="-128"/>
+                <a:cs typeface="+mn-cs"/>
+              </a:rPr>
+              <a:t>１．</a:t>
+            </a:r>
+            <a:r>
+              <a:rPr kumimoji="1" lang="en-US" altLang="ja-JP" sz="1800" b="0" i="0" u="none" strike="noStrike" kern="1200" cap="none" spc="0" normalizeH="0" baseline="0" noProof="0" dirty="0" err="1">
+                <a:ln>
+                  <a:noFill/>
+                </a:ln>
+                <a:solidFill>
+                  <a:prstClr val="black"/>
+                </a:solidFill>
+                <a:effectLst/>
+                <a:uLnTx/>
+                <a:uFillTx/>
+                <a:latin typeface="游ゴシック" panose="02110004020202020204"/>
+                <a:ea typeface="游ゴシック" panose="020B0400000000000000" pitchFamily="50" charset="-128"/>
+                <a:cs typeface="+mn-cs"/>
+              </a:rPr>
+              <a:t>gitHub</a:t>
+            </a:r>
+            <a:r>
+              <a:rPr kumimoji="1" lang="ja-JP" altLang="en-US" sz="1800" b="0" i="0" u="none" strike="noStrike" kern="1200" cap="none" spc="0" normalizeH="0" baseline="0" noProof="0" dirty="0">
+                <a:ln>
+                  <a:noFill/>
+                </a:ln>
+                <a:solidFill>
+                  <a:prstClr val="black"/>
+                </a:solidFill>
+                <a:effectLst/>
+                <a:uLnTx/>
+                <a:uFillTx/>
+                <a:latin typeface="游ゴシック" panose="02110004020202020204"/>
+                <a:ea typeface="游ゴシック" panose="020B0400000000000000" pitchFamily="50" charset="-128"/>
+                <a:cs typeface="+mn-cs"/>
+              </a:rPr>
+              <a:t>で問題が起きることを想定し、修正ポイント等をコメントに残しておいたこと</a:t>
+            </a:r>
+            <a:endParaRPr kumimoji="1" lang="en-US" altLang="ja-JP" sz="1800" b="0" i="0" u="none" strike="noStrike" kern="1200" cap="none" spc="0" normalizeH="0" baseline="0" noProof="0" dirty="0">
+              <a:ln>
+                <a:noFill/>
+              </a:ln>
+              <a:solidFill>
+                <a:prstClr val="black"/>
+              </a:solidFill>
+              <a:effectLst/>
+              <a:uLnTx/>
+              <a:uFillTx/>
+              <a:latin typeface="游ゴシック" panose="02110004020202020204"/>
+              <a:ea typeface="游ゴシック" panose="020B0400000000000000" pitchFamily="50" charset="-128"/>
+              <a:cs typeface="+mn-cs"/>
+            </a:endParaRPr>
+          </a:p>
+          <a:p>
+            <a:pPr marL="0" marR="0" lvl="0" indent="0" algn="l" defTabSz="914400" rtl="0" eaLnBrk="1" fontAlgn="auto" latinLnBrk="0" hangingPunct="1">
+              <a:lnSpc>
+                <a:spcPct val="100000"/>
+              </a:lnSpc>
+              <a:spcBef>
+                <a:spcPts val="0"/>
+              </a:spcBef>
+              <a:spcAft>
+                <a:spcPts val="0"/>
+              </a:spcAft>
+              <a:buClrTx/>
+              <a:buSzTx/>
+              <a:buFontTx/>
+              <a:buNone/>
+              <a:tabLst/>
+              <a:defRPr/>
+            </a:pPr>
+            <a:endParaRPr kumimoji="1" lang="en-US" altLang="ja-JP" sz="1800" b="0" i="0" u="none" strike="noStrike" kern="1200" cap="none" spc="0" normalizeH="0" baseline="0" noProof="0" dirty="0">
+              <a:ln>
+                <a:noFill/>
+              </a:ln>
+              <a:solidFill>
+                <a:prstClr val="black"/>
+              </a:solidFill>
+              <a:effectLst/>
+              <a:uLnTx/>
+              <a:uFillTx/>
+              <a:latin typeface="游ゴシック" panose="02110004020202020204"/>
+              <a:ea typeface="游ゴシック" panose="020B0400000000000000" pitchFamily="50" charset="-128"/>
+              <a:cs typeface="+mn-cs"/>
+            </a:endParaRPr>
           </a:p>
         </p:txBody>
       </p:sp>
@@ -6565,7 +9304,7 @@
         <p:spPr>
           <a:xfrm>
             <a:off x="1175665" y="5654390"/>
-            <a:ext cx="10613564" cy="1008969"/>
+            <a:ext cx="10613564" cy="646331"/>
           </a:xfrm>
           <a:prstGeom prst="rect">
             <a:avLst/>
@@ -6585,7 +9324,124 @@
           </a:bodyPr>
           <a:lstStyle/>
           <a:p>
-            <a:endParaRPr kumimoji="1" lang="ja-JP" altLang="en-US" dirty="0"/>
+            <a:pPr marL="0" marR="0" lvl="0" indent="0" algn="l" defTabSz="914400" rtl="0" eaLnBrk="1" fontAlgn="auto" latinLnBrk="0" hangingPunct="1">
+              <a:lnSpc>
+                <a:spcPct val="100000"/>
+              </a:lnSpc>
+              <a:spcBef>
+                <a:spcPts val="0"/>
+              </a:spcBef>
+              <a:spcAft>
+                <a:spcPts val="0"/>
+              </a:spcAft>
+              <a:buClrTx/>
+              <a:buSzTx/>
+              <a:buFontTx/>
+              <a:buNone/>
+              <a:tabLst/>
+              <a:defRPr/>
+            </a:pPr>
+            <a:r>
+              <a:rPr kumimoji="1" lang="ja-JP" altLang="en-US" sz="1800" b="0" i="0" u="none" strike="noStrike" kern="1200" cap="none" spc="0" normalizeH="0" baseline="0" noProof="0" dirty="0">
+                <a:ln>
+                  <a:noFill/>
+                </a:ln>
+                <a:solidFill>
+                  <a:prstClr val="black"/>
+                </a:solidFill>
+                <a:effectLst/>
+                <a:uLnTx/>
+                <a:uFillTx/>
+                <a:latin typeface="游ゴシック" panose="02110004020202020204"/>
+                <a:ea typeface="游ゴシック" panose="020B0400000000000000" pitchFamily="50" charset="-128"/>
+                <a:cs typeface="+mn-cs"/>
+              </a:rPr>
+              <a:t>１．</a:t>
+            </a:r>
+            <a:r>
+              <a:rPr kumimoji="1" lang="en-US" altLang="ja-JP" sz="1800" b="0" i="0" u="none" strike="noStrike" kern="1200" cap="none" spc="0" normalizeH="0" baseline="0" noProof="0" dirty="0">
+                <a:ln>
+                  <a:noFill/>
+                </a:ln>
+                <a:solidFill>
+                  <a:prstClr val="black"/>
+                </a:solidFill>
+                <a:effectLst/>
+                <a:uLnTx/>
+                <a:uFillTx/>
+                <a:latin typeface="游ゴシック" panose="02110004020202020204"/>
+                <a:ea typeface="游ゴシック" panose="020B0400000000000000" pitchFamily="50" charset="-128"/>
+                <a:cs typeface="+mn-cs"/>
+              </a:rPr>
+              <a:t>Git</a:t>
+            </a:r>
+            <a:r>
+              <a:rPr kumimoji="1" lang="ja-JP" altLang="en-US" sz="1800" b="0" i="0" u="none" strike="noStrike" kern="1200" cap="none" spc="0" normalizeH="0" baseline="0" noProof="0" dirty="0">
+                <a:ln>
+                  <a:noFill/>
+                </a:ln>
+                <a:solidFill>
+                  <a:prstClr val="black"/>
+                </a:solidFill>
+                <a:effectLst/>
+                <a:uLnTx/>
+                <a:uFillTx/>
+                <a:latin typeface="游ゴシック" panose="02110004020202020204"/>
+                <a:ea typeface="游ゴシック" panose="020B0400000000000000" pitchFamily="50" charset="-128"/>
+                <a:cs typeface="+mn-cs"/>
+              </a:rPr>
+              <a:t>の運用方法の確認と学習</a:t>
+            </a:r>
+            <a:endParaRPr kumimoji="1" lang="en-US" altLang="ja-JP" sz="1800" b="0" i="0" u="none" strike="noStrike" kern="1200" cap="none" spc="0" normalizeH="0" baseline="0" noProof="0" dirty="0">
+              <a:ln>
+                <a:noFill/>
+              </a:ln>
+              <a:solidFill>
+                <a:prstClr val="black"/>
+              </a:solidFill>
+              <a:effectLst/>
+              <a:uLnTx/>
+              <a:uFillTx/>
+              <a:latin typeface="游ゴシック" panose="02110004020202020204"/>
+              <a:ea typeface="游ゴシック" panose="020B0400000000000000" pitchFamily="50" charset="-128"/>
+              <a:cs typeface="+mn-cs"/>
+            </a:endParaRPr>
+          </a:p>
+          <a:p>
+            <a:pPr marL="0" marR="0" lvl="0" indent="0" algn="l" defTabSz="914400" rtl="0" eaLnBrk="1" fontAlgn="auto" latinLnBrk="0" hangingPunct="1">
+              <a:lnSpc>
+                <a:spcPct val="100000"/>
+              </a:lnSpc>
+              <a:spcBef>
+                <a:spcPts val="0"/>
+              </a:spcBef>
+              <a:spcAft>
+                <a:spcPts val="0"/>
+              </a:spcAft>
+              <a:buClrTx/>
+              <a:buSzTx/>
+              <a:buFontTx/>
+              <a:buNone/>
+              <a:tabLst/>
+              <a:defRPr/>
+            </a:pPr>
+            <a:r>
+              <a:rPr kumimoji="1" lang="ja-JP" altLang="en-US" sz="1800" b="0" i="0" u="none" strike="noStrike" kern="1200" cap="none" spc="0" normalizeH="0" baseline="0" noProof="0" dirty="0">
+                <a:ln>
+                  <a:noFill/>
+                </a:ln>
+                <a:solidFill>
+                  <a:prstClr val="black"/>
+                </a:solidFill>
+                <a:effectLst/>
+                <a:uLnTx/>
+                <a:uFillTx/>
+                <a:latin typeface="游ゴシック" panose="02110004020202020204"/>
+                <a:ea typeface="游ゴシック" panose="020B0400000000000000" pitchFamily="50" charset="-128"/>
+                <a:cs typeface="+mn-cs"/>
+              </a:rPr>
+              <a:t>２．全体像の把握し、作業配分を考えること</a:t>
+            </a:r>
           </a:p>
         </p:txBody>
       </p:sp>
@@ -6604,7 +9460,7 @@
         <p:spPr>
           <a:xfrm>
             <a:off x="1175665" y="4406126"/>
-            <a:ext cx="10613564" cy="1008969"/>
+            <a:ext cx="10613564" cy="923330"/>
           </a:xfrm>
           <a:prstGeom prst="rect">
             <a:avLst/>
@@ -6624,14 +9480,261 @@
           </a:bodyPr>
           <a:lstStyle/>
           <a:p>
-            <a:endParaRPr kumimoji="1" lang="ja-JP" altLang="en-US" dirty="0"/>
+            <a:pPr marL="0" marR="0" lvl="0" indent="0" algn="l" defTabSz="914400" rtl="0" eaLnBrk="1" fontAlgn="auto" latinLnBrk="0" hangingPunct="1">
+              <a:lnSpc>
+                <a:spcPct val="100000"/>
+              </a:lnSpc>
+              <a:spcBef>
+                <a:spcPts val="0"/>
+              </a:spcBef>
+              <a:spcAft>
+                <a:spcPts val="0"/>
+              </a:spcAft>
+              <a:buClrTx/>
+              <a:buSzTx/>
+              <a:buFontTx/>
+              <a:buNone/>
+              <a:tabLst/>
+              <a:defRPr/>
+            </a:pPr>
+            <a:r>
+              <a:rPr kumimoji="1" lang="ja-JP" altLang="en-US" sz="1800" b="0" i="0" u="none" strike="noStrike" kern="1200" cap="none" spc="0" normalizeH="0" baseline="0" noProof="0" dirty="0">
+                <a:ln>
+                  <a:noFill/>
+                </a:ln>
+                <a:solidFill>
+                  <a:prstClr val="black"/>
+                </a:solidFill>
+                <a:effectLst/>
+                <a:uLnTx/>
+                <a:uFillTx/>
+                <a:latin typeface="游ゴシック" panose="02110004020202020204"/>
+                <a:ea typeface="游ゴシック" panose="020B0400000000000000" pitchFamily="50" charset="-128"/>
+                <a:cs typeface="+mn-cs"/>
+              </a:rPr>
+              <a:t>１．</a:t>
+            </a:r>
+            <a:r>
+              <a:rPr kumimoji="1" lang="en-US" altLang="ja-JP" sz="1800" b="0" i="0" u="none" strike="noStrike" kern="1200" cap="none" spc="0" normalizeH="0" baseline="0" noProof="0" dirty="0">
+                <a:ln>
+                  <a:noFill/>
+                </a:ln>
+                <a:solidFill>
+                  <a:prstClr val="black"/>
+                </a:solidFill>
+                <a:effectLst/>
+                <a:uLnTx/>
+                <a:uFillTx/>
+                <a:latin typeface="游ゴシック" panose="02110004020202020204"/>
+                <a:ea typeface="游ゴシック" panose="020B0400000000000000" pitchFamily="50" charset="-128"/>
+                <a:cs typeface="+mn-cs"/>
+              </a:rPr>
+              <a:t>GitHub</a:t>
+            </a:r>
+            <a:r>
+              <a:rPr kumimoji="1" lang="ja-JP" altLang="en-US" sz="1800" b="0" i="0" u="none" strike="noStrike" kern="1200" cap="none" spc="0" normalizeH="0" baseline="0" noProof="0" dirty="0">
+                <a:ln>
+                  <a:noFill/>
+                </a:ln>
+                <a:solidFill>
+                  <a:prstClr val="black"/>
+                </a:solidFill>
+                <a:effectLst/>
+                <a:uLnTx/>
+                <a:uFillTx/>
+                <a:latin typeface="游ゴシック" panose="02110004020202020204"/>
+                <a:ea typeface="游ゴシック" panose="020B0400000000000000" pitchFamily="50" charset="-128"/>
+                <a:cs typeface="+mn-cs"/>
+              </a:rPr>
+              <a:t>のコンフリクトやマージがが頻発。バージョン修正作業の発生</a:t>
+            </a:r>
+            <a:endParaRPr kumimoji="1" lang="en-US" altLang="ja-JP" sz="1800" b="0" i="0" u="none" strike="noStrike" kern="1200" cap="none" spc="0" normalizeH="0" baseline="0" noProof="0" dirty="0">
+              <a:ln>
+                <a:noFill/>
+              </a:ln>
+              <a:solidFill>
+                <a:prstClr val="black"/>
+              </a:solidFill>
+              <a:effectLst/>
+              <a:uLnTx/>
+              <a:uFillTx/>
+              <a:latin typeface="游ゴシック" panose="02110004020202020204"/>
+              <a:ea typeface="游ゴシック" panose="020B0400000000000000" pitchFamily="50" charset="-128"/>
+              <a:cs typeface="+mn-cs"/>
+            </a:endParaRPr>
+          </a:p>
+          <a:p>
+            <a:pPr marL="0" marR="0" lvl="0" indent="0" algn="l" defTabSz="914400" rtl="0" eaLnBrk="1" fontAlgn="auto" latinLnBrk="0" hangingPunct="1">
+              <a:lnSpc>
+                <a:spcPct val="100000"/>
+              </a:lnSpc>
+              <a:spcBef>
+                <a:spcPts val="0"/>
+              </a:spcBef>
+              <a:spcAft>
+                <a:spcPts val="0"/>
+              </a:spcAft>
+              <a:buClrTx/>
+              <a:buSzTx/>
+              <a:buFontTx/>
+              <a:buNone/>
+              <a:tabLst/>
+              <a:defRPr/>
+            </a:pPr>
+            <a:r>
+              <a:rPr kumimoji="1" lang="ja-JP" altLang="en-US" sz="1800" b="0" i="0" u="none" strike="noStrike" kern="1200" cap="none" spc="0" normalizeH="0" baseline="0" noProof="0" dirty="0">
+                <a:ln>
+                  <a:noFill/>
+                </a:ln>
+                <a:solidFill>
+                  <a:prstClr val="black"/>
+                </a:solidFill>
+                <a:effectLst/>
+                <a:uLnTx/>
+                <a:uFillTx/>
+                <a:latin typeface="游ゴシック" panose="02110004020202020204"/>
+                <a:ea typeface="游ゴシック" panose="020B0400000000000000" pitchFamily="50" charset="-128"/>
+                <a:cs typeface="+mn-cs"/>
+              </a:rPr>
+              <a:t>２</a:t>
+            </a:r>
+            <a:r>
+              <a:rPr kumimoji="1" lang="en-US" altLang="ja-JP" sz="1800" b="0" i="0" u="none" strike="noStrike" kern="1200" cap="none" spc="0" normalizeH="0" baseline="0" noProof="0" dirty="0">
+                <a:ln>
+                  <a:noFill/>
+                </a:ln>
+                <a:solidFill>
+                  <a:prstClr val="black"/>
+                </a:solidFill>
+                <a:effectLst/>
+                <a:uLnTx/>
+                <a:uFillTx/>
+                <a:latin typeface="游ゴシック" panose="02110004020202020204"/>
+                <a:ea typeface="游ゴシック" panose="020B0400000000000000" pitchFamily="50" charset="-128"/>
+                <a:cs typeface="+mn-cs"/>
+              </a:rPr>
+              <a:t>.</a:t>
+            </a:r>
+            <a:r>
+              <a:rPr kumimoji="1" lang="ja-JP" altLang="en-US" sz="1800" b="0" i="0" u="none" strike="noStrike" kern="1200" cap="none" spc="0" normalizeH="0" baseline="0" noProof="0" dirty="0">
+                <a:ln>
+                  <a:noFill/>
+                </a:ln>
+                <a:solidFill>
+                  <a:prstClr val="black"/>
+                </a:solidFill>
+                <a:effectLst/>
+                <a:uLnTx/>
+                <a:uFillTx/>
+                <a:latin typeface="游ゴシック" panose="02110004020202020204"/>
+                <a:ea typeface="游ゴシック" panose="020B0400000000000000" pitchFamily="50" charset="-128"/>
+                <a:cs typeface="+mn-cs"/>
+              </a:rPr>
+              <a:t>モジュール間の結合範囲を把握できていなかった。コード修正により、複数エラーが発生</a:t>
+            </a:r>
+            <a:endParaRPr kumimoji="1" lang="en-US" altLang="ja-JP" sz="1800" b="0" i="0" u="none" strike="noStrike" kern="1200" cap="none" spc="0" normalizeH="0" baseline="0" noProof="0" dirty="0">
+              <a:ln>
+                <a:noFill/>
+              </a:ln>
+              <a:solidFill>
+                <a:prstClr val="black"/>
+              </a:solidFill>
+              <a:effectLst/>
+              <a:uLnTx/>
+              <a:uFillTx/>
+              <a:latin typeface="游ゴシック" panose="02110004020202020204"/>
+              <a:ea typeface="游ゴシック" panose="020B0400000000000000" pitchFamily="50" charset="-128"/>
+              <a:cs typeface="+mn-cs"/>
+            </a:endParaRPr>
+          </a:p>
+          <a:p>
+            <a:pPr marL="0" marR="0" lvl="0" indent="0" algn="l" defTabSz="914400" rtl="0" eaLnBrk="1" fontAlgn="auto" latinLnBrk="0" hangingPunct="1">
+              <a:lnSpc>
+                <a:spcPct val="100000"/>
+              </a:lnSpc>
+              <a:spcBef>
+                <a:spcPts val="0"/>
+              </a:spcBef>
+              <a:spcAft>
+                <a:spcPts val="0"/>
+              </a:spcAft>
+              <a:buClrTx/>
+              <a:buSzTx/>
+              <a:buFontTx/>
+              <a:buNone/>
+              <a:tabLst/>
+              <a:defRPr/>
+            </a:pPr>
+            <a:endParaRPr kumimoji="1" lang="ja-JP" altLang="en-US" sz="1800" b="0" i="0" u="none" strike="noStrike" kern="1200" cap="none" spc="0" normalizeH="0" baseline="0" noProof="0" dirty="0">
+              <a:ln>
+                <a:noFill/>
+              </a:ln>
+              <a:solidFill>
+                <a:prstClr val="black"/>
+              </a:solidFill>
+              <a:effectLst/>
+              <a:uLnTx/>
+              <a:uFillTx/>
+              <a:latin typeface="游ゴシック" panose="02110004020202020204"/>
+              <a:ea typeface="游ゴシック" panose="020B0400000000000000" pitchFamily="50" charset="-128"/>
+              <a:cs typeface="+mn-cs"/>
+            </a:endParaRPr>
+          </a:p>
+        </p:txBody>
+      </p:sp>
+      <p:sp>
+        <p:nvSpPr>
+          <p:cNvPr id="4" name="リボン: 上に曲がる 3">
+            <a:extLst>
+              <a:ext uri="{FF2B5EF4-FFF2-40B4-BE49-F238E27FC236}">
+                <a16:creationId xmlns:a16="http://schemas.microsoft.com/office/drawing/2014/main" id="{368958BF-A93C-FAAA-A63C-6CDD805E69D6}"/>
+              </a:ext>
+            </a:extLst>
+          </p:cNvPr>
+          <p:cNvSpPr/>
+          <p:nvPr/>
+        </p:nvSpPr>
+        <p:spPr>
+          <a:xfrm>
+            <a:off x="7805057" y="557280"/>
+            <a:ext cx="3069772" cy="566116"/>
+          </a:xfrm>
+          <a:prstGeom prst="ribbon2">
+            <a:avLst/>
+          </a:prstGeom>
+        </p:spPr>
+        <p:style>
+          <a:lnRef idx="2">
+            <a:schemeClr val="accent1">
+              <a:shade val="15000"/>
+            </a:schemeClr>
+          </a:lnRef>
+          <a:fillRef idx="1">
+            <a:schemeClr val="accent1"/>
+          </a:fillRef>
+          <a:effectRef idx="0">
+            <a:schemeClr val="accent1"/>
+          </a:effectRef>
+          <a:fontRef idx="minor">
+            <a:schemeClr val="lt1"/>
+          </a:fontRef>
+        </p:style>
+        <p:txBody>
+          <a:bodyPr rtlCol="0" anchor="ctr"/>
+          <a:lstStyle/>
+          <a:p>
+            <a:pPr algn="ctr"/>
+            <a:r>
+              <a:rPr kumimoji="1" lang="ja-JP" altLang="en-US" dirty="0"/>
+              <a:t>テクニカルリーダー</a:t>
+            </a:r>
           </a:p>
         </p:txBody>
       </p:sp>
     </p:spTree>
     <p:extLst>
       <p:ext uri="{BB962C8B-B14F-4D97-AF65-F5344CB8AC3E}">
-        <p14:creationId xmlns:p14="http://schemas.microsoft.com/office/powerpoint/2010/main" val="2070866117"/>
+        <p14:creationId xmlns:p14="http://schemas.microsoft.com/office/powerpoint/2010/main" val="2677372121"/>
       </p:ext>
     </p:extLst>
   </p:cSld>
@@ -6656,13 +9759,7 @@
     </p:bg>
     <p:spTree>
       <p:nvGrpSpPr>
-        <p:cNvPr id="1" name="">
-          <a:extLst>
-            <a:ext uri="{FF2B5EF4-FFF2-40B4-BE49-F238E27FC236}">
-              <a16:creationId xmlns:a16="http://schemas.microsoft.com/office/drawing/2014/main" id="{03502EC9-0A0E-E3E2-CC50-F6589EC73180}"/>
-            </a:ext>
-          </a:extLst>
-        </p:cNvPr>
+        <p:cNvPr id="1" name=""/>
         <p:cNvGrpSpPr/>
         <p:nvPr/>
       </p:nvGrpSpPr>
@@ -6676,10 +9773,10 @@
       </p:grpSpPr>
       <p:sp>
         <p:nvSpPr>
-          <p:cNvPr id="3" name="コンテンツ プレースホルダー 2">
-            <a:extLst>
-              <a:ext uri="{FF2B5EF4-FFF2-40B4-BE49-F238E27FC236}">
-                <a16:creationId xmlns:a16="http://schemas.microsoft.com/office/drawing/2014/main" id="{E0FEC55C-5F7C-A2C7-A498-B46F421D0A72}"/>
+          <p:cNvPr id="2" name="タイトル 1">
+            <a:extLst>
+              <a:ext uri="{FF2B5EF4-FFF2-40B4-BE49-F238E27FC236}">
+                <a16:creationId xmlns:a16="http://schemas.microsoft.com/office/drawing/2014/main" id="{902E9838-3E90-6EE2-C9EF-9FB83CE3A65E}"/>
               </a:ext>
             </a:extLst>
           </p:cNvPr>
@@ -6687,39 +9784,676 @@
             <a:spLocks noGrp="1"/>
           </p:cNvSpPr>
           <p:nvPr>
-            <p:ph idx="1"/>
+            <p:ph type="title"/>
           </p:nvPr>
         </p:nvSpPr>
         <p:spPr>
           <a:xfrm>
-            <a:off x="838200" y="2743200"/>
-            <a:ext cx="10515600" cy="1153887"/>
-          </a:xfrm>
-        </p:spPr>
-        <p:txBody>
-          <a:bodyPr>
-            <a:normAutofit/>
+            <a:off x="838200" y="257199"/>
+            <a:ext cx="10515600" cy="1325563"/>
+          </a:xfrm>
+        </p:spPr>
+        <p:txBody>
+          <a:bodyPr/>
+          <a:lstStyle/>
+          <a:p>
+            <a:r>
+              <a:rPr kumimoji="1" lang="ja-JP" altLang="en-US" b="1" dirty="0">
+                <a:solidFill>
+                  <a:schemeClr val="accent1"/>
+                </a:solidFill>
+              </a:rPr>
+              <a:t>個人発表（</a:t>
+            </a:r>
+            <a:r>
+              <a:rPr kumimoji="1" lang="en-US" altLang="ja-JP" b="1" dirty="0">
+                <a:solidFill>
+                  <a:schemeClr val="accent1"/>
+                </a:solidFill>
+              </a:rPr>
+              <a:t>W7374_</a:t>
+            </a:r>
+            <a:r>
+              <a:rPr kumimoji="1" lang="ja-JP" altLang="en-US" b="1" dirty="0">
+                <a:solidFill>
+                  <a:schemeClr val="accent1"/>
+                </a:solidFill>
+              </a:rPr>
+              <a:t>棟方勇志）</a:t>
+            </a:r>
+          </a:p>
+        </p:txBody>
+      </p:sp>
+      <p:sp>
+        <p:nvSpPr>
+          <p:cNvPr id="15" name="正方形/長方形 14">
+            <a:extLst>
+              <a:ext uri="{FF2B5EF4-FFF2-40B4-BE49-F238E27FC236}">
+                <a16:creationId xmlns:a16="http://schemas.microsoft.com/office/drawing/2014/main" id="{63B6BA4B-29E3-417F-A1ED-A5C249A82539}"/>
+              </a:ext>
+            </a:extLst>
+          </p:cNvPr>
+          <p:cNvSpPr/>
+          <p:nvPr/>
+        </p:nvSpPr>
+        <p:spPr>
+          <a:xfrm>
+            <a:off x="97975" y="1861290"/>
+            <a:ext cx="859979" cy="983776"/>
+          </a:xfrm>
+          <a:prstGeom prst="rect">
+            <a:avLst/>
+          </a:prstGeom>
+          <a:solidFill>
+            <a:schemeClr val="bg2">
+              <a:lumMod val="90000"/>
+            </a:schemeClr>
+          </a:solidFill>
+        </p:spPr>
+        <p:style>
+          <a:lnRef idx="2">
+            <a:schemeClr val="accent1">
+              <a:shade val="15000"/>
+            </a:schemeClr>
+          </a:lnRef>
+          <a:fillRef idx="1">
+            <a:schemeClr val="accent1"/>
+          </a:fillRef>
+          <a:effectRef idx="0">
+            <a:schemeClr val="accent1"/>
+          </a:effectRef>
+          <a:fontRef idx="minor">
+            <a:schemeClr val="lt1"/>
+          </a:fontRef>
+        </p:style>
+        <p:txBody>
+          <a:bodyPr rtlCol="0" anchor="ctr"/>
+          <a:lstStyle/>
+          <a:p>
+            <a:pPr algn="ctr"/>
+            <a:r>
+              <a:rPr kumimoji="1" lang="ja-JP" altLang="en-US" dirty="0"/>
+              <a:t>担当</a:t>
+            </a:r>
+          </a:p>
+        </p:txBody>
+      </p:sp>
+      <p:sp>
+        <p:nvSpPr>
+          <p:cNvPr id="19" name="正方形/長方形 18">
+            <a:extLst>
+              <a:ext uri="{FF2B5EF4-FFF2-40B4-BE49-F238E27FC236}">
+                <a16:creationId xmlns:a16="http://schemas.microsoft.com/office/drawing/2014/main" id="{FDA21EBE-A978-F944-86BD-818F8B5B579E}"/>
+              </a:ext>
+            </a:extLst>
+          </p:cNvPr>
+          <p:cNvSpPr/>
+          <p:nvPr/>
+        </p:nvSpPr>
+        <p:spPr>
+          <a:xfrm>
+            <a:off x="97975" y="3151881"/>
+            <a:ext cx="859979" cy="983776"/>
+          </a:xfrm>
+          <a:prstGeom prst="rect">
+            <a:avLst/>
+          </a:prstGeom>
+          <a:solidFill>
+            <a:schemeClr val="bg2">
+              <a:lumMod val="90000"/>
+            </a:schemeClr>
+          </a:solidFill>
+        </p:spPr>
+        <p:style>
+          <a:lnRef idx="2">
+            <a:schemeClr val="accent1">
+              <a:shade val="15000"/>
+            </a:schemeClr>
+          </a:lnRef>
+          <a:fillRef idx="1">
+            <a:schemeClr val="accent1"/>
+          </a:fillRef>
+          <a:effectRef idx="0">
+            <a:schemeClr val="accent1"/>
+          </a:effectRef>
+          <a:fontRef idx="minor">
+            <a:schemeClr val="lt1"/>
+          </a:fontRef>
+        </p:style>
+        <p:txBody>
+          <a:bodyPr rtlCol="0" anchor="ctr"/>
+          <a:lstStyle/>
+          <a:p>
+            <a:pPr algn="ctr"/>
+            <a:r>
+              <a:rPr kumimoji="1" lang="ja-JP" altLang="en-US" sz="1600" dirty="0"/>
+              <a:t>工夫点</a:t>
+            </a:r>
+          </a:p>
+        </p:txBody>
+      </p:sp>
+      <p:sp>
+        <p:nvSpPr>
+          <p:cNvPr id="20" name="正方形/長方形 19">
+            <a:extLst>
+              <a:ext uri="{FF2B5EF4-FFF2-40B4-BE49-F238E27FC236}">
+                <a16:creationId xmlns:a16="http://schemas.microsoft.com/office/drawing/2014/main" id="{8F1279E3-1B72-0293-0D77-75983D2F581B}"/>
+              </a:ext>
+            </a:extLst>
+          </p:cNvPr>
+          <p:cNvSpPr/>
+          <p:nvPr/>
+        </p:nvSpPr>
+        <p:spPr>
+          <a:xfrm>
+            <a:off x="97976" y="5679583"/>
+            <a:ext cx="859979" cy="983776"/>
+          </a:xfrm>
+          <a:prstGeom prst="rect">
+            <a:avLst/>
+          </a:prstGeom>
+          <a:solidFill>
+            <a:schemeClr val="bg2">
+              <a:lumMod val="90000"/>
+            </a:schemeClr>
+          </a:solidFill>
+        </p:spPr>
+        <p:style>
+          <a:lnRef idx="2">
+            <a:schemeClr val="accent1">
+              <a:shade val="15000"/>
+            </a:schemeClr>
+          </a:lnRef>
+          <a:fillRef idx="1">
+            <a:schemeClr val="accent1"/>
+          </a:fillRef>
+          <a:effectRef idx="0">
+            <a:schemeClr val="accent1"/>
+          </a:effectRef>
+          <a:fontRef idx="minor">
+            <a:schemeClr val="lt1"/>
+          </a:fontRef>
+        </p:style>
+        <p:txBody>
+          <a:bodyPr rtlCol="0" anchor="ctr"/>
+          <a:lstStyle/>
+          <a:p>
+            <a:pPr algn="ctr"/>
+            <a:r>
+              <a:rPr kumimoji="1" lang="ja-JP" altLang="en-US" sz="1600" dirty="0"/>
+              <a:t>今後に向けて</a:t>
+            </a:r>
+          </a:p>
+        </p:txBody>
+      </p:sp>
+      <p:sp>
+        <p:nvSpPr>
+          <p:cNvPr id="21" name="正方形/長方形 20">
+            <a:extLst>
+              <a:ext uri="{FF2B5EF4-FFF2-40B4-BE49-F238E27FC236}">
+                <a16:creationId xmlns:a16="http://schemas.microsoft.com/office/drawing/2014/main" id="{0CFB1007-CA66-4D67-1944-2BE8E7E19C9D}"/>
+              </a:ext>
+            </a:extLst>
+          </p:cNvPr>
+          <p:cNvSpPr/>
+          <p:nvPr/>
+        </p:nvSpPr>
+        <p:spPr>
+          <a:xfrm>
+            <a:off x="97975" y="4431319"/>
+            <a:ext cx="859979" cy="983776"/>
+          </a:xfrm>
+          <a:prstGeom prst="rect">
+            <a:avLst/>
+          </a:prstGeom>
+          <a:solidFill>
+            <a:schemeClr val="bg2">
+              <a:lumMod val="90000"/>
+            </a:schemeClr>
+          </a:solidFill>
+        </p:spPr>
+        <p:style>
+          <a:lnRef idx="2">
+            <a:schemeClr val="accent1">
+              <a:shade val="15000"/>
+            </a:schemeClr>
+          </a:lnRef>
+          <a:fillRef idx="1">
+            <a:schemeClr val="accent1"/>
+          </a:fillRef>
+          <a:effectRef idx="0">
+            <a:schemeClr val="accent1"/>
+          </a:effectRef>
+          <a:fontRef idx="minor">
+            <a:schemeClr val="lt1"/>
+          </a:fontRef>
+        </p:style>
+        <p:txBody>
+          <a:bodyPr rtlCol="0" anchor="ctr"/>
+          <a:lstStyle/>
+          <a:p>
+            <a:pPr algn="ctr"/>
+            <a:r>
+              <a:rPr kumimoji="1" lang="ja-JP" altLang="en-US" sz="1600" dirty="0"/>
+              <a:t>問題点</a:t>
+            </a:r>
+          </a:p>
+        </p:txBody>
+      </p:sp>
+      <p:sp>
+        <p:nvSpPr>
+          <p:cNvPr id="5" name="テキスト ボックス 4">
+            <a:extLst>
+              <a:ext uri="{FF2B5EF4-FFF2-40B4-BE49-F238E27FC236}">
+                <a16:creationId xmlns:a16="http://schemas.microsoft.com/office/drawing/2014/main" id="{64E2A502-3C56-159B-5AEE-AF3966FA04F7}"/>
+              </a:ext>
+            </a:extLst>
+          </p:cNvPr>
+          <p:cNvSpPr txBox="1"/>
+          <p:nvPr/>
+        </p:nvSpPr>
+        <p:spPr>
+          <a:xfrm>
+            <a:off x="1175665" y="3126688"/>
+            <a:ext cx="10613564" cy="1008969"/>
+          </a:xfrm>
+          <a:prstGeom prst="rect">
+            <a:avLst/>
+          </a:prstGeom>
+          <a:solidFill>
+            <a:schemeClr val="bg1"/>
+          </a:solidFill>
+          <a:ln w="19050">
+            <a:solidFill>
+              <a:schemeClr val="tx1"/>
+            </a:solidFill>
+          </a:ln>
+        </p:spPr>
+        <p:txBody>
+          <a:bodyPr wrap="square" rtlCol="0">
+            <a:spAutoFit/>
           </a:bodyPr>
           <a:lstStyle/>
           <a:p>
-            <a:pPr marL="0" indent="0" algn="ctr">
-              <a:buNone/>
+            <a:endParaRPr kumimoji="1" lang="ja-JP" altLang="en-US" dirty="0"/>
+          </a:p>
+        </p:txBody>
+      </p:sp>
+      <p:sp>
+        <p:nvSpPr>
+          <p:cNvPr id="8" name="テキスト ボックス 7">
+            <a:extLst>
+              <a:ext uri="{FF2B5EF4-FFF2-40B4-BE49-F238E27FC236}">
+                <a16:creationId xmlns:a16="http://schemas.microsoft.com/office/drawing/2014/main" id="{101EF969-3635-C773-1064-6D217F6117E3}"/>
+              </a:ext>
+            </a:extLst>
+          </p:cNvPr>
+          <p:cNvSpPr txBox="1"/>
+          <p:nvPr/>
+        </p:nvSpPr>
+        <p:spPr>
+          <a:xfrm>
+            <a:off x="1175665" y="4406126"/>
+            <a:ext cx="10613564" cy="923330"/>
+          </a:xfrm>
+          <a:prstGeom prst="rect">
+            <a:avLst/>
+          </a:prstGeom>
+          <a:solidFill>
+            <a:schemeClr val="bg1"/>
+          </a:solidFill>
+          <a:ln w="19050">
+            <a:solidFill>
+              <a:schemeClr val="tx1"/>
+            </a:solidFill>
+          </a:ln>
+        </p:spPr>
+        <p:txBody>
+          <a:bodyPr wrap="square" rtlCol="0">
+            <a:spAutoFit/>
+          </a:bodyPr>
+          <a:lstStyle/>
+          <a:p>
+            <a:pPr marL="342900" indent="-342900">
+              <a:buFont typeface="+mj-lt"/>
+              <a:buAutoNum type="arabicPeriod"/>
             </a:pPr>
             <a:r>
-              <a:rPr kumimoji="1" lang="ja-JP" altLang="en-US" sz="5400" dirty="0">
-                <a:solidFill>
-                  <a:schemeClr val="accent1"/>
-                </a:solidFill>
-              </a:rPr>
-              <a:t>ご清聴ありがとうございました</a:t>
-            </a:r>
+              <a:rPr lang="ja-JP" altLang="en-US" dirty="0"/>
+              <a:t>シーケンス図や</a:t>
+            </a:r>
+            <a:r>
+              <a:rPr lang="en-US" altLang="ja-JP" dirty="0"/>
+              <a:t>UML</a:t>
+            </a:r>
+            <a:r>
+              <a:rPr lang="ja-JP" altLang="en-US" dirty="0"/>
+              <a:t>図などがない状態でのコードリーディング</a:t>
+            </a:r>
+            <a:endParaRPr lang="en-US" altLang="ja-JP" dirty="0"/>
+          </a:p>
+          <a:p>
+            <a:pPr marL="342900" indent="-342900">
+              <a:buFont typeface="+mj-lt"/>
+              <a:buAutoNum type="arabicPeriod"/>
+            </a:pPr>
+            <a:r>
+              <a:rPr lang="ja-JP" altLang="en-US" dirty="0"/>
+              <a:t>講義を経て、スキルを理解できても身についていなかったこと</a:t>
+            </a:r>
+            <a:endParaRPr lang="en-US" altLang="ja-JP" dirty="0"/>
+          </a:p>
+          <a:p>
+            <a:pPr marL="342900" indent="-342900">
+              <a:buFont typeface="+mj-lt"/>
+              <a:buAutoNum type="arabicPeriod"/>
+            </a:pPr>
+            <a:r>
+              <a:rPr lang="ja-JP" altLang="en-US" dirty="0"/>
+              <a:t>誰から見てもテストを実装できる仕様書をかけなかったこと</a:t>
+            </a:r>
+          </a:p>
+        </p:txBody>
+      </p:sp>
+      <p:sp>
+        <p:nvSpPr>
+          <p:cNvPr id="13" name="テキスト ボックス 12">
+            <a:extLst>
+              <a:ext uri="{FF2B5EF4-FFF2-40B4-BE49-F238E27FC236}">
+                <a16:creationId xmlns:a16="http://schemas.microsoft.com/office/drawing/2014/main" id="{7AE21FAD-7D9E-327C-1817-946D83BF3D39}"/>
+              </a:ext>
+            </a:extLst>
+          </p:cNvPr>
+          <p:cNvSpPr txBox="1"/>
+          <p:nvPr/>
+        </p:nvSpPr>
+        <p:spPr>
+          <a:xfrm>
+            <a:off x="1175665" y="5666986"/>
+            <a:ext cx="10613564" cy="1008969"/>
+          </a:xfrm>
+          <a:prstGeom prst="rect">
+            <a:avLst/>
+          </a:prstGeom>
+          <a:solidFill>
+            <a:schemeClr val="bg1"/>
+          </a:solidFill>
+          <a:ln w="19050">
+            <a:solidFill>
+              <a:schemeClr val="tx1"/>
+            </a:solidFill>
+          </a:ln>
+        </p:spPr>
+        <p:txBody>
+          <a:bodyPr wrap="square" rtlCol="0">
+            <a:spAutoFit/>
+          </a:bodyPr>
+          <a:lstStyle/>
+          <a:p>
+            <a:endParaRPr kumimoji="1" lang="ja-JP" altLang="en-US" dirty="0"/>
+          </a:p>
+        </p:txBody>
+      </p:sp>
+      <p:sp>
+        <p:nvSpPr>
+          <p:cNvPr id="14" name="テキスト ボックス 13">
+            <a:extLst>
+              <a:ext uri="{FF2B5EF4-FFF2-40B4-BE49-F238E27FC236}">
+                <a16:creationId xmlns:a16="http://schemas.microsoft.com/office/drawing/2014/main" id="{E2333EBB-69A9-1374-57E7-21BB5FABB8CE}"/>
+              </a:ext>
+            </a:extLst>
+          </p:cNvPr>
+          <p:cNvSpPr txBox="1"/>
+          <p:nvPr/>
+        </p:nvSpPr>
+        <p:spPr>
+          <a:xfrm>
+            <a:off x="1175665" y="5679583"/>
+            <a:ext cx="10493821" cy="1200329"/>
+          </a:xfrm>
+          <a:prstGeom prst="rect">
+            <a:avLst/>
+          </a:prstGeom>
+          <a:noFill/>
+        </p:spPr>
+        <p:txBody>
+          <a:bodyPr wrap="square" rtlCol="0">
+            <a:spAutoFit/>
+          </a:bodyPr>
+          <a:lstStyle/>
+          <a:p>
+            <a:pPr marL="342900" indent="-342900">
+              <a:buFont typeface="+mj-lt"/>
+              <a:buAutoNum type="arabicPeriod"/>
+            </a:pPr>
+            <a:r>
+              <a:rPr lang="ja-JP" altLang="en-US" dirty="0"/>
+              <a:t>今後の演習等で他人のコードを読む機会を設けること</a:t>
+            </a:r>
+            <a:endParaRPr kumimoji="1" lang="en-US" altLang="ja-JP" dirty="0"/>
+          </a:p>
+          <a:p>
+            <a:pPr marL="342900" indent="-342900">
+              <a:buFont typeface="+mj-lt"/>
+              <a:buAutoNum type="arabicPeriod"/>
+            </a:pPr>
+            <a:r>
+              <a:rPr kumimoji="1" lang="ja-JP" altLang="en-US" dirty="0"/>
+              <a:t>講義の内容に関連する事柄について調べ、実際に行ってみること</a:t>
+            </a:r>
+            <a:endParaRPr kumimoji="1" lang="en-US" altLang="ja-JP" dirty="0"/>
+          </a:p>
+          <a:p>
+            <a:pPr marL="342900" indent="-342900">
+              <a:buFont typeface="+mj-lt"/>
+              <a:buAutoNum type="arabicPeriod"/>
+            </a:pPr>
+            <a:r>
+              <a:rPr kumimoji="1" lang="ja-JP" altLang="en-US" dirty="0"/>
+              <a:t>今後の演習等で仕様書を使う側になること</a:t>
+            </a:r>
+            <a:endParaRPr kumimoji="1" lang="en-US" altLang="ja-JP" dirty="0"/>
+          </a:p>
+          <a:p>
+            <a:endParaRPr kumimoji="1" lang="ja-JP" altLang="en-US" dirty="0"/>
+          </a:p>
+        </p:txBody>
+      </p:sp>
+      <p:sp>
+        <p:nvSpPr>
+          <p:cNvPr id="16" name="テキスト ボックス 15">
+            <a:extLst>
+              <a:ext uri="{FF2B5EF4-FFF2-40B4-BE49-F238E27FC236}">
+                <a16:creationId xmlns:a16="http://schemas.microsoft.com/office/drawing/2014/main" id="{42D5F234-54CB-BF07-B042-C4B198F47764}"/>
+              </a:ext>
+            </a:extLst>
+          </p:cNvPr>
+          <p:cNvSpPr txBox="1"/>
+          <p:nvPr/>
+        </p:nvSpPr>
+        <p:spPr>
+          <a:xfrm>
+            <a:off x="1175665" y="1861290"/>
+            <a:ext cx="10613564" cy="1008969"/>
+          </a:xfrm>
+          <a:prstGeom prst="rect">
+            <a:avLst/>
+          </a:prstGeom>
+          <a:solidFill>
+            <a:schemeClr val="bg1"/>
+          </a:solidFill>
+          <a:ln w="19050">
+            <a:solidFill>
+              <a:schemeClr val="tx1"/>
+            </a:solidFill>
+          </a:ln>
+        </p:spPr>
+        <p:txBody>
+          <a:bodyPr wrap="square" rtlCol="0">
+            <a:spAutoFit/>
+          </a:bodyPr>
+          <a:lstStyle/>
+          <a:p>
+            <a:endParaRPr kumimoji="1" lang="ja-JP" altLang="en-US" dirty="0"/>
+          </a:p>
+        </p:txBody>
+      </p:sp>
+      <p:sp>
+        <p:nvSpPr>
+          <p:cNvPr id="18" name="テキスト ボックス 17">
+            <a:extLst>
+              <a:ext uri="{FF2B5EF4-FFF2-40B4-BE49-F238E27FC236}">
+                <a16:creationId xmlns:a16="http://schemas.microsoft.com/office/drawing/2014/main" id="{8272CA6C-8BE3-A4C5-3859-A4AD57D396D9}"/>
+              </a:ext>
+            </a:extLst>
+          </p:cNvPr>
+          <p:cNvSpPr txBox="1"/>
+          <p:nvPr/>
+        </p:nvSpPr>
+        <p:spPr>
+          <a:xfrm>
+            <a:off x="1175665" y="3106363"/>
+            <a:ext cx="10613564" cy="923330"/>
+          </a:xfrm>
+          <a:prstGeom prst="rect">
+            <a:avLst/>
+          </a:prstGeom>
+          <a:noFill/>
+        </p:spPr>
+        <p:txBody>
+          <a:bodyPr wrap="square" rtlCol="0">
+            <a:spAutoFit/>
+          </a:bodyPr>
+          <a:lstStyle/>
+          <a:p>
+            <a:pPr marL="342900" indent="-342900">
+              <a:buFont typeface="+mj-lt"/>
+              <a:buAutoNum type="arabicPeriod"/>
+            </a:pPr>
+            <a:r>
+              <a:rPr kumimoji="1" lang="ja-JP" altLang="en-US" dirty="0"/>
+              <a:t>単体テスト仕様書のレビューを結合テスト仕様書に反映させたこと</a:t>
+            </a:r>
+            <a:endParaRPr kumimoji="1" lang="en-US" altLang="ja-JP" dirty="0"/>
+          </a:p>
+          <a:p>
+            <a:pPr marL="342900" indent="-342900">
+              <a:buFont typeface="+mj-lt"/>
+              <a:buAutoNum type="arabicPeriod"/>
+            </a:pPr>
+            <a:r>
+              <a:rPr lang="ja-JP" altLang="en-US" dirty="0"/>
+              <a:t>講師・テクニカルリーダーに聞く前に調べたこと</a:t>
+            </a:r>
+            <a:endParaRPr kumimoji="1" lang="en-US" altLang="ja-JP" dirty="0"/>
+          </a:p>
+          <a:p>
+            <a:pPr marL="342900" indent="-342900">
+              <a:buFont typeface="+mj-lt"/>
+              <a:buAutoNum type="arabicPeriod"/>
+            </a:pPr>
+            <a:endParaRPr kumimoji="1" lang="ja-JP" altLang="en-US" dirty="0"/>
+          </a:p>
+        </p:txBody>
+      </p:sp>
+      <p:sp>
+        <p:nvSpPr>
+          <p:cNvPr id="22" name="テキスト ボックス 21">
+            <a:extLst>
+              <a:ext uri="{FF2B5EF4-FFF2-40B4-BE49-F238E27FC236}">
+                <a16:creationId xmlns:a16="http://schemas.microsoft.com/office/drawing/2014/main" id="{A87193CA-1478-46CD-DA84-DCA046F00DEC}"/>
+              </a:ext>
+            </a:extLst>
+          </p:cNvPr>
+          <p:cNvSpPr txBox="1"/>
+          <p:nvPr/>
+        </p:nvSpPr>
+        <p:spPr>
+          <a:xfrm>
+            <a:off x="1175665" y="1861290"/>
+            <a:ext cx="10613564" cy="923330"/>
+          </a:xfrm>
+          <a:prstGeom prst="rect">
+            <a:avLst/>
+          </a:prstGeom>
+          <a:noFill/>
+        </p:spPr>
+        <p:txBody>
+          <a:bodyPr wrap="square" rtlCol="0">
+            <a:spAutoFit/>
+          </a:bodyPr>
+          <a:lstStyle/>
+          <a:p>
+            <a:pPr marL="342900" indent="-342900">
+              <a:buFont typeface="+mj-lt"/>
+              <a:buAutoNum type="arabicPeriod"/>
+            </a:pPr>
+            <a:r>
+              <a:rPr lang="ja-JP" altLang="en-US" dirty="0"/>
+              <a:t>レビュー・</a:t>
+            </a:r>
+            <a:r>
+              <a:rPr lang="en-US" altLang="ja-JP" dirty="0"/>
+              <a:t>Issue</a:t>
+            </a:r>
+            <a:r>
+              <a:rPr lang="ja-JP" altLang="en-US" dirty="0"/>
+              <a:t>の優先度の振り分け・</a:t>
+            </a:r>
+            <a:r>
+              <a:rPr lang="en-US" altLang="ja-JP" dirty="0"/>
+              <a:t>Issue</a:t>
+            </a:r>
+            <a:r>
+              <a:rPr lang="ja-JP" altLang="en-US" dirty="0"/>
+              <a:t>のうち、優先度中以下の修正</a:t>
+            </a:r>
+            <a:endParaRPr lang="en-US" altLang="ja-JP" dirty="0"/>
+          </a:p>
+          <a:p>
+            <a:pPr marL="342900" indent="-342900">
+              <a:buFont typeface="+mj-lt"/>
+              <a:buAutoNum type="arabicPeriod"/>
+            </a:pPr>
+            <a:r>
+              <a:rPr lang="en-US" altLang="ja-JP" dirty="0" err="1">
+                <a:solidFill>
+                  <a:prstClr val="black"/>
+                </a:solidFill>
+              </a:rPr>
+              <a:t>ExpenseApplicationService</a:t>
+            </a:r>
+            <a:r>
+              <a:rPr lang="ja-JP" altLang="en-US" dirty="0">
+                <a:solidFill>
+                  <a:prstClr val="black"/>
+                </a:solidFill>
+              </a:rPr>
+              <a:t>のテストコードを一部実装</a:t>
+            </a:r>
+            <a:endParaRPr lang="en-US" altLang="ja-JP" dirty="0"/>
+          </a:p>
+          <a:p>
+            <a:pPr marL="342900" indent="-342900">
+              <a:buFont typeface="+mj-lt"/>
+              <a:buAutoNum type="arabicPeriod"/>
+            </a:pPr>
+            <a:r>
+              <a:rPr kumimoji="1" lang="ja-JP" altLang="en-US" dirty="0"/>
+              <a:t>単体テスト仕様書</a:t>
+            </a:r>
+            <a:r>
+              <a:rPr lang="ja-JP" altLang="en-US" dirty="0"/>
+              <a:t>・結合テスト仕様書の作成</a:t>
+            </a:r>
+            <a:endParaRPr kumimoji="1" lang="ja-JP" altLang="en-US" dirty="0"/>
           </a:p>
         </p:txBody>
       </p:sp>
     </p:spTree>
     <p:extLst>
       <p:ext uri="{BB962C8B-B14F-4D97-AF65-F5344CB8AC3E}">
-        <p14:creationId xmlns:p14="http://schemas.microsoft.com/office/powerpoint/2010/main" val="1909377920"/>
+        <p14:creationId xmlns:p14="http://schemas.microsoft.com/office/powerpoint/2010/main" val="2070866117"/>
       </p:ext>
     </p:extLst>
   </p:cSld>
@@ -7042,4 +10776,319 @@
     </a:ext>
   </a:extLst>
 </a:theme>
+</file>
+
+<file path=ppt/theme/theme2.xml><?xml version="1.0" encoding="utf-8"?>
+<a:theme xmlns:a="http://schemas.openxmlformats.org/drawingml/2006/main" name="Office テーマ">
+  <a:themeElements>
+    <a:clrScheme name="Office">
+      <a:dk1>
+        <a:sysClr val="windowText" lastClr="000000"/>
+      </a:dk1>
+      <a:lt1>
+        <a:sysClr val="window" lastClr="FFFFFF"/>
+      </a:lt1>
+      <a:dk2>
+        <a:srgbClr val="0E2841"/>
+      </a:dk2>
+      <a:lt2>
+        <a:srgbClr val="E8E8E8"/>
+      </a:lt2>
+      <a:accent1>
+        <a:srgbClr val="156082"/>
+      </a:accent1>
+      <a:accent2>
+        <a:srgbClr val="E97132"/>
+      </a:accent2>
+      <a:accent3>
+        <a:srgbClr val="196B24"/>
+      </a:accent3>
+      <a:accent4>
+        <a:srgbClr val="0F9ED5"/>
+      </a:accent4>
+      <a:accent5>
+        <a:srgbClr val="A02B93"/>
+      </a:accent5>
+      <a:accent6>
+        <a:srgbClr val="4EA72E"/>
+      </a:accent6>
+      <a:hlink>
+        <a:srgbClr val="467886"/>
+      </a:hlink>
+      <a:folHlink>
+        <a:srgbClr val="96607D"/>
+      </a:folHlink>
+    </a:clrScheme>
+    <a:fontScheme name="Office">
+      <a:majorFont>
+        <a:latin typeface="游ゴシック Light" panose="02110004020202020204"/>
+        <a:ea typeface=""/>
+        <a:cs typeface=""/>
+        <a:font script="Jpan" typeface="游ゴシック Light"/>
+        <a:font script="Hang" typeface="맑은 고딕"/>
+        <a:font script="Hans" typeface="等线 Light"/>
+        <a:font script="Hant" typeface="新細明體"/>
+        <a:font script="Arab" typeface="Times New Roman"/>
+        <a:font script="Hebr" typeface="Times New Roman"/>
+        <a:font script="Thai" typeface="Angsana New"/>
+        <a:font script="Ethi" typeface="Nyala"/>
+        <a:font script="Beng" typeface="Vrinda"/>
+        <a:font script="Gujr" typeface="Shruti"/>
+        <a:font script="Khmr" typeface="MoolBoran"/>
+        <a:font script="Knda" typeface="Tunga"/>
+        <a:font script="Guru" typeface="Raavi"/>
+        <a:font script="Cans" typeface="Euphemia"/>
+        <a:font script="Cher" typeface="Plantagenet Cherokee"/>
+        <a:font script="Yiii" typeface="Microsoft Yi Baiti"/>
+        <a:font script="Tibt" typeface="Microsoft Himalaya"/>
+        <a:font script="Thaa" typeface="MV Boli"/>
+        <a:font script="Deva" typeface="Mangal"/>
+        <a:font script="Telu" typeface="Gautami"/>
+        <a:font script="Taml" typeface="Latha"/>
+        <a:font script="Syrc" typeface="Estrangelo Edessa"/>
+        <a:font script="Orya" typeface="Kalinga"/>
+        <a:font script="Mlym" typeface="Kartika"/>
+        <a:font script="Laoo" typeface="DokChampa"/>
+        <a:font script="Sinh" typeface="Iskoola Pota"/>
+        <a:font script="Mong" typeface="Mongolian Baiti"/>
+        <a:font script="Viet" typeface="Times New Roman"/>
+        <a:font script="Uigh" typeface="Microsoft Uighur"/>
+        <a:font script="Geor" typeface="Sylfaen"/>
+        <a:font script="Armn" typeface="Arial"/>
+        <a:font script="Bugi" typeface="Leelawadee UI"/>
+        <a:font script="Bopo" typeface="Microsoft JhengHei"/>
+        <a:font script="Java" typeface="Javanese Text"/>
+        <a:font script="Lisu" typeface="Segoe UI"/>
+        <a:font script="Mymr" typeface="Myanmar Text"/>
+        <a:font script="Nkoo" typeface="Ebrima"/>
+        <a:font script="Olck" typeface="Nirmala UI"/>
+        <a:font script="Osma" typeface="Ebrima"/>
+        <a:font script="Phag" typeface="Phagspa"/>
+        <a:font script="Syrn" typeface="Estrangelo Edessa"/>
+        <a:font script="Syrj" typeface="Estrangelo Edessa"/>
+        <a:font script="Syre" typeface="Estrangelo Edessa"/>
+        <a:font script="Sora" typeface="Nirmala UI"/>
+        <a:font script="Tale" typeface="Microsoft Tai Le"/>
+        <a:font script="Talu" typeface="Microsoft New Tai Lue"/>
+        <a:font script="Tfng" typeface="Ebrima"/>
+      </a:majorFont>
+      <a:minorFont>
+        <a:latin typeface="游ゴシック" panose="02110004020202020204"/>
+        <a:ea typeface=""/>
+        <a:cs typeface=""/>
+        <a:font script="Jpan" typeface="游ゴシック"/>
+        <a:font script="Hang" typeface="맑은 고딕"/>
+        <a:font script="Hans" typeface="等线"/>
+        <a:font script="Hant" typeface="新細明體"/>
+        <a:font script="Arab" typeface="Arial"/>
+        <a:font script="Hebr" typeface="Arial"/>
+        <a:font script="Thai" typeface="Cordia New"/>
+        <a:font script="Ethi" typeface="Nyala"/>
+        <a:font script="Beng" typeface="Vrinda"/>
+        <a:font script="Gujr" typeface="Shruti"/>
+        <a:font script="Khmr" typeface="DaunPenh"/>
+        <a:font script="Knda" typeface="Tunga"/>
+        <a:font script="Guru" typeface="Raavi"/>
+        <a:font script="Cans" typeface="Euphemia"/>
+        <a:font script="Cher" typeface="Plantagenet Cherokee"/>
+        <a:font script="Yiii" typeface="Microsoft Yi Baiti"/>
+        <a:font script="Tibt" typeface="Microsoft Himalaya"/>
+        <a:font script="Thaa" typeface="MV Boli"/>
+        <a:font script="Deva" typeface="Mangal"/>
+        <a:font script="Telu" typeface="Gautami"/>
+        <a:font script="Taml" typeface="Latha"/>
+        <a:font script="Syrc" typeface="Estrangelo Edessa"/>
+        <a:font script="Orya" typeface="Kalinga"/>
+        <a:font script="Mlym" typeface="Kartika"/>
+        <a:font script="Laoo" typeface="DokChampa"/>
+        <a:font script="Sinh" typeface="Iskoola Pota"/>
+        <a:font script="Mong" typeface="Mongolian Baiti"/>
+        <a:font script="Viet" typeface="Arial"/>
+        <a:font script="Uigh" typeface="Microsoft Uighur"/>
+        <a:font script="Geor" typeface="Sylfaen"/>
+        <a:font script="Armn" typeface="Arial"/>
+        <a:font script="Bugi" typeface="Leelawadee UI"/>
+        <a:font script="Bopo" typeface="Microsoft JhengHei"/>
+        <a:font script="Java" typeface="Javanese Text"/>
+        <a:font script="Lisu" typeface="Segoe UI"/>
+        <a:font script="Mymr" typeface="Myanmar Text"/>
+        <a:font script="Nkoo" typeface="Ebrima"/>
+        <a:font script="Olck" typeface="Nirmala UI"/>
+        <a:font script="Osma" typeface="Ebrima"/>
+        <a:font script="Phag" typeface="Phagspa"/>
+        <a:font script="Syrn" typeface="Estrangelo Edessa"/>
+        <a:font script="Syrj" typeface="Estrangelo Edessa"/>
+        <a:font script="Syre" typeface="Estrangelo Edessa"/>
+        <a:font script="Sora" typeface="Nirmala UI"/>
+        <a:font script="Tale" typeface="Microsoft Tai Le"/>
+        <a:font script="Talu" typeface="Microsoft New Tai Lue"/>
+        <a:font script="Tfng" typeface="Ebrima"/>
+      </a:minorFont>
+    </a:fontScheme>
+    <a:fmtScheme name="Office">
+      <a:fillStyleLst>
+        <a:solidFill>
+          <a:schemeClr val="phClr"/>
+        </a:solidFill>
+        <a:gradFill rotWithShape="1">
+          <a:gsLst>
+            <a:gs pos="0">
+              <a:schemeClr val="phClr">
+                <a:lumMod val="110000"/>
+                <a:satMod val="105000"/>
+                <a:tint val="67000"/>
+              </a:schemeClr>
+            </a:gs>
+            <a:gs pos="50000">
+              <a:schemeClr val="phClr">
+                <a:lumMod val="105000"/>
+                <a:satMod val="103000"/>
+                <a:tint val="73000"/>
+              </a:schemeClr>
+            </a:gs>
+            <a:gs pos="100000">
+              <a:schemeClr val="phClr">
+                <a:lumMod val="105000"/>
+                <a:satMod val="109000"/>
+                <a:tint val="81000"/>
+              </a:schemeClr>
+            </a:gs>
+          </a:gsLst>
+          <a:lin ang="5400000" scaled="0"/>
+        </a:gradFill>
+        <a:gradFill rotWithShape="1">
+          <a:gsLst>
+            <a:gs pos="0">
+              <a:schemeClr val="phClr">
+                <a:satMod val="103000"/>
+                <a:lumMod val="102000"/>
+                <a:tint val="94000"/>
+              </a:schemeClr>
+            </a:gs>
+            <a:gs pos="50000">
+              <a:schemeClr val="phClr">
+                <a:satMod val="110000"/>
+                <a:lumMod val="100000"/>
+                <a:shade val="100000"/>
+              </a:schemeClr>
+            </a:gs>
+            <a:gs pos="100000">
+              <a:schemeClr val="phClr">
+                <a:lumMod val="99000"/>
+                <a:satMod val="120000"/>
+                <a:shade val="78000"/>
+              </a:schemeClr>
+            </a:gs>
+          </a:gsLst>
+          <a:lin ang="5400000" scaled="0"/>
+        </a:gradFill>
+      </a:fillStyleLst>
+      <a:lnStyleLst>
+        <a:ln w="12700" cap="flat" cmpd="sng" algn="ctr">
+          <a:solidFill>
+            <a:schemeClr val="phClr"/>
+          </a:solidFill>
+          <a:prstDash val="solid"/>
+          <a:miter lim="800000"/>
+        </a:ln>
+        <a:ln w="19050" cap="flat" cmpd="sng" algn="ctr">
+          <a:solidFill>
+            <a:schemeClr val="phClr"/>
+          </a:solidFill>
+          <a:prstDash val="solid"/>
+          <a:miter lim="800000"/>
+        </a:ln>
+        <a:ln w="25400" cap="flat" cmpd="sng" algn="ctr">
+          <a:solidFill>
+            <a:schemeClr val="phClr"/>
+          </a:solidFill>
+          <a:prstDash val="solid"/>
+          <a:miter lim="800000"/>
+        </a:ln>
+      </a:lnStyleLst>
+      <a:effectStyleLst>
+        <a:effectStyle>
+          <a:effectLst/>
+        </a:effectStyle>
+        <a:effectStyle>
+          <a:effectLst/>
+        </a:effectStyle>
+        <a:effectStyle>
+          <a:effectLst>
+            <a:outerShdw blurRad="57150" dist="19050" dir="5400000" algn="ctr" rotWithShape="0">
+              <a:srgbClr val="000000">
+                <a:alpha val="63000"/>
+              </a:srgbClr>
+            </a:outerShdw>
+          </a:effectLst>
+        </a:effectStyle>
+      </a:effectStyleLst>
+      <a:bgFillStyleLst>
+        <a:solidFill>
+          <a:schemeClr val="phClr"/>
+        </a:solidFill>
+        <a:solidFill>
+          <a:schemeClr val="phClr">
+            <a:tint val="95000"/>
+            <a:satMod val="170000"/>
+          </a:schemeClr>
+        </a:solidFill>
+        <a:gradFill rotWithShape="1">
+          <a:gsLst>
+            <a:gs pos="0">
+              <a:schemeClr val="phClr">
+                <a:tint val="93000"/>
+                <a:satMod val="150000"/>
+                <a:shade val="98000"/>
+                <a:lumMod val="102000"/>
+              </a:schemeClr>
+            </a:gs>
+            <a:gs pos="50000">
+              <a:schemeClr val="phClr">
+                <a:tint val="98000"/>
+                <a:satMod val="130000"/>
+                <a:shade val="90000"/>
+                <a:lumMod val="103000"/>
+              </a:schemeClr>
+            </a:gs>
+            <a:gs pos="100000">
+              <a:schemeClr val="phClr">
+                <a:shade val="63000"/>
+                <a:satMod val="120000"/>
+              </a:schemeClr>
+            </a:gs>
+          </a:gsLst>
+          <a:lin ang="5400000" scaled="0"/>
+        </a:gradFill>
+      </a:bgFillStyleLst>
+    </a:fmtScheme>
+  </a:themeElements>
+  <a:objectDefaults>
+    <a:lnDef>
+      <a:spPr/>
+      <a:bodyPr/>
+      <a:lstStyle/>
+      <a:style>
+        <a:lnRef idx="2">
+          <a:schemeClr val="accent1"/>
+        </a:lnRef>
+        <a:fillRef idx="0">
+          <a:schemeClr val="accent1"/>
+        </a:fillRef>
+        <a:effectRef idx="1">
+          <a:schemeClr val="accent1"/>
+        </a:effectRef>
+        <a:fontRef idx="minor">
+          <a:schemeClr val="tx1"/>
+        </a:fontRef>
+      </a:style>
+    </a:lnDef>
+  </a:objectDefaults>
+  <a:extraClrSchemeLst/>
+  <a:extLst>
+    <a:ext uri="{05A4C25C-085E-4340-85A3-A5531E510DB2}">
+      <thm15:themeFamily xmlns:thm15="http://schemas.microsoft.com/office/thememl/2012/main" name="Office Theme" id="{2E142A2C-CD16-42D6-873A-C26D2A0506FA}" vid="{1BDDFF52-6CD6-40A5-AB3C-68EB2F1E4D0A}"/>
+    </a:ext>
+  </a:extLst>
+</a:theme>
 </file>
--- a/src/main/resources/presentation/TeamA　品質管理チーム演習.pptx
+++ b/src/main/resources/presentation/TeamA　品質管理チーム演習.pptx
@@ -5,7 +5,7 @@
     <p:sldMasterId id="2147483648" r:id="rId1"/>
   </p:sldMasterIdLst>
   <p:notesMasterIdLst>
-    <p:notesMasterId r:id="rId13"/>
+    <p:notesMasterId r:id="rId15"/>
   </p:notesMasterIdLst>
   <p:sldIdLst>
     <p:sldId id="256" r:id="rId2"/>
@@ -13,12 +13,14 @@
     <p:sldId id="263" r:id="rId4"/>
     <p:sldId id="272" r:id="rId5"/>
     <p:sldId id="258" r:id="rId6"/>
-    <p:sldId id="264" r:id="rId7"/>
+    <p:sldId id="276" r:id="rId7"/>
     <p:sldId id="265" r:id="rId8"/>
-    <p:sldId id="273" r:id="rId9"/>
-    <p:sldId id="257" r:id="rId10"/>
-    <p:sldId id="274" r:id="rId11"/>
-    <p:sldId id="267" r:id="rId12"/>
+    <p:sldId id="275" r:id="rId9"/>
+    <p:sldId id="273" r:id="rId10"/>
+    <p:sldId id="277" r:id="rId11"/>
+    <p:sldId id="257" r:id="rId12"/>
+    <p:sldId id="274" r:id="rId13"/>
+    <p:sldId id="267" r:id="rId14"/>
   </p:sldIdLst>
   <p:sldSz cx="12192000" cy="6858000"/>
   <p:notesSz cx="6858000" cy="9144000"/>
@@ -571,7 +573,7 @@
           <a:p>
             <a:fld id="{8306C6D8-5D72-4BCF-9E36-5B730EA5D889}" type="slidenum">
               <a:rPr kumimoji="1" lang="ja-JP" altLang="en-US" smtClean="0"/>
-              <a:t>9</a:t>
+              <a:t>11</a:t>
             </a:fld>
             <a:endParaRPr kumimoji="1" lang="ja-JP" altLang="en-US"/>
           </a:p>
@@ -4303,6 +4305,1253 @@
     </p:bg>
     <p:spTree>
       <p:nvGrpSpPr>
+        <p:cNvPr id="1" name=""/>
+        <p:cNvGrpSpPr/>
+        <p:nvPr/>
+      </p:nvGrpSpPr>
+      <p:grpSpPr>
+        <a:xfrm>
+          <a:off x="0" y="0"/>
+          <a:ext cx="0" cy="0"/>
+          <a:chOff x="0" y="0"/>
+          <a:chExt cx="0" cy="0"/>
+        </a:xfrm>
+      </p:grpSpPr>
+      <p:sp>
+        <p:nvSpPr>
+          <p:cNvPr id="2" name="タイトル 1">
+            <a:extLst>
+              <a:ext uri="{FF2B5EF4-FFF2-40B4-BE49-F238E27FC236}">
+                <a16:creationId xmlns:a16="http://schemas.microsoft.com/office/drawing/2014/main" id="{902E9838-3E90-6EE2-C9EF-9FB83CE3A65E}"/>
+              </a:ext>
+            </a:extLst>
+          </p:cNvPr>
+          <p:cNvSpPr>
+            <a:spLocks noGrp="1"/>
+          </p:cNvSpPr>
+          <p:nvPr>
+            <p:ph type="title"/>
+          </p:nvPr>
+        </p:nvSpPr>
+        <p:spPr>
+          <a:xfrm>
+            <a:off x="838200" y="257199"/>
+            <a:ext cx="10515600" cy="1325563"/>
+          </a:xfrm>
+        </p:spPr>
+        <p:txBody>
+          <a:bodyPr/>
+          <a:lstStyle/>
+          <a:p>
+            <a:r>
+              <a:rPr kumimoji="1" lang="ja-JP" altLang="en-US" b="1">
+                <a:solidFill>
+                  <a:schemeClr val="accent1"/>
+                </a:solidFill>
+              </a:rPr>
+              <a:t>個人発表（</a:t>
+            </a:r>
+            <a:r>
+              <a:rPr lang="en-US" altLang="ja-JP" b="1">
+                <a:solidFill>
+                  <a:schemeClr val="accent1"/>
+                </a:solidFill>
+              </a:rPr>
+              <a:t>W7372</a:t>
+            </a:r>
+            <a:r>
+              <a:rPr kumimoji="1" lang="en-US" altLang="ja-JP" b="1">
+                <a:solidFill>
+                  <a:schemeClr val="accent1"/>
+                </a:solidFill>
+              </a:rPr>
+              <a:t>_</a:t>
+            </a:r>
+            <a:r>
+              <a:rPr lang="ja-JP" altLang="en-US" b="1">
+                <a:solidFill>
+                  <a:schemeClr val="accent1"/>
+                </a:solidFill>
+              </a:rPr>
+              <a:t>柏倉颯太</a:t>
+            </a:r>
+            <a:r>
+              <a:rPr kumimoji="1" lang="ja-JP" altLang="en-US" b="1">
+                <a:solidFill>
+                  <a:schemeClr val="accent1"/>
+                </a:solidFill>
+              </a:rPr>
+              <a:t>）</a:t>
+            </a:r>
+          </a:p>
+        </p:txBody>
+      </p:sp>
+      <p:sp>
+        <p:nvSpPr>
+          <p:cNvPr id="15" name="正方形/長方形 14">
+            <a:extLst>
+              <a:ext uri="{FF2B5EF4-FFF2-40B4-BE49-F238E27FC236}">
+                <a16:creationId xmlns:a16="http://schemas.microsoft.com/office/drawing/2014/main" id="{63B6BA4B-29E3-417F-A1ED-A5C249A82539}"/>
+              </a:ext>
+            </a:extLst>
+          </p:cNvPr>
+          <p:cNvSpPr/>
+          <p:nvPr/>
+        </p:nvSpPr>
+        <p:spPr>
+          <a:xfrm>
+            <a:off x="97975" y="1891021"/>
+            <a:ext cx="859979" cy="983776"/>
+          </a:xfrm>
+          <a:prstGeom prst="rect">
+            <a:avLst/>
+          </a:prstGeom>
+          <a:solidFill>
+            <a:schemeClr val="bg2">
+              <a:lumMod val="90000"/>
+            </a:schemeClr>
+          </a:solidFill>
+        </p:spPr>
+        <p:style>
+          <a:lnRef idx="2">
+            <a:schemeClr val="accent1">
+              <a:shade val="15000"/>
+            </a:schemeClr>
+          </a:lnRef>
+          <a:fillRef idx="1">
+            <a:schemeClr val="accent1"/>
+          </a:fillRef>
+          <a:effectRef idx="0">
+            <a:schemeClr val="accent1"/>
+          </a:effectRef>
+          <a:fontRef idx="minor">
+            <a:schemeClr val="lt1"/>
+          </a:fontRef>
+        </p:style>
+        <p:txBody>
+          <a:bodyPr rtlCol="0" anchor="ctr"/>
+          <a:lstStyle/>
+          <a:p>
+            <a:pPr algn="ctr"/>
+            <a:r>
+              <a:rPr kumimoji="1" lang="ja-JP" altLang="en-US"/>
+              <a:t>担当機能</a:t>
+            </a:r>
+          </a:p>
+        </p:txBody>
+      </p:sp>
+      <p:sp>
+        <p:nvSpPr>
+          <p:cNvPr id="19" name="正方形/長方形 18">
+            <a:extLst>
+              <a:ext uri="{FF2B5EF4-FFF2-40B4-BE49-F238E27FC236}">
+                <a16:creationId xmlns:a16="http://schemas.microsoft.com/office/drawing/2014/main" id="{FDA21EBE-A978-F944-86BD-818F8B5B579E}"/>
+              </a:ext>
+            </a:extLst>
+          </p:cNvPr>
+          <p:cNvSpPr/>
+          <p:nvPr/>
+        </p:nvSpPr>
+        <p:spPr>
+          <a:xfrm>
+            <a:off x="97975" y="3183056"/>
+            <a:ext cx="859979" cy="983776"/>
+          </a:xfrm>
+          <a:prstGeom prst="rect">
+            <a:avLst/>
+          </a:prstGeom>
+          <a:solidFill>
+            <a:schemeClr val="bg2">
+              <a:lumMod val="90000"/>
+            </a:schemeClr>
+          </a:solidFill>
+        </p:spPr>
+        <p:style>
+          <a:lnRef idx="2">
+            <a:schemeClr val="accent1">
+              <a:shade val="15000"/>
+            </a:schemeClr>
+          </a:lnRef>
+          <a:fillRef idx="1">
+            <a:schemeClr val="accent1"/>
+          </a:fillRef>
+          <a:effectRef idx="0">
+            <a:schemeClr val="accent1"/>
+          </a:effectRef>
+          <a:fontRef idx="minor">
+            <a:schemeClr val="lt1"/>
+          </a:fontRef>
+        </p:style>
+        <p:txBody>
+          <a:bodyPr rtlCol="0" anchor="ctr"/>
+          <a:lstStyle/>
+          <a:p>
+            <a:pPr algn="ctr"/>
+            <a:r>
+              <a:rPr kumimoji="1" lang="ja-JP" altLang="en-US" sz="1600"/>
+              <a:t>工夫点</a:t>
+            </a:r>
+          </a:p>
+        </p:txBody>
+      </p:sp>
+      <p:sp>
+        <p:nvSpPr>
+          <p:cNvPr id="20" name="正方形/長方形 19">
+            <a:extLst>
+              <a:ext uri="{FF2B5EF4-FFF2-40B4-BE49-F238E27FC236}">
+                <a16:creationId xmlns:a16="http://schemas.microsoft.com/office/drawing/2014/main" id="{8F1279E3-1B72-0293-0D77-75983D2F581B}"/>
+              </a:ext>
+            </a:extLst>
+          </p:cNvPr>
+          <p:cNvSpPr/>
+          <p:nvPr/>
+        </p:nvSpPr>
+        <p:spPr>
+          <a:xfrm>
+            <a:off x="97976" y="5679583"/>
+            <a:ext cx="859979" cy="983776"/>
+          </a:xfrm>
+          <a:prstGeom prst="rect">
+            <a:avLst/>
+          </a:prstGeom>
+          <a:solidFill>
+            <a:schemeClr val="bg2">
+              <a:lumMod val="90000"/>
+            </a:schemeClr>
+          </a:solidFill>
+        </p:spPr>
+        <p:style>
+          <a:lnRef idx="2">
+            <a:schemeClr val="accent1">
+              <a:shade val="15000"/>
+            </a:schemeClr>
+          </a:lnRef>
+          <a:fillRef idx="1">
+            <a:schemeClr val="accent1"/>
+          </a:fillRef>
+          <a:effectRef idx="0">
+            <a:schemeClr val="accent1"/>
+          </a:effectRef>
+          <a:fontRef idx="minor">
+            <a:schemeClr val="lt1"/>
+          </a:fontRef>
+        </p:style>
+        <p:txBody>
+          <a:bodyPr rtlCol="0" anchor="ctr"/>
+          <a:lstStyle/>
+          <a:p>
+            <a:pPr algn="ctr"/>
+            <a:r>
+              <a:rPr kumimoji="1" lang="ja-JP" altLang="en-US" sz="1600"/>
+              <a:t>今後に向けて</a:t>
+            </a:r>
+          </a:p>
+        </p:txBody>
+      </p:sp>
+      <p:sp>
+        <p:nvSpPr>
+          <p:cNvPr id="21" name="正方形/長方形 20">
+            <a:extLst>
+              <a:ext uri="{FF2B5EF4-FFF2-40B4-BE49-F238E27FC236}">
+                <a16:creationId xmlns:a16="http://schemas.microsoft.com/office/drawing/2014/main" id="{0CFB1007-CA66-4D67-1944-2BE8E7E19C9D}"/>
+              </a:ext>
+            </a:extLst>
+          </p:cNvPr>
+          <p:cNvSpPr/>
+          <p:nvPr/>
+        </p:nvSpPr>
+        <p:spPr>
+          <a:xfrm>
+            <a:off x="97975" y="4431319"/>
+            <a:ext cx="859979" cy="983776"/>
+          </a:xfrm>
+          <a:prstGeom prst="rect">
+            <a:avLst/>
+          </a:prstGeom>
+          <a:solidFill>
+            <a:schemeClr val="bg2">
+              <a:lumMod val="90000"/>
+            </a:schemeClr>
+          </a:solidFill>
+        </p:spPr>
+        <p:style>
+          <a:lnRef idx="2">
+            <a:schemeClr val="accent1">
+              <a:shade val="15000"/>
+            </a:schemeClr>
+          </a:lnRef>
+          <a:fillRef idx="1">
+            <a:schemeClr val="accent1"/>
+          </a:fillRef>
+          <a:effectRef idx="0">
+            <a:schemeClr val="accent1"/>
+          </a:effectRef>
+          <a:fontRef idx="minor">
+            <a:schemeClr val="lt1"/>
+          </a:fontRef>
+        </p:style>
+        <p:txBody>
+          <a:bodyPr rtlCol="0" anchor="ctr"/>
+          <a:lstStyle/>
+          <a:p>
+            <a:pPr algn="ctr"/>
+            <a:r>
+              <a:rPr kumimoji="1" lang="ja-JP" altLang="en-US" sz="1600"/>
+              <a:t>問題点</a:t>
+            </a:r>
+          </a:p>
+        </p:txBody>
+      </p:sp>
+      <p:sp>
+        <p:nvSpPr>
+          <p:cNvPr id="3" name="テキスト ボックス 2">
+            <a:extLst>
+              <a:ext uri="{FF2B5EF4-FFF2-40B4-BE49-F238E27FC236}">
+                <a16:creationId xmlns:a16="http://schemas.microsoft.com/office/drawing/2014/main" id="{E403434A-6FE5-5429-D2A9-6DA2B6BD8696}"/>
+              </a:ext>
+            </a:extLst>
+          </p:cNvPr>
+          <p:cNvSpPr txBox="1"/>
+          <p:nvPr/>
+        </p:nvSpPr>
+        <p:spPr>
+          <a:xfrm>
+            <a:off x="1175665" y="2076417"/>
+            <a:ext cx="10613564" cy="646331"/>
+          </a:xfrm>
+          <a:prstGeom prst="rect">
+            <a:avLst/>
+          </a:prstGeom>
+          <a:solidFill>
+            <a:schemeClr val="bg1"/>
+          </a:solidFill>
+          <a:ln w="19050">
+            <a:solidFill>
+              <a:schemeClr val="tx1"/>
+            </a:solidFill>
+          </a:ln>
+        </p:spPr>
+        <p:txBody>
+          <a:bodyPr wrap="square" rtlCol="0">
+            <a:spAutoFit/>
+          </a:bodyPr>
+          <a:lstStyle/>
+          <a:p>
+            <a:r>
+              <a:rPr kumimoji="1" lang="ja-JP" altLang="en-US"/>
+              <a:t>単体仕様書</a:t>
+            </a:r>
+            <a:endParaRPr kumimoji="1" lang="en-US" altLang="ja-JP"/>
+          </a:p>
+          <a:p>
+            <a:r>
+              <a:rPr kumimoji="1" lang="ja-JP" altLang="en-US"/>
+              <a:t>結合仕様書の作成</a:t>
+            </a:r>
+          </a:p>
+        </p:txBody>
+      </p:sp>
+      <p:sp>
+        <p:nvSpPr>
+          <p:cNvPr id="5" name="テキスト ボックス 4">
+            <a:extLst>
+              <a:ext uri="{FF2B5EF4-FFF2-40B4-BE49-F238E27FC236}">
+                <a16:creationId xmlns:a16="http://schemas.microsoft.com/office/drawing/2014/main" id="{64E2A502-3C56-159B-5AEE-AF3966FA04F7}"/>
+              </a:ext>
+            </a:extLst>
+          </p:cNvPr>
+          <p:cNvSpPr txBox="1"/>
+          <p:nvPr/>
+        </p:nvSpPr>
+        <p:spPr>
+          <a:xfrm>
+            <a:off x="1175665" y="3351778"/>
+            <a:ext cx="10613564" cy="646331"/>
+          </a:xfrm>
+          <a:prstGeom prst="rect">
+            <a:avLst/>
+          </a:prstGeom>
+          <a:solidFill>
+            <a:schemeClr val="bg1"/>
+          </a:solidFill>
+          <a:ln w="19050">
+            <a:solidFill>
+              <a:schemeClr val="tx1"/>
+            </a:solidFill>
+          </a:ln>
+        </p:spPr>
+        <p:txBody>
+          <a:bodyPr wrap="square" rtlCol="0">
+            <a:spAutoFit/>
+          </a:bodyPr>
+          <a:lstStyle/>
+          <a:p>
+            <a:r>
+              <a:rPr kumimoji="1" lang="ja-JP" altLang="en-US"/>
+              <a:t>境界値の設定</a:t>
+            </a:r>
+            <a:r>
+              <a:rPr kumimoji="1" lang="en-US" altLang="ja-JP"/>
+              <a:t>,</a:t>
+            </a:r>
+          </a:p>
+          <a:p>
+            <a:r>
+              <a:rPr kumimoji="1" lang="ja-JP" altLang="en-US"/>
+              <a:t>読み手が理解しやすいレイアウトにすること</a:t>
+            </a:r>
+          </a:p>
+        </p:txBody>
+      </p:sp>
+      <p:sp>
+        <p:nvSpPr>
+          <p:cNvPr id="6" name="テキスト ボックス 5">
+            <a:extLst>
+              <a:ext uri="{FF2B5EF4-FFF2-40B4-BE49-F238E27FC236}">
+                <a16:creationId xmlns:a16="http://schemas.microsoft.com/office/drawing/2014/main" id="{B181314D-00BB-A8F3-114D-4E266855E44D}"/>
+              </a:ext>
+            </a:extLst>
+          </p:cNvPr>
+          <p:cNvSpPr txBox="1"/>
+          <p:nvPr/>
+        </p:nvSpPr>
+        <p:spPr>
+          <a:xfrm>
+            <a:off x="1175665" y="5629197"/>
+            <a:ext cx="10613564" cy="646331"/>
+          </a:xfrm>
+          <a:prstGeom prst="rect">
+            <a:avLst/>
+          </a:prstGeom>
+          <a:solidFill>
+            <a:schemeClr val="bg1"/>
+          </a:solidFill>
+          <a:ln w="19050">
+            <a:solidFill>
+              <a:schemeClr val="tx1"/>
+            </a:solidFill>
+          </a:ln>
+        </p:spPr>
+        <p:txBody>
+          <a:bodyPr wrap="square" rtlCol="0">
+            <a:spAutoFit/>
+          </a:bodyPr>
+          <a:lstStyle/>
+          <a:p>
+            <a:r>
+              <a:rPr lang="ja-JP" altLang="en-US"/>
+              <a:t>求められているものが分からないかった場合、言葉の定義・範囲から確認する。</a:t>
+            </a:r>
+            <a:endParaRPr lang="en-US" altLang="ja-JP"/>
+          </a:p>
+          <a:p>
+            <a:r>
+              <a:rPr kumimoji="1" lang="ja-JP" altLang="en-US"/>
+              <a:t>参照する資料が多くて、どこに載っている情報なのかわからなくなってしまったので、メモする</a:t>
+            </a:r>
+          </a:p>
+        </p:txBody>
+      </p:sp>
+      <p:sp>
+        <p:nvSpPr>
+          <p:cNvPr id="7" name="テキスト ボックス 6">
+            <a:extLst>
+              <a:ext uri="{FF2B5EF4-FFF2-40B4-BE49-F238E27FC236}">
+                <a16:creationId xmlns:a16="http://schemas.microsoft.com/office/drawing/2014/main" id="{80123BF2-3196-C913-A0B7-E893115CBE4C}"/>
+              </a:ext>
+            </a:extLst>
+          </p:cNvPr>
+          <p:cNvSpPr txBox="1"/>
+          <p:nvPr/>
+        </p:nvSpPr>
+        <p:spPr>
+          <a:xfrm>
+            <a:off x="1175665" y="4561299"/>
+            <a:ext cx="10613564" cy="646331"/>
+          </a:xfrm>
+          <a:prstGeom prst="rect">
+            <a:avLst/>
+          </a:prstGeom>
+          <a:solidFill>
+            <a:schemeClr val="bg1"/>
+          </a:solidFill>
+          <a:ln w="19050">
+            <a:solidFill>
+              <a:schemeClr val="tx1"/>
+            </a:solidFill>
+          </a:ln>
+        </p:spPr>
+        <p:txBody>
+          <a:bodyPr wrap="square" rtlCol="0">
+            <a:spAutoFit/>
+          </a:bodyPr>
+          <a:lstStyle/>
+          <a:p>
+            <a:r>
+              <a:rPr lang="ja-JP" altLang="en-US"/>
+              <a:t>テスト項目、テスト検証の意味を正しく理解できていなかった。</a:t>
+            </a:r>
+            <a:br>
+              <a:rPr lang="en-US" altLang="ja-JP"/>
+            </a:br>
+            <a:r>
+              <a:rPr lang="en-US" altLang="ja-JP"/>
+              <a:t>GitHub</a:t>
+            </a:r>
+            <a:r>
+              <a:rPr lang="ja-JP" altLang="en-US"/>
+              <a:t>の使い方、コマンドを把握していなかった。</a:t>
+            </a:r>
+          </a:p>
+        </p:txBody>
+      </p:sp>
+    </p:spTree>
+    <p:extLst>
+      <p:ext uri="{BB962C8B-B14F-4D97-AF65-F5344CB8AC3E}">
+        <p14:creationId xmlns:p14="http://schemas.microsoft.com/office/powerpoint/2010/main" val="3155644942"/>
+      </p:ext>
+    </p:extLst>
+  </p:cSld>
+  <p:clrMapOvr>
+    <a:masterClrMapping/>
+  </p:clrMapOvr>
+</p:sld>
+</file>
+
+<file path=ppt/slides/slide11.xml><?xml version="1.0" encoding="utf-8"?>
+<p:sld xmlns:a="http://schemas.openxmlformats.org/drawingml/2006/main" xmlns:r="http://schemas.openxmlformats.org/officeDocument/2006/relationships" xmlns:p="http://schemas.openxmlformats.org/presentationml/2006/main">
+  <p:cSld>
+    <p:bg>
+      <p:bgPr>
+        <a:solidFill>
+          <a:schemeClr val="bg1">
+            <a:lumMod val="85000"/>
+          </a:schemeClr>
+        </a:solidFill>
+        <a:effectLst/>
+      </p:bgPr>
+    </p:bg>
+    <p:spTree>
+      <p:nvGrpSpPr>
+        <p:cNvPr id="1" name=""/>
+        <p:cNvGrpSpPr/>
+        <p:nvPr/>
+      </p:nvGrpSpPr>
+      <p:grpSpPr>
+        <a:xfrm>
+          <a:off x="0" y="0"/>
+          <a:ext cx="0" cy="0"/>
+          <a:chOff x="0" y="0"/>
+          <a:chExt cx="0" cy="0"/>
+        </a:xfrm>
+      </p:grpSpPr>
+      <p:sp>
+        <p:nvSpPr>
+          <p:cNvPr id="2" name="タイトル 1">
+            <a:extLst>
+              <a:ext uri="{FF2B5EF4-FFF2-40B4-BE49-F238E27FC236}">
+                <a16:creationId xmlns:a16="http://schemas.microsoft.com/office/drawing/2014/main" id="{902E9838-3E90-6EE2-C9EF-9FB83CE3A65E}"/>
+              </a:ext>
+            </a:extLst>
+          </p:cNvPr>
+          <p:cNvSpPr>
+            <a:spLocks noGrp="1"/>
+          </p:cNvSpPr>
+          <p:nvPr>
+            <p:ph type="title"/>
+          </p:nvPr>
+        </p:nvSpPr>
+        <p:spPr>
+          <a:xfrm>
+            <a:off x="838200" y="257199"/>
+            <a:ext cx="10515600" cy="1325563"/>
+          </a:xfrm>
+        </p:spPr>
+        <p:txBody>
+          <a:bodyPr/>
+          <a:lstStyle/>
+          <a:p>
+            <a:r>
+              <a:rPr kumimoji="1" lang="ja-JP" altLang="en-US" b="1" dirty="0">
+                <a:solidFill>
+                  <a:schemeClr val="accent1"/>
+                </a:solidFill>
+              </a:rPr>
+              <a:t>個人発表（</a:t>
+            </a:r>
+            <a:r>
+              <a:rPr kumimoji="1" lang="en-US" altLang="ja-JP" b="1" dirty="0">
+                <a:solidFill>
+                  <a:schemeClr val="accent1"/>
+                </a:solidFill>
+              </a:rPr>
+              <a:t>W7374_</a:t>
+            </a:r>
+            <a:r>
+              <a:rPr kumimoji="1" lang="ja-JP" altLang="en-US" b="1" dirty="0">
+                <a:solidFill>
+                  <a:schemeClr val="accent1"/>
+                </a:solidFill>
+              </a:rPr>
+              <a:t>棟方勇志）</a:t>
+            </a:r>
+          </a:p>
+        </p:txBody>
+      </p:sp>
+      <p:sp>
+        <p:nvSpPr>
+          <p:cNvPr id="15" name="正方形/長方形 14">
+            <a:extLst>
+              <a:ext uri="{FF2B5EF4-FFF2-40B4-BE49-F238E27FC236}">
+                <a16:creationId xmlns:a16="http://schemas.microsoft.com/office/drawing/2014/main" id="{63B6BA4B-29E3-417F-A1ED-A5C249A82539}"/>
+              </a:ext>
+            </a:extLst>
+          </p:cNvPr>
+          <p:cNvSpPr/>
+          <p:nvPr/>
+        </p:nvSpPr>
+        <p:spPr>
+          <a:xfrm>
+            <a:off x="97975" y="1861290"/>
+            <a:ext cx="859979" cy="983776"/>
+          </a:xfrm>
+          <a:prstGeom prst="rect">
+            <a:avLst/>
+          </a:prstGeom>
+          <a:solidFill>
+            <a:schemeClr val="bg2">
+              <a:lumMod val="90000"/>
+            </a:schemeClr>
+          </a:solidFill>
+        </p:spPr>
+        <p:style>
+          <a:lnRef idx="2">
+            <a:schemeClr val="accent1">
+              <a:shade val="15000"/>
+            </a:schemeClr>
+          </a:lnRef>
+          <a:fillRef idx="1">
+            <a:schemeClr val="accent1"/>
+          </a:fillRef>
+          <a:effectRef idx="0">
+            <a:schemeClr val="accent1"/>
+          </a:effectRef>
+          <a:fontRef idx="minor">
+            <a:schemeClr val="lt1"/>
+          </a:fontRef>
+        </p:style>
+        <p:txBody>
+          <a:bodyPr rtlCol="0" anchor="ctr"/>
+          <a:lstStyle/>
+          <a:p>
+            <a:pPr algn="ctr"/>
+            <a:r>
+              <a:rPr kumimoji="1" lang="ja-JP" altLang="en-US" dirty="0"/>
+              <a:t>担当</a:t>
+            </a:r>
+          </a:p>
+        </p:txBody>
+      </p:sp>
+      <p:sp>
+        <p:nvSpPr>
+          <p:cNvPr id="19" name="正方形/長方形 18">
+            <a:extLst>
+              <a:ext uri="{FF2B5EF4-FFF2-40B4-BE49-F238E27FC236}">
+                <a16:creationId xmlns:a16="http://schemas.microsoft.com/office/drawing/2014/main" id="{FDA21EBE-A978-F944-86BD-818F8B5B579E}"/>
+              </a:ext>
+            </a:extLst>
+          </p:cNvPr>
+          <p:cNvSpPr/>
+          <p:nvPr/>
+        </p:nvSpPr>
+        <p:spPr>
+          <a:xfrm>
+            <a:off x="97975" y="3151881"/>
+            <a:ext cx="859979" cy="983776"/>
+          </a:xfrm>
+          <a:prstGeom prst="rect">
+            <a:avLst/>
+          </a:prstGeom>
+          <a:solidFill>
+            <a:schemeClr val="bg2">
+              <a:lumMod val="90000"/>
+            </a:schemeClr>
+          </a:solidFill>
+        </p:spPr>
+        <p:style>
+          <a:lnRef idx="2">
+            <a:schemeClr val="accent1">
+              <a:shade val="15000"/>
+            </a:schemeClr>
+          </a:lnRef>
+          <a:fillRef idx="1">
+            <a:schemeClr val="accent1"/>
+          </a:fillRef>
+          <a:effectRef idx="0">
+            <a:schemeClr val="accent1"/>
+          </a:effectRef>
+          <a:fontRef idx="minor">
+            <a:schemeClr val="lt1"/>
+          </a:fontRef>
+        </p:style>
+        <p:txBody>
+          <a:bodyPr rtlCol="0" anchor="ctr"/>
+          <a:lstStyle/>
+          <a:p>
+            <a:pPr algn="ctr"/>
+            <a:r>
+              <a:rPr kumimoji="1" lang="ja-JP" altLang="en-US" sz="1600" dirty="0"/>
+              <a:t>工夫点</a:t>
+            </a:r>
+          </a:p>
+        </p:txBody>
+      </p:sp>
+      <p:sp>
+        <p:nvSpPr>
+          <p:cNvPr id="20" name="正方形/長方形 19">
+            <a:extLst>
+              <a:ext uri="{FF2B5EF4-FFF2-40B4-BE49-F238E27FC236}">
+                <a16:creationId xmlns:a16="http://schemas.microsoft.com/office/drawing/2014/main" id="{8F1279E3-1B72-0293-0D77-75983D2F581B}"/>
+              </a:ext>
+            </a:extLst>
+          </p:cNvPr>
+          <p:cNvSpPr/>
+          <p:nvPr/>
+        </p:nvSpPr>
+        <p:spPr>
+          <a:xfrm>
+            <a:off x="97976" y="5679583"/>
+            <a:ext cx="859979" cy="983776"/>
+          </a:xfrm>
+          <a:prstGeom prst="rect">
+            <a:avLst/>
+          </a:prstGeom>
+          <a:solidFill>
+            <a:schemeClr val="bg2">
+              <a:lumMod val="90000"/>
+            </a:schemeClr>
+          </a:solidFill>
+        </p:spPr>
+        <p:style>
+          <a:lnRef idx="2">
+            <a:schemeClr val="accent1">
+              <a:shade val="15000"/>
+            </a:schemeClr>
+          </a:lnRef>
+          <a:fillRef idx="1">
+            <a:schemeClr val="accent1"/>
+          </a:fillRef>
+          <a:effectRef idx="0">
+            <a:schemeClr val="accent1"/>
+          </a:effectRef>
+          <a:fontRef idx="minor">
+            <a:schemeClr val="lt1"/>
+          </a:fontRef>
+        </p:style>
+        <p:txBody>
+          <a:bodyPr rtlCol="0" anchor="ctr"/>
+          <a:lstStyle/>
+          <a:p>
+            <a:pPr algn="ctr"/>
+            <a:r>
+              <a:rPr kumimoji="1" lang="ja-JP" altLang="en-US" sz="1600" dirty="0"/>
+              <a:t>今後に向けて</a:t>
+            </a:r>
+          </a:p>
+        </p:txBody>
+      </p:sp>
+      <p:sp>
+        <p:nvSpPr>
+          <p:cNvPr id="21" name="正方形/長方形 20">
+            <a:extLst>
+              <a:ext uri="{FF2B5EF4-FFF2-40B4-BE49-F238E27FC236}">
+                <a16:creationId xmlns:a16="http://schemas.microsoft.com/office/drawing/2014/main" id="{0CFB1007-CA66-4D67-1944-2BE8E7E19C9D}"/>
+              </a:ext>
+            </a:extLst>
+          </p:cNvPr>
+          <p:cNvSpPr/>
+          <p:nvPr/>
+        </p:nvSpPr>
+        <p:spPr>
+          <a:xfrm>
+            <a:off x="97975" y="4431319"/>
+            <a:ext cx="859979" cy="983776"/>
+          </a:xfrm>
+          <a:prstGeom prst="rect">
+            <a:avLst/>
+          </a:prstGeom>
+          <a:solidFill>
+            <a:schemeClr val="bg2">
+              <a:lumMod val="90000"/>
+            </a:schemeClr>
+          </a:solidFill>
+        </p:spPr>
+        <p:style>
+          <a:lnRef idx="2">
+            <a:schemeClr val="accent1">
+              <a:shade val="15000"/>
+            </a:schemeClr>
+          </a:lnRef>
+          <a:fillRef idx="1">
+            <a:schemeClr val="accent1"/>
+          </a:fillRef>
+          <a:effectRef idx="0">
+            <a:schemeClr val="accent1"/>
+          </a:effectRef>
+          <a:fontRef idx="minor">
+            <a:schemeClr val="lt1"/>
+          </a:fontRef>
+        </p:style>
+        <p:txBody>
+          <a:bodyPr rtlCol="0" anchor="ctr"/>
+          <a:lstStyle/>
+          <a:p>
+            <a:pPr algn="ctr"/>
+            <a:r>
+              <a:rPr kumimoji="1" lang="ja-JP" altLang="en-US" sz="1600" dirty="0"/>
+              <a:t>問題点</a:t>
+            </a:r>
+          </a:p>
+        </p:txBody>
+      </p:sp>
+      <p:sp>
+        <p:nvSpPr>
+          <p:cNvPr id="5" name="テキスト ボックス 4">
+            <a:extLst>
+              <a:ext uri="{FF2B5EF4-FFF2-40B4-BE49-F238E27FC236}">
+                <a16:creationId xmlns:a16="http://schemas.microsoft.com/office/drawing/2014/main" id="{64E2A502-3C56-159B-5AEE-AF3966FA04F7}"/>
+              </a:ext>
+            </a:extLst>
+          </p:cNvPr>
+          <p:cNvSpPr txBox="1"/>
+          <p:nvPr/>
+        </p:nvSpPr>
+        <p:spPr>
+          <a:xfrm>
+            <a:off x="1175665" y="3126688"/>
+            <a:ext cx="10613564" cy="1008969"/>
+          </a:xfrm>
+          <a:prstGeom prst="rect">
+            <a:avLst/>
+          </a:prstGeom>
+          <a:solidFill>
+            <a:schemeClr val="bg1"/>
+          </a:solidFill>
+          <a:ln w="19050">
+            <a:solidFill>
+              <a:schemeClr val="tx1"/>
+            </a:solidFill>
+          </a:ln>
+        </p:spPr>
+        <p:txBody>
+          <a:bodyPr wrap="square" rtlCol="0">
+            <a:spAutoFit/>
+          </a:bodyPr>
+          <a:lstStyle/>
+          <a:p>
+            <a:endParaRPr kumimoji="1" lang="ja-JP" altLang="en-US" dirty="0"/>
+          </a:p>
+        </p:txBody>
+      </p:sp>
+      <p:sp>
+        <p:nvSpPr>
+          <p:cNvPr id="8" name="テキスト ボックス 7">
+            <a:extLst>
+              <a:ext uri="{FF2B5EF4-FFF2-40B4-BE49-F238E27FC236}">
+                <a16:creationId xmlns:a16="http://schemas.microsoft.com/office/drawing/2014/main" id="{101EF969-3635-C773-1064-6D217F6117E3}"/>
+              </a:ext>
+            </a:extLst>
+          </p:cNvPr>
+          <p:cNvSpPr txBox="1"/>
+          <p:nvPr/>
+        </p:nvSpPr>
+        <p:spPr>
+          <a:xfrm>
+            <a:off x="1175665" y="4406126"/>
+            <a:ext cx="10613564" cy="923330"/>
+          </a:xfrm>
+          <a:prstGeom prst="rect">
+            <a:avLst/>
+          </a:prstGeom>
+          <a:solidFill>
+            <a:schemeClr val="bg1"/>
+          </a:solidFill>
+          <a:ln w="19050">
+            <a:solidFill>
+              <a:schemeClr val="tx1"/>
+            </a:solidFill>
+          </a:ln>
+        </p:spPr>
+        <p:txBody>
+          <a:bodyPr wrap="square" rtlCol="0">
+            <a:spAutoFit/>
+          </a:bodyPr>
+          <a:lstStyle/>
+          <a:p>
+            <a:pPr marL="342900" indent="-342900">
+              <a:buFont typeface="+mj-lt"/>
+              <a:buAutoNum type="arabicPeriod"/>
+            </a:pPr>
+            <a:r>
+              <a:rPr lang="ja-JP" altLang="en-US" dirty="0"/>
+              <a:t>シーケンス図や</a:t>
+            </a:r>
+            <a:r>
+              <a:rPr lang="en-US" altLang="ja-JP" dirty="0"/>
+              <a:t>UML</a:t>
+            </a:r>
+            <a:r>
+              <a:rPr lang="ja-JP" altLang="en-US" dirty="0"/>
+              <a:t>図などがない状態でのコードリーディング</a:t>
+            </a:r>
+            <a:endParaRPr lang="en-US" altLang="ja-JP" dirty="0"/>
+          </a:p>
+          <a:p>
+            <a:pPr marL="342900" indent="-342900">
+              <a:buFont typeface="+mj-lt"/>
+              <a:buAutoNum type="arabicPeriod"/>
+            </a:pPr>
+            <a:r>
+              <a:rPr lang="ja-JP" altLang="en-US" dirty="0"/>
+              <a:t>講義を経て、スキルを理解できても身についていなかったこと</a:t>
+            </a:r>
+            <a:endParaRPr lang="en-US" altLang="ja-JP" dirty="0"/>
+          </a:p>
+          <a:p>
+            <a:pPr marL="342900" indent="-342900">
+              <a:buFont typeface="+mj-lt"/>
+              <a:buAutoNum type="arabicPeriod"/>
+            </a:pPr>
+            <a:r>
+              <a:rPr lang="ja-JP" altLang="en-US" dirty="0"/>
+              <a:t>誰から見てもテストを実装できる仕様書をかけなかったこと</a:t>
+            </a:r>
+          </a:p>
+        </p:txBody>
+      </p:sp>
+      <p:sp>
+        <p:nvSpPr>
+          <p:cNvPr id="13" name="テキスト ボックス 12">
+            <a:extLst>
+              <a:ext uri="{FF2B5EF4-FFF2-40B4-BE49-F238E27FC236}">
+                <a16:creationId xmlns:a16="http://schemas.microsoft.com/office/drawing/2014/main" id="{7AE21FAD-7D9E-327C-1817-946D83BF3D39}"/>
+              </a:ext>
+            </a:extLst>
+          </p:cNvPr>
+          <p:cNvSpPr txBox="1"/>
+          <p:nvPr/>
+        </p:nvSpPr>
+        <p:spPr>
+          <a:xfrm>
+            <a:off x="1175665" y="5666986"/>
+            <a:ext cx="10613564" cy="1008969"/>
+          </a:xfrm>
+          <a:prstGeom prst="rect">
+            <a:avLst/>
+          </a:prstGeom>
+          <a:solidFill>
+            <a:schemeClr val="bg1"/>
+          </a:solidFill>
+          <a:ln w="19050">
+            <a:solidFill>
+              <a:schemeClr val="tx1"/>
+            </a:solidFill>
+          </a:ln>
+        </p:spPr>
+        <p:txBody>
+          <a:bodyPr wrap="square" rtlCol="0">
+            <a:spAutoFit/>
+          </a:bodyPr>
+          <a:lstStyle/>
+          <a:p>
+            <a:endParaRPr kumimoji="1" lang="ja-JP" altLang="en-US" dirty="0"/>
+          </a:p>
+        </p:txBody>
+      </p:sp>
+      <p:sp>
+        <p:nvSpPr>
+          <p:cNvPr id="14" name="テキスト ボックス 13">
+            <a:extLst>
+              <a:ext uri="{FF2B5EF4-FFF2-40B4-BE49-F238E27FC236}">
+                <a16:creationId xmlns:a16="http://schemas.microsoft.com/office/drawing/2014/main" id="{E2333EBB-69A9-1374-57E7-21BB5FABB8CE}"/>
+              </a:ext>
+            </a:extLst>
+          </p:cNvPr>
+          <p:cNvSpPr txBox="1"/>
+          <p:nvPr/>
+        </p:nvSpPr>
+        <p:spPr>
+          <a:xfrm>
+            <a:off x="1175665" y="5679583"/>
+            <a:ext cx="10493821" cy="1200329"/>
+          </a:xfrm>
+          <a:prstGeom prst="rect">
+            <a:avLst/>
+          </a:prstGeom>
+          <a:noFill/>
+        </p:spPr>
+        <p:txBody>
+          <a:bodyPr wrap="square" rtlCol="0">
+            <a:spAutoFit/>
+          </a:bodyPr>
+          <a:lstStyle/>
+          <a:p>
+            <a:pPr marL="342900" indent="-342900">
+              <a:buFont typeface="+mj-lt"/>
+              <a:buAutoNum type="arabicPeriod"/>
+            </a:pPr>
+            <a:r>
+              <a:rPr lang="ja-JP" altLang="en-US" dirty="0"/>
+              <a:t>今後の演習等で他人のコードを読む機会を設けること</a:t>
+            </a:r>
+            <a:endParaRPr kumimoji="1" lang="en-US" altLang="ja-JP" dirty="0"/>
+          </a:p>
+          <a:p>
+            <a:pPr marL="342900" indent="-342900">
+              <a:buFont typeface="+mj-lt"/>
+              <a:buAutoNum type="arabicPeriod"/>
+            </a:pPr>
+            <a:r>
+              <a:rPr kumimoji="1" lang="ja-JP" altLang="en-US" dirty="0"/>
+              <a:t>講義の内容に関連する事柄について調べ、実際に行ってみること</a:t>
+            </a:r>
+            <a:endParaRPr kumimoji="1" lang="en-US" altLang="ja-JP" dirty="0"/>
+          </a:p>
+          <a:p>
+            <a:pPr marL="342900" indent="-342900">
+              <a:buFont typeface="+mj-lt"/>
+              <a:buAutoNum type="arabicPeriod"/>
+            </a:pPr>
+            <a:r>
+              <a:rPr kumimoji="1" lang="ja-JP" altLang="en-US" dirty="0"/>
+              <a:t>今後の演習等で仕様書を使う側になること</a:t>
+            </a:r>
+            <a:endParaRPr kumimoji="1" lang="en-US" altLang="ja-JP" dirty="0"/>
+          </a:p>
+          <a:p>
+            <a:endParaRPr kumimoji="1" lang="ja-JP" altLang="en-US" dirty="0"/>
+          </a:p>
+        </p:txBody>
+      </p:sp>
+      <p:sp>
+        <p:nvSpPr>
+          <p:cNvPr id="16" name="テキスト ボックス 15">
+            <a:extLst>
+              <a:ext uri="{FF2B5EF4-FFF2-40B4-BE49-F238E27FC236}">
+                <a16:creationId xmlns:a16="http://schemas.microsoft.com/office/drawing/2014/main" id="{42D5F234-54CB-BF07-B042-C4B198F47764}"/>
+              </a:ext>
+            </a:extLst>
+          </p:cNvPr>
+          <p:cNvSpPr txBox="1"/>
+          <p:nvPr/>
+        </p:nvSpPr>
+        <p:spPr>
+          <a:xfrm>
+            <a:off x="1175665" y="1861290"/>
+            <a:ext cx="10613564" cy="1008969"/>
+          </a:xfrm>
+          <a:prstGeom prst="rect">
+            <a:avLst/>
+          </a:prstGeom>
+          <a:solidFill>
+            <a:schemeClr val="bg1"/>
+          </a:solidFill>
+          <a:ln w="19050">
+            <a:solidFill>
+              <a:schemeClr val="tx1"/>
+            </a:solidFill>
+          </a:ln>
+        </p:spPr>
+        <p:txBody>
+          <a:bodyPr wrap="square" rtlCol="0">
+            <a:spAutoFit/>
+          </a:bodyPr>
+          <a:lstStyle/>
+          <a:p>
+            <a:endParaRPr kumimoji="1" lang="ja-JP" altLang="en-US" dirty="0"/>
+          </a:p>
+        </p:txBody>
+      </p:sp>
+      <p:sp>
+        <p:nvSpPr>
+          <p:cNvPr id="18" name="テキスト ボックス 17">
+            <a:extLst>
+              <a:ext uri="{FF2B5EF4-FFF2-40B4-BE49-F238E27FC236}">
+                <a16:creationId xmlns:a16="http://schemas.microsoft.com/office/drawing/2014/main" id="{8272CA6C-8BE3-A4C5-3859-A4AD57D396D9}"/>
+              </a:ext>
+            </a:extLst>
+          </p:cNvPr>
+          <p:cNvSpPr txBox="1"/>
+          <p:nvPr/>
+        </p:nvSpPr>
+        <p:spPr>
+          <a:xfrm>
+            <a:off x="1175665" y="3106363"/>
+            <a:ext cx="10613564" cy="923330"/>
+          </a:xfrm>
+          <a:prstGeom prst="rect">
+            <a:avLst/>
+          </a:prstGeom>
+          <a:noFill/>
+        </p:spPr>
+        <p:txBody>
+          <a:bodyPr wrap="square" rtlCol="0">
+            <a:spAutoFit/>
+          </a:bodyPr>
+          <a:lstStyle/>
+          <a:p>
+            <a:pPr marL="342900" indent="-342900">
+              <a:buFont typeface="+mj-lt"/>
+              <a:buAutoNum type="arabicPeriod"/>
+            </a:pPr>
+            <a:r>
+              <a:rPr kumimoji="1" lang="ja-JP" altLang="en-US" dirty="0"/>
+              <a:t>単体テスト仕様書のレビューを結合テスト仕様書に反映させたこと</a:t>
+            </a:r>
+            <a:endParaRPr kumimoji="1" lang="en-US" altLang="ja-JP" dirty="0"/>
+          </a:p>
+          <a:p>
+            <a:pPr marL="342900" indent="-342900">
+              <a:buFont typeface="+mj-lt"/>
+              <a:buAutoNum type="arabicPeriod"/>
+            </a:pPr>
+            <a:r>
+              <a:rPr lang="ja-JP" altLang="en-US" dirty="0"/>
+              <a:t>講師・テクニカルリーダーに聞く前に調べたこと</a:t>
+            </a:r>
+            <a:endParaRPr kumimoji="1" lang="en-US" altLang="ja-JP" dirty="0"/>
+          </a:p>
+          <a:p>
+            <a:pPr marL="342900" indent="-342900">
+              <a:buFont typeface="+mj-lt"/>
+              <a:buAutoNum type="arabicPeriod"/>
+            </a:pPr>
+            <a:endParaRPr kumimoji="1" lang="ja-JP" altLang="en-US" dirty="0"/>
+          </a:p>
+        </p:txBody>
+      </p:sp>
+      <p:sp>
+        <p:nvSpPr>
+          <p:cNvPr id="22" name="テキスト ボックス 21">
+            <a:extLst>
+              <a:ext uri="{FF2B5EF4-FFF2-40B4-BE49-F238E27FC236}">
+                <a16:creationId xmlns:a16="http://schemas.microsoft.com/office/drawing/2014/main" id="{A87193CA-1478-46CD-DA84-DCA046F00DEC}"/>
+              </a:ext>
+            </a:extLst>
+          </p:cNvPr>
+          <p:cNvSpPr txBox="1"/>
+          <p:nvPr/>
+        </p:nvSpPr>
+        <p:spPr>
+          <a:xfrm>
+            <a:off x="1175665" y="1861290"/>
+            <a:ext cx="10613564" cy="923330"/>
+          </a:xfrm>
+          <a:prstGeom prst="rect">
+            <a:avLst/>
+          </a:prstGeom>
+          <a:noFill/>
+        </p:spPr>
+        <p:txBody>
+          <a:bodyPr wrap="square" rtlCol="0">
+            <a:spAutoFit/>
+          </a:bodyPr>
+          <a:lstStyle/>
+          <a:p>
+            <a:pPr marL="342900" indent="-342900">
+              <a:buFont typeface="+mj-lt"/>
+              <a:buAutoNum type="arabicPeriod"/>
+            </a:pPr>
+            <a:r>
+              <a:rPr lang="ja-JP" altLang="en-US" dirty="0"/>
+              <a:t>レビュー・</a:t>
+            </a:r>
+            <a:r>
+              <a:rPr lang="en-US" altLang="ja-JP" dirty="0"/>
+              <a:t>Issue</a:t>
+            </a:r>
+            <a:r>
+              <a:rPr lang="ja-JP" altLang="en-US" dirty="0"/>
+              <a:t>の優先度の振り分け・</a:t>
+            </a:r>
+            <a:r>
+              <a:rPr lang="en-US" altLang="ja-JP" dirty="0"/>
+              <a:t>Issue</a:t>
+            </a:r>
+            <a:r>
+              <a:rPr lang="ja-JP" altLang="en-US" dirty="0"/>
+              <a:t>のうち、優先度中以下の修正</a:t>
+            </a:r>
+            <a:endParaRPr lang="en-US" altLang="ja-JP" dirty="0"/>
+          </a:p>
+          <a:p>
+            <a:pPr marL="342900" indent="-342900">
+              <a:buFont typeface="+mj-lt"/>
+              <a:buAutoNum type="arabicPeriod"/>
+            </a:pPr>
+            <a:r>
+              <a:rPr lang="en-US" altLang="ja-JP" dirty="0" err="1">
+                <a:solidFill>
+                  <a:prstClr val="black"/>
+                </a:solidFill>
+              </a:rPr>
+              <a:t>ExpenseApplicationService</a:t>
+            </a:r>
+            <a:r>
+              <a:rPr lang="ja-JP" altLang="en-US" dirty="0">
+                <a:solidFill>
+                  <a:prstClr val="black"/>
+                </a:solidFill>
+              </a:rPr>
+              <a:t>のテストコードを一部実装</a:t>
+            </a:r>
+            <a:endParaRPr lang="en-US" altLang="ja-JP" dirty="0"/>
+          </a:p>
+          <a:p>
+            <a:pPr marL="342900" indent="-342900">
+              <a:buFont typeface="+mj-lt"/>
+              <a:buAutoNum type="arabicPeriod"/>
+            </a:pPr>
+            <a:r>
+              <a:rPr kumimoji="1" lang="ja-JP" altLang="en-US" dirty="0"/>
+              <a:t>単体テスト仕様書</a:t>
+            </a:r>
+            <a:r>
+              <a:rPr lang="ja-JP" altLang="en-US" dirty="0"/>
+              <a:t>・結合テスト仕様書の作成</a:t>
+            </a:r>
+            <a:endParaRPr kumimoji="1" lang="ja-JP" altLang="en-US" dirty="0"/>
+          </a:p>
+        </p:txBody>
+      </p:sp>
+    </p:spTree>
+    <p:extLst>
+      <p:ext uri="{BB962C8B-B14F-4D97-AF65-F5344CB8AC3E}">
+        <p14:creationId xmlns:p14="http://schemas.microsoft.com/office/powerpoint/2010/main" val="2070866117"/>
+      </p:ext>
+    </p:extLst>
+  </p:cSld>
+  <p:clrMapOvr>
+    <a:masterClrMapping/>
+  </p:clrMapOvr>
+</p:sld>
+</file>
+
+<file path=ppt/slides/slide12.xml><?xml version="1.0" encoding="utf-8"?>
+<p:sld xmlns:a="http://schemas.openxmlformats.org/drawingml/2006/main" xmlns:r="http://schemas.openxmlformats.org/officeDocument/2006/relationships" xmlns:p="http://schemas.openxmlformats.org/presentationml/2006/main">
+  <p:cSld>
+    <p:bg>
+      <p:bgPr>
+        <a:solidFill>
+          <a:schemeClr val="bg1">
+            <a:lumMod val="85000"/>
+          </a:schemeClr>
+        </a:solidFill>
+        <a:effectLst/>
+      </p:bgPr>
+    </p:bg>
+    <p:spTree>
+      <p:nvGrpSpPr>
         <p:cNvPr id="1" name="">
           <a:extLst>
             <a:ext uri="{FF2B5EF4-FFF2-40B4-BE49-F238E27FC236}">
@@ -4854,7 +6103,7 @@
 </p:sld>
 </file>
 
-<file path=ppt/slides/slide11.xml><?xml version="1.0" encoding="utf-8"?>
+<file path=ppt/slides/slide13.xml><?xml version="1.0" encoding="utf-8"?>
 <p:sld xmlns:a="http://schemas.openxmlformats.org/drawingml/2006/main" xmlns:r="http://schemas.openxmlformats.org/officeDocument/2006/relationships" xmlns:p="http://schemas.openxmlformats.org/presentationml/2006/main">
   <p:cSld>
     <p:bg>
@@ -8319,7 +9568,7 @@
           <a:lstStyle/>
           <a:p>
             <a:r>
-              <a:rPr kumimoji="1" lang="ja-JP" altLang="en-US" b="1" dirty="0">
+              <a:rPr kumimoji="1" lang="ja-JP" altLang="en-US" b="1">
                 <a:solidFill>
                   <a:schemeClr val="accent1"/>
                 </a:solidFill>
@@ -8347,22 +9596,257 @@
         </p:nvSpPr>
         <p:spPr>
           <a:xfrm>
-            <a:off x="751114" y="1869168"/>
-            <a:ext cx="10515600" cy="4351338"/>
-          </a:xfrm>
-        </p:spPr>
-        <p:txBody>
-          <a:bodyPr/>
-          <a:lstStyle/>
-          <a:p>
-            <a:endParaRPr kumimoji="1" lang="ja-JP" altLang="en-US"/>
+            <a:off x="642257" y="1774371"/>
+            <a:ext cx="10624457" cy="4402592"/>
+          </a:xfrm>
+        </p:spPr>
+        <p:txBody>
+          <a:bodyPr>
+            <a:normAutofit/>
+          </a:bodyPr>
+          <a:lstStyle/>
+          <a:p>
+            <a:pPr marL="0" indent="0">
+              <a:buNone/>
+            </a:pPr>
+            <a:r>
+              <a:rPr kumimoji="1" lang="en-US" altLang="ja-JP" b="1"/>
+              <a:t>(1)DAO</a:t>
+            </a:r>
+            <a:r>
+              <a:rPr kumimoji="1" lang="ja-JP" altLang="en-US" b="1"/>
+              <a:t>テスト</a:t>
+            </a:r>
+            <a:endParaRPr kumimoji="1" lang="en-US" altLang="ja-JP" b="1"/>
+          </a:p>
+          <a:p>
+            <a:pPr marL="0" indent="0">
+              <a:lnSpc>
+                <a:spcPct val="100000"/>
+              </a:lnSpc>
+              <a:buNone/>
+            </a:pPr>
+            <a:r>
+              <a:rPr kumimoji="1" lang="en-US" altLang="ja-JP" err="1"/>
+              <a:t>Ac</a:t>
+            </a:r>
+            <a:r>
+              <a:rPr lang="en-US" altLang="ja-JP" err="1"/>
+              <a:t>countDAOTest</a:t>
+            </a:r>
+            <a:br>
+              <a:rPr lang="en-US" altLang="ja-JP"/>
+            </a:br>
+            <a:r>
+              <a:rPr lang="en-US" altLang="ja-JP" err="1"/>
+              <a:t>DepartmentDAOTest</a:t>
+            </a:r>
+            <a:endParaRPr lang="en-US" altLang="ja-JP"/>
+          </a:p>
+          <a:p>
+            <a:pPr marL="0" indent="0">
+              <a:lnSpc>
+                <a:spcPct val="100000"/>
+              </a:lnSpc>
+              <a:buNone/>
+            </a:pPr>
+            <a:r>
+              <a:rPr lang="en-US" altLang="ja-JP" err="1"/>
+              <a:t>ExpenseApplicationDAOTest</a:t>
+            </a:r>
+            <a:br>
+              <a:rPr lang="en-US" altLang="ja-JP"/>
+            </a:br>
+            <a:r>
+              <a:rPr lang="en-US" altLang="ja-JP" err="1"/>
+              <a:t>StatusDAOTest</a:t>
+            </a:r>
+            <a:br>
+              <a:rPr lang="en-US" altLang="ja-JP"/>
+            </a:br>
+            <a:r>
+              <a:rPr lang="en-US" altLang="ja-JP" err="1"/>
+              <a:t>UserDAOTest</a:t>
+            </a:r>
+            <a:endParaRPr lang="en-US" altLang="ja-JP"/>
+          </a:p>
+          <a:p>
+            <a:pPr marL="0" indent="0">
+              <a:buNone/>
+            </a:pPr>
+            <a:endParaRPr lang="en-US" altLang="ja-JP"/>
+          </a:p>
+          <a:p>
+            <a:pPr marL="0" indent="0">
+              <a:buNone/>
+            </a:pPr>
+            <a:r>
+              <a:rPr kumimoji="1" lang="en-US" altLang="ja-JP" b="1"/>
+              <a:t>(2)Service</a:t>
+            </a:r>
+            <a:r>
+              <a:rPr kumimoji="1" lang="ja-JP" altLang="en-US" b="1"/>
+              <a:t>テスト</a:t>
+            </a:r>
+            <a:endParaRPr kumimoji="1" lang="en-US" altLang="ja-JP" b="1"/>
+          </a:p>
+          <a:p>
+            <a:pPr marL="0" indent="0">
+              <a:buNone/>
+            </a:pPr>
+            <a:r>
+              <a:rPr kumimoji="1" lang="en-US" altLang="ja-JP" err="1"/>
+              <a:t>ExpenseApplicationServiceTest</a:t>
+            </a:r>
+            <a:endParaRPr kumimoji="1" lang="en-US" altLang="ja-JP"/>
+          </a:p>
+          <a:p>
+            <a:pPr marL="0" indent="0">
+              <a:buNone/>
+            </a:pPr>
+            <a:endParaRPr kumimoji="1" lang="en-US" altLang="ja-JP"/>
+          </a:p>
+        </p:txBody>
+      </p:sp>
+      <p:sp>
+        <p:nvSpPr>
+          <p:cNvPr id="4" name="楕円 3">
+            <a:extLst>
+              <a:ext uri="{FF2B5EF4-FFF2-40B4-BE49-F238E27FC236}">
+                <a16:creationId xmlns:a16="http://schemas.microsoft.com/office/drawing/2014/main" id="{78794EAE-9535-A367-D5F4-97EB412D396B}"/>
+              </a:ext>
+            </a:extLst>
+          </p:cNvPr>
+          <p:cNvSpPr/>
+          <p:nvPr/>
+        </p:nvSpPr>
+        <p:spPr>
+          <a:xfrm>
+            <a:off x="6096000" y="3048793"/>
+            <a:ext cx="5301343" cy="3702455"/>
+          </a:xfrm>
+          <a:prstGeom prst="ellipse">
+            <a:avLst/>
+          </a:prstGeom>
+          <a:solidFill>
+            <a:schemeClr val="accent1">
+              <a:lumMod val="20000"/>
+              <a:lumOff val="80000"/>
+            </a:schemeClr>
+          </a:solidFill>
+        </p:spPr>
+        <p:style>
+          <a:lnRef idx="1">
+            <a:schemeClr val="accent3"/>
+          </a:lnRef>
+          <a:fillRef idx="2">
+            <a:schemeClr val="accent3"/>
+          </a:fillRef>
+          <a:effectRef idx="1">
+            <a:schemeClr val="accent3"/>
+          </a:effectRef>
+          <a:fontRef idx="minor">
+            <a:schemeClr val="dk1"/>
+          </a:fontRef>
+        </p:style>
+        <p:txBody>
+          <a:bodyPr rtlCol="0" anchor="ctr"/>
+          <a:lstStyle/>
+          <a:p>
+            <a:pPr algn="ctr"/>
+            <a:endParaRPr kumimoji="1" lang="ja-JP" altLang="en-US" b="1">
+              <a:ln w="22225">
+                <a:solidFill>
+                  <a:schemeClr val="accent2"/>
+                </a:solidFill>
+                <a:prstDash val="solid"/>
+              </a:ln>
+              <a:solidFill>
+                <a:schemeClr val="accent2">
+                  <a:lumMod val="40000"/>
+                  <a:lumOff val="60000"/>
+                </a:schemeClr>
+              </a:solidFill>
+            </a:endParaRPr>
+          </a:p>
+        </p:txBody>
+      </p:sp>
+      <p:sp>
+        <p:nvSpPr>
+          <p:cNvPr id="5" name="テキスト ボックス 4">
+            <a:extLst>
+              <a:ext uri="{FF2B5EF4-FFF2-40B4-BE49-F238E27FC236}">
+                <a16:creationId xmlns:a16="http://schemas.microsoft.com/office/drawing/2014/main" id="{F25DA151-8023-4D9F-1097-8D0BD85DE041}"/>
+              </a:ext>
+            </a:extLst>
+          </p:cNvPr>
+          <p:cNvSpPr txBox="1"/>
+          <p:nvPr/>
+        </p:nvSpPr>
+        <p:spPr>
+          <a:xfrm>
+            <a:off x="6596744" y="4299857"/>
+            <a:ext cx="4446812" cy="1200329"/>
+          </a:xfrm>
+          <a:prstGeom prst="rect">
+            <a:avLst/>
+          </a:prstGeom>
+          <a:noFill/>
+        </p:spPr>
+        <p:txBody>
+          <a:bodyPr wrap="square" rtlCol="0">
+            <a:spAutoFit/>
+          </a:bodyPr>
+          <a:lstStyle/>
+          <a:p>
+            <a:r>
+              <a:rPr lang="en-US" altLang="ja-JP" sz="3600"/>
+              <a:t>i</a:t>
+            </a:r>
+            <a:r>
+              <a:rPr kumimoji="1" lang="en-US" altLang="ja-JP" sz="3600"/>
+              <a:t>ssue  28</a:t>
+            </a:r>
+            <a:r>
+              <a:rPr kumimoji="1" lang="ja-JP" altLang="en-US" sz="3600"/>
+              <a:t>個のうち</a:t>
+            </a:r>
+            <a:endParaRPr kumimoji="1" lang="en-US" altLang="ja-JP" sz="3600"/>
+          </a:p>
+          <a:p>
+            <a:r>
+              <a:rPr kumimoji="1" lang="en-US" altLang="ja-JP" sz="3600"/>
+              <a:t>close</a:t>
+            </a:r>
+            <a:r>
+              <a:rPr kumimoji="1" lang="ja-JP" altLang="en-US" sz="3600"/>
+              <a:t>した</a:t>
+            </a:r>
+            <a:r>
+              <a:rPr kumimoji="1" lang="en-US" altLang="ja-JP" sz="3600"/>
+              <a:t>issue </a:t>
+            </a:r>
+            <a:r>
+              <a:rPr kumimoji="1" lang="en-US" altLang="ja-JP" sz="3600" b="1">
+                <a:solidFill>
+                  <a:schemeClr val="accent2">
+                    <a:lumMod val="75000"/>
+                  </a:schemeClr>
+                </a:solidFill>
+              </a:rPr>
+              <a:t>16</a:t>
+            </a:r>
+            <a:r>
+              <a:rPr kumimoji="1" lang="ja-JP" altLang="en-US" sz="3600"/>
+              <a:t>個</a:t>
+            </a:r>
           </a:p>
         </p:txBody>
       </p:sp>
     </p:spTree>
     <p:extLst>
       <p:ext uri="{BB962C8B-B14F-4D97-AF65-F5344CB8AC3E}">
-        <p14:creationId xmlns:p14="http://schemas.microsoft.com/office/powerpoint/2010/main" val="3913497839"/>
+        <p14:creationId xmlns:p14="http://schemas.microsoft.com/office/powerpoint/2010/main" val="718216646"/>
       </p:ext>
     </p:extLst>
   </p:cSld>
@@ -8442,6 +9926,53 @@
           </a:p>
         </p:txBody>
       </p:sp>
+      <p:sp>
+        <p:nvSpPr>
+          <p:cNvPr id="3" name="動作設定ボタン: 進む/次へ 2">
+            <a:hlinkClick r:id="rId2" invalidUrl="http:///" highlightClick="1"/>
+            <a:extLst>
+              <a:ext uri="{FF2B5EF4-FFF2-40B4-BE49-F238E27FC236}">
+                <a16:creationId xmlns:a16="http://schemas.microsoft.com/office/drawing/2014/main" id="{D00E7ECC-1A34-161F-771B-1A7888F19C4D}"/>
+              </a:ext>
+            </a:extLst>
+          </p:cNvPr>
+          <p:cNvSpPr/>
+          <p:nvPr/>
+        </p:nvSpPr>
+        <p:spPr>
+          <a:xfrm>
+            <a:off x="4582885" y="2645228"/>
+            <a:ext cx="1883229" cy="1785257"/>
+          </a:xfrm>
+          <a:prstGeom prst="actionButtonForwardNext">
+            <a:avLst/>
+          </a:prstGeom>
+        </p:spPr>
+        <p:style>
+          <a:lnRef idx="2">
+            <a:schemeClr val="accent1">
+              <a:shade val="15000"/>
+            </a:schemeClr>
+          </a:lnRef>
+          <a:fillRef idx="1">
+            <a:schemeClr val="accent1"/>
+          </a:fillRef>
+          <a:effectRef idx="0">
+            <a:schemeClr val="accent1"/>
+          </a:effectRef>
+          <a:fontRef idx="minor">
+            <a:schemeClr val="lt1"/>
+          </a:fontRef>
+        </p:style>
+        <p:txBody>
+          <a:bodyPr rtlCol="0" anchor="ctr"/>
+          <a:lstStyle/>
+          <a:p>
+            <a:pPr algn="ctr"/>
+            <a:endParaRPr kumimoji="1" lang="ja-JP" altLang="en-US"/>
+          </a:p>
+        </p:txBody>
+      </p:sp>
     </p:spTree>
     <p:extLst>
       <p:ext uri="{BB962C8B-B14F-4D97-AF65-F5344CB8AC3E}">
@@ -8517,28 +10048,28 @@
               <a:t>個人発表（</a:t>
             </a:r>
             <a:r>
+              <a:rPr lang="en-US" altLang="ja-JP" b="1" dirty="0">
+                <a:solidFill>
+                  <a:schemeClr val="accent1"/>
+                </a:solidFill>
+              </a:rPr>
+              <a:t>W7369</a:t>
+            </a:r>
+            <a:r>
               <a:rPr kumimoji="1" lang="en-US" altLang="ja-JP" b="1" dirty="0">
                 <a:solidFill>
                   <a:schemeClr val="accent1"/>
                 </a:solidFill>
               </a:rPr>
-              <a:t>W7371_</a:t>
-            </a:r>
-            <a:r>
-              <a:rPr lang="ja-JP" altLang="en-US" b="1" dirty="0">
+              <a:t>_</a:t>
+            </a:r>
+            <a:r>
+              <a:rPr kumimoji="1" lang="ja-JP" altLang="en-US" b="1" dirty="0">
                 <a:solidFill>
                   <a:schemeClr val="accent1"/>
                 </a:solidFill>
               </a:rPr>
-              <a:t>原拓弓</a:t>
-            </a:r>
-            <a:r>
-              <a:rPr kumimoji="1" lang="ja-JP" altLang="en-US" b="1" dirty="0">
-                <a:solidFill>
-                  <a:schemeClr val="accent1"/>
-                </a:solidFill>
-              </a:rPr>
-              <a:t>）</a:t>
+              <a:t>齋藤愛子）</a:t>
             </a:r>
           </a:p>
         </p:txBody>
@@ -8589,39 +10120,10 @@
           <a:bodyPr rtlCol="0" anchor="ctr"/>
           <a:lstStyle/>
           <a:p>
-            <a:pPr marL="0" marR="0" lvl="0" indent="0" algn="ctr" defTabSz="914400" rtl="0" eaLnBrk="1" fontAlgn="auto" latinLnBrk="0" hangingPunct="1">
-              <a:lnSpc>
-                <a:spcPct val="100000"/>
-              </a:lnSpc>
-              <a:spcBef>
-                <a:spcPts val="0"/>
-              </a:spcBef>
-              <a:spcAft>
-                <a:spcPts val="0"/>
-              </a:spcAft>
-              <a:buClrTx/>
-              <a:buSzTx/>
-              <a:buFontTx/>
-              <a:buNone/>
-              <a:tabLst/>
-              <a:defRPr/>
-            </a:pPr>
-            <a:r>
-              <a:rPr kumimoji="1" lang="ja-JP" altLang="en-US" sz="1800" b="0" i="0" u="none" strike="noStrike" kern="1200" cap="none" spc="0" normalizeH="0" baseline="0" noProof="0" dirty="0">
-                <a:ln>
-                  <a:noFill/>
-                </a:ln>
-                <a:solidFill>
-                  <a:prstClr val="white"/>
-                </a:solidFill>
-                <a:effectLst/>
-                <a:uLnTx/>
-                <a:uFillTx/>
-                <a:latin typeface="游ゴシック" panose="02110004020202020204"/>
-                <a:ea typeface="游ゴシック" panose="020B0400000000000000" pitchFamily="50" charset="-128"/>
-                <a:cs typeface="+mn-cs"/>
-              </a:rPr>
-              <a:t>担当</a:t>
+            <a:pPr algn="ctr"/>
+            <a:r>
+              <a:rPr kumimoji="1" lang="ja-JP" altLang="en-US" dirty="0"/>
+              <a:t>担当機能</a:t>
             </a:r>
           </a:p>
         </p:txBody>
@@ -8672,38 +10174,9 @@
           <a:bodyPr rtlCol="0" anchor="ctr"/>
           <a:lstStyle/>
           <a:p>
-            <a:pPr marL="0" marR="0" lvl="0" indent="0" algn="ctr" defTabSz="914400" rtl="0" eaLnBrk="1" fontAlgn="auto" latinLnBrk="0" hangingPunct="1">
-              <a:lnSpc>
-                <a:spcPct val="100000"/>
-              </a:lnSpc>
-              <a:spcBef>
-                <a:spcPts val="0"/>
-              </a:spcBef>
-              <a:spcAft>
-                <a:spcPts val="0"/>
-              </a:spcAft>
-              <a:buClrTx/>
-              <a:buSzTx/>
-              <a:buFontTx/>
-              <a:buNone/>
-              <a:tabLst/>
-              <a:defRPr/>
-            </a:pPr>
-            <a:r>
-              <a:rPr kumimoji="1" lang="ja-JP" altLang="en-US" sz="1600" b="0" i="0" u="none" strike="noStrike" kern="1200" cap="none" spc="0" normalizeH="0" baseline="0" noProof="0" dirty="0">
-                <a:ln>
-                  <a:noFill/>
-                </a:ln>
-                <a:solidFill>
-                  <a:prstClr val="white"/>
-                </a:solidFill>
-                <a:effectLst/>
-                <a:uLnTx/>
-                <a:uFillTx/>
-                <a:latin typeface="游ゴシック" panose="02110004020202020204"/>
-                <a:ea typeface="游ゴシック" panose="020B0400000000000000" pitchFamily="50" charset="-128"/>
-                <a:cs typeface="+mn-cs"/>
-              </a:rPr>
+            <a:pPr algn="ctr"/>
+            <a:r>
+              <a:rPr kumimoji="1" lang="ja-JP" altLang="en-US" sz="1600" dirty="0"/>
               <a:t>工夫点</a:t>
             </a:r>
           </a:p>
@@ -8755,38 +10228,9 @@
           <a:bodyPr rtlCol="0" anchor="ctr"/>
           <a:lstStyle/>
           <a:p>
-            <a:pPr marL="0" marR="0" lvl="0" indent="0" algn="ctr" defTabSz="914400" rtl="0" eaLnBrk="1" fontAlgn="auto" latinLnBrk="0" hangingPunct="1">
-              <a:lnSpc>
-                <a:spcPct val="100000"/>
-              </a:lnSpc>
-              <a:spcBef>
-                <a:spcPts val="0"/>
-              </a:spcBef>
-              <a:spcAft>
-                <a:spcPts val="0"/>
-              </a:spcAft>
-              <a:buClrTx/>
-              <a:buSzTx/>
-              <a:buFontTx/>
-              <a:buNone/>
-              <a:tabLst/>
-              <a:defRPr/>
-            </a:pPr>
-            <a:r>
-              <a:rPr kumimoji="1" lang="ja-JP" altLang="en-US" sz="1600" b="0" i="0" u="none" strike="noStrike" kern="1200" cap="none" spc="0" normalizeH="0" baseline="0" noProof="0" dirty="0">
-                <a:ln>
-                  <a:noFill/>
-                </a:ln>
-                <a:solidFill>
-                  <a:prstClr val="white"/>
-                </a:solidFill>
-                <a:effectLst/>
-                <a:uLnTx/>
-                <a:uFillTx/>
-                <a:latin typeface="游ゴシック" panose="02110004020202020204"/>
-                <a:ea typeface="游ゴシック" panose="020B0400000000000000" pitchFamily="50" charset="-128"/>
-                <a:cs typeface="+mn-cs"/>
-              </a:rPr>
+            <a:pPr algn="ctr"/>
+            <a:r>
+              <a:rPr kumimoji="1" lang="ja-JP" altLang="en-US" sz="1600" dirty="0"/>
               <a:t>今後に向けて</a:t>
             </a:r>
           </a:p>
@@ -8838,38 +10282,9 @@
           <a:bodyPr rtlCol="0" anchor="ctr"/>
           <a:lstStyle/>
           <a:p>
-            <a:pPr marL="0" marR="0" lvl="0" indent="0" algn="ctr" defTabSz="914400" rtl="0" eaLnBrk="1" fontAlgn="auto" latinLnBrk="0" hangingPunct="1">
-              <a:lnSpc>
-                <a:spcPct val="100000"/>
-              </a:lnSpc>
-              <a:spcBef>
-                <a:spcPts val="0"/>
-              </a:spcBef>
-              <a:spcAft>
-                <a:spcPts val="0"/>
-              </a:spcAft>
-              <a:buClrTx/>
-              <a:buSzTx/>
-              <a:buFontTx/>
-              <a:buNone/>
-              <a:tabLst/>
-              <a:defRPr/>
-            </a:pPr>
-            <a:r>
-              <a:rPr kumimoji="1" lang="ja-JP" altLang="en-US" sz="1600" b="0" i="0" u="none" strike="noStrike" kern="1200" cap="none" spc="0" normalizeH="0" baseline="0" noProof="0" dirty="0">
-                <a:ln>
-                  <a:noFill/>
-                </a:ln>
-                <a:solidFill>
-                  <a:prstClr val="white"/>
-                </a:solidFill>
-                <a:effectLst/>
-                <a:uLnTx/>
-                <a:uFillTx/>
-                <a:latin typeface="游ゴシック" panose="02110004020202020204"/>
-                <a:ea typeface="游ゴシック" panose="020B0400000000000000" pitchFamily="50" charset="-128"/>
-                <a:cs typeface="+mn-cs"/>
-              </a:rPr>
+            <a:pPr algn="ctr"/>
+            <a:r>
+              <a:rPr kumimoji="1" lang="ja-JP" altLang="en-US" sz="1600" dirty="0"/>
               <a:t>問題点</a:t>
             </a:r>
           </a:p>
@@ -8890,7 +10305,7 @@
         <p:spPr>
           <a:xfrm>
             <a:off x="1175665" y="1891021"/>
-            <a:ext cx="10613564" cy="646331"/>
+            <a:ext cx="10613564" cy="923330"/>
           </a:xfrm>
           <a:prstGeom prst="rect">
             <a:avLst/>
@@ -8910,229 +10325,35 @@
           </a:bodyPr>
           <a:lstStyle/>
           <a:p>
-            <a:pPr marL="0" marR="0" lvl="0" indent="0" algn="l" defTabSz="914400" rtl="0" eaLnBrk="1" fontAlgn="auto" latinLnBrk="0" hangingPunct="1">
-              <a:lnSpc>
-                <a:spcPct val="100000"/>
-              </a:lnSpc>
-              <a:spcBef>
-                <a:spcPts val="0"/>
-              </a:spcBef>
-              <a:spcAft>
-                <a:spcPts val="0"/>
-              </a:spcAft>
-              <a:buClrTx/>
-              <a:buSzTx/>
-              <a:buFontTx/>
-              <a:buNone/>
-              <a:tabLst/>
-              <a:defRPr/>
-            </a:pPr>
-            <a:r>
-              <a:rPr kumimoji="1" lang="ja-JP" altLang="en-US" sz="1800" b="0" i="0" u="none" strike="noStrike" kern="1200" cap="none" spc="0" normalizeH="0" baseline="0" noProof="0" dirty="0">
-                <a:ln>
-                  <a:noFill/>
-                </a:ln>
-                <a:solidFill>
-                  <a:prstClr val="black"/>
-                </a:solidFill>
-                <a:effectLst/>
-                <a:uLnTx/>
-                <a:uFillTx/>
-                <a:latin typeface="游ゴシック" panose="02110004020202020204"/>
-                <a:ea typeface="游ゴシック" panose="020B0400000000000000" pitchFamily="50" charset="-128"/>
-                <a:cs typeface="+mn-cs"/>
-              </a:rPr>
-              <a:t>１</a:t>
-            </a:r>
-            <a:r>
-              <a:rPr kumimoji="1" lang="en-US" altLang="ja-JP" sz="1800" b="0" i="0" u="none" strike="noStrike" kern="1200" cap="none" spc="0" normalizeH="0" baseline="0" noProof="0" dirty="0">
-                <a:ln>
-                  <a:noFill/>
-                </a:ln>
-                <a:solidFill>
-                  <a:prstClr val="black"/>
-                </a:solidFill>
-                <a:effectLst/>
-                <a:uLnTx/>
-                <a:uFillTx/>
-                <a:latin typeface="游ゴシック" panose="02110004020202020204"/>
-                <a:ea typeface="游ゴシック" panose="020B0400000000000000" pitchFamily="50" charset="-128"/>
-                <a:cs typeface="+mn-cs"/>
-              </a:rPr>
-              <a:t>.</a:t>
-            </a:r>
-            <a:r>
-              <a:rPr kumimoji="1" lang="ja-JP" altLang="en-US" sz="1800" b="0" i="0" u="none" strike="noStrike" kern="1200" cap="none" spc="0" normalizeH="0" baseline="0" noProof="0" dirty="0">
-                <a:ln>
-                  <a:noFill/>
-                </a:ln>
-                <a:solidFill>
-                  <a:prstClr val="black"/>
-                </a:solidFill>
-                <a:effectLst/>
-                <a:uLnTx/>
-                <a:uFillTx/>
-                <a:latin typeface="游ゴシック" panose="02110004020202020204"/>
-                <a:ea typeface="游ゴシック" panose="020B0400000000000000" pitchFamily="50" charset="-128"/>
-                <a:cs typeface="+mn-cs"/>
-              </a:rPr>
-              <a:t>修正作業</a:t>
-            </a:r>
-            <a:r>
-              <a:rPr kumimoji="1" lang="en-US" altLang="ja-JP" sz="1800" b="0" i="0" u="none" strike="noStrike" kern="1200" cap="none" spc="0" normalizeH="0" baseline="0" noProof="0" dirty="0">
-                <a:ln>
-                  <a:noFill/>
-                </a:ln>
-                <a:solidFill>
-                  <a:prstClr val="black"/>
-                </a:solidFill>
-                <a:effectLst/>
-                <a:uLnTx/>
-                <a:uFillTx/>
-                <a:latin typeface="游ゴシック" panose="02110004020202020204"/>
-                <a:ea typeface="游ゴシック" panose="020B0400000000000000" pitchFamily="50" charset="-128"/>
-                <a:cs typeface="+mn-cs"/>
-              </a:rPr>
-              <a:t>(</a:t>
-            </a:r>
-            <a:r>
-              <a:rPr kumimoji="1" lang="ja-JP" altLang="en-US" sz="1800" b="0" i="0" u="none" strike="noStrike" kern="1200" cap="none" spc="0" normalizeH="0" baseline="0" noProof="0" dirty="0">
-                <a:ln>
-                  <a:noFill/>
-                </a:ln>
-                <a:solidFill>
-                  <a:prstClr val="black"/>
-                </a:solidFill>
-                <a:effectLst/>
-                <a:uLnTx/>
-                <a:uFillTx/>
-                <a:latin typeface="游ゴシック" panose="02110004020202020204"/>
-                <a:ea typeface="游ゴシック" panose="020B0400000000000000" pitchFamily="50" charset="-128"/>
-                <a:cs typeface="+mn-cs"/>
-              </a:rPr>
-              <a:t>経費申請画面のコード修正・エラーメッセージの修正</a:t>
-            </a:r>
-            <a:r>
-              <a:rPr kumimoji="1" lang="en-US" altLang="ja-JP" sz="1800" b="0" i="0" u="none" strike="noStrike" kern="1200" cap="none" spc="0" normalizeH="0" baseline="0" noProof="0" dirty="0">
-                <a:ln>
-                  <a:noFill/>
-                </a:ln>
-                <a:solidFill>
-                  <a:prstClr val="black"/>
-                </a:solidFill>
-                <a:effectLst/>
-                <a:uLnTx/>
-                <a:uFillTx/>
-                <a:latin typeface="游ゴシック" panose="02110004020202020204"/>
-                <a:ea typeface="游ゴシック" panose="020B0400000000000000" pitchFamily="50" charset="-128"/>
-                <a:cs typeface="+mn-cs"/>
-              </a:rPr>
-              <a:t>)</a:t>
-            </a:r>
-          </a:p>
-          <a:p>
-            <a:pPr marL="0" marR="0" lvl="0" indent="0" algn="l" defTabSz="914400" rtl="0" eaLnBrk="1" fontAlgn="auto" latinLnBrk="0" hangingPunct="1">
-              <a:lnSpc>
-                <a:spcPct val="100000"/>
-              </a:lnSpc>
-              <a:spcBef>
-                <a:spcPts val="0"/>
-              </a:spcBef>
-              <a:spcAft>
-                <a:spcPts val="0"/>
-              </a:spcAft>
-              <a:buClrTx/>
-              <a:buSzTx/>
-              <a:buFontTx/>
-              <a:buNone/>
-              <a:tabLst/>
-              <a:defRPr/>
-            </a:pPr>
-            <a:r>
-              <a:rPr kumimoji="1" lang="ja-JP" altLang="en-US" sz="1800" b="0" i="0" u="none" strike="noStrike" kern="1200" cap="none" spc="0" normalizeH="0" baseline="0" noProof="0" dirty="0">
-                <a:ln>
-                  <a:noFill/>
-                </a:ln>
-                <a:solidFill>
-                  <a:prstClr val="black"/>
-                </a:solidFill>
-                <a:effectLst/>
-                <a:uLnTx/>
-                <a:uFillTx/>
-                <a:latin typeface="游ゴシック" panose="02110004020202020204"/>
-                <a:ea typeface="游ゴシック" panose="020B0400000000000000" pitchFamily="50" charset="-128"/>
-                <a:cs typeface="+mn-cs"/>
-              </a:rPr>
-              <a:t>２．単体テストコード作成（</a:t>
-            </a:r>
-            <a:r>
-              <a:rPr kumimoji="1" lang="en-US" altLang="ja-JP" sz="1800" b="0" i="0" u="none" strike="noStrike" kern="1200" cap="none" spc="0" normalizeH="0" baseline="0" noProof="0" dirty="0" err="1">
-                <a:ln>
-                  <a:noFill/>
-                </a:ln>
-                <a:solidFill>
-                  <a:prstClr val="black"/>
-                </a:solidFill>
-                <a:effectLst/>
-                <a:uLnTx/>
-                <a:uFillTx/>
-                <a:latin typeface="游ゴシック" panose="02110004020202020204"/>
-                <a:ea typeface="游ゴシック" panose="020B0400000000000000" pitchFamily="50" charset="-128"/>
-                <a:cs typeface="+mn-cs"/>
-              </a:rPr>
-              <a:t>LoginService</a:t>
-            </a:r>
-            <a:r>
-              <a:rPr kumimoji="1" lang="ja-JP" altLang="en-US" sz="1800" b="0" i="0" u="none" strike="noStrike" kern="1200" cap="none" spc="0" normalizeH="0" baseline="0" noProof="0" dirty="0">
-                <a:ln>
-                  <a:noFill/>
-                </a:ln>
-                <a:solidFill>
-                  <a:prstClr val="black"/>
-                </a:solidFill>
-                <a:effectLst/>
-                <a:uLnTx/>
-                <a:uFillTx/>
-                <a:latin typeface="游ゴシック" panose="02110004020202020204"/>
-                <a:ea typeface="游ゴシック" panose="020B0400000000000000" pitchFamily="50" charset="-128"/>
-                <a:cs typeface="+mn-cs"/>
-              </a:rPr>
-              <a:t>と</a:t>
-            </a:r>
-            <a:r>
-              <a:rPr kumimoji="1" lang="en-US" altLang="ja-JP" sz="1800" b="0" i="0" u="none" strike="noStrike" kern="1200" cap="none" spc="0" normalizeH="0" baseline="0" noProof="0" dirty="0" err="1">
-                <a:ln>
-                  <a:noFill/>
-                </a:ln>
-                <a:solidFill>
-                  <a:prstClr val="black"/>
-                </a:solidFill>
-                <a:effectLst/>
-                <a:uLnTx/>
-                <a:uFillTx/>
-                <a:latin typeface="游ゴシック" panose="02110004020202020204"/>
-                <a:ea typeface="游ゴシック" panose="020B0400000000000000" pitchFamily="50" charset="-128"/>
-                <a:cs typeface="+mn-cs"/>
-              </a:rPr>
-              <a:t>ExpenseApplicationService</a:t>
-            </a:r>
-            <a:r>
-              <a:rPr kumimoji="1" lang="ja-JP" altLang="en-US" sz="1800" b="0" i="0" u="none" strike="noStrike" kern="1200" cap="none" spc="0" normalizeH="0" baseline="0" noProof="0" dirty="0">
-                <a:ln>
-                  <a:noFill/>
-                </a:ln>
-                <a:solidFill>
-                  <a:prstClr val="black"/>
-                </a:solidFill>
-                <a:effectLst/>
-                <a:uLnTx/>
-                <a:uFillTx/>
-                <a:latin typeface="游ゴシック" panose="02110004020202020204"/>
-                <a:ea typeface="游ゴシック" panose="020B0400000000000000" pitchFamily="50" charset="-128"/>
-                <a:cs typeface="+mn-cs"/>
-              </a:rPr>
-              <a:t>のテストコード作成）</a:t>
-            </a:r>
+            <a:r>
+              <a:rPr lang="en-US" altLang="ja-JP" dirty="0"/>
+              <a:t>- Issue</a:t>
+            </a:r>
+            <a:r>
+              <a:rPr lang="ja-JP" altLang="en-US" dirty="0"/>
+              <a:t>の登録し、簡単ものを修正</a:t>
+            </a:r>
+          </a:p>
+          <a:p>
+            <a:r>
+              <a:rPr lang="en-US" altLang="ja-JP" dirty="0"/>
+              <a:t>- DAO</a:t>
+            </a:r>
+            <a:r>
+              <a:rPr lang="ja-JP" altLang="en-US" dirty="0"/>
+              <a:t>の単体テスト仕様書の作成</a:t>
+            </a:r>
+          </a:p>
+          <a:p>
+            <a:r>
+              <a:rPr lang="en-US" altLang="ja-JP" dirty="0"/>
+              <a:t>- </a:t>
+            </a:r>
+            <a:r>
+              <a:rPr lang="ja-JP" altLang="en-US" dirty="0"/>
+              <a:t>総合テストの実施</a:t>
+            </a:r>
+            <a:endParaRPr kumimoji="1" lang="ja-JP" altLang="en-US" dirty="0"/>
           </a:p>
         </p:txBody>
       </p:sp>
@@ -9151,7 +10372,7 @@
         <p:spPr>
           <a:xfrm>
             <a:off x="1175665" y="3170459"/>
-            <a:ext cx="10613564" cy="646331"/>
+            <a:ext cx="10613564" cy="369332"/>
           </a:xfrm>
           <a:prstGeom prst="rect">
             <a:avLst/>
@@ -9171,121 +10392,14 @@
           </a:bodyPr>
           <a:lstStyle/>
           <a:p>
-            <a:pPr marL="0" marR="0" lvl="0" indent="0" algn="l" defTabSz="914400" rtl="0" eaLnBrk="1" fontAlgn="auto" latinLnBrk="0" hangingPunct="1">
-              <a:lnSpc>
-                <a:spcPct val="100000"/>
-              </a:lnSpc>
-              <a:spcBef>
-                <a:spcPts val="0"/>
-              </a:spcBef>
-              <a:spcAft>
-                <a:spcPts val="0"/>
-              </a:spcAft>
-              <a:buClrTx/>
-              <a:buSzTx/>
-              <a:buFontTx/>
-              <a:buNone/>
-              <a:tabLst/>
-              <a:defRPr/>
-            </a:pPr>
-            <a:r>
-              <a:rPr kumimoji="1" lang="ja-JP" altLang="en-US" sz="1800" b="0" i="0" u="none" strike="noStrike" kern="1200" cap="none" spc="0" normalizeH="0" baseline="0" noProof="0" dirty="0">
-                <a:ln>
-                  <a:noFill/>
-                </a:ln>
-                <a:solidFill>
-                  <a:prstClr val="black"/>
-                </a:solidFill>
-                <a:effectLst/>
-                <a:uLnTx/>
-                <a:uFillTx/>
-                <a:latin typeface="游ゴシック" panose="02110004020202020204"/>
-                <a:ea typeface="游ゴシック" panose="020B0400000000000000" pitchFamily="50" charset="-128"/>
-                <a:cs typeface="+mn-cs"/>
-              </a:rPr>
-              <a:t>１．</a:t>
-            </a:r>
-            <a:r>
-              <a:rPr kumimoji="1" lang="en-US" altLang="ja-JP" sz="1800" b="0" i="0" u="none" strike="noStrike" kern="1200" cap="none" spc="0" normalizeH="0" baseline="0" noProof="0" dirty="0" err="1">
-                <a:ln>
-                  <a:noFill/>
-                </a:ln>
-                <a:solidFill>
-                  <a:prstClr val="black"/>
-                </a:solidFill>
-                <a:effectLst/>
-                <a:uLnTx/>
-                <a:uFillTx/>
-                <a:latin typeface="游ゴシック" panose="02110004020202020204"/>
-                <a:ea typeface="游ゴシック" panose="020B0400000000000000" pitchFamily="50" charset="-128"/>
-                <a:cs typeface="+mn-cs"/>
-              </a:rPr>
-              <a:t>gitHub</a:t>
-            </a:r>
-            <a:r>
-              <a:rPr kumimoji="1" lang="ja-JP" altLang="en-US" sz="1800" b="0" i="0" u="none" strike="noStrike" kern="1200" cap="none" spc="0" normalizeH="0" baseline="0" noProof="0" dirty="0">
-                <a:ln>
-                  <a:noFill/>
-                </a:ln>
-                <a:solidFill>
-                  <a:prstClr val="black"/>
-                </a:solidFill>
-                <a:effectLst/>
-                <a:uLnTx/>
-                <a:uFillTx/>
-                <a:latin typeface="游ゴシック" panose="02110004020202020204"/>
-                <a:ea typeface="游ゴシック" panose="020B0400000000000000" pitchFamily="50" charset="-128"/>
-                <a:cs typeface="+mn-cs"/>
-              </a:rPr>
-              <a:t>で問題が起きることを想定し、修正ポイント等をコメントに残しておいたこと</a:t>
-            </a:r>
-            <a:endParaRPr kumimoji="1" lang="en-US" altLang="ja-JP" sz="1800" b="0" i="0" u="none" strike="noStrike" kern="1200" cap="none" spc="0" normalizeH="0" baseline="0" noProof="0" dirty="0">
-              <a:ln>
-                <a:noFill/>
-              </a:ln>
-              <a:solidFill>
-                <a:prstClr val="black"/>
-              </a:solidFill>
-              <a:effectLst/>
-              <a:uLnTx/>
-              <a:uFillTx/>
-              <a:latin typeface="游ゴシック" panose="02110004020202020204"/>
-              <a:ea typeface="游ゴシック" panose="020B0400000000000000" pitchFamily="50" charset="-128"/>
-              <a:cs typeface="+mn-cs"/>
-            </a:endParaRPr>
-          </a:p>
-          <a:p>
-            <a:pPr marL="0" marR="0" lvl="0" indent="0" algn="l" defTabSz="914400" rtl="0" eaLnBrk="1" fontAlgn="auto" latinLnBrk="0" hangingPunct="1">
-              <a:lnSpc>
-                <a:spcPct val="100000"/>
-              </a:lnSpc>
-              <a:spcBef>
-                <a:spcPts val="0"/>
-              </a:spcBef>
-              <a:spcAft>
-                <a:spcPts val="0"/>
-              </a:spcAft>
-              <a:buClrTx/>
-              <a:buSzTx/>
-              <a:buFontTx/>
-              <a:buNone/>
-              <a:tabLst/>
-              <a:defRPr/>
-            </a:pPr>
-            <a:endParaRPr kumimoji="1" lang="en-US" altLang="ja-JP" sz="1800" b="0" i="0" u="none" strike="noStrike" kern="1200" cap="none" spc="0" normalizeH="0" baseline="0" noProof="0" dirty="0">
-              <a:ln>
-                <a:noFill/>
-              </a:ln>
-              <a:solidFill>
-                <a:prstClr val="black"/>
-              </a:solidFill>
-              <a:effectLst/>
-              <a:uLnTx/>
-              <a:uFillTx/>
-              <a:latin typeface="游ゴシック" panose="02110004020202020204"/>
-              <a:ea typeface="游ゴシック" panose="020B0400000000000000" pitchFamily="50" charset="-128"/>
-              <a:cs typeface="+mn-cs"/>
-            </a:endParaRPr>
+            <a:r>
+              <a:rPr lang="en-US" altLang="ja-JP" dirty="0"/>
+              <a:t>- </a:t>
+            </a:r>
+            <a:r>
+              <a:rPr lang="ja-JP" altLang="en-US" dirty="0"/>
+              <a:t>単体テスト仕様書を、他のメンバーにも理解しやすいように意識して記述した</a:t>
+            </a:r>
           </a:p>
         </p:txBody>
       </p:sp>
@@ -9303,8 +10417,8 @@
         </p:nvSpPr>
         <p:spPr>
           <a:xfrm>
-            <a:off x="1175665" y="5654390"/>
-            <a:ext cx="10613564" cy="646331"/>
+            <a:off x="1175665" y="5740029"/>
+            <a:ext cx="10613564" cy="923330"/>
           </a:xfrm>
           <a:prstGeom prst="rect">
             <a:avLst/>
@@ -9324,124 +10438,26 @@
           </a:bodyPr>
           <a:lstStyle/>
           <a:p>
-            <a:pPr marL="0" marR="0" lvl="0" indent="0" algn="l" defTabSz="914400" rtl="0" eaLnBrk="1" fontAlgn="auto" latinLnBrk="0" hangingPunct="1">
-              <a:lnSpc>
-                <a:spcPct val="100000"/>
-              </a:lnSpc>
-              <a:spcBef>
-                <a:spcPts val="0"/>
-              </a:spcBef>
-              <a:spcAft>
-                <a:spcPts val="0"/>
-              </a:spcAft>
-              <a:buClrTx/>
-              <a:buSzTx/>
+            <a:pPr marL="285750" indent="-285750">
               <a:buFontTx/>
-              <a:buNone/>
-              <a:tabLst/>
-              <a:defRPr/>
+              <a:buChar char="-"/>
             </a:pPr>
             <a:r>
-              <a:rPr kumimoji="1" lang="ja-JP" altLang="en-US" sz="1800" b="0" i="0" u="none" strike="noStrike" kern="1200" cap="none" spc="0" normalizeH="0" baseline="0" noProof="0" dirty="0">
-                <a:ln>
-                  <a:noFill/>
-                </a:ln>
-                <a:solidFill>
-                  <a:prstClr val="black"/>
-                </a:solidFill>
-                <a:effectLst/>
-                <a:uLnTx/>
-                <a:uFillTx/>
-                <a:latin typeface="游ゴシック" panose="02110004020202020204"/>
-                <a:ea typeface="游ゴシック" panose="020B0400000000000000" pitchFamily="50" charset="-128"/>
-                <a:cs typeface="+mn-cs"/>
-              </a:rPr>
-              <a:t>１．</a:t>
-            </a:r>
-            <a:r>
-              <a:rPr kumimoji="1" lang="en-US" altLang="ja-JP" sz="1800" b="0" i="0" u="none" strike="noStrike" kern="1200" cap="none" spc="0" normalizeH="0" baseline="0" noProof="0" dirty="0">
-                <a:ln>
-                  <a:noFill/>
-                </a:ln>
-                <a:solidFill>
-                  <a:prstClr val="black"/>
-                </a:solidFill>
-                <a:effectLst/>
-                <a:uLnTx/>
-                <a:uFillTx/>
-                <a:latin typeface="游ゴシック" panose="02110004020202020204"/>
-                <a:ea typeface="游ゴシック" panose="020B0400000000000000" pitchFamily="50" charset="-128"/>
-                <a:cs typeface="+mn-cs"/>
-              </a:rPr>
-              <a:t>Git</a:t>
-            </a:r>
-            <a:r>
-              <a:rPr kumimoji="1" lang="ja-JP" altLang="en-US" sz="1800" b="0" i="0" u="none" strike="noStrike" kern="1200" cap="none" spc="0" normalizeH="0" baseline="0" noProof="0" dirty="0">
-                <a:ln>
-                  <a:noFill/>
-                </a:ln>
-                <a:solidFill>
-                  <a:prstClr val="black"/>
-                </a:solidFill>
-                <a:effectLst/>
-                <a:uLnTx/>
-                <a:uFillTx/>
-                <a:latin typeface="游ゴシック" panose="02110004020202020204"/>
-                <a:ea typeface="游ゴシック" panose="020B0400000000000000" pitchFamily="50" charset="-128"/>
-                <a:cs typeface="+mn-cs"/>
-              </a:rPr>
-              <a:t>の運用方法の確認と学習</a:t>
-            </a:r>
-            <a:endParaRPr kumimoji="1" lang="en-US" altLang="ja-JP" sz="1800" b="0" i="0" u="none" strike="noStrike" kern="1200" cap="none" spc="0" normalizeH="0" baseline="0" noProof="0" dirty="0">
-              <a:ln>
-                <a:noFill/>
-              </a:ln>
-              <a:solidFill>
-                <a:prstClr val="black"/>
-              </a:solidFill>
-              <a:effectLst/>
-              <a:uLnTx/>
-              <a:uFillTx/>
-              <a:latin typeface="游ゴシック" panose="02110004020202020204"/>
-              <a:ea typeface="游ゴシック" panose="020B0400000000000000" pitchFamily="50" charset="-128"/>
-              <a:cs typeface="+mn-cs"/>
-            </a:endParaRPr>
-          </a:p>
-          <a:p>
-            <a:pPr marL="0" marR="0" lvl="0" indent="0" algn="l" defTabSz="914400" rtl="0" eaLnBrk="1" fontAlgn="auto" latinLnBrk="0" hangingPunct="1">
-              <a:lnSpc>
-                <a:spcPct val="100000"/>
-              </a:lnSpc>
-              <a:spcBef>
-                <a:spcPts val="0"/>
-              </a:spcBef>
-              <a:spcAft>
-                <a:spcPts val="0"/>
-              </a:spcAft>
-              <a:buClrTx/>
-              <a:buSzTx/>
+              <a:rPr lang="ja-JP" altLang="en-US" dirty="0"/>
+              <a:t>コミットコメントが分かりづらく、履歴をたどるのが困難だったため、今後はもっと意味のあるコメントを意識したい</a:t>
+            </a:r>
+            <a:endParaRPr lang="en-US" altLang="ja-JP" dirty="0"/>
+          </a:p>
+          <a:p>
+            <a:pPr marL="285750" indent="-285750">
               <a:buFontTx/>
-              <a:buNone/>
-              <a:tabLst/>
-              <a:defRPr/>
+              <a:buChar char="-"/>
             </a:pPr>
             <a:r>
-              <a:rPr kumimoji="1" lang="ja-JP" altLang="en-US" sz="1800" b="0" i="0" u="none" strike="noStrike" kern="1200" cap="none" spc="0" normalizeH="0" baseline="0" noProof="0" dirty="0">
-                <a:ln>
-                  <a:noFill/>
-                </a:ln>
-                <a:solidFill>
-                  <a:prstClr val="black"/>
-                </a:solidFill>
-                <a:effectLst/>
-                <a:uLnTx/>
-                <a:uFillTx/>
-                <a:latin typeface="游ゴシック" panose="02110004020202020204"/>
-                <a:ea typeface="游ゴシック" panose="020B0400000000000000" pitchFamily="50" charset="-128"/>
-                <a:cs typeface="+mn-cs"/>
-              </a:rPr>
-              <a:t>２．全体像の把握し、作業配分を考えること</a:t>
-            </a:r>
+              <a:rPr lang="ja-JP" altLang="en-US" dirty="0"/>
+              <a:t>今後リーダーをやるときは完璧じゃなくても、方向性を持てるように意識したい</a:t>
+            </a:r>
+            <a:endParaRPr lang="en-US" altLang="ja-JP" dirty="0"/>
           </a:p>
         </p:txBody>
       </p:sp>
@@ -9460,7 +10476,7 @@
         <p:spPr>
           <a:xfrm>
             <a:off x="1175665" y="4406126"/>
-            <a:ext cx="10613564" cy="923330"/>
+            <a:ext cx="10613564" cy="1200329"/>
           </a:xfrm>
           <a:prstGeom prst="rect">
             <a:avLst/>
@@ -9480,205 +10496,44 @@
           </a:bodyPr>
           <a:lstStyle/>
           <a:p>
-            <a:pPr marL="0" marR="0" lvl="0" indent="0" algn="l" defTabSz="914400" rtl="0" eaLnBrk="1" fontAlgn="auto" latinLnBrk="0" hangingPunct="1">
-              <a:lnSpc>
-                <a:spcPct val="100000"/>
-              </a:lnSpc>
-              <a:spcBef>
-                <a:spcPts val="0"/>
-              </a:spcBef>
-              <a:spcAft>
-                <a:spcPts val="0"/>
-              </a:spcAft>
-              <a:buClrTx/>
-              <a:buSzTx/>
+            <a:r>
+              <a:rPr lang="en-US" altLang="ja-JP" dirty="0"/>
+              <a:t>- GitHub</a:t>
+            </a:r>
+            <a:r>
+              <a:rPr lang="ja-JP" altLang="en-US" dirty="0"/>
+              <a:t>やコマンドの使い方に苦戦し、初日は作業に入るまで時間がかかってしまった</a:t>
+            </a:r>
+          </a:p>
+          <a:p>
+            <a:pPr marL="285750" indent="-285750">
               <a:buFontTx/>
-              <a:buNone/>
-              <a:tabLst/>
-              <a:defRPr/>
+              <a:buChar char="-"/>
             </a:pPr>
             <a:r>
-              <a:rPr kumimoji="1" lang="ja-JP" altLang="en-US" sz="1800" b="0" i="0" u="none" strike="noStrike" kern="1200" cap="none" spc="0" normalizeH="0" baseline="0" noProof="0" dirty="0">
-                <a:ln>
-                  <a:noFill/>
-                </a:ln>
-                <a:solidFill>
-                  <a:prstClr val="black"/>
-                </a:solidFill>
-                <a:effectLst/>
-                <a:uLnTx/>
-                <a:uFillTx/>
-                <a:latin typeface="游ゴシック" panose="02110004020202020204"/>
-                <a:ea typeface="游ゴシック" panose="020B0400000000000000" pitchFamily="50" charset="-128"/>
-                <a:cs typeface="+mn-cs"/>
-              </a:rPr>
-              <a:t>１．</a:t>
-            </a:r>
-            <a:r>
-              <a:rPr kumimoji="1" lang="en-US" altLang="ja-JP" sz="1800" b="0" i="0" u="none" strike="noStrike" kern="1200" cap="none" spc="0" normalizeH="0" baseline="0" noProof="0" dirty="0">
-                <a:ln>
-                  <a:noFill/>
-                </a:ln>
-                <a:solidFill>
-                  <a:prstClr val="black"/>
-                </a:solidFill>
-                <a:effectLst/>
-                <a:uLnTx/>
-                <a:uFillTx/>
-                <a:latin typeface="游ゴシック" panose="02110004020202020204"/>
-                <a:ea typeface="游ゴシック" panose="020B0400000000000000" pitchFamily="50" charset="-128"/>
-                <a:cs typeface="+mn-cs"/>
-              </a:rPr>
-              <a:t>GitHub</a:t>
-            </a:r>
-            <a:r>
-              <a:rPr kumimoji="1" lang="ja-JP" altLang="en-US" sz="1800" b="0" i="0" u="none" strike="noStrike" kern="1200" cap="none" spc="0" normalizeH="0" baseline="0" noProof="0" dirty="0">
-                <a:ln>
-                  <a:noFill/>
-                </a:ln>
-                <a:solidFill>
-                  <a:prstClr val="black"/>
-                </a:solidFill>
-                <a:effectLst/>
-                <a:uLnTx/>
-                <a:uFillTx/>
-                <a:latin typeface="游ゴシック" panose="02110004020202020204"/>
-                <a:ea typeface="游ゴシック" panose="020B0400000000000000" pitchFamily="50" charset="-128"/>
-                <a:cs typeface="+mn-cs"/>
-              </a:rPr>
-              <a:t>のコンフリクトやマージがが頻発。バージョン修正作業の発生</a:t>
-            </a:r>
-            <a:endParaRPr kumimoji="1" lang="en-US" altLang="ja-JP" sz="1800" b="0" i="0" u="none" strike="noStrike" kern="1200" cap="none" spc="0" normalizeH="0" baseline="0" noProof="0" dirty="0">
-              <a:ln>
-                <a:noFill/>
-              </a:ln>
-              <a:solidFill>
-                <a:prstClr val="black"/>
-              </a:solidFill>
-              <a:effectLst/>
-              <a:uLnTx/>
-              <a:uFillTx/>
-              <a:latin typeface="游ゴシック" panose="02110004020202020204"/>
-              <a:ea typeface="游ゴシック" panose="020B0400000000000000" pitchFamily="50" charset="-128"/>
-              <a:cs typeface="+mn-cs"/>
-            </a:endParaRPr>
-          </a:p>
-          <a:p>
-            <a:pPr marL="0" marR="0" lvl="0" indent="0" algn="l" defTabSz="914400" rtl="0" eaLnBrk="1" fontAlgn="auto" latinLnBrk="0" hangingPunct="1">
-              <a:lnSpc>
-                <a:spcPct val="100000"/>
-              </a:lnSpc>
-              <a:spcBef>
-                <a:spcPts val="0"/>
-              </a:spcBef>
-              <a:spcAft>
-                <a:spcPts val="0"/>
-              </a:spcAft>
-              <a:buClrTx/>
-              <a:buSzTx/>
+              <a:rPr lang="ja-JP" altLang="en-US" dirty="0"/>
+              <a:t>他メンバーの時間を奪ってしまった反省から、メモ帳で操作を整理して、</a:t>
+            </a:r>
+            <a:r>
+              <a:rPr lang="en-US" altLang="ja-JP" dirty="0"/>
+              <a:t>2</a:t>
+            </a:r>
+            <a:r>
+              <a:rPr lang="ja-JP" altLang="en-US" dirty="0"/>
+              <a:t>日目以降はスムーズに進められるよう工夫した</a:t>
+            </a:r>
+            <a:endParaRPr lang="en-US" altLang="ja-JP" dirty="0"/>
+          </a:p>
+          <a:p>
+            <a:pPr marL="285750" indent="-285750">
               <a:buFontTx/>
-              <a:buNone/>
-              <a:tabLst/>
-              <a:defRPr/>
+              <a:buChar char="-"/>
             </a:pPr>
             <a:r>
-              <a:rPr kumimoji="1" lang="ja-JP" altLang="en-US" sz="1800" b="0" i="0" u="none" strike="noStrike" kern="1200" cap="none" spc="0" normalizeH="0" baseline="0" noProof="0" dirty="0">
-                <a:ln>
-                  <a:noFill/>
-                </a:ln>
-                <a:solidFill>
-                  <a:prstClr val="black"/>
-                </a:solidFill>
-                <a:effectLst/>
-                <a:uLnTx/>
-                <a:uFillTx/>
-                <a:latin typeface="游ゴシック" panose="02110004020202020204"/>
-                <a:ea typeface="游ゴシック" panose="020B0400000000000000" pitchFamily="50" charset="-128"/>
-                <a:cs typeface="+mn-cs"/>
-              </a:rPr>
-              <a:t>２</a:t>
-            </a:r>
-            <a:r>
-              <a:rPr kumimoji="1" lang="en-US" altLang="ja-JP" sz="1800" b="0" i="0" u="none" strike="noStrike" kern="1200" cap="none" spc="0" normalizeH="0" baseline="0" noProof="0" dirty="0">
-                <a:ln>
-                  <a:noFill/>
-                </a:ln>
-                <a:solidFill>
-                  <a:prstClr val="black"/>
-                </a:solidFill>
-                <a:effectLst/>
-                <a:uLnTx/>
-                <a:uFillTx/>
-                <a:latin typeface="游ゴシック" panose="02110004020202020204"/>
-                <a:ea typeface="游ゴシック" panose="020B0400000000000000" pitchFamily="50" charset="-128"/>
-                <a:cs typeface="+mn-cs"/>
-              </a:rPr>
-              <a:t>.</a:t>
-            </a:r>
-            <a:r>
-              <a:rPr kumimoji="1" lang="ja-JP" altLang="en-US" sz="1800" b="0" i="0" u="none" strike="noStrike" kern="1200" cap="none" spc="0" normalizeH="0" baseline="0" noProof="0" dirty="0">
-                <a:ln>
-                  <a:noFill/>
-                </a:ln>
-                <a:solidFill>
-                  <a:prstClr val="black"/>
-                </a:solidFill>
-                <a:effectLst/>
-                <a:uLnTx/>
-                <a:uFillTx/>
-                <a:latin typeface="游ゴシック" panose="02110004020202020204"/>
-                <a:ea typeface="游ゴシック" panose="020B0400000000000000" pitchFamily="50" charset="-128"/>
-                <a:cs typeface="+mn-cs"/>
-              </a:rPr>
-              <a:t>モジュール間の結合範囲を把握できていなかった。コード修正により、複数エラーが発生</a:t>
-            </a:r>
-            <a:endParaRPr kumimoji="1" lang="en-US" altLang="ja-JP" sz="1800" b="0" i="0" u="none" strike="noStrike" kern="1200" cap="none" spc="0" normalizeH="0" baseline="0" noProof="0" dirty="0">
-              <a:ln>
-                <a:noFill/>
-              </a:ln>
-              <a:solidFill>
-                <a:prstClr val="black"/>
-              </a:solidFill>
-              <a:effectLst/>
-              <a:uLnTx/>
-              <a:uFillTx/>
-              <a:latin typeface="游ゴシック" panose="02110004020202020204"/>
-              <a:ea typeface="游ゴシック" panose="020B0400000000000000" pitchFamily="50" charset="-128"/>
-              <a:cs typeface="+mn-cs"/>
-            </a:endParaRPr>
-          </a:p>
-          <a:p>
-            <a:pPr marL="0" marR="0" lvl="0" indent="0" algn="l" defTabSz="914400" rtl="0" eaLnBrk="1" fontAlgn="auto" latinLnBrk="0" hangingPunct="1">
-              <a:lnSpc>
-                <a:spcPct val="100000"/>
-              </a:lnSpc>
-              <a:spcBef>
-                <a:spcPts val="0"/>
-              </a:spcBef>
-              <a:spcAft>
-                <a:spcPts val="0"/>
-              </a:spcAft>
-              <a:buClrTx/>
-              <a:buSzTx/>
-              <a:buFontTx/>
-              <a:buNone/>
-              <a:tabLst/>
-              <a:defRPr/>
-            </a:pPr>
-            <a:endParaRPr kumimoji="1" lang="ja-JP" altLang="en-US" sz="1800" b="0" i="0" u="none" strike="noStrike" kern="1200" cap="none" spc="0" normalizeH="0" baseline="0" noProof="0" dirty="0">
-              <a:ln>
-                <a:noFill/>
-              </a:ln>
-              <a:solidFill>
-                <a:prstClr val="black"/>
-              </a:solidFill>
-              <a:effectLst/>
-              <a:uLnTx/>
-              <a:uFillTx/>
-              <a:latin typeface="游ゴシック" panose="02110004020202020204"/>
-              <a:ea typeface="游ゴシック" panose="020B0400000000000000" pitchFamily="50" charset="-128"/>
-              <a:cs typeface="+mn-cs"/>
-            </a:endParaRPr>
+              <a:rPr lang="ja-JP" altLang="en-US" dirty="0"/>
+              <a:t>メンバーが積極的に動いてくれたので助かったが、リーダーとしての動きはできていなかった</a:t>
+            </a:r>
+            <a:endParaRPr lang="en-US" altLang="ja-JP" dirty="0"/>
           </a:p>
         </p:txBody>
       </p:sp>
@@ -9687,7 +10542,7 @@
           <p:cNvPr id="4" name="リボン: 上に曲がる 3">
             <a:extLst>
               <a:ext uri="{FF2B5EF4-FFF2-40B4-BE49-F238E27FC236}">
-                <a16:creationId xmlns:a16="http://schemas.microsoft.com/office/drawing/2014/main" id="{368958BF-A93C-FAAA-A63C-6CDD805E69D6}"/>
+                <a16:creationId xmlns:a16="http://schemas.microsoft.com/office/drawing/2014/main" id="{54402D5F-6922-DD10-0F53-D4F6EFD90017}"/>
               </a:ext>
             </a:extLst>
           </p:cNvPr>
@@ -9726,7 +10581,7 @@
             <a:pPr algn="ctr"/>
             <a:r>
               <a:rPr kumimoji="1" lang="ja-JP" altLang="en-US" dirty="0"/>
-              <a:t>テクニカルリーダー</a:t>
+              <a:t>リーダー</a:t>
             </a:r>
           </a:p>
         </p:txBody>
@@ -9734,7 +10589,7 @@
     </p:spTree>
     <p:extLst>
       <p:ext uri="{BB962C8B-B14F-4D97-AF65-F5344CB8AC3E}">
-        <p14:creationId xmlns:p14="http://schemas.microsoft.com/office/powerpoint/2010/main" val="2677372121"/>
+        <p14:creationId xmlns:p14="http://schemas.microsoft.com/office/powerpoint/2010/main" val="951355382"/>
       </p:ext>
     </p:extLst>
   </p:cSld>
@@ -9811,7 +10666,15 @@
                   <a:schemeClr val="accent1"/>
                 </a:solidFill>
               </a:rPr>
-              <a:t>W7374_</a:t>
+              <a:t>W7371_</a:t>
+            </a:r>
+            <a:r>
+              <a:rPr lang="ja-JP" altLang="en-US" b="1" dirty="0">
+                <a:solidFill>
+                  <a:schemeClr val="accent1"/>
+                </a:solidFill>
+              </a:rPr>
+              <a:t>原拓弓</a:t>
             </a:r>
             <a:r>
               <a:rPr kumimoji="1" lang="ja-JP" altLang="en-US" b="1" dirty="0">
@@ -9819,7 +10682,7 @@
                   <a:schemeClr val="accent1"/>
                 </a:solidFill>
               </a:rPr>
-              <a:t>棟方勇志）</a:t>
+              <a:t>）</a:t>
             </a:r>
           </a:p>
         </p:txBody>
@@ -9838,7 +10701,7 @@
         </p:nvSpPr>
         <p:spPr>
           <a:xfrm>
-            <a:off x="97975" y="1861290"/>
+            <a:off x="97975" y="1891021"/>
             <a:ext cx="859979" cy="983776"/>
           </a:xfrm>
           <a:prstGeom prst="rect">
@@ -9870,9 +10733,38 @@
           <a:bodyPr rtlCol="0" anchor="ctr"/>
           <a:lstStyle/>
           <a:p>
-            <a:pPr algn="ctr"/>
-            <a:r>
-              <a:rPr kumimoji="1" lang="ja-JP" altLang="en-US" dirty="0"/>
+            <a:pPr marL="0" marR="0" lvl="0" indent="0" algn="ctr" defTabSz="914400" rtl="0" eaLnBrk="1" fontAlgn="auto" latinLnBrk="0" hangingPunct="1">
+              <a:lnSpc>
+                <a:spcPct val="100000"/>
+              </a:lnSpc>
+              <a:spcBef>
+                <a:spcPts val="0"/>
+              </a:spcBef>
+              <a:spcAft>
+                <a:spcPts val="0"/>
+              </a:spcAft>
+              <a:buClrTx/>
+              <a:buSzTx/>
+              <a:buFontTx/>
+              <a:buNone/>
+              <a:tabLst/>
+              <a:defRPr/>
+            </a:pPr>
+            <a:r>
+              <a:rPr kumimoji="1" lang="ja-JP" altLang="en-US" sz="1800" b="0" i="0" u="none" strike="noStrike" kern="1200" cap="none" spc="0" normalizeH="0" baseline="0" noProof="0" dirty="0">
+                <a:ln>
+                  <a:noFill/>
+                </a:ln>
+                <a:solidFill>
+                  <a:prstClr val="white"/>
+                </a:solidFill>
+                <a:effectLst/>
+                <a:uLnTx/>
+                <a:uFillTx/>
+                <a:latin typeface="游ゴシック" panose="02110004020202020204"/>
+                <a:ea typeface="游ゴシック" panose="020B0400000000000000" pitchFamily="50" charset="-128"/>
+                <a:cs typeface="+mn-cs"/>
+              </a:rPr>
               <a:t>担当</a:t>
             </a:r>
           </a:p>
@@ -9892,7 +10784,7 @@
         </p:nvSpPr>
         <p:spPr>
           <a:xfrm>
-            <a:off x="97975" y="3151881"/>
+            <a:off x="97975" y="3183056"/>
             <a:ext cx="859979" cy="983776"/>
           </a:xfrm>
           <a:prstGeom prst="rect">
@@ -9924,9 +10816,38 @@
           <a:bodyPr rtlCol="0" anchor="ctr"/>
           <a:lstStyle/>
           <a:p>
-            <a:pPr algn="ctr"/>
-            <a:r>
-              <a:rPr kumimoji="1" lang="ja-JP" altLang="en-US" sz="1600" dirty="0"/>
+            <a:pPr marL="0" marR="0" lvl="0" indent="0" algn="ctr" defTabSz="914400" rtl="0" eaLnBrk="1" fontAlgn="auto" latinLnBrk="0" hangingPunct="1">
+              <a:lnSpc>
+                <a:spcPct val="100000"/>
+              </a:lnSpc>
+              <a:spcBef>
+                <a:spcPts val="0"/>
+              </a:spcBef>
+              <a:spcAft>
+                <a:spcPts val="0"/>
+              </a:spcAft>
+              <a:buClrTx/>
+              <a:buSzTx/>
+              <a:buFontTx/>
+              <a:buNone/>
+              <a:tabLst/>
+              <a:defRPr/>
+            </a:pPr>
+            <a:r>
+              <a:rPr kumimoji="1" lang="ja-JP" altLang="en-US" sz="1600" b="0" i="0" u="none" strike="noStrike" kern="1200" cap="none" spc="0" normalizeH="0" baseline="0" noProof="0" dirty="0">
+                <a:ln>
+                  <a:noFill/>
+                </a:ln>
+                <a:solidFill>
+                  <a:prstClr val="white"/>
+                </a:solidFill>
+                <a:effectLst/>
+                <a:uLnTx/>
+                <a:uFillTx/>
+                <a:latin typeface="游ゴシック" panose="02110004020202020204"/>
+                <a:ea typeface="游ゴシック" panose="020B0400000000000000" pitchFamily="50" charset="-128"/>
+                <a:cs typeface="+mn-cs"/>
+              </a:rPr>
               <a:t>工夫点</a:t>
             </a:r>
           </a:p>
@@ -9978,9 +10899,38 @@
           <a:bodyPr rtlCol="0" anchor="ctr"/>
           <a:lstStyle/>
           <a:p>
-            <a:pPr algn="ctr"/>
-            <a:r>
-              <a:rPr kumimoji="1" lang="ja-JP" altLang="en-US" sz="1600" dirty="0"/>
+            <a:pPr marL="0" marR="0" lvl="0" indent="0" algn="ctr" defTabSz="914400" rtl="0" eaLnBrk="1" fontAlgn="auto" latinLnBrk="0" hangingPunct="1">
+              <a:lnSpc>
+                <a:spcPct val="100000"/>
+              </a:lnSpc>
+              <a:spcBef>
+                <a:spcPts val="0"/>
+              </a:spcBef>
+              <a:spcAft>
+                <a:spcPts val="0"/>
+              </a:spcAft>
+              <a:buClrTx/>
+              <a:buSzTx/>
+              <a:buFontTx/>
+              <a:buNone/>
+              <a:tabLst/>
+              <a:defRPr/>
+            </a:pPr>
+            <a:r>
+              <a:rPr kumimoji="1" lang="ja-JP" altLang="en-US" sz="1600" b="0" i="0" u="none" strike="noStrike" kern="1200" cap="none" spc="0" normalizeH="0" baseline="0" noProof="0" dirty="0">
+                <a:ln>
+                  <a:noFill/>
+                </a:ln>
+                <a:solidFill>
+                  <a:prstClr val="white"/>
+                </a:solidFill>
+                <a:effectLst/>
+                <a:uLnTx/>
+                <a:uFillTx/>
+                <a:latin typeface="游ゴシック" panose="02110004020202020204"/>
+                <a:ea typeface="游ゴシック" panose="020B0400000000000000" pitchFamily="50" charset="-128"/>
+                <a:cs typeface="+mn-cs"/>
+              </a:rPr>
               <a:t>今後に向けて</a:t>
             </a:r>
           </a:p>
@@ -10032,9 +10982,38 @@
           <a:bodyPr rtlCol="0" anchor="ctr"/>
           <a:lstStyle/>
           <a:p>
-            <a:pPr algn="ctr"/>
-            <a:r>
-              <a:rPr kumimoji="1" lang="ja-JP" altLang="en-US" sz="1600" dirty="0"/>
+            <a:pPr marL="0" marR="0" lvl="0" indent="0" algn="ctr" defTabSz="914400" rtl="0" eaLnBrk="1" fontAlgn="auto" latinLnBrk="0" hangingPunct="1">
+              <a:lnSpc>
+                <a:spcPct val="100000"/>
+              </a:lnSpc>
+              <a:spcBef>
+                <a:spcPts val="0"/>
+              </a:spcBef>
+              <a:spcAft>
+                <a:spcPts val="0"/>
+              </a:spcAft>
+              <a:buClrTx/>
+              <a:buSzTx/>
+              <a:buFontTx/>
+              <a:buNone/>
+              <a:tabLst/>
+              <a:defRPr/>
+            </a:pPr>
+            <a:r>
+              <a:rPr kumimoji="1" lang="ja-JP" altLang="en-US" sz="1600" b="0" i="0" u="none" strike="noStrike" kern="1200" cap="none" spc="0" normalizeH="0" baseline="0" noProof="0" dirty="0">
+                <a:ln>
+                  <a:noFill/>
+                </a:ln>
+                <a:solidFill>
+                  <a:prstClr val="white"/>
+                </a:solidFill>
+                <a:effectLst/>
+                <a:uLnTx/>
+                <a:uFillTx/>
+                <a:latin typeface="游ゴシック" panose="02110004020202020204"/>
+                <a:ea typeface="游ゴシック" panose="020B0400000000000000" pitchFamily="50" charset="-128"/>
+                <a:cs typeface="+mn-cs"/>
+              </a:rPr>
               <a:t>問題点</a:t>
             </a:r>
           </a:p>
@@ -10042,10 +11021,10 @@
       </p:sp>
       <p:sp>
         <p:nvSpPr>
-          <p:cNvPr id="5" name="テキスト ボックス 4">
-            <a:extLst>
-              <a:ext uri="{FF2B5EF4-FFF2-40B4-BE49-F238E27FC236}">
-                <a16:creationId xmlns:a16="http://schemas.microsoft.com/office/drawing/2014/main" id="{64E2A502-3C56-159B-5AEE-AF3966FA04F7}"/>
+          <p:cNvPr id="3" name="テキスト ボックス 2">
+            <a:extLst>
+              <a:ext uri="{FF2B5EF4-FFF2-40B4-BE49-F238E27FC236}">
+                <a16:creationId xmlns:a16="http://schemas.microsoft.com/office/drawing/2014/main" id="{E403434A-6FE5-5429-D2A9-6DA2B6BD8696}"/>
               </a:ext>
             </a:extLst>
           </p:cNvPr>
@@ -10054,8 +11033,8 @@
         </p:nvSpPr>
         <p:spPr>
           <a:xfrm>
-            <a:off x="1175665" y="3126688"/>
-            <a:ext cx="10613564" cy="1008969"/>
+            <a:off x="1175665" y="1891021"/>
+            <a:ext cx="10613564" cy="646331"/>
           </a:xfrm>
           <a:prstGeom prst="rect">
             <a:avLst/>
@@ -10075,16 +11054,238 @@
           </a:bodyPr>
           <a:lstStyle/>
           <a:p>
-            <a:endParaRPr kumimoji="1" lang="ja-JP" altLang="en-US" dirty="0"/>
-          </a:p>
-        </p:txBody>
-      </p:sp>
-      <p:sp>
-        <p:nvSpPr>
-          <p:cNvPr id="8" name="テキスト ボックス 7">
-            <a:extLst>
-              <a:ext uri="{FF2B5EF4-FFF2-40B4-BE49-F238E27FC236}">
-                <a16:creationId xmlns:a16="http://schemas.microsoft.com/office/drawing/2014/main" id="{101EF969-3635-C773-1064-6D217F6117E3}"/>
+            <a:pPr marL="0" marR="0" lvl="0" indent="0" algn="l" defTabSz="914400" rtl="0" eaLnBrk="1" fontAlgn="auto" latinLnBrk="0" hangingPunct="1">
+              <a:lnSpc>
+                <a:spcPct val="100000"/>
+              </a:lnSpc>
+              <a:spcBef>
+                <a:spcPts val="0"/>
+              </a:spcBef>
+              <a:spcAft>
+                <a:spcPts val="0"/>
+              </a:spcAft>
+              <a:buClrTx/>
+              <a:buSzTx/>
+              <a:buFontTx/>
+              <a:buNone/>
+              <a:tabLst/>
+              <a:defRPr/>
+            </a:pPr>
+            <a:r>
+              <a:rPr kumimoji="1" lang="ja-JP" altLang="en-US" sz="1800" b="0" i="0" u="none" strike="noStrike" kern="1200" cap="none" spc="0" normalizeH="0" baseline="0" noProof="0" dirty="0">
+                <a:ln>
+                  <a:noFill/>
+                </a:ln>
+                <a:solidFill>
+                  <a:prstClr val="black"/>
+                </a:solidFill>
+                <a:effectLst/>
+                <a:uLnTx/>
+                <a:uFillTx/>
+                <a:latin typeface="游ゴシック" panose="02110004020202020204"/>
+                <a:ea typeface="游ゴシック" panose="020B0400000000000000" pitchFamily="50" charset="-128"/>
+                <a:cs typeface="+mn-cs"/>
+              </a:rPr>
+              <a:t>１</a:t>
+            </a:r>
+            <a:r>
+              <a:rPr kumimoji="1" lang="en-US" altLang="ja-JP" sz="1800" b="0" i="0" u="none" strike="noStrike" kern="1200" cap="none" spc="0" normalizeH="0" baseline="0" noProof="0" dirty="0">
+                <a:ln>
+                  <a:noFill/>
+                </a:ln>
+                <a:solidFill>
+                  <a:prstClr val="black"/>
+                </a:solidFill>
+                <a:effectLst/>
+                <a:uLnTx/>
+                <a:uFillTx/>
+                <a:latin typeface="游ゴシック" panose="02110004020202020204"/>
+                <a:ea typeface="游ゴシック" panose="020B0400000000000000" pitchFamily="50" charset="-128"/>
+                <a:cs typeface="+mn-cs"/>
+              </a:rPr>
+              <a:t>.</a:t>
+            </a:r>
+            <a:r>
+              <a:rPr kumimoji="1" lang="ja-JP" altLang="en-US" sz="1800" b="0" i="0" u="none" strike="noStrike" kern="1200" cap="none" spc="0" normalizeH="0" baseline="0" noProof="0" dirty="0">
+                <a:ln>
+                  <a:noFill/>
+                </a:ln>
+                <a:solidFill>
+                  <a:prstClr val="black"/>
+                </a:solidFill>
+                <a:effectLst/>
+                <a:uLnTx/>
+                <a:uFillTx/>
+                <a:latin typeface="游ゴシック" panose="02110004020202020204"/>
+                <a:ea typeface="游ゴシック" panose="020B0400000000000000" pitchFamily="50" charset="-128"/>
+                <a:cs typeface="+mn-cs"/>
+              </a:rPr>
+              <a:t>修正作業</a:t>
+            </a:r>
+            <a:r>
+              <a:rPr kumimoji="1" lang="en-US" altLang="ja-JP" sz="1800" b="0" i="0" u="none" strike="noStrike" kern="1200" cap="none" spc="0" normalizeH="0" baseline="0" noProof="0" dirty="0">
+                <a:ln>
+                  <a:noFill/>
+                </a:ln>
+                <a:solidFill>
+                  <a:prstClr val="black"/>
+                </a:solidFill>
+                <a:effectLst/>
+                <a:uLnTx/>
+                <a:uFillTx/>
+                <a:latin typeface="游ゴシック" panose="02110004020202020204"/>
+                <a:ea typeface="游ゴシック" panose="020B0400000000000000" pitchFamily="50" charset="-128"/>
+                <a:cs typeface="+mn-cs"/>
+              </a:rPr>
+              <a:t>(</a:t>
+            </a:r>
+            <a:r>
+              <a:rPr kumimoji="1" lang="ja-JP" altLang="en-US" sz="1800" b="0" i="0" u="none" strike="noStrike" kern="1200" cap="none" spc="0" normalizeH="0" baseline="0" noProof="0" dirty="0">
+                <a:ln>
+                  <a:noFill/>
+                </a:ln>
+                <a:solidFill>
+                  <a:prstClr val="black"/>
+                </a:solidFill>
+                <a:effectLst/>
+                <a:uLnTx/>
+                <a:uFillTx/>
+                <a:latin typeface="游ゴシック" panose="02110004020202020204"/>
+                <a:ea typeface="游ゴシック" panose="020B0400000000000000" pitchFamily="50" charset="-128"/>
+                <a:cs typeface="+mn-cs"/>
+              </a:rPr>
+              <a:t>経費申請画面のコード修正・エラーメッセージの修正</a:t>
+            </a:r>
+            <a:r>
+              <a:rPr kumimoji="1" lang="en-US" altLang="ja-JP" sz="1800" b="0" i="0" u="none" strike="noStrike" kern="1200" cap="none" spc="0" normalizeH="0" baseline="0" noProof="0" dirty="0">
+                <a:ln>
+                  <a:noFill/>
+                </a:ln>
+                <a:solidFill>
+                  <a:prstClr val="black"/>
+                </a:solidFill>
+                <a:effectLst/>
+                <a:uLnTx/>
+                <a:uFillTx/>
+                <a:latin typeface="游ゴシック" panose="02110004020202020204"/>
+                <a:ea typeface="游ゴシック" panose="020B0400000000000000" pitchFamily="50" charset="-128"/>
+                <a:cs typeface="+mn-cs"/>
+              </a:rPr>
+              <a:t>)</a:t>
+            </a:r>
+          </a:p>
+          <a:p>
+            <a:pPr marL="0" marR="0" lvl="0" indent="0" algn="l" defTabSz="914400" rtl="0" eaLnBrk="1" fontAlgn="auto" latinLnBrk="0" hangingPunct="1">
+              <a:lnSpc>
+                <a:spcPct val="100000"/>
+              </a:lnSpc>
+              <a:spcBef>
+                <a:spcPts val="0"/>
+              </a:spcBef>
+              <a:spcAft>
+                <a:spcPts val="0"/>
+              </a:spcAft>
+              <a:buClrTx/>
+              <a:buSzTx/>
+              <a:buFontTx/>
+              <a:buNone/>
+              <a:tabLst/>
+              <a:defRPr/>
+            </a:pPr>
+            <a:r>
+              <a:rPr kumimoji="1" lang="ja-JP" altLang="en-US" sz="1800" b="0" i="0" u="none" strike="noStrike" kern="1200" cap="none" spc="0" normalizeH="0" baseline="0" noProof="0" dirty="0">
+                <a:ln>
+                  <a:noFill/>
+                </a:ln>
+                <a:solidFill>
+                  <a:prstClr val="black"/>
+                </a:solidFill>
+                <a:effectLst/>
+                <a:uLnTx/>
+                <a:uFillTx/>
+                <a:latin typeface="游ゴシック" panose="02110004020202020204"/>
+                <a:ea typeface="游ゴシック" panose="020B0400000000000000" pitchFamily="50" charset="-128"/>
+                <a:cs typeface="+mn-cs"/>
+              </a:rPr>
+              <a:t>２．単体テストコード作成（</a:t>
+            </a:r>
+            <a:r>
+              <a:rPr kumimoji="1" lang="en-US" altLang="ja-JP" sz="1800" b="0" i="0" u="none" strike="noStrike" kern="1200" cap="none" spc="0" normalizeH="0" baseline="0" noProof="0" dirty="0" err="1">
+                <a:ln>
+                  <a:noFill/>
+                </a:ln>
+                <a:solidFill>
+                  <a:prstClr val="black"/>
+                </a:solidFill>
+                <a:effectLst/>
+                <a:uLnTx/>
+                <a:uFillTx/>
+                <a:latin typeface="游ゴシック" panose="02110004020202020204"/>
+                <a:ea typeface="游ゴシック" panose="020B0400000000000000" pitchFamily="50" charset="-128"/>
+                <a:cs typeface="+mn-cs"/>
+              </a:rPr>
+              <a:t>LoginService</a:t>
+            </a:r>
+            <a:r>
+              <a:rPr kumimoji="1" lang="ja-JP" altLang="en-US" sz="1800" b="0" i="0" u="none" strike="noStrike" kern="1200" cap="none" spc="0" normalizeH="0" baseline="0" noProof="0" dirty="0">
+                <a:ln>
+                  <a:noFill/>
+                </a:ln>
+                <a:solidFill>
+                  <a:prstClr val="black"/>
+                </a:solidFill>
+                <a:effectLst/>
+                <a:uLnTx/>
+                <a:uFillTx/>
+                <a:latin typeface="游ゴシック" panose="02110004020202020204"/>
+                <a:ea typeface="游ゴシック" panose="020B0400000000000000" pitchFamily="50" charset="-128"/>
+                <a:cs typeface="+mn-cs"/>
+              </a:rPr>
+              <a:t>と</a:t>
+            </a:r>
+            <a:r>
+              <a:rPr kumimoji="1" lang="en-US" altLang="ja-JP" sz="1800" b="0" i="0" u="none" strike="noStrike" kern="1200" cap="none" spc="0" normalizeH="0" baseline="0" noProof="0" dirty="0" err="1">
+                <a:ln>
+                  <a:noFill/>
+                </a:ln>
+                <a:solidFill>
+                  <a:prstClr val="black"/>
+                </a:solidFill>
+                <a:effectLst/>
+                <a:uLnTx/>
+                <a:uFillTx/>
+                <a:latin typeface="游ゴシック" panose="02110004020202020204"/>
+                <a:ea typeface="游ゴシック" panose="020B0400000000000000" pitchFamily="50" charset="-128"/>
+                <a:cs typeface="+mn-cs"/>
+              </a:rPr>
+              <a:t>ExpenseApplicationService</a:t>
+            </a:r>
+            <a:r>
+              <a:rPr kumimoji="1" lang="ja-JP" altLang="en-US" sz="1800" b="0" i="0" u="none" strike="noStrike" kern="1200" cap="none" spc="0" normalizeH="0" baseline="0" noProof="0" dirty="0">
+                <a:ln>
+                  <a:noFill/>
+                </a:ln>
+                <a:solidFill>
+                  <a:prstClr val="black"/>
+                </a:solidFill>
+                <a:effectLst/>
+                <a:uLnTx/>
+                <a:uFillTx/>
+                <a:latin typeface="游ゴシック" panose="02110004020202020204"/>
+                <a:ea typeface="游ゴシック" panose="020B0400000000000000" pitchFamily="50" charset="-128"/>
+                <a:cs typeface="+mn-cs"/>
+              </a:rPr>
+              <a:t>のテストコード作成）</a:t>
+            </a:r>
+          </a:p>
+        </p:txBody>
+      </p:sp>
+      <p:sp>
+        <p:nvSpPr>
+          <p:cNvPr id="5" name="テキスト ボックス 4">
+            <a:extLst>
+              <a:ext uri="{FF2B5EF4-FFF2-40B4-BE49-F238E27FC236}">
+                <a16:creationId xmlns:a16="http://schemas.microsoft.com/office/drawing/2014/main" id="{64E2A502-3C56-159B-5AEE-AF3966FA04F7}"/>
               </a:ext>
             </a:extLst>
           </p:cNvPr>
@@ -10093,8 +11294,8 @@
         </p:nvSpPr>
         <p:spPr>
           <a:xfrm>
-            <a:off x="1175665" y="4406126"/>
-            <a:ext cx="10613564" cy="923330"/>
+            <a:off x="1175665" y="3170459"/>
+            <a:ext cx="10613564" cy="646331"/>
           </a:xfrm>
           <a:prstGeom prst="rect">
             <a:avLst/>
@@ -10114,53 +11315,130 @@
           </a:bodyPr>
           <a:lstStyle/>
           <a:p>
-            <a:pPr marL="342900" indent="-342900">
-              <a:buFont typeface="+mj-lt"/>
-              <a:buAutoNum type="arabicPeriod"/>
+            <a:pPr marL="0" marR="0" lvl="0" indent="0" algn="l" defTabSz="914400" rtl="0" eaLnBrk="1" fontAlgn="auto" latinLnBrk="0" hangingPunct="1">
+              <a:lnSpc>
+                <a:spcPct val="100000"/>
+              </a:lnSpc>
+              <a:spcBef>
+                <a:spcPts val="0"/>
+              </a:spcBef>
+              <a:spcAft>
+                <a:spcPts val="0"/>
+              </a:spcAft>
+              <a:buClrTx/>
+              <a:buSzTx/>
+              <a:buFontTx/>
+              <a:buNone/>
+              <a:tabLst/>
+              <a:defRPr/>
             </a:pPr>
             <a:r>
-              <a:rPr lang="ja-JP" altLang="en-US" dirty="0"/>
-              <a:t>シーケンス図や</a:t>
-            </a:r>
-            <a:r>
-              <a:rPr lang="en-US" altLang="ja-JP" dirty="0"/>
-              <a:t>UML</a:t>
-            </a:r>
-            <a:r>
-              <a:rPr lang="ja-JP" altLang="en-US" dirty="0"/>
-              <a:t>図などがない状態でのコードリーディング</a:t>
-            </a:r>
-            <a:endParaRPr lang="en-US" altLang="ja-JP" dirty="0"/>
-          </a:p>
-          <a:p>
-            <a:pPr marL="342900" indent="-342900">
-              <a:buFont typeface="+mj-lt"/>
-              <a:buAutoNum type="arabicPeriod"/>
+              <a:rPr kumimoji="1" lang="ja-JP" altLang="en-US" sz="1800" b="0" i="0" u="none" strike="noStrike" kern="1200" cap="none" spc="0" normalizeH="0" baseline="0" noProof="0" dirty="0">
+                <a:ln>
+                  <a:noFill/>
+                </a:ln>
+                <a:solidFill>
+                  <a:prstClr val="black"/>
+                </a:solidFill>
+                <a:effectLst/>
+                <a:uLnTx/>
+                <a:uFillTx/>
+                <a:latin typeface="游ゴシック" panose="02110004020202020204"/>
+                <a:ea typeface="游ゴシック" panose="020B0400000000000000" pitchFamily="50" charset="-128"/>
+                <a:cs typeface="+mn-cs"/>
+              </a:rPr>
+              <a:t>１．</a:t>
+            </a:r>
+            <a:r>
+              <a:rPr kumimoji="1" lang="en-US" altLang="ja-JP" sz="1800" b="0" i="0" u="none" strike="noStrike" kern="1200" cap="none" spc="0" normalizeH="0" baseline="0" noProof="0" dirty="0" err="1">
+                <a:ln>
+                  <a:noFill/>
+                </a:ln>
+                <a:solidFill>
+                  <a:prstClr val="black"/>
+                </a:solidFill>
+                <a:effectLst/>
+                <a:uLnTx/>
+                <a:uFillTx/>
+                <a:latin typeface="游ゴシック" panose="02110004020202020204"/>
+                <a:ea typeface="游ゴシック" panose="020B0400000000000000" pitchFamily="50" charset="-128"/>
+                <a:cs typeface="+mn-cs"/>
+              </a:rPr>
+              <a:t>gitHub</a:t>
+            </a:r>
+            <a:r>
+              <a:rPr kumimoji="1" lang="ja-JP" altLang="en-US" sz="1800" b="0" i="0" u="none" strike="noStrike" kern="1200" cap="none" spc="0" normalizeH="0" baseline="0" noProof="0" dirty="0">
+                <a:ln>
+                  <a:noFill/>
+                </a:ln>
+                <a:solidFill>
+                  <a:prstClr val="black"/>
+                </a:solidFill>
+                <a:effectLst/>
+                <a:uLnTx/>
+                <a:uFillTx/>
+                <a:latin typeface="游ゴシック" panose="02110004020202020204"/>
+                <a:ea typeface="游ゴシック" panose="020B0400000000000000" pitchFamily="50" charset="-128"/>
+                <a:cs typeface="+mn-cs"/>
+              </a:rPr>
+              <a:t>で問題が起きることを想定し、修正ポイント等をコメントに残しておいたこと</a:t>
+            </a:r>
+            <a:endParaRPr kumimoji="1" lang="en-US" altLang="ja-JP" sz="1800" b="0" i="0" u="none" strike="noStrike" kern="1200" cap="none" spc="0" normalizeH="0" baseline="0" noProof="0" dirty="0">
+              <a:ln>
+                <a:noFill/>
+              </a:ln>
+              <a:solidFill>
+                <a:prstClr val="black"/>
+              </a:solidFill>
+              <a:effectLst/>
+              <a:uLnTx/>
+              <a:uFillTx/>
+              <a:latin typeface="游ゴシック" panose="02110004020202020204"/>
+              <a:ea typeface="游ゴシック" panose="020B0400000000000000" pitchFamily="50" charset="-128"/>
+              <a:cs typeface="+mn-cs"/>
+            </a:endParaRPr>
+          </a:p>
+          <a:p>
+            <a:pPr marL="0" marR="0" lvl="0" indent="0" algn="l" defTabSz="914400" rtl="0" eaLnBrk="1" fontAlgn="auto" latinLnBrk="0" hangingPunct="1">
+              <a:lnSpc>
+                <a:spcPct val="100000"/>
+              </a:lnSpc>
+              <a:spcBef>
+                <a:spcPts val="0"/>
+              </a:spcBef>
+              <a:spcAft>
+                <a:spcPts val="0"/>
+              </a:spcAft>
+              <a:buClrTx/>
+              <a:buSzTx/>
+              <a:buFontTx/>
+              <a:buNone/>
+              <a:tabLst/>
+              <a:defRPr/>
             </a:pPr>
-            <a:r>
-              <a:rPr lang="ja-JP" altLang="en-US" dirty="0"/>
-              <a:t>講義を経て、スキルを理解できても身についていなかったこと</a:t>
-            </a:r>
-            <a:endParaRPr lang="en-US" altLang="ja-JP" dirty="0"/>
-          </a:p>
-          <a:p>
-            <a:pPr marL="342900" indent="-342900">
-              <a:buFont typeface="+mj-lt"/>
-              <a:buAutoNum type="arabicPeriod"/>
-            </a:pPr>
-            <a:r>
-              <a:rPr lang="ja-JP" altLang="en-US" dirty="0"/>
-              <a:t>誰から見てもテストを実装できる仕様書をかけなかったこと</a:t>
-            </a:r>
-          </a:p>
-        </p:txBody>
-      </p:sp>
-      <p:sp>
-        <p:nvSpPr>
-          <p:cNvPr id="13" name="テキスト ボックス 12">
-            <a:extLst>
-              <a:ext uri="{FF2B5EF4-FFF2-40B4-BE49-F238E27FC236}">
-                <a16:creationId xmlns:a16="http://schemas.microsoft.com/office/drawing/2014/main" id="{7AE21FAD-7D9E-327C-1817-946D83BF3D39}"/>
+            <a:endParaRPr kumimoji="1" lang="en-US" altLang="ja-JP" sz="1800" b="0" i="0" u="none" strike="noStrike" kern="1200" cap="none" spc="0" normalizeH="0" baseline="0" noProof="0" dirty="0">
+              <a:ln>
+                <a:noFill/>
+              </a:ln>
+              <a:solidFill>
+                <a:prstClr val="black"/>
+              </a:solidFill>
+              <a:effectLst/>
+              <a:uLnTx/>
+              <a:uFillTx/>
+              <a:latin typeface="游ゴシック" panose="02110004020202020204"/>
+              <a:ea typeface="游ゴシック" panose="020B0400000000000000" pitchFamily="50" charset="-128"/>
+              <a:cs typeface="+mn-cs"/>
+            </a:endParaRPr>
+          </a:p>
+        </p:txBody>
+      </p:sp>
+      <p:sp>
+        <p:nvSpPr>
+          <p:cNvPr id="6" name="テキスト ボックス 5">
+            <a:extLst>
+              <a:ext uri="{FF2B5EF4-FFF2-40B4-BE49-F238E27FC236}">
+                <a16:creationId xmlns:a16="http://schemas.microsoft.com/office/drawing/2014/main" id="{B181314D-00BB-A8F3-114D-4E266855E44D}"/>
               </a:ext>
             </a:extLst>
           </p:cNvPr>
@@ -10169,8 +11447,8 @@
         </p:nvSpPr>
         <p:spPr>
           <a:xfrm>
-            <a:off x="1175665" y="5666986"/>
-            <a:ext cx="10613564" cy="1008969"/>
+            <a:off x="1175665" y="5654390"/>
+            <a:ext cx="10613564" cy="646331"/>
           </a:xfrm>
           <a:prstGeom prst="rect">
             <a:avLst/>
@@ -10190,16 +11468,133 @@
           </a:bodyPr>
           <a:lstStyle/>
           <a:p>
-            <a:endParaRPr kumimoji="1" lang="ja-JP" altLang="en-US" dirty="0"/>
-          </a:p>
-        </p:txBody>
-      </p:sp>
-      <p:sp>
-        <p:nvSpPr>
-          <p:cNvPr id="14" name="テキスト ボックス 13">
-            <a:extLst>
-              <a:ext uri="{FF2B5EF4-FFF2-40B4-BE49-F238E27FC236}">
-                <a16:creationId xmlns:a16="http://schemas.microsoft.com/office/drawing/2014/main" id="{E2333EBB-69A9-1374-57E7-21BB5FABB8CE}"/>
+            <a:pPr marL="0" marR="0" lvl="0" indent="0" algn="l" defTabSz="914400" rtl="0" eaLnBrk="1" fontAlgn="auto" latinLnBrk="0" hangingPunct="1">
+              <a:lnSpc>
+                <a:spcPct val="100000"/>
+              </a:lnSpc>
+              <a:spcBef>
+                <a:spcPts val="0"/>
+              </a:spcBef>
+              <a:spcAft>
+                <a:spcPts val="0"/>
+              </a:spcAft>
+              <a:buClrTx/>
+              <a:buSzTx/>
+              <a:buFontTx/>
+              <a:buNone/>
+              <a:tabLst/>
+              <a:defRPr/>
+            </a:pPr>
+            <a:r>
+              <a:rPr kumimoji="1" lang="ja-JP" altLang="en-US" sz="1800" b="0" i="0" u="none" strike="noStrike" kern="1200" cap="none" spc="0" normalizeH="0" baseline="0" noProof="0" dirty="0">
+                <a:ln>
+                  <a:noFill/>
+                </a:ln>
+                <a:solidFill>
+                  <a:prstClr val="black"/>
+                </a:solidFill>
+                <a:effectLst/>
+                <a:uLnTx/>
+                <a:uFillTx/>
+                <a:latin typeface="游ゴシック" panose="02110004020202020204"/>
+                <a:ea typeface="游ゴシック" panose="020B0400000000000000" pitchFamily="50" charset="-128"/>
+                <a:cs typeface="+mn-cs"/>
+              </a:rPr>
+              <a:t>１．</a:t>
+            </a:r>
+            <a:r>
+              <a:rPr kumimoji="1" lang="en-US" altLang="ja-JP" sz="1800" b="0" i="0" u="none" strike="noStrike" kern="1200" cap="none" spc="0" normalizeH="0" baseline="0" noProof="0" dirty="0">
+                <a:ln>
+                  <a:noFill/>
+                </a:ln>
+                <a:solidFill>
+                  <a:prstClr val="black"/>
+                </a:solidFill>
+                <a:effectLst/>
+                <a:uLnTx/>
+                <a:uFillTx/>
+                <a:latin typeface="游ゴシック" panose="02110004020202020204"/>
+                <a:ea typeface="游ゴシック" panose="020B0400000000000000" pitchFamily="50" charset="-128"/>
+                <a:cs typeface="+mn-cs"/>
+              </a:rPr>
+              <a:t>Git</a:t>
+            </a:r>
+            <a:r>
+              <a:rPr kumimoji="1" lang="ja-JP" altLang="en-US" sz="1800" b="0" i="0" u="none" strike="noStrike" kern="1200" cap="none" spc="0" normalizeH="0" baseline="0" noProof="0" dirty="0">
+                <a:ln>
+                  <a:noFill/>
+                </a:ln>
+                <a:solidFill>
+                  <a:prstClr val="black"/>
+                </a:solidFill>
+                <a:effectLst/>
+                <a:uLnTx/>
+                <a:uFillTx/>
+                <a:latin typeface="游ゴシック" panose="02110004020202020204"/>
+                <a:ea typeface="游ゴシック" panose="020B0400000000000000" pitchFamily="50" charset="-128"/>
+                <a:cs typeface="+mn-cs"/>
+              </a:rPr>
+              <a:t>の運用方法の確認と学習</a:t>
+            </a:r>
+            <a:endParaRPr kumimoji="1" lang="en-US" altLang="ja-JP" sz="1800" b="0" i="0" u="none" strike="noStrike" kern="1200" cap="none" spc="0" normalizeH="0" baseline="0" noProof="0" dirty="0">
+              <a:ln>
+                <a:noFill/>
+              </a:ln>
+              <a:solidFill>
+                <a:prstClr val="black"/>
+              </a:solidFill>
+              <a:effectLst/>
+              <a:uLnTx/>
+              <a:uFillTx/>
+              <a:latin typeface="游ゴシック" panose="02110004020202020204"/>
+              <a:ea typeface="游ゴシック" panose="020B0400000000000000" pitchFamily="50" charset="-128"/>
+              <a:cs typeface="+mn-cs"/>
+            </a:endParaRPr>
+          </a:p>
+          <a:p>
+            <a:pPr marL="0" marR="0" lvl="0" indent="0" algn="l" defTabSz="914400" rtl="0" eaLnBrk="1" fontAlgn="auto" latinLnBrk="0" hangingPunct="1">
+              <a:lnSpc>
+                <a:spcPct val="100000"/>
+              </a:lnSpc>
+              <a:spcBef>
+                <a:spcPts val="0"/>
+              </a:spcBef>
+              <a:spcAft>
+                <a:spcPts val="0"/>
+              </a:spcAft>
+              <a:buClrTx/>
+              <a:buSzTx/>
+              <a:buFontTx/>
+              <a:buNone/>
+              <a:tabLst/>
+              <a:defRPr/>
+            </a:pPr>
+            <a:r>
+              <a:rPr kumimoji="1" lang="ja-JP" altLang="en-US" sz="1800" b="0" i="0" u="none" strike="noStrike" kern="1200" cap="none" spc="0" normalizeH="0" baseline="0" noProof="0" dirty="0">
+                <a:ln>
+                  <a:noFill/>
+                </a:ln>
+                <a:solidFill>
+                  <a:prstClr val="black"/>
+                </a:solidFill>
+                <a:effectLst/>
+                <a:uLnTx/>
+                <a:uFillTx/>
+                <a:latin typeface="游ゴシック" panose="02110004020202020204"/>
+                <a:ea typeface="游ゴシック" panose="020B0400000000000000" pitchFamily="50" charset="-128"/>
+                <a:cs typeface="+mn-cs"/>
+              </a:rPr>
+              <a:t>２．全体像の把握し、作業配分を考えること</a:t>
+            </a:r>
+          </a:p>
+        </p:txBody>
+      </p:sp>
+      <p:sp>
+        <p:nvSpPr>
+          <p:cNvPr id="7" name="テキスト ボックス 6">
+            <a:extLst>
+              <a:ext uri="{FF2B5EF4-FFF2-40B4-BE49-F238E27FC236}">
+                <a16:creationId xmlns:a16="http://schemas.microsoft.com/office/drawing/2014/main" id="{80123BF2-3196-C913-A0B7-E893115CBE4C}"/>
               </a:ext>
             </a:extLst>
           </p:cNvPr>
@@ -10208,73 +11603,8 @@
         </p:nvSpPr>
         <p:spPr>
           <a:xfrm>
-            <a:off x="1175665" y="5679583"/>
-            <a:ext cx="10493821" cy="1200329"/>
-          </a:xfrm>
-          <a:prstGeom prst="rect">
-            <a:avLst/>
-          </a:prstGeom>
-          <a:noFill/>
-        </p:spPr>
-        <p:txBody>
-          <a:bodyPr wrap="square" rtlCol="0">
-            <a:spAutoFit/>
-          </a:bodyPr>
-          <a:lstStyle/>
-          <a:p>
-            <a:pPr marL="342900" indent="-342900">
-              <a:buFont typeface="+mj-lt"/>
-              <a:buAutoNum type="arabicPeriod"/>
-            </a:pPr>
-            <a:r>
-              <a:rPr lang="ja-JP" altLang="en-US" dirty="0"/>
-              <a:t>今後の演習等で他人のコードを読む機会を設けること</a:t>
-            </a:r>
-            <a:endParaRPr kumimoji="1" lang="en-US" altLang="ja-JP" dirty="0"/>
-          </a:p>
-          <a:p>
-            <a:pPr marL="342900" indent="-342900">
-              <a:buFont typeface="+mj-lt"/>
-              <a:buAutoNum type="arabicPeriod"/>
-            </a:pPr>
-            <a:r>
-              <a:rPr kumimoji="1" lang="ja-JP" altLang="en-US" dirty="0"/>
-              <a:t>講義の内容に関連する事柄について調べ、実際に行ってみること</a:t>
-            </a:r>
-            <a:endParaRPr kumimoji="1" lang="en-US" altLang="ja-JP" dirty="0"/>
-          </a:p>
-          <a:p>
-            <a:pPr marL="342900" indent="-342900">
-              <a:buFont typeface="+mj-lt"/>
-              <a:buAutoNum type="arabicPeriod"/>
-            </a:pPr>
-            <a:r>
-              <a:rPr kumimoji="1" lang="ja-JP" altLang="en-US" dirty="0"/>
-              <a:t>今後の演習等で仕様書を使う側になること</a:t>
-            </a:r>
-            <a:endParaRPr kumimoji="1" lang="en-US" altLang="ja-JP" dirty="0"/>
-          </a:p>
-          <a:p>
-            <a:endParaRPr kumimoji="1" lang="ja-JP" altLang="en-US" dirty="0"/>
-          </a:p>
-        </p:txBody>
-      </p:sp>
-      <p:sp>
-        <p:nvSpPr>
-          <p:cNvPr id="16" name="テキスト ボックス 15">
-            <a:extLst>
-              <a:ext uri="{FF2B5EF4-FFF2-40B4-BE49-F238E27FC236}">
-                <a16:creationId xmlns:a16="http://schemas.microsoft.com/office/drawing/2014/main" id="{42D5F234-54CB-BF07-B042-C4B198F47764}"/>
-              </a:ext>
-            </a:extLst>
-          </p:cNvPr>
-          <p:cNvSpPr txBox="1"/>
-          <p:nvPr/>
-        </p:nvSpPr>
-        <p:spPr>
-          <a:xfrm>
-            <a:off x="1175665" y="1861290"/>
-            <a:ext cx="10613564" cy="1008969"/>
+            <a:off x="1175665" y="4406126"/>
+            <a:ext cx="10613564" cy="923330"/>
           </a:xfrm>
           <a:prstGeom prst="rect">
             <a:avLst/>
@@ -10294,166 +11624,261 @@
           </a:bodyPr>
           <a:lstStyle/>
           <a:p>
-            <a:endParaRPr kumimoji="1" lang="ja-JP" altLang="en-US" dirty="0"/>
-          </a:p>
-        </p:txBody>
-      </p:sp>
-      <p:sp>
-        <p:nvSpPr>
-          <p:cNvPr id="18" name="テキスト ボックス 17">
-            <a:extLst>
-              <a:ext uri="{FF2B5EF4-FFF2-40B4-BE49-F238E27FC236}">
-                <a16:creationId xmlns:a16="http://schemas.microsoft.com/office/drawing/2014/main" id="{8272CA6C-8BE3-A4C5-3859-A4AD57D396D9}"/>
-              </a:ext>
-            </a:extLst>
-          </p:cNvPr>
-          <p:cNvSpPr txBox="1"/>
+            <a:pPr marL="0" marR="0" lvl="0" indent="0" algn="l" defTabSz="914400" rtl="0" eaLnBrk="1" fontAlgn="auto" latinLnBrk="0" hangingPunct="1">
+              <a:lnSpc>
+                <a:spcPct val="100000"/>
+              </a:lnSpc>
+              <a:spcBef>
+                <a:spcPts val="0"/>
+              </a:spcBef>
+              <a:spcAft>
+                <a:spcPts val="0"/>
+              </a:spcAft>
+              <a:buClrTx/>
+              <a:buSzTx/>
+              <a:buFontTx/>
+              <a:buNone/>
+              <a:tabLst/>
+              <a:defRPr/>
+            </a:pPr>
+            <a:r>
+              <a:rPr kumimoji="1" lang="ja-JP" altLang="en-US" sz="1800" b="0" i="0" u="none" strike="noStrike" kern="1200" cap="none" spc="0" normalizeH="0" baseline="0" noProof="0" dirty="0">
+                <a:ln>
+                  <a:noFill/>
+                </a:ln>
+                <a:solidFill>
+                  <a:prstClr val="black"/>
+                </a:solidFill>
+                <a:effectLst/>
+                <a:uLnTx/>
+                <a:uFillTx/>
+                <a:latin typeface="游ゴシック" panose="02110004020202020204"/>
+                <a:ea typeface="游ゴシック" panose="020B0400000000000000" pitchFamily="50" charset="-128"/>
+                <a:cs typeface="+mn-cs"/>
+              </a:rPr>
+              <a:t>１．</a:t>
+            </a:r>
+            <a:r>
+              <a:rPr kumimoji="1" lang="en-US" altLang="ja-JP" sz="1800" b="0" i="0" u="none" strike="noStrike" kern="1200" cap="none" spc="0" normalizeH="0" baseline="0" noProof="0" dirty="0">
+                <a:ln>
+                  <a:noFill/>
+                </a:ln>
+                <a:solidFill>
+                  <a:prstClr val="black"/>
+                </a:solidFill>
+                <a:effectLst/>
+                <a:uLnTx/>
+                <a:uFillTx/>
+                <a:latin typeface="游ゴシック" panose="02110004020202020204"/>
+                <a:ea typeface="游ゴシック" panose="020B0400000000000000" pitchFamily="50" charset="-128"/>
+                <a:cs typeface="+mn-cs"/>
+              </a:rPr>
+              <a:t>GitHub</a:t>
+            </a:r>
+            <a:r>
+              <a:rPr kumimoji="1" lang="ja-JP" altLang="en-US" sz="1800" b="0" i="0" u="none" strike="noStrike" kern="1200" cap="none" spc="0" normalizeH="0" baseline="0" noProof="0" dirty="0">
+                <a:ln>
+                  <a:noFill/>
+                </a:ln>
+                <a:solidFill>
+                  <a:prstClr val="black"/>
+                </a:solidFill>
+                <a:effectLst/>
+                <a:uLnTx/>
+                <a:uFillTx/>
+                <a:latin typeface="游ゴシック" panose="02110004020202020204"/>
+                <a:ea typeface="游ゴシック" panose="020B0400000000000000" pitchFamily="50" charset="-128"/>
+                <a:cs typeface="+mn-cs"/>
+              </a:rPr>
+              <a:t>のコンフリクトやマージがが頻発。バージョン修正作業の発生</a:t>
+            </a:r>
+            <a:endParaRPr kumimoji="1" lang="en-US" altLang="ja-JP" sz="1800" b="0" i="0" u="none" strike="noStrike" kern="1200" cap="none" spc="0" normalizeH="0" baseline="0" noProof="0" dirty="0">
+              <a:ln>
+                <a:noFill/>
+              </a:ln>
+              <a:solidFill>
+                <a:prstClr val="black"/>
+              </a:solidFill>
+              <a:effectLst/>
+              <a:uLnTx/>
+              <a:uFillTx/>
+              <a:latin typeface="游ゴシック" panose="02110004020202020204"/>
+              <a:ea typeface="游ゴシック" panose="020B0400000000000000" pitchFamily="50" charset="-128"/>
+              <a:cs typeface="+mn-cs"/>
+            </a:endParaRPr>
+          </a:p>
+          <a:p>
+            <a:pPr marL="0" marR="0" lvl="0" indent="0" algn="l" defTabSz="914400" rtl="0" eaLnBrk="1" fontAlgn="auto" latinLnBrk="0" hangingPunct="1">
+              <a:lnSpc>
+                <a:spcPct val="100000"/>
+              </a:lnSpc>
+              <a:spcBef>
+                <a:spcPts val="0"/>
+              </a:spcBef>
+              <a:spcAft>
+                <a:spcPts val="0"/>
+              </a:spcAft>
+              <a:buClrTx/>
+              <a:buSzTx/>
+              <a:buFontTx/>
+              <a:buNone/>
+              <a:tabLst/>
+              <a:defRPr/>
+            </a:pPr>
+            <a:r>
+              <a:rPr kumimoji="1" lang="ja-JP" altLang="en-US" sz="1800" b="0" i="0" u="none" strike="noStrike" kern="1200" cap="none" spc="0" normalizeH="0" baseline="0" noProof="0" dirty="0">
+                <a:ln>
+                  <a:noFill/>
+                </a:ln>
+                <a:solidFill>
+                  <a:prstClr val="black"/>
+                </a:solidFill>
+                <a:effectLst/>
+                <a:uLnTx/>
+                <a:uFillTx/>
+                <a:latin typeface="游ゴシック" panose="02110004020202020204"/>
+                <a:ea typeface="游ゴシック" panose="020B0400000000000000" pitchFamily="50" charset="-128"/>
+                <a:cs typeface="+mn-cs"/>
+              </a:rPr>
+              <a:t>２</a:t>
+            </a:r>
+            <a:r>
+              <a:rPr kumimoji="1" lang="en-US" altLang="ja-JP" sz="1800" b="0" i="0" u="none" strike="noStrike" kern="1200" cap="none" spc="0" normalizeH="0" baseline="0" noProof="0" dirty="0">
+                <a:ln>
+                  <a:noFill/>
+                </a:ln>
+                <a:solidFill>
+                  <a:prstClr val="black"/>
+                </a:solidFill>
+                <a:effectLst/>
+                <a:uLnTx/>
+                <a:uFillTx/>
+                <a:latin typeface="游ゴシック" panose="02110004020202020204"/>
+                <a:ea typeface="游ゴシック" panose="020B0400000000000000" pitchFamily="50" charset="-128"/>
+                <a:cs typeface="+mn-cs"/>
+              </a:rPr>
+              <a:t>.</a:t>
+            </a:r>
+            <a:r>
+              <a:rPr kumimoji="1" lang="ja-JP" altLang="en-US" sz="1800" b="0" i="0" u="none" strike="noStrike" kern="1200" cap="none" spc="0" normalizeH="0" baseline="0" noProof="0" dirty="0">
+                <a:ln>
+                  <a:noFill/>
+                </a:ln>
+                <a:solidFill>
+                  <a:prstClr val="black"/>
+                </a:solidFill>
+                <a:effectLst/>
+                <a:uLnTx/>
+                <a:uFillTx/>
+                <a:latin typeface="游ゴシック" panose="02110004020202020204"/>
+                <a:ea typeface="游ゴシック" panose="020B0400000000000000" pitchFamily="50" charset="-128"/>
+                <a:cs typeface="+mn-cs"/>
+              </a:rPr>
+              <a:t>モジュール間の結合範囲を把握できていなかった。コード修正により、複数エラーが発生</a:t>
+            </a:r>
+            <a:endParaRPr kumimoji="1" lang="en-US" altLang="ja-JP" sz="1800" b="0" i="0" u="none" strike="noStrike" kern="1200" cap="none" spc="0" normalizeH="0" baseline="0" noProof="0" dirty="0">
+              <a:ln>
+                <a:noFill/>
+              </a:ln>
+              <a:solidFill>
+                <a:prstClr val="black"/>
+              </a:solidFill>
+              <a:effectLst/>
+              <a:uLnTx/>
+              <a:uFillTx/>
+              <a:latin typeface="游ゴシック" panose="02110004020202020204"/>
+              <a:ea typeface="游ゴシック" panose="020B0400000000000000" pitchFamily="50" charset="-128"/>
+              <a:cs typeface="+mn-cs"/>
+            </a:endParaRPr>
+          </a:p>
+          <a:p>
+            <a:pPr marL="0" marR="0" lvl="0" indent="0" algn="l" defTabSz="914400" rtl="0" eaLnBrk="1" fontAlgn="auto" latinLnBrk="0" hangingPunct="1">
+              <a:lnSpc>
+                <a:spcPct val="100000"/>
+              </a:lnSpc>
+              <a:spcBef>
+                <a:spcPts val="0"/>
+              </a:spcBef>
+              <a:spcAft>
+                <a:spcPts val="0"/>
+              </a:spcAft>
+              <a:buClrTx/>
+              <a:buSzTx/>
+              <a:buFontTx/>
+              <a:buNone/>
+              <a:tabLst/>
+              <a:defRPr/>
+            </a:pPr>
+            <a:endParaRPr kumimoji="1" lang="ja-JP" altLang="en-US" sz="1800" b="0" i="0" u="none" strike="noStrike" kern="1200" cap="none" spc="0" normalizeH="0" baseline="0" noProof="0" dirty="0">
+              <a:ln>
+                <a:noFill/>
+              </a:ln>
+              <a:solidFill>
+                <a:prstClr val="black"/>
+              </a:solidFill>
+              <a:effectLst/>
+              <a:uLnTx/>
+              <a:uFillTx/>
+              <a:latin typeface="游ゴシック" panose="02110004020202020204"/>
+              <a:ea typeface="游ゴシック" panose="020B0400000000000000" pitchFamily="50" charset="-128"/>
+              <a:cs typeface="+mn-cs"/>
+            </a:endParaRPr>
+          </a:p>
+        </p:txBody>
+      </p:sp>
+      <p:sp>
+        <p:nvSpPr>
+          <p:cNvPr id="4" name="リボン: 上に曲がる 3">
+            <a:extLst>
+              <a:ext uri="{FF2B5EF4-FFF2-40B4-BE49-F238E27FC236}">
+                <a16:creationId xmlns:a16="http://schemas.microsoft.com/office/drawing/2014/main" id="{368958BF-A93C-FAAA-A63C-6CDD805E69D6}"/>
+              </a:ext>
+            </a:extLst>
+          </p:cNvPr>
+          <p:cNvSpPr/>
           <p:nvPr/>
         </p:nvSpPr>
         <p:spPr>
           <a:xfrm>
-            <a:off x="1175665" y="3106363"/>
-            <a:ext cx="10613564" cy="923330"/>
-          </a:xfrm>
-          <a:prstGeom prst="rect">
+            <a:off x="7805057" y="557280"/>
+            <a:ext cx="3069772" cy="566116"/>
+          </a:xfrm>
+          <a:prstGeom prst="ribbon2">
             <a:avLst/>
           </a:prstGeom>
-          <a:noFill/>
-        </p:spPr>
-        <p:txBody>
-          <a:bodyPr wrap="square" rtlCol="0">
-            <a:spAutoFit/>
-          </a:bodyPr>
-          <a:lstStyle/>
-          <a:p>
-            <a:pPr marL="342900" indent="-342900">
-              <a:buFont typeface="+mj-lt"/>
-              <a:buAutoNum type="arabicPeriod"/>
-            </a:pPr>
+        </p:spPr>
+        <p:style>
+          <a:lnRef idx="2">
+            <a:schemeClr val="accent1">
+              <a:shade val="15000"/>
+            </a:schemeClr>
+          </a:lnRef>
+          <a:fillRef idx="1">
+            <a:schemeClr val="accent1"/>
+          </a:fillRef>
+          <a:effectRef idx="0">
+            <a:schemeClr val="accent1"/>
+          </a:effectRef>
+          <a:fontRef idx="minor">
+            <a:schemeClr val="lt1"/>
+          </a:fontRef>
+        </p:style>
+        <p:txBody>
+          <a:bodyPr rtlCol="0" anchor="ctr"/>
+          <a:lstStyle/>
+          <a:p>
+            <a:pPr algn="ctr"/>
             <a:r>
               <a:rPr kumimoji="1" lang="ja-JP" altLang="en-US" dirty="0"/>
-              <a:t>単体テスト仕様書のレビューを結合テスト仕様書に反映させたこと</a:t>
-            </a:r>
-            <a:endParaRPr kumimoji="1" lang="en-US" altLang="ja-JP" dirty="0"/>
-          </a:p>
-          <a:p>
-            <a:pPr marL="342900" indent="-342900">
-              <a:buFont typeface="+mj-lt"/>
-              <a:buAutoNum type="arabicPeriod"/>
-            </a:pPr>
-            <a:r>
-              <a:rPr lang="ja-JP" altLang="en-US" dirty="0"/>
-              <a:t>講師・テクニカルリーダーに聞く前に調べたこと</a:t>
-            </a:r>
-            <a:endParaRPr kumimoji="1" lang="en-US" altLang="ja-JP" dirty="0"/>
-          </a:p>
-          <a:p>
-            <a:pPr marL="342900" indent="-342900">
-              <a:buFont typeface="+mj-lt"/>
-              <a:buAutoNum type="arabicPeriod"/>
-            </a:pPr>
-            <a:endParaRPr kumimoji="1" lang="ja-JP" altLang="en-US" dirty="0"/>
-          </a:p>
-        </p:txBody>
-      </p:sp>
-      <p:sp>
-        <p:nvSpPr>
-          <p:cNvPr id="22" name="テキスト ボックス 21">
-            <a:extLst>
-              <a:ext uri="{FF2B5EF4-FFF2-40B4-BE49-F238E27FC236}">
-                <a16:creationId xmlns:a16="http://schemas.microsoft.com/office/drawing/2014/main" id="{A87193CA-1478-46CD-DA84-DCA046F00DEC}"/>
-              </a:ext>
-            </a:extLst>
-          </p:cNvPr>
-          <p:cNvSpPr txBox="1"/>
-          <p:nvPr/>
-        </p:nvSpPr>
-        <p:spPr>
-          <a:xfrm>
-            <a:off x="1175665" y="1861290"/>
-            <a:ext cx="10613564" cy="923330"/>
-          </a:xfrm>
-          <a:prstGeom prst="rect">
-            <a:avLst/>
-          </a:prstGeom>
-          <a:noFill/>
-        </p:spPr>
-        <p:txBody>
-          <a:bodyPr wrap="square" rtlCol="0">
-            <a:spAutoFit/>
-          </a:bodyPr>
-          <a:lstStyle/>
-          <a:p>
-            <a:pPr marL="342900" indent="-342900">
-              <a:buFont typeface="+mj-lt"/>
-              <a:buAutoNum type="arabicPeriod"/>
-            </a:pPr>
-            <a:r>
-              <a:rPr lang="ja-JP" altLang="en-US" dirty="0"/>
-              <a:t>レビュー・</a:t>
-            </a:r>
-            <a:r>
-              <a:rPr lang="en-US" altLang="ja-JP" dirty="0"/>
-              <a:t>Issue</a:t>
-            </a:r>
-            <a:r>
-              <a:rPr lang="ja-JP" altLang="en-US" dirty="0"/>
-              <a:t>の優先度の振り分け・</a:t>
-            </a:r>
-            <a:r>
-              <a:rPr lang="en-US" altLang="ja-JP" dirty="0"/>
-              <a:t>Issue</a:t>
-            </a:r>
-            <a:r>
-              <a:rPr lang="ja-JP" altLang="en-US" dirty="0"/>
-              <a:t>のうち、優先度中以下の修正</a:t>
-            </a:r>
-            <a:endParaRPr lang="en-US" altLang="ja-JP" dirty="0"/>
-          </a:p>
-          <a:p>
-            <a:pPr marL="342900" indent="-342900">
-              <a:buFont typeface="+mj-lt"/>
-              <a:buAutoNum type="arabicPeriod"/>
-            </a:pPr>
-            <a:r>
-              <a:rPr lang="en-US" altLang="ja-JP" dirty="0" err="1">
-                <a:solidFill>
-                  <a:prstClr val="black"/>
-                </a:solidFill>
-              </a:rPr>
-              <a:t>ExpenseApplicationService</a:t>
-            </a:r>
-            <a:r>
-              <a:rPr lang="ja-JP" altLang="en-US" dirty="0">
-                <a:solidFill>
-                  <a:prstClr val="black"/>
-                </a:solidFill>
-              </a:rPr>
-              <a:t>のテストコードを一部実装</a:t>
-            </a:r>
-            <a:endParaRPr lang="en-US" altLang="ja-JP" dirty="0"/>
-          </a:p>
-          <a:p>
-            <a:pPr marL="342900" indent="-342900">
-              <a:buFont typeface="+mj-lt"/>
-              <a:buAutoNum type="arabicPeriod"/>
-            </a:pPr>
-            <a:r>
-              <a:rPr kumimoji="1" lang="ja-JP" altLang="en-US" dirty="0"/>
-              <a:t>単体テスト仕様書</a:t>
-            </a:r>
-            <a:r>
-              <a:rPr lang="ja-JP" altLang="en-US" dirty="0"/>
-              <a:t>・結合テスト仕様書の作成</a:t>
-            </a:r>
-            <a:endParaRPr kumimoji="1" lang="ja-JP" altLang="en-US" dirty="0"/>
+              <a:t>テクニカルリーダー</a:t>
+            </a:r>
           </a:p>
         </p:txBody>
       </p:sp>
     </p:spTree>
     <p:extLst>
       <p:ext uri="{BB962C8B-B14F-4D97-AF65-F5344CB8AC3E}">
-        <p14:creationId xmlns:p14="http://schemas.microsoft.com/office/powerpoint/2010/main" val="2070866117"/>
+        <p14:creationId xmlns:p14="http://schemas.microsoft.com/office/powerpoint/2010/main" val="2677372121"/>
       </p:ext>
     </p:extLst>
   </p:cSld>

--- a/src/main/resources/presentation/TeamA　品質管理チーム演習.pptx
+++ b/src/main/resources/presentation/TeamA　品質管理チーム演習.pptx
@@ -6285,12 +6285,12 @@
           </a:xfrm>
         </p:spPr>
         <p:txBody>
-          <a:bodyPr numCol="2">
+          <a:bodyPr numCol="3">
             <a:noAutofit/>
           </a:bodyPr>
           <a:lstStyle/>
           <a:p>
-            <a:pPr marL="514350" indent="-514350">
+            <a:pPr marL="742950" indent="-742950">
               <a:buFont typeface="+mj-lt"/>
               <a:buAutoNum type="arabicPeriod"/>
             </a:pPr>
@@ -6314,14 +6314,14 @@
               <a:buChar char="u"/>
             </a:pPr>
             <a:r>
-              <a:rPr lang="ja-JP" altLang="en-US" sz="3600" dirty="0">
+              <a:rPr lang="ja-JP" altLang="en-US" sz="2800" dirty="0">
                 <a:solidFill>
                   <a:schemeClr val="accent1"/>
                 </a:solidFill>
               </a:rPr>
               <a:t>目標</a:t>
             </a:r>
-            <a:endParaRPr lang="en-US" altLang="ja-JP" sz="3600" dirty="0">
+            <a:endParaRPr lang="en-US" altLang="ja-JP" sz="2800" dirty="0">
               <a:solidFill>
                 <a:schemeClr val="accent1"/>
               </a:solidFill>
@@ -6333,14 +6333,14 @@
               <a:buChar char="u"/>
             </a:pPr>
             <a:r>
-              <a:rPr kumimoji="1" lang="ja-JP" altLang="en-US" sz="3600" dirty="0">
+              <a:rPr kumimoji="1" lang="ja-JP" altLang="en-US" sz="2800" dirty="0">
                 <a:solidFill>
                   <a:schemeClr val="accent1"/>
                 </a:solidFill>
               </a:rPr>
               <a:t>進捗</a:t>
             </a:r>
-            <a:endParaRPr kumimoji="1" lang="en-US" altLang="ja-JP" sz="3600" dirty="0">
+            <a:endParaRPr kumimoji="1" lang="en-US" altLang="ja-JP" sz="2800" dirty="0">
               <a:solidFill>
                 <a:schemeClr val="accent1"/>
               </a:solidFill>
@@ -6352,14 +6352,14 @@
               <a:buChar char="u"/>
             </a:pPr>
             <a:r>
-              <a:rPr lang="ja-JP" altLang="en-US" sz="3600" dirty="0">
+              <a:rPr lang="ja-JP" altLang="en-US" sz="2800" dirty="0">
                 <a:solidFill>
                   <a:schemeClr val="accent1"/>
                 </a:solidFill>
               </a:rPr>
               <a:t>実装した機能</a:t>
             </a:r>
-            <a:endParaRPr lang="en-US" altLang="ja-JP" sz="3600" dirty="0">
+            <a:endParaRPr lang="en-US" altLang="ja-JP" sz="2800" dirty="0">
               <a:solidFill>
                 <a:schemeClr val="accent1"/>
               </a:solidFill>
@@ -6371,23 +6371,22 @@
               <a:buChar char="u"/>
             </a:pPr>
             <a:r>
-              <a:rPr kumimoji="1" lang="ja-JP" altLang="en-US" sz="3200" dirty="0">
+              <a:rPr kumimoji="1" lang="ja-JP" altLang="en-US" sz="2800" dirty="0">
                 <a:solidFill>
                   <a:schemeClr val="accent1"/>
                 </a:solidFill>
               </a:rPr>
               <a:t>デモンストレーション</a:t>
             </a:r>
-            <a:endParaRPr kumimoji="1" lang="en-US" altLang="ja-JP" sz="3200" dirty="0">
+            <a:endParaRPr lang="en-US" altLang="ja-JP" sz="2800" dirty="0">
               <a:solidFill>
                 <a:schemeClr val="accent1"/>
               </a:solidFill>
             </a:endParaRPr>
           </a:p>
           <a:p>
-            <a:pPr lvl="1">
-              <a:buFont typeface="Wingdings" panose="05000000000000000000" pitchFamily="2" charset="2"/>
-              <a:buChar char="u"/>
+            <a:pPr marL="457200" lvl="1" indent="0">
+              <a:buNone/>
             </a:pPr>
             <a:endParaRPr kumimoji="1" lang="en-US" altLang="ja-JP" sz="3200" dirty="0">
               <a:solidFill>
@@ -6396,7 +6395,7 @@
             </a:endParaRPr>
           </a:p>
           <a:p>
-            <a:pPr marL="514350" indent="-514350">
+            <a:pPr marL="742950" indent="-742950">
               <a:buFont typeface="+mj-lt"/>
               <a:buAutoNum type="arabicPeriod"/>
             </a:pPr>
@@ -6415,94 +6414,129 @@
             </a:endParaRPr>
           </a:p>
           <a:p>
-            <a:pPr lvl="1">
+            <a:pPr lvl="2">
               <a:buFont typeface="Wingdings" panose="05000000000000000000" pitchFamily="2" charset="2"/>
               <a:buChar char="u"/>
             </a:pPr>
             <a:r>
-              <a:rPr kumimoji="1" lang="ja-JP" altLang="en-US" sz="3600" dirty="0">
+              <a:rPr lang="ja-JP" altLang="en-US" sz="2800" dirty="0">
                 <a:solidFill>
                   <a:schemeClr val="accent1"/>
                 </a:solidFill>
               </a:rPr>
               <a:t>齋藤愛子</a:t>
             </a:r>
-            <a:endParaRPr kumimoji="1" lang="en-US" altLang="ja-JP" sz="3600" dirty="0">
+            <a:endParaRPr lang="en-US" altLang="ja-JP" sz="2800" dirty="0">
               <a:solidFill>
                 <a:schemeClr val="accent1"/>
               </a:solidFill>
             </a:endParaRPr>
           </a:p>
           <a:p>
-            <a:pPr lvl="1">
+            <a:pPr lvl="2">
               <a:buFont typeface="Wingdings" panose="05000000000000000000" pitchFamily="2" charset="2"/>
               <a:buChar char="u"/>
             </a:pPr>
             <a:r>
-              <a:rPr lang="ja-JP" altLang="en-US" sz="3600" dirty="0">
+              <a:rPr lang="ja-JP" altLang="en-US" sz="2800" dirty="0">
                 <a:solidFill>
                   <a:schemeClr val="accent1"/>
                 </a:solidFill>
               </a:rPr>
               <a:t>原拓弓</a:t>
             </a:r>
-            <a:endParaRPr lang="en-US" altLang="ja-JP" sz="3600" dirty="0">
+            <a:endParaRPr lang="en-US" altLang="ja-JP" sz="2800" dirty="0">
               <a:solidFill>
                 <a:schemeClr val="accent1"/>
               </a:solidFill>
             </a:endParaRPr>
           </a:p>
           <a:p>
-            <a:pPr lvl="1">
+            <a:pPr lvl="2">
               <a:buFont typeface="Wingdings" panose="05000000000000000000" pitchFamily="2" charset="2"/>
               <a:buChar char="u"/>
             </a:pPr>
             <a:r>
-              <a:rPr kumimoji="1" lang="ja-JP" altLang="en-US" sz="3600" dirty="0">
+              <a:rPr lang="ja-JP" altLang="en-US" sz="2800" dirty="0">
                 <a:solidFill>
                   <a:schemeClr val="accent1"/>
                 </a:solidFill>
               </a:rPr>
               <a:t>柏倉颯太</a:t>
             </a:r>
-            <a:endParaRPr kumimoji="1" lang="en-US" altLang="ja-JP" sz="3600" dirty="0">
+            <a:endParaRPr lang="en-US" altLang="ja-JP" sz="2800" dirty="0">
               <a:solidFill>
                 <a:schemeClr val="accent1"/>
               </a:solidFill>
             </a:endParaRPr>
           </a:p>
           <a:p>
-            <a:pPr lvl="1">
+            <a:pPr lvl="2">
               <a:buFont typeface="Wingdings" panose="05000000000000000000" pitchFamily="2" charset="2"/>
               <a:buChar char="u"/>
             </a:pPr>
             <a:r>
-              <a:rPr lang="ja-JP" altLang="en-US" sz="3600" dirty="0">
+              <a:rPr lang="ja-JP" altLang="en-US" sz="2800" dirty="0">
                 <a:solidFill>
                   <a:schemeClr val="accent1"/>
                 </a:solidFill>
               </a:rPr>
               <a:t>棟方勇志</a:t>
             </a:r>
-            <a:endParaRPr lang="en-US" altLang="ja-JP" sz="3600" dirty="0">
+            <a:endParaRPr lang="en-US" altLang="ja-JP" sz="2800" dirty="0">
               <a:solidFill>
                 <a:schemeClr val="accent1"/>
               </a:solidFill>
             </a:endParaRPr>
           </a:p>
           <a:p>
-            <a:pPr lvl="1">
+            <a:pPr lvl="2">
               <a:buFont typeface="Wingdings" panose="05000000000000000000" pitchFamily="2" charset="2"/>
               <a:buChar char="u"/>
             </a:pPr>
             <a:r>
-              <a:rPr kumimoji="1" lang="ja-JP" altLang="en-US" sz="3600" dirty="0">
+              <a:rPr lang="ja-JP" altLang="en-US" sz="2800" dirty="0">
                 <a:solidFill>
                   <a:schemeClr val="accent1"/>
                 </a:solidFill>
               </a:rPr>
               <a:t>井上稜土</a:t>
             </a:r>
+            <a:endParaRPr lang="en-US" altLang="ja-JP" sz="2800" dirty="0">
+              <a:solidFill>
+                <a:schemeClr val="accent1"/>
+              </a:solidFill>
+            </a:endParaRPr>
+          </a:p>
+          <a:p>
+            <a:pPr marL="742950" indent="-742950">
+              <a:buFont typeface="+mj-lt"/>
+              <a:buAutoNum type="arabicPeriod"/>
+            </a:pPr>
+            <a:endParaRPr lang="en-US" altLang="ja-JP" sz="4000" dirty="0">
+              <a:solidFill>
+                <a:schemeClr val="accent1"/>
+              </a:solidFill>
+            </a:endParaRPr>
+          </a:p>
+          <a:p>
+            <a:pPr marL="742950" indent="-742950">
+              <a:buFont typeface="+mj-lt"/>
+              <a:buAutoNum type="arabicPeriod"/>
+            </a:pPr>
+            <a:r>
+              <a:rPr lang="ja-JP" altLang="en-US" sz="4000" dirty="0">
+                <a:solidFill>
+                  <a:schemeClr val="accent1"/>
+                </a:solidFill>
+              </a:rPr>
+              <a:t>質疑応答</a:t>
+            </a:r>
+            <a:endParaRPr lang="en-US" altLang="ja-JP" sz="4000" dirty="0">
+              <a:solidFill>
+                <a:schemeClr val="accent1"/>
+              </a:solidFill>
+            </a:endParaRPr>
           </a:p>
         </p:txBody>
       </p:sp>
@@ -9923,53 +9957,6 @@
               </a:rPr>
               <a:t>全体発表④　デモンストレーション</a:t>
             </a:r>
-          </a:p>
-        </p:txBody>
-      </p:sp>
-      <p:sp>
-        <p:nvSpPr>
-          <p:cNvPr id="3" name="動作設定ボタン: 進む/次へ 2">
-            <a:hlinkClick r:id="rId2" invalidUrl="http:///" highlightClick="1"/>
-            <a:extLst>
-              <a:ext uri="{FF2B5EF4-FFF2-40B4-BE49-F238E27FC236}">
-                <a16:creationId xmlns:a16="http://schemas.microsoft.com/office/drawing/2014/main" id="{D00E7ECC-1A34-161F-771B-1A7888F19C4D}"/>
-              </a:ext>
-            </a:extLst>
-          </p:cNvPr>
-          <p:cNvSpPr/>
-          <p:nvPr/>
-        </p:nvSpPr>
-        <p:spPr>
-          <a:xfrm>
-            <a:off x="4582885" y="2645228"/>
-            <a:ext cx="1883229" cy="1785257"/>
-          </a:xfrm>
-          <a:prstGeom prst="actionButtonForwardNext">
-            <a:avLst/>
-          </a:prstGeom>
-        </p:spPr>
-        <p:style>
-          <a:lnRef idx="2">
-            <a:schemeClr val="accent1">
-              <a:shade val="15000"/>
-            </a:schemeClr>
-          </a:lnRef>
-          <a:fillRef idx="1">
-            <a:schemeClr val="accent1"/>
-          </a:fillRef>
-          <a:effectRef idx="0">
-            <a:schemeClr val="accent1"/>
-          </a:effectRef>
-          <a:fontRef idx="minor">
-            <a:schemeClr val="lt1"/>
-          </a:fontRef>
-        </p:style>
-        <p:txBody>
-          <a:bodyPr rtlCol="0" anchor="ctr"/>
-          <a:lstStyle/>
-          <a:p>
-            <a:pPr algn="ctr"/>
-            <a:endParaRPr kumimoji="1" lang="ja-JP" altLang="en-US"/>
           </a:p>
         </p:txBody>
       </p:sp>

--- a/src/main/resources/presentation/TeamA　品質管理チーム演習.pptx
+++ b/src/main/resources/presentation/TeamA　品質管理チーム演習.pptx
@@ -14,12 +14,12 @@
     <p:sldId id="272" r:id="rId5"/>
     <p:sldId id="258" r:id="rId6"/>
     <p:sldId id="276" r:id="rId7"/>
-    <p:sldId id="265" r:id="rId8"/>
-    <p:sldId id="275" r:id="rId9"/>
-    <p:sldId id="273" r:id="rId10"/>
-    <p:sldId id="277" r:id="rId11"/>
-    <p:sldId id="257" r:id="rId12"/>
-    <p:sldId id="274" r:id="rId13"/>
+    <p:sldId id="275" r:id="rId8"/>
+    <p:sldId id="277" r:id="rId9"/>
+    <p:sldId id="257" r:id="rId10"/>
+    <p:sldId id="278" r:id="rId11"/>
+    <p:sldId id="273" r:id="rId12"/>
+    <p:sldId id="265" r:id="rId13"/>
     <p:sldId id="267" r:id="rId14"/>
   </p:sldIdLst>
   <p:sldSz cx="12192000" cy="6858000"/>
@@ -573,7 +573,7 @@
           <a:p>
             <a:fld id="{8306C6D8-5D72-4BCF-9E36-5B730EA5D889}" type="slidenum">
               <a:rPr kumimoji="1" lang="ja-JP" altLang="en-US" smtClean="0"/>
-              <a:t>11</a:t>
+              <a:t>9</a:t>
             </a:fld>
             <a:endParaRPr kumimoji="1" lang="ja-JP" altLang="en-US"/>
           </a:p>
@@ -4344,7 +4344,7 @@
           <a:lstStyle/>
           <a:p>
             <a:r>
-              <a:rPr kumimoji="1" lang="ja-JP" altLang="en-US" b="1">
+              <a:rPr kumimoji="1" lang="ja-JP" altLang="en-US" b="1" dirty="0">
                 <a:solidFill>
                   <a:schemeClr val="accent1"/>
                 </a:solidFill>
@@ -4352,15 +4352,15 @@
               <a:t>個人発表（</a:t>
             </a:r>
             <a:r>
-              <a:rPr lang="en-US" altLang="ja-JP" b="1">
+              <a:rPr lang="en-US" altLang="ja-JP" b="1" dirty="0">
                 <a:solidFill>
                   <a:schemeClr val="accent1"/>
                 </a:solidFill>
               </a:rPr>
-              <a:t>W7372</a:t>
-            </a:r>
-            <a:r>
-              <a:rPr kumimoji="1" lang="en-US" altLang="ja-JP" b="1">
+              <a:t>W7382</a:t>
+            </a:r>
+            <a:r>
+              <a:rPr kumimoji="1" lang="en-US" altLang="ja-JP" b="1" dirty="0">
                 <a:solidFill>
                   <a:schemeClr val="accent1"/>
                 </a:solidFill>
@@ -4368,20 +4368,12 @@
               <a:t>_</a:t>
             </a:r>
             <a:r>
-              <a:rPr lang="ja-JP" altLang="en-US" b="1">
+              <a:rPr kumimoji="1" lang="ja-JP" altLang="en-US" b="1" dirty="0">
                 <a:solidFill>
                   <a:schemeClr val="accent1"/>
                 </a:solidFill>
               </a:rPr>
-              <a:t>柏倉颯太</a:t>
-            </a:r>
-            <a:r>
-              <a:rPr kumimoji="1" lang="ja-JP" altLang="en-US" b="1">
-                <a:solidFill>
-                  <a:schemeClr val="accent1"/>
-                </a:solidFill>
-              </a:rPr>
-              <a:t>）</a:t>
+              <a:t>井上稜土）</a:t>
             </a:r>
           </a:p>
         </p:txBody>
@@ -4434,8 +4426,8 @@
           <a:p>
             <a:pPr algn="ctr"/>
             <a:r>
-              <a:rPr kumimoji="1" lang="ja-JP" altLang="en-US"/>
-              <a:t>担当機能</a:t>
+              <a:rPr kumimoji="1" lang="ja-JP" altLang="en-US" dirty="0"/>
+              <a:t>担当</a:t>
             </a:r>
           </a:p>
         </p:txBody>
@@ -4488,7 +4480,7 @@
           <a:p>
             <a:pPr algn="ctr"/>
             <a:r>
-              <a:rPr kumimoji="1" lang="ja-JP" altLang="en-US" sz="1600"/>
+              <a:rPr kumimoji="1" lang="ja-JP" altLang="en-US" sz="1600" dirty="0"/>
               <a:t>工夫点</a:t>
             </a:r>
           </a:p>
@@ -4542,7 +4534,7 @@
           <a:p>
             <a:pPr algn="ctr"/>
             <a:r>
-              <a:rPr kumimoji="1" lang="ja-JP" altLang="en-US" sz="1600"/>
+              <a:rPr kumimoji="1" lang="ja-JP" altLang="en-US" sz="1600" dirty="0"/>
               <a:t>今後に向けて</a:t>
             </a:r>
           </a:p>
@@ -4596,7 +4588,7 @@
           <a:p>
             <a:pPr algn="ctr"/>
             <a:r>
-              <a:rPr kumimoji="1" lang="ja-JP" altLang="en-US" sz="1600"/>
+              <a:rPr kumimoji="1" lang="ja-JP" altLang="en-US" sz="1600" dirty="0"/>
               <a:t>問題点</a:t>
             </a:r>
           </a:p>
@@ -4616,8 +4608,8 @@
         </p:nvSpPr>
         <p:spPr>
           <a:xfrm>
-            <a:off x="1175665" y="2076417"/>
-            <a:ext cx="10613564" cy="646331"/>
+            <a:off x="1175665" y="1891021"/>
+            <a:ext cx="10613564" cy="923330"/>
           </a:xfrm>
           <a:prstGeom prst="rect">
             <a:avLst/>
@@ -4638,16 +4630,24 @@
           <a:lstStyle/>
           <a:p>
             <a:r>
-              <a:rPr kumimoji="1" lang="ja-JP" altLang="en-US"/>
-              <a:t>単体仕様書</a:t>
-            </a:r>
-            <a:endParaRPr kumimoji="1" lang="en-US" altLang="ja-JP"/>
-          </a:p>
-          <a:p>
-            <a:r>
-              <a:rPr kumimoji="1" lang="ja-JP" altLang="en-US"/>
-              <a:t>結合仕様書の作成</a:t>
-            </a:r>
+              <a:rPr kumimoji="1" lang="ja-JP" altLang="en-US" dirty="0"/>
+              <a:t>・</a:t>
+            </a:r>
+            <a:r>
+              <a:rPr kumimoji="1" lang="en-US" altLang="ja-JP" dirty="0"/>
+              <a:t>DAO</a:t>
+            </a:r>
+            <a:r>
+              <a:rPr kumimoji="1" lang="ja-JP" altLang="en-US" dirty="0"/>
+              <a:t>のテストクラス作成</a:t>
+            </a:r>
+            <a:endParaRPr kumimoji="1" lang="en-US" altLang="ja-JP" dirty="0"/>
+          </a:p>
+          <a:p>
+            <a:endParaRPr lang="en-US" altLang="ja-JP" dirty="0"/>
+          </a:p>
+          <a:p>
+            <a:endParaRPr kumimoji="1" lang="en-US" altLang="ja-JP" dirty="0"/>
           </a:p>
         </p:txBody>
       </p:sp>
@@ -4665,8 +4665,8 @@
         </p:nvSpPr>
         <p:spPr>
           <a:xfrm>
-            <a:off x="1175665" y="3351778"/>
-            <a:ext cx="10613564" cy="646331"/>
+            <a:off x="1175665" y="3170459"/>
+            <a:ext cx="10613564" cy="923330"/>
           </a:xfrm>
           <a:prstGeom prst="rect">
             <a:avLst/>
@@ -4687,19 +4687,13 @@
           <a:lstStyle/>
           <a:p>
             <a:r>
-              <a:rPr kumimoji="1" lang="ja-JP" altLang="en-US"/>
-              <a:t>境界値の設定</a:t>
-            </a:r>
-            <a:r>
-              <a:rPr kumimoji="1" lang="en-US" altLang="ja-JP"/>
-              <a:t>,</a:t>
-            </a:r>
-          </a:p>
-          <a:p>
-            <a:r>
-              <a:rPr kumimoji="1" lang="ja-JP" altLang="en-US"/>
-              <a:t>読み手が理解しやすいレイアウトにすること</a:t>
-            </a:r>
+              <a:rPr lang="ja-JP" altLang="en-US" dirty="0"/>
+              <a:t>・テストクラスの作成はクラスが異なっていても相手が分かりやすくするためにコードの形を似せるようにした</a:t>
+            </a:r>
+            <a:endParaRPr lang="en-US" altLang="ja-JP" dirty="0"/>
+          </a:p>
+          <a:p>
+            <a:endParaRPr kumimoji="1" lang="en-US" altLang="ja-JP" dirty="0"/>
           </a:p>
         </p:txBody>
       </p:sp>
@@ -4717,8 +4711,8 @@
         </p:nvSpPr>
         <p:spPr>
           <a:xfrm>
-            <a:off x="1175665" y="5629197"/>
-            <a:ext cx="10613564" cy="646331"/>
+            <a:off x="1175665" y="5654390"/>
+            <a:ext cx="10613564" cy="923330"/>
           </a:xfrm>
           <a:prstGeom prst="rect">
             <a:avLst/>
@@ -4739,16 +4733,27 @@
           <a:lstStyle/>
           <a:p>
             <a:r>
-              <a:rPr lang="ja-JP" altLang="en-US"/>
-              <a:t>求められているものが分からないかった場合、言葉の定義・範囲から確認する。</a:t>
-            </a:r>
-            <a:endParaRPr lang="en-US" altLang="ja-JP"/>
-          </a:p>
-          <a:p>
-            <a:r>
-              <a:rPr kumimoji="1" lang="ja-JP" altLang="en-US"/>
-              <a:t>参照する資料が多くて、どこに載っている情報なのかわからなくなってしまったので、メモする</a:t>
-            </a:r>
+              <a:rPr lang="ja-JP" altLang="en-US" dirty="0"/>
+              <a:t>・フローチャートを想像しながらテストケースを考える</a:t>
+            </a:r>
+          </a:p>
+          <a:p>
+            <a:r>
+              <a:rPr lang="ja-JP" altLang="en-US" dirty="0"/>
+              <a:t>・</a:t>
+            </a:r>
+            <a:r>
+              <a:rPr lang="en-US" altLang="ja-JP" dirty="0"/>
+              <a:t>GitHub</a:t>
+            </a:r>
+            <a:r>
+              <a:rPr lang="ja-JP" altLang="en-US" dirty="0"/>
+              <a:t>の仕組みを理解し、エラーに対して適切なコマンドを打てるようにする</a:t>
+            </a:r>
+            <a:endParaRPr lang="en-US" altLang="ja-JP" dirty="0"/>
+          </a:p>
+          <a:p>
+            <a:endParaRPr kumimoji="1" lang="ja-JP" altLang="en-US" dirty="0"/>
           </a:p>
         </p:txBody>
       </p:sp>
@@ -4766,8 +4771,8 @@
         </p:nvSpPr>
         <p:spPr>
           <a:xfrm>
-            <a:off x="1175665" y="4561299"/>
-            <a:ext cx="10613564" cy="646331"/>
+            <a:off x="1175665" y="4406126"/>
+            <a:ext cx="10613564" cy="923330"/>
           </a:xfrm>
           <a:prstGeom prst="rect">
             <a:avLst/>
@@ -4788,27 +4793,34 @@
           <a:lstStyle/>
           <a:p>
             <a:r>
-              <a:rPr lang="ja-JP" altLang="en-US"/>
-              <a:t>テスト項目、テスト検証の意味を正しく理解できていなかった。</a:t>
-            </a:r>
-            <a:br>
-              <a:rPr lang="en-US" altLang="ja-JP"/>
-            </a:br>
-            <a:r>
-              <a:rPr lang="en-US" altLang="ja-JP"/>
+              <a:rPr lang="ja-JP" altLang="en-US" dirty="0"/>
+              <a:t>・テストケースがあまり思いつかなかった</a:t>
+            </a:r>
+          </a:p>
+          <a:p>
+            <a:r>
+              <a:rPr lang="ja-JP" altLang="en-US" dirty="0"/>
+              <a:t>・</a:t>
+            </a:r>
+            <a:r>
+              <a:rPr lang="en-US" altLang="ja-JP" dirty="0"/>
               <a:t>GitHub</a:t>
             </a:r>
             <a:r>
-              <a:rPr lang="ja-JP" altLang="en-US"/>
-              <a:t>の使い方、コマンドを把握していなかった。</a:t>
-            </a:r>
+              <a:rPr lang="ja-JP" altLang="en-US" dirty="0"/>
+              <a:t>関連で躓いた場面が多々あった</a:t>
+            </a:r>
+            <a:endParaRPr lang="en-US" altLang="ja-JP" dirty="0"/>
+          </a:p>
+          <a:p>
+            <a:endParaRPr kumimoji="1" lang="ja-JP" altLang="en-US" dirty="0"/>
           </a:p>
         </p:txBody>
       </p:sp>
     </p:spTree>
     <p:extLst>
       <p:ext uri="{BB962C8B-B14F-4D97-AF65-F5344CB8AC3E}">
-        <p14:creationId xmlns:p14="http://schemas.microsoft.com/office/powerpoint/2010/main" val="3155644942"/>
+        <p14:creationId xmlns:p14="http://schemas.microsoft.com/office/powerpoint/2010/main" val="3313082735"/>
       </p:ext>
     </p:extLst>
   </p:cSld>
@@ -4885,7 +4897,15 @@
                   <a:schemeClr val="accent1"/>
                 </a:solidFill>
               </a:rPr>
-              <a:t>W7374_</a:t>
+              <a:t>W7371_</a:t>
+            </a:r>
+            <a:r>
+              <a:rPr lang="ja-JP" altLang="en-US" b="1" dirty="0">
+                <a:solidFill>
+                  <a:schemeClr val="accent1"/>
+                </a:solidFill>
+              </a:rPr>
+              <a:t>原拓弓</a:t>
             </a:r>
             <a:r>
               <a:rPr kumimoji="1" lang="ja-JP" altLang="en-US" b="1" dirty="0">
@@ -4893,7 +4913,7 @@
                   <a:schemeClr val="accent1"/>
                 </a:solidFill>
               </a:rPr>
-              <a:t>棟方勇志）</a:t>
+              <a:t>）</a:t>
             </a:r>
           </a:p>
         </p:txBody>
@@ -4912,7 +4932,7 @@
         </p:nvSpPr>
         <p:spPr>
           <a:xfrm>
-            <a:off x="97975" y="1861290"/>
+            <a:off x="97975" y="1891021"/>
             <a:ext cx="859979" cy="983776"/>
           </a:xfrm>
           <a:prstGeom prst="rect">
@@ -4944,9 +4964,38 @@
           <a:bodyPr rtlCol="0" anchor="ctr"/>
           <a:lstStyle/>
           <a:p>
-            <a:pPr algn="ctr"/>
-            <a:r>
-              <a:rPr kumimoji="1" lang="ja-JP" altLang="en-US" dirty="0"/>
+            <a:pPr marL="0" marR="0" lvl="0" indent="0" algn="ctr" defTabSz="914400" rtl="0" eaLnBrk="1" fontAlgn="auto" latinLnBrk="0" hangingPunct="1">
+              <a:lnSpc>
+                <a:spcPct val="100000"/>
+              </a:lnSpc>
+              <a:spcBef>
+                <a:spcPts val="0"/>
+              </a:spcBef>
+              <a:spcAft>
+                <a:spcPts val="0"/>
+              </a:spcAft>
+              <a:buClrTx/>
+              <a:buSzTx/>
+              <a:buFontTx/>
+              <a:buNone/>
+              <a:tabLst/>
+              <a:defRPr/>
+            </a:pPr>
+            <a:r>
+              <a:rPr kumimoji="1" lang="ja-JP" altLang="en-US" sz="1800" b="0" i="0" u="none" strike="noStrike" kern="1200" cap="none" spc="0" normalizeH="0" baseline="0" noProof="0" dirty="0">
+                <a:ln>
+                  <a:noFill/>
+                </a:ln>
+                <a:solidFill>
+                  <a:prstClr val="white"/>
+                </a:solidFill>
+                <a:effectLst/>
+                <a:uLnTx/>
+                <a:uFillTx/>
+                <a:latin typeface="游ゴシック" panose="02110004020202020204"/>
+                <a:ea typeface="游ゴシック" panose="020B0400000000000000" pitchFamily="50" charset="-128"/>
+                <a:cs typeface="+mn-cs"/>
+              </a:rPr>
               <a:t>担当</a:t>
             </a:r>
           </a:p>
@@ -4966,7 +5015,7 @@
         </p:nvSpPr>
         <p:spPr>
           <a:xfrm>
-            <a:off x="97975" y="3151881"/>
+            <a:off x="97975" y="3183056"/>
             <a:ext cx="859979" cy="983776"/>
           </a:xfrm>
           <a:prstGeom prst="rect">
@@ -4998,9 +5047,38 @@
           <a:bodyPr rtlCol="0" anchor="ctr"/>
           <a:lstStyle/>
           <a:p>
-            <a:pPr algn="ctr"/>
-            <a:r>
-              <a:rPr kumimoji="1" lang="ja-JP" altLang="en-US" sz="1600" dirty="0"/>
+            <a:pPr marL="0" marR="0" lvl="0" indent="0" algn="ctr" defTabSz="914400" rtl="0" eaLnBrk="1" fontAlgn="auto" latinLnBrk="0" hangingPunct="1">
+              <a:lnSpc>
+                <a:spcPct val="100000"/>
+              </a:lnSpc>
+              <a:spcBef>
+                <a:spcPts val="0"/>
+              </a:spcBef>
+              <a:spcAft>
+                <a:spcPts val="0"/>
+              </a:spcAft>
+              <a:buClrTx/>
+              <a:buSzTx/>
+              <a:buFontTx/>
+              <a:buNone/>
+              <a:tabLst/>
+              <a:defRPr/>
+            </a:pPr>
+            <a:r>
+              <a:rPr kumimoji="1" lang="ja-JP" altLang="en-US" sz="1600" b="0" i="0" u="none" strike="noStrike" kern="1200" cap="none" spc="0" normalizeH="0" baseline="0" noProof="0" dirty="0">
+                <a:ln>
+                  <a:noFill/>
+                </a:ln>
+                <a:solidFill>
+                  <a:prstClr val="white"/>
+                </a:solidFill>
+                <a:effectLst/>
+                <a:uLnTx/>
+                <a:uFillTx/>
+                <a:latin typeface="游ゴシック" panose="02110004020202020204"/>
+                <a:ea typeface="游ゴシック" panose="020B0400000000000000" pitchFamily="50" charset="-128"/>
+                <a:cs typeface="+mn-cs"/>
+              </a:rPr>
               <a:t>工夫点</a:t>
             </a:r>
           </a:p>
@@ -5052,9 +5130,38 @@
           <a:bodyPr rtlCol="0" anchor="ctr"/>
           <a:lstStyle/>
           <a:p>
-            <a:pPr algn="ctr"/>
-            <a:r>
-              <a:rPr kumimoji="1" lang="ja-JP" altLang="en-US" sz="1600" dirty="0"/>
+            <a:pPr marL="0" marR="0" lvl="0" indent="0" algn="ctr" defTabSz="914400" rtl="0" eaLnBrk="1" fontAlgn="auto" latinLnBrk="0" hangingPunct="1">
+              <a:lnSpc>
+                <a:spcPct val="100000"/>
+              </a:lnSpc>
+              <a:spcBef>
+                <a:spcPts val="0"/>
+              </a:spcBef>
+              <a:spcAft>
+                <a:spcPts val="0"/>
+              </a:spcAft>
+              <a:buClrTx/>
+              <a:buSzTx/>
+              <a:buFontTx/>
+              <a:buNone/>
+              <a:tabLst/>
+              <a:defRPr/>
+            </a:pPr>
+            <a:r>
+              <a:rPr kumimoji="1" lang="ja-JP" altLang="en-US" sz="1600" b="0" i="0" u="none" strike="noStrike" kern="1200" cap="none" spc="0" normalizeH="0" baseline="0" noProof="0" dirty="0">
+                <a:ln>
+                  <a:noFill/>
+                </a:ln>
+                <a:solidFill>
+                  <a:prstClr val="white"/>
+                </a:solidFill>
+                <a:effectLst/>
+                <a:uLnTx/>
+                <a:uFillTx/>
+                <a:latin typeface="游ゴシック" panose="02110004020202020204"/>
+                <a:ea typeface="游ゴシック" panose="020B0400000000000000" pitchFamily="50" charset="-128"/>
+                <a:cs typeface="+mn-cs"/>
+              </a:rPr>
               <a:t>今後に向けて</a:t>
             </a:r>
           </a:p>
@@ -5106,9 +5213,38 @@
           <a:bodyPr rtlCol="0" anchor="ctr"/>
           <a:lstStyle/>
           <a:p>
-            <a:pPr algn="ctr"/>
-            <a:r>
-              <a:rPr kumimoji="1" lang="ja-JP" altLang="en-US" sz="1600" dirty="0"/>
+            <a:pPr marL="0" marR="0" lvl="0" indent="0" algn="ctr" defTabSz="914400" rtl="0" eaLnBrk="1" fontAlgn="auto" latinLnBrk="0" hangingPunct="1">
+              <a:lnSpc>
+                <a:spcPct val="100000"/>
+              </a:lnSpc>
+              <a:spcBef>
+                <a:spcPts val="0"/>
+              </a:spcBef>
+              <a:spcAft>
+                <a:spcPts val="0"/>
+              </a:spcAft>
+              <a:buClrTx/>
+              <a:buSzTx/>
+              <a:buFontTx/>
+              <a:buNone/>
+              <a:tabLst/>
+              <a:defRPr/>
+            </a:pPr>
+            <a:r>
+              <a:rPr kumimoji="1" lang="ja-JP" altLang="en-US" sz="1600" b="0" i="0" u="none" strike="noStrike" kern="1200" cap="none" spc="0" normalizeH="0" baseline="0" noProof="0" dirty="0">
+                <a:ln>
+                  <a:noFill/>
+                </a:ln>
+                <a:solidFill>
+                  <a:prstClr val="white"/>
+                </a:solidFill>
+                <a:effectLst/>
+                <a:uLnTx/>
+                <a:uFillTx/>
+                <a:latin typeface="游ゴシック" panose="02110004020202020204"/>
+                <a:ea typeface="游ゴシック" panose="020B0400000000000000" pitchFamily="50" charset="-128"/>
+                <a:cs typeface="+mn-cs"/>
+              </a:rPr>
               <a:t>問題点</a:t>
             </a:r>
           </a:p>
@@ -5116,10 +5252,10 @@
       </p:sp>
       <p:sp>
         <p:nvSpPr>
-          <p:cNvPr id="5" name="テキスト ボックス 4">
-            <a:extLst>
-              <a:ext uri="{FF2B5EF4-FFF2-40B4-BE49-F238E27FC236}">
-                <a16:creationId xmlns:a16="http://schemas.microsoft.com/office/drawing/2014/main" id="{64E2A502-3C56-159B-5AEE-AF3966FA04F7}"/>
+          <p:cNvPr id="3" name="テキスト ボックス 2">
+            <a:extLst>
+              <a:ext uri="{FF2B5EF4-FFF2-40B4-BE49-F238E27FC236}">
+                <a16:creationId xmlns:a16="http://schemas.microsoft.com/office/drawing/2014/main" id="{E403434A-6FE5-5429-D2A9-6DA2B6BD8696}"/>
               </a:ext>
             </a:extLst>
           </p:cNvPr>
@@ -5128,8 +5264,8 @@
         </p:nvSpPr>
         <p:spPr>
           <a:xfrm>
-            <a:off x="1175665" y="3126688"/>
-            <a:ext cx="10613564" cy="1008969"/>
+            <a:off x="1175665" y="1891021"/>
+            <a:ext cx="10613564" cy="646331"/>
           </a:xfrm>
           <a:prstGeom prst="rect">
             <a:avLst/>
@@ -5149,16 +5285,238 @@
           </a:bodyPr>
           <a:lstStyle/>
           <a:p>
-            <a:endParaRPr kumimoji="1" lang="ja-JP" altLang="en-US" dirty="0"/>
-          </a:p>
-        </p:txBody>
-      </p:sp>
-      <p:sp>
-        <p:nvSpPr>
-          <p:cNvPr id="8" name="テキスト ボックス 7">
-            <a:extLst>
-              <a:ext uri="{FF2B5EF4-FFF2-40B4-BE49-F238E27FC236}">
-                <a16:creationId xmlns:a16="http://schemas.microsoft.com/office/drawing/2014/main" id="{101EF969-3635-C773-1064-6D217F6117E3}"/>
+            <a:pPr marL="0" marR="0" lvl="0" indent="0" algn="l" defTabSz="914400" rtl="0" eaLnBrk="1" fontAlgn="auto" latinLnBrk="0" hangingPunct="1">
+              <a:lnSpc>
+                <a:spcPct val="100000"/>
+              </a:lnSpc>
+              <a:spcBef>
+                <a:spcPts val="0"/>
+              </a:spcBef>
+              <a:spcAft>
+                <a:spcPts val="0"/>
+              </a:spcAft>
+              <a:buClrTx/>
+              <a:buSzTx/>
+              <a:buFontTx/>
+              <a:buNone/>
+              <a:tabLst/>
+              <a:defRPr/>
+            </a:pPr>
+            <a:r>
+              <a:rPr kumimoji="1" lang="ja-JP" altLang="en-US" sz="1800" b="0" i="0" u="none" strike="noStrike" kern="1200" cap="none" spc="0" normalizeH="0" baseline="0" noProof="0" dirty="0">
+                <a:ln>
+                  <a:noFill/>
+                </a:ln>
+                <a:solidFill>
+                  <a:prstClr val="black"/>
+                </a:solidFill>
+                <a:effectLst/>
+                <a:uLnTx/>
+                <a:uFillTx/>
+                <a:latin typeface="游ゴシック" panose="02110004020202020204"/>
+                <a:ea typeface="游ゴシック" panose="020B0400000000000000" pitchFamily="50" charset="-128"/>
+                <a:cs typeface="+mn-cs"/>
+              </a:rPr>
+              <a:t>１</a:t>
+            </a:r>
+            <a:r>
+              <a:rPr kumimoji="1" lang="en-US" altLang="ja-JP" sz="1800" b="0" i="0" u="none" strike="noStrike" kern="1200" cap="none" spc="0" normalizeH="0" baseline="0" noProof="0" dirty="0">
+                <a:ln>
+                  <a:noFill/>
+                </a:ln>
+                <a:solidFill>
+                  <a:prstClr val="black"/>
+                </a:solidFill>
+                <a:effectLst/>
+                <a:uLnTx/>
+                <a:uFillTx/>
+                <a:latin typeface="游ゴシック" panose="02110004020202020204"/>
+                <a:ea typeface="游ゴシック" panose="020B0400000000000000" pitchFamily="50" charset="-128"/>
+                <a:cs typeface="+mn-cs"/>
+              </a:rPr>
+              <a:t>.</a:t>
+            </a:r>
+            <a:r>
+              <a:rPr kumimoji="1" lang="ja-JP" altLang="en-US" sz="1800" b="0" i="0" u="none" strike="noStrike" kern="1200" cap="none" spc="0" normalizeH="0" baseline="0" noProof="0" dirty="0">
+                <a:ln>
+                  <a:noFill/>
+                </a:ln>
+                <a:solidFill>
+                  <a:prstClr val="black"/>
+                </a:solidFill>
+                <a:effectLst/>
+                <a:uLnTx/>
+                <a:uFillTx/>
+                <a:latin typeface="游ゴシック" panose="02110004020202020204"/>
+                <a:ea typeface="游ゴシック" panose="020B0400000000000000" pitchFamily="50" charset="-128"/>
+                <a:cs typeface="+mn-cs"/>
+              </a:rPr>
+              <a:t>修正作業</a:t>
+            </a:r>
+            <a:r>
+              <a:rPr kumimoji="1" lang="en-US" altLang="ja-JP" sz="1800" b="0" i="0" u="none" strike="noStrike" kern="1200" cap="none" spc="0" normalizeH="0" baseline="0" noProof="0" dirty="0">
+                <a:ln>
+                  <a:noFill/>
+                </a:ln>
+                <a:solidFill>
+                  <a:prstClr val="black"/>
+                </a:solidFill>
+                <a:effectLst/>
+                <a:uLnTx/>
+                <a:uFillTx/>
+                <a:latin typeface="游ゴシック" panose="02110004020202020204"/>
+                <a:ea typeface="游ゴシック" panose="020B0400000000000000" pitchFamily="50" charset="-128"/>
+                <a:cs typeface="+mn-cs"/>
+              </a:rPr>
+              <a:t>(</a:t>
+            </a:r>
+            <a:r>
+              <a:rPr kumimoji="1" lang="ja-JP" altLang="en-US" sz="1800" b="0" i="0" u="none" strike="noStrike" kern="1200" cap="none" spc="0" normalizeH="0" baseline="0" noProof="0" dirty="0">
+                <a:ln>
+                  <a:noFill/>
+                </a:ln>
+                <a:solidFill>
+                  <a:prstClr val="black"/>
+                </a:solidFill>
+                <a:effectLst/>
+                <a:uLnTx/>
+                <a:uFillTx/>
+                <a:latin typeface="游ゴシック" panose="02110004020202020204"/>
+                <a:ea typeface="游ゴシック" panose="020B0400000000000000" pitchFamily="50" charset="-128"/>
+                <a:cs typeface="+mn-cs"/>
+              </a:rPr>
+              <a:t>経費申請画面のコード修正・エラーメッセージの修正</a:t>
+            </a:r>
+            <a:r>
+              <a:rPr kumimoji="1" lang="en-US" altLang="ja-JP" sz="1800" b="0" i="0" u="none" strike="noStrike" kern="1200" cap="none" spc="0" normalizeH="0" baseline="0" noProof="0" dirty="0">
+                <a:ln>
+                  <a:noFill/>
+                </a:ln>
+                <a:solidFill>
+                  <a:prstClr val="black"/>
+                </a:solidFill>
+                <a:effectLst/>
+                <a:uLnTx/>
+                <a:uFillTx/>
+                <a:latin typeface="游ゴシック" panose="02110004020202020204"/>
+                <a:ea typeface="游ゴシック" panose="020B0400000000000000" pitchFamily="50" charset="-128"/>
+                <a:cs typeface="+mn-cs"/>
+              </a:rPr>
+              <a:t>)</a:t>
+            </a:r>
+          </a:p>
+          <a:p>
+            <a:pPr marL="0" marR="0" lvl="0" indent="0" algn="l" defTabSz="914400" rtl="0" eaLnBrk="1" fontAlgn="auto" latinLnBrk="0" hangingPunct="1">
+              <a:lnSpc>
+                <a:spcPct val="100000"/>
+              </a:lnSpc>
+              <a:spcBef>
+                <a:spcPts val="0"/>
+              </a:spcBef>
+              <a:spcAft>
+                <a:spcPts val="0"/>
+              </a:spcAft>
+              <a:buClrTx/>
+              <a:buSzTx/>
+              <a:buFontTx/>
+              <a:buNone/>
+              <a:tabLst/>
+              <a:defRPr/>
+            </a:pPr>
+            <a:r>
+              <a:rPr kumimoji="1" lang="ja-JP" altLang="en-US" sz="1800" b="0" i="0" u="none" strike="noStrike" kern="1200" cap="none" spc="0" normalizeH="0" baseline="0" noProof="0" dirty="0">
+                <a:ln>
+                  <a:noFill/>
+                </a:ln>
+                <a:solidFill>
+                  <a:prstClr val="black"/>
+                </a:solidFill>
+                <a:effectLst/>
+                <a:uLnTx/>
+                <a:uFillTx/>
+                <a:latin typeface="游ゴシック" panose="02110004020202020204"/>
+                <a:ea typeface="游ゴシック" panose="020B0400000000000000" pitchFamily="50" charset="-128"/>
+                <a:cs typeface="+mn-cs"/>
+              </a:rPr>
+              <a:t>２．単体テストコード作成（</a:t>
+            </a:r>
+            <a:r>
+              <a:rPr kumimoji="1" lang="en-US" altLang="ja-JP" sz="1800" b="0" i="0" u="none" strike="noStrike" kern="1200" cap="none" spc="0" normalizeH="0" baseline="0" noProof="0" dirty="0" err="1">
+                <a:ln>
+                  <a:noFill/>
+                </a:ln>
+                <a:solidFill>
+                  <a:prstClr val="black"/>
+                </a:solidFill>
+                <a:effectLst/>
+                <a:uLnTx/>
+                <a:uFillTx/>
+                <a:latin typeface="游ゴシック" panose="02110004020202020204"/>
+                <a:ea typeface="游ゴシック" panose="020B0400000000000000" pitchFamily="50" charset="-128"/>
+                <a:cs typeface="+mn-cs"/>
+              </a:rPr>
+              <a:t>LoginService</a:t>
+            </a:r>
+            <a:r>
+              <a:rPr kumimoji="1" lang="ja-JP" altLang="en-US" sz="1800" b="0" i="0" u="none" strike="noStrike" kern="1200" cap="none" spc="0" normalizeH="0" baseline="0" noProof="0" dirty="0">
+                <a:ln>
+                  <a:noFill/>
+                </a:ln>
+                <a:solidFill>
+                  <a:prstClr val="black"/>
+                </a:solidFill>
+                <a:effectLst/>
+                <a:uLnTx/>
+                <a:uFillTx/>
+                <a:latin typeface="游ゴシック" panose="02110004020202020204"/>
+                <a:ea typeface="游ゴシック" panose="020B0400000000000000" pitchFamily="50" charset="-128"/>
+                <a:cs typeface="+mn-cs"/>
+              </a:rPr>
+              <a:t>と</a:t>
+            </a:r>
+            <a:r>
+              <a:rPr kumimoji="1" lang="en-US" altLang="ja-JP" sz="1800" b="0" i="0" u="none" strike="noStrike" kern="1200" cap="none" spc="0" normalizeH="0" baseline="0" noProof="0" dirty="0" err="1">
+                <a:ln>
+                  <a:noFill/>
+                </a:ln>
+                <a:solidFill>
+                  <a:prstClr val="black"/>
+                </a:solidFill>
+                <a:effectLst/>
+                <a:uLnTx/>
+                <a:uFillTx/>
+                <a:latin typeface="游ゴシック" panose="02110004020202020204"/>
+                <a:ea typeface="游ゴシック" panose="020B0400000000000000" pitchFamily="50" charset="-128"/>
+                <a:cs typeface="+mn-cs"/>
+              </a:rPr>
+              <a:t>ExpenseApplicationService</a:t>
+            </a:r>
+            <a:r>
+              <a:rPr kumimoji="1" lang="ja-JP" altLang="en-US" sz="1800" b="0" i="0" u="none" strike="noStrike" kern="1200" cap="none" spc="0" normalizeH="0" baseline="0" noProof="0" dirty="0">
+                <a:ln>
+                  <a:noFill/>
+                </a:ln>
+                <a:solidFill>
+                  <a:prstClr val="black"/>
+                </a:solidFill>
+                <a:effectLst/>
+                <a:uLnTx/>
+                <a:uFillTx/>
+                <a:latin typeface="游ゴシック" panose="02110004020202020204"/>
+                <a:ea typeface="游ゴシック" panose="020B0400000000000000" pitchFamily="50" charset="-128"/>
+                <a:cs typeface="+mn-cs"/>
+              </a:rPr>
+              <a:t>のテストコード作成）</a:t>
+            </a:r>
+          </a:p>
+        </p:txBody>
+      </p:sp>
+      <p:sp>
+        <p:nvSpPr>
+          <p:cNvPr id="5" name="テキスト ボックス 4">
+            <a:extLst>
+              <a:ext uri="{FF2B5EF4-FFF2-40B4-BE49-F238E27FC236}">
+                <a16:creationId xmlns:a16="http://schemas.microsoft.com/office/drawing/2014/main" id="{64E2A502-3C56-159B-5AEE-AF3966FA04F7}"/>
               </a:ext>
             </a:extLst>
           </p:cNvPr>
@@ -5167,8 +5525,8 @@
         </p:nvSpPr>
         <p:spPr>
           <a:xfrm>
-            <a:off x="1175665" y="4406126"/>
-            <a:ext cx="10613564" cy="923330"/>
+            <a:off x="1175665" y="3170459"/>
+            <a:ext cx="10613564" cy="646331"/>
           </a:xfrm>
           <a:prstGeom prst="rect">
             <a:avLst/>
@@ -5188,53 +5546,130 @@
           </a:bodyPr>
           <a:lstStyle/>
           <a:p>
-            <a:pPr marL="342900" indent="-342900">
-              <a:buFont typeface="+mj-lt"/>
-              <a:buAutoNum type="arabicPeriod"/>
+            <a:pPr marL="0" marR="0" lvl="0" indent="0" algn="l" defTabSz="914400" rtl="0" eaLnBrk="1" fontAlgn="auto" latinLnBrk="0" hangingPunct="1">
+              <a:lnSpc>
+                <a:spcPct val="100000"/>
+              </a:lnSpc>
+              <a:spcBef>
+                <a:spcPts val="0"/>
+              </a:spcBef>
+              <a:spcAft>
+                <a:spcPts val="0"/>
+              </a:spcAft>
+              <a:buClrTx/>
+              <a:buSzTx/>
+              <a:buFontTx/>
+              <a:buNone/>
+              <a:tabLst/>
+              <a:defRPr/>
             </a:pPr>
             <a:r>
-              <a:rPr lang="ja-JP" altLang="en-US" dirty="0"/>
-              <a:t>シーケンス図や</a:t>
-            </a:r>
-            <a:r>
-              <a:rPr lang="en-US" altLang="ja-JP" dirty="0"/>
-              <a:t>UML</a:t>
-            </a:r>
-            <a:r>
-              <a:rPr lang="ja-JP" altLang="en-US" dirty="0"/>
-              <a:t>図などがない状態でのコードリーディング</a:t>
-            </a:r>
-            <a:endParaRPr lang="en-US" altLang="ja-JP" dirty="0"/>
-          </a:p>
-          <a:p>
-            <a:pPr marL="342900" indent="-342900">
-              <a:buFont typeface="+mj-lt"/>
-              <a:buAutoNum type="arabicPeriod"/>
+              <a:rPr kumimoji="1" lang="ja-JP" altLang="en-US" sz="1800" b="0" i="0" u="none" strike="noStrike" kern="1200" cap="none" spc="0" normalizeH="0" baseline="0" noProof="0" dirty="0">
+                <a:ln>
+                  <a:noFill/>
+                </a:ln>
+                <a:solidFill>
+                  <a:prstClr val="black"/>
+                </a:solidFill>
+                <a:effectLst/>
+                <a:uLnTx/>
+                <a:uFillTx/>
+                <a:latin typeface="游ゴシック" panose="02110004020202020204"/>
+                <a:ea typeface="游ゴシック" panose="020B0400000000000000" pitchFamily="50" charset="-128"/>
+                <a:cs typeface="+mn-cs"/>
+              </a:rPr>
+              <a:t>１．</a:t>
+            </a:r>
+            <a:r>
+              <a:rPr kumimoji="1" lang="en-US" altLang="ja-JP" sz="1800" b="0" i="0" u="none" strike="noStrike" kern="1200" cap="none" spc="0" normalizeH="0" baseline="0" noProof="0" dirty="0" err="1">
+                <a:ln>
+                  <a:noFill/>
+                </a:ln>
+                <a:solidFill>
+                  <a:prstClr val="black"/>
+                </a:solidFill>
+                <a:effectLst/>
+                <a:uLnTx/>
+                <a:uFillTx/>
+                <a:latin typeface="游ゴシック" panose="02110004020202020204"/>
+                <a:ea typeface="游ゴシック" panose="020B0400000000000000" pitchFamily="50" charset="-128"/>
+                <a:cs typeface="+mn-cs"/>
+              </a:rPr>
+              <a:t>gitHub</a:t>
+            </a:r>
+            <a:r>
+              <a:rPr kumimoji="1" lang="ja-JP" altLang="en-US" sz="1800" b="0" i="0" u="none" strike="noStrike" kern="1200" cap="none" spc="0" normalizeH="0" baseline="0" noProof="0" dirty="0">
+                <a:ln>
+                  <a:noFill/>
+                </a:ln>
+                <a:solidFill>
+                  <a:prstClr val="black"/>
+                </a:solidFill>
+                <a:effectLst/>
+                <a:uLnTx/>
+                <a:uFillTx/>
+                <a:latin typeface="游ゴシック" panose="02110004020202020204"/>
+                <a:ea typeface="游ゴシック" panose="020B0400000000000000" pitchFamily="50" charset="-128"/>
+                <a:cs typeface="+mn-cs"/>
+              </a:rPr>
+              <a:t>で問題が起きることを想定し、修正ポイント等をコメントに残しておいたこと</a:t>
+            </a:r>
+            <a:endParaRPr kumimoji="1" lang="en-US" altLang="ja-JP" sz="1800" b="0" i="0" u="none" strike="noStrike" kern="1200" cap="none" spc="0" normalizeH="0" baseline="0" noProof="0" dirty="0">
+              <a:ln>
+                <a:noFill/>
+              </a:ln>
+              <a:solidFill>
+                <a:prstClr val="black"/>
+              </a:solidFill>
+              <a:effectLst/>
+              <a:uLnTx/>
+              <a:uFillTx/>
+              <a:latin typeface="游ゴシック" panose="02110004020202020204"/>
+              <a:ea typeface="游ゴシック" panose="020B0400000000000000" pitchFamily="50" charset="-128"/>
+              <a:cs typeface="+mn-cs"/>
+            </a:endParaRPr>
+          </a:p>
+          <a:p>
+            <a:pPr marL="0" marR="0" lvl="0" indent="0" algn="l" defTabSz="914400" rtl="0" eaLnBrk="1" fontAlgn="auto" latinLnBrk="0" hangingPunct="1">
+              <a:lnSpc>
+                <a:spcPct val="100000"/>
+              </a:lnSpc>
+              <a:spcBef>
+                <a:spcPts val="0"/>
+              </a:spcBef>
+              <a:spcAft>
+                <a:spcPts val="0"/>
+              </a:spcAft>
+              <a:buClrTx/>
+              <a:buSzTx/>
+              <a:buFontTx/>
+              <a:buNone/>
+              <a:tabLst/>
+              <a:defRPr/>
             </a:pPr>
-            <a:r>
-              <a:rPr lang="ja-JP" altLang="en-US" dirty="0"/>
-              <a:t>講義を経て、スキルを理解できても身についていなかったこと</a:t>
-            </a:r>
-            <a:endParaRPr lang="en-US" altLang="ja-JP" dirty="0"/>
-          </a:p>
-          <a:p>
-            <a:pPr marL="342900" indent="-342900">
-              <a:buFont typeface="+mj-lt"/>
-              <a:buAutoNum type="arabicPeriod"/>
-            </a:pPr>
-            <a:r>
-              <a:rPr lang="ja-JP" altLang="en-US" dirty="0"/>
-              <a:t>誰から見てもテストを実装できる仕様書をかけなかったこと</a:t>
-            </a:r>
-          </a:p>
-        </p:txBody>
-      </p:sp>
-      <p:sp>
-        <p:nvSpPr>
-          <p:cNvPr id="13" name="テキスト ボックス 12">
-            <a:extLst>
-              <a:ext uri="{FF2B5EF4-FFF2-40B4-BE49-F238E27FC236}">
-                <a16:creationId xmlns:a16="http://schemas.microsoft.com/office/drawing/2014/main" id="{7AE21FAD-7D9E-327C-1817-946D83BF3D39}"/>
+            <a:endParaRPr kumimoji="1" lang="en-US" altLang="ja-JP" sz="1800" b="0" i="0" u="none" strike="noStrike" kern="1200" cap="none" spc="0" normalizeH="0" baseline="0" noProof="0" dirty="0">
+              <a:ln>
+                <a:noFill/>
+              </a:ln>
+              <a:solidFill>
+                <a:prstClr val="black"/>
+              </a:solidFill>
+              <a:effectLst/>
+              <a:uLnTx/>
+              <a:uFillTx/>
+              <a:latin typeface="游ゴシック" panose="02110004020202020204"/>
+              <a:ea typeface="游ゴシック" panose="020B0400000000000000" pitchFamily="50" charset="-128"/>
+              <a:cs typeface="+mn-cs"/>
+            </a:endParaRPr>
+          </a:p>
+        </p:txBody>
+      </p:sp>
+      <p:sp>
+        <p:nvSpPr>
+          <p:cNvPr id="6" name="テキスト ボックス 5">
+            <a:extLst>
+              <a:ext uri="{FF2B5EF4-FFF2-40B4-BE49-F238E27FC236}">
+                <a16:creationId xmlns:a16="http://schemas.microsoft.com/office/drawing/2014/main" id="{B181314D-00BB-A8F3-114D-4E266855E44D}"/>
               </a:ext>
             </a:extLst>
           </p:cNvPr>
@@ -5243,8 +5678,8 @@
         </p:nvSpPr>
         <p:spPr>
           <a:xfrm>
-            <a:off x="1175665" y="5666986"/>
-            <a:ext cx="10613564" cy="1008969"/>
+            <a:off x="1175665" y="5654390"/>
+            <a:ext cx="10613564" cy="646331"/>
           </a:xfrm>
           <a:prstGeom prst="rect">
             <a:avLst/>
@@ -5264,16 +5699,133 @@
           </a:bodyPr>
           <a:lstStyle/>
           <a:p>
-            <a:endParaRPr kumimoji="1" lang="ja-JP" altLang="en-US" dirty="0"/>
-          </a:p>
-        </p:txBody>
-      </p:sp>
-      <p:sp>
-        <p:nvSpPr>
-          <p:cNvPr id="14" name="テキスト ボックス 13">
-            <a:extLst>
-              <a:ext uri="{FF2B5EF4-FFF2-40B4-BE49-F238E27FC236}">
-                <a16:creationId xmlns:a16="http://schemas.microsoft.com/office/drawing/2014/main" id="{E2333EBB-69A9-1374-57E7-21BB5FABB8CE}"/>
+            <a:pPr marL="0" marR="0" lvl="0" indent="0" algn="l" defTabSz="914400" rtl="0" eaLnBrk="1" fontAlgn="auto" latinLnBrk="0" hangingPunct="1">
+              <a:lnSpc>
+                <a:spcPct val="100000"/>
+              </a:lnSpc>
+              <a:spcBef>
+                <a:spcPts val="0"/>
+              </a:spcBef>
+              <a:spcAft>
+                <a:spcPts val="0"/>
+              </a:spcAft>
+              <a:buClrTx/>
+              <a:buSzTx/>
+              <a:buFontTx/>
+              <a:buNone/>
+              <a:tabLst/>
+              <a:defRPr/>
+            </a:pPr>
+            <a:r>
+              <a:rPr kumimoji="1" lang="ja-JP" altLang="en-US" sz="1800" b="0" i="0" u="none" strike="noStrike" kern="1200" cap="none" spc="0" normalizeH="0" baseline="0" noProof="0" dirty="0">
+                <a:ln>
+                  <a:noFill/>
+                </a:ln>
+                <a:solidFill>
+                  <a:prstClr val="black"/>
+                </a:solidFill>
+                <a:effectLst/>
+                <a:uLnTx/>
+                <a:uFillTx/>
+                <a:latin typeface="游ゴシック" panose="02110004020202020204"/>
+                <a:ea typeface="游ゴシック" panose="020B0400000000000000" pitchFamily="50" charset="-128"/>
+                <a:cs typeface="+mn-cs"/>
+              </a:rPr>
+              <a:t>１．</a:t>
+            </a:r>
+            <a:r>
+              <a:rPr kumimoji="1" lang="en-US" altLang="ja-JP" sz="1800" b="0" i="0" u="none" strike="noStrike" kern="1200" cap="none" spc="0" normalizeH="0" baseline="0" noProof="0" dirty="0">
+                <a:ln>
+                  <a:noFill/>
+                </a:ln>
+                <a:solidFill>
+                  <a:prstClr val="black"/>
+                </a:solidFill>
+                <a:effectLst/>
+                <a:uLnTx/>
+                <a:uFillTx/>
+                <a:latin typeface="游ゴシック" panose="02110004020202020204"/>
+                <a:ea typeface="游ゴシック" panose="020B0400000000000000" pitchFamily="50" charset="-128"/>
+                <a:cs typeface="+mn-cs"/>
+              </a:rPr>
+              <a:t>Git</a:t>
+            </a:r>
+            <a:r>
+              <a:rPr kumimoji="1" lang="ja-JP" altLang="en-US" sz="1800" b="0" i="0" u="none" strike="noStrike" kern="1200" cap="none" spc="0" normalizeH="0" baseline="0" noProof="0" dirty="0">
+                <a:ln>
+                  <a:noFill/>
+                </a:ln>
+                <a:solidFill>
+                  <a:prstClr val="black"/>
+                </a:solidFill>
+                <a:effectLst/>
+                <a:uLnTx/>
+                <a:uFillTx/>
+                <a:latin typeface="游ゴシック" panose="02110004020202020204"/>
+                <a:ea typeface="游ゴシック" panose="020B0400000000000000" pitchFamily="50" charset="-128"/>
+                <a:cs typeface="+mn-cs"/>
+              </a:rPr>
+              <a:t>の運用方法の確認と学習</a:t>
+            </a:r>
+            <a:endParaRPr kumimoji="1" lang="en-US" altLang="ja-JP" sz="1800" b="0" i="0" u="none" strike="noStrike" kern="1200" cap="none" spc="0" normalizeH="0" baseline="0" noProof="0" dirty="0">
+              <a:ln>
+                <a:noFill/>
+              </a:ln>
+              <a:solidFill>
+                <a:prstClr val="black"/>
+              </a:solidFill>
+              <a:effectLst/>
+              <a:uLnTx/>
+              <a:uFillTx/>
+              <a:latin typeface="游ゴシック" panose="02110004020202020204"/>
+              <a:ea typeface="游ゴシック" panose="020B0400000000000000" pitchFamily="50" charset="-128"/>
+              <a:cs typeface="+mn-cs"/>
+            </a:endParaRPr>
+          </a:p>
+          <a:p>
+            <a:pPr marL="0" marR="0" lvl="0" indent="0" algn="l" defTabSz="914400" rtl="0" eaLnBrk="1" fontAlgn="auto" latinLnBrk="0" hangingPunct="1">
+              <a:lnSpc>
+                <a:spcPct val="100000"/>
+              </a:lnSpc>
+              <a:spcBef>
+                <a:spcPts val="0"/>
+              </a:spcBef>
+              <a:spcAft>
+                <a:spcPts val="0"/>
+              </a:spcAft>
+              <a:buClrTx/>
+              <a:buSzTx/>
+              <a:buFontTx/>
+              <a:buNone/>
+              <a:tabLst/>
+              <a:defRPr/>
+            </a:pPr>
+            <a:r>
+              <a:rPr kumimoji="1" lang="ja-JP" altLang="en-US" sz="1800" b="0" i="0" u="none" strike="noStrike" kern="1200" cap="none" spc="0" normalizeH="0" baseline="0" noProof="0" dirty="0">
+                <a:ln>
+                  <a:noFill/>
+                </a:ln>
+                <a:solidFill>
+                  <a:prstClr val="black"/>
+                </a:solidFill>
+                <a:effectLst/>
+                <a:uLnTx/>
+                <a:uFillTx/>
+                <a:latin typeface="游ゴシック" panose="02110004020202020204"/>
+                <a:ea typeface="游ゴシック" panose="020B0400000000000000" pitchFamily="50" charset="-128"/>
+                <a:cs typeface="+mn-cs"/>
+              </a:rPr>
+              <a:t>２．全体像の把握し、作業配分を考えること</a:t>
+            </a:r>
+          </a:p>
+        </p:txBody>
+      </p:sp>
+      <p:sp>
+        <p:nvSpPr>
+          <p:cNvPr id="7" name="テキスト ボックス 6">
+            <a:extLst>
+              <a:ext uri="{FF2B5EF4-FFF2-40B4-BE49-F238E27FC236}">
+                <a16:creationId xmlns:a16="http://schemas.microsoft.com/office/drawing/2014/main" id="{80123BF2-3196-C913-A0B7-E893115CBE4C}"/>
               </a:ext>
             </a:extLst>
           </p:cNvPr>
@@ -5282,73 +5834,8 @@
         </p:nvSpPr>
         <p:spPr>
           <a:xfrm>
-            <a:off x="1175665" y="5679583"/>
-            <a:ext cx="10493821" cy="1200329"/>
-          </a:xfrm>
-          <a:prstGeom prst="rect">
-            <a:avLst/>
-          </a:prstGeom>
-          <a:noFill/>
-        </p:spPr>
-        <p:txBody>
-          <a:bodyPr wrap="square" rtlCol="0">
-            <a:spAutoFit/>
-          </a:bodyPr>
-          <a:lstStyle/>
-          <a:p>
-            <a:pPr marL="342900" indent="-342900">
-              <a:buFont typeface="+mj-lt"/>
-              <a:buAutoNum type="arabicPeriod"/>
-            </a:pPr>
-            <a:r>
-              <a:rPr lang="ja-JP" altLang="en-US" dirty="0"/>
-              <a:t>今後の演習等で他人のコードを読む機会を設けること</a:t>
-            </a:r>
-            <a:endParaRPr kumimoji="1" lang="en-US" altLang="ja-JP" dirty="0"/>
-          </a:p>
-          <a:p>
-            <a:pPr marL="342900" indent="-342900">
-              <a:buFont typeface="+mj-lt"/>
-              <a:buAutoNum type="arabicPeriod"/>
-            </a:pPr>
-            <a:r>
-              <a:rPr kumimoji="1" lang="ja-JP" altLang="en-US" dirty="0"/>
-              <a:t>講義の内容に関連する事柄について調べ、実際に行ってみること</a:t>
-            </a:r>
-            <a:endParaRPr kumimoji="1" lang="en-US" altLang="ja-JP" dirty="0"/>
-          </a:p>
-          <a:p>
-            <a:pPr marL="342900" indent="-342900">
-              <a:buFont typeface="+mj-lt"/>
-              <a:buAutoNum type="arabicPeriod"/>
-            </a:pPr>
-            <a:r>
-              <a:rPr kumimoji="1" lang="ja-JP" altLang="en-US" dirty="0"/>
-              <a:t>今後の演習等で仕様書を使う側になること</a:t>
-            </a:r>
-            <a:endParaRPr kumimoji="1" lang="en-US" altLang="ja-JP" dirty="0"/>
-          </a:p>
-          <a:p>
-            <a:endParaRPr kumimoji="1" lang="ja-JP" altLang="en-US" dirty="0"/>
-          </a:p>
-        </p:txBody>
-      </p:sp>
-      <p:sp>
-        <p:nvSpPr>
-          <p:cNvPr id="16" name="テキスト ボックス 15">
-            <a:extLst>
-              <a:ext uri="{FF2B5EF4-FFF2-40B4-BE49-F238E27FC236}">
-                <a16:creationId xmlns:a16="http://schemas.microsoft.com/office/drawing/2014/main" id="{42D5F234-54CB-BF07-B042-C4B198F47764}"/>
-              </a:ext>
-            </a:extLst>
-          </p:cNvPr>
-          <p:cNvSpPr txBox="1"/>
-          <p:nvPr/>
-        </p:nvSpPr>
-        <p:spPr>
-          <a:xfrm>
-            <a:off x="1175665" y="1861290"/>
-            <a:ext cx="10613564" cy="1008969"/>
+            <a:off x="1175665" y="4406126"/>
+            <a:ext cx="10613564" cy="923330"/>
           </a:xfrm>
           <a:prstGeom prst="rect">
             <a:avLst/>
@@ -5368,166 +5855,261 @@
           </a:bodyPr>
           <a:lstStyle/>
           <a:p>
-            <a:endParaRPr kumimoji="1" lang="ja-JP" altLang="en-US" dirty="0"/>
-          </a:p>
-        </p:txBody>
-      </p:sp>
-      <p:sp>
-        <p:nvSpPr>
-          <p:cNvPr id="18" name="テキスト ボックス 17">
-            <a:extLst>
-              <a:ext uri="{FF2B5EF4-FFF2-40B4-BE49-F238E27FC236}">
-                <a16:creationId xmlns:a16="http://schemas.microsoft.com/office/drawing/2014/main" id="{8272CA6C-8BE3-A4C5-3859-A4AD57D396D9}"/>
-              </a:ext>
-            </a:extLst>
-          </p:cNvPr>
-          <p:cNvSpPr txBox="1"/>
+            <a:pPr marL="0" marR="0" lvl="0" indent="0" algn="l" defTabSz="914400" rtl="0" eaLnBrk="1" fontAlgn="auto" latinLnBrk="0" hangingPunct="1">
+              <a:lnSpc>
+                <a:spcPct val="100000"/>
+              </a:lnSpc>
+              <a:spcBef>
+                <a:spcPts val="0"/>
+              </a:spcBef>
+              <a:spcAft>
+                <a:spcPts val="0"/>
+              </a:spcAft>
+              <a:buClrTx/>
+              <a:buSzTx/>
+              <a:buFontTx/>
+              <a:buNone/>
+              <a:tabLst/>
+              <a:defRPr/>
+            </a:pPr>
+            <a:r>
+              <a:rPr kumimoji="1" lang="ja-JP" altLang="en-US" sz="1800" b="0" i="0" u="none" strike="noStrike" kern="1200" cap="none" spc="0" normalizeH="0" baseline="0" noProof="0" dirty="0">
+                <a:ln>
+                  <a:noFill/>
+                </a:ln>
+                <a:solidFill>
+                  <a:prstClr val="black"/>
+                </a:solidFill>
+                <a:effectLst/>
+                <a:uLnTx/>
+                <a:uFillTx/>
+                <a:latin typeface="游ゴシック" panose="02110004020202020204"/>
+                <a:ea typeface="游ゴシック" panose="020B0400000000000000" pitchFamily="50" charset="-128"/>
+                <a:cs typeface="+mn-cs"/>
+              </a:rPr>
+              <a:t>１．</a:t>
+            </a:r>
+            <a:r>
+              <a:rPr kumimoji="1" lang="en-US" altLang="ja-JP" sz="1800" b="0" i="0" u="none" strike="noStrike" kern="1200" cap="none" spc="0" normalizeH="0" baseline="0" noProof="0" dirty="0">
+                <a:ln>
+                  <a:noFill/>
+                </a:ln>
+                <a:solidFill>
+                  <a:prstClr val="black"/>
+                </a:solidFill>
+                <a:effectLst/>
+                <a:uLnTx/>
+                <a:uFillTx/>
+                <a:latin typeface="游ゴシック" panose="02110004020202020204"/>
+                <a:ea typeface="游ゴシック" panose="020B0400000000000000" pitchFamily="50" charset="-128"/>
+                <a:cs typeface="+mn-cs"/>
+              </a:rPr>
+              <a:t>GitHub</a:t>
+            </a:r>
+            <a:r>
+              <a:rPr kumimoji="1" lang="ja-JP" altLang="en-US" sz="1800" b="0" i="0" u="none" strike="noStrike" kern="1200" cap="none" spc="0" normalizeH="0" baseline="0" noProof="0" dirty="0">
+                <a:ln>
+                  <a:noFill/>
+                </a:ln>
+                <a:solidFill>
+                  <a:prstClr val="black"/>
+                </a:solidFill>
+                <a:effectLst/>
+                <a:uLnTx/>
+                <a:uFillTx/>
+                <a:latin typeface="游ゴシック" panose="02110004020202020204"/>
+                <a:ea typeface="游ゴシック" panose="020B0400000000000000" pitchFamily="50" charset="-128"/>
+                <a:cs typeface="+mn-cs"/>
+              </a:rPr>
+              <a:t>のコンフリクトやマージがが頻発。バージョン修正作業の発生</a:t>
+            </a:r>
+            <a:endParaRPr kumimoji="1" lang="en-US" altLang="ja-JP" sz="1800" b="0" i="0" u="none" strike="noStrike" kern="1200" cap="none" spc="0" normalizeH="0" baseline="0" noProof="0" dirty="0">
+              <a:ln>
+                <a:noFill/>
+              </a:ln>
+              <a:solidFill>
+                <a:prstClr val="black"/>
+              </a:solidFill>
+              <a:effectLst/>
+              <a:uLnTx/>
+              <a:uFillTx/>
+              <a:latin typeface="游ゴシック" panose="02110004020202020204"/>
+              <a:ea typeface="游ゴシック" panose="020B0400000000000000" pitchFamily="50" charset="-128"/>
+              <a:cs typeface="+mn-cs"/>
+            </a:endParaRPr>
+          </a:p>
+          <a:p>
+            <a:pPr marL="0" marR="0" lvl="0" indent="0" algn="l" defTabSz="914400" rtl="0" eaLnBrk="1" fontAlgn="auto" latinLnBrk="0" hangingPunct="1">
+              <a:lnSpc>
+                <a:spcPct val="100000"/>
+              </a:lnSpc>
+              <a:spcBef>
+                <a:spcPts val="0"/>
+              </a:spcBef>
+              <a:spcAft>
+                <a:spcPts val="0"/>
+              </a:spcAft>
+              <a:buClrTx/>
+              <a:buSzTx/>
+              <a:buFontTx/>
+              <a:buNone/>
+              <a:tabLst/>
+              <a:defRPr/>
+            </a:pPr>
+            <a:r>
+              <a:rPr kumimoji="1" lang="ja-JP" altLang="en-US" sz="1800" b="0" i="0" u="none" strike="noStrike" kern="1200" cap="none" spc="0" normalizeH="0" baseline="0" noProof="0" dirty="0">
+                <a:ln>
+                  <a:noFill/>
+                </a:ln>
+                <a:solidFill>
+                  <a:prstClr val="black"/>
+                </a:solidFill>
+                <a:effectLst/>
+                <a:uLnTx/>
+                <a:uFillTx/>
+                <a:latin typeface="游ゴシック" panose="02110004020202020204"/>
+                <a:ea typeface="游ゴシック" panose="020B0400000000000000" pitchFamily="50" charset="-128"/>
+                <a:cs typeface="+mn-cs"/>
+              </a:rPr>
+              <a:t>２</a:t>
+            </a:r>
+            <a:r>
+              <a:rPr kumimoji="1" lang="en-US" altLang="ja-JP" sz="1800" b="0" i="0" u="none" strike="noStrike" kern="1200" cap="none" spc="0" normalizeH="0" baseline="0" noProof="0" dirty="0">
+                <a:ln>
+                  <a:noFill/>
+                </a:ln>
+                <a:solidFill>
+                  <a:prstClr val="black"/>
+                </a:solidFill>
+                <a:effectLst/>
+                <a:uLnTx/>
+                <a:uFillTx/>
+                <a:latin typeface="游ゴシック" panose="02110004020202020204"/>
+                <a:ea typeface="游ゴシック" panose="020B0400000000000000" pitchFamily="50" charset="-128"/>
+                <a:cs typeface="+mn-cs"/>
+              </a:rPr>
+              <a:t>.</a:t>
+            </a:r>
+            <a:r>
+              <a:rPr kumimoji="1" lang="ja-JP" altLang="en-US" sz="1800" b="0" i="0" u="none" strike="noStrike" kern="1200" cap="none" spc="0" normalizeH="0" baseline="0" noProof="0" dirty="0">
+                <a:ln>
+                  <a:noFill/>
+                </a:ln>
+                <a:solidFill>
+                  <a:prstClr val="black"/>
+                </a:solidFill>
+                <a:effectLst/>
+                <a:uLnTx/>
+                <a:uFillTx/>
+                <a:latin typeface="游ゴシック" panose="02110004020202020204"/>
+                <a:ea typeface="游ゴシック" panose="020B0400000000000000" pitchFamily="50" charset="-128"/>
+                <a:cs typeface="+mn-cs"/>
+              </a:rPr>
+              <a:t>モジュール間の結合範囲を把握できていなかった。コード修正により、複数エラーが発生</a:t>
+            </a:r>
+            <a:endParaRPr kumimoji="1" lang="en-US" altLang="ja-JP" sz="1800" b="0" i="0" u="none" strike="noStrike" kern="1200" cap="none" spc="0" normalizeH="0" baseline="0" noProof="0" dirty="0">
+              <a:ln>
+                <a:noFill/>
+              </a:ln>
+              <a:solidFill>
+                <a:prstClr val="black"/>
+              </a:solidFill>
+              <a:effectLst/>
+              <a:uLnTx/>
+              <a:uFillTx/>
+              <a:latin typeface="游ゴシック" panose="02110004020202020204"/>
+              <a:ea typeface="游ゴシック" panose="020B0400000000000000" pitchFamily="50" charset="-128"/>
+              <a:cs typeface="+mn-cs"/>
+            </a:endParaRPr>
+          </a:p>
+          <a:p>
+            <a:pPr marL="0" marR="0" lvl="0" indent="0" algn="l" defTabSz="914400" rtl="0" eaLnBrk="1" fontAlgn="auto" latinLnBrk="0" hangingPunct="1">
+              <a:lnSpc>
+                <a:spcPct val="100000"/>
+              </a:lnSpc>
+              <a:spcBef>
+                <a:spcPts val="0"/>
+              </a:spcBef>
+              <a:spcAft>
+                <a:spcPts val="0"/>
+              </a:spcAft>
+              <a:buClrTx/>
+              <a:buSzTx/>
+              <a:buFontTx/>
+              <a:buNone/>
+              <a:tabLst/>
+              <a:defRPr/>
+            </a:pPr>
+            <a:endParaRPr kumimoji="1" lang="ja-JP" altLang="en-US" sz="1800" b="0" i="0" u="none" strike="noStrike" kern="1200" cap="none" spc="0" normalizeH="0" baseline="0" noProof="0" dirty="0">
+              <a:ln>
+                <a:noFill/>
+              </a:ln>
+              <a:solidFill>
+                <a:prstClr val="black"/>
+              </a:solidFill>
+              <a:effectLst/>
+              <a:uLnTx/>
+              <a:uFillTx/>
+              <a:latin typeface="游ゴシック" panose="02110004020202020204"/>
+              <a:ea typeface="游ゴシック" panose="020B0400000000000000" pitchFamily="50" charset="-128"/>
+              <a:cs typeface="+mn-cs"/>
+            </a:endParaRPr>
+          </a:p>
+        </p:txBody>
+      </p:sp>
+      <p:sp>
+        <p:nvSpPr>
+          <p:cNvPr id="4" name="リボン: 上に曲がる 3">
+            <a:extLst>
+              <a:ext uri="{FF2B5EF4-FFF2-40B4-BE49-F238E27FC236}">
+                <a16:creationId xmlns:a16="http://schemas.microsoft.com/office/drawing/2014/main" id="{368958BF-A93C-FAAA-A63C-6CDD805E69D6}"/>
+              </a:ext>
+            </a:extLst>
+          </p:cNvPr>
+          <p:cNvSpPr/>
           <p:nvPr/>
         </p:nvSpPr>
         <p:spPr>
           <a:xfrm>
-            <a:off x="1175665" y="3106363"/>
-            <a:ext cx="10613564" cy="923330"/>
-          </a:xfrm>
-          <a:prstGeom prst="rect">
+            <a:off x="7805057" y="557280"/>
+            <a:ext cx="3069772" cy="566116"/>
+          </a:xfrm>
+          <a:prstGeom prst="ribbon2">
             <a:avLst/>
           </a:prstGeom>
-          <a:noFill/>
-        </p:spPr>
-        <p:txBody>
-          <a:bodyPr wrap="square" rtlCol="0">
-            <a:spAutoFit/>
-          </a:bodyPr>
-          <a:lstStyle/>
-          <a:p>
-            <a:pPr marL="342900" indent="-342900">
-              <a:buFont typeface="+mj-lt"/>
-              <a:buAutoNum type="arabicPeriod"/>
-            </a:pPr>
+        </p:spPr>
+        <p:style>
+          <a:lnRef idx="2">
+            <a:schemeClr val="accent1">
+              <a:shade val="15000"/>
+            </a:schemeClr>
+          </a:lnRef>
+          <a:fillRef idx="1">
+            <a:schemeClr val="accent1"/>
+          </a:fillRef>
+          <a:effectRef idx="0">
+            <a:schemeClr val="accent1"/>
+          </a:effectRef>
+          <a:fontRef idx="minor">
+            <a:schemeClr val="lt1"/>
+          </a:fontRef>
+        </p:style>
+        <p:txBody>
+          <a:bodyPr rtlCol="0" anchor="ctr"/>
+          <a:lstStyle/>
+          <a:p>
+            <a:pPr algn="ctr"/>
             <a:r>
               <a:rPr kumimoji="1" lang="ja-JP" altLang="en-US" dirty="0"/>
-              <a:t>単体テスト仕様書のレビューを結合テスト仕様書に反映させたこと</a:t>
-            </a:r>
-            <a:endParaRPr kumimoji="1" lang="en-US" altLang="ja-JP" dirty="0"/>
-          </a:p>
-          <a:p>
-            <a:pPr marL="342900" indent="-342900">
-              <a:buFont typeface="+mj-lt"/>
-              <a:buAutoNum type="arabicPeriod"/>
-            </a:pPr>
-            <a:r>
-              <a:rPr lang="ja-JP" altLang="en-US" dirty="0"/>
-              <a:t>講師・テクニカルリーダーに聞く前に調べたこと</a:t>
-            </a:r>
-            <a:endParaRPr kumimoji="1" lang="en-US" altLang="ja-JP" dirty="0"/>
-          </a:p>
-          <a:p>
-            <a:pPr marL="342900" indent="-342900">
-              <a:buFont typeface="+mj-lt"/>
-              <a:buAutoNum type="arabicPeriod"/>
-            </a:pPr>
-            <a:endParaRPr kumimoji="1" lang="ja-JP" altLang="en-US" dirty="0"/>
-          </a:p>
-        </p:txBody>
-      </p:sp>
-      <p:sp>
-        <p:nvSpPr>
-          <p:cNvPr id="22" name="テキスト ボックス 21">
-            <a:extLst>
-              <a:ext uri="{FF2B5EF4-FFF2-40B4-BE49-F238E27FC236}">
-                <a16:creationId xmlns:a16="http://schemas.microsoft.com/office/drawing/2014/main" id="{A87193CA-1478-46CD-DA84-DCA046F00DEC}"/>
-              </a:ext>
-            </a:extLst>
-          </p:cNvPr>
-          <p:cNvSpPr txBox="1"/>
-          <p:nvPr/>
-        </p:nvSpPr>
-        <p:spPr>
-          <a:xfrm>
-            <a:off x="1175665" y="1861290"/>
-            <a:ext cx="10613564" cy="923330"/>
-          </a:xfrm>
-          <a:prstGeom prst="rect">
-            <a:avLst/>
-          </a:prstGeom>
-          <a:noFill/>
-        </p:spPr>
-        <p:txBody>
-          <a:bodyPr wrap="square" rtlCol="0">
-            <a:spAutoFit/>
-          </a:bodyPr>
-          <a:lstStyle/>
-          <a:p>
-            <a:pPr marL="342900" indent="-342900">
-              <a:buFont typeface="+mj-lt"/>
-              <a:buAutoNum type="arabicPeriod"/>
-            </a:pPr>
-            <a:r>
-              <a:rPr lang="ja-JP" altLang="en-US" dirty="0"/>
-              <a:t>レビュー・</a:t>
-            </a:r>
-            <a:r>
-              <a:rPr lang="en-US" altLang="ja-JP" dirty="0"/>
-              <a:t>Issue</a:t>
-            </a:r>
-            <a:r>
-              <a:rPr lang="ja-JP" altLang="en-US" dirty="0"/>
-              <a:t>の優先度の振り分け・</a:t>
-            </a:r>
-            <a:r>
-              <a:rPr lang="en-US" altLang="ja-JP" dirty="0"/>
-              <a:t>Issue</a:t>
-            </a:r>
-            <a:r>
-              <a:rPr lang="ja-JP" altLang="en-US" dirty="0"/>
-              <a:t>のうち、優先度中以下の修正</a:t>
-            </a:r>
-            <a:endParaRPr lang="en-US" altLang="ja-JP" dirty="0"/>
-          </a:p>
-          <a:p>
-            <a:pPr marL="342900" indent="-342900">
-              <a:buFont typeface="+mj-lt"/>
-              <a:buAutoNum type="arabicPeriod"/>
-            </a:pPr>
-            <a:r>
-              <a:rPr lang="en-US" altLang="ja-JP" dirty="0" err="1">
-                <a:solidFill>
-                  <a:prstClr val="black"/>
-                </a:solidFill>
-              </a:rPr>
-              <a:t>ExpenseApplicationService</a:t>
-            </a:r>
-            <a:r>
-              <a:rPr lang="ja-JP" altLang="en-US" dirty="0">
-                <a:solidFill>
-                  <a:prstClr val="black"/>
-                </a:solidFill>
-              </a:rPr>
-              <a:t>のテストコードを一部実装</a:t>
-            </a:r>
-            <a:endParaRPr lang="en-US" altLang="ja-JP" dirty="0"/>
-          </a:p>
-          <a:p>
-            <a:pPr marL="342900" indent="-342900">
-              <a:buFont typeface="+mj-lt"/>
-              <a:buAutoNum type="arabicPeriod"/>
-            </a:pPr>
-            <a:r>
-              <a:rPr kumimoji="1" lang="ja-JP" altLang="en-US" dirty="0"/>
-              <a:t>単体テスト仕様書</a:t>
-            </a:r>
-            <a:r>
-              <a:rPr lang="ja-JP" altLang="en-US" dirty="0"/>
-              <a:t>・結合テスト仕様書の作成</a:t>
-            </a:r>
-            <a:endParaRPr kumimoji="1" lang="ja-JP" altLang="en-US" dirty="0"/>
+              <a:t>テクニカルリーダー</a:t>
+            </a:r>
           </a:p>
         </p:txBody>
       </p:sp>
     </p:spTree>
     <p:extLst>
       <p:ext uri="{BB962C8B-B14F-4D97-AF65-F5344CB8AC3E}">
-        <p14:creationId xmlns:p14="http://schemas.microsoft.com/office/powerpoint/2010/main" val="2070866117"/>
+        <p14:creationId xmlns:p14="http://schemas.microsoft.com/office/powerpoint/2010/main" val="2677372121"/>
       </p:ext>
     </p:extLst>
   </p:cSld>
@@ -5555,7 +6137,7 @@
         <p:cNvPr id="1" name="">
           <a:extLst>
             <a:ext uri="{FF2B5EF4-FFF2-40B4-BE49-F238E27FC236}">
-              <a16:creationId xmlns:a16="http://schemas.microsoft.com/office/drawing/2014/main" id="{FB1A8FE7-5E2A-4B92-A97A-BC9C911845FB}"/>
+              <a16:creationId xmlns:a16="http://schemas.microsoft.com/office/drawing/2014/main" id="{3CC239BD-F29F-0039-A0FA-E616CFEF9F39}"/>
             </a:ext>
           </a:extLst>
         </p:cNvPr>
@@ -5575,7 +6157,7 @@
           <p:cNvPr id="2" name="タイトル 1">
             <a:extLst>
               <a:ext uri="{FF2B5EF4-FFF2-40B4-BE49-F238E27FC236}">
-                <a16:creationId xmlns:a16="http://schemas.microsoft.com/office/drawing/2014/main" id="{16933018-5F22-0EBA-A971-60EB4AC14181}"/>
+                <a16:creationId xmlns:a16="http://schemas.microsoft.com/office/drawing/2014/main" id="{281F9C17-576F-2C2A-67E3-FB8A9678F1E9}"/>
               </a:ext>
             </a:extLst>
           </p:cNvPr>
@@ -5588,7 +6170,7 @@
         </p:nvSpPr>
         <p:spPr>
           <a:xfrm>
-            <a:off x="838200" y="257199"/>
+            <a:off x="751114" y="365125"/>
             <a:ext cx="10515600" cy="1325563"/>
           </a:xfrm>
         </p:spPr>
@@ -5602,490 +6184,7 @@
                   <a:schemeClr val="accent1"/>
                 </a:solidFill>
               </a:rPr>
-              <a:t>個人発表（社員番号</a:t>
-            </a:r>
-            <a:r>
-              <a:rPr kumimoji="1" lang="en-US" altLang="ja-JP" b="1" dirty="0">
-                <a:solidFill>
-                  <a:schemeClr val="accent1"/>
-                </a:solidFill>
-              </a:rPr>
-              <a:t>_</a:t>
-            </a:r>
-            <a:r>
-              <a:rPr kumimoji="1" lang="ja-JP" altLang="en-US" b="1">
-                <a:solidFill>
-                  <a:schemeClr val="accent1"/>
-                </a:solidFill>
-              </a:rPr>
-              <a:t>テンプレ）</a:t>
-            </a:r>
-            <a:endParaRPr kumimoji="1" lang="ja-JP" altLang="en-US" b="1" dirty="0">
-              <a:solidFill>
-                <a:schemeClr val="accent1"/>
-              </a:solidFill>
-            </a:endParaRPr>
-          </a:p>
-        </p:txBody>
-      </p:sp>
-      <p:sp>
-        <p:nvSpPr>
-          <p:cNvPr id="15" name="正方形/長方形 14">
-            <a:extLst>
-              <a:ext uri="{FF2B5EF4-FFF2-40B4-BE49-F238E27FC236}">
-                <a16:creationId xmlns:a16="http://schemas.microsoft.com/office/drawing/2014/main" id="{87E19B92-D29B-59F5-BB0B-97F5B460B736}"/>
-              </a:ext>
-            </a:extLst>
-          </p:cNvPr>
-          <p:cNvSpPr/>
-          <p:nvPr/>
-        </p:nvSpPr>
-        <p:spPr>
-          <a:xfrm>
-            <a:off x="97975" y="1891021"/>
-            <a:ext cx="859979" cy="983776"/>
-          </a:xfrm>
-          <a:prstGeom prst="rect">
-            <a:avLst/>
-          </a:prstGeom>
-          <a:solidFill>
-            <a:schemeClr val="bg2">
-              <a:lumMod val="90000"/>
-            </a:schemeClr>
-          </a:solidFill>
-        </p:spPr>
-        <p:style>
-          <a:lnRef idx="2">
-            <a:schemeClr val="accent1">
-              <a:shade val="15000"/>
-            </a:schemeClr>
-          </a:lnRef>
-          <a:fillRef idx="1">
-            <a:schemeClr val="accent1"/>
-          </a:fillRef>
-          <a:effectRef idx="0">
-            <a:schemeClr val="accent1"/>
-          </a:effectRef>
-          <a:fontRef idx="minor">
-            <a:schemeClr val="lt1"/>
-          </a:fontRef>
-        </p:style>
-        <p:txBody>
-          <a:bodyPr rtlCol="0" anchor="ctr"/>
-          <a:lstStyle/>
-          <a:p>
-            <a:pPr algn="ctr"/>
-            <a:r>
-              <a:rPr kumimoji="1" lang="ja-JP" altLang="en-US" dirty="0"/>
-              <a:t>担当機能</a:t>
-            </a:r>
-          </a:p>
-        </p:txBody>
-      </p:sp>
-      <p:sp>
-        <p:nvSpPr>
-          <p:cNvPr id="19" name="正方形/長方形 18">
-            <a:extLst>
-              <a:ext uri="{FF2B5EF4-FFF2-40B4-BE49-F238E27FC236}">
-                <a16:creationId xmlns:a16="http://schemas.microsoft.com/office/drawing/2014/main" id="{4C34C2A8-B018-5577-81C1-70456006B240}"/>
-              </a:ext>
-            </a:extLst>
-          </p:cNvPr>
-          <p:cNvSpPr/>
-          <p:nvPr/>
-        </p:nvSpPr>
-        <p:spPr>
-          <a:xfrm>
-            <a:off x="97975" y="3183056"/>
-            <a:ext cx="859979" cy="983776"/>
-          </a:xfrm>
-          <a:prstGeom prst="rect">
-            <a:avLst/>
-          </a:prstGeom>
-          <a:solidFill>
-            <a:schemeClr val="bg2">
-              <a:lumMod val="90000"/>
-            </a:schemeClr>
-          </a:solidFill>
-        </p:spPr>
-        <p:style>
-          <a:lnRef idx="2">
-            <a:schemeClr val="accent1">
-              <a:shade val="15000"/>
-            </a:schemeClr>
-          </a:lnRef>
-          <a:fillRef idx="1">
-            <a:schemeClr val="accent1"/>
-          </a:fillRef>
-          <a:effectRef idx="0">
-            <a:schemeClr val="accent1"/>
-          </a:effectRef>
-          <a:fontRef idx="minor">
-            <a:schemeClr val="lt1"/>
-          </a:fontRef>
-        </p:style>
-        <p:txBody>
-          <a:bodyPr rtlCol="0" anchor="ctr"/>
-          <a:lstStyle/>
-          <a:p>
-            <a:pPr algn="ctr"/>
-            <a:r>
-              <a:rPr kumimoji="1" lang="ja-JP" altLang="en-US" sz="1600" dirty="0"/>
-              <a:t>工夫点</a:t>
-            </a:r>
-          </a:p>
-        </p:txBody>
-      </p:sp>
-      <p:sp>
-        <p:nvSpPr>
-          <p:cNvPr id="20" name="正方形/長方形 19">
-            <a:extLst>
-              <a:ext uri="{FF2B5EF4-FFF2-40B4-BE49-F238E27FC236}">
-                <a16:creationId xmlns:a16="http://schemas.microsoft.com/office/drawing/2014/main" id="{016EBD02-14C1-90EC-EAEB-32CFED6E650D}"/>
-              </a:ext>
-            </a:extLst>
-          </p:cNvPr>
-          <p:cNvSpPr/>
-          <p:nvPr/>
-        </p:nvSpPr>
-        <p:spPr>
-          <a:xfrm>
-            <a:off x="97976" y="5679583"/>
-            <a:ext cx="859979" cy="983776"/>
-          </a:xfrm>
-          <a:prstGeom prst="rect">
-            <a:avLst/>
-          </a:prstGeom>
-          <a:solidFill>
-            <a:schemeClr val="bg2">
-              <a:lumMod val="90000"/>
-            </a:schemeClr>
-          </a:solidFill>
-        </p:spPr>
-        <p:style>
-          <a:lnRef idx="2">
-            <a:schemeClr val="accent1">
-              <a:shade val="15000"/>
-            </a:schemeClr>
-          </a:lnRef>
-          <a:fillRef idx="1">
-            <a:schemeClr val="accent1"/>
-          </a:fillRef>
-          <a:effectRef idx="0">
-            <a:schemeClr val="accent1"/>
-          </a:effectRef>
-          <a:fontRef idx="minor">
-            <a:schemeClr val="lt1"/>
-          </a:fontRef>
-        </p:style>
-        <p:txBody>
-          <a:bodyPr rtlCol="0" anchor="ctr"/>
-          <a:lstStyle/>
-          <a:p>
-            <a:pPr algn="ctr"/>
-            <a:r>
-              <a:rPr kumimoji="1" lang="ja-JP" altLang="en-US" sz="1600" dirty="0"/>
-              <a:t>今後に向けて</a:t>
-            </a:r>
-          </a:p>
-        </p:txBody>
-      </p:sp>
-      <p:sp>
-        <p:nvSpPr>
-          <p:cNvPr id="21" name="正方形/長方形 20">
-            <a:extLst>
-              <a:ext uri="{FF2B5EF4-FFF2-40B4-BE49-F238E27FC236}">
-                <a16:creationId xmlns:a16="http://schemas.microsoft.com/office/drawing/2014/main" id="{C487AC7B-5752-817E-54BC-55B01915A31C}"/>
-              </a:ext>
-            </a:extLst>
-          </p:cNvPr>
-          <p:cNvSpPr/>
-          <p:nvPr/>
-        </p:nvSpPr>
-        <p:spPr>
-          <a:xfrm>
-            <a:off x="97975" y="4431319"/>
-            <a:ext cx="859979" cy="983776"/>
-          </a:xfrm>
-          <a:prstGeom prst="rect">
-            <a:avLst/>
-          </a:prstGeom>
-          <a:solidFill>
-            <a:schemeClr val="bg2">
-              <a:lumMod val="90000"/>
-            </a:schemeClr>
-          </a:solidFill>
-        </p:spPr>
-        <p:style>
-          <a:lnRef idx="2">
-            <a:schemeClr val="accent1">
-              <a:shade val="15000"/>
-            </a:schemeClr>
-          </a:lnRef>
-          <a:fillRef idx="1">
-            <a:schemeClr val="accent1"/>
-          </a:fillRef>
-          <a:effectRef idx="0">
-            <a:schemeClr val="accent1"/>
-          </a:effectRef>
-          <a:fontRef idx="minor">
-            <a:schemeClr val="lt1"/>
-          </a:fontRef>
-        </p:style>
-        <p:txBody>
-          <a:bodyPr rtlCol="0" anchor="ctr"/>
-          <a:lstStyle/>
-          <a:p>
-            <a:pPr algn="ctr"/>
-            <a:r>
-              <a:rPr kumimoji="1" lang="ja-JP" altLang="en-US" sz="1600" dirty="0"/>
-              <a:t>問題点</a:t>
-            </a:r>
-          </a:p>
-        </p:txBody>
-      </p:sp>
-      <p:sp>
-        <p:nvSpPr>
-          <p:cNvPr id="3" name="テキスト ボックス 2">
-            <a:extLst>
-              <a:ext uri="{FF2B5EF4-FFF2-40B4-BE49-F238E27FC236}">
-                <a16:creationId xmlns:a16="http://schemas.microsoft.com/office/drawing/2014/main" id="{2DFD5D5A-A0A0-F3D7-4E8C-371F13DBC9AA}"/>
-              </a:ext>
-            </a:extLst>
-          </p:cNvPr>
-          <p:cNvSpPr txBox="1"/>
-          <p:nvPr/>
-        </p:nvSpPr>
-        <p:spPr>
-          <a:xfrm>
-            <a:off x="1175665" y="1891021"/>
-            <a:ext cx="10613564" cy="1008969"/>
-          </a:xfrm>
-          <a:prstGeom prst="rect">
-            <a:avLst/>
-          </a:prstGeom>
-          <a:solidFill>
-            <a:schemeClr val="bg1"/>
-          </a:solidFill>
-          <a:ln w="19050">
-            <a:solidFill>
-              <a:schemeClr val="tx1"/>
-            </a:solidFill>
-          </a:ln>
-        </p:spPr>
-        <p:txBody>
-          <a:bodyPr wrap="square" rtlCol="0">
-            <a:spAutoFit/>
-          </a:bodyPr>
-          <a:lstStyle/>
-          <a:p>
-            <a:endParaRPr kumimoji="1" lang="ja-JP" altLang="en-US" dirty="0"/>
-          </a:p>
-        </p:txBody>
-      </p:sp>
-      <p:sp>
-        <p:nvSpPr>
-          <p:cNvPr id="5" name="テキスト ボックス 4">
-            <a:extLst>
-              <a:ext uri="{FF2B5EF4-FFF2-40B4-BE49-F238E27FC236}">
-                <a16:creationId xmlns:a16="http://schemas.microsoft.com/office/drawing/2014/main" id="{D57C5638-D1A5-963B-B0F1-9B41652056F5}"/>
-              </a:ext>
-            </a:extLst>
-          </p:cNvPr>
-          <p:cNvSpPr txBox="1"/>
-          <p:nvPr/>
-        </p:nvSpPr>
-        <p:spPr>
-          <a:xfrm>
-            <a:off x="1175665" y="3170459"/>
-            <a:ext cx="10613564" cy="1008969"/>
-          </a:xfrm>
-          <a:prstGeom prst="rect">
-            <a:avLst/>
-          </a:prstGeom>
-          <a:solidFill>
-            <a:schemeClr val="bg1"/>
-          </a:solidFill>
-          <a:ln w="19050">
-            <a:solidFill>
-              <a:schemeClr val="tx1"/>
-            </a:solidFill>
-          </a:ln>
-        </p:spPr>
-        <p:txBody>
-          <a:bodyPr wrap="square" rtlCol="0">
-            <a:spAutoFit/>
-          </a:bodyPr>
-          <a:lstStyle/>
-          <a:p>
-            <a:endParaRPr kumimoji="1" lang="ja-JP" altLang="en-US" dirty="0"/>
-          </a:p>
-        </p:txBody>
-      </p:sp>
-      <p:sp>
-        <p:nvSpPr>
-          <p:cNvPr id="6" name="テキスト ボックス 5">
-            <a:extLst>
-              <a:ext uri="{FF2B5EF4-FFF2-40B4-BE49-F238E27FC236}">
-                <a16:creationId xmlns:a16="http://schemas.microsoft.com/office/drawing/2014/main" id="{BC9B2E62-366C-F928-4A62-05210BB2A07C}"/>
-              </a:ext>
-            </a:extLst>
-          </p:cNvPr>
-          <p:cNvSpPr txBox="1"/>
-          <p:nvPr/>
-        </p:nvSpPr>
-        <p:spPr>
-          <a:xfrm>
-            <a:off x="1175665" y="5654390"/>
-            <a:ext cx="10613564" cy="1008969"/>
-          </a:xfrm>
-          <a:prstGeom prst="rect">
-            <a:avLst/>
-          </a:prstGeom>
-          <a:solidFill>
-            <a:schemeClr val="bg1"/>
-          </a:solidFill>
-          <a:ln w="19050">
-            <a:solidFill>
-              <a:schemeClr val="tx1"/>
-            </a:solidFill>
-          </a:ln>
-        </p:spPr>
-        <p:txBody>
-          <a:bodyPr wrap="square" rtlCol="0">
-            <a:spAutoFit/>
-          </a:bodyPr>
-          <a:lstStyle/>
-          <a:p>
-            <a:endParaRPr kumimoji="1" lang="ja-JP" altLang="en-US" dirty="0"/>
-          </a:p>
-        </p:txBody>
-      </p:sp>
-      <p:sp>
-        <p:nvSpPr>
-          <p:cNvPr id="7" name="テキスト ボックス 6">
-            <a:extLst>
-              <a:ext uri="{FF2B5EF4-FFF2-40B4-BE49-F238E27FC236}">
-                <a16:creationId xmlns:a16="http://schemas.microsoft.com/office/drawing/2014/main" id="{6EAAAA6A-042E-F3E2-5CF6-626107329507}"/>
-              </a:ext>
-            </a:extLst>
-          </p:cNvPr>
-          <p:cNvSpPr txBox="1"/>
-          <p:nvPr/>
-        </p:nvSpPr>
-        <p:spPr>
-          <a:xfrm>
-            <a:off x="1175665" y="4406126"/>
-            <a:ext cx="10613564" cy="1008969"/>
-          </a:xfrm>
-          <a:prstGeom prst="rect">
-            <a:avLst/>
-          </a:prstGeom>
-          <a:solidFill>
-            <a:schemeClr val="bg1"/>
-          </a:solidFill>
-          <a:ln w="19050">
-            <a:solidFill>
-              <a:schemeClr val="tx1"/>
-            </a:solidFill>
-          </a:ln>
-        </p:spPr>
-        <p:txBody>
-          <a:bodyPr wrap="square" rtlCol="0">
-            <a:spAutoFit/>
-          </a:bodyPr>
-          <a:lstStyle/>
-          <a:p>
-            <a:endParaRPr kumimoji="1" lang="ja-JP" altLang="en-US" dirty="0"/>
-          </a:p>
-        </p:txBody>
-      </p:sp>
-      <p:pic>
-        <p:nvPicPr>
-          <p:cNvPr id="8" name="図 7" descr="テキスト が含まれている画像&#10;&#10;AI 生成コンテンツは誤りを含む可能性があります。">
-            <a:extLst>
-              <a:ext uri="{FF2B5EF4-FFF2-40B4-BE49-F238E27FC236}">
-                <a16:creationId xmlns:a16="http://schemas.microsoft.com/office/drawing/2014/main" id="{02E68CAE-5C6B-24A9-5136-5B7314ECD5B6}"/>
-              </a:ext>
-            </a:extLst>
-          </p:cNvPr>
-          <p:cNvPicPr>
-            <a:picLocks noChangeAspect="1"/>
-          </p:cNvPicPr>
-          <p:nvPr/>
-        </p:nvPicPr>
-        <p:blipFill>
-          <a:blip r:embed="rId2">
-            <a:extLst>
-              <a:ext uri="{28A0092B-C50C-407E-A947-70E740481C1C}">
-                <a14:useLocalDpi xmlns:a14="http://schemas.microsoft.com/office/drawing/2010/main" val="0"/>
-              </a:ext>
-            </a:extLst>
-          </a:blip>
-          <a:stretch>
-            <a:fillRect/>
-          </a:stretch>
-        </p:blipFill>
-        <p:spPr>
-          <a:xfrm>
-            <a:off x="0" y="0"/>
-            <a:ext cx="12192000" cy="6858000"/>
-          </a:xfrm>
-          <a:prstGeom prst="rect">
-            <a:avLst/>
-          </a:prstGeom>
-        </p:spPr>
-      </p:pic>
-      <p:sp>
-        <p:nvSpPr>
-          <p:cNvPr id="9" name="正方形/長方形 8">
-            <a:extLst>
-              <a:ext uri="{FF2B5EF4-FFF2-40B4-BE49-F238E27FC236}">
-                <a16:creationId xmlns:a16="http://schemas.microsoft.com/office/drawing/2014/main" id="{3B0EE33C-88EF-9D1E-60DF-DC78D6F5D4A4}"/>
-              </a:ext>
-            </a:extLst>
-          </p:cNvPr>
-          <p:cNvSpPr/>
-          <p:nvPr/>
-        </p:nvSpPr>
-        <p:spPr>
-          <a:xfrm>
-            <a:off x="97975" y="1903617"/>
-            <a:ext cx="859979" cy="983776"/>
-          </a:xfrm>
-          <a:prstGeom prst="rect">
-            <a:avLst/>
-          </a:prstGeom>
-          <a:solidFill>
-            <a:schemeClr val="bg2">
-              <a:lumMod val="90000"/>
-            </a:schemeClr>
-          </a:solidFill>
-        </p:spPr>
-        <p:style>
-          <a:lnRef idx="2">
-            <a:schemeClr val="accent1">
-              <a:shade val="15000"/>
-            </a:schemeClr>
-          </a:lnRef>
-          <a:fillRef idx="1">
-            <a:schemeClr val="accent1"/>
-          </a:fillRef>
-          <a:effectRef idx="0">
-            <a:schemeClr val="accent1"/>
-          </a:effectRef>
-          <a:fontRef idx="minor">
-            <a:schemeClr val="lt1"/>
-          </a:fontRef>
-        </p:style>
-        <p:txBody>
-          <a:bodyPr rtlCol="0" anchor="ctr"/>
-          <a:lstStyle/>
-          <a:p>
-            <a:pPr algn="ctr"/>
-            <a:r>
-              <a:rPr kumimoji="1" lang="ja-JP" altLang="en-US" dirty="0"/>
-              <a:t>担当</a:t>
+              <a:t>全体発表④　デモンストレーション</a:t>
             </a:r>
           </a:p>
         </p:txBody>
@@ -6093,7 +6192,7 @@
     </p:spTree>
     <p:extLst>
       <p:ext uri="{BB962C8B-B14F-4D97-AF65-F5344CB8AC3E}">
-        <p14:creationId xmlns:p14="http://schemas.microsoft.com/office/powerpoint/2010/main" val="4068652327"/>
+        <p14:creationId xmlns:p14="http://schemas.microsoft.com/office/powerpoint/2010/main" val="2568243533"/>
       </p:ext>
     </p:extLst>
   </p:cSld>
@@ -6285,7 +6384,7 @@
           </a:xfrm>
         </p:spPr>
         <p:txBody>
-          <a:bodyPr numCol="3">
+          <a:bodyPr numCol="1">
             <a:noAutofit/>
           </a:bodyPr>
           <a:lstStyle/>
@@ -6366,35 +6465,6 @@
             </a:endParaRPr>
           </a:p>
           <a:p>
-            <a:pPr lvl="1">
-              <a:buFont typeface="Wingdings" panose="05000000000000000000" pitchFamily="2" charset="2"/>
-              <a:buChar char="u"/>
-            </a:pPr>
-            <a:r>
-              <a:rPr kumimoji="1" lang="ja-JP" altLang="en-US" sz="2800" dirty="0">
-                <a:solidFill>
-                  <a:schemeClr val="accent1"/>
-                </a:solidFill>
-              </a:rPr>
-              <a:t>デモンストレーション</a:t>
-            </a:r>
-            <a:endParaRPr lang="en-US" altLang="ja-JP" sz="2800" dirty="0">
-              <a:solidFill>
-                <a:schemeClr val="accent1"/>
-              </a:solidFill>
-            </a:endParaRPr>
-          </a:p>
-          <a:p>
-            <a:pPr marL="457200" lvl="1" indent="0">
-              <a:buNone/>
-            </a:pPr>
-            <a:endParaRPr kumimoji="1" lang="en-US" altLang="ja-JP" sz="3200" dirty="0">
-              <a:solidFill>
-                <a:schemeClr val="accent1"/>
-              </a:solidFill>
-            </a:endParaRPr>
-          </a:p>
-          <a:p>
             <a:pPr marL="742950" indent="-742950">
               <a:buFont typeface="+mj-lt"/>
               <a:buAutoNum type="arabicPeriod"/>
@@ -6414,105 +6484,18 @@
             </a:endParaRPr>
           </a:p>
           <a:p>
-            <a:pPr lvl="2">
-              <a:buFont typeface="Wingdings" panose="05000000000000000000" pitchFamily="2" charset="2"/>
-              <a:buChar char="u"/>
-            </a:pPr>
-            <a:r>
-              <a:rPr lang="ja-JP" altLang="en-US" sz="2800" dirty="0">
-                <a:solidFill>
-                  <a:schemeClr val="accent1"/>
-                </a:solidFill>
-              </a:rPr>
-              <a:t>齋藤愛子</a:t>
-            </a:r>
-            <a:endParaRPr lang="en-US" altLang="ja-JP" sz="2800" dirty="0">
-              <a:solidFill>
-                <a:schemeClr val="accent1"/>
-              </a:solidFill>
-            </a:endParaRPr>
-          </a:p>
-          <a:p>
-            <a:pPr lvl="2">
-              <a:buFont typeface="Wingdings" panose="05000000000000000000" pitchFamily="2" charset="2"/>
-              <a:buChar char="u"/>
-            </a:pPr>
-            <a:r>
-              <a:rPr lang="ja-JP" altLang="en-US" sz="2800" dirty="0">
-                <a:solidFill>
-                  <a:schemeClr val="accent1"/>
-                </a:solidFill>
-              </a:rPr>
-              <a:t>原拓弓</a:t>
-            </a:r>
-            <a:endParaRPr lang="en-US" altLang="ja-JP" sz="2800" dirty="0">
-              <a:solidFill>
-                <a:schemeClr val="accent1"/>
-              </a:solidFill>
-            </a:endParaRPr>
-          </a:p>
-          <a:p>
-            <a:pPr lvl="2">
-              <a:buFont typeface="Wingdings" panose="05000000000000000000" pitchFamily="2" charset="2"/>
-              <a:buChar char="u"/>
-            </a:pPr>
-            <a:r>
-              <a:rPr lang="ja-JP" altLang="en-US" sz="2800" dirty="0">
-                <a:solidFill>
-                  <a:schemeClr val="accent1"/>
-                </a:solidFill>
-              </a:rPr>
-              <a:t>柏倉颯太</a:t>
-            </a:r>
-            <a:endParaRPr lang="en-US" altLang="ja-JP" sz="2800" dirty="0">
-              <a:solidFill>
-                <a:schemeClr val="accent1"/>
-              </a:solidFill>
-            </a:endParaRPr>
-          </a:p>
-          <a:p>
-            <a:pPr lvl="2">
-              <a:buFont typeface="Wingdings" panose="05000000000000000000" pitchFamily="2" charset="2"/>
-              <a:buChar char="u"/>
-            </a:pPr>
-            <a:r>
-              <a:rPr lang="ja-JP" altLang="en-US" sz="2800" dirty="0">
-                <a:solidFill>
-                  <a:schemeClr val="accent1"/>
-                </a:solidFill>
-              </a:rPr>
-              <a:t>棟方勇志</a:t>
-            </a:r>
-            <a:endParaRPr lang="en-US" altLang="ja-JP" sz="2800" dirty="0">
-              <a:solidFill>
-                <a:schemeClr val="accent1"/>
-              </a:solidFill>
-            </a:endParaRPr>
-          </a:p>
-          <a:p>
-            <a:pPr lvl="2">
-              <a:buFont typeface="Wingdings" panose="05000000000000000000" pitchFamily="2" charset="2"/>
-              <a:buChar char="u"/>
-            </a:pPr>
-            <a:r>
-              <a:rPr lang="ja-JP" altLang="en-US" sz="2800" dirty="0">
-                <a:solidFill>
-                  <a:schemeClr val="accent1"/>
-                </a:solidFill>
-              </a:rPr>
-              <a:t>井上稜土</a:t>
-            </a:r>
-            <a:endParaRPr lang="en-US" altLang="ja-JP" sz="2800" dirty="0">
-              <a:solidFill>
-                <a:schemeClr val="accent1"/>
-              </a:solidFill>
-            </a:endParaRPr>
-          </a:p>
-          <a:p>
             <a:pPr marL="742950" indent="-742950">
               <a:buFont typeface="+mj-lt"/>
               <a:buAutoNum type="arabicPeriod"/>
             </a:pPr>
+            <a:r>
+              <a:rPr lang="ja-JP" altLang="en-US" sz="4000" dirty="0">
+                <a:solidFill>
+                  <a:schemeClr val="accent1"/>
+                </a:solidFill>
+              </a:rPr>
+              <a:t>デモンストレーション</a:t>
+            </a:r>
             <a:endParaRPr lang="en-US" altLang="ja-JP" sz="4000" dirty="0">
               <a:solidFill>
                 <a:schemeClr val="accent1"/>
@@ -6957,7 +6940,15 @@
             <a:pPr algn="ctr"/>
             <a:r>
               <a:rPr kumimoji="1" lang="ja-JP" altLang="en-US" sz="2000" dirty="0"/>
-              <a:t>演習まで到達</a:t>
+              <a:t>演習</a:t>
+            </a:r>
+            <a:r>
+              <a:rPr kumimoji="1" lang="en-US" altLang="ja-JP" sz="2000" dirty="0"/>
+              <a:t>8</a:t>
+            </a:r>
+            <a:r>
+              <a:rPr kumimoji="1" lang="ja-JP" altLang="en-US" sz="2000" dirty="0"/>
+              <a:t>まで到達</a:t>
             </a:r>
             <a:endParaRPr kumimoji="1" lang="en-US" altLang="ja-JP" sz="2000" dirty="0"/>
           </a:p>
@@ -7245,7 +7236,9 @@
             <a:avLst/>
           </a:prstGeom>
           <a:solidFill>
-            <a:srgbClr val="7030A0"/>
+            <a:schemeClr val="accent1">
+              <a:lumMod val="75000"/>
+            </a:schemeClr>
           </a:solidFill>
         </p:spPr>
         <p:style>
@@ -7306,7 +7299,9 @@
             <a:avLst/>
           </a:prstGeom>
           <a:solidFill>
-            <a:srgbClr val="7030A0"/>
+            <a:schemeClr val="accent1">
+              <a:lumMod val="75000"/>
+            </a:schemeClr>
           </a:solidFill>
         </p:spPr>
         <p:style>
@@ -7362,7 +7357,9 @@
             <a:avLst/>
           </a:prstGeom>
           <a:solidFill>
-            <a:srgbClr val="002060"/>
+            <a:schemeClr val="accent1">
+              <a:lumMod val="75000"/>
+            </a:schemeClr>
           </a:solidFill>
         </p:spPr>
         <p:style>
@@ -7418,7 +7415,9 @@
             <a:avLst/>
           </a:prstGeom>
           <a:solidFill>
-            <a:srgbClr val="002060"/>
+            <a:schemeClr val="accent1">
+              <a:lumMod val="75000"/>
+            </a:schemeClr>
           </a:solidFill>
         </p:spPr>
         <p:style>
@@ -7535,9 +7534,8 @@
             <a:avLst/>
           </a:prstGeom>
           <a:solidFill>
-            <a:schemeClr val="accent5">
-              <a:lumMod val="60000"/>
-              <a:lumOff val="40000"/>
+            <a:schemeClr val="accent1">
+              <a:lumMod val="75000"/>
             </a:schemeClr>
           </a:solidFill>
         </p:spPr>
@@ -7599,9 +7597,8 @@
             <a:avLst/>
           </a:prstGeom>
           <a:solidFill>
-            <a:schemeClr val="accent5">
-              <a:lumMod val="60000"/>
-              <a:lumOff val="40000"/>
+            <a:schemeClr val="accent1">
+              <a:lumMod val="75000"/>
             </a:schemeClr>
           </a:solidFill>
         </p:spPr>
@@ -7772,7 +7769,9 @@
             <a:avLst/>
           </a:prstGeom>
           <a:solidFill>
-            <a:srgbClr val="7030A0"/>
+            <a:schemeClr val="accent1">
+              <a:lumMod val="75000"/>
+            </a:schemeClr>
           </a:solidFill>
         </p:spPr>
         <p:style>
@@ -7833,7 +7832,9 @@
             <a:avLst/>
           </a:prstGeom>
           <a:solidFill>
-            <a:srgbClr val="7030A0"/>
+            <a:schemeClr val="accent1">
+              <a:lumMod val="75000"/>
+            </a:schemeClr>
           </a:solidFill>
         </p:spPr>
         <p:style>
@@ -7889,7 +7890,9 @@
             <a:avLst/>
           </a:prstGeom>
           <a:solidFill>
-            <a:srgbClr val="002060"/>
+            <a:schemeClr val="accent1">
+              <a:lumMod val="75000"/>
+            </a:schemeClr>
           </a:solidFill>
         </p:spPr>
         <p:style>
@@ -7945,7 +7948,9 @@
             <a:avLst/>
           </a:prstGeom>
           <a:solidFill>
-            <a:srgbClr val="002060"/>
+            <a:schemeClr val="accent1">
+              <a:lumMod val="75000"/>
+            </a:schemeClr>
           </a:solidFill>
         </p:spPr>
         <p:style>
@@ -7982,75 +7987,6 @@
       </p:sp>
       <p:sp>
         <p:nvSpPr>
-          <p:cNvPr id="10" name="テキスト ボックス 9">
-            <a:extLst>
-              <a:ext uri="{FF2B5EF4-FFF2-40B4-BE49-F238E27FC236}">
-                <a16:creationId xmlns:a16="http://schemas.microsoft.com/office/drawing/2014/main" id="{8D6FD219-9148-DE16-472E-827F183D1E12}"/>
-              </a:ext>
-            </a:extLst>
-          </p:cNvPr>
-          <p:cNvSpPr txBox="1"/>
-          <p:nvPr/>
-        </p:nvSpPr>
-        <p:spPr>
-          <a:xfrm>
-            <a:off x="4881913" y="5040734"/>
-            <a:ext cx="1605974" cy="1200329"/>
-          </a:xfrm>
-          <a:prstGeom prst="rect">
-            <a:avLst/>
-          </a:prstGeom>
-          <a:solidFill>
-            <a:srgbClr val="C00000"/>
-          </a:solidFill>
-          <a:ln w="19050">
-            <a:solidFill>
-              <a:schemeClr val="accent1"/>
-            </a:solidFill>
-          </a:ln>
-        </p:spPr>
-        <p:txBody>
-          <a:bodyPr vert="horz" wrap="square" rtlCol="0">
-            <a:spAutoFit/>
-          </a:bodyPr>
-          <a:lstStyle/>
-          <a:p>
-            <a:r>
-              <a:rPr lang="en-US" altLang="ja-JP" sz="2400" dirty="0">
-                <a:solidFill>
-                  <a:schemeClr val="bg1"/>
-                </a:solidFill>
-              </a:rPr>
-              <a:t>Git Hub</a:t>
-            </a:r>
-          </a:p>
-          <a:p>
-            <a:r>
-              <a:rPr lang="en-US" altLang="ja-JP" sz="2400" dirty="0">
-                <a:solidFill>
-                  <a:schemeClr val="bg1"/>
-                </a:solidFill>
-              </a:rPr>
-              <a:t>pull/push</a:t>
-            </a:r>
-            <a:r>
-              <a:rPr lang="ja-JP" altLang="en-US" sz="2400" dirty="0">
-                <a:solidFill>
-                  <a:schemeClr val="bg1"/>
-                </a:solidFill>
-              </a:rPr>
-              <a:t>エラー</a:t>
-            </a:r>
-            <a:endParaRPr kumimoji="1" lang="ja-JP" altLang="en-US" sz="2400" dirty="0">
-              <a:solidFill>
-                <a:schemeClr val="bg1"/>
-              </a:solidFill>
-            </a:endParaRPr>
-          </a:p>
-        </p:txBody>
-      </p:sp>
-      <p:sp>
-        <p:nvSpPr>
           <p:cNvPr id="11" name="矢印: 山形 10">
             <a:extLst>
               <a:ext uri="{FF2B5EF4-FFF2-40B4-BE49-F238E27FC236}">
@@ -8070,7 +8006,9 @@
             <a:avLst/>
           </a:prstGeom>
           <a:solidFill>
-            <a:srgbClr val="002060"/>
+            <a:schemeClr val="accent1">
+              <a:lumMod val="75000"/>
+            </a:schemeClr>
           </a:solidFill>
         </p:spPr>
         <p:style>
@@ -8142,7 +8080,9 @@
             <a:avLst/>
           </a:prstGeom>
           <a:solidFill>
-            <a:srgbClr val="002060"/>
+            <a:schemeClr val="accent1">
+              <a:lumMod val="75000"/>
+            </a:schemeClr>
           </a:solidFill>
         </p:spPr>
         <p:style>
@@ -8244,9 +8184,8 @@
             <a:avLst/>
           </a:prstGeom>
           <a:solidFill>
-            <a:schemeClr val="accent5">
-              <a:lumMod val="60000"/>
-              <a:lumOff val="40000"/>
+            <a:schemeClr val="accent1">
+              <a:lumMod val="75000"/>
             </a:schemeClr>
           </a:solidFill>
         </p:spPr>
@@ -8301,16 +8240,15 @@
         </p:nvSpPr>
         <p:spPr>
           <a:xfrm>
-            <a:off x="8771259" y="6401970"/>
+            <a:off x="8771258" y="6368850"/>
             <a:ext cx="2810801" cy="290667"/>
           </a:xfrm>
           <a:prstGeom prst="chevron">
             <a:avLst/>
           </a:prstGeom>
           <a:solidFill>
-            <a:schemeClr val="accent5">
-              <a:lumMod val="60000"/>
-              <a:lumOff val="40000"/>
+            <a:schemeClr val="accent1">
+              <a:lumMod val="75000"/>
             </a:schemeClr>
           </a:solidFill>
         </p:spPr>
@@ -8344,6 +8282,75 @@
               <a:t>単体実施</a:t>
             </a:r>
             <a:endParaRPr kumimoji="1" lang="ja-JP" altLang="en-US" dirty="0">
+              <a:solidFill>
+                <a:schemeClr val="bg1"/>
+              </a:solidFill>
+            </a:endParaRPr>
+          </a:p>
+        </p:txBody>
+      </p:sp>
+      <p:sp>
+        <p:nvSpPr>
+          <p:cNvPr id="3" name="テキスト ボックス 2">
+            <a:extLst>
+              <a:ext uri="{FF2B5EF4-FFF2-40B4-BE49-F238E27FC236}">
+                <a16:creationId xmlns:a16="http://schemas.microsoft.com/office/drawing/2014/main" id="{0648CB4D-A184-236C-DDE9-2AE428CCC1B7}"/>
+              </a:ext>
+            </a:extLst>
+          </p:cNvPr>
+          <p:cNvSpPr txBox="1"/>
+          <p:nvPr/>
+        </p:nvSpPr>
+        <p:spPr>
+          <a:xfrm>
+            <a:off x="4917428" y="5015239"/>
+            <a:ext cx="1605974" cy="1200329"/>
+          </a:xfrm>
+          <a:prstGeom prst="rect">
+            <a:avLst/>
+          </a:prstGeom>
+          <a:solidFill>
+            <a:srgbClr val="C00000"/>
+          </a:solidFill>
+          <a:ln w="19050">
+            <a:solidFill>
+              <a:schemeClr val="accent1"/>
+            </a:solidFill>
+          </a:ln>
+        </p:spPr>
+        <p:txBody>
+          <a:bodyPr vert="horz" wrap="square" rtlCol="0">
+            <a:spAutoFit/>
+          </a:bodyPr>
+          <a:lstStyle/>
+          <a:p>
+            <a:r>
+              <a:rPr lang="en-US" altLang="ja-JP" sz="2400" dirty="0">
+                <a:solidFill>
+                  <a:schemeClr val="bg1"/>
+                </a:solidFill>
+              </a:rPr>
+              <a:t>Git Hub</a:t>
+            </a:r>
+          </a:p>
+          <a:p>
+            <a:r>
+              <a:rPr lang="en-US" altLang="ja-JP" sz="2400" dirty="0">
+                <a:solidFill>
+                  <a:schemeClr val="bg1"/>
+                </a:solidFill>
+              </a:rPr>
+              <a:t>pull/push</a:t>
+            </a:r>
+            <a:r>
+              <a:rPr lang="ja-JP" altLang="en-US" sz="2400" dirty="0">
+                <a:solidFill>
+                  <a:schemeClr val="bg1"/>
+                </a:solidFill>
+              </a:rPr>
+              <a:t>エラー</a:t>
+            </a:r>
+            <a:endParaRPr kumimoji="1" lang="ja-JP" altLang="en-US" sz="2400" dirty="0">
               <a:solidFill>
                 <a:schemeClr val="bg1"/>
               </a:solidFill>
@@ -8571,7 +8578,9 @@
             <a:avLst/>
           </a:prstGeom>
           <a:solidFill>
-            <a:srgbClr val="0070C0"/>
+            <a:schemeClr val="accent1">
+              <a:lumMod val="75000"/>
+            </a:schemeClr>
           </a:solidFill>
         </p:spPr>
         <p:style>
@@ -8632,7 +8641,9 @@
             <a:avLst/>
           </a:prstGeom>
           <a:solidFill>
-            <a:srgbClr val="0070C0"/>
+            <a:schemeClr val="accent1">
+              <a:lumMod val="75000"/>
+            </a:schemeClr>
           </a:solidFill>
         </p:spPr>
         <p:style>
@@ -8818,9 +8829,8 @@
             <a:avLst/>
           </a:prstGeom>
           <a:solidFill>
-            <a:schemeClr val="accent5">
-              <a:lumMod val="60000"/>
-              <a:lumOff val="40000"/>
+            <a:schemeClr val="accent1">
+              <a:lumMod val="75000"/>
             </a:schemeClr>
           </a:solidFill>
         </p:spPr>
@@ -8882,9 +8892,8 @@
             <a:avLst/>
           </a:prstGeom>
           <a:solidFill>
-            <a:schemeClr val="accent5">
-              <a:lumMod val="60000"/>
-              <a:lumOff val="40000"/>
+            <a:schemeClr val="accent1">
+              <a:lumMod val="75000"/>
             </a:schemeClr>
           </a:solidFill>
         </p:spPr>
@@ -9038,7 +9047,9 @@
             <a:avLst/>
           </a:prstGeom>
           <a:solidFill>
-            <a:srgbClr val="00B0F0"/>
+            <a:schemeClr val="accent1">
+              <a:lumMod val="75000"/>
+            </a:schemeClr>
           </a:solidFill>
         </p:spPr>
         <p:style>
@@ -9208,9 +9219,8 @@
             <a:avLst/>
           </a:prstGeom>
           <a:solidFill>
-            <a:schemeClr val="accent5">
-              <a:lumMod val="60000"/>
-              <a:lumOff val="40000"/>
+            <a:schemeClr val="accent1">
+              <a:lumMod val="75000"/>
             </a:schemeClr>
           </a:solidFill>
         </p:spPr>
@@ -9272,9 +9282,8 @@
             <a:avLst/>
           </a:prstGeom>
           <a:solidFill>
-            <a:schemeClr val="accent5">
-              <a:lumMod val="60000"/>
-              <a:lumOff val="40000"/>
+            <a:schemeClr val="accent1">
+              <a:lumMod val="75000"/>
             </a:schemeClr>
           </a:solidFill>
         </p:spPr>
@@ -9382,7 +9391,9 @@
             <a:avLst/>
           </a:prstGeom>
           <a:solidFill>
-            <a:srgbClr val="0070C0"/>
+            <a:schemeClr val="accent1">
+              <a:lumMod val="75000"/>
+            </a:schemeClr>
           </a:solidFill>
         </p:spPr>
         <p:style>
@@ -9443,7 +9454,9 @@
             <a:avLst/>
           </a:prstGeom>
           <a:solidFill>
-            <a:srgbClr val="0070C0"/>
+            <a:schemeClr val="accent1">
+              <a:lumMod val="75000"/>
+            </a:schemeClr>
           </a:solidFill>
         </p:spPr>
         <p:style>
@@ -9905,13 +9918,7 @@
     </p:bg>
     <p:spTree>
       <p:nvGrpSpPr>
-        <p:cNvPr id="1" name="">
-          <a:extLst>
-            <a:ext uri="{FF2B5EF4-FFF2-40B4-BE49-F238E27FC236}">
-              <a16:creationId xmlns:a16="http://schemas.microsoft.com/office/drawing/2014/main" id="{3CC239BD-F29F-0039-A0FA-E616CFEF9F39}"/>
-            </a:ext>
-          </a:extLst>
-        </p:cNvPr>
+        <p:cNvPr id="1" name=""/>
         <p:cNvGrpSpPr/>
         <p:nvPr/>
       </p:nvGrpSpPr>
@@ -9928,7 +9935,7 @@
           <p:cNvPr id="2" name="タイトル 1">
             <a:extLst>
               <a:ext uri="{FF2B5EF4-FFF2-40B4-BE49-F238E27FC236}">
-                <a16:creationId xmlns:a16="http://schemas.microsoft.com/office/drawing/2014/main" id="{281F9C17-576F-2C2A-67E3-FB8A9678F1E9}"/>
+                <a16:creationId xmlns:a16="http://schemas.microsoft.com/office/drawing/2014/main" id="{902E9838-3E90-6EE2-C9EF-9FB83CE3A65E}"/>
               </a:ext>
             </a:extLst>
           </p:cNvPr>
@@ -9941,7 +9948,7 @@
         </p:nvSpPr>
         <p:spPr>
           <a:xfrm>
-            <a:off x="751114" y="365125"/>
+            <a:off x="838200" y="257199"/>
             <a:ext cx="10515600" cy="1325563"/>
           </a:xfrm>
         </p:spPr>
@@ -9955,7 +9962,555 @@
                   <a:schemeClr val="accent1"/>
                 </a:solidFill>
               </a:rPr>
-              <a:t>全体発表④　デモンストレーション</a:t>
+              <a:t>個人発表（</a:t>
+            </a:r>
+            <a:r>
+              <a:rPr lang="en-US" altLang="ja-JP" b="1" dirty="0">
+                <a:solidFill>
+                  <a:schemeClr val="accent1"/>
+                </a:solidFill>
+              </a:rPr>
+              <a:t>W7369</a:t>
+            </a:r>
+            <a:r>
+              <a:rPr kumimoji="1" lang="en-US" altLang="ja-JP" b="1" dirty="0">
+                <a:solidFill>
+                  <a:schemeClr val="accent1"/>
+                </a:solidFill>
+              </a:rPr>
+              <a:t>_</a:t>
+            </a:r>
+            <a:r>
+              <a:rPr kumimoji="1" lang="ja-JP" altLang="en-US" b="1" dirty="0">
+                <a:solidFill>
+                  <a:schemeClr val="accent1"/>
+                </a:solidFill>
+              </a:rPr>
+              <a:t>齋藤愛子）</a:t>
+            </a:r>
+          </a:p>
+        </p:txBody>
+      </p:sp>
+      <p:sp>
+        <p:nvSpPr>
+          <p:cNvPr id="15" name="正方形/長方形 14">
+            <a:extLst>
+              <a:ext uri="{FF2B5EF4-FFF2-40B4-BE49-F238E27FC236}">
+                <a16:creationId xmlns:a16="http://schemas.microsoft.com/office/drawing/2014/main" id="{63B6BA4B-29E3-417F-A1ED-A5C249A82539}"/>
+              </a:ext>
+            </a:extLst>
+          </p:cNvPr>
+          <p:cNvSpPr/>
+          <p:nvPr/>
+        </p:nvSpPr>
+        <p:spPr>
+          <a:xfrm>
+            <a:off x="97975" y="1891021"/>
+            <a:ext cx="859979" cy="983776"/>
+          </a:xfrm>
+          <a:prstGeom prst="rect">
+            <a:avLst/>
+          </a:prstGeom>
+          <a:solidFill>
+            <a:schemeClr val="bg2">
+              <a:lumMod val="90000"/>
+            </a:schemeClr>
+          </a:solidFill>
+        </p:spPr>
+        <p:style>
+          <a:lnRef idx="2">
+            <a:schemeClr val="accent1">
+              <a:shade val="15000"/>
+            </a:schemeClr>
+          </a:lnRef>
+          <a:fillRef idx="1">
+            <a:schemeClr val="accent1"/>
+          </a:fillRef>
+          <a:effectRef idx="0">
+            <a:schemeClr val="accent1"/>
+          </a:effectRef>
+          <a:fontRef idx="minor">
+            <a:schemeClr val="lt1"/>
+          </a:fontRef>
+        </p:style>
+        <p:txBody>
+          <a:bodyPr rtlCol="0" anchor="ctr"/>
+          <a:lstStyle/>
+          <a:p>
+            <a:pPr algn="ctr"/>
+            <a:r>
+              <a:rPr kumimoji="1" lang="ja-JP" altLang="en-US" dirty="0"/>
+              <a:t>担当</a:t>
+            </a:r>
+          </a:p>
+        </p:txBody>
+      </p:sp>
+      <p:sp>
+        <p:nvSpPr>
+          <p:cNvPr id="19" name="正方形/長方形 18">
+            <a:extLst>
+              <a:ext uri="{FF2B5EF4-FFF2-40B4-BE49-F238E27FC236}">
+                <a16:creationId xmlns:a16="http://schemas.microsoft.com/office/drawing/2014/main" id="{FDA21EBE-A978-F944-86BD-818F8B5B579E}"/>
+              </a:ext>
+            </a:extLst>
+          </p:cNvPr>
+          <p:cNvSpPr/>
+          <p:nvPr/>
+        </p:nvSpPr>
+        <p:spPr>
+          <a:xfrm>
+            <a:off x="97975" y="3183056"/>
+            <a:ext cx="859979" cy="983776"/>
+          </a:xfrm>
+          <a:prstGeom prst="rect">
+            <a:avLst/>
+          </a:prstGeom>
+          <a:solidFill>
+            <a:schemeClr val="bg2">
+              <a:lumMod val="90000"/>
+            </a:schemeClr>
+          </a:solidFill>
+        </p:spPr>
+        <p:style>
+          <a:lnRef idx="2">
+            <a:schemeClr val="accent1">
+              <a:shade val="15000"/>
+            </a:schemeClr>
+          </a:lnRef>
+          <a:fillRef idx="1">
+            <a:schemeClr val="accent1"/>
+          </a:fillRef>
+          <a:effectRef idx="0">
+            <a:schemeClr val="accent1"/>
+          </a:effectRef>
+          <a:fontRef idx="minor">
+            <a:schemeClr val="lt1"/>
+          </a:fontRef>
+        </p:style>
+        <p:txBody>
+          <a:bodyPr rtlCol="0" anchor="ctr"/>
+          <a:lstStyle/>
+          <a:p>
+            <a:pPr algn="ctr"/>
+            <a:r>
+              <a:rPr kumimoji="1" lang="ja-JP" altLang="en-US" sz="1600" dirty="0"/>
+              <a:t>工夫点</a:t>
+            </a:r>
+          </a:p>
+        </p:txBody>
+      </p:sp>
+      <p:sp>
+        <p:nvSpPr>
+          <p:cNvPr id="20" name="正方形/長方形 19">
+            <a:extLst>
+              <a:ext uri="{FF2B5EF4-FFF2-40B4-BE49-F238E27FC236}">
+                <a16:creationId xmlns:a16="http://schemas.microsoft.com/office/drawing/2014/main" id="{8F1279E3-1B72-0293-0D77-75983D2F581B}"/>
+              </a:ext>
+            </a:extLst>
+          </p:cNvPr>
+          <p:cNvSpPr/>
+          <p:nvPr/>
+        </p:nvSpPr>
+        <p:spPr>
+          <a:xfrm>
+            <a:off x="97976" y="5679583"/>
+            <a:ext cx="859979" cy="983776"/>
+          </a:xfrm>
+          <a:prstGeom prst="rect">
+            <a:avLst/>
+          </a:prstGeom>
+          <a:solidFill>
+            <a:schemeClr val="bg2">
+              <a:lumMod val="90000"/>
+            </a:schemeClr>
+          </a:solidFill>
+        </p:spPr>
+        <p:style>
+          <a:lnRef idx="2">
+            <a:schemeClr val="accent1">
+              <a:shade val="15000"/>
+            </a:schemeClr>
+          </a:lnRef>
+          <a:fillRef idx="1">
+            <a:schemeClr val="accent1"/>
+          </a:fillRef>
+          <a:effectRef idx="0">
+            <a:schemeClr val="accent1"/>
+          </a:effectRef>
+          <a:fontRef idx="minor">
+            <a:schemeClr val="lt1"/>
+          </a:fontRef>
+        </p:style>
+        <p:txBody>
+          <a:bodyPr rtlCol="0" anchor="ctr"/>
+          <a:lstStyle/>
+          <a:p>
+            <a:pPr algn="ctr"/>
+            <a:r>
+              <a:rPr kumimoji="1" lang="ja-JP" altLang="en-US" sz="1600" dirty="0"/>
+              <a:t>今後に向けて</a:t>
+            </a:r>
+          </a:p>
+        </p:txBody>
+      </p:sp>
+      <p:sp>
+        <p:nvSpPr>
+          <p:cNvPr id="21" name="正方形/長方形 20">
+            <a:extLst>
+              <a:ext uri="{FF2B5EF4-FFF2-40B4-BE49-F238E27FC236}">
+                <a16:creationId xmlns:a16="http://schemas.microsoft.com/office/drawing/2014/main" id="{0CFB1007-CA66-4D67-1944-2BE8E7E19C9D}"/>
+              </a:ext>
+            </a:extLst>
+          </p:cNvPr>
+          <p:cNvSpPr/>
+          <p:nvPr/>
+        </p:nvSpPr>
+        <p:spPr>
+          <a:xfrm>
+            <a:off x="97975" y="4431319"/>
+            <a:ext cx="859979" cy="983776"/>
+          </a:xfrm>
+          <a:prstGeom prst="rect">
+            <a:avLst/>
+          </a:prstGeom>
+          <a:solidFill>
+            <a:schemeClr val="bg2">
+              <a:lumMod val="90000"/>
+            </a:schemeClr>
+          </a:solidFill>
+        </p:spPr>
+        <p:style>
+          <a:lnRef idx="2">
+            <a:schemeClr val="accent1">
+              <a:shade val="15000"/>
+            </a:schemeClr>
+          </a:lnRef>
+          <a:fillRef idx="1">
+            <a:schemeClr val="accent1"/>
+          </a:fillRef>
+          <a:effectRef idx="0">
+            <a:schemeClr val="accent1"/>
+          </a:effectRef>
+          <a:fontRef idx="minor">
+            <a:schemeClr val="lt1"/>
+          </a:fontRef>
+        </p:style>
+        <p:txBody>
+          <a:bodyPr rtlCol="0" anchor="ctr"/>
+          <a:lstStyle/>
+          <a:p>
+            <a:pPr algn="ctr"/>
+            <a:r>
+              <a:rPr kumimoji="1" lang="ja-JP" altLang="en-US" sz="1600" dirty="0"/>
+              <a:t>問題点</a:t>
+            </a:r>
+          </a:p>
+        </p:txBody>
+      </p:sp>
+      <p:sp>
+        <p:nvSpPr>
+          <p:cNvPr id="3" name="テキスト ボックス 2">
+            <a:extLst>
+              <a:ext uri="{FF2B5EF4-FFF2-40B4-BE49-F238E27FC236}">
+                <a16:creationId xmlns:a16="http://schemas.microsoft.com/office/drawing/2014/main" id="{E403434A-6FE5-5429-D2A9-6DA2B6BD8696}"/>
+              </a:ext>
+            </a:extLst>
+          </p:cNvPr>
+          <p:cNvSpPr txBox="1"/>
+          <p:nvPr/>
+        </p:nvSpPr>
+        <p:spPr>
+          <a:xfrm>
+            <a:off x="1175665" y="1891021"/>
+            <a:ext cx="10613564" cy="923330"/>
+          </a:xfrm>
+          <a:prstGeom prst="rect">
+            <a:avLst/>
+          </a:prstGeom>
+          <a:solidFill>
+            <a:schemeClr val="bg1"/>
+          </a:solidFill>
+          <a:ln w="19050">
+            <a:solidFill>
+              <a:schemeClr val="tx1"/>
+            </a:solidFill>
+          </a:ln>
+        </p:spPr>
+        <p:txBody>
+          <a:bodyPr wrap="square" rtlCol="0">
+            <a:spAutoFit/>
+          </a:bodyPr>
+          <a:lstStyle/>
+          <a:p>
+            <a:pPr marL="342900" indent="-342900">
+              <a:buFont typeface="+mj-lt"/>
+              <a:buAutoNum type="arabicPeriod"/>
+            </a:pPr>
+            <a:r>
+              <a:rPr lang="en-US" altLang="ja-JP" dirty="0"/>
+              <a:t>Issue</a:t>
+            </a:r>
+            <a:r>
+              <a:rPr lang="ja-JP" altLang="en-US" dirty="0"/>
+              <a:t>の登録し、簡単ものを修正</a:t>
+            </a:r>
+          </a:p>
+          <a:p>
+            <a:pPr marL="342900" indent="-342900">
+              <a:buFont typeface="+mj-lt"/>
+              <a:buAutoNum type="arabicPeriod"/>
+            </a:pPr>
+            <a:r>
+              <a:rPr lang="en-US" altLang="ja-JP" dirty="0"/>
+              <a:t>DAO</a:t>
+            </a:r>
+            <a:r>
+              <a:rPr lang="ja-JP" altLang="en-US" dirty="0"/>
+              <a:t>の単体テスト仕様書の作成</a:t>
+            </a:r>
+          </a:p>
+          <a:p>
+            <a:pPr marL="342900" indent="-342900">
+              <a:buFont typeface="+mj-lt"/>
+              <a:buAutoNum type="arabicPeriod"/>
+            </a:pPr>
+            <a:r>
+              <a:rPr lang="ja-JP" altLang="en-US" dirty="0"/>
+              <a:t>結合テストの実施</a:t>
+            </a:r>
+            <a:endParaRPr kumimoji="1" lang="ja-JP" altLang="en-US" dirty="0"/>
+          </a:p>
+        </p:txBody>
+      </p:sp>
+      <p:sp>
+        <p:nvSpPr>
+          <p:cNvPr id="5" name="テキスト ボックス 4">
+            <a:extLst>
+              <a:ext uri="{FF2B5EF4-FFF2-40B4-BE49-F238E27FC236}">
+                <a16:creationId xmlns:a16="http://schemas.microsoft.com/office/drawing/2014/main" id="{64E2A502-3C56-159B-5AEE-AF3966FA04F7}"/>
+              </a:ext>
+            </a:extLst>
+          </p:cNvPr>
+          <p:cNvSpPr txBox="1"/>
+          <p:nvPr/>
+        </p:nvSpPr>
+        <p:spPr>
+          <a:xfrm>
+            <a:off x="1175665" y="3170459"/>
+            <a:ext cx="10613564" cy="369332"/>
+          </a:xfrm>
+          <a:prstGeom prst="rect">
+            <a:avLst/>
+          </a:prstGeom>
+          <a:solidFill>
+            <a:schemeClr val="bg1"/>
+          </a:solidFill>
+          <a:ln w="19050">
+            <a:solidFill>
+              <a:schemeClr val="tx1"/>
+            </a:solidFill>
+          </a:ln>
+        </p:spPr>
+        <p:txBody>
+          <a:bodyPr wrap="square" rtlCol="0">
+            <a:spAutoFit/>
+          </a:bodyPr>
+          <a:lstStyle/>
+          <a:p>
+            <a:pPr marL="342900" indent="-342900">
+              <a:buFont typeface="+mj-lt"/>
+              <a:buAutoNum type="arabicPeriod"/>
+            </a:pPr>
+            <a:r>
+              <a:rPr lang="ja-JP" altLang="en-US" dirty="0"/>
+              <a:t>単体テスト仕様書を、他のメンバーにも理解しやすいように意識して記述した</a:t>
+            </a:r>
+          </a:p>
+        </p:txBody>
+      </p:sp>
+      <p:sp>
+        <p:nvSpPr>
+          <p:cNvPr id="6" name="テキスト ボックス 5">
+            <a:extLst>
+              <a:ext uri="{FF2B5EF4-FFF2-40B4-BE49-F238E27FC236}">
+                <a16:creationId xmlns:a16="http://schemas.microsoft.com/office/drawing/2014/main" id="{B181314D-00BB-A8F3-114D-4E266855E44D}"/>
+              </a:ext>
+            </a:extLst>
+          </p:cNvPr>
+          <p:cNvSpPr txBox="1"/>
+          <p:nvPr/>
+        </p:nvSpPr>
+        <p:spPr>
+          <a:xfrm>
+            <a:off x="1175665" y="5740029"/>
+            <a:ext cx="10613564" cy="923330"/>
+          </a:xfrm>
+          <a:prstGeom prst="rect">
+            <a:avLst/>
+          </a:prstGeom>
+          <a:solidFill>
+            <a:schemeClr val="bg1"/>
+          </a:solidFill>
+          <a:ln w="19050">
+            <a:solidFill>
+              <a:schemeClr val="tx1"/>
+            </a:solidFill>
+          </a:ln>
+        </p:spPr>
+        <p:txBody>
+          <a:bodyPr wrap="square" rtlCol="0">
+            <a:spAutoFit/>
+          </a:bodyPr>
+          <a:lstStyle/>
+          <a:p>
+            <a:pPr marL="342900" indent="-342900">
+              <a:buFont typeface="+mj-lt"/>
+              <a:buAutoNum type="arabicPeriod"/>
+            </a:pPr>
+            <a:r>
+              <a:rPr lang="ja-JP" altLang="en-US" dirty="0"/>
+              <a:t>コミットコメントが分かりづらく、履歴をたどるのが困難だったため、今後はもっと意味のあるコメントを意識したい</a:t>
+            </a:r>
+            <a:endParaRPr lang="en-US" altLang="ja-JP" dirty="0"/>
+          </a:p>
+          <a:p>
+            <a:pPr marL="342900" indent="-342900">
+              <a:buFont typeface="+mj-lt"/>
+              <a:buAutoNum type="arabicPeriod"/>
+            </a:pPr>
+            <a:r>
+              <a:rPr lang="ja-JP" altLang="en-US" dirty="0"/>
+              <a:t>今後リーダーをやるときは完璧じゃなくても、方向性を持てるように意識したい</a:t>
+            </a:r>
+            <a:endParaRPr lang="en-US" altLang="ja-JP" dirty="0"/>
+          </a:p>
+        </p:txBody>
+      </p:sp>
+      <p:sp>
+        <p:nvSpPr>
+          <p:cNvPr id="7" name="テキスト ボックス 6">
+            <a:extLst>
+              <a:ext uri="{FF2B5EF4-FFF2-40B4-BE49-F238E27FC236}">
+                <a16:creationId xmlns:a16="http://schemas.microsoft.com/office/drawing/2014/main" id="{80123BF2-3196-C913-A0B7-E893115CBE4C}"/>
+              </a:ext>
+            </a:extLst>
+          </p:cNvPr>
+          <p:cNvSpPr txBox="1"/>
+          <p:nvPr/>
+        </p:nvSpPr>
+        <p:spPr>
+          <a:xfrm>
+            <a:off x="1175665" y="4406126"/>
+            <a:ext cx="10613564" cy="1200329"/>
+          </a:xfrm>
+          <a:prstGeom prst="rect">
+            <a:avLst/>
+          </a:prstGeom>
+          <a:solidFill>
+            <a:schemeClr val="bg1"/>
+          </a:solidFill>
+          <a:ln w="19050">
+            <a:solidFill>
+              <a:schemeClr val="tx1"/>
+            </a:solidFill>
+          </a:ln>
+        </p:spPr>
+        <p:txBody>
+          <a:bodyPr wrap="square" rtlCol="0">
+            <a:spAutoFit/>
+          </a:bodyPr>
+          <a:lstStyle/>
+          <a:p>
+            <a:pPr marL="342900" indent="-342900">
+              <a:buFont typeface="+mj-lt"/>
+              <a:buAutoNum type="arabicPeriod"/>
+            </a:pPr>
+            <a:r>
+              <a:rPr lang="en-US" altLang="ja-JP" dirty="0"/>
+              <a:t>GitHub</a:t>
+            </a:r>
+            <a:r>
+              <a:rPr lang="ja-JP" altLang="en-US" dirty="0"/>
+              <a:t>やコマンドの使い方に苦戦し、初日は作業に入るまで時間がかかってしまった</a:t>
+            </a:r>
+          </a:p>
+          <a:p>
+            <a:pPr marL="342900" indent="-342900">
+              <a:buFont typeface="+mj-lt"/>
+              <a:buAutoNum type="arabicPeriod"/>
+            </a:pPr>
+            <a:r>
+              <a:rPr lang="ja-JP" altLang="en-US" dirty="0"/>
+              <a:t>他メンバーの時間を奪ってしまった反省から、メモ帳で操作を整理して、</a:t>
+            </a:r>
+            <a:r>
+              <a:rPr lang="en-US" altLang="ja-JP" dirty="0"/>
+              <a:t>2</a:t>
+            </a:r>
+            <a:r>
+              <a:rPr lang="ja-JP" altLang="en-US" dirty="0"/>
+              <a:t>日目以降はスムーズに進められるよう工夫した</a:t>
+            </a:r>
+            <a:endParaRPr lang="en-US" altLang="ja-JP" dirty="0"/>
+          </a:p>
+          <a:p>
+            <a:pPr marL="342900" indent="-342900">
+              <a:buFont typeface="+mj-lt"/>
+              <a:buAutoNum type="arabicPeriod"/>
+            </a:pPr>
+            <a:r>
+              <a:rPr lang="ja-JP" altLang="en-US" dirty="0"/>
+              <a:t>メンバーが積極的に動いてくれたので助かったが、リーダーとしての動きはできていなかった</a:t>
+            </a:r>
+            <a:endParaRPr lang="en-US" altLang="ja-JP" dirty="0"/>
+          </a:p>
+        </p:txBody>
+      </p:sp>
+      <p:sp>
+        <p:nvSpPr>
+          <p:cNvPr id="4" name="リボン: 上に曲がる 3">
+            <a:extLst>
+              <a:ext uri="{FF2B5EF4-FFF2-40B4-BE49-F238E27FC236}">
+                <a16:creationId xmlns:a16="http://schemas.microsoft.com/office/drawing/2014/main" id="{54402D5F-6922-DD10-0F53-D4F6EFD90017}"/>
+              </a:ext>
+            </a:extLst>
+          </p:cNvPr>
+          <p:cNvSpPr/>
+          <p:nvPr/>
+        </p:nvSpPr>
+        <p:spPr>
+          <a:xfrm>
+            <a:off x="7805057" y="557280"/>
+            <a:ext cx="3069772" cy="566116"/>
+          </a:xfrm>
+          <a:prstGeom prst="ribbon2">
+            <a:avLst/>
+          </a:prstGeom>
+        </p:spPr>
+        <p:style>
+          <a:lnRef idx="2">
+            <a:schemeClr val="accent1">
+              <a:shade val="15000"/>
+            </a:schemeClr>
+          </a:lnRef>
+          <a:fillRef idx="1">
+            <a:schemeClr val="accent1"/>
+          </a:fillRef>
+          <a:effectRef idx="0">
+            <a:schemeClr val="accent1"/>
+          </a:effectRef>
+          <a:fontRef idx="minor">
+            <a:schemeClr val="lt1"/>
+          </a:fontRef>
+        </p:style>
+        <p:txBody>
+          <a:bodyPr rtlCol="0" anchor="ctr"/>
+          <a:lstStyle/>
+          <a:p>
+            <a:pPr algn="ctr"/>
+            <a:r>
+              <a:rPr kumimoji="1" lang="ja-JP" altLang="en-US" dirty="0"/>
+              <a:t>リーダー</a:t>
             </a:r>
           </a:p>
         </p:txBody>
@@ -9963,7 +10518,7 @@
     </p:spTree>
     <p:extLst>
       <p:ext uri="{BB962C8B-B14F-4D97-AF65-F5344CB8AC3E}">
-        <p14:creationId xmlns:p14="http://schemas.microsoft.com/office/powerpoint/2010/main" val="2568243533"/>
+        <p14:creationId xmlns:p14="http://schemas.microsoft.com/office/powerpoint/2010/main" val="951355382"/>
       </p:ext>
     </p:extLst>
   </p:cSld>
@@ -10027,7 +10582,7 @@
           <a:lstStyle/>
           <a:p>
             <a:r>
-              <a:rPr kumimoji="1" lang="ja-JP" altLang="en-US" b="1" dirty="0">
+              <a:rPr kumimoji="1" lang="ja-JP" altLang="en-US" b="1">
                 <a:solidFill>
                   <a:schemeClr val="accent1"/>
                 </a:solidFill>
@@ -10035,15 +10590,15 @@
               <a:t>個人発表（</a:t>
             </a:r>
             <a:r>
-              <a:rPr lang="en-US" altLang="ja-JP" b="1" dirty="0">
+              <a:rPr lang="en-US" altLang="ja-JP" b="1">
                 <a:solidFill>
                   <a:schemeClr val="accent1"/>
                 </a:solidFill>
               </a:rPr>
-              <a:t>W7369</a:t>
-            </a:r>
-            <a:r>
-              <a:rPr kumimoji="1" lang="en-US" altLang="ja-JP" b="1" dirty="0">
+              <a:t>W7372</a:t>
+            </a:r>
+            <a:r>
+              <a:rPr kumimoji="1" lang="en-US" altLang="ja-JP" b="1">
                 <a:solidFill>
                   <a:schemeClr val="accent1"/>
                 </a:solidFill>
@@ -10051,12 +10606,20 @@
               <a:t>_</a:t>
             </a:r>
             <a:r>
-              <a:rPr kumimoji="1" lang="ja-JP" altLang="en-US" b="1" dirty="0">
+              <a:rPr lang="ja-JP" altLang="en-US" b="1">
                 <a:solidFill>
                   <a:schemeClr val="accent1"/>
                 </a:solidFill>
               </a:rPr>
-              <a:t>齋藤愛子）</a:t>
+              <a:t>柏倉颯太</a:t>
+            </a:r>
+            <a:r>
+              <a:rPr kumimoji="1" lang="ja-JP" altLang="en-US" b="1">
+                <a:solidFill>
+                  <a:schemeClr val="accent1"/>
+                </a:solidFill>
+              </a:rPr>
+              <a:t>）</a:t>
             </a:r>
           </a:p>
         </p:txBody>
@@ -10110,7 +10673,7 @@
             <a:pPr algn="ctr"/>
             <a:r>
               <a:rPr kumimoji="1" lang="ja-JP" altLang="en-US" dirty="0"/>
-              <a:t>担当機能</a:t>
+              <a:t>担当</a:t>
             </a:r>
           </a:p>
         </p:txBody>
@@ -10163,7 +10726,7 @@
           <a:p>
             <a:pPr algn="ctr"/>
             <a:r>
-              <a:rPr kumimoji="1" lang="ja-JP" altLang="en-US" sz="1600" dirty="0"/>
+              <a:rPr kumimoji="1" lang="ja-JP" altLang="en-US" sz="1600"/>
               <a:t>工夫点</a:t>
             </a:r>
           </a:p>
@@ -10217,7 +10780,7 @@
           <a:p>
             <a:pPr algn="ctr"/>
             <a:r>
-              <a:rPr kumimoji="1" lang="ja-JP" altLang="en-US" sz="1600" dirty="0"/>
+              <a:rPr kumimoji="1" lang="ja-JP" altLang="en-US" sz="1600"/>
               <a:t>今後に向けて</a:t>
             </a:r>
           </a:p>
@@ -10271,7 +10834,7 @@
           <a:p>
             <a:pPr algn="ctr"/>
             <a:r>
-              <a:rPr kumimoji="1" lang="ja-JP" altLang="en-US" sz="1600" dirty="0"/>
+              <a:rPr kumimoji="1" lang="ja-JP" altLang="en-US" sz="1600"/>
               <a:t>問題点</a:t>
             </a:r>
           </a:p>
@@ -10291,8 +10854,8 @@
         </p:nvSpPr>
         <p:spPr>
           <a:xfrm>
-            <a:off x="1175665" y="1891021"/>
-            <a:ext cx="10613564" cy="923330"/>
+            <a:off x="1175665" y="2076417"/>
+            <a:ext cx="10613564" cy="646331"/>
           </a:xfrm>
           <a:prstGeom prst="rect">
             <a:avLst/>
@@ -10312,35 +10875,25 @@
           </a:bodyPr>
           <a:lstStyle/>
           <a:p>
-            <a:r>
-              <a:rPr lang="en-US" altLang="ja-JP" dirty="0"/>
-              <a:t>- Issue</a:t>
-            </a:r>
-            <a:r>
-              <a:rPr lang="ja-JP" altLang="en-US" dirty="0"/>
-              <a:t>の登録し、簡単ものを修正</a:t>
-            </a:r>
-          </a:p>
-          <a:p>
-            <a:r>
-              <a:rPr lang="en-US" altLang="ja-JP" dirty="0"/>
-              <a:t>- DAO</a:t>
-            </a:r>
-            <a:r>
-              <a:rPr lang="ja-JP" altLang="en-US" dirty="0"/>
-              <a:t>の単体テスト仕様書の作成</a:t>
-            </a:r>
-          </a:p>
-          <a:p>
-            <a:r>
-              <a:rPr lang="en-US" altLang="ja-JP" dirty="0"/>
-              <a:t>- </a:t>
-            </a:r>
-            <a:r>
-              <a:rPr lang="ja-JP" altLang="en-US" dirty="0"/>
-              <a:t>総合テストの実施</a:t>
-            </a:r>
-            <a:endParaRPr kumimoji="1" lang="ja-JP" altLang="en-US" dirty="0"/>
+            <a:pPr marL="342900" indent="-342900">
+              <a:buFont typeface="+mj-lt"/>
+              <a:buAutoNum type="arabicPeriod"/>
+            </a:pPr>
+            <a:r>
+              <a:rPr kumimoji="1" lang="ja-JP" altLang="en-US" dirty="0"/>
+              <a:t>単体仕様書</a:t>
+            </a:r>
+            <a:endParaRPr kumimoji="1" lang="en-US" altLang="ja-JP" dirty="0"/>
+          </a:p>
+          <a:p>
+            <a:pPr marL="342900" indent="-342900">
+              <a:buFont typeface="+mj-lt"/>
+              <a:buAutoNum type="arabicPeriod"/>
+            </a:pPr>
+            <a:r>
+              <a:rPr kumimoji="1" lang="ja-JP" altLang="en-US" dirty="0"/>
+              <a:t>結合仕様書の作成</a:t>
+            </a:r>
           </a:p>
         </p:txBody>
       </p:sp>
@@ -10358,8 +10911,8 @@
         </p:nvSpPr>
         <p:spPr>
           <a:xfrm>
-            <a:off x="1175665" y="3170459"/>
-            <a:ext cx="10613564" cy="369332"/>
+            <a:off x="1175665" y="3351778"/>
+            <a:ext cx="10613564" cy="646331"/>
           </a:xfrm>
           <a:prstGeom prst="rect">
             <a:avLst/>
@@ -10379,13 +10932,24 @@
           </a:bodyPr>
           <a:lstStyle/>
           <a:p>
-            <a:r>
-              <a:rPr lang="en-US" altLang="ja-JP" dirty="0"/>
-              <a:t>- </a:t>
-            </a:r>
-            <a:r>
-              <a:rPr lang="ja-JP" altLang="en-US" dirty="0"/>
-              <a:t>単体テスト仕様書を、他のメンバーにも理解しやすいように意識して記述した</a:t>
+            <a:pPr marL="342900" indent="-342900">
+              <a:buFont typeface="+mj-lt"/>
+              <a:buAutoNum type="arabicPeriod"/>
+            </a:pPr>
+            <a:r>
+              <a:rPr kumimoji="1" lang="ja-JP" altLang="en-US" dirty="0"/>
+              <a:t>境界値の設定</a:t>
+            </a:r>
+            <a:endParaRPr kumimoji="1" lang="en-US" altLang="ja-JP" dirty="0"/>
+          </a:p>
+          <a:p>
+            <a:pPr marL="342900" indent="-342900">
+              <a:buFont typeface="+mj-lt"/>
+              <a:buAutoNum type="arabicPeriod"/>
+            </a:pPr>
+            <a:r>
+              <a:rPr kumimoji="1" lang="ja-JP" altLang="en-US" dirty="0"/>
+              <a:t>読み手が理解しやすいレイアウトにすること</a:t>
             </a:r>
           </a:p>
         </p:txBody>
@@ -10404,8 +10968,8 @@
         </p:nvSpPr>
         <p:spPr>
           <a:xfrm>
-            <a:off x="1175665" y="5740029"/>
-            <a:ext cx="10613564" cy="923330"/>
+            <a:off x="1175665" y="5629197"/>
+            <a:ext cx="10613564" cy="646331"/>
           </a:xfrm>
           <a:prstGeom prst="rect">
             <a:avLst/>
@@ -10425,26 +10989,25 @@
           </a:bodyPr>
           <a:lstStyle/>
           <a:p>
-            <a:pPr marL="285750" indent="-285750">
-              <a:buFontTx/>
-              <a:buChar char="-"/>
+            <a:pPr marL="342900" indent="-342900">
+              <a:buFont typeface="+mj-lt"/>
+              <a:buAutoNum type="arabicPeriod"/>
             </a:pPr>
             <a:r>
               <a:rPr lang="ja-JP" altLang="en-US" dirty="0"/>
-              <a:t>コミットコメントが分かりづらく、履歴をたどるのが困難だったため、今後はもっと意味のあるコメントを意識したい</a:t>
+              <a:t>求められているものが分からないかった場合、言葉の定義・範囲から確認する。</a:t>
             </a:r>
             <a:endParaRPr lang="en-US" altLang="ja-JP" dirty="0"/>
           </a:p>
           <a:p>
-            <a:pPr marL="285750" indent="-285750">
-              <a:buFontTx/>
-              <a:buChar char="-"/>
+            <a:pPr marL="342900" indent="-342900">
+              <a:buFont typeface="+mj-lt"/>
+              <a:buAutoNum type="arabicPeriod"/>
             </a:pPr>
             <a:r>
-              <a:rPr lang="ja-JP" altLang="en-US" dirty="0"/>
-              <a:t>今後リーダーをやるときは完璧じゃなくても、方向性を持てるように意識したい</a:t>
-            </a:r>
-            <a:endParaRPr lang="en-US" altLang="ja-JP" dirty="0"/>
+              <a:rPr kumimoji="1" lang="ja-JP" altLang="en-US" dirty="0"/>
+              <a:t>参照する資料が多くて、どこに載っている情報なのかわからなくなってしまったので、メモする。</a:t>
+            </a:r>
           </a:p>
         </p:txBody>
       </p:sp>
@@ -10462,8 +11025,8 @@
         </p:nvSpPr>
         <p:spPr>
           <a:xfrm>
-            <a:off x="1175665" y="4406126"/>
-            <a:ext cx="10613564" cy="1200329"/>
+            <a:off x="1175665" y="4561299"/>
+            <a:ext cx="10613564" cy="646331"/>
           </a:xfrm>
           <a:prstGeom prst="rect">
             <a:avLst/>
@@ -10483,92 +11046,28 @@
           </a:bodyPr>
           <a:lstStyle/>
           <a:p>
+            <a:pPr marL="342900" indent="-342900">
+              <a:buFont typeface="+mj-lt"/>
+              <a:buAutoNum type="arabicPeriod"/>
+            </a:pPr>
+            <a:r>
+              <a:rPr lang="ja-JP" altLang="en-US" dirty="0"/>
+              <a:t>テスト項目、テスト検証の意味を正しく理解できていなかった。</a:t>
+            </a:r>
+            <a:endParaRPr lang="en-US" altLang="ja-JP" dirty="0"/>
+          </a:p>
+          <a:p>
+            <a:pPr marL="342900" indent="-342900">
+              <a:buFont typeface="+mj-lt"/>
+              <a:buAutoNum type="arabicPeriod"/>
+            </a:pPr>
             <a:r>
               <a:rPr lang="en-US" altLang="ja-JP" dirty="0"/>
-              <a:t>- GitHub</a:t>
+              <a:t>GitHub</a:t>
             </a:r>
             <a:r>
               <a:rPr lang="ja-JP" altLang="en-US" dirty="0"/>
-              <a:t>やコマンドの使い方に苦戦し、初日は作業に入るまで時間がかかってしまった</a:t>
-            </a:r>
-          </a:p>
-          <a:p>
-            <a:pPr marL="285750" indent="-285750">
-              <a:buFontTx/>
-              <a:buChar char="-"/>
-            </a:pPr>
-            <a:r>
-              <a:rPr lang="ja-JP" altLang="en-US" dirty="0"/>
-              <a:t>他メンバーの時間を奪ってしまった反省から、メモ帳で操作を整理して、</a:t>
-            </a:r>
-            <a:r>
-              <a:rPr lang="en-US" altLang="ja-JP" dirty="0"/>
-              <a:t>2</a:t>
-            </a:r>
-            <a:r>
-              <a:rPr lang="ja-JP" altLang="en-US" dirty="0"/>
-              <a:t>日目以降はスムーズに進められるよう工夫した</a:t>
-            </a:r>
-            <a:endParaRPr lang="en-US" altLang="ja-JP" dirty="0"/>
-          </a:p>
-          <a:p>
-            <a:pPr marL="285750" indent="-285750">
-              <a:buFontTx/>
-              <a:buChar char="-"/>
-            </a:pPr>
-            <a:r>
-              <a:rPr lang="ja-JP" altLang="en-US" dirty="0"/>
-              <a:t>メンバーが積極的に動いてくれたので助かったが、リーダーとしての動きはできていなかった</a:t>
-            </a:r>
-            <a:endParaRPr lang="en-US" altLang="ja-JP" dirty="0"/>
-          </a:p>
-        </p:txBody>
-      </p:sp>
-      <p:sp>
-        <p:nvSpPr>
-          <p:cNvPr id="4" name="リボン: 上に曲がる 3">
-            <a:extLst>
-              <a:ext uri="{FF2B5EF4-FFF2-40B4-BE49-F238E27FC236}">
-                <a16:creationId xmlns:a16="http://schemas.microsoft.com/office/drawing/2014/main" id="{54402D5F-6922-DD10-0F53-D4F6EFD90017}"/>
-              </a:ext>
-            </a:extLst>
-          </p:cNvPr>
-          <p:cNvSpPr/>
-          <p:nvPr/>
-        </p:nvSpPr>
-        <p:spPr>
-          <a:xfrm>
-            <a:off x="7805057" y="557280"/>
-            <a:ext cx="3069772" cy="566116"/>
-          </a:xfrm>
-          <a:prstGeom prst="ribbon2">
-            <a:avLst/>
-          </a:prstGeom>
-        </p:spPr>
-        <p:style>
-          <a:lnRef idx="2">
-            <a:schemeClr val="accent1">
-              <a:shade val="15000"/>
-            </a:schemeClr>
-          </a:lnRef>
-          <a:fillRef idx="1">
-            <a:schemeClr val="accent1"/>
-          </a:fillRef>
-          <a:effectRef idx="0">
-            <a:schemeClr val="accent1"/>
-          </a:effectRef>
-          <a:fontRef idx="minor">
-            <a:schemeClr val="lt1"/>
-          </a:fontRef>
-        </p:style>
-        <p:txBody>
-          <a:bodyPr rtlCol="0" anchor="ctr"/>
-          <a:lstStyle/>
-          <a:p>
-            <a:pPr algn="ctr"/>
-            <a:r>
-              <a:rPr kumimoji="1" lang="ja-JP" altLang="en-US" dirty="0"/>
-              <a:t>リーダー</a:t>
+              <a:t>の使い方、コマンドを把握していなかった。</a:t>
             </a:r>
           </a:p>
         </p:txBody>
@@ -10576,7 +11075,7 @@
     </p:spTree>
     <p:extLst>
       <p:ext uri="{BB962C8B-B14F-4D97-AF65-F5344CB8AC3E}">
-        <p14:creationId xmlns:p14="http://schemas.microsoft.com/office/powerpoint/2010/main" val="951355382"/>
+        <p14:creationId xmlns:p14="http://schemas.microsoft.com/office/powerpoint/2010/main" val="3155644942"/>
       </p:ext>
     </p:extLst>
   </p:cSld>
@@ -10653,23 +11152,15 @@
                   <a:schemeClr val="accent1"/>
                 </a:solidFill>
               </a:rPr>
-              <a:t>W7371_</a:t>
-            </a:r>
-            <a:r>
-              <a:rPr lang="ja-JP" altLang="en-US" b="1" dirty="0">
+              <a:t>W7374_</a:t>
+            </a:r>
+            <a:r>
+              <a:rPr kumimoji="1" lang="ja-JP" altLang="en-US" b="1" dirty="0">
                 <a:solidFill>
                   <a:schemeClr val="accent1"/>
                 </a:solidFill>
               </a:rPr>
-              <a:t>原拓弓</a:t>
-            </a:r>
-            <a:r>
-              <a:rPr kumimoji="1" lang="ja-JP" altLang="en-US" b="1" dirty="0">
-                <a:solidFill>
-                  <a:schemeClr val="accent1"/>
-                </a:solidFill>
-              </a:rPr>
-              <a:t>）</a:t>
+              <a:t>棟方勇志）</a:t>
             </a:r>
           </a:p>
         </p:txBody>
@@ -10688,7 +11179,7 @@
         </p:nvSpPr>
         <p:spPr>
           <a:xfrm>
-            <a:off x="97975" y="1891021"/>
+            <a:off x="97975" y="1861290"/>
             <a:ext cx="859979" cy="983776"/>
           </a:xfrm>
           <a:prstGeom prst="rect">
@@ -10720,38 +11211,9 @@
           <a:bodyPr rtlCol="0" anchor="ctr"/>
           <a:lstStyle/>
           <a:p>
-            <a:pPr marL="0" marR="0" lvl="0" indent="0" algn="ctr" defTabSz="914400" rtl="0" eaLnBrk="1" fontAlgn="auto" latinLnBrk="0" hangingPunct="1">
-              <a:lnSpc>
-                <a:spcPct val="100000"/>
-              </a:lnSpc>
-              <a:spcBef>
-                <a:spcPts val="0"/>
-              </a:spcBef>
-              <a:spcAft>
-                <a:spcPts val="0"/>
-              </a:spcAft>
-              <a:buClrTx/>
-              <a:buSzTx/>
-              <a:buFontTx/>
-              <a:buNone/>
-              <a:tabLst/>
-              <a:defRPr/>
-            </a:pPr>
-            <a:r>
-              <a:rPr kumimoji="1" lang="ja-JP" altLang="en-US" sz="1800" b="0" i="0" u="none" strike="noStrike" kern="1200" cap="none" spc="0" normalizeH="0" baseline="0" noProof="0" dirty="0">
-                <a:ln>
-                  <a:noFill/>
-                </a:ln>
-                <a:solidFill>
-                  <a:prstClr val="white"/>
-                </a:solidFill>
-                <a:effectLst/>
-                <a:uLnTx/>
-                <a:uFillTx/>
-                <a:latin typeface="游ゴシック" panose="02110004020202020204"/>
-                <a:ea typeface="游ゴシック" panose="020B0400000000000000" pitchFamily="50" charset="-128"/>
-                <a:cs typeface="+mn-cs"/>
-              </a:rPr>
+            <a:pPr algn="ctr"/>
+            <a:r>
+              <a:rPr kumimoji="1" lang="ja-JP" altLang="en-US" dirty="0"/>
               <a:t>担当</a:t>
             </a:r>
           </a:p>
@@ -10771,7 +11233,7 @@
         </p:nvSpPr>
         <p:spPr>
           <a:xfrm>
-            <a:off x="97975" y="3183056"/>
+            <a:off x="97975" y="3151881"/>
             <a:ext cx="859979" cy="983776"/>
           </a:xfrm>
           <a:prstGeom prst="rect">
@@ -10803,38 +11265,9 @@
           <a:bodyPr rtlCol="0" anchor="ctr"/>
           <a:lstStyle/>
           <a:p>
-            <a:pPr marL="0" marR="0" lvl="0" indent="0" algn="ctr" defTabSz="914400" rtl="0" eaLnBrk="1" fontAlgn="auto" latinLnBrk="0" hangingPunct="1">
-              <a:lnSpc>
-                <a:spcPct val="100000"/>
-              </a:lnSpc>
-              <a:spcBef>
-                <a:spcPts val="0"/>
-              </a:spcBef>
-              <a:spcAft>
-                <a:spcPts val="0"/>
-              </a:spcAft>
-              <a:buClrTx/>
-              <a:buSzTx/>
-              <a:buFontTx/>
-              <a:buNone/>
-              <a:tabLst/>
-              <a:defRPr/>
-            </a:pPr>
-            <a:r>
-              <a:rPr kumimoji="1" lang="ja-JP" altLang="en-US" sz="1600" b="0" i="0" u="none" strike="noStrike" kern="1200" cap="none" spc="0" normalizeH="0" baseline="0" noProof="0" dirty="0">
-                <a:ln>
-                  <a:noFill/>
-                </a:ln>
-                <a:solidFill>
-                  <a:prstClr val="white"/>
-                </a:solidFill>
-                <a:effectLst/>
-                <a:uLnTx/>
-                <a:uFillTx/>
-                <a:latin typeface="游ゴシック" panose="02110004020202020204"/>
-                <a:ea typeface="游ゴシック" panose="020B0400000000000000" pitchFamily="50" charset="-128"/>
-                <a:cs typeface="+mn-cs"/>
-              </a:rPr>
+            <a:pPr algn="ctr"/>
+            <a:r>
+              <a:rPr kumimoji="1" lang="ja-JP" altLang="en-US" sz="1600" dirty="0"/>
               <a:t>工夫点</a:t>
             </a:r>
           </a:p>
@@ -10886,38 +11319,9 @@
           <a:bodyPr rtlCol="0" anchor="ctr"/>
           <a:lstStyle/>
           <a:p>
-            <a:pPr marL="0" marR="0" lvl="0" indent="0" algn="ctr" defTabSz="914400" rtl="0" eaLnBrk="1" fontAlgn="auto" latinLnBrk="0" hangingPunct="1">
-              <a:lnSpc>
-                <a:spcPct val="100000"/>
-              </a:lnSpc>
-              <a:spcBef>
-                <a:spcPts val="0"/>
-              </a:spcBef>
-              <a:spcAft>
-                <a:spcPts val="0"/>
-              </a:spcAft>
-              <a:buClrTx/>
-              <a:buSzTx/>
-              <a:buFontTx/>
-              <a:buNone/>
-              <a:tabLst/>
-              <a:defRPr/>
-            </a:pPr>
-            <a:r>
-              <a:rPr kumimoji="1" lang="ja-JP" altLang="en-US" sz="1600" b="0" i="0" u="none" strike="noStrike" kern="1200" cap="none" spc="0" normalizeH="0" baseline="0" noProof="0" dirty="0">
-                <a:ln>
-                  <a:noFill/>
-                </a:ln>
-                <a:solidFill>
-                  <a:prstClr val="white"/>
-                </a:solidFill>
-                <a:effectLst/>
-                <a:uLnTx/>
-                <a:uFillTx/>
-                <a:latin typeface="游ゴシック" panose="02110004020202020204"/>
-                <a:ea typeface="游ゴシック" panose="020B0400000000000000" pitchFamily="50" charset="-128"/>
-                <a:cs typeface="+mn-cs"/>
-              </a:rPr>
+            <a:pPr algn="ctr"/>
+            <a:r>
+              <a:rPr kumimoji="1" lang="ja-JP" altLang="en-US" sz="1600" dirty="0"/>
               <a:t>今後に向けて</a:t>
             </a:r>
           </a:p>
@@ -10969,38 +11373,9 @@
           <a:bodyPr rtlCol="0" anchor="ctr"/>
           <a:lstStyle/>
           <a:p>
-            <a:pPr marL="0" marR="0" lvl="0" indent="0" algn="ctr" defTabSz="914400" rtl="0" eaLnBrk="1" fontAlgn="auto" latinLnBrk="0" hangingPunct="1">
-              <a:lnSpc>
-                <a:spcPct val="100000"/>
-              </a:lnSpc>
-              <a:spcBef>
-                <a:spcPts val="0"/>
-              </a:spcBef>
-              <a:spcAft>
-                <a:spcPts val="0"/>
-              </a:spcAft>
-              <a:buClrTx/>
-              <a:buSzTx/>
-              <a:buFontTx/>
-              <a:buNone/>
-              <a:tabLst/>
-              <a:defRPr/>
-            </a:pPr>
-            <a:r>
-              <a:rPr kumimoji="1" lang="ja-JP" altLang="en-US" sz="1600" b="0" i="0" u="none" strike="noStrike" kern="1200" cap="none" spc="0" normalizeH="0" baseline="0" noProof="0" dirty="0">
-                <a:ln>
-                  <a:noFill/>
-                </a:ln>
-                <a:solidFill>
-                  <a:prstClr val="white"/>
-                </a:solidFill>
-                <a:effectLst/>
-                <a:uLnTx/>
-                <a:uFillTx/>
-                <a:latin typeface="游ゴシック" panose="02110004020202020204"/>
-                <a:ea typeface="游ゴシック" panose="020B0400000000000000" pitchFamily="50" charset="-128"/>
-                <a:cs typeface="+mn-cs"/>
-              </a:rPr>
+            <a:pPr algn="ctr"/>
+            <a:r>
+              <a:rPr kumimoji="1" lang="ja-JP" altLang="en-US" sz="1600" dirty="0"/>
               <a:t>問題点</a:t>
             </a:r>
           </a:p>
@@ -11008,10 +11383,10 @@
       </p:sp>
       <p:sp>
         <p:nvSpPr>
-          <p:cNvPr id="3" name="テキスト ボックス 2">
-            <a:extLst>
-              <a:ext uri="{FF2B5EF4-FFF2-40B4-BE49-F238E27FC236}">
-                <a16:creationId xmlns:a16="http://schemas.microsoft.com/office/drawing/2014/main" id="{E403434A-6FE5-5429-D2A9-6DA2B6BD8696}"/>
+          <p:cNvPr id="5" name="テキスト ボックス 4">
+            <a:extLst>
+              <a:ext uri="{FF2B5EF4-FFF2-40B4-BE49-F238E27FC236}">
+                <a16:creationId xmlns:a16="http://schemas.microsoft.com/office/drawing/2014/main" id="{64E2A502-3C56-159B-5AEE-AF3966FA04F7}"/>
               </a:ext>
             </a:extLst>
           </p:cNvPr>
@@ -11020,8 +11395,8 @@
         </p:nvSpPr>
         <p:spPr>
           <a:xfrm>
-            <a:off x="1175665" y="1891021"/>
-            <a:ext cx="10613564" cy="646331"/>
+            <a:off x="1175665" y="3126688"/>
+            <a:ext cx="10613564" cy="1008969"/>
           </a:xfrm>
           <a:prstGeom prst="rect">
             <a:avLst/>
@@ -11041,238 +11416,16 @@
           </a:bodyPr>
           <a:lstStyle/>
           <a:p>
-            <a:pPr marL="0" marR="0" lvl="0" indent="0" algn="l" defTabSz="914400" rtl="0" eaLnBrk="1" fontAlgn="auto" latinLnBrk="0" hangingPunct="1">
-              <a:lnSpc>
-                <a:spcPct val="100000"/>
-              </a:lnSpc>
-              <a:spcBef>
-                <a:spcPts val="0"/>
-              </a:spcBef>
-              <a:spcAft>
-                <a:spcPts val="0"/>
-              </a:spcAft>
-              <a:buClrTx/>
-              <a:buSzTx/>
-              <a:buFontTx/>
-              <a:buNone/>
-              <a:tabLst/>
-              <a:defRPr/>
-            </a:pPr>
-            <a:r>
-              <a:rPr kumimoji="1" lang="ja-JP" altLang="en-US" sz="1800" b="0" i="0" u="none" strike="noStrike" kern="1200" cap="none" spc="0" normalizeH="0" baseline="0" noProof="0" dirty="0">
-                <a:ln>
-                  <a:noFill/>
-                </a:ln>
-                <a:solidFill>
-                  <a:prstClr val="black"/>
-                </a:solidFill>
-                <a:effectLst/>
-                <a:uLnTx/>
-                <a:uFillTx/>
-                <a:latin typeface="游ゴシック" panose="02110004020202020204"/>
-                <a:ea typeface="游ゴシック" panose="020B0400000000000000" pitchFamily="50" charset="-128"/>
-                <a:cs typeface="+mn-cs"/>
-              </a:rPr>
-              <a:t>１</a:t>
-            </a:r>
-            <a:r>
-              <a:rPr kumimoji="1" lang="en-US" altLang="ja-JP" sz="1800" b="0" i="0" u="none" strike="noStrike" kern="1200" cap="none" spc="0" normalizeH="0" baseline="0" noProof="0" dirty="0">
-                <a:ln>
-                  <a:noFill/>
-                </a:ln>
-                <a:solidFill>
-                  <a:prstClr val="black"/>
-                </a:solidFill>
-                <a:effectLst/>
-                <a:uLnTx/>
-                <a:uFillTx/>
-                <a:latin typeface="游ゴシック" panose="02110004020202020204"/>
-                <a:ea typeface="游ゴシック" panose="020B0400000000000000" pitchFamily="50" charset="-128"/>
-                <a:cs typeface="+mn-cs"/>
-              </a:rPr>
-              <a:t>.</a:t>
-            </a:r>
-            <a:r>
-              <a:rPr kumimoji="1" lang="ja-JP" altLang="en-US" sz="1800" b="0" i="0" u="none" strike="noStrike" kern="1200" cap="none" spc="0" normalizeH="0" baseline="0" noProof="0" dirty="0">
-                <a:ln>
-                  <a:noFill/>
-                </a:ln>
-                <a:solidFill>
-                  <a:prstClr val="black"/>
-                </a:solidFill>
-                <a:effectLst/>
-                <a:uLnTx/>
-                <a:uFillTx/>
-                <a:latin typeface="游ゴシック" panose="02110004020202020204"/>
-                <a:ea typeface="游ゴシック" panose="020B0400000000000000" pitchFamily="50" charset="-128"/>
-                <a:cs typeface="+mn-cs"/>
-              </a:rPr>
-              <a:t>修正作業</a:t>
-            </a:r>
-            <a:r>
-              <a:rPr kumimoji="1" lang="en-US" altLang="ja-JP" sz="1800" b="0" i="0" u="none" strike="noStrike" kern="1200" cap="none" spc="0" normalizeH="0" baseline="0" noProof="0" dirty="0">
-                <a:ln>
-                  <a:noFill/>
-                </a:ln>
-                <a:solidFill>
-                  <a:prstClr val="black"/>
-                </a:solidFill>
-                <a:effectLst/>
-                <a:uLnTx/>
-                <a:uFillTx/>
-                <a:latin typeface="游ゴシック" panose="02110004020202020204"/>
-                <a:ea typeface="游ゴシック" panose="020B0400000000000000" pitchFamily="50" charset="-128"/>
-                <a:cs typeface="+mn-cs"/>
-              </a:rPr>
-              <a:t>(</a:t>
-            </a:r>
-            <a:r>
-              <a:rPr kumimoji="1" lang="ja-JP" altLang="en-US" sz="1800" b="0" i="0" u="none" strike="noStrike" kern="1200" cap="none" spc="0" normalizeH="0" baseline="0" noProof="0" dirty="0">
-                <a:ln>
-                  <a:noFill/>
-                </a:ln>
-                <a:solidFill>
-                  <a:prstClr val="black"/>
-                </a:solidFill>
-                <a:effectLst/>
-                <a:uLnTx/>
-                <a:uFillTx/>
-                <a:latin typeface="游ゴシック" panose="02110004020202020204"/>
-                <a:ea typeface="游ゴシック" panose="020B0400000000000000" pitchFamily="50" charset="-128"/>
-                <a:cs typeface="+mn-cs"/>
-              </a:rPr>
-              <a:t>経費申請画面のコード修正・エラーメッセージの修正</a:t>
-            </a:r>
-            <a:r>
-              <a:rPr kumimoji="1" lang="en-US" altLang="ja-JP" sz="1800" b="0" i="0" u="none" strike="noStrike" kern="1200" cap="none" spc="0" normalizeH="0" baseline="0" noProof="0" dirty="0">
-                <a:ln>
-                  <a:noFill/>
-                </a:ln>
-                <a:solidFill>
-                  <a:prstClr val="black"/>
-                </a:solidFill>
-                <a:effectLst/>
-                <a:uLnTx/>
-                <a:uFillTx/>
-                <a:latin typeface="游ゴシック" panose="02110004020202020204"/>
-                <a:ea typeface="游ゴシック" panose="020B0400000000000000" pitchFamily="50" charset="-128"/>
-                <a:cs typeface="+mn-cs"/>
-              </a:rPr>
-              <a:t>)</a:t>
-            </a:r>
-          </a:p>
-          <a:p>
-            <a:pPr marL="0" marR="0" lvl="0" indent="0" algn="l" defTabSz="914400" rtl="0" eaLnBrk="1" fontAlgn="auto" latinLnBrk="0" hangingPunct="1">
-              <a:lnSpc>
-                <a:spcPct val="100000"/>
-              </a:lnSpc>
-              <a:spcBef>
-                <a:spcPts val="0"/>
-              </a:spcBef>
-              <a:spcAft>
-                <a:spcPts val="0"/>
-              </a:spcAft>
-              <a:buClrTx/>
-              <a:buSzTx/>
-              <a:buFontTx/>
-              <a:buNone/>
-              <a:tabLst/>
-              <a:defRPr/>
-            </a:pPr>
-            <a:r>
-              <a:rPr kumimoji="1" lang="ja-JP" altLang="en-US" sz="1800" b="0" i="0" u="none" strike="noStrike" kern="1200" cap="none" spc="0" normalizeH="0" baseline="0" noProof="0" dirty="0">
-                <a:ln>
-                  <a:noFill/>
-                </a:ln>
-                <a:solidFill>
-                  <a:prstClr val="black"/>
-                </a:solidFill>
-                <a:effectLst/>
-                <a:uLnTx/>
-                <a:uFillTx/>
-                <a:latin typeface="游ゴシック" panose="02110004020202020204"/>
-                <a:ea typeface="游ゴシック" panose="020B0400000000000000" pitchFamily="50" charset="-128"/>
-                <a:cs typeface="+mn-cs"/>
-              </a:rPr>
-              <a:t>２．単体テストコード作成（</a:t>
-            </a:r>
-            <a:r>
-              <a:rPr kumimoji="1" lang="en-US" altLang="ja-JP" sz="1800" b="0" i="0" u="none" strike="noStrike" kern="1200" cap="none" spc="0" normalizeH="0" baseline="0" noProof="0" dirty="0" err="1">
-                <a:ln>
-                  <a:noFill/>
-                </a:ln>
-                <a:solidFill>
-                  <a:prstClr val="black"/>
-                </a:solidFill>
-                <a:effectLst/>
-                <a:uLnTx/>
-                <a:uFillTx/>
-                <a:latin typeface="游ゴシック" panose="02110004020202020204"/>
-                <a:ea typeface="游ゴシック" panose="020B0400000000000000" pitchFamily="50" charset="-128"/>
-                <a:cs typeface="+mn-cs"/>
-              </a:rPr>
-              <a:t>LoginService</a:t>
-            </a:r>
-            <a:r>
-              <a:rPr kumimoji="1" lang="ja-JP" altLang="en-US" sz="1800" b="0" i="0" u="none" strike="noStrike" kern="1200" cap="none" spc="0" normalizeH="0" baseline="0" noProof="0" dirty="0">
-                <a:ln>
-                  <a:noFill/>
-                </a:ln>
-                <a:solidFill>
-                  <a:prstClr val="black"/>
-                </a:solidFill>
-                <a:effectLst/>
-                <a:uLnTx/>
-                <a:uFillTx/>
-                <a:latin typeface="游ゴシック" panose="02110004020202020204"/>
-                <a:ea typeface="游ゴシック" panose="020B0400000000000000" pitchFamily="50" charset="-128"/>
-                <a:cs typeface="+mn-cs"/>
-              </a:rPr>
-              <a:t>と</a:t>
-            </a:r>
-            <a:r>
-              <a:rPr kumimoji="1" lang="en-US" altLang="ja-JP" sz="1800" b="0" i="0" u="none" strike="noStrike" kern="1200" cap="none" spc="0" normalizeH="0" baseline="0" noProof="0" dirty="0" err="1">
-                <a:ln>
-                  <a:noFill/>
-                </a:ln>
-                <a:solidFill>
-                  <a:prstClr val="black"/>
-                </a:solidFill>
-                <a:effectLst/>
-                <a:uLnTx/>
-                <a:uFillTx/>
-                <a:latin typeface="游ゴシック" panose="02110004020202020204"/>
-                <a:ea typeface="游ゴシック" panose="020B0400000000000000" pitchFamily="50" charset="-128"/>
-                <a:cs typeface="+mn-cs"/>
-              </a:rPr>
-              <a:t>ExpenseApplicationService</a:t>
-            </a:r>
-            <a:r>
-              <a:rPr kumimoji="1" lang="ja-JP" altLang="en-US" sz="1800" b="0" i="0" u="none" strike="noStrike" kern="1200" cap="none" spc="0" normalizeH="0" baseline="0" noProof="0" dirty="0">
-                <a:ln>
-                  <a:noFill/>
-                </a:ln>
-                <a:solidFill>
-                  <a:prstClr val="black"/>
-                </a:solidFill>
-                <a:effectLst/>
-                <a:uLnTx/>
-                <a:uFillTx/>
-                <a:latin typeface="游ゴシック" panose="02110004020202020204"/>
-                <a:ea typeface="游ゴシック" panose="020B0400000000000000" pitchFamily="50" charset="-128"/>
-                <a:cs typeface="+mn-cs"/>
-              </a:rPr>
-              <a:t>のテストコード作成）</a:t>
-            </a:r>
-          </a:p>
-        </p:txBody>
-      </p:sp>
-      <p:sp>
-        <p:nvSpPr>
-          <p:cNvPr id="5" name="テキスト ボックス 4">
-            <a:extLst>
-              <a:ext uri="{FF2B5EF4-FFF2-40B4-BE49-F238E27FC236}">
-                <a16:creationId xmlns:a16="http://schemas.microsoft.com/office/drawing/2014/main" id="{64E2A502-3C56-159B-5AEE-AF3966FA04F7}"/>
+            <a:endParaRPr kumimoji="1" lang="ja-JP" altLang="en-US" dirty="0"/>
+          </a:p>
+        </p:txBody>
+      </p:sp>
+      <p:sp>
+        <p:nvSpPr>
+          <p:cNvPr id="8" name="テキスト ボックス 7">
+            <a:extLst>
+              <a:ext uri="{FF2B5EF4-FFF2-40B4-BE49-F238E27FC236}">
+                <a16:creationId xmlns:a16="http://schemas.microsoft.com/office/drawing/2014/main" id="{101EF969-3635-C773-1064-6D217F6117E3}"/>
               </a:ext>
             </a:extLst>
           </p:cNvPr>
@@ -11281,8 +11434,8 @@
         </p:nvSpPr>
         <p:spPr>
           <a:xfrm>
-            <a:off x="1175665" y="3170459"/>
-            <a:ext cx="10613564" cy="646331"/>
+            <a:off x="1175665" y="4406126"/>
+            <a:ext cx="10613564" cy="923330"/>
           </a:xfrm>
           <a:prstGeom prst="rect">
             <a:avLst/>
@@ -11302,130 +11455,53 @@
           </a:bodyPr>
           <a:lstStyle/>
           <a:p>
-            <a:pPr marL="0" marR="0" lvl="0" indent="0" algn="l" defTabSz="914400" rtl="0" eaLnBrk="1" fontAlgn="auto" latinLnBrk="0" hangingPunct="1">
-              <a:lnSpc>
-                <a:spcPct val="100000"/>
-              </a:lnSpc>
-              <a:spcBef>
-                <a:spcPts val="0"/>
-              </a:spcBef>
-              <a:spcAft>
-                <a:spcPts val="0"/>
-              </a:spcAft>
-              <a:buClrTx/>
-              <a:buSzTx/>
-              <a:buFontTx/>
-              <a:buNone/>
-              <a:tabLst/>
-              <a:defRPr/>
+            <a:pPr marL="342900" indent="-342900">
+              <a:buFont typeface="+mj-lt"/>
+              <a:buAutoNum type="arabicPeriod"/>
             </a:pPr>
             <a:r>
-              <a:rPr kumimoji="1" lang="ja-JP" altLang="en-US" sz="1800" b="0" i="0" u="none" strike="noStrike" kern="1200" cap="none" spc="0" normalizeH="0" baseline="0" noProof="0" dirty="0">
-                <a:ln>
-                  <a:noFill/>
-                </a:ln>
-                <a:solidFill>
-                  <a:prstClr val="black"/>
-                </a:solidFill>
-                <a:effectLst/>
-                <a:uLnTx/>
-                <a:uFillTx/>
-                <a:latin typeface="游ゴシック" panose="02110004020202020204"/>
-                <a:ea typeface="游ゴシック" panose="020B0400000000000000" pitchFamily="50" charset="-128"/>
-                <a:cs typeface="+mn-cs"/>
-              </a:rPr>
-              <a:t>１．</a:t>
-            </a:r>
-            <a:r>
-              <a:rPr kumimoji="1" lang="en-US" altLang="ja-JP" sz="1800" b="0" i="0" u="none" strike="noStrike" kern="1200" cap="none" spc="0" normalizeH="0" baseline="0" noProof="0" dirty="0" err="1">
-                <a:ln>
-                  <a:noFill/>
-                </a:ln>
-                <a:solidFill>
-                  <a:prstClr val="black"/>
-                </a:solidFill>
-                <a:effectLst/>
-                <a:uLnTx/>
-                <a:uFillTx/>
-                <a:latin typeface="游ゴシック" panose="02110004020202020204"/>
-                <a:ea typeface="游ゴシック" panose="020B0400000000000000" pitchFamily="50" charset="-128"/>
-                <a:cs typeface="+mn-cs"/>
-              </a:rPr>
-              <a:t>gitHub</a:t>
-            </a:r>
-            <a:r>
-              <a:rPr kumimoji="1" lang="ja-JP" altLang="en-US" sz="1800" b="0" i="0" u="none" strike="noStrike" kern="1200" cap="none" spc="0" normalizeH="0" baseline="0" noProof="0" dirty="0">
-                <a:ln>
-                  <a:noFill/>
-                </a:ln>
-                <a:solidFill>
-                  <a:prstClr val="black"/>
-                </a:solidFill>
-                <a:effectLst/>
-                <a:uLnTx/>
-                <a:uFillTx/>
-                <a:latin typeface="游ゴシック" panose="02110004020202020204"/>
-                <a:ea typeface="游ゴシック" panose="020B0400000000000000" pitchFamily="50" charset="-128"/>
-                <a:cs typeface="+mn-cs"/>
-              </a:rPr>
-              <a:t>で問題が起きることを想定し、修正ポイント等をコメントに残しておいたこと</a:t>
-            </a:r>
-            <a:endParaRPr kumimoji="1" lang="en-US" altLang="ja-JP" sz="1800" b="0" i="0" u="none" strike="noStrike" kern="1200" cap="none" spc="0" normalizeH="0" baseline="0" noProof="0" dirty="0">
-              <a:ln>
-                <a:noFill/>
-              </a:ln>
-              <a:solidFill>
-                <a:prstClr val="black"/>
-              </a:solidFill>
-              <a:effectLst/>
-              <a:uLnTx/>
-              <a:uFillTx/>
-              <a:latin typeface="游ゴシック" panose="02110004020202020204"/>
-              <a:ea typeface="游ゴシック" panose="020B0400000000000000" pitchFamily="50" charset="-128"/>
-              <a:cs typeface="+mn-cs"/>
-            </a:endParaRPr>
-          </a:p>
-          <a:p>
-            <a:pPr marL="0" marR="0" lvl="0" indent="0" algn="l" defTabSz="914400" rtl="0" eaLnBrk="1" fontAlgn="auto" latinLnBrk="0" hangingPunct="1">
-              <a:lnSpc>
-                <a:spcPct val="100000"/>
-              </a:lnSpc>
-              <a:spcBef>
-                <a:spcPts val="0"/>
-              </a:spcBef>
-              <a:spcAft>
-                <a:spcPts val="0"/>
-              </a:spcAft>
-              <a:buClrTx/>
-              <a:buSzTx/>
-              <a:buFontTx/>
-              <a:buNone/>
-              <a:tabLst/>
-              <a:defRPr/>
+              <a:rPr lang="ja-JP" altLang="en-US" dirty="0"/>
+              <a:t>シーケンス図や</a:t>
+            </a:r>
+            <a:r>
+              <a:rPr lang="en-US" altLang="ja-JP" dirty="0"/>
+              <a:t>UML</a:t>
+            </a:r>
+            <a:r>
+              <a:rPr lang="ja-JP" altLang="en-US" dirty="0"/>
+              <a:t>図などがない状態でのコードリーディング</a:t>
+            </a:r>
+            <a:endParaRPr lang="en-US" altLang="ja-JP" dirty="0"/>
+          </a:p>
+          <a:p>
+            <a:pPr marL="342900" indent="-342900">
+              <a:buFont typeface="+mj-lt"/>
+              <a:buAutoNum type="arabicPeriod"/>
             </a:pPr>
-            <a:endParaRPr kumimoji="1" lang="en-US" altLang="ja-JP" sz="1800" b="0" i="0" u="none" strike="noStrike" kern="1200" cap="none" spc="0" normalizeH="0" baseline="0" noProof="0" dirty="0">
-              <a:ln>
-                <a:noFill/>
-              </a:ln>
-              <a:solidFill>
-                <a:prstClr val="black"/>
-              </a:solidFill>
-              <a:effectLst/>
-              <a:uLnTx/>
-              <a:uFillTx/>
-              <a:latin typeface="游ゴシック" panose="02110004020202020204"/>
-              <a:ea typeface="游ゴシック" panose="020B0400000000000000" pitchFamily="50" charset="-128"/>
-              <a:cs typeface="+mn-cs"/>
-            </a:endParaRPr>
-          </a:p>
-        </p:txBody>
-      </p:sp>
-      <p:sp>
-        <p:nvSpPr>
-          <p:cNvPr id="6" name="テキスト ボックス 5">
-            <a:extLst>
-              <a:ext uri="{FF2B5EF4-FFF2-40B4-BE49-F238E27FC236}">
-                <a16:creationId xmlns:a16="http://schemas.microsoft.com/office/drawing/2014/main" id="{B181314D-00BB-A8F3-114D-4E266855E44D}"/>
+            <a:r>
+              <a:rPr lang="ja-JP" altLang="en-US" dirty="0"/>
+              <a:t>講義を経て、スキルを理解できても身についていなかったこと</a:t>
+            </a:r>
+            <a:endParaRPr lang="en-US" altLang="ja-JP" dirty="0"/>
+          </a:p>
+          <a:p>
+            <a:pPr marL="342900" indent="-342900">
+              <a:buFont typeface="+mj-lt"/>
+              <a:buAutoNum type="arabicPeriod"/>
+            </a:pPr>
+            <a:r>
+              <a:rPr lang="ja-JP" altLang="en-US" dirty="0"/>
+              <a:t>誰から見てもテストを実装できる仕様書をかけなかったこと</a:t>
+            </a:r>
+          </a:p>
+        </p:txBody>
+      </p:sp>
+      <p:sp>
+        <p:nvSpPr>
+          <p:cNvPr id="13" name="テキスト ボックス 12">
+            <a:extLst>
+              <a:ext uri="{FF2B5EF4-FFF2-40B4-BE49-F238E27FC236}">
+                <a16:creationId xmlns:a16="http://schemas.microsoft.com/office/drawing/2014/main" id="{7AE21FAD-7D9E-327C-1817-946D83BF3D39}"/>
               </a:ext>
             </a:extLst>
           </p:cNvPr>
@@ -11434,8 +11510,8 @@
         </p:nvSpPr>
         <p:spPr>
           <a:xfrm>
-            <a:off x="1175665" y="5654390"/>
-            <a:ext cx="10613564" cy="646331"/>
+            <a:off x="1175665" y="5666986"/>
+            <a:ext cx="10613564" cy="1008969"/>
           </a:xfrm>
           <a:prstGeom prst="rect">
             <a:avLst/>
@@ -11455,133 +11531,16 @@
           </a:bodyPr>
           <a:lstStyle/>
           <a:p>
-            <a:pPr marL="0" marR="0" lvl="0" indent="0" algn="l" defTabSz="914400" rtl="0" eaLnBrk="1" fontAlgn="auto" latinLnBrk="0" hangingPunct="1">
-              <a:lnSpc>
-                <a:spcPct val="100000"/>
-              </a:lnSpc>
-              <a:spcBef>
-                <a:spcPts val="0"/>
-              </a:spcBef>
-              <a:spcAft>
-                <a:spcPts val="0"/>
-              </a:spcAft>
-              <a:buClrTx/>
-              <a:buSzTx/>
-              <a:buFontTx/>
-              <a:buNone/>
-              <a:tabLst/>
-              <a:defRPr/>
-            </a:pPr>
-            <a:r>
-              <a:rPr kumimoji="1" lang="ja-JP" altLang="en-US" sz="1800" b="0" i="0" u="none" strike="noStrike" kern="1200" cap="none" spc="0" normalizeH="0" baseline="0" noProof="0" dirty="0">
-                <a:ln>
-                  <a:noFill/>
-                </a:ln>
-                <a:solidFill>
-                  <a:prstClr val="black"/>
-                </a:solidFill>
-                <a:effectLst/>
-                <a:uLnTx/>
-                <a:uFillTx/>
-                <a:latin typeface="游ゴシック" panose="02110004020202020204"/>
-                <a:ea typeface="游ゴシック" panose="020B0400000000000000" pitchFamily="50" charset="-128"/>
-                <a:cs typeface="+mn-cs"/>
-              </a:rPr>
-              <a:t>１．</a:t>
-            </a:r>
-            <a:r>
-              <a:rPr kumimoji="1" lang="en-US" altLang="ja-JP" sz="1800" b="0" i="0" u="none" strike="noStrike" kern="1200" cap="none" spc="0" normalizeH="0" baseline="0" noProof="0" dirty="0">
-                <a:ln>
-                  <a:noFill/>
-                </a:ln>
-                <a:solidFill>
-                  <a:prstClr val="black"/>
-                </a:solidFill>
-                <a:effectLst/>
-                <a:uLnTx/>
-                <a:uFillTx/>
-                <a:latin typeface="游ゴシック" panose="02110004020202020204"/>
-                <a:ea typeface="游ゴシック" panose="020B0400000000000000" pitchFamily="50" charset="-128"/>
-                <a:cs typeface="+mn-cs"/>
-              </a:rPr>
-              <a:t>Git</a:t>
-            </a:r>
-            <a:r>
-              <a:rPr kumimoji="1" lang="ja-JP" altLang="en-US" sz="1800" b="0" i="0" u="none" strike="noStrike" kern="1200" cap="none" spc="0" normalizeH="0" baseline="0" noProof="0" dirty="0">
-                <a:ln>
-                  <a:noFill/>
-                </a:ln>
-                <a:solidFill>
-                  <a:prstClr val="black"/>
-                </a:solidFill>
-                <a:effectLst/>
-                <a:uLnTx/>
-                <a:uFillTx/>
-                <a:latin typeface="游ゴシック" panose="02110004020202020204"/>
-                <a:ea typeface="游ゴシック" panose="020B0400000000000000" pitchFamily="50" charset="-128"/>
-                <a:cs typeface="+mn-cs"/>
-              </a:rPr>
-              <a:t>の運用方法の確認と学習</a:t>
-            </a:r>
-            <a:endParaRPr kumimoji="1" lang="en-US" altLang="ja-JP" sz="1800" b="0" i="0" u="none" strike="noStrike" kern="1200" cap="none" spc="0" normalizeH="0" baseline="0" noProof="0" dirty="0">
-              <a:ln>
-                <a:noFill/>
-              </a:ln>
-              <a:solidFill>
-                <a:prstClr val="black"/>
-              </a:solidFill>
-              <a:effectLst/>
-              <a:uLnTx/>
-              <a:uFillTx/>
-              <a:latin typeface="游ゴシック" panose="02110004020202020204"/>
-              <a:ea typeface="游ゴシック" panose="020B0400000000000000" pitchFamily="50" charset="-128"/>
-              <a:cs typeface="+mn-cs"/>
-            </a:endParaRPr>
-          </a:p>
-          <a:p>
-            <a:pPr marL="0" marR="0" lvl="0" indent="0" algn="l" defTabSz="914400" rtl="0" eaLnBrk="1" fontAlgn="auto" latinLnBrk="0" hangingPunct="1">
-              <a:lnSpc>
-                <a:spcPct val="100000"/>
-              </a:lnSpc>
-              <a:spcBef>
-                <a:spcPts val="0"/>
-              </a:spcBef>
-              <a:spcAft>
-                <a:spcPts val="0"/>
-              </a:spcAft>
-              <a:buClrTx/>
-              <a:buSzTx/>
-              <a:buFontTx/>
-              <a:buNone/>
-              <a:tabLst/>
-              <a:defRPr/>
-            </a:pPr>
-            <a:r>
-              <a:rPr kumimoji="1" lang="ja-JP" altLang="en-US" sz="1800" b="0" i="0" u="none" strike="noStrike" kern="1200" cap="none" spc="0" normalizeH="0" baseline="0" noProof="0" dirty="0">
-                <a:ln>
-                  <a:noFill/>
-                </a:ln>
-                <a:solidFill>
-                  <a:prstClr val="black"/>
-                </a:solidFill>
-                <a:effectLst/>
-                <a:uLnTx/>
-                <a:uFillTx/>
-                <a:latin typeface="游ゴシック" panose="02110004020202020204"/>
-                <a:ea typeface="游ゴシック" panose="020B0400000000000000" pitchFamily="50" charset="-128"/>
-                <a:cs typeface="+mn-cs"/>
-              </a:rPr>
-              <a:t>２．全体像の把握し、作業配分を考えること</a:t>
-            </a:r>
-          </a:p>
-        </p:txBody>
-      </p:sp>
-      <p:sp>
-        <p:nvSpPr>
-          <p:cNvPr id="7" name="テキスト ボックス 6">
-            <a:extLst>
-              <a:ext uri="{FF2B5EF4-FFF2-40B4-BE49-F238E27FC236}">
-                <a16:creationId xmlns:a16="http://schemas.microsoft.com/office/drawing/2014/main" id="{80123BF2-3196-C913-A0B7-E893115CBE4C}"/>
+            <a:endParaRPr kumimoji="1" lang="ja-JP" altLang="en-US" dirty="0"/>
+          </a:p>
+        </p:txBody>
+      </p:sp>
+      <p:sp>
+        <p:nvSpPr>
+          <p:cNvPr id="14" name="テキスト ボックス 13">
+            <a:extLst>
+              <a:ext uri="{FF2B5EF4-FFF2-40B4-BE49-F238E27FC236}">
+                <a16:creationId xmlns:a16="http://schemas.microsoft.com/office/drawing/2014/main" id="{E2333EBB-69A9-1374-57E7-21BB5FABB8CE}"/>
               </a:ext>
             </a:extLst>
           </p:cNvPr>
@@ -11590,8 +11549,73 @@
         </p:nvSpPr>
         <p:spPr>
           <a:xfrm>
-            <a:off x="1175665" y="4406126"/>
-            <a:ext cx="10613564" cy="923330"/>
+            <a:off x="1175665" y="5679583"/>
+            <a:ext cx="10493821" cy="1200329"/>
+          </a:xfrm>
+          <a:prstGeom prst="rect">
+            <a:avLst/>
+          </a:prstGeom>
+          <a:noFill/>
+        </p:spPr>
+        <p:txBody>
+          <a:bodyPr wrap="square" rtlCol="0">
+            <a:spAutoFit/>
+          </a:bodyPr>
+          <a:lstStyle/>
+          <a:p>
+            <a:pPr marL="342900" indent="-342900">
+              <a:buFont typeface="+mj-lt"/>
+              <a:buAutoNum type="arabicPeriod"/>
+            </a:pPr>
+            <a:r>
+              <a:rPr lang="ja-JP" altLang="en-US" dirty="0"/>
+              <a:t>今後の演習等で他人のコードを読む機会を設けること</a:t>
+            </a:r>
+            <a:endParaRPr kumimoji="1" lang="en-US" altLang="ja-JP" dirty="0"/>
+          </a:p>
+          <a:p>
+            <a:pPr marL="342900" indent="-342900">
+              <a:buFont typeface="+mj-lt"/>
+              <a:buAutoNum type="arabicPeriod"/>
+            </a:pPr>
+            <a:r>
+              <a:rPr kumimoji="1" lang="ja-JP" altLang="en-US" dirty="0"/>
+              <a:t>講義の内容に関連する事柄について調べ、実際に行ってみること</a:t>
+            </a:r>
+            <a:endParaRPr kumimoji="1" lang="en-US" altLang="ja-JP" dirty="0"/>
+          </a:p>
+          <a:p>
+            <a:pPr marL="342900" indent="-342900">
+              <a:buFont typeface="+mj-lt"/>
+              <a:buAutoNum type="arabicPeriod"/>
+            </a:pPr>
+            <a:r>
+              <a:rPr kumimoji="1" lang="ja-JP" altLang="en-US" dirty="0"/>
+              <a:t>今後の演習等で仕様書を使う側になること</a:t>
+            </a:r>
+            <a:endParaRPr kumimoji="1" lang="en-US" altLang="ja-JP" dirty="0"/>
+          </a:p>
+          <a:p>
+            <a:endParaRPr kumimoji="1" lang="ja-JP" altLang="en-US" dirty="0"/>
+          </a:p>
+        </p:txBody>
+      </p:sp>
+      <p:sp>
+        <p:nvSpPr>
+          <p:cNvPr id="16" name="テキスト ボックス 15">
+            <a:extLst>
+              <a:ext uri="{FF2B5EF4-FFF2-40B4-BE49-F238E27FC236}">
+                <a16:creationId xmlns:a16="http://schemas.microsoft.com/office/drawing/2014/main" id="{42D5F234-54CB-BF07-B042-C4B198F47764}"/>
+              </a:ext>
+            </a:extLst>
+          </p:cNvPr>
+          <p:cNvSpPr txBox="1"/>
+          <p:nvPr/>
+        </p:nvSpPr>
+        <p:spPr>
+          <a:xfrm>
+            <a:off x="1175665" y="1861290"/>
+            <a:ext cx="10613564" cy="1008969"/>
           </a:xfrm>
           <a:prstGeom prst="rect">
             <a:avLst/>
@@ -11611,261 +11635,166 @@
           </a:bodyPr>
           <a:lstStyle/>
           <a:p>
-            <a:pPr marL="0" marR="0" lvl="0" indent="0" algn="l" defTabSz="914400" rtl="0" eaLnBrk="1" fontAlgn="auto" latinLnBrk="0" hangingPunct="1">
-              <a:lnSpc>
-                <a:spcPct val="100000"/>
-              </a:lnSpc>
-              <a:spcBef>
-                <a:spcPts val="0"/>
-              </a:spcBef>
-              <a:spcAft>
-                <a:spcPts val="0"/>
-              </a:spcAft>
-              <a:buClrTx/>
-              <a:buSzTx/>
-              <a:buFontTx/>
-              <a:buNone/>
-              <a:tabLst/>
-              <a:defRPr/>
-            </a:pPr>
-            <a:r>
-              <a:rPr kumimoji="1" lang="ja-JP" altLang="en-US" sz="1800" b="0" i="0" u="none" strike="noStrike" kern="1200" cap="none" spc="0" normalizeH="0" baseline="0" noProof="0" dirty="0">
-                <a:ln>
-                  <a:noFill/>
-                </a:ln>
-                <a:solidFill>
-                  <a:prstClr val="black"/>
-                </a:solidFill>
-                <a:effectLst/>
-                <a:uLnTx/>
-                <a:uFillTx/>
-                <a:latin typeface="游ゴシック" panose="02110004020202020204"/>
-                <a:ea typeface="游ゴシック" panose="020B0400000000000000" pitchFamily="50" charset="-128"/>
-                <a:cs typeface="+mn-cs"/>
-              </a:rPr>
-              <a:t>１．</a:t>
-            </a:r>
-            <a:r>
-              <a:rPr kumimoji="1" lang="en-US" altLang="ja-JP" sz="1800" b="0" i="0" u="none" strike="noStrike" kern="1200" cap="none" spc="0" normalizeH="0" baseline="0" noProof="0" dirty="0">
-                <a:ln>
-                  <a:noFill/>
-                </a:ln>
-                <a:solidFill>
-                  <a:prstClr val="black"/>
-                </a:solidFill>
-                <a:effectLst/>
-                <a:uLnTx/>
-                <a:uFillTx/>
-                <a:latin typeface="游ゴシック" panose="02110004020202020204"/>
-                <a:ea typeface="游ゴシック" panose="020B0400000000000000" pitchFamily="50" charset="-128"/>
-                <a:cs typeface="+mn-cs"/>
-              </a:rPr>
-              <a:t>GitHub</a:t>
-            </a:r>
-            <a:r>
-              <a:rPr kumimoji="1" lang="ja-JP" altLang="en-US" sz="1800" b="0" i="0" u="none" strike="noStrike" kern="1200" cap="none" spc="0" normalizeH="0" baseline="0" noProof="0" dirty="0">
-                <a:ln>
-                  <a:noFill/>
-                </a:ln>
-                <a:solidFill>
-                  <a:prstClr val="black"/>
-                </a:solidFill>
-                <a:effectLst/>
-                <a:uLnTx/>
-                <a:uFillTx/>
-                <a:latin typeface="游ゴシック" panose="02110004020202020204"/>
-                <a:ea typeface="游ゴシック" panose="020B0400000000000000" pitchFamily="50" charset="-128"/>
-                <a:cs typeface="+mn-cs"/>
-              </a:rPr>
-              <a:t>のコンフリクトやマージがが頻発。バージョン修正作業の発生</a:t>
-            </a:r>
-            <a:endParaRPr kumimoji="1" lang="en-US" altLang="ja-JP" sz="1800" b="0" i="0" u="none" strike="noStrike" kern="1200" cap="none" spc="0" normalizeH="0" baseline="0" noProof="0" dirty="0">
-              <a:ln>
-                <a:noFill/>
-              </a:ln>
-              <a:solidFill>
-                <a:prstClr val="black"/>
-              </a:solidFill>
-              <a:effectLst/>
-              <a:uLnTx/>
-              <a:uFillTx/>
-              <a:latin typeface="游ゴシック" panose="02110004020202020204"/>
-              <a:ea typeface="游ゴシック" panose="020B0400000000000000" pitchFamily="50" charset="-128"/>
-              <a:cs typeface="+mn-cs"/>
-            </a:endParaRPr>
-          </a:p>
-          <a:p>
-            <a:pPr marL="0" marR="0" lvl="0" indent="0" algn="l" defTabSz="914400" rtl="0" eaLnBrk="1" fontAlgn="auto" latinLnBrk="0" hangingPunct="1">
-              <a:lnSpc>
-                <a:spcPct val="100000"/>
-              </a:lnSpc>
-              <a:spcBef>
-                <a:spcPts val="0"/>
-              </a:spcBef>
-              <a:spcAft>
-                <a:spcPts val="0"/>
-              </a:spcAft>
-              <a:buClrTx/>
-              <a:buSzTx/>
-              <a:buFontTx/>
-              <a:buNone/>
-              <a:tabLst/>
-              <a:defRPr/>
-            </a:pPr>
-            <a:r>
-              <a:rPr kumimoji="1" lang="ja-JP" altLang="en-US" sz="1800" b="0" i="0" u="none" strike="noStrike" kern="1200" cap="none" spc="0" normalizeH="0" baseline="0" noProof="0" dirty="0">
-                <a:ln>
-                  <a:noFill/>
-                </a:ln>
-                <a:solidFill>
-                  <a:prstClr val="black"/>
-                </a:solidFill>
-                <a:effectLst/>
-                <a:uLnTx/>
-                <a:uFillTx/>
-                <a:latin typeface="游ゴシック" panose="02110004020202020204"/>
-                <a:ea typeface="游ゴシック" panose="020B0400000000000000" pitchFamily="50" charset="-128"/>
-                <a:cs typeface="+mn-cs"/>
-              </a:rPr>
-              <a:t>２</a:t>
-            </a:r>
-            <a:r>
-              <a:rPr kumimoji="1" lang="en-US" altLang="ja-JP" sz="1800" b="0" i="0" u="none" strike="noStrike" kern="1200" cap="none" spc="0" normalizeH="0" baseline="0" noProof="0" dirty="0">
-                <a:ln>
-                  <a:noFill/>
-                </a:ln>
-                <a:solidFill>
-                  <a:prstClr val="black"/>
-                </a:solidFill>
-                <a:effectLst/>
-                <a:uLnTx/>
-                <a:uFillTx/>
-                <a:latin typeface="游ゴシック" panose="02110004020202020204"/>
-                <a:ea typeface="游ゴシック" panose="020B0400000000000000" pitchFamily="50" charset="-128"/>
-                <a:cs typeface="+mn-cs"/>
-              </a:rPr>
-              <a:t>.</a:t>
-            </a:r>
-            <a:r>
-              <a:rPr kumimoji="1" lang="ja-JP" altLang="en-US" sz="1800" b="0" i="0" u="none" strike="noStrike" kern="1200" cap="none" spc="0" normalizeH="0" baseline="0" noProof="0" dirty="0">
-                <a:ln>
-                  <a:noFill/>
-                </a:ln>
-                <a:solidFill>
-                  <a:prstClr val="black"/>
-                </a:solidFill>
-                <a:effectLst/>
-                <a:uLnTx/>
-                <a:uFillTx/>
-                <a:latin typeface="游ゴシック" panose="02110004020202020204"/>
-                <a:ea typeface="游ゴシック" panose="020B0400000000000000" pitchFamily="50" charset="-128"/>
-                <a:cs typeface="+mn-cs"/>
-              </a:rPr>
-              <a:t>モジュール間の結合範囲を把握できていなかった。コード修正により、複数エラーが発生</a:t>
-            </a:r>
-            <a:endParaRPr kumimoji="1" lang="en-US" altLang="ja-JP" sz="1800" b="0" i="0" u="none" strike="noStrike" kern="1200" cap="none" spc="0" normalizeH="0" baseline="0" noProof="0" dirty="0">
-              <a:ln>
-                <a:noFill/>
-              </a:ln>
-              <a:solidFill>
-                <a:prstClr val="black"/>
-              </a:solidFill>
-              <a:effectLst/>
-              <a:uLnTx/>
-              <a:uFillTx/>
-              <a:latin typeface="游ゴシック" panose="02110004020202020204"/>
-              <a:ea typeface="游ゴシック" panose="020B0400000000000000" pitchFamily="50" charset="-128"/>
-              <a:cs typeface="+mn-cs"/>
-            </a:endParaRPr>
-          </a:p>
-          <a:p>
-            <a:pPr marL="0" marR="0" lvl="0" indent="0" algn="l" defTabSz="914400" rtl="0" eaLnBrk="1" fontAlgn="auto" latinLnBrk="0" hangingPunct="1">
-              <a:lnSpc>
-                <a:spcPct val="100000"/>
-              </a:lnSpc>
-              <a:spcBef>
-                <a:spcPts val="0"/>
-              </a:spcBef>
-              <a:spcAft>
-                <a:spcPts val="0"/>
-              </a:spcAft>
-              <a:buClrTx/>
-              <a:buSzTx/>
-              <a:buFontTx/>
-              <a:buNone/>
-              <a:tabLst/>
-              <a:defRPr/>
-            </a:pPr>
-            <a:endParaRPr kumimoji="1" lang="ja-JP" altLang="en-US" sz="1800" b="0" i="0" u="none" strike="noStrike" kern="1200" cap="none" spc="0" normalizeH="0" baseline="0" noProof="0" dirty="0">
-              <a:ln>
-                <a:noFill/>
-              </a:ln>
-              <a:solidFill>
-                <a:prstClr val="black"/>
-              </a:solidFill>
-              <a:effectLst/>
-              <a:uLnTx/>
-              <a:uFillTx/>
-              <a:latin typeface="游ゴシック" panose="02110004020202020204"/>
-              <a:ea typeface="游ゴシック" panose="020B0400000000000000" pitchFamily="50" charset="-128"/>
-              <a:cs typeface="+mn-cs"/>
-            </a:endParaRPr>
-          </a:p>
-        </p:txBody>
-      </p:sp>
-      <p:sp>
-        <p:nvSpPr>
-          <p:cNvPr id="4" name="リボン: 上に曲がる 3">
-            <a:extLst>
-              <a:ext uri="{FF2B5EF4-FFF2-40B4-BE49-F238E27FC236}">
-                <a16:creationId xmlns:a16="http://schemas.microsoft.com/office/drawing/2014/main" id="{368958BF-A93C-FAAA-A63C-6CDD805E69D6}"/>
-              </a:ext>
-            </a:extLst>
-          </p:cNvPr>
-          <p:cNvSpPr/>
+            <a:endParaRPr kumimoji="1" lang="ja-JP" altLang="en-US" dirty="0"/>
+          </a:p>
+        </p:txBody>
+      </p:sp>
+      <p:sp>
+        <p:nvSpPr>
+          <p:cNvPr id="18" name="テキスト ボックス 17">
+            <a:extLst>
+              <a:ext uri="{FF2B5EF4-FFF2-40B4-BE49-F238E27FC236}">
+                <a16:creationId xmlns:a16="http://schemas.microsoft.com/office/drawing/2014/main" id="{8272CA6C-8BE3-A4C5-3859-A4AD57D396D9}"/>
+              </a:ext>
+            </a:extLst>
+          </p:cNvPr>
+          <p:cNvSpPr txBox="1"/>
           <p:nvPr/>
         </p:nvSpPr>
         <p:spPr>
           <a:xfrm>
-            <a:off x="7805057" y="557280"/>
-            <a:ext cx="3069772" cy="566116"/>
-          </a:xfrm>
-          <a:prstGeom prst="ribbon2">
+            <a:off x="1175665" y="3106363"/>
+            <a:ext cx="10613564" cy="923330"/>
+          </a:xfrm>
+          <a:prstGeom prst="rect">
             <a:avLst/>
           </a:prstGeom>
-        </p:spPr>
-        <p:style>
-          <a:lnRef idx="2">
-            <a:schemeClr val="accent1">
-              <a:shade val="15000"/>
-            </a:schemeClr>
-          </a:lnRef>
-          <a:fillRef idx="1">
-            <a:schemeClr val="accent1"/>
-          </a:fillRef>
-          <a:effectRef idx="0">
-            <a:schemeClr val="accent1"/>
-          </a:effectRef>
-          <a:fontRef idx="minor">
-            <a:schemeClr val="lt1"/>
-          </a:fontRef>
-        </p:style>
-        <p:txBody>
-          <a:bodyPr rtlCol="0" anchor="ctr"/>
-          <a:lstStyle/>
-          <a:p>
-            <a:pPr algn="ctr"/>
+          <a:noFill/>
+        </p:spPr>
+        <p:txBody>
+          <a:bodyPr wrap="square" rtlCol="0">
+            <a:spAutoFit/>
+          </a:bodyPr>
+          <a:lstStyle/>
+          <a:p>
+            <a:pPr marL="342900" indent="-342900">
+              <a:buFont typeface="+mj-lt"/>
+              <a:buAutoNum type="arabicPeriod"/>
+            </a:pPr>
             <a:r>
               <a:rPr kumimoji="1" lang="ja-JP" altLang="en-US" dirty="0"/>
-              <a:t>テクニカルリーダー</a:t>
-            </a:r>
+              <a:t>単体テスト仕様書のレビューを結合テスト仕様書に反映させたこと</a:t>
+            </a:r>
+            <a:endParaRPr kumimoji="1" lang="en-US" altLang="ja-JP" dirty="0"/>
+          </a:p>
+          <a:p>
+            <a:pPr marL="342900" indent="-342900">
+              <a:buFont typeface="+mj-lt"/>
+              <a:buAutoNum type="arabicPeriod"/>
+            </a:pPr>
+            <a:r>
+              <a:rPr lang="ja-JP" altLang="en-US" dirty="0"/>
+              <a:t>講師・テクニカルリーダーに聞く前に調べたこと</a:t>
+            </a:r>
+            <a:endParaRPr kumimoji="1" lang="en-US" altLang="ja-JP" dirty="0"/>
+          </a:p>
+          <a:p>
+            <a:pPr marL="342900" indent="-342900">
+              <a:buFont typeface="+mj-lt"/>
+              <a:buAutoNum type="arabicPeriod"/>
+            </a:pPr>
+            <a:endParaRPr kumimoji="1" lang="ja-JP" altLang="en-US" dirty="0"/>
+          </a:p>
+        </p:txBody>
+      </p:sp>
+      <p:sp>
+        <p:nvSpPr>
+          <p:cNvPr id="22" name="テキスト ボックス 21">
+            <a:extLst>
+              <a:ext uri="{FF2B5EF4-FFF2-40B4-BE49-F238E27FC236}">
+                <a16:creationId xmlns:a16="http://schemas.microsoft.com/office/drawing/2014/main" id="{A87193CA-1478-46CD-DA84-DCA046F00DEC}"/>
+              </a:ext>
+            </a:extLst>
+          </p:cNvPr>
+          <p:cNvSpPr txBox="1"/>
+          <p:nvPr/>
+        </p:nvSpPr>
+        <p:spPr>
+          <a:xfrm>
+            <a:off x="1175665" y="1861290"/>
+            <a:ext cx="10613564" cy="923330"/>
+          </a:xfrm>
+          <a:prstGeom prst="rect">
+            <a:avLst/>
+          </a:prstGeom>
+          <a:noFill/>
+        </p:spPr>
+        <p:txBody>
+          <a:bodyPr wrap="square" rtlCol="0">
+            <a:spAutoFit/>
+          </a:bodyPr>
+          <a:lstStyle/>
+          <a:p>
+            <a:pPr marL="342900" indent="-342900">
+              <a:buFont typeface="+mj-lt"/>
+              <a:buAutoNum type="arabicPeriod"/>
+            </a:pPr>
+            <a:r>
+              <a:rPr lang="ja-JP" altLang="en-US" dirty="0"/>
+              <a:t>レビュー・</a:t>
+            </a:r>
+            <a:r>
+              <a:rPr lang="en-US" altLang="ja-JP" dirty="0"/>
+              <a:t>Issue</a:t>
+            </a:r>
+            <a:r>
+              <a:rPr lang="ja-JP" altLang="en-US" dirty="0"/>
+              <a:t>の優先度の振り分け・</a:t>
+            </a:r>
+            <a:r>
+              <a:rPr lang="en-US" altLang="ja-JP" dirty="0"/>
+              <a:t>Issue</a:t>
+            </a:r>
+            <a:r>
+              <a:rPr lang="ja-JP" altLang="en-US" dirty="0"/>
+              <a:t>のうち、優先度中以下の修正</a:t>
+            </a:r>
+            <a:endParaRPr lang="en-US" altLang="ja-JP" dirty="0"/>
+          </a:p>
+          <a:p>
+            <a:pPr marL="342900" indent="-342900">
+              <a:buFont typeface="+mj-lt"/>
+              <a:buAutoNum type="arabicPeriod"/>
+            </a:pPr>
+            <a:r>
+              <a:rPr lang="en-US" altLang="ja-JP" dirty="0" err="1">
+                <a:solidFill>
+                  <a:prstClr val="black"/>
+                </a:solidFill>
+              </a:rPr>
+              <a:t>ExpenseApplicationService</a:t>
+            </a:r>
+            <a:r>
+              <a:rPr lang="ja-JP" altLang="en-US" dirty="0">
+                <a:solidFill>
+                  <a:prstClr val="black"/>
+                </a:solidFill>
+              </a:rPr>
+              <a:t>のテストコードを一部実装</a:t>
+            </a:r>
+            <a:endParaRPr lang="en-US" altLang="ja-JP" dirty="0"/>
+          </a:p>
+          <a:p>
+            <a:pPr marL="342900" indent="-342900">
+              <a:buFont typeface="+mj-lt"/>
+              <a:buAutoNum type="arabicPeriod"/>
+            </a:pPr>
+            <a:r>
+              <a:rPr kumimoji="1" lang="ja-JP" altLang="en-US" dirty="0"/>
+              <a:t>単体テスト仕様書</a:t>
+            </a:r>
+            <a:r>
+              <a:rPr lang="ja-JP" altLang="en-US" dirty="0"/>
+              <a:t>・結合テスト仕様書の作成</a:t>
+            </a:r>
+            <a:endParaRPr kumimoji="1" lang="ja-JP" altLang="en-US" dirty="0"/>
           </a:p>
         </p:txBody>
       </p:sp>
     </p:spTree>
     <p:extLst>
       <p:ext uri="{BB962C8B-B14F-4D97-AF65-F5344CB8AC3E}">
-        <p14:creationId xmlns:p14="http://schemas.microsoft.com/office/powerpoint/2010/main" val="2677372121"/>
+        <p14:creationId xmlns:p14="http://schemas.microsoft.com/office/powerpoint/2010/main" val="2070866117"/>
       </p:ext>
     </p:extLst>
   </p:cSld>
